--- a/proj/FinalPresentation.pptx
+++ b/proj/FinalPresentation.pptx
@@ -2,14 +2,19 @@
 <file path=ppt/presentation.xml><?xml version="1.0" encoding="utf-8"?>
 <p:presentation xmlns:a="http://schemas.openxmlformats.org/drawingml/2006/main" xmlns:r="http://schemas.openxmlformats.org/officeDocument/2006/relationships" xmlns:p="http://schemas.openxmlformats.org/presentationml/2006/main" saveSubsetFonts="1">
   <p:sldMasterIdLst>
-    <p:sldMasterId id="2147483648" r:id="rId1"/>
+    <p:sldMasterId id="2147483660" r:id="rId1"/>
   </p:sldMasterIdLst>
   <p:notesMasterIdLst>
-    <p:notesMasterId r:id="rId4"/>
+    <p:notesMasterId r:id="rId9"/>
   </p:notesMasterIdLst>
   <p:sldIdLst>
     <p:sldId id="256" r:id="rId2"/>
-    <p:sldId id="257" r:id="rId3"/>
+    <p:sldId id="258" r:id="rId3"/>
+    <p:sldId id="260" r:id="rId4"/>
+    <p:sldId id="263" r:id="rId5"/>
+    <p:sldId id="261" r:id="rId6"/>
+    <p:sldId id="259" r:id="rId7"/>
+    <p:sldId id="257" r:id="rId8"/>
   </p:sldIdLst>
   <p:sldSz cx="9144000" cy="6858000" type="screen4x3"/>
   <p:notesSz cx="6858000" cy="9144000"/>
@@ -193,7 +198,8 @@
           <a:p>
             <a:fld id="{F163637A-02D7-4023-97DD-CF65DEB05421}" type="datetimeFigureOut">
               <a:rPr lang="en-US" smtClean="0"/>
-              <a:t>4/5/2010</a:t>
+              <a:pPr/>
+              <a:t>4/10/2010</a:t>
             </a:fld>
             <a:endParaRPr lang="en-US"/>
           </a:p>
@@ -354,6 +360,7 @@
           <a:p>
             <a:fld id="{3453FAA3-93BF-461C-86B8-11D8146ED44E}" type="slidenum">
               <a:rPr lang="en-US" smtClean="0"/>
+              <a:pPr/>
               <a:t>‹#›</a:t>
             </a:fld>
             <a:endParaRPr lang="en-US"/>
@@ -525,6 +532,7 @@
           <a:p>
             <a:fld id="{3453FAA3-93BF-461C-86B8-11D8146ED44E}" type="slidenum">
               <a:rPr lang="en-US" smtClean="0"/>
+              <a:pPr/>
               <a:t>1</a:t>
             </a:fld>
             <a:endParaRPr lang="en-US"/>
@@ -585,7 +593,7 @@
           </a:bodyPr>
           <a:lstStyle/>
           <a:p>
-            <a:endParaRPr lang="en-US" dirty="0"/>
+            <a:endParaRPr lang="en-US"/>
           </a:p>
         </p:txBody>
       </p:sp>
@@ -606,6 +614,7 @@
           <a:p>
             <a:fld id="{3453FAA3-93BF-461C-86B8-11D8146ED44E}" type="slidenum">
               <a:rPr lang="en-US" smtClean="0"/>
+              <a:pPr/>
               <a:t>2</a:t>
             </a:fld>
             <a:endParaRPr lang="en-US"/>
@@ -620,9 +629,9 @@
 </p:notes>
 </file>
 
-<file path=ppt/slideLayouts/slideLayout1.xml><?xml version="1.0" encoding="utf-8"?>
-<p:sldLayout xmlns:a="http://schemas.openxmlformats.org/drawingml/2006/main" xmlns:r="http://schemas.openxmlformats.org/officeDocument/2006/relationships" xmlns:p="http://schemas.openxmlformats.org/presentationml/2006/main" type="title" preserve="1">
-  <p:cSld name="Title Slide">
+<file path=ppt/notesSlides/notesSlide3.xml><?xml version="1.0" encoding="utf-8"?>
+<p:notes xmlns:a="http://schemas.openxmlformats.org/drawingml/2006/main" xmlns:r="http://schemas.openxmlformats.org/officeDocument/2006/relationships" xmlns:p="http://schemas.openxmlformats.org/presentationml/2006/main">
+  <p:cSld>
     <p:spTree>
       <p:nvGrpSpPr>
         <p:cNvPr id="1" name=""/>
@@ -639,7 +648,422 @@
       </p:grpSpPr>
       <p:sp>
         <p:nvSpPr>
-          <p:cNvPr id="2" name="Title 1"/>
+          <p:cNvPr id="2" name="Slide Image Placeholder 1"/>
+          <p:cNvSpPr>
+            <a:spLocks noGrp="1" noRot="1" noChangeAspect="1"/>
+          </p:cNvSpPr>
+          <p:nvPr>
+            <p:ph type="sldImg"/>
+          </p:nvPr>
+        </p:nvSpPr>
+        <p:spPr/>
+      </p:sp>
+      <p:sp>
+        <p:nvSpPr>
+          <p:cNvPr id="3" name="Notes Placeholder 2"/>
+          <p:cNvSpPr>
+            <a:spLocks noGrp="1"/>
+          </p:cNvSpPr>
+          <p:nvPr>
+            <p:ph type="body" idx="1"/>
+          </p:nvPr>
+        </p:nvSpPr>
+        <p:spPr/>
+        <p:txBody>
+          <a:bodyPr>
+            <a:normAutofit/>
+          </a:bodyPr>
+          <a:lstStyle/>
+          <a:p>
+            <a:endParaRPr lang="en-US"/>
+          </a:p>
+        </p:txBody>
+      </p:sp>
+      <p:sp>
+        <p:nvSpPr>
+          <p:cNvPr id="4" name="Slide Number Placeholder 3"/>
+          <p:cNvSpPr>
+            <a:spLocks noGrp="1"/>
+          </p:cNvSpPr>
+          <p:nvPr>
+            <p:ph type="sldNum" sz="quarter" idx="10"/>
+          </p:nvPr>
+        </p:nvSpPr>
+        <p:spPr/>
+        <p:txBody>
+          <a:bodyPr/>
+          <a:lstStyle/>
+          <a:p>
+            <a:fld id="{3453FAA3-93BF-461C-86B8-11D8146ED44E}" type="slidenum">
+              <a:rPr lang="en-US" smtClean="0"/>
+              <a:pPr/>
+              <a:t>3</a:t>
+            </a:fld>
+            <a:endParaRPr lang="en-US"/>
+          </a:p>
+        </p:txBody>
+      </p:sp>
+    </p:spTree>
+  </p:cSld>
+  <p:clrMapOvr>
+    <a:masterClrMapping/>
+  </p:clrMapOvr>
+</p:notes>
+</file>
+
+<file path=ppt/notesSlides/notesSlide4.xml><?xml version="1.0" encoding="utf-8"?>
+<p:notes xmlns:a="http://schemas.openxmlformats.org/drawingml/2006/main" xmlns:r="http://schemas.openxmlformats.org/officeDocument/2006/relationships" xmlns:p="http://schemas.openxmlformats.org/presentationml/2006/main">
+  <p:cSld>
+    <p:spTree>
+      <p:nvGrpSpPr>
+        <p:cNvPr id="1" name=""/>
+        <p:cNvGrpSpPr/>
+        <p:nvPr/>
+      </p:nvGrpSpPr>
+      <p:grpSpPr>
+        <a:xfrm>
+          <a:off x="0" y="0"/>
+          <a:ext cx="0" cy="0"/>
+          <a:chOff x="0" y="0"/>
+          <a:chExt cx="0" cy="0"/>
+        </a:xfrm>
+      </p:grpSpPr>
+      <p:sp>
+        <p:nvSpPr>
+          <p:cNvPr id="2" name="Slide Image Placeholder 1"/>
+          <p:cNvSpPr>
+            <a:spLocks noGrp="1" noRot="1" noChangeAspect="1"/>
+          </p:cNvSpPr>
+          <p:nvPr>
+            <p:ph type="sldImg"/>
+          </p:nvPr>
+        </p:nvSpPr>
+        <p:spPr/>
+      </p:sp>
+      <p:sp>
+        <p:nvSpPr>
+          <p:cNvPr id="3" name="Notes Placeholder 2"/>
+          <p:cNvSpPr>
+            <a:spLocks noGrp="1"/>
+          </p:cNvSpPr>
+          <p:nvPr>
+            <p:ph type="body" idx="1"/>
+          </p:nvPr>
+        </p:nvSpPr>
+        <p:spPr/>
+        <p:txBody>
+          <a:bodyPr>
+            <a:normAutofit/>
+          </a:bodyPr>
+          <a:lstStyle/>
+          <a:p>
+            <a:endParaRPr lang="en-US"/>
+          </a:p>
+        </p:txBody>
+      </p:sp>
+      <p:sp>
+        <p:nvSpPr>
+          <p:cNvPr id="4" name="Slide Number Placeholder 3"/>
+          <p:cNvSpPr>
+            <a:spLocks noGrp="1"/>
+          </p:cNvSpPr>
+          <p:nvPr>
+            <p:ph type="sldNum" sz="quarter" idx="10"/>
+          </p:nvPr>
+        </p:nvSpPr>
+        <p:spPr/>
+        <p:txBody>
+          <a:bodyPr/>
+          <a:lstStyle/>
+          <a:p>
+            <a:fld id="{B0511807-729B-42C4-AFF6-2A42C2749713}" type="slidenum">
+              <a:rPr lang="en-US" smtClean="0"/>
+              <a:pPr/>
+              <a:t>4</a:t>
+            </a:fld>
+            <a:endParaRPr lang="en-US"/>
+          </a:p>
+        </p:txBody>
+      </p:sp>
+    </p:spTree>
+  </p:cSld>
+  <p:clrMapOvr>
+    <a:masterClrMapping/>
+  </p:clrMapOvr>
+</p:notes>
+</file>
+
+<file path=ppt/notesSlides/notesSlide5.xml><?xml version="1.0" encoding="utf-8"?>
+<p:notes xmlns:a="http://schemas.openxmlformats.org/drawingml/2006/main" xmlns:r="http://schemas.openxmlformats.org/officeDocument/2006/relationships" xmlns:p="http://schemas.openxmlformats.org/presentationml/2006/main">
+  <p:cSld>
+    <p:spTree>
+      <p:nvGrpSpPr>
+        <p:cNvPr id="1" name=""/>
+        <p:cNvGrpSpPr/>
+        <p:nvPr/>
+      </p:nvGrpSpPr>
+      <p:grpSpPr>
+        <a:xfrm>
+          <a:off x="0" y="0"/>
+          <a:ext cx="0" cy="0"/>
+          <a:chOff x="0" y="0"/>
+          <a:chExt cx="0" cy="0"/>
+        </a:xfrm>
+      </p:grpSpPr>
+      <p:sp>
+        <p:nvSpPr>
+          <p:cNvPr id="2" name="Slide Image Placeholder 1"/>
+          <p:cNvSpPr>
+            <a:spLocks noGrp="1" noRot="1" noChangeAspect="1"/>
+          </p:cNvSpPr>
+          <p:nvPr>
+            <p:ph type="sldImg"/>
+          </p:nvPr>
+        </p:nvSpPr>
+        <p:spPr/>
+      </p:sp>
+      <p:sp>
+        <p:nvSpPr>
+          <p:cNvPr id="3" name="Notes Placeholder 2"/>
+          <p:cNvSpPr>
+            <a:spLocks noGrp="1"/>
+          </p:cNvSpPr>
+          <p:nvPr>
+            <p:ph type="body" idx="1"/>
+          </p:nvPr>
+        </p:nvSpPr>
+        <p:spPr/>
+        <p:txBody>
+          <a:bodyPr>
+            <a:normAutofit/>
+          </a:bodyPr>
+          <a:lstStyle/>
+          <a:p>
+            <a:endParaRPr lang="en-US"/>
+          </a:p>
+        </p:txBody>
+      </p:sp>
+      <p:sp>
+        <p:nvSpPr>
+          <p:cNvPr id="4" name="Slide Number Placeholder 3"/>
+          <p:cNvSpPr>
+            <a:spLocks noGrp="1"/>
+          </p:cNvSpPr>
+          <p:nvPr>
+            <p:ph type="sldNum" sz="quarter" idx="10"/>
+          </p:nvPr>
+        </p:nvSpPr>
+        <p:spPr/>
+        <p:txBody>
+          <a:bodyPr/>
+          <a:lstStyle/>
+          <a:p>
+            <a:fld id="{3453FAA3-93BF-461C-86B8-11D8146ED44E}" type="slidenum">
+              <a:rPr lang="en-US" smtClean="0"/>
+              <a:pPr/>
+              <a:t>5</a:t>
+            </a:fld>
+            <a:endParaRPr lang="en-US"/>
+          </a:p>
+        </p:txBody>
+      </p:sp>
+    </p:spTree>
+  </p:cSld>
+  <p:clrMapOvr>
+    <a:masterClrMapping/>
+  </p:clrMapOvr>
+</p:notes>
+</file>
+
+<file path=ppt/notesSlides/notesSlide6.xml><?xml version="1.0" encoding="utf-8"?>
+<p:notes xmlns:a="http://schemas.openxmlformats.org/drawingml/2006/main" xmlns:r="http://schemas.openxmlformats.org/officeDocument/2006/relationships" xmlns:p="http://schemas.openxmlformats.org/presentationml/2006/main">
+  <p:cSld>
+    <p:spTree>
+      <p:nvGrpSpPr>
+        <p:cNvPr id="1" name=""/>
+        <p:cNvGrpSpPr/>
+        <p:nvPr/>
+      </p:nvGrpSpPr>
+      <p:grpSpPr>
+        <a:xfrm>
+          <a:off x="0" y="0"/>
+          <a:ext cx="0" cy="0"/>
+          <a:chOff x="0" y="0"/>
+          <a:chExt cx="0" cy="0"/>
+        </a:xfrm>
+      </p:grpSpPr>
+      <p:sp>
+        <p:nvSpPr>
+          <p:cNvPr id="2" name="Slide Image Placeholder 1"/>
+          <p:cNvSpPr>
+            <a:spLocks noGrp="1" noRot="1" noChangeAspect="1"/>
+          </p:cNvSpPr>
+          <p:nvPr>
+            <p:ph type="sldImg"/>
+          </p:nvPr>
+        </p:nvSpPr>
+        <p:spPr/>
+      </p:sp>
+      <p:sp>
+        <p:nvSpPr>
+          <p:cNvPr id="3" name="Notes Placeholder 2"/>
+          <p:cNvSpPr>
+            <a:spLocks noGrp="1"/>
+          </p:cNvSpPr>
+          <p:nvPr>
+            <p:ph type="body" idx="1"/>
+          </p:nvPr>
+        </p:nvSpPr>
+        <p:spPr/>
+        <p:txBody>
+          <a:bodyPr>
+            <a:normAutofit/>
+          </a:bodyPr>
+          <a:lstStyle/>
+          <a:p>
+            <a:endParaRPr lang="en-US"/>
+          </a:p>
+        </p:txBody>
+      </p:sp>
+      <p:sp>
+        <p:nvSpPr>
+          <p:cNvPr id="4" name="Slide Number Placeholder 3"/>
+          <p:cNvSpPr>
+            <a:spLocks noGrp="1"/>
+          </p:cNvSpPr>
+          <p:nvPr>
+            <p:ph type="sldNum" sz="quarter" idx="10"/>
+          </p:nvPr>
+        </p:nvSpPr>
+        <p:spPr/>
+        <p:txBody>
+          <a:bodyPr/>
+          <a:lstStyle/>
+          <a:p>
+            <a:fld id="{3453FAA3-93BF-461C-86B8-11D8146ED44E}" type="slidenum">
+              <a:rPr lang="en-US" smtClean="0"/>
+              <a:pPr/>
+              <a:t>6</a:t>
+            </a:fld>
+            <a:endParaRPr lang="en-US"/>
+          </a:p>
+        </p:txBody>
+      </p:sp>
+    </p:spTree>
+  </p:cSld>
+  <p:clrMapOvr>
+    <a:masterClrMapping/>
+  </p:clrMapOvr>
+</p:notes>
+</file>
+
+<file path=ppt/notesSlides/notesSlide7.xml><?xml version="1.0" encoding="utf-8"?>
+<p:notes xmlns:a="http://schemas.openxmlformats.org/drawingml/2006/main" xmlns:r="http://schemas.openxmlformats.org/officeDocument/2006/relationships" xmlns:p="http://schemas.openxmlformats.org/presentationml/2006/main">
+  <p:cSld>
+    <p:spTree>
+      <p:nvGrpSpPr>
+        <p:cNvPr id="1" name=""/>
+        <p:cNvGrpSpPr/>
+        <p:nvPr/>
+      </p:nvGrpSpPr>
+      <p:grpSpPr>
+        <a:xfrm>
+          <a:off x="0" y="0"/>
+          <a:ext cx="0" cy="0"/>
+          <a:chOff x="0" y="0"/>
+          <a:chExt cx="0" cy="0"/>
+        </a:xfrm>
+      </p:grpSpPr>
+      <p:sp>
+        <p:nvSpPr>
+          <p:cNvPr id="2" name="Slide Image Placeholder 1"/>
+          <p:cNvSpPr>
+            <a:spLocks noGrp="1" noRot="1" noChangeAspect="1"/>
+          </p:cNvSpPr>
+          <p:nvPr>
+            <p:ph type="sldImg"/>
+          </p:nvPr>
+        </p:nvSpPr>
+        <p:spPr/>
+      </p:sp>
+      <p:sp>
+        <p:nvSpPr>
+          <p:cNvPr id="3" name="Notes Placeholder 2"/>
+          <p:cNvSpPr>
+            <a:spLocks noGrp="1"/>
+          </p:cNvSpPr>
+          <p:nvPr>
+            <p:ph type="body" idx="1"/>
+          </p:nvPr>
+        </p:nvSpPr>
+        <p:spPr/>
+        <p:txBody>
+          <a:bodyPr>
+            <a:normAutofit/>
+          </a:bodyPr>
+          <a:lstStyle/>
+          <a:p>
+            <a:endParaRPr lang="en-US" dirty="0"/>
+          </a:p>
+        </p:txBody>
+      </p:sp>
+      <p:sp>
+        <p:nvSpPr>
+          <p:cNvPr id="4" name="Slide Number Placeholder 3"/>
+          <p:cNvSpPr>
+            <a:spLocks noGrp="1"/>
+          </p:cNvSpPr>
+          <p:nvPr>
+            <p:ph type="sldNum" sz="quarter" idx="10"/>
+          </p:nvPr>
+        </p:nvSpPr>
+        <p:spPr/>
+        <p:txBody>
+          <a:bodyPr/>
+          <a:lstStyle/>
+          <a:p>
+            <a:fld id="{3453FAA3-93BF-461C-86B8-11D8146ED44E}" type="slidenum">
+              <a:rPr lang="en-US" smtClean="0"/>
+              <a:pPr/>
+              <a:t>7</a:t>
+            </a:fld>
+            <a:endParaRPr lang="en-US"/>
+          </a:p>
+        </p:txBody>
+      </p:sp>
+    </p:spTree>
+  </p:cSld>
+  <p:clrMapOvr>
+    <a:masterClrMapping/>
+  </p:clrMapOvr>
+</p:notes>
+</file>
+
+<file path=ppt/slideLayouts/slideLayout1.xml><?xml version="1.0" encoding="utf-8"?>
+<p:sldLayout xmlns:a="http://schemas.openxmlformats.org/drawingml/2006/main" xmlns:r="http://schemas.openxmlformats.org/officeDocument/2006/relationships" xmlns:p="http://schemas.openxmlformats.org/presentationml/2006/main" type="title" preserve="1">
+  <p:cSld name="Title Slide">
+    <p:bg>
+      <p:bgRef idx="1002">
+        <a:schemeClr val="bg2"/>
+      </p:bgRef>
+    </p:bg>
+    <p:spTree>
+      <p:nvGrpSpPr>
+        <p:cNvPr id="1" name=""/>
+        <p:cNvGrpSpPr/>
+        <p:nvPr/>
+      </p:nvGrpSpPr>
+      <p:grpSpPr>
+        <a:xfrm>
+          <a:off x="0" y="0"/>
+          <a:ext cx="0" cy="0"/>
+          <a:chOff x="0" y="0"/>
+          <a:chExt cx="0" cy="0"/>
+        </a:xfrm>
+      </p:grpSpPr>
+      <p:sp>
+        <p:nvSpPr>
+          <p:cNvPr id="9" name="Title 8"/>
           <p:cNvSpPr>
             <a:spLocks noGrp="1"/>
           </p:cNvSpPr>
@@ -649,144 +1073,131 @@
         </p:nvSpPr>
         <p:spPr>
           <a:xfrm>
-            <a:off x="685800" y="2130425"/>
-            <a:ext cx="7772400" cy="1470025"/>
+            <a:off x="533400" y="1371600"/>
+            <a:ext cx="7851648" cy="1828800"/>
+          </a:xfrm>
+          <a:ln>
+            <a:noFill/>
+          </a:ln>
+        </p:spPr>
+        <p:txBody>
+          <a:bodyPr vert="horz" tIns="0" rIns="18288" bIns="0" anchor="b">
+            <a:normAutofit/>
+            <a:scene3d>
+              <a:camera prst="orthographicFront"/>
+              <a:lightRig rig="freezing" dir="t">
+                <a:rot lat="0" lon="0" rev="5640000"/>
+              </a:lightRig>
+            </a:scene3d>
+            <a:sp3d prstMaterial="flat">
+              <a:bevelT w="38100" h="38100"/>
+              <a:contourClr>
+                <a:schemeClr val="tx2"/>
+              </a:contourClr>
+            </a:sp3d>
+          </a:bodyPr>
+          <a:lstStyle>
+            <a:lvl1pPr algn="r" rtl="0">
+              <a:spcBef>
+                <a:spcPct val="0"/>
+              </a:spcBef>
+              <a:buNone/>
+              <a:defRPr sz="5600" b="1">
+                <a:ln>
+                  <a:noFill/>
+                </a:ln>
+                <a:solidFill>
+                  <a:schemeClr val="accent3">
+                    <a:tint val="90000"/>
+                    <a:satMod val="120000"/>
+                  </a:schemeClr>
+                </a:solidFill>
+                <a:effectLst>
+                  <a:outerShdw blurRad="38100" dist="25400" dir="5400000" algn="tl" rotWithShape="0">
+                    <a:srgbClr val="000000">
+                      <a:alpha val="43000"/>
+                    </a:srgbClr>
+                  </a:outerShdw>
+                </a:effectLst>
+                <a:latin typeface="+mj-lt"/>
+                <a:ea typeface="+mj-ea"/>
+                <a:cs typeface="+mj-cs"/>
+              </a:defRPr>
+            </a:lvl1pPr>
+          </a:lstStyle>
+          <a:p>
+            <a:r>
+              <a:rPr kumimoji="0" lang="en-US" smtClean="0"/>
+              <a:t>Click to edit Master title style</a:t>
+            </a:r>
+            <a:endParaRPr kumimoji="0" lang="en-US"/>
+          </a:p>
+        </p:txBody>
+      </p:sp>
+      <p:sp>
+        <p:nvSpPr>
+          <p:cNvPr id="17" name="Subtitle 16"/>
+          <p:cNvSpPr>
+            <a:spLocks noGrp="1"/>
+          </p:cNvSpPr>
+          <p:nvPr>
+            <p:ph type="subTitle" idx="1"/>
+          </p:nvPr>
+        </p:nvSpPr>
+        <p:spPr>
+          <a:xfrm>
+            <a:off x="533400" y="3228536"/>
+            <a:ext cx="7854696" cy="1752600"/>
           </a:xfrm>
         </p:spPr>
         <p:txBody>
-          <a:bodyPr/>
-          <a:lstStyle/>
-          <a:p>
-            <a:r>
-              <a:rPr lang="en-US" smtClean="0"/>
-              <a:t>Click to edit Master title style</a:t>
-            </a:r>
-            <a:endParaRPr lang="en-US"/>
-          </a:p>
-        </p:txBody>
-      </p:sp>
-      <p:sp>
-        <p:nvSpPr>
-          <p:cNvPr id="3" name="Subtitle 2"/>
-          <p:cNvSpPr>
-            <a:spLocks noGrp="1"/>
-          </p:cNvSpPr>
-          <p:nvPr>
-            <p:ph type="subTitle" idx="1"/>
-          </p:nvPr>
-        </p:nvSpPr>
-        <p:spPr>
-          <a:xfrm>
-            <a:off x="1371600" y="3886200"/>
-            <a:ext cx="6400800" cy="1752600"/>
-          </a:xfrm>
-        </p:spPr>
-        <p:txBody>
-          <a:bodyPr/>
+          <a:bodyPr lIns="0" rIns="18288"/>
           <a:lstStyle>
-            <a:lvl1pPr marL="0" indent="0" algn="ctr">
+            <a:lvl1pPr marL="0" marR="45720" indent="0" algn="r">
               <a:buNone/>
               <a:defRPr>
                 <a:solidFill>
-                  <a:schemeClr val="tx1">
-                    <a:tint val="75000"/>
-                  </a:schemeClr>
+                  <a:schemeClr val="tx1"/>
                 </a:solidFill>
               </a:defRPr>
             </a:lvl1pPr>
             <a:lvl2pPr marL="457200" indent="0" algn="ctr">
               <a:buNone/>
-              <a:defRPr>
-                <a:solidFill>
-                  <a:schemeClr val="tx1">
-                    <a:tint val="75000"/>
-                  </a:schemeClr>
-                </a:solidFill>
-              </a:defRPr>
             </a:lvl2pPr>
             <a:lvl3pPr marL="914400" indent="0" algn="ctr">
               <a:buNone/>
-              <a:defRPr>
-                <a:solidFill>
-                  <a:schemeClr val="tx1">
-                    <a:tint val="75000"/>
-                  </a:schemeClr>
-                </a:solidFill>
-              </a:defRPr>
             </a:lvl3pPr>
             <a:lvl4pPr marL="1371600" indent="0" algn="ctr">
               <a:buNone/>
-              <a:defRPr>
-                <a:solidFill>
-                  <a:schemeClr val="tx1">
-                    <a:tint val="75000"/>
-                  </a:schemeClr>
-                </a:solidFill>
-              </a:defRPr>
             </a:lvl4pPr>
             <a:lvl5pPr marL="1828800" indent="0" algn="ctr">
               <a:buNone/>
-              <a:defRPr>
-                <a:solidFill>
-                  <a:schemeClr val="tx1">
-                    <a:tint val="75000"/>
-                  </a:schemeClr>
-                </a:solidFill>
-              </a:defRPr>
             </a:lvl5pPr>
             <a:lvl6pPr marL="2286000" indent="0" algn="ctr">
               <a:buNone/>
-              <a:defRPr>
-                <a:solidFill>
-                  <a:schemeClr val="tx1">
-                    <a:tint val="75000"/>
-                  </a:schemeClr>
-                </a:solidFill>
-              </a:defRPr>
             </a:lvl6pPr>
             <a:lvl7pPr marL="2743200" indent="0" algn="ctr">
               <a:buNone/>
-              <a:defRPr>
-                <a:solidFill>
-                  <a:schemeClr val="tx1">
-                    <a:tint val="75000"/>
-                  </a:schemeClr>
-                </a:solidFill>
-              </a:defRPr>
             </a:lvl7pPr>
             <a:lvl8pPr marL="3200400" indent="0" algn="ctr">
               <a:buNone/>
-              <a:defRPr>
-                <a:solidFill>
-                  <a:schemeClr val="tx1">
-                    <a:tint val="75000"/>
-                  </a:schemeClr>
-                </a:solidFill>
-              </a:defRPr>
             </a:lvl8pPr>
             <a:lvl9pPr marL="3657600" indent="0" algn="ctr">
               <a:buNone/>
-              <a:defRPr>
-                <a:solidFill>
-                  <a:schemeClr val="tx1">
-                    <a:tint val="75000"/>
-                  </a:schemeClr>
-                </a:solidFill>
-              </a:defRPr>
             </a:lvl9pPr>
           </a:lstStyle>
           <a:p>
             <a:r>
-              <a:rPr lang="en-US" smtClean="0"/>
+              <a:rPr kumimoji="0" lang="en-US" smtClean="0"/>
               <a:t>Click to edit Master subtitle style</a:t>
             </a:r>
-            <a:endParaRPr lang="en-US"/>
-          </a:p>
-        </p:txBody>
-      </p:sp>
-      <p:sp>
-        <p:nvSpPr>
-          <p:cNvPr id="4" name="Date Placeholder 3"/>
+            <a:endParaRPr kumimoji="0" lang="en-US"/>
+          </a:p>
+        </p:txBody>
+      </p:sp>
+      <p:sp>
+        <p:nvSpPr>
+          <p:cNvPr id="30" name="Date Placeholder 29"/>
           <p:cNvSpPr>
             <a:spLocks noGrp="1"/>
           </p:cNvSpPr>
@@ -801,7 +1212,8 @@
           <a:p>
             <a:fld id="{EF34DA83-6693-45CD-B904-8651ED07B240}" type="datetimeFigureOut">
               <a:rPr lang="en-US" smtClean="0"/>
-              <a:t>4/5/2010</a:t>
+              <a:pPr/>
+              <a:t>4/10/2010</a:t>
             </a:fld>
             <a:endParaRPr lang="en-US"/>
           </a:p>
@@ -809,7 +1221,7 @@
       </p:sp>
       <p:sp>
         <p:nvSpPr>
-          <p:cNvPr id="5" name="Footer Placeholder 4"/>
+          <p:cNvPr id="19" name="Footer Placeholder 18"/>
           <p:cNvSpPr>
             <a:spLocks noGrp="1"/>
           </p:cNvSpPr>
@@ -828,7 +1240,7 @@
       </p:sp>
       <p:sp>
         <p:nvSpPr>
-          <p:cNvPr id="6" name="Slide Number Placeholder 5"/>
+          <p:cNvPr id="27" name="Slide Number Placeholder 26"/>
           <p:cNvSpPr>
             <a:spLocks noGrp="1"/>
           </p:cNvSpPr>
@@ -843,6 +1255,7 @@
           <a:p>
             <a:fld id="{1CAB49CD-2AD7-498D-A8FB-A2CB4212A367}" type="slidenum">
               <a:rPr lang="en-US" smtClean="0"/>
+              <a:pPr/>
               <a:t>‹#›</a:t>
             </a:fld>
             <a:endParaRPr lang="en-US"/>
@@ -852,7 +1265,7 @@
     </p:spTree>
   </p:cSld>
   <p:clrMapOvr>
-    <a:masterClrMapping/>
+    <a:overrideClrMapping bg1="dk1" tx1="lt1" bg2="dk2" tx2="lt2" accent1="accent1" accent2="accent2" accent3="accent3" accent4="accent4" accent5="accent5" accent6="accent6" hlink="hlink" folHlink="folHlink"/>
   </p:clrMapOvr>
 </p:sldLayout>
 </file>
@@ -890,10 +1303,10 @@
           <a:lstStyle/>
           <a:p>
             <a:r>
-              <a:rPr lang="en-US" smtClean="0"/>
+              <a:rPr kumimoji="0" lang="en-US" smtClean="0"/>
               <a:t>Click to edit Master title style</a:t>
             </a:r>
-            <a:endParaRPr lang="en-US"/>
+            <a:endParaRPr kumimoji="0" lang="en-US"/>
           </a:p>
         </p:txBody>
       </p:sp>
@@ -912,40 +1325,40 @@
           <a:bodyPr vert="eaVert"/>
           <a:lstStyle/>
           <a:p>
-            <a:pPr lvl="0"/>
+            <a:pPr lvl="0" eaLnBrk="1" latinLnBrk="0" hangingPunct="1"/>
             <a:r>
               <a:rPr lang="en-US" smtClean="0"/>
               <a:t>Click to edit Master text styles</a:t>
             </a:r>
           </a:p>
           <a:p>
-            <a:pPr lvl="1"/>
+            <a:pPr lvl="1" eaLnBrk="1" latinLnBrk="0" hangingPunct="1"/>
             <a:r>
               <a:rPr lang="en-US" smtClean="0"/>
               <a:t>Second level</a:t>
             </a:r>
           </a:p>
           <a:p>
-            <a:pPr lvl="2"/>
+            <a:pPr lvl="2" eaLnBrk="1" latinLnBrk="0" hangingPunct="1"/>
             <a:r>
               <a:rPr lang="en-US" smtClean="0"/>
               <a:t>Third level</a:t>
             </a:r>
           </a:p>
           <a:p>
-            <a:pPr lvl="3"/>
+            <a:pPr lvl="3" eaLnBrk="1" latinLnBrk="0" hangingPunct="1"/>
             <a:r>
               <a:rPr lang="en-US" smtClean="0"/>
               <a:t>Fourth level</a:t>
             </a:r>
           </a:p>
           <a:p>
-            <a:pPr lvl="4"/>
+            <a:pPr lvl="4" eaLnBrk="1" latinLnBrk="0" hangingPunct="1"/>
             <a:r>
               <a:rPr lang="en-US" smtClean="0"/>
               <a:t>Fifth level</a:t>
             </a:r>
-            <a:endParaRPr lang="en-US"/>
+            <a:endParaRPr kumimoji="0" lang="en-US"/>
           </a:p>
         </p:txBody>
       </p:sp>
@@ -966,7 +1379,8 @@
           <a:p>
             <a:fld id="{EF34DA83-6693-45CD-B904-8651ED07B240}" type="datetimeFigureOut">
               <a:rPr lang="en-US" smtClean="0"/>
-              <a:t>4/5/2010</a:t>
+              <a:pPr/>
+              <a:t>4/10/2010</a:t>
             </a:fld>
             <a:endParaRPr lang="en-US"/>
           </a:p>
@@ -1008,6 +1422,7 @@
           <a:p>
             <a:fld id="{1CAB49CD-2AD7-498D-A8FB-A2CB4212A367}" type="slidenum">
               <a:rPr lang="en-US" smtClean="0"/>
+              <a:pPr/>
               <a:t>‹#›</a:t>
             </a:fld>
             <a:endParaRPr lang="en-US"/>
@@ -1051,8 +1466,8 @@
         </p:nvSpPr>
         <p:spPr>
           <a:xfrm>
-            <a:off x="6629400" y="274638"/>
-            <a:ext cx="2057400" cy="5851525"/>
+            <a:off x="6629400" y="914401"/>
+            <a:ext cx="2057400" cy="5211763"/>
           </a:xfrm>
         </p:spPr>
         <p:txBody>
@@ -1060,10 +1475,10 @@
           <a:lstStyle/>
           <a:p>
             <a:r>
-              <a:rPr lang="en-US" smtClean="0"/>
+              <a:rPr kumimoji="0" lang="en-US" smtClean="0"/>
               <a:t>Click to edit Master title style</a:t>
             </a:r>
-            <a:endParaRPr lang="en-US"/>
+            <a:endParaRPr kumimoji="0" lang="en-US"/>
           </a:p>
         </p:txBody>
       </p:sp>
@@ -1079,48 +1494,48 @@
         </p:nvSpPr>
         <p:spPr>
           <a:xfrm>
-            <a:off x="457200" y="274638"/>
-            <a:ext cx="6019800" cy="5851525"/>
+            <a:off x="457200" y="914401"/>
+            <a:ext cx="6019800" cy="5211763"/>
           </a:xfrm>
         </p:spPr>
         <p:txBody>
           <a:bodyPr vert="eaVert"/>
           <a:lstStyle/>
           <a:p>
-            <a:pPr lvl="0"/>
+            <a:pPr lvl="0" eaLnBrk="1" latinLnBrk="0" hangingPunct="1"/>
             <a:r>
               <a:rPr lang="en-US" smtClean="0"/>
               <a:t>Click to edit Master text styles</a:t>
             </a:r>
           </a:p>
           <a:p>
-            <a:pPr lvl="1"/>
+            <a:pPr lvl="1" eaLnBrk="1" latinLnBrk="0" hangingPunct="1"/>
             <a:r>
               <a:rPr lang="en-US" smtClean="0"/>
               <a:t>Second level</a:t>
             </a:r>
           </a:p>
           <a:p>
-            <a:pPr lvl="2"/>
+            <a:pPr lvl="2" eaLnBrk="1" latinLnBrk="0" hangingPunct="1"/>
             <a:r>
               <a:rPr lang="en-US" smtClean="0"/>
               <a:t>Third level</a:t>
             </a:r>
           </a:p>
           <a:p>
-            <a:pPr lvl="3"/>
+            <a:pPr lvl="3" eaLnBrk="1" latinLnBrk="0" hangingPunct="1"/>
             <a:r>
               <a:rPr lang="en-US" smtClean="0"/>
               <a:t>Fourth level</a:t>
             </a:r>
           </a:p>
           <a:p>
-            <a:pPr lvl="4"/>
+            <a:pPr lvl="4" eaLnBrk="1" latinLnBrk="0" hangingPunct="1"/>
             <a:r>
               <a:rPr lang="en-US" smtClean="0"/>
               <a:t>Fifth level</a:t>
             </a:r>
-            <a:endParaRPr lang="en-US"/>
+            <a:endParaRPr kumimoji="0" lang="en-US"/>
           </a:p>
         </p:txBody>
       </p:sp>
@@ -1141,7 +1556,8 @@
           <a:p>
             <a:fld id="{EF34DA83-6693-45CD-B904-8651ED07B240}" type="datetimeFigureOut">
               <a:rPr lang="en-US" smtClean="0"/>
-              <a:t>4/5/2010</a:t>
+              <a:pPr/>
+              <a:t>4/10/2010</a:t>
             </a:fld>
             <a:endParaRPr lang="en-US"/>
           </a:p>
@@ -1183,6 +1599,7 @@
           <a:p>
             <a:fld id="{1CAB49CD-2AD7-498D-A8FB-A2CB4212A367}" type="slidenum">
               <a:rPr lang="en-US" smtClean="0"/>
+              <a:pPr/>
               <a:t>‹#›</a:t>
             </a:fld>
             <a:endParaRPr lang="en-US"/>
@@ -1230,10 +1647,10 @@
           <a:lstStyle/>
           <a:p>
             <a:r>
-              <a:rPr lang="en-US" smtClean="0"/>
+              <a:rPr kumimoji="0" lang="en-US" smtClean="0"/>
               <a:t>Click to edit Master title style</a:t>
             </a:r>
-            <a:endParaRPr lang="en-US"/>
+            <a:endParaRPr kumimoji="0" lang="en-US"/>
           </a:p>
         </p:txBody>
       </p:sp>
@@ -1252,40 +1669,40 @@
           <a:bodyPr/>
           <a:lstStyle/>
           <a:p>
-            <a:pPr lvl="0"/>
+            <a:pPr lvl="0" eaLnBrk="1" latinLnBrk="0" hangingPunct="1"/>
             <a:r>
               <a:rPr lang="en-US" smtClean="0"/>
               <a:t>Click to edit Master text styles</a:t>
             </a:r>
           </a:p>
           <a:p>
-            <a:pPr lvl="1"/>
+            <a:pPr lvl="1" eaLnBrk="1" latinLnBrk="0" hangingPunct="1"/>
             <a:r>
               <a:rPr lang="en-US" smtClean="0"/>
               <a:t>Second level</a:t>
             </a:r>
           </a:p>
           <a:p>
-            <a:pPr lvl="2"/>
+            <a:pPr lvl="2" eaLnBrk="1" latinLnBrk="0" hangingPunct="1"/>
             <a:r>
               <a:rPr lang="en-US" smtClean="0"/>
               <a:t>Third level</a:t>
             </a:r>
           </a:p>
           <a:p>
-            <a:pPr lvl="3"/>
+            <a:pPr lvl="3" eaLnBrk="1" latinLnBrk="0" hangingPunct="1"/>
             <a:r>
               <a:rPr lang="en-US" smtClean="0"/>
               <a:t>Fourth level</a:t>
             </a:r>
           </a:p>
           <a:p>
-            <a:pPr lvl="4"/>
+            <a:pPr lvl="4" eaLnBrk="1" latinLnBrk="0" hangingPunct="1"/>
             <a:r>
               <a:rPr lang="en-US" smtClean="0"/>
               <a:t>Fifth level</a:t>
             </a:r>
-            <a:endParaRPr lang="en-US"/>
+            <a:endParaRPr kumimoji="0" lang="en-US"/>
           </a:p>
         </p:txBody>
       </p:sp>
@@ -1306,7 +1723,8 @@
           <a:p>
             <a:fld id="{EF34DA83-6693-45CD-B904-8651ED07B240}" type="datetimeFigureOut">
               <a:rPr lang="en-US" smtClean="0"/>
-              <a:t>4/5/2010</a:t>
+              <a:pPr/>
+              <a:t>4/10/2010</a:t>
             </a:fld>
             <a:endParaRPr lang="en-US"/>
           </a:p>
@@ -1348,6 +1766,7 @@
           <a:p>
             <a:fld id="{1CAB49CD-2AD7-498D-A8FB-A2CB4212A367}" type="slidenum">
               <a:rPr lang="en-US" smtClean="0"/>
+              <a:pPr/>
               <a:t>‹#›</a:t>
             </a:fld>
             <a:endParaRPr lang="en-US"/>
@@ -1365,6 +1784,11 @@
 <file path=ppt/slideLayouts/slideLayout3.xml><?xml version="1.0" encoding="utf-8"?>
 <p:sldLayout xmlns:a="http://schemas.openxmlformats.org/drawingml/2006/main" xmlns:r="http://schemas.openxmlformats.org/officeDocument/2006/relationships" xmlns:p="http://schemas.openxmlformats.org/presentationml/2006/main" type="secHead" preserve="1">
   <p:cSld name="Section Header">
+    <p:bg>
+      <p:bgRef idx="1002">
+        <a:schemeClr val="bg2"/>
+      </p:bgRef>
+    </p:bg>
     <p:spTree>
       <p:nvGrpSpPr>
         <p:cNvPr id="1" name=""/>
@@ -1391,56 +1815,92 @@
         </p:nvSpPr>
         <p:spPr>
           <a:xfrm>
-            <a:off x="722313" y="4406900"/>
-            <a:ext cx="7772400" cy="1362075"/>
+            <a:off x="530352" y="1316736"/>
+            <a:ext cx="7772400" cy="1362456"/>
+          </a:xfrm>
+          <a:ln>
+            <a:noFill/>
+          </a:ln>
+        </p:spPr>
+        <p:txBody>
+          <a:bodyPr vert="horz" tIns="0" bIns="0" anchor="b">
+            <a:noAutofit/>
+            <a:scene3d>
+              <a:camera prst="orthographicFront"/>
+              <a:lightRig rig="freezing" dir="t">
+                <a:rot lat="0" lon="0" rev="5640000"/>
+              </a:lightRig>
+            </a:scene3d>
+            <a:sp3d prstMaterial="flat">
+              <a:bevelT w="38100" h="38100"/>
+            </a:sp3d>
+          </a:bodyPr>
+          <a:lstStyle>
+            <a:lvl1pPr algn="l" rtl="0">
+              <a:spcBef>
+                <a:spcPct val="0"/>
+              </a:spcBef>
+              <a:buNone/>
+              <a:defRPr lang="en-US" sz="5600" b="1" cap="none" baseline="0" dirty="0">
+                <a:ln w="635">
+                  <a:noFill/>
+                </a:ln>
+                <a:solidFill>
+                  <a:schemeClr val="accent4">
+                    <a:tint val="90000"/>
+                    <a:satMod val="125000"/>
+                  </a:schemeClr>
+                </a:solidFill>
+                <a:effectLst>
+                  <a:outerShdw blurRad="38100" dist="25400" dir="5400000" algn="tl" rotWithShape="0">
+                    <a:srgbClr val="000000">
+                      <a:alpha val="43000"/>
+                    </a:srgbClr>
+                  </a:outerShdw>
+                </a:effectLst>
+                <a:latin typeface="+mj-lt"/>
+                <a:ea typeface="+mj-ea"/>
+                <a:cs typeface="+mj-cs"/>
+              </a:defRPr>
+            </a:lvl1pPr>
+          </a:lstStyle>
+          <a:p>
+            <a:r>
+              <a:rPr kumimoji="0" lang="en-US" smtClean="0"/>
+              <a:t>Click to edit Master title style</a:t>
+            </a:r>
+            <a:endParaRPr kumimoji="0" lang="en-US"/>
+          </a:p>
+        </p:txBody>
+      </p:sp>
+      <p:sp>
+        <p:nvSpPr>
+          <p:cNvPr id="3" name="Text Placeholder 2"/>
+          <p:cNvSpPr>
+            <a:spLocks noGrp="1"/>
+          </p:cNvSpPr>
+          <p:nvPr>
+            <p:ph type="body" idx="1"/>
+          </p:nvPr>
+        </p:nvSpPr>
+        <p:spPr>
+          <a:xfrm>
+            <a:off x="530352" y="2704664"/>
+            <a:ext cx="7772400" cy="1509712"/>
           </a:xfrm>
         </p:spPr>
         <p:txBody>
-          <a:bodyPr anchor="t"/>
-          <a:lstStyle>
-            <a:lvl1pPr algn="l">
-              <a:defRPr sz="4000" b="1" cap="all"/>
-            </a:lvl1pPr>
-          </a:lstStyle>
-          <a:p>
-            <a:r>
-              <a:rPr lang="en-US" smtClean="0"/>
-              <a:t>Click to edit Master title style</a:t>
-            </a:r>
-            <a:endParaRPr lang="en-US"/>
-          </a:p>
-        </p:txBody>
-      </p:sp>
-      <p:sp>
-        <p:nvSpPr>
-          <p:cNvPr id="3" name="Text Placeholder 2"/>
-          <p:cNvSpPr>
-            <a:spLocks noGrp="1"/>
-          </p:cNvSpPr>
-          <p:nvPr>
-            <p:ph type="body" idx="1"/>
-          </p:nvPr>
-        </p:nvSpPr>
-        <p:spPr>
-          <a:xfrm>
-            <a:off x="722313" y="2906713"/>
-            <a:ext cx="7772400" cy="1500187"/>
-          </a:xfrm>
-        </p:spPr>
-        <p:txBody>
-          <a:bodyPr anchor="b"/>
+          <a:bodyPr lIns="45720" rIns="45720" anchor="t"/>
           <a:lstStyle>
             <a:lvl1pPr marL="0" indent="0">
               <a:buNone/>
-              <a:defRPr sz="2000">
+              <a:defRPr sz="2200">
                 <a:solidFill>
-                  <a:schemeClr val="tx1">
-                    <a:tint val="75000"/>
-                  </a:schemeClr>
+                  <a:schemeClr val="tx1"/>
                 </a:solidFill>
               </a:defRPr>
             </a:lvl1pPr>
-            <a:lvl2pPr marL="457200" indent="0">
+            <a:lvl2pPr>
               <a:buNone/>
               <a:defRPr sz="1800">
                 <a:solidFill>
@@ -1450,7 +1910,7 @@
                 </a:solidFill>
               </a:defRPr>
             </a:lvl2pPr>
-            <a:lvl3pPr marL="914400" indent="0">
+            <a:lvl3pPr>
               <a:buNone/>
               <a:defRPr sz="1600">
                 <a:solidFill>
@@ -1460,7 +1920,7 @@
                 </a:solidFill>
               </a:defRPr>
             </a:lvl3pPr>
-            <a:lvl4pPr marL="1371600" indent="0">
+            <a:lvl4pPr>
               <a:buNone/>
               <a:defRPr sz="1400">
                 <a:solidFill>
@@ -1470,7 +1930,7 @@
                 </a:solidFill>
               </a:defRPr>
             </a:lvl4pPr>
-            <a:lvl5pPr marL="1828800" indent="0">
+            <a:lvl5pPr>
               <a:buNone/>
               <a:defRPr sz="1400">
                 <a:solidFill>
@@ -1480,51 +1940,11 @@
                 </a:solidFill>
               </a:defRPr>
             </a:lvl5pPr>
-            <a:lvl6pPr marL="2286000" indent="0">
-              <a:buNone/>
-              <a:defRPr sz="1400">
-                <a:solidFill>
-                  <a:schemeClr val="tx1">
-                    <a:tint val="75000"/>
-                  </a:schemeClr>
-                </a:solidFill>
-              </a:defRPr>
-            </a:lvl6pPr>
-            <a:lvl7pPr marL="2743200" indent="0">
-              <a:buNone/>
-              <a:defRPr sz="1400">
-                <a:solidFill>
-                  <a:schemeClr val="tx1">
-                    <a:tint val="75000"/>
-                  </a:schemeClr>
-                </a:solidFill>
-              </a:defRPr>
-            </a:lvl7pPr>
-            <a:lvl8pPr marL="3200400" indent="0">
-              <a:buNone/>
-              <a:defRPr sz="1400">
-                <a:solidFill>
-                  <a:schemeClr val="tx1">
-                    <a:tint val="75000"/>
-                  </a:schemeClr>
-                </a:solidFill>
-              </a:defRPr>
-            </a:lvl8pPr>
-            <a:lvl9pPr marL="3657600" indent="0">
-              <a:buNone/>
-              <a:defRPr sz="1400">
-                <a:solidFill>
-                  <a:schemeClr val="tx1">
-                    <a:tint val="75000"/>
-                  </a:schemeClr>
-                </a:solidFill>
-              </a:defRPr>
-            </a:lvl9pPr>
           </a:lstStyle>
           <a:p>
-            <a:pPr lvl="0"/>
-            <a:r>
-              <a:rPr lang="en-US" smtClean="0"/>
+            <a:pPr lvl="0" eaLnBrk="1" latinLnBrk="0" hangingPunct="1"/>
+            <a:r>
+              <a:rPr kumimoji="0" lang="en-US" smtClean="0"/>
               <a:t>Click to edit Master text styles</a:t>
             </a:r>
           </a:p>
@@ -1547,7 +1967,8 @@
           <a:p>
             <a:fld id="{EF34DA83-6693-45CD-B904-8651ED07B240}" type="datetimeFigureOut">
               <a:rPr lang="en-US" smtClean="0"/>
-              <a:t>4/5/2010</a:t>
+              <a:pPr/>
+              <a:t>4/10/2010</a:t>
             </a:fld>
             <a:endParaRPr lang="en-US"/>
           </a:p>
@@ -1589,6 +2010,7 @@
           <a:p>
             <a:fld id="{1CAB49CD-2AD7-498D-A8FB-A2CB4212A367}" type="slidenum">
               <a:rPr lang="en-US" smtClean="0"/>
+              <a:pPr/>
               <a:t>‹#›</a:t>
             </a:fld>
             <a:endParaRPr lang="en-US"/>
@@ -1598,7 +2020,7 @@
     </p:spTree>
   </p:cSld>
   <p:clrMapOvr>
-    <a:masterClrMapping/>
+    <a:overrideClrMapping bg1="dk1" tx1="lt1" bg2="dk2" tx2="lt2" accent1="accent1" accent2="accent2" accent3="accent3" accent4="accent4" accent5="accent5" accent6="accent6" hlink="hlink" folHlink="folHlink"/>
   </p:clrMapOvr>
 </p:sldLayout>
 </file>
@@ -1630,40 +2052,45 @@
             <p:ph type="title"/>
           </p:nvPr>
         </p:nvSpPr>
-        <p:spPr/>
-        <p:txBody>
-          <a:bodyPr/>
-          <a:lstStyle/>
-          <a:p>
-            <a:r>
-              <a:rPr lang="en-US" smtClean="0"/>
-              <a:t>Click to edit Master title style</a:t>
-            </a:r>
-            <a:endParaRPr lang="en-US"/>
-          </a:p>
-        </p:txBody>
-      </p:sp>
-      <p:sp>
-        <p:nvSpPr>
-          <p:cNvPr id="3" name="Content Placeholder 2"/>
-          <p:cNvSpPr>
-            <a:spLocks noGrp="1"/>
-          </p:cNvSpPr>
-          <p:nvPr>
-            <p:ph sz="half" idx="1"/>
-          </p:nvPr>
-        </p:nvSpPr>
         <p:spPr>
           <a:xfrm>
-            <a:off x="457200" y="1600200"/>
-            <a:ext cx="4038600" cy="4525963"/>
+            <a:off x="457200" y="704088"/>
+            <a:ext cx="8229600" cy="1143000"/>
+          </a:xfrm>
+        </p:spPr>
+        <p:txBody>
+          <a:bodyPr/>
+          <a:lstStyle/>
+          <a:p>
+            <a:r>
+              <a:rPr kumimoji="0" lang="en-US" smtClean="0"/>
+              <a:t>Click to edit Master title style</a:t>
+            </a:r>
+            <a:endParaRPr kumimoji="0" lang="en-US"/>
+          </a:p>
+        </p:txBody>
+      </p:sp>
+      <p:sp>
+        <p:nvSpPr>
+          <p:cNvPr id="3" name="Content Placeholder 2"/>
+          <p:cNvSpPr>
+            <a:spLocks noGrp="1"/>
+          </p:cNvSpPr>
+          <p:nvPr>
+            <p:ph sz="half" idx="1"/>
+          </p:nvPr>
+        </p:nvSpPr>
+        <p:spPr>
+          <a:xfrm>
+            <a:off x="457200" y="1920085"/>
+            <a:ext cx="4038600" cy="4434840"/>
           </a:xfrm>
         </p:spPr>
         <p:txBody>
           <a:bodyPr/>
           <a:lstStyle>
             <a:lvl1pPr>
-              <a:defRPr sz="2800"/>
+              <a:defRPr sz="2600"/>
             </a:lvl1pPr>
             <a:lvl2pPr>
               <a:defRPr sz="2400"/>
@@ -1677,54 +2104,42 @@
             <a:lvl5pPr>
               <a:defRPr sz="1800"/>
             </a:lvl5pPr>
-            <a:lvl6pPr>
-              <a:defRPr sz="1800"/>
-            </a:lvl6pPr>
-            <a:lvl7pPr>
-              <a:defRPr sz="1800"/>
-            </a:lvl7pPr>
-            <a:lvl8pPr>
-              <a:defRPr sz="1800"/>
-            </a:lvl8pPr>
-            <a:lvl9pPr>
-              <a:defRPr sz="1800"/>
-            </a:lvl9pPr>
           </a:lstStyle>
           <a:p>
-            <a:pPr lvl="0"/>
+            <a:pPr lvl="0" eaLnBrk="1" latinLnBrk="0" hangingPunct="1"/>
             <a:r>
               <a:rPr lang="en-US" smtClean="0"/>
               <a:t>Click to edit Master text styles</a:t>
             </a:r>
           </a:p>
           <a:p>
-            <a:pPr lvl="1"/>
+            <a:pPr lvl="1" eaLnBrk="1" latinLnBrk="0" hangingPunct="1"/>
             <a:r>
               <a:rPr lang="en-US" smtClean="0"/>
               <a:t>Second level</a:t>
             </a:r>
           </a:p>
           <a:p>
-            <a:pPr lvl="2"/>
+            <a:pPr lvl="2" eaLnBrk="1" latinLnBrk="0" hangingPunct="1"/>
             <a:r>
               <a:rPr lang="en-US" smtClean="0"/>
               <a:t>Third level</a:t>
             </a:r>
           </a:p>
           <a:p>
-            <a:pPr lvl="3"/>
+            <a:pPr lvl="3" eaLnBrk="1" latinLnBrk="0" hangingPunct="1"/>
             <a:r>
               <a:rPr lang="en-US" smtClean="0"/>
               <a:t>Fourth level</a:t>
             </a:r>
           </a:p>
           <a:p>
-            <a:pPr lvl="4"/>
+            <a:pPr lvl="4" eaLnBrk="1" latinLnBrk="0" hangingPunct="1"/>
             <a:r>
               <a:rPr lang="en-US" smtClean="0"/>
               <a:t>Fifth level</a:t>
             </a:r>
-            <a:endParaRPr lang="en-US"/>
+            <a:endParaRPr kumimoji="0" lang="en-US"/>
           </a:p>
         </p:txBody>
       </p:sp>
@@ -1740,15 +2155,15 @@
         </p:nvSpPr>
         <p:spPr>
           <a:xfrm>
-            <a:off x="4648200" y="1600200"/>
-            <a:ext cx="4038600" cy="4525963"/>
+            <a:off x="4648200" y="1920085"/>
+            <a:ext cx="4038600" cy="4434840"/>
           </a:xfrm>
         </p:spPr>
         <p:txBody>
           <a:bodyPr/>
           <a:lstStyle>
             <a:lvl1pPr>
-              <a:defRPr sz="2800"/>
+              <a:defRPr sz="2600"/>
             </a:lvl1pPr>
             <a:lvl2pPr>
               <a:defRPr sz="2400"/>
@@ -1762,54 +2177,42 @@
             <a:lvl5pPr>
               <a:defRPr sz="1800"/>
             </a:lvl5pPr>
-            <a:lvl6pPr>
-              <a:defRPr sz="1800"/>
-            </a:lvl6pPr>
-            <a:lvl7pPr>
-              <a:defRPr sz="1800"/>
-            </a:lvl7pPr>
-            <a:lvl8pPr>
-              <a:defRPr sz="1800"/>
-            </a:lvl8pPr>
-            <a:lvl9pPr>
-              <a:defRPr sz="1800"/>
-            </a:lvl9pPr>
           </a:lstStyle>
           <a:p>
-            <a:pPr lvl="0"/>
+            <a:pPr lvl="0" eaLnBrk="1" latinLnBrk="0" hangingPunct="1"/>
             <a:r>
               <a:rPr lang="en-US" smtClean="0"/>
               <a:t>Click to edit Master text styles</a:t>
             </a:r>
           </a:p>
           <a:p>
-            <a:pPr lvl="1"/>
+            <a:pPr lvl="1" eaLnBrk="1" latinLnBrk="0" hangingPunct="1"/>
             <a:r>
               <a:rPr lang="en-US" smtClean="0"/>
               <a:t>Second level</a:t>
             </a:r>
           </a:p>
           <a:p>
-            <a:pPr lvl="2"/>
+            <a:pPr lvl="2" eaLnBrk="1" latinLnBrk="0" hangingPunct="1"/>
             <a:r>
               <a:rPr lang="en-US" smtClean="0"/>
               <a:t>Third level</a:t>
             </a:r>
           </a:p>
           <a:p>
-            <a:pPr lvl="3"/>
+            <a:pPr lvl="3" eaLnBrk="1" latinLnBrk="0" hangingPunct="1"/>
             <a:r>
               <a:rPr lang="en-US" smtClean="0"/>
               <a:t>Fourth level</a:t>
             </a:r>
           </a:p>
           <a:p>
-            <a:pPr lvl="4"/>
+            <a:pPr lvl="4" eaLnBrk="1" latinLnBrk="0" hangingPunct="1"/>
             <a:r>
               <a:rPr lang="en-US" smtClean="0"/>
               <a:t>Fifth level</a:t>
             </a:r>
-            <a:endParaRPr lang="en-US"/>
+            <a:endParaRPr kumimoji="0" lang="en-US"/>
           </a:p>
         </p:txBody>
       </p:sp>
@@ -1830,7 +2233,8 @@
           <a:p>
             <a:fld id="{EF34DA83-6693-45CD-B904-8651ED07B240}" type="datetimeFigureOut">
               <a:rPr lang="en-US" smtClean="0"/>
-              <a:t>4/5/2010</a:t>
+              <a:pPr/>
+              <a:t>4/10/2010</a:t>
             </a:fld>
             <a:endParaRPr lang="en-US"/>
           </a:p>
@@ -1872,6 +2276,7 @@
           <a:p>
             <a:fld id="{1CAB49CD-2AD7-498D-A8FB-A2CB4212A367}" type="slidenum">
               <a:rPr lang="en-US" smtClean="0"/>
+              <a:pPr/>
               <a:t>‹#›</a:t>
             </a:fld>
             <a:endParaRPr lang="en-US"/>
@@ -1913,9 +2318,14 @@
             <p:ph type="title"/>
           </p:nvPr>
         </p:nvSpPr>
-        <p:spPr/>
-        <p:txBody>
-          <a:bodyPr/>
+        <p:spPr>
+          <a:xfrm>
+            <a:off x="457200" y="704088"/>
+            <a:ext cx="8229600" cy="1143000"/>
+          </a:xfrm>
+        </p:spPr>
+        <p:txBody>
+          <a:bodyPr tIns="45720" anchor="b"/>
           <a:lstStyle>
             <a:lvl1pPr>
               <a:defRPr/>
@@ -1923,10 +2333,10 @@
           </a:lstStyle>
           <a:p>
             <a:r>
-              <a:rPr lang="en-US" smtClean="0"/>
+              <a:rPr kumimoji="0" lang="en-US" smtClean="0"/>
               <a:t>Click to edit Master title style</a:t>
             </a:r>
-            <a:endParaRPr lang="en-US"/>
+            <a:endParaRPr kumimoji="0" lang="en-US"/>
           </a:p>
         </p:txBody>
       </p:sp>
@@ -1942,54 +2352,99 @@
         </p:nvSpPr>
         <p:spPr>
           <a:xfrm>
-            <a:off x="457200" y="1535113"/>
-            <a:ext cx="4040188" cy="639762"/>
+            <a:off x="457200" y="1855248"/>
+            <a:ext cx="4040188" cy="659352"/>
           </a:xfrm>
         </p:spPr>
         <p:txBody>
-          <a:bodyPr anchor="b"/>
+          <a:bodyPr lIns="45720" tIns="0" rIns="45720" bIns="0" anchor="ctr">
+            <a:noAutofit/>
+          </a:bodyPr>
           <a:lstStyle>
             <a:lvl1pPr marL="0" indent="0">
               <a:buNone/>
-              <a:defRPr sz="2400" b="1"/>
+              <a:defRPr sz="2400" b="1" cap="none" baseline="0">
+                <a:solidFill>
+                  <a:schemeClr val="tx2"/>
+                </a:solidFill>
+                <a:effectLst/>
+              </a:defRPr>
             </a:lvl1pPr>
-            <a:lvl2pPr marL="457200" indent="0">
+            <a:lvl2pPr>
               <a:buNone/>
               <a:defRPr sz="2000" b="1"/>
             </a:lvl2pPr>
-            <a:lvl3pPr marL="914400" indent="0">
+            <a:lvl3pPr>
               <a:buNone/>
               <a:defRPr sz="1800" b="1"/>
             </a:lvl3pPr>
-            <a:lvl4pPr marL="1371600" indent="0">
+            <a:lvl4pPr>
               <a:buNone/>
               <a:defRPr sz="1600" b="1"/>
             </a:lvl4pPr>
-            <a:lvl5pPr marL="1828800" indent="0">
+            <a:lvl5pPr>
               <a:buNone/>
               <a:defRPr sz="1600" b="1"/>
             </a:lvl5pPr>
-            <a:lvl6pPr marL="2286000" indent="0">
+          </a:lstStyle>
+          <a:p>
+            <a:pPr lvl="0" eaLnBrk="1" latinLnBrk="0" hangingPunct="1"/>
+            <a:r>
+              <a:rPr kumimoji="0" lang="en-US" smtClean="0"/>
+              <a:t>Click to edit Master text styles</a:t>
+            </a:r>
+          </a:p>
+        </p:txBody>
+      </p:sp>
+      <p:sp>
+        <p:nvSpPr>
+          <p:cNvPr id="4" name="Text Placeholder 3"/>
+          <p:cNvSpPr>
+            <a:spLocks noGrp="1"/>
+          </p:cNvSpPr>
+          <p:nvPr>
+            <p:ph type="body" sz="half" idx="3"/>
+          </p:nvPr>
+        </p:nvSpPr>
+        <p:spPr>
+          <a:xfrm>
+            <a:off x="4645025" y="1859757"/>
+            <a:ext cx="4041775" cy="654843"/>
+          </a:xfrm>
+        </p:spPr>
+        <p:txBody>
+          <a:bodyPr lIns="45720" tIns="0" rIns="45720" bIns="0" anchor="ctr"/>
+          <a:lstStyle>
+            <a:lvl1pPr marL="0" indent="0">
+              <a:buNone/>
+              <a:defRPr sz="2400" b="1" cap="none" baseline="0">
+                <a:solidFill>
+                  <a:schemeClr val="tx2"/>
+                </a:solidFill>
+                <a:effectLst/>
+              </a:defRPr>
+            </a:lvl1pPr>
+            <a:lvl2pPr>
+              <a:buNone/>
+              <a:defRPr sz="2000" b="1"/>
+            </a:lvl2pPr>
+            <a:lvl3pPr>
+              <a:buNone/>
+              <a:defRPr sz="1800" b="1"/>
+            </a:lvl3pPr>
+            <a:lvl4pPr>
               <a:buNone/>
               <a:defRPr sz="1600" b="1"/>
-            </a:lvl6pPr>
-            <a:lvl7pPr marL="2743200" indent="0">
+            </a:lvl4pPr>
+            <a:lvl5pPr>
               <a:buNone/>
               <a:defRPr sz="1600" b="1"/>
-            </a:lvl7pPr>
-            <a:lvl8pPr marL="3200400" indent="0">
-              <a:buNone/>
-              <a:defRPr sz="1600" b="1"/>
-            </a:lvl8pPr>
-            <a:lvl9pPr marL="3657600" indent="0">
-              <a:buNone/>
-              <a:defRPr sz="1600" b="1"/>
-            </a:lvl9pPr>
+            </a:lvl5pPr>
           </a:lstStyle>
           <a:p>
-            <a:pPr lvl="0"/>
-            <a:r>
-              <a:rPr lang="en-US" smtClean="0"/>
+            <a:pPr lvl="0" eaLnBrk="1" latinLnBrk="0" hangingPunct="1"/>
+            <a:r>
+              <a:rPr kumimoji="0" lang="en-US" smtClean="0"/>
               <a:t>Click to edit Master text styles</a:t>
             </a:r>
           </a:p>
@@ -1997,25 +2452,25 @@
       </p:sp>
       <p:sp>
         <p:nvSpPr>
-          <p:cNvPr id="4" name="Content Placeholder 3"/>
-          <p:cNvSpPr>
-            <a:spLocks noGrp="1"/>
-          </p:cNvSpPr>
-          <p:nvPr>
-            <p:ph sz="half" idx="2"/>
+          <p:cNvPr id="5" name="Content Placeholder 4"/>
+          <p:cNvSpPr>
+            <a:spLocks noGrp="1"/>
+          </p:cNvSpPr>
+          <p:nvPr>
+            <p:ph sz="quarter" idx="2"/>
           </p:nvPr>
         </p:nvSpPr>
         <p:spPr>
           <a:xfrm>
-            <a:off x="457200" y="2174875"/>
-            <a:ext cx="4040188" cy="3951288"/>
+            <a:off x="457200" y="2514600"/>
+            <a:ext cx="4040188" cy="3845720"/>
           </a:xfrm>
         </p:spPr>
         <p:txBody>
-          <a:bodyPr/>
+          <a:bodyPr tIns="0"/>
           <a:lstStyle>
             <a:lvl1pPr>
-              <a:defRPr sz="2400"/>
+              <a:defRPr sz="2200"/>
             </a:lvl1pPr>
             <a:lvl2pPr>
               <a:defRPr sz="2000"/>
@@ -2029,143 +2484,66 @@
             <a:lvl5pPr>
               <a:defRPr sz="1600"/>
             </a:lvl5pPr>
-            <a:lvl6pPr>
-              <a:defRPr sz="1600"/>
-            </a:lvl6pPr>
-            <a:lvl7pPr>
-              <a:defRPr sz="1600"/>
-            </a:lvl7pPr>
-            <a:lvl8pPr>
-              <a:defRPr sz="1600"/>
-            </a:lvl8pPr>
-            <a:lvl9pPr>
-              <a:defRPr sz="1600"/>
-            </a:lvl9pPr>
           </a:lstStyle>
           <a:p>
-            <a:pPr lvl="0"/>
+            <a:pPr lvl="0" eaLnBrk="1" latinLnBrk="0" hangingPunct="1"/>
             <a:r>
               <a:rPr lang="en-US" smtClean="0"/>
               <a:t>Click to edit Master text styles</a:t>
             </a:r>
           </a:p>
           <a:p>
-            <a:pPr lvl="1"/>
+            <a:pPr lvl="1" eaLnBrk="1" latinLnBrk="0" hangingPunct="1"/>
             <a:r>
               <a:rPr lang="en-US" smtClean="0"/>
               <a:t>Second level</a:t>
             </a:r>
           </a:p>
           <a:p>
-            <a:pPr lvl="2"/>
+            <a:pPr lvl="2" eaLnBrk="1" latinLnBrk="0" hangingPunct="1"/>
             <a:r>
               <a:rPr lang="en-US" smtClean="0"/>
               <a:t>Third level</a:t>
             </a:r>
           </a:p>
           <a:p>
-            <a:pPr lvl="3"/>
+            <a:pPr lvl="3" eaLnBrk="1" latinLnBrk="0" hangingPunct="1"/>
             <a:r>
               <a:rPr lang="en-US" smtClean="0"/>
               <a:t>Fourth level</a:t>
             </a:r>
           </a:p>
           <a:p>
-            <a:pPr lvl="4"/>
+            <a:pPr lvl="4" eaLnBrk="1" latinLnBrk="0" hangingPunct="1"/>
             <a:r>
               <a:rPr lang="en-US" smtClean="0"/>
               <a:t>Fifth level</a:t>
             </a:r>
-            <a:endParaRPr lang="en-US"/>
-          </a:p>
-        </p:txBody>
-      </p:sp>
-      <p:sp>
-        <p:nvSpPr>
-          <p:cNvPr id="5" name="Text Placeholder 4"/>
-          <p:cNvSpPr>
-            <a:spLocks noGrp="1"/>
-          </p:cNvSpPr>
-          <p:nvPr>
-            <p:ph type="body" sz="quarter" idx="3"/>
+            <a:endParaRPr kumimoji="0" lang="en-US"/>
+          </a:p>
+        </p:txBody>
+      </p:sp>
+      <p:sp>
+        <p:nvSpPr>
+          <p:cNvPr id="6" name="Content Placeholder 5"/>
+          <p:cNvSpPr>
+            <a:spLocks noGrp="1"/>
+          </p:cNvSpPr>
+          <p:nvPr>
+            <p:ph sz="quarter" idx="4"/>
           </p:nvPr>
         </p:nvSpPr>
         <p:spPr>
           <a:xfrm>
-            <a:off x="4645025" y="1535113"/>
-            <a:ext cx="4041775" cy="639762"/>
+            <a:off x="4645025" y="2514600"/>
+            <a:ext cx="4041775" cy="3845720"/>
           </a:xfrm>
         </p:spPr>
         <p:txBody>
-          <a:bodyPr anchor="b"/>
-          <a:lstStyle>
-            <a:lvl1pPr marL="0" indent="0">
-              <a:buNone/>
-              <a:defRPr sz="2400" b="1"/>
-            </a:lvl1pPr>
-            <a:lvl2pPr marL="457200" indent="0">
-              <a:buNone/>
-              <a:defRPr sz="2000" b="1"/>
-            </a:lvl2pPr>
-            <a:lvl3pPr marL="914400" indent="0">
-              <a:buNone/>
-              <a:defRPr sz="1800" b="1"/>
-            </a:lvl3pPr>
-            <a:lvl4pPr marL="1371600" indent="0">
-              <a:buNone/>
-              <a:defRPr sz="1600" b="1"/>
-            </a:lvl4pPr>
-            <a:lvl5pPr marL="1828800" indent="0">
-              <a:buNone/>
-              <a:defRPr sz="1600" b="1"/>
-            </a:lvl5pPr>
-            <a:lvl6pPr marL="2286000" indent="0">
-              <a:buNone/>
-              <a:defRPr sz="1600" b="1"/>
-            </a:lvl6pPr>
-            <a:lvl7pPr marL="2743200" indent="0">
-              <a:buNone/>
-              <a:defRPr sz="1600" b="1"/>
-            </a:lvl7pPr>
-            <a:lvl8pPr marL="3200400" indent="0">
-              <a:buNone/>
-              <a:defRPr sz="1600" b="1"/>
-            </a:lvl8pPr>
-            <a:lvl9pPr marL="3657600" indent="0">
-              <a:buNone/>
-              <a:defRPr sz="1600" b="1"/>
-            </a:lvl9pPr>
-          </a:lstStyle>
-          <a:p>
-            <a:pPr lvl="0"/>
-            <a:r>
-              <a:rPr lang="en-US" smtClean="0"/>
-              <a:t>Click to edit Master text styles</a:t>
-            </a:r>
-          </a:p>
-        </p:txBody>
-      </p:sp>
-      <p:sp>
-        <p:nvSpPr>
-          <p:cNvPr id="6" name="Content Placeholder 5"/>
-          <p:cNvSpPr>
-            <a:spLocks noGrp="1"/>
-          </p:cNvSpPr>
-          <p:nvPr>
-            <p:ph sz="quarter" idx="4"/>
-          </p:nvPr>
-        </p:nvSpPr>
-        <p:spPr>
-          <a:xfrm>
-            <a:off x="4645025" y="2174875"/>
-            <a:ext cx="4041775" cy="3951288"/>
-          </a:xfrm>
-        </p:spPr>
-        <p:txBody>
-          <a:bodyPr/>
+          <a:bodyPr tIns="0"/>
           <a:lstStyle>
             <a:lvl1pPr>
-              <a:defRPr sz="2400"/>
+              <a:defRPr sz="2200"/>
             </a:lvl1pPr>
             <a:lvl2pPr>
               <a:defRPr sz="2000"/>
@@ -2179,54 +2557,42 @@
             <a:lvl5pPr>
               <a:defRPr sz="1600"/>
             </a:lvl5pPr>
-            <a:lvl6pPr>
-              <a:defRPr sz="1600"/>
-            </a:lvl6pPr>
-            <a:lvl7pPr>
-              <a:defRPr sz="1600"/>
-            </a:lvl7pPr>
-            <a:lvl8pPr>
-              <a:defRPr sz="1600"/>
-            </a:lvl8pPr>
-            <a:lvl9pPr>
-              <a:defRPr sz="1600"/>
-            </a:lvl9pPr>
           </a:lstStyle>
           <a:p>
-            <a:pPr lvl="0"/>
+            <a:pPr lvl="0" eaLnBrk="1" latinLnBrk="0" hangingPunct="1"/>
             <a:r>
               <a:rPr lang="en-US" smtClean="0"/>
               <a:t>Click to edit Master text styles</a:t>
             </a:r>
           </a:p>
           <a:p>
-            <a:pPr lvl="1"/>
+            <a:pPr lvl="1" eaLnBrk="1" latinLnBrk="0" hangingPunct="1"/>
             <a:r>
               <a:rPr lang="en-US" smtClean="0"/>
               <a:t>Second level</a:t>
             </a:r>
           </a:p>
           <a:p>
-            <a:pPr lvl="2"/>
+            <a:pPr lvl="2" eaLnBrk="1" latinLnBrk="0" hangingPunct="1"/>
             <a:r>
               <a:rPr lang="en-US" smtClean="0"/>
               <a:t>Third level</a:t>
             </a:r>
           </a:p>
           <a:p>
-            <a:pPr lvl="3"/>
+            <a:pPr lvl="3" eaLnBrk="1" latinLnBrk="0" hangingPunct="1"/>
             <a:r>
               <a:rPr lang="en-US" smtClean="0"/>
               <a:t>Fourth level</a:t>
             </a:r>
           </a:p>
           <a:p>
-            <a:pPr lvl="4"/>
+            <a:pPr lvl="4" eaLnBrk="1" latinLnBrk="0" hangingPunct="1"/>
             <a:r>
               <a:rPr lang="en-US" smtClean="0"/>
               <a:t>Fifth level</a:t>
             </a:r>
-            <a:endParaRPr lang="en-US"/>
+            <a:endParaRPr kumimoji="0" lang="en-US"/>
           </a:p>
         </p:txBody>
       </p:sp>
@@ -2247,7 +2613,8 @@
           <a:p>
             <a:fld id="{EF34DA83-6693-45CD-B904-8651ED07B240}" type="datetimeFigureOut">
               <a:rPr lang="en-US" smtClean="0"/>
-              <a:t>4/5/2010</a:t>
+              <a:pPr/>
+              <a:t>4/10/2010</a:t>
             </a:fld>
             <a:endParaRPr lang="en-US"/>
           </a:p>
@@ -2289,6 +2656,7 @@
           <a:p>
             <a:fld id="{1CAB49CD-2AD7-498D-A8FB-A2CB4212A367}" type="slidenum">
               <a:rPr lang="en-US" smtClean="0"/>
+              <a:pPr/>
               <a:t>‹#›</a:t>
             </a:fld>
             <a:endParaRPr lang="en-US"/>
@@ -2330,37 +2698,75 @@
             <p:ph type="title"/>
           </p:nvPr>
         </p:nvSpPr>
+        <p:spPr>
+          <a:xfrm>
+            <a:off x="457200" y="704088"/>
+            <a:ext cx="8305800" cy="1143000"/>
+          </a:xfrm>
+        </p:spPr>
+        <p:txBody>
+          <a:bodyPr vert="horz" tIns="45720" bIns="0" anchor="b">
+            <a:normAutofit/>
+            <a:scene3d>
+              <a:camera prst="orthographicFront"/>
+              <a:lightRig rig="freezing" dir="t">
+                <a:rot lat="0" lon="0" rev="5640000"/>
+              </a:lightRig>
+            </a:scene3d>
+            <a:sp3d prstMaterial="flat">
+              <a:contourClr>
+                <a:schemeClr val="tx2"/>
+              </a:contourClr>
+            </a:sp3d>
+          </a:bodyPr>
+          <a:lstStyle>
+            <a:lvl1pPr algn="l" rtl="0">
+              <a:spcBef>
+                <a:spcPct val="0"/>
+              </a:spcBef>
+              <a:buNone/>
+              <a:defRPr sz="5000" b="0">
+                <a:ln>
+                  <a:noFill/>
+                </a:ln>
+                <a:solidFill>
+                  <a:schemeClr val="tx2"/>
+                </a:solidFill>
+                <a:effectLst/>
+                <a:latin typeface="+mj-lt"/>
+                <a:ea typeface="+mj-ea"/>
+                <a:cs typeface="+mj-cs"/>
+              </a:defRPr>
+            </a:lvl1pPr>
+          </a:lstStyle>
+          <a:p>
+            <a:r>
+              <a:rPr kumimoji="0" lang="en-US" smtClean="0"/>
+              <a:t>Click to edit Master title style</a:t>
+            </a:r>
+            <a:endParaRPr kumimoji="0" lang="en-US"/>
+          </a:p>
+        </p:txBody>
+      </p:sp>
+      <p:sp>
+        <p:nvSpPr>
+          <p:cNvPr id="3" name="Date Placeholder 2"/>
+          <p:cNvSpPr>
+            <a:spLocks noGrp="1"/>
+          </p:cNvSpPr>
+          <p:nvPr>
+            <p:ph type="dt" sz="half" idx="10"/>
+          </p:nvPr>
+        </p:nvSpPr>
         <p:spPr/>
         <p:txBody>
           <a:bodyPr/>
           <a:lstStyle/>
           <a:p>
-            <a:r>
-              <a:rPr lang="en-US" smtClean="0"/>
-              <a:t>Click to edit Master title style</a:t>
-            </a:r>
-            <a:endParaRPr lang="en-US"/>
-          </a:p>
-        </p:txBody>
-      </p:sp>
-      <p:sp>
-        <p:nvSpPr>
-          <p:cNvPr id="3" name="Date Placeholder 2"/>
-          <p:cNvSpPr>
-            <a:spLocks noGrp="1"/>
-          </p:cNvSpPr>
-          <p:nvPr>
-            <p:ph type="dt" sz="half" idx="10"/>
-          </p:nvPr>
-        </p:nvSpPr>
-        <p:spPr/>
-        <p:txBody>
-          <a:bodyPr/>
-          <a:lstStyle/>
-          <a:p>
             <a:fld id="{EF34DA83-6693-45CD-B904-8651ED07B240}" type="datetimeFigureOut">
               <a:rPr lang="en-US" smtClean="0"/>
-              <a:t>4/5/2010</a:t>
+              <a:pPr/>
+              <a:t>4/10/2010</a:t>
             </a:fld>
             <a:endParaRPr lang="en-US"/>
           </a:p>
@@ -2402,6 +2808,7 @@
           <a:p>
             <a:fld id="{1CAB49CD-2AD7-498D-A8FB-A2CB4212A367}" type="slidenum">
               <a:rPr lang="en-US" smtClean="0"/>
+              <a:pPr/>
               <a:t>‹#›</a:t>
             </a:fld>
             <a:endParaRPr lang="en-US"/>
@@ -2450,7 +2857,8 @@
           <a:p>
             <a:fld id="{EF34DA83-6693-45CD-B904-8651ED07B240}" type="datetimeFigureOut">
               <a:rPr lang="en-US" smtClean="0"/>
-              <a:t>4/5/2010</a:t>
+              <a:pPr/>
+              <a:t>4/10/2010</a:t>
             </a:fld>
             <a:endParaRPr lang="en-US"/>
           </a:p>
@@ -2492,6 +2900,7 @@
           <a:p>
             <a:fld id="{1CAB49CD-2AD7-498D-A8FB-A2CB4212A367}" type="slidenum">
               <a:rPr lang="en-US" smtClean="0"/>
+              <a:pPr/>
               <a:t>‹#›</a:t>
             </a:fld>
             <a:endParaRPr lang="en-US"/>
@@ -2535,50 +2944,116 @@
         </p:nvSpPr>
         <p:spPr>
           <a:xfrm>
-            <a:off x="457200" y="273050"/>
-            <a:ext cx="3008313" cy="1162050"/>
+            <a:off x="685800" y="514352"/>
+            <a:ext cx="2743200" cy="1162050"/>
           </a:xfrm>
         </p:spPr>
         <p:txBody>
-          <a:bodyPr anchor="b"/>
+          <a:bodyPr lIns="0" anchor="b">
+            <a:noAutofit/>
+          </a:bodyPr>
           <a:lstStyle>
-            <a:lvl1pPr algn="l">
-              <a:defRPr sz="2000" b="1"/>
+            <a:lvl1pPr algn="l" rtl="0">
+              <a:spcBef>
+                <a:spcPct val="0"/>
+              </a:spcBef>
+              <a:buNone/>
+              <a:defRPr sz="2600" b="0">
+                <a:ln>
+                  <a:noFill/>
+                </a:ln>
+                <a:solidFill>
+                  <a:schemeClr val="tx2"/>
+                </a:solidFill>
+                <a:effectLst/>
+                <a:latin typeface="+mj-lt"/>
+                <a:ea typeface="+mj-ea"/>
+                <a:cs typeface="+mj-cs"/>
+              </a:defRPr>
             </a:lvl1pPr>
           </a:lstStyle>
           <a:p>
             <a:r>
-              <a:rPr lang="en-US" smtClean="0"/>
+              <a:rPr kumimoji="0" lang="en-US" smtClean="0"/>
               <a:t>Click to edit Master title style</a:t>
             </a:r>
-            <a:endParaRPr lang="en-US"/>
-          </a:p>
-        </p:txBody>
-      </p:sp>
-      <p:sp>
-        <p:nvSpPr>
-          <p:cNvPr id="3" name="Content Placeholder 2"/>
-          <p:cNvSpPr>
-            <a:spLocks noGrp="1"/>
-          </p:cNvSpPr>
-          <p:nvPr>
-            <p:ph idx="1"/>
+            <a:endParaRPr kumimoji="0" lang="en-US"/>
+          </a:p>
+        </p:txBody>
+      </p:sp>
+      <p:sp>
+        <p:nvSpPr>
+          <p:cNvPr id="3" name="Text Placeholder 2"/>
+          <p:cNvSpPr>
+            <a:spLocks noGrp="1"/>
+          </p:cNvSpPr>
+          <p:nvPr>
+            <p:ph type="body" idx="2"/>
           </p:nvPr>
         </p:nvSpPr>
         <p:spPr>
           <a:xfrm>
-            <a:off x="3575050" y="273050"/>
-            <a:ext cx="5111750" cy="5853113"/>
+            <a:off x="685800" y="1676400"/>
+            <a:ext cx="2743200" cy="4572000"/>
           </a:xfrm>
         </p:spPr>
         <p:txBody>
-          <a:bodyPr/>
+          <a:bodyPr lIns="18288" rIns="18288"/>
+          <a:lstStyle>
+            <a:lvl1pPr marL="0" indent="0" algn="l">
+              <a:buNone/>
+              <a:defRPr sz="1400"/>
+            </a:lvl1pPr>
+            <a:lvl2pPr indent="0" algn="l">
+              <a:buNone/>
+              <a:defRPr sz="1200"/>
+            </a:lvl2pPr>
+            <a:lvl3pPr indent="0" algn="l">
+              <a:buNone/>
+              <a:defRPr sz="1000"/>
+            </a:lvl3pPr>
+            <a:lvl4pPr indent="0" algn="l">
+              <a:buNone/>
+              <a:defRPr sz="900"/>
+            </a:lvl4pPr>
+            <a:lvl5pPr indent="0" algn="l">
+              <a:buNone/>
+              <a:defRPr sz="900"/>
+            </a:lvl5pPr>
+          </a:lstStyle>
+          <a:p>
+            <a:pPr lvl="0" eaLnBrk="1" latinLnBrk="0" hangingPunct="1"/>
+            <a:r>
+              <a:rPr kumimoji="0" lang="en-US" smtClean="0"/>
+              <a:t>Click to edit Master text styles</a:t>
+            </a:r>
+          </a:p>
+        </p:txBody>
+      </p:sp>
+      <p:sp>
+        <p:nvSpPr>
+          <p:cNvPr id="4" name="Content Placeholder 3"/>
+          <p:cNvSpPr>
+            <a:spLocks noGrp="1"/>
+          </p:cNvSpPr>
+          <p:nvPr>
+            <p:ph sz="half" idx="1"/>
+          </p:nvPr>
+        </p:nvSpPr>
+        <p:spPr>
+          <a:xfrm>
+            <a:off x="3575050" y="1676400"/>
+            <a:ext cx="5111750" cy="4572000"/>
+          </a:xfrm>
+        </p:spPr>
+        <p:txBody>
+          <a:bodyPr tIns="0"/>
           <a:lstStyle>
             <a:lvl1pPr>
-              <a:defRPr sz="3200"/>
+              <a:defRPr sz="2800"/>
             </a:lvl1pPr>
             <a:lvl2pPr>
-              <a:defRPr sz="2800"/>
+              <a:defRPr sz="2600"/>
             </a:lvl2pPr>
             <a:lvl3pPr>
               <a:defRPr sz="2400"/>
@@ -2587,142 +3062,66 @@
               <a:defRPr sz="2000"/>
             </a:lvl4pPr>
             <a:lvl5pPr>
-              <a:defRPr sz="2000"/>
+              <a:defRPr sz="1800"/>
             </a:lvl5pPr>
-            <a:lvl6pPr>
-              <a:defRPr sz="2000"/>
-            </a:lvl6pPr>
-            <a:lvl7pPr>
-              <a:defRPr sz="2000"/>
-            </a:lvl7pPr>
-            <a:lvl8pPr>
-              <a:defRPr sz="2000"/>
-            </a:lvl8pPr>
-            <a:lvl9pPr>
-              <a:defRPr sz="2000"/>
-            </a:lvl9pPr>
           </a:lstStyle>
           <a:p>
-            <a:pPr lvl="0"/>
+            <a:pPr lvl="0" eaLnBrk="1" latinLnBrk="0" hangingPunct="1"/>
             <a:r>
               <a:rPr lang="en-US" smtClean="0"/>
               <a:t>Click to edit Master text styles</a:t>
             </a:r>
           </a:p>
           <a:p>
-            <a:pPr lvl="1"/>
+            <a:pPr lvl="1" eaLnBrk="1" latinLnBrk="0" hangingPunct="1"/>
             <a:r>
               <a:rPr lang="en-US" smtClean="0"/>
               <a:t>Second level</a:t>
             </a:r>
           </a:p>
           <a:p>
-            <a:pPr lvl="2"/>
+            <a:pPr lvl="2" eaLnBrk="1" latinLnBrk="0" hangingPunct="1"/>
             <a:r>
               <a:rPr lang="en-US" smtClean="0"/>
               <a:t>Third level</a:t>
             </a:r>
           </a:p>
           <a:p>
-            <a:pPr lvl="3"/>
+            <a:pPr lvl="3" eaLnBrk="1" latinLnBrk="0" hangingPunct="1"/>
             <a:r>
               <a:rPr lang="en-US" smtClean="0"/>
               <a:t>Fourth level</a:t>
             </a:r>
           </a:p>
           <a:p>
-            <a:pPr lvl="4"/>
+            <a:pPr lvl="4" eaLnBrk="1" latinLnBrk="0" hangingPunct="1"/>
             <a:r>
               <a:rPr lang="en-US" smtClean="0"/>
               <a:t>Fifth level</a:t>
             </a:r>
-            <a:endParaRPr lang="en-US"/>
-          </a:p>
-        </p:txBody>
-      </p:sp>
-      <p:sp>
-        <p:nvSpPr>
-          <p:cNvPr id="4" name="Text Placeholder 3"/>
-          <p:cNvSpPr>
-            <a:spLocks noGrp="1"/>
-          </p:cNvSpPr>
-          <p:nvPr>
-            <p:ph type="body" sz="half" idx="2"/>
-          </p:nvPr>
-        </p:nvSpPr>
-        <p:spPr>
-          <a:xfrm>
-            <a:off x="457200" y="1435100"/>
-            <a:ext cx="3008313" cy="4691063"/>
-          </a:xfrm>
-        </p:spPr>
+            <a:endParaRPr kumimoji="0" lang="en-US"/>
+          </a:p>
+        </p:txBody>
+      </p:sp>
+      <p:sp>
+        <p:nvSpPr>
+          <p:cNvPr id="5" name="Date Placeholder 4"/>
+          <p:cNvSpPr>
+            <a:spLocks noGrp="1"/>
+          </p:cNvSpPr>
+          <p:nvPr>
+            <p:ph type="dt" sz="half" idx="10"/>
+          </p:nvPr>
+        </p:nvSpPr>
+        <p:spPr/>
         <p:txBody>
           <a:bodyPr/>
-          <a:lstStyle>
-            <a:lvl1pPr marL="0" indent="0">
-              <a:buNone/>
-              <a:defRPr sz="1400"/>
-            </a:lvl1pPr>
-            <a:lvl2pPr marL="457200" indent="0">
-              <a:buNone/>
-              <a:defRPr sz="1200"/>
-            </a:lvl2pPr>
-            <a:lvl3pPr marL="914400" indent="0">
-              <a:buNone/>
-              <a:defRPr sz="1000"/>
-            </a:lvl3pPr>
-            <a:lvl4pPr marL="1371600" indent="0">
-              <a:buNone/>
-              <a:defRPr sz="900"/>
-            </a:lvl4pPr>
-            <a:lvl5pPr marL="1828800" indent="0">
-              <a:buNone/>
-              <a:defRPr sz="900"/>
-            </a:lvl5pPr>
-            <a:lvl6pPr marL="2286000" indent="0">
-              <a:buNone/>
-              <a:defRPr sz="900"/>
-            </a:lvl6pPr>
-            <a:lvl7pPr marL="2743200" indent="0">
-              <a:buNone/>
-              <a:defRPr sz="900"/>
-            </a:lvl7pPr>
-            <a:lvl8pPr marL="3200400" indent="0">
-              <a:buNone/>
-              <a:defRPr sz="900"/>
-            </a:lvl8pPr>
-            <a:lvl9pPr marL="3657600" indent="0">
-              <a:buNone/>
-              <a:defRPr sz="900"/>
-            </a:lvl9pPr>
-          </a:lstStyle>
-          <a:p>
-            <a:pPr lvl="0"/>
-            <a:r>
-              <a:rPr lang="en-US" smtClean="0"/>
-              <a:t>Click to edit Master text styles</a:t>
-            </a:r>
-          </a:p>
-        </p:txBody>
-      </p:sp>
-      <p:sp>
-        <p:nvSpPr>
-          <p:cNvPr id="5" name="Date Placeholder 4"/>
-          <p:cNvSpPr>
-            <a:spLocks noGrp="1"/>
-          </p:cNvSpPr>
-          <p:nvPr>
-            <p:ph type="dt" sz="half" idx="10"/>
-          </p:nvPr>
-        </p:nvSpPr>
-        <p:spPr/>
-        <p:txBody>
-          <a:bodyPr/>
           <a:lstStyle/>
           <a:p>
             <a:fld id="{EF34DA83-6693-45CD-B904-8651ED07B240}" type="datetimeFigureOut">
               <a:rPr lang="en-US" smtClean="0"/>
-              <a:t>4/5/2010</a:t>
+              <a:pPr/>
+              <a:t>4/10/2010</a:t>
             </a:fld>
             <a:endParaRPr lang="en-US"/>
           </a:p>
@@ -2764,6 +3163,7 @@
           <a:p>
             <a:fld id="{1CAB49CD-2AD7-498D-A8FB-A2CB4212A367}" type="slidenum">
               <a:rPr lang="en-US" smtClean="0"/>
+              <a:pPr/>
               <a:t>‹#›</a:t>
             </a:fld>
             <a:endParaRPr lang="en-US"/>
@@ -2779,7 +3179,7 @@
 </file>
 
 <file path=ppt/slideLayouts/slideLayout9.xml><?xml version="1.0" encoding="utf-8"?>
-<p:sldLayout xmlns:a="http://schemas.openxmlformats.org/drawingml/2006/main" xmlns:r="http://schemas.openxmlformats.org/officeDocument/2006/relationships" xmlns:p="http://schemas.openxmlformats.org/presentationml/2006/main" type="picTx" preserve="1">
+<p:sldLayout xmlns:a="http://schemas.openxmlformats.org/drawingml/2006/main" xmlns:r="http://schemas.openxmlformats.org/officeDocument/2006/relationships" xmlns:p="http://schemas.openxmlformats.org/presentationml/2006/main" showMasterSp="0" type="picTx" preserve="1">
   <p:cSld name="Picture with Caption">
     <p:spTree>
       <p:nvGrpSpPr>
@@ -2797,6 +3197,118 @@
       </p:grpSpPr>
       <p:sp>
         <p:nvSpPr>
+          <p:cNvPr id="9" name="Snip and Round Single Corner Rectangle 8"/>
+          <p:cNvSpPr/>
+          <p:nvPr/>
+        </p:nvSpPr>
+        <p:spPr>
+          <a:xfrm rot="420000" flipV="1">
+            <a:off x="3165753" y="1108077"/>
+            <a:ext cx="5257800" cy="4114800"/>
+          </a:xfrm>
+          <a:prstGeom prst="snipRoundRect">
+            <a:avLst>
+              <a:gd name="adj1" fmla="val 0"/>
+              <a:gd name="adj2" fmla="val 3646"/>
+            </a:avLst>
+          </a:prstGeom>
+          <a:solidFill>
+            <a:srgbClr val="FFFFFF"/>
+          </a:solidFill>
+          <a:ln w="3175" cap="rnd" cmpd="sng" algn="ctr">
+            <a:solidFill>
+              <a:srgbClr val="C0C0C0"/>
+            </a:solidFill>
+            <a:prstDash val="solid"/>
+          </a:ln>
+          <a:effectLst>
+            <a:outerShdw blurRad="63500" dist="38500" dir="7500000" sx="98500" sy="100080" kx="100000" algn="tl" rotWithShape="0">
+              <a:srgbClr val="000000">
+                <a:alpha val="25000"/>
+              </a:srgbClr>
+            </a:outerShdw>
+          </a:effectLst>
+        </p:spPr>
+        <p:style>
+          <a:lnRef idx="2">
+            <a:schemeClr val="accent1"/>
+          </a:lnRef>
+          <a:fillRef idx="1">
+            <a:schemeClr val="accent1"/>
+          </a:fillRef>
+          <a:effectRef idx="0">
+            <a:schemeClr val="accent1"/>
+          </a:effectRef>
+          <a:fontRef idx="minor">
+            <a:schemeClr val="lt1"/>
+          </a:fontRef>
+        </p:style>
+        <p:txBody>
+          <a:bodyPr rtlCol="0" anchor="ctr"/>
+          <a:lstStyle/>
+          <a:p>
+            <a:pPr algn="ctr" eaLnBrk="1" latinLnBrk="0" hangingPunct="1"/>
+            <a:endParaRPr kumimoji="0" lang="en-US"/>
+          </a:p>
+        </p:txBody>
+      </p:sp>
+      <p:sp>
+        <p:nvSpPr>
+          <p:cNvPr id="12" name="Right Triangle 11"/>
+          <p:cNvSpPr/>
+          <p:nvPr/>
+        </p:nvSpPr>
+        <p:spPr>
+          <a:xfrm rot="420000" flipV="1">
+            <a:off x="8004134" y="5359769"/>
+            <a:ext cx="155448" cy="155448"/>
+          </a:xfrm>
+          <a:prstGeom prst="rtTriangle">
+            <a:avLst/>
+          </a:prstGeom>
+          <a:solidFill>
+            <a:srgbClr val="FFFFFF"/>
+          </a:solidFill>
+          <a:ln w="12700" cap="flat" cmpd="sng" algn="ctr">
+            <a:solidFill>
+              <a:srgbClr val="FFFFFF"/>
+            </a:solidFill>
+            <a:prstDash val="solid"/>
+            <a:bevel/>
+          </a:ln>
+          <a:effectLst>
+            <a:outerShdw blurRad="19685" dist="6350" dir="12900000" algn="tl" rotWithShape="0">
+              <a:srgbClr val="000000">
+                <a:alpha val="47000"/>
+              </a:srgbClr>
+            </a:outerShdw>
+          </a:effectLst>
+        </p:spPr>
+        <p:style>
+          <a:lnRef idx="2">
+            <a:schemeClr val="accent1"/>
+          </a:lnRef>
+          <a:fillRef idx="1">
+            <a:schemeClr val="accent1"/>
+          </a:fillRef>
+          <a:effectRef idx="0">
+            <a:schemeClr val="accent1"/>
+          </a:effectRef>
+          <a:fontRef idx="minor">
+            <a:schemeClr val="lt1"/>
+          </a:fontRef>
+        </p:style>
+        <p:txBody>
+          <a:bodyPr rtlCol="0" anchor="ctr"/>
+          <a:lstStyle/>
+          <a:p>
+            <a:pPr algn="ctr" eaLnBrk="1" latinLnBrk="0" hangingPunct="1"/>
+            <a:endParaRPr kumimoji="0" lang="en-US"/>
+          </a:p>
+        </p:txBody>
+      </p:sp>
+      <p:sp>
+        <p:nvSpPr>
           <p:cNvPr id="2" name="Title 1"/>
           <p:cNvSpPr>
             <a:spLocks noGrp="1"/>
@@ -2807,41 +3319,180 @@
         </p:nvSpPr>
         <p:spPr>
           <a:xfrm>
-            <a:off x="1792288" y="4800600"/>
-            <a:ext cx="5486400" cy="566738"/>
+            <a:off x="609600" y="1176996"/>
+            <a:ext cx="2212848" cy="1582621"/>
           </a:xfrm>
         </p:spPr>
         <p:txBody>
-          <a:bodyPr anchor="b"/>
+          <a:bodyPr vert="horz" lIns="45720" tIns="45720" rIns="45720" bIns="45720" anchor="b"/>
           <a:lstStyle>
             <a:lvl1pPr algn="l">
-              <a:defRPr sz="2000" b="1"/>
+              <a:buNone/>
+              <a:defRPr sz="2000" b="1">
+                <a:solidFill>
+                  <a:schemeClr val="tx2"/>
+                </a:solidFill>
+              </a:defRPr>
             </a:lvl1pPr>
           </a:lstStyle>
           <a:p>
             <a:r>
-              <a:rPr lang="en-US" smtClean="0"/>
+              <a:rPr kumimoji="0" lang="en-US" smtClean="0"/>
               <a:t>Click to edit Master title style</a:t>
             </a:r>
-            <a:endParaRPr lang="en-US"/>
-          </a:p>
-        </p:txBody>
-      </p:sp>
-      <p:sp>
-        <p:nvSpPr>
-          <p:cNvPr id="3" name="Picture Placeholder 2"/>
-          <p:cNvSpPr>
-            <a:spLocks noGrp="1"/>
-          </p:cNvSpPr>
-          <p:nvPr>
-            <p:ph type="pic" idx="1"/>
+            <a:endParaRPr kumimoji="0" lang="en-US"/>
+          </a:p>
+        </p:txBody>
+      </p:sp>
+      <p:sp>
+        <p:nvSpPr>
+          <p:cNvPr id="4" name="Text Placeholder 3"/>
+          <p:cNvSpPr>
+            <a:spLocks noGrp="1"/>
+          </p:cNvSpPr>
+          <p:nvPr>
+            <p:ph type="body" sz="half" idx="2"/>
           </p:nvPr>
         </p:nvSpPr>
         <p:spPr>
           <a:xfrm>
-            <a:off x="1792288" y="612775"/>
-            <a:ext cx="5486400" cy="4114800"/>
+            <a:off x="609600" y="2828785"/>
+            <a:ext cx="2209800" cy="2179320"/>
           </a:xfrm>
+        </p:spPr>
+        <p:txBody>
+          <a:bodyPr lIns="64008" rIns="45720" bIns="45720" anchor="t"/>
+          <a:lstStyle>
+            <a:lvl1pPr marL="0" indent="0" algn="l">
+              <a:spcBef>
+                <a:spcPts val="250"/>
+              </a:spcBef>
+              <a:buFontTx/>
+              <a:buNone/>
+              <a:defRPr sz="1300"/>
+            </a:lvl1pPr>
+            <a:lvl2pPr>
+              <a:defRPr sz="1200"/>
+            </a:lvl2pPr>
+            <a:lvl3pPr>
+              <a:defRPr sz="1000"/>
+            </a:lvl3pPr>
+            <a:lvl4pPr>
+              <a:defRPr sz="900"/>
+            </a:lvl4pPr>
+            <a:lvl5pPr>
+              <a:defRPr sz="900"/>
+            </a:lvl5pPr>
+          </a:lstStyle>
+          <a:p>
+            <a:pPr lvl="0" eaLnBrk="1" latinLnBrk="0" hangingPunct="1"/>
+            <a:r>
+              <a:rPr kumimoji="0" lang="en-US" smtClean="0"/>
+              <a:t>Click to edit Master text styles</a:t>
+            </a:r>
+          </a:p>
+        </p:txBody>
+      </p:sp>
+      <p:sp>
+        <p:nvSpPr>
+          <p:cNvPr id="5" name="Date Placeholder 4"/>
+          <p:cNvSpPr>
+            <a:spLocks noGrp="1"/>
+          </p:cNvSpPr>
+          <p:nvPr>
+            <p:ph type="dt" sz="half" idx="10"/>
+          </p:nvPr>
+        </p:nvSpPr>
+        <p:spPr/>
+        <p:txBody>
+          <a:bodyPr/>
+          <a:lstStyle/>
+          <a:p>
+            <a:fld id="{EF34DA83-6693-45CD-B904-8651ED07B240}" type="datetimeFigureOut">
+              <a:rPr lang="en-US" smtClean="0"/>
+              <a:pPr/>
+              <a:t>4/10/2010</a:t>
+            </a:fld>
+            <a:endParaRPr lang="en-US"/>
+          </a:p>
+        </p:txBody>
+      </p:sp>
+      <p:sp>
+        <p:nvSpPr>
+          <p:cNvPr id="6" name="Footer Placeholder 5"/>
+          <p:cNvSpPr>
+            <a:spLocks noGrp="1"/>
+          </p:cNvSpPr>
+          <p:nvPr>
+            <p:ph type="ftr" sz="quarter" idx="11"/>
+          </p:nvPr>
+        </p:nvSpPr>
+        <p:spPr/>
+        <p:txBody>
+          <a:bodyPr/>
+          <a:lstStyle/>
+          <a:p>
+            <a:endParaRPr lang="en-US"/>
+          </a:p>
+        </p:txBody>
+      </p:sp>
+      <p:sp>
+        <p:nvSpPr>
+          <p:cNvPr id="7" name="Slide Number Placeholder 6"/>
+          <p:cNvSpPr>
+            <a:spLocks noGrp="1"/>
+          </p:cNvSpPr>
+          <p:nvPr>
+            <p:ph type="sldNum" sz="quarter" idx="12"/>
+          </p:nvPr>
+        </p:nvSpPr>
+        <p:spPr>
+          <a:xfrm>
+            <a:off x="8077200" y="6356350"/>
+            <a:ext cx="609600" cy="365125"/>
+          </a:xfrm>
+        </p:spPr>
+        <p:txBody>
+          <a:bodyPr/>
+          <a:lstStyle/>
+          <a:p>
+            <a:fld id="{1CAB49CD-2AD7-498D-A8FB-A2CB4212A367}" type="slidenum">
+              <a:rPr lang="en-US" smtClean="0"/>
+              <a:pPr/>
+              <a:t>‹#›</a:t>
+            </a:fld>
+            <a:endParaRPr lang="en-US"/>
+          </a:p>
+        </p:txBody>
+      </p:sp>
+      <p:sp>
+        <p:nvSpPr>
+          <p:cNvPr id="3" name="Picture Placeholder 2"/>
+          <p:cNvSpPr>
+            <a:spLocks noGrp="1"/>
+          </p:cNvSpPr>
+          <p:nvPr>
+            <p:ph type="pic" idx="1"/>
+          </p:nvPr>
+        </p:nvSpPr>
+        <p:spPr>
+          <a:xfrm rot="420000">
+            <a:off x="3485793" y="1199517"/>
+            <a:ext cx="4617720" cy="3931920"/>
+          </a:xfrm>
+          <a:prstGeom prst="rect">
+            <a:avLst/>
+          </a:prstGeom>
+          <a:solidFill>
+            <a:schemeClr val="bg2"/>
+          </a:solidFill>
+          <a:ln w="3000" cap="rnd">
+            <a:solidFill>
+              <a:srgbClr val="C0C0C0"/>
+            </a:solidFill>
+            <a:round/>
+          </a:ln>
+          <a:effectLst/>
         </p:spPr>
         <p:txBody>
           <a:bodyPr/>
@@ -2850,171 +3501,269 @@
               <a:buNone/>
               <a:defRPr sz="3200"/>
             </a:lvl1pPr>
-            <a:lvl2pPr marL="457200" indent="0">
-              <a:buNone/>
-              <a:defRPr sz="2800"/>
-            </a:lvl2pPr>
-            <a:lvl3pPr marL="914400" indent="0">
-              <a:buNone/>
-              <a:defRPr sz="2400"/>
-            </a:lvl3pPr>
-            <a:lvl4pPr marL="1371600" indent="0">
-              <a:buNone/>
-              <a:defRPr sz="2000"/>
-            </a:lvl4pPr>
-            <a:lvl5pPr marL="1828800" indent="0">
-              <a:buNone/>
-              <a:defRPr sz="2000"/>
-            </a:lvl5pPr>
-            <a:lvl6pPr marL="2286000" indent="0">
-              <a:buNone/>
-              <a:defRPr sz="2000"/>
-            </a:lvl6pPr>
-            <a:lvl7pPr marL="2743200" indent="0">
-              <a:buNone/>
-              <a:defRPr sz="2000"/>
-            </a:lvl7pPr>
-            <a:lvl8pPr marL="3200400" indent="0">
-              <a:buNone/>
-              <a:defRPr sz="2000"/>
-            </a:lvl8pPr>
-            <a:lvl9pPr marL="3657600" indent="0">
-              <a:buNone/>
-              <a:defRPr sz="2000"/>
-            </a:lvl9pPr>
           </a:lstStyle>
           <a:p>
-            <a:endParaRPr lang="en-US"/>
-          </a:p>
-        </p:txBody>
-      </p:sp>
-      <p:sp>
-        <p:nvSpPr>
-          <p:cNvPr id="4" name="Text Placeholder 3"/>
-          <p:cNvSpPr>
-            <a:spLocks noGrp="1"/>
-          </p:cNvSpPr>
-          <p:nvPr>
-            <p:ph type="body" sz="half" idx="2"/>
-          </p:nvPr>
-        </p:nvSpPr>
-        <p:spPr>
-          <a:xfrm>
-            <a:off x="1792288" y="5367338"/>
-            <a:ext cx="5486400" cy="804862"/>
+            <a:r>
+              <a:rPr kumimoji="0" lang="en-US" smtClean="0"/>
+              <a:t>Click icon to add picture</a:t>
+            </a:r>
+            <a:endParaRPr kumimoji="0" lang="en-US" dirty="0"/>
+          </a:p>
+        </p:txBody>
+      </p:sp>
+      <p:sp>
+        <p:nvSpPr>
+          <p:cNvPr id="10" name="Freeform 9"/>
+          <p:cNvSpPr>
+            <a:spLocks/>
+          </p:cNvSpPr>
+          <p:nvPr/>
+        </p:nvSpPr>
+        <p:spPr bwMode="auto">
+          <a:xfrm flipV="1">
+            <a:off x="-9525" y="5816600"/>
+            <a:ext cx="9163050" cy="1041400"/>
           </a:xfrm>
+          <a:custGeom>
+            <a:avLst>
+              <a:gd name="A1" fmla="val 0"/>
+              <a:gd name="A2" fmla="val 0"/>
+              <a:gd name="A3" fmla="val 0"/>
+              <a:gd name="A4" fmla="val 0"/>
+              <a:gd name="A5" fmla="val 0"/>
+              <a:gd name="A6" fmla="val 0"/>
+              <a:gd name="A7" fmla="val 0"/>
+              <a:gd name="A8" fmla="val 0"/>
+            </a:avLst>
+            <a:gdLst/>
+            <a:ahLst/>
+            <a:cxnLst>
+              <a:cxn ang="0">
+                <a:pos x="6" y="2"/>
+              </a:cxn>
+              <a:cxn ang="0">
+                <a:pos x="2542" y="0"/>
+              </a:cxn>
+              <a:cxn ang="0">
+                <a:pos x="4374" y="367"/>
+              </a:cxn>
+              <a:cxn ang="0">
+                <a:pos x="5766" y="55"/>
+              </a:cxn>
+              <a:cxn ang="0">
+                <a:pos x="5772" y="213"/>
+              </a:cxn>
+              <a:cxn ang="0">
+                <a:pos x="4302" y="439"/>
+              </a:cxn>
+              <a:cxn ang="0">
+                <a:pos x="1488" y="201"/>
+              </a:cxn>
+              <a:cxn ang="0">
+                <a:pos x="0" y="656"/>
+              </a:cxn>
+              <a:cxn ang="0">
+                <a:pos x="6" y="2"/>
+              </a:cxn>
+            </a:cxnLst>
+            <a:rect l="0" t="0" r="0" b="0"/>
+            <a:pathLst>
+              <a:path w="5772" h="656">
+                <a:moveTo>
+                  <a:pt x="6" y="2"/>
+                </a:moveTo>
+                <a:lnTo>
+                  <a:pt x="2542" y="0"/>
+                </a:lnTo>
+                <a:cubicBezTo>
+                  <a:pt x="2746" y="101"/>
+                  <a:pt x="3828" y="367"/>
+                  <a:pt x="4374" y="367"/>
+                </a:cubicBezTo>
+                <a:cubicBezTo>
+                  <a:pt x="4920" y="367"/>
+                  <a:pt x="5526" y="152"/>
+                  <a:pt x="5766" y="55"/>
+                </a:cubicBezTo>
+                <a:lnTo>
+                  <a:pt x="5772" y="213"/>
+                </a:lnTo>
+                <a:cubicBezTo>
+                  <a:pt x="5670" y="257"/>
+                  <a:pt x="5016" y="441"/>
+                  <a:pt x="4302" y="439"/>
+                </a:cubicBezTo>
+                <a:cubicBezTo>
+                  <a:pt x="3588" y="437"/>
+                  <a:pt x="2205" y="165"/>
+                  <a:pt x="1488" y="201"/>
+                </a:cubicBezTo>
+                <a:cubicBezTo>
+                  <a:pt x="750" y="209"/>
+                  <a:pt x="270" y="482"/>
+                  <a:pt x="0" y="656"/>
+                </a:cubicBezTo>
+                <a:lnTo>
+                  <a:pt x="6" y="2"/>
+                </a:lnTo>
+                <a:close/>
+              </a:path>
+            </a:pathLst>
+          </a:custGeom>
+          <a:gradFill>
+            <a:gsLst>
+              <a:gs pos="0">
+                <a:schemeClr val="accent2">
+                  <a:shade val="50000"/>
+                  <a:alpha val="45000"/>
+                  <a:satMod val="120000"/>
+                </a:schemeClr>
+              </a:gs>
+              <a:gs pos="100000">
+                <a:schemeClr val="accent3">
+                  <a:shade val="80000"/>
+                  <a:alpha val="55000"/>
+                  <a:satMod val="155000"/>
+                </a:schemeClr>
+              </a:gs>
+            </a:gsLst>
+            <a:lin ang="5400000" scaled="1"/>
+          </a:gradFill>
+          <a:ln w="9525" cap="flat" cmpd="sng" algn="ctr">
+            <a:noFill/>
+            <a:prstDash val="solid"/>
+            <a:round/>
+            <a:headEnd type="none" w="med" len="med"/>
+            <a:tailEnd type="none" w="med" len="med"/>
+          </a:ln>
+          <a:effectLst/>
         </p:spPr>
         <p:txBody>
-          <a:bodyPr/>
-          <a:lstStyle>
-            <a:lvl1pPr marL="0" indent="0">
-              <a:buNone/>
-              <a:defRPr sz="1400"/>
-            </a:lvl1pPr>
-            <a:lvl2pPr marL="457200" indent="0">
-              <a:buNone/>
-              <a:defRPr sz="1200"/>
-            </a:lvl2pPr>
-            <a:lvl3pPr marL="914400" indent="0">
-              <a:buNone/>
-              <a:defRPr sz="1000"/>
-            </a:lvl3pPr>
-            <a:lvl4pPr marL="1371600" indent="0">
-              <a:buNone/>
-              <a:defRPr sz="900"/>
-            </a:lvl4pPr>
-            <a:lvl5pPr marL="1828800" indent="0">
-              <a:buNone/>
-              <a:defRPr sz="900"/>
-            </a:lvl5pPr>
-            <a:lvl6pPr marL="2286000" indent="0">
-              <a:buNone/>
-              <a:defRPr sz="900"/>
-            </a:lvl6pPr>
-            <a:lvl7pPr marL="2743200" indent="0">
-              <a:buNone/>
-              <a:defRPr sz="900"/>
-            </a:lvl7pPr>
-            <a:lvl8pPr marL="3200400" indent="0">
-              <a:buNone/>
-              <a:defRPr sz="900"/>
-            </a:lvl8pPr>
-            <a:lvl9pPr marL="3657600" indent="0">
-              <a:buNone/>
-              <a:defRPr sz="900"/>
-            </a:lvl9pPr>
-          </a:lstStyle>
-          <a:p>
-            <a:pPr lvl="0"/>
-            <a:r>
-              <a:rPr lang="en-US" smtClean="0"/>
-              <a:t>Click to edit Master text styles</a:t>
-            </a:r>
-          </a:p>
-        </p:txBody>
-      </p:sp>
-      <p:sp>
-        <p:nvSpPr>
-          <p:cNvPr id="5" name="Date Placeholder 4"/>
-          <p:cNvSpPr>
-            <a:spLocks noGrp="1"/>
-          </p:cNvSpPr>
-          <p:nvPr>
-            <p:ph type="dt" sz="half" idx="10"/>
-          </p:nvPr>
-        </p:nvSpPr>
-        <p:spPr/>
-        <p:txBody>
-          <a:bodyPr/>
-          <a:lstStyle/>
-          <a:p>
-            <a:fld id="{EF34DA83-6693-45CD-B904-8651ED07B240}" type="datetimeFigureOut">
-              <a:rPr lang="en-US" smtClean="0"/>
-              <a:t>4/5/2010</a:t>
-            </a:fld>
-            <a:endParaRPr lang="en-US"/>
-          </a:p>
-        </p:txBody>
-      </p:sp>
-      <p:sp>
-        <p:nvSpPr>
-          <p:cNvPr id="6" name="Footer Placeholder 5"/>
-          <p:cNvSpPr>
-            <a:spLocks noGrp="1"/>
-          </p:cNvSpPr>
-          <p:nvPr>
-            <p:ph type="ftr" sz="quarter" idx="11"/>
-          </p:nvPr>
-        </p:nvSpPr>
-        <p:spPr/>
-        <p:txBody>
-          <a:bodyPr/>
-          <a:lstStyle/>
-          <a:p>
-            <a:endParaRPr lang="en-US"/>
-          </a:p>
-        </p:txBody>
-      </p:sp>
-      <p:sp>
-        <p:nvSpPr>
-          <p:cNvPr id="7" name="Slide Number Placeholder 6"/>
-          <p:cNvSpPr>
-            <a:spLocks noGrp="1"/>
-          </p:cNvSpPr>
-          <p:nvPr>
-            <p:ph type="sldNum" sz="quarter" idx="12"/>
-          </p:nvPr>
-        </p:nvSpPr>
-        <p:spPr/>
-        <p:txBody>
-          <a:bodyPr/>
-          <a:lstStyle/>
-          <a:p>
-            <a:fld id="{1CAB49CD-2AD7-498D-A8FB-A2CB4212A367}" type="slidenum">
-              <a:rPr lang="en-US" smtClean="0"/>
-              <a:t>‹#›</a:t>
-            </a:fld>
-            <a:endParaRPr lang="en-US"/>
+          <a:bodyPr vert="horz" wrap="square" lIns="91440" tIns="45720" rIns="91440" bIns="45720" anchor="t" compatLnSpc="1"/>
+          <a:lstStyle/>
+          <a:p>
+            <a:pPr marL="0" algn="l" rtl="0" eaLnBrk="1" latinLnBrk="0" hangingPunct="1"/>
+            <a:endParaRPr kumimoji="0" lang="en-US">
+              <a:solidFill>
+                <a:schemeClr val="tx1"/>
+              </a:solidFill>
+              <a:latin typeface="+mn-lt"/>
+              <a:ea typeface="+mn-ea"/>
+              <a:cs typeface="+mn-cs"/>
+            </a:endParaRPr>
+          </a:p>
+        </p:txBody>
+      </p:sp>
+      <p:sp>
+        <p:nvSpPr>
+          <p:cNvPr id="11" name="Freeform 10"/>
+          <p:cNvSpPr>
+            <a:spLocks/>
+          </p:cNvSpPr>
+          <p:nvPr/>
+        </p:nvSpPr>
+        <p:spPr bwMode="auto">
+          <a:xfrm flipV="1">
+            <a:off x="4381500" y="6219825"/>
+            <a:ext cx="4762500" cy="638175"/>
+          </a:xfrm>
+          <a:custGeom>
+            <a:avLst>
+              <a:gd name="A1" fmla="val 0"/>
+              <a:gd name="A2" fmla="val 0"/>
+              <a:gd name="A3" fmla="val 0"/>
+              <a:gd name="A4" fmla="val 0"/>
+              <a:gd name="A5" fmla="val 0"/>
+              <a:gd name="A6" fmla="val 0"/>
+              <a:gd name="A7" fmla="val 0"/>
+              <a:gd name="A8" fmla="val 0"/>
+            </a:avLst>
+            <a:gdLst/>
+            <a:ahLst/>
+            <a:cxnLst>
+              <a:cxn ang="0">
+                <a:pos x="0" y="0"/>
+              </a:cxn>
+              <a:cxn ang="0">
+                <a:pos x="1668" y="564"/>
+              </a:cxn>
+              <a:cxn ang="0">
+                <a:pos x="3000" y="186"/>
+              </a:cxn>
+              <a:cxn ang="0">
+                <a:pos x="3000" y="6"/>
+              </a:cxn>
+              <a:cxn ang="0">
+                <a:pos x="0" y="0"/>
+              </a:cxn>
+            </a:cxnLst>
+            <a:rect l="0" t="0" r="0" b="0"/>
+            <a:pathLst>
+              <a:path w="3000" h="595">
+                <a:moveTo>
+                  <a:pt x="0" y="0"/>
+                </a:moveTo>
+                <a:cubicBezTo>
+                  <a:pt x="174" y="102"/>
+                  <a:pt x="1168" y="533"/>
+                  <a:pt x="1668" y="564"/>
+                </a:cubicBezTo>
+                <a:cubicBezTo>
+                  <a:pt x="2168" y="595"/>
+                  <a:pt x="2778" y="279"/>
+                  <a:pt x="3000" y="186"/>
+                </a:cubicBezTo>
+                <a:lnTo>
+                  <a:pt x="3000" y="6"/>
+                </a:lnTo>
+                <a:lnTo>
+                  <a:pt x="0" y="0"/>
+                </a:lnTo>
+                <a:close/>
+              </a:path>
+            </a:pathLst>
+          </a:custGeom>
+          <a:gradFill>
+            <a:gsLst>
+              <a:gs pos="0">
+                <a:schemeClr val="accent3">
+                  <a:shade val="50000"/>
+                  <a:alpha val="30000"/>
+                  <a:satMod val="130000"/>
+                </a:schemeClr>
+              </a:gs>
+              <a:gs pos="80000">
+                <a:schemeClr val="accent2">
+                  <a:shade val="75000"/>
+                  <a:alpha val="45000"/>
+                  <a:satMod val="140000"/>
+                </a:schemeClr>
+              </a:gs>
+            </a:gsLst>
+            <a:lin ang="5400000" scaled="1"/>
+          </a:gradFill>
+          <a:ln w="9525" cap="flat" cmpd="sng" algn="ctr">
+            <a:noFill/>
+            <a:prstDash val="solid"/>
+            <a:round/>
+            <a:headEnd type="none" w="med" len="med"/>
+            <a:tailEnd type="none" w="med" len="med"/>
+          </a:ln>
+          <a:effectLst/>
+        </p:spPr>
+        <p:txBody>
+          <a:bodyPr vert="horz" wrap="square" lIns="91440" tIns="45720" rIns="91440" bIns="45720" anchor="t" compatLnSpc="1"/>
+          <a:lstStyle/>
+          <a:p>
+            <a:pPr marL="0" algn="l" rtl="0" eaLnBrk="1" latinLnBrk="0" hangingPunct="1"/>
+            <a:endParaRPr kumimoji="0" lang="en-US">
+              <a:solidFill>
+                <a:schemeClr val="tx1"/>
+              </a:solidFill>
+              <a:latin typeface="+mn-lt"/>
+              <a:ea typeface="+mn-ea"/>
+              <a:cs typeface="+mn-cs"/>
+            </a:endParaRPr>
           </a:p>
         </p:txBody>
       </p:sp>
@@ -3030,7 +3779,7 @@
 <p:sldMaster xmlns:a="http://schemas.openxmlformats.org/drawingml/2006/main" xmlns:r="http://schemas.openxmlformats.org/officeDocument/2006/relationships" xmlns:p="http://schemas.openxmlformats.org/presentationml/2006/main">
   <p:cSld>
     <p:bg>
-      <p:bgRef idx="1001">
+      <p:bgRef idx="1003">
         <a:schemeClr val="bg1"/>
       </p:bgRef>
     </p:bg>
@@ -3050,7 +3799,263 @@
       </p:grpSpPr>
       <p:sp>
         <p:nvSpPr>
-          <p:cNvPr id="2" name="Title Placeholder 1"/>
+          <p:cNvPr id="7" name="Freeform 6"/>
+          <p:cNvSpPr>
+            <a:spLocks/>
+          </p:cNvSpPr>
+          <p:nvPr/>
+        </p:nvSpPr>
+        <p:spPr bwMode="auto">
+          <a:xfrm>
+            <a:off x="-9525" y="-7144"/>
+            <a:ext cx="9163050" cy="1041400"/>
+          </a:xfrm>
+          <a:custGeom>
+            <a:avLst>
+              <a:gd name="A1" fmla="val 0"/>
+              <a:gd name="A2" fmla="val 0"/>
+              <a:gd name="A3" fmla="val 0"/>
+              <a:gd name="A4" fmla="val 0"/>
+              <a:gd name="A5" fmla="val 0"/>
+              <a:gd name="A6" fmla="val 0"/>
+              <a:gd name="A7" fmla="val 0"/>
+              <a:gd name="A8" fmla="val 0"/>
+            </a:avLst>
+            <a:gdLst/>
+            <a:ahLst/>
+            <a:cxnLst>
+              <a:cxn ang="0">
+                <a:pos x="6" y="2"/>
+              </a:cxn>
+              <a:cxn ang="0">
+                <a:pos x="2542" y="0"/>
+              </a:cxn>
+              <a:cxn ang="0">
+                <a:pos x="4374" y="367"/>
+              </a:cxn>
+              <a:cxn ang="0">
+                <a:pos x="5766" y="55"/>
+              </a:cxn>
+              <a:cxn ang="0">
+                <a:pos x="5772" y="213"/>
+              </a:cxn>
+              <a:cxn ang="0">
+                <a:pos x="4302" y="439"/>
+              </a:cxn>
+              <a:cxn ang="0">
+                <a:pos x="1488" y="201"/>
+              </a:cxn>
+              <a:cxn ang="0">
+                <a:pos x="0" y="656"/>
+              </a:cxn>
+              <a:cxn ang="0">
+                <a:pos x="6" y="2"/>
+              </a:cxn>
+            </a:cxnLst>
+            <a:rect l="0" t="0" r="0" b="0"/>
+            <a:pathLst>
+              <a:path w="5772" h="656">
+                <a:moveTo>
+                  <a:pt x="6" y="2"/>
+                </a:moveTo>
+                <a:lnTo>
+                  <a:pt x="2542" y="0"/>
+                </a:lnTo>
+                <a:cubicBezTo>
+                  <a:pt x="2746" y="101"/>
+                  <a:pt x="3828" y="367"/>
+                  <a:pt x="4374" y="367"/>
+                </a:cubicBezTo>
+                <a:cubicBezTo>
+                  <a:pt x="4920" y="367"/>
+                  <a:pt x="5526" y="152"/>
+                  <a:pt x="5766" y="55"/>
+                </a:cubicBezTo>
+                <a:lnTo>
+                  <a:pt x="5772" y="213"/>
+                </a:lnTo>
+                <a:cubicBezTo>
+                  <a:pt x="5670" y="257"/>
+                  <a:pt x="5016" y="441"/>
+                  <a:pt x="4302" y="439"/>
+                </a:cubicBezTo>
+                <a:cubicBezTo>
+                  <a:pt x="3588" y="437"/>
+                  <a:pt x="2205" y="165"/>
+                  <a:pt x="1488" y="201"/>
+                </a:cubicBezTo>
+                <a:cubicBezTo>
+                  <a:pt x="750" y="209"/>
+                  <a:pt x="270" y="482"/>
+                  <a:pt x="0" y="656"/>
+                </a:cubicBezTo>
+                <a:lnTo>
+                  <a:pt x="6" y="2"/>
+                </a:lnTo>
+                <a:close/>
+              </a:path>
+            </a:pathLst>
+          </a:custGeom>
+          <a:gradFill>
+            <a:gsLst>
+              <a:gs pos="0">
+                <a:schemeClr val="accent2">
+                  <a:shade val="50000"/>
+                  <a:alpha val="45000"/>
+                  <a:satMod val="120000"/>
+                </a:schemeClr>
+              </a:gs>
+              <a:gs pos="100000">
+                <a:schemeClr val="accent3">
+                  <a:shade val="80000"/>
+                  <a:alpha val="55000"/>
+                  <a:satMod val="155000"/>
+                </a:schemeClr>
+              </a:gs>
+            </a:gsLst>
+            <a:lin ang="5400000" scaled="1"/>
+          </a:gradFill>
+          <a:ln w="9525" cap="flat" cmpd="sng" algn="ctr">
+            <a:noFill/>
+            <a:prstDash val="solid"/>
+            <a:round/>
+            <a:headEnd type="none" w="med" len="med"/>
+            <a:tailEnd type="none" w="med" len="med"/>
+          </a:ln>
+          <a:effectLst/>
+        </p:spPr>
+        <p:txBody>
+          <a:bodyPr vert="horz" wrap="square" lIns="91440" tIns="45720" rIns="91440" bIns="45720" anchor="t" compatLnSpc="1"/>
+          <a:lstStyle/>
+          <a:p>
+            <a:pPr marL="0" algn="l" rtl="0" eaLnBrk="1" latinLnBrk="0" hangingPunct="1"/>
+            <a:endParaRPr kumimoji="0" lang="en-US">
+              <a:solidFill>
+                <a:schemeClr val="tx1"/>
+              </a:solidFill>
+              <a:latin typeface="+mn-lt"/>
+              <a:ea typeface="+mn-ea"/>
+              <a:cs typeface="+mn-cs"/>
+            </a:endParaRPr>
+          </a:p>
+        </p:txBody>
+      </p:sp>
+      <p:sp>
+        <p:nvSpPr>
+          <p:cNvPr id="8" name="Freeform 7"/>
+          <p:cNvSpPr>
+            <a:spLocks/>
+          </p:cNvSpPr>
+          <p:nvPr/>
+        </p:nvSpPr>
+        <p:spPr bwMode="auto">
+          <a:xfrm>
+            <a:off x="4381500" y="-7144"/>
+            <a:ext cx="4762500" cy="638175"/>
+          </a:xfrm>
+          <a:custGeom>
+            <a:avLst>
+              <a:gd name="A1" fmla="val 0"/>
+              <a:gd name="A2" fmla="val 0"/>
+              <a:gd name="A3" fmla="val 0"/>
+              <a:gd name="A4" fmla="val 0"/>
+              <a:gd name="A5" fmla="val 0"/>
+              <a:gd name="A6" fmla="val 0"/>
+              <a:gd name="A7" fmla="val 0"/>
+              <a:gd name="A8" fmla="val 0"/>
+            </a:avLst>
+            <a:gdLst/>
+            <a:ahLst/>
+            <a:cxnLst>
+              <a:cxn ang="0">
+                <a:pos x="0" y="0"/>
+              </a:cxn>
+              <a:cxn ang="0">
+                <a:pos x="1668" y="564"/>
+              </a:cxn>
+              <a:cxn ang="0">
+                <a:pos x="3000" y="186"/>
+              </a:cxn>
+              <a:cxn ang="0">
+                <a:pos x="3000" y="6"/>
+              </a:cxn>
+              <a:cxn ang="0">
+                <a:pos x="0" y="0"/>
+              </a:cxn>
+            </a:cxnLst>
+            <a:rect l="0" t="0" r="0" b="0"/>
+            <a:pathLst>
+              <a:path w="3000" h="595">
+                <a:moveTo>
+                  <a:pt x="0" y="0"/>
+                </a:moveTo>
+                <a:cubicBezTo>
+                  <a:pt x="174" y="102"/>
+                  <a:pt x="1168" y="533"/>
+                  <a:pt x="1668" y="564"/>
+                </a:cubicBezTo>
+                <a:cubicBezTo>
+                  <a:pt x="2168" y="595"/>
+                  <a:pt x="2778" y="279"/>
+                  <a:pt x="3000" y="186"/>
+                </a:cubicBezTo>
+                <a:lnTo>
+                  <a:pt x="3000" y="6"/>
+                </a:lnTo>
+                <a:lnTo>
+                  <a:pt x="0" y="0"/>
+                </a:lnTo>
+                <a:close/>
+              </a:path>
+            </a:pathLst>
+          </a:custGeom>
+          <a:gradFill>
+            <a:gsLst>
+              <a:gs pos="0">
+                <a:schemeClr val="accent3">
+                  <a:shade val="50000"/>
+                  <a:alpha val="30000"/>
+                  <a:satMod val="130000"/>
+                </a:schemeClr>
+              </a:gs>
+              <a:gs pos="80000">
+                <a:schemeClr val="accent2">
+                  <a:shade val="75000"/>
+                  <a:alpha val="45000"/>
+                  <a:satMod val="140000"/>
+                </a:schemeClr>
+              </a:gs>
+            </a:gsLst>
+            <a:lin ang="5400000" scaled="1"/>
+          </a:gradFill>
+          <a:ln w="9525" cap="flat" cmpd="sng" algn="ctr">
+            <a:noFill/>
+            <a:prstDash val="solid"/>
+            <a:round/>
+            <a:headEnd type="none" w="med" len="med"/>
+            <a:tailEnd type="none" w="med" len="med"/>
+          </a:ln>
+          <a:effectLst/>
+        </p:spPr>
+        <p:txBody>
+          <a:bodyPr vert="horz" wrap="square" lIns="91440" tIns="45720" rIns="91440" bIns="45720" anchor="t" compatLnSpc="1"/>
+          <a:lstStyle/>
+          <a:p>
+            <a:pPr marL="0" algn="l" rtl="0" eaLnBrk="1" latinLnBrk="0" hangingPunct="1"/>
+            <a:endParaRPr kumimoji="0" lang="en-US">
+              <a:solidFill>
+                <a:schemeClr val="tx1"/>
+              </a:solidFill>
+              <a:latin typeface="+mn-lt"/>
+              <a:ea typeface="+mn-ea"/>
+              <a:cs typeface="+mn-cs"/>
+            </a:endParaRPr>
+          </a:p>
+        </p:txBody>
+      </p:sp>
+      <p:sp>
+        <p:nvSpPr>
+          <p:cNvPr id="9" name="Title Placeholder 8"/>
           <p:cNvSpPr>
             <a:spLocks noGrp="1"/>
           </p:cNvSpPr>
@@ -3060,7 +4065,7 @@
         </p:nvSpPr>
         <p:spPr>
           <a:xfrm>
-            <a:off x="457200" y="274638"/>
+            <a:off x="457200" y="704088"/>
             <a:ext cx="8229600" cy="1143000"/>
           </a:xfrm>
           <a:prstGeom prst="rect">
@@ -3068,22 +4073,22 @@
           </a:prstGeom>
         </p:spPr>
         <p:txBody>
-          <a:bodyPr vert="horz" lIns="91440" tIns="45720" rIns="91440" bIns="45720" rtlCol="0" anchor="ctr">
+          <a:bodyPr vert="horz" lIns="0" rIns="0" bIns="0" anchor="b">
             <a:normAutofit/>
           </a:bodyPr>
           <a:lstStyle/>
           <a:p>
             <a:r>
-              <a:rPr lang="en-US" smtClean="0"/>
+              <a:rPr kumimoji="0" lang="en-US" smtClean="0"/>
               <a:t>Click to edit Master title style</a:t>
             </a:r>
-            <a:endParaRPr lang="en-US"/>
-          </a:p>
-        </p:txBody>
-      </p:sp>
-      <p:sp>
-        <p:nvSpPr>
-          <p:cNvPr id="3" name="Text Placeholder 2"/>
+            <a:endParaRPr kumimoji="0" lang="en-US"/>
+          </a:p>
+        </p:txBody>
+      </p:sp>
+      <p:sp>
+        <p:nvSpPr>
+          <p:cNvPr id="30" name="Text Placeholder 29"/>
           <p:cNvSpPr>
             <a:spLocks noGrp="1"/>
           </p:cNvSpPr>
@@ -3093,59 +4098,59 @@
         </p:nvSpPr>
         <p:spPr>
           <a:xfrm>
-            <a:off x="457200" y="1600200"/>
-            <a:ext cx="8229600" cy="4525963"/>
+            <a:off x="457200" y="1935480"/>
+            <a:ext cx="8229600" cy="4389120"/>
           </a:xfrm>
           <a:prstGeom prst="rect">
             <a:avLst/>
           </a:prstGeom>
         </p:spPr>
         <p:txBody>
-          <a:bodyPr vert="horz" lIns="91440" tIns="45720" rIns="91440" bIns="45720" rtlCol="0">
+          <a:bodyPr vert="horz">
             <a:normAutofit/>
           </a:bodyPr>
           <a:lstStyle/>
           <a:p>
-            <a:pPr lvl="0"/>
-            <a:r>
-              <a:rPr lang="en-US" smtClean="0"/>
+            <a:pPr lvl="0" eaLnBrk="1" latinLnBrk="0" hangingPunct="1"/>
+            <a:r>
+              <a:rPr kumimoji="0" lang="en-US" smtClean="0"/>
               <a:t>Click to edit Master text styles</a:t>
             </a:r>
           </a:p>
           <a:p>
-            <a:pPr lvl="1"/>
-            <a:r>
-              <a:rPr lang="en-US" smtClean="0"/>
+            <a:pPr lvl="1" eaLnBrk="1" latinLnBrk="0" hangingPunct="1"/>
+            <a:r>
+              <a:rPr kumimoji="0" lang="en-US" smtClean="0"/>
               <a:t>Second level</a:t>
             </a:r>
           </a:p>
           <a:p>
-            <a:pPr lvl="2"/>
-            <a:r>
-              <a:rPr lang="en-US" smtClean="0"/>
+            <a:pPr lvl="2" eaLnBrk="1" latinLnBrk="0" hangingPunct="1"/>
+            <a:r>
+              <a:rPr kumimoji="0" lang="en-US" smtClean="0"/>
               <a:t>Third level</a:t>
             </a:r>
           </a:p>
           <a:p>
-            <a:pPr lvl="3"/>
-            <a:r>
-              <a:rPr lang="en-US" smtClean="0"/>
+            <a:pPr lvl="3" eaLnBrk="1" latinLnBrk="0" hangingPunct="1"/>
+            <a:r>
+              <a:rPr kumimoji="0" lang="en-US" smtClean="0"/>
               <a:t>Fourth level</a:t>
             </a:r>
           </a:p>
           <a:p>
-            <a:pPr lvl="4"/>
-            <a:r>
-              <a:rPr lang="en-US" smtClean="0"/>
+            <a:pPr lvl="4" eaLnBrk="1" latinLnBrk="0" hangingPunct="1"/>
+            <a:r>
+              <a:rPr kumimoji="0" lang="en-US" smtClean="0"/>
               <a:t>Fifth level</a:t>
             </a:r>
-            <a:endParaRPr lang="en-US"/>
-          </a:p>
-        </p:txBody>
-      </p:sp>
-      <p:sp>
-        <p:nvSpPr>
-          <p:cNvPr id="4" name="Date Placeholder 3"/>
+            <a:endParaRPr kumimoji="0" lang="en-US"/>
+          </a:p>
+        </p:txBody>
+      </p:sp>
+      <p:sp>
+        <p:nvSpPr>
+          <p:cNvPr id="10" name="Date Placeholder 9"/>
           <p:cNvSpPr>
             <a:spLocks noGrp="1"/>
           </p:cNvSpPr>
@@ -3163,13 +4168,13 @@
           </a:prstGeom>
         </p:spPr>
         <p:txBody>
-          <a:bodyPr vert="horz" lIns="91440" tIns="45720" rIns="91440" bIns="45720" rtlCol="0" anchor="ctr"/>
+          <a:bodyPr vert="horz" lIns="0" tIns="0" rIns="0" bIns="0" anchor="b"/>
           <a:lstStyle>
-            <a:lvl1pPr algn="l">
-              <a:defRPr sz="1200">
+            <a:lvl1pPr algn="l" eaLnBrk="1" latinLnBrk="0" hangingPunct="1">
+              <a:defRPr kumimoji="0" sz="1200">
                 <a:solidFill>
-                  <a:schemeClr val="tx1">
-                    <a:tint val="75000"/>
+                  <a:schemeClr val="tx2">
+                    <a:shade val="90000"/>
                   </a:schemeClr>
                 </a:solidFill>
               </a:defRPr>
@@ -3178,7 +4183,8 @@
           <a:p>
             <a:fld id="{EF34DA83-6693-45CD-B904-8651ED07B240}" type="datetimeFigureOut">
               <a:rPr lang="en-US" smtClean="0"/>
-              <a:t>4/5/2010</a:t>
+              <a:pPr/>
+              <a:t>4/10/2010</a:t>
             </a:fld>
             <a:endParaRPr lang="en-US"/>
           </a:p>
@@ -3186,7 +4192,7 @@
       </p:sp>
       <p:sp>
         <p:nvSpPr>
-          <p:cNvPr id="5" name="Footer Placeholder 4"/>
+          <p:cNvPr id="22" name="Footer Placeholder 21"/>
           <p:cNvSpPr>
             <a:spLocks noGrp="1"/>
           </p:cNvSpPr>
@@ -3196,21 +4202,21 @@
         </p:nvSpPr>
         <p:spPr>
           <a:xfrm>
-            <a:off x="3124200" y="6356350"/>
-            <a:ext cx="2895600" cy="365125"/>
+            <a:off x="2667000" y="6356350"/>
+            <a:ext cx="3352800" cy="365125"/>
           </a:xfrm>
           <a:prstGeom prst="rect">
             <a:avLst/>
           </a:prstGeom>
         </p:spPr>
         <p:txBody>
-          <a:bodyPr vert="horz" lIns="91440" tIns="45720" rIns="91440" bIns="45720" rtlCol="0" anchor="ctr"/>
+          <a:bodyPr vert="horz" lIns="0" tIns="0" rIns="0" bIns="0" anchor="b"/>
           <a:lstStyle>
-            <a:lvl1pPr algn="ctr">
-              <a:defRPr sz="1200">
+            <a:lvl1pPr algn="l" eaLnBrk="1" latinLnBrk="0" hangingPunct="1">
+              <a:defRPr kumimoji="0" sz="1200">
                 <a:solidFill>
-                  <a:schemeClr val="tx1">
-                    <a:tint val="75000"/>
+                  <a:schemeClr val="tx2">
+                    <a:shade val="90000"/>
                   </a:schemeClr>
                 </a:solidFill>
               </a:defRPr>
@@ -3223,7 +4229,7 @@
       </p:sp>
       <p:sp>
         <p:nvSpPr>
-          <p:cNvPr id="6" name="Slide Number Placeholder 5"/>
+          <p:cNvPr id="18" name="Slide Number Placeholder 17"/>
           <p:cNvSpPr>
             <a:spLocks noGrp="1"/>
           </p:cNvSpPr>
@@ -3233,21 +4239,21 @@
         </p:nvSpPr>
         <p:spPr>
           <a:xfrm>
-            <a:off x="6553200" y="6356350"/>
-            <a:ext cx="2133600" cy="365125"/>
+            <a:off x="7924800" y="6356350"/>
+            <a:ext cx="762000" cy="365125"/>
           </a:xfrm>
           <a:prstGeom prst="rect">
             <a:avLst/>
           </a:prstGeom>
         </p:spPr>
         <p:txBody>
-          <a:bodyPr vert="horz" lIns="91440" tIns="45720" rIns="91440" bIns="45720" rtlCol="0" anchor="ctr"/>
+          <a:bodyPr vert="horz" lIns="0" tIns="0" rIns="0" bIns="0" anchor="b"/>
           <a:lstStyle>
-            <a:lvl1pPr algn="r">
-              <a:defRPr sz="1200">
+            <a:lvl1pPr algn="r" eaLnBrk="1" latinLnBrk="0" hangingPunct="1">
+              <a:defRPr kumimoji="0" sz="1200">
                 <a:solidFill>
-                  <a:schemeClr val="tx1">
-                    <a:tint val="75000"/>
+                  <a:schemeClr val="tx2">
+                    <a:shade val="90000"/>
                   </a:schemeClr>
                 </a:solidFill>
               </a:defRPr>
@@ -3256,39 +4262,258 @@
           <a:p>
             <a:fld id="{1CAB49CD-2AD7-498D-A8FB-A2CB4212A367}" type="slidenum">
               <a:rPr lang="en-US" smtClean="0"/>
+              <a:pPr/>
               <a:t>‹#›</a:t>
             </a:fld>
             <a:endParaRPr lang="en-US"/>
           </a:p>
         </p:txBody>
       </p:sp>
+      <p:grpSp>
+        <p:nvGrpSpPr>
+          <p:cNvPr id="2" name="Group 1"/>
+          <p:cNvGrpSpPr/>
+          <p:nvPr/>
+        </p:nvGrpSpPr>
+        <p:grpSpPr>
+          <a:xfrm>
+            <a:off x="-19017" y="202408"/>
+            <a:ext cx="9180548" cy="649224"/>
+            <a:chOff x="-19045" y="216550"/>
+            <a:chExt cx="9180548" cy="649224"/>
+          </a:xfrm>
+        </p:grpSpPr>
+        <p:sp>
+          <p:nvSpPr>
+            <p:cNvPr id="12" name="Freeform 11"/>
+            <p:cNvSpPr>
+              <a:spLocks/>
+            </p:cNvSpPr>
+            <p:nvPr/>
+          </p:nvSpPr>
+          <p:spPr bwMode="auto">
+            <a:xfrm rot="21435692">
+              <a:off x="-19045" y="216550"/>
+              <a:ext cx="9163050" cy="649224"/>
+            </a:xfrm>
+            <a:custGeom>
+              <a:avLst>
+                <a:gd name="A1" fmla="val 0"/>
+                <a:gd name="A2" fmla="val 0"/>
+                <a:gd name="A3" fmla="val 0"/>
+                <a:gd name="A4" fmla="val 0"/>
+                <a:gd name="A5" fmla="val 0"/>
+                <a:gd name="A6" fmla="val 0"/>
+                <a:gd name="A7" fmla="val 0"/>
+                <a:gd name="A8" fmla="val 0"/>
+              </a:avLst>
+              <a:gdLst/>
+              <a:ahLst/>
+              <a:cxnLst>
+                <a:cxn ang="0">
+                  <a:pos x="0" y="966"/>
+                </a:cxn>
+                <a:cxn ang="0">
+                  <a:pos x="1608" y="282"/>
+                </a:cxn>
+                <a:cxn ang="0">
+                  <a:pos x="4110" y="1008"/>
+                </a:cxn>
+                <a:cxn ang="0">
+                  <a:pos x="5772" y="0"/>
+                </a:cxn>
+              </a:cxnLst>
+              <a:rect l="0" t="0" r="0" b="0"/>
+              <a:pathLst>
+                <a:path w="5772" h="1055">
+                  <a:moveTo>
+                    <a:pt x="0" y="966"/>
+                  </a:moveTo>
+                  <a:cubicBezTo>
+                    <a:pt x="282" y="738"/>
+                    <a:pt x="923" y="275"/>
+                    <a:pt x="1608" y="282"/>
+                  </a:cubicBezTo>
+                  <a:cubicBezTo>
+                    <a:pt x="2293" y="289"/>
+                    <a:pt x="3416" y="1055"/>
+                    <a:pt x="4110" y="1008"/>
+                  </a:cubicBezTo>
+                  <a:cubicBezTo>
+                    <a:pt x="4804" y="961"/>
+                    <a:pt x="5426" y="210"/>
+                    <a:pt x="5772" y="0"/>
+                  </a:cubicBezTo>
+                </a:path>
+              </a:pathLst>
+            </a:custGeom>
+            <a:noFill/>
+            <a:ln w="10795" cap="flat" cmpd="sng" algn="ctr">
+              <a:gradFill>
+                <a:gsLst>
+                  <a:gs pos="74000">
+                    <a:schemeClr val="accent3">
+                      <a:shade val="75000"/>
+                    </a:schemeClr>
+                  </a:gs>
+                  <a:gs pos="86000">
+                    <a:schemeClr val="tx1">
+                      <a:alpha val="29000"/>
+                    </a:schemeClr>
+                  </a:gs>
+                  <a:gs pos="16000">
+                    <a:schemeClr val="accent2">
+                      <a:shade val="75000"/>
+                      <a:alpha val="56000"/>
+                    </a:schemeClr>
+                  </a:gs>
+                </a:gsLst>
+                <a:lin ang="5400000" scaled="1"/>
+              </a:gradFill>
+              <a:prstDash val="solid"/>
+              <a:round/>
+              <a:headEnd type="none" w="med" len="med"/>
+              <a:tailEnd type="none" w="med" len="med"/>
+            </a:ln>
+            <a:effectLst/>
+          </p:spPr>
+          <p:txBody>
+            <a:bodyPr vert="horz" wrap="square" lIns="91440" tIns="45720" rIns="91440" bIns="45720" anchor="t" compatLnSpc="1"/>
+            <a:lstStyle/>
+            <a:p>
+              <a:endParaRPr kumimoji="0" lang="en-US"/>
+            </a:p>
+          </p:txBody>
+        </p:sp>
+        <p:sp>
+          <p:nvSpPr>
+            <p:cNvPr id="13" name="Freeform 12"/>
+            <p:cNvSpPr>
+              <a:spLocks/>
+            </p:cNvSpPr>
+            <p:nvPr/>
+          </p:nvSpPr>
+          <p:spPr bwMode="auto">
+            <a:xfrm rot="21435692">
+              <a:off x="-14309" y="290003"/>
+              <a:ext cx="9175812" cy="530352"/>
+            </a:xfrm>
+            <a:custGeom>
+              <a:avLst>
+                <a:gd name="A1" fmla="val 0"/>
+                <a:gd name="A2" fmla="val 0"/>
+                <a:gd name="A3" fmla="val 0"/>
+                <a:gd name="A4" fmla="val 0"/>
+                <a:gd name="A5" fmla="val 0"/>
+                <a:gd name="A6" fmla="val 0"/>
+                <a:gd name="A7" fmla="val 0"/>
+                <a:gd name="A8" fmla="val 0"/>
+              </a:avLst>
+              <a:gdLst/>
+              <a:ahLst/>
+              <a:cxnLst>
+                <a:cxn ang="0">
+                  <a:pos x="0" y="732"/>
+                </a:cxn>
+                <a:cxn ang="0">
+                  <a:pos x="1638" y="228"/>
+                </a:cxn>
+                <a:cxn ang="0">
+                  <a:pos x="4122" y="816"/>
+                </a:cxn>
+                <a:cxn ang="0">
+                  <a:pos x="5766" y="0"/>
+                </a:cxn>
+              </a:cxnLst>
+              <a:rect l="0" t="0" r="0" b="0"/>
+              <a:pathLst>
+                <a:path w="5766" h="854">
+                  <a:moveTo>
+                    <a:pt x="0" y="732"/>
+                  </a:moveTo>
+                  <a:cubicBezTo>
+                    <a:pt x="273" y="647"/>
+                    <a:pt x="951" y="214"/>
+                    <a:pt x="1638" y="228"/>
+                  </a:cubicBezTo>
+                  <a:cubicBezTo>
+                    <a:pt x="2325" y="242"/>
+                    <a:pt x="3434" y="854"/>
+                    <a:pt x="4122" y="816"/>
+                  </a:cubicBezTo>
+                  <a:cubicBezTo>
+                    <a:pt x="4810" y="778"/>
+                    <a:pt x="5424" y="170"/>
+                    <a:pt x="5766" y="0"/>
+                  </a:cubicBezTo>
+                </a:path>
+              </a:pathLst>
+            </a:custGeom>
+            <a:noFill/>
+            <a:ln w="9525" cap="flat" cmpd="sng" algn="ctr">
+              <a:gradFill>
+                <a:gsLst>
+                  <a:gs pos="74000">
+                    <a:schemeClr val="accent4"/>
+                  </a:gs>
+                  <a:gs pos="44000">
+                    <a:schemeClr val="accent1"/>
+                  </a:gs>
+                  <a:gs pos="33000">
+                    <a:schemeClr val="accent2">
+                      <a:alpha val="56000"/>
+                    </a:schemeClr>
+                  </a:gs>
+                </a:gsLst>
+                <a:lin ang="5400000" scaled="1"/>
+              </a:gradFill>
+              <a:prstDash val="solid"/>
+              <a:round/>
+              <a:headEnd type="none" w="med" len="med"/>
+              <a:tailEnd type="none" w="med" len="med"/>
+            </a:ln>
+            <a:effectLst/>
+          </p:spPr>
+          <p:txBody>
+            <a:bodyPr vert="horz" wrap="square" lIns="91440" tIns="45720" rIns="91440" bIns="45720" anchor="t" compatLnSpc="1"/>
+            <a:lstStyle/>
+            <a:p>
+              <a:endParaRPr kumimoji="0" lang="en-US"/>
+            </a:p>
+          </p:txBody>
+        </p:sp>
+      </p:grpSp>
     </p:spTree>
   </p:cSld>
   <p:clrMap bg1="lt1" tx1="dk1" bg2="lt2" tx2="dk2" accent1="accent1" accent2="accent2" accent3="accent3" accent4="accent4" accent5="accent5" accent6="accent6" hlink="hlink" folHlink="folHlink"/>
   <p:sldLayoutIdLst>
-    <p:sldLayoutId id="2147483649" r:id="rId1"/>
-    <p:sldLayoutId id="2147483650" r:id="rId2"/>
-    <p:sldLayoutId id="2147483651" r:id="rId3"/>
-    <p:sldLayoutId id="2147483652" r:id="rId4"/>
-    <p:sldLayoutId id="2147483653" r:id="rId5"/>
-    <p:sldLayoutId id="2147483654" r:id="rId6"/>
-    <p:sldLayoutId id="2147483655" r:id="rId7"/>
-    <p:sldLayoutId id="2147483656" r:id="rId8"/>
-    <p:sldLayoutId id="2147483657" r:id="rId9"/>
-    <p:sldLayoutId id="2147483658" r:id="rId10"/>
-    <p:sldLayoutId id="2147483659" r:id="rId11"/>
+    <p:sldLayoutId id="2147483661" r:id="rId1"/>
+    <p:sldLayoutId id="2147483662" r:id="rId2"/>
+    <p:sldLayoutId id="2147483663" r:id="rId3"/>
+    <p:sldLayoutId id="2147483664" r:id="rId4"/>
+    <p:sldLayoutId id="2147483665" r:id="rId5"/>
+    <p:sldLayoutId id="2147483666" r:id="rId6"/>
+    <p:sldLayoutId id="2147483667" r:id="rId7"/>
+    <p:sldLayoutId id="2147483668" r:id="rId8"/>
+    <p:sldLayoutId id="2147483669" r:id="rId9"/>
+    <p:sldLayoutId id="2147483670" r:id="rId10"/>
+    <p:sldLayoutId id="2147483671" r:id="rId11"/>
   </p:sldLayoutIdLst>
   <p:txStyles>
     <p:titleStyle>
-      <a:lvl1pPr algn="ctr" defTabSz="914400" rtl="0" eaLnBrk="1" latinLnBrk="0" hangingPunct="1">
+      <a:lvl1pPr algn="l" rtl="0" eaLnBrk="1" latinLnBrk="0" hangingPunct="1">
         <a:spcBef>
           <a:spcPct val="0"/>
         </a:spcBef>
         <a:buNone/>
-        <a:defRPr sz="4400" kern="1200">
+        <a:defRPr kumimoji="0" sz="5000" b="0" kern="1200">
+          <a:ln>
+            <a:noFill/>
+          </a:ln>
           <a:solidFill>
-            <a:schemeClr val="tx1"/>
+            <a:schemeClr val="tx2"/>
           </a:solidFill>
+          <a:effectLst/>
           <a:latin typeface="+mj-lt"/>
           <a:ea typeface="+mj-ea"/>
           <a:cs typeface="+mj-cs"/>
@@ -3296,13 +4521,17 @@
       </a:lvl1pPr>
     </p:titleStyle>
     <p:bodyStyle>
-      <a:lvl1pPr marL="342900" indent="-342900" algn="l" defTabSz="914400" rtl="0" eaLnBrk="1" latinLnBrk="0" hangingPunct="1">
+      <a:lvl1pPr marL="274320" indent="-274320" algn="l" rtl="0" eaLnBrk="1" latinLnBrk="0" hangingPunct="1">
         <a:spcBef>
           <a:spcPct val="20000"/>
         </a:spcBef>
-        <a:buFont typeface="Arial" pitchFamily="34" charset="0"/>
-        <a:buChar char="•"/>
-        <a:defRPr sz="3200" kern="1200">
+        <a:buClr>
+          <a:schemeClr val="accent3"/>
+        </a:buClr>
+        <a:buSzPct val="95000"/>
+        <a:buFont typeface="Wingdings 2"/>
+        <a:buChar char=""/>
+        <a:defRPr kumimoji="0" sz="2600" kern="1200">
           <a:solidFill>
             <a:schemeClr val="tx1"/>
           </a:solidFill>
@@ -3311,13 +4540,17 @@
           <a:cs typeface="+mn-cs"/>
         </a:defRPr>
       </a:lvl1pPr>
-      <a:lvl2pPr marL="742950" indent="-285750" algn="l" defTabSz="914400" rtl="0" eaLnBrk="1" latinLnBrk="0" hangingPunct="1">
+      <a:lvl2pPr marL="640080" indent="-246888" algn="l" rtl="0" eaLnBrk="1" latinLnBrk="0" hangingPunct="1">
         <a:spcBef>
           <a:spcPct val="20000"/>
         </a:spcBef>
-        <a:buFont typeface="Arial" pitchFamily="34" charset="0"/>
-        <a:buChar char="–"/>
-        <a:defRPr sz="2800" kern="1200">
+        <a:buClr>
+          <a:schemeClr val="accent1"/>
+        </a:buClr>
+        <a:buSzPct val="85000"/>
+        <a:buFont typeface="Wingdings 2"/>
+        <a:buChar char=""/>
+        <a:defRPr kumimoji="0" sz="2400" kern="1200">
           <a:solidFill>
             <a:schemeClr val="tx1"/>
           </a:solidFill>
@@ -3326,13 +4559,17 @@
           <a:cs typeface="+mn-cs"/>
         </a:defRPr>
       </a:lvl2pPr>
-      <a:lvl3pPr marL="1143000" indent="-228600" algn="l" defTabSz="914400" rtl="0" eaLnBrk="1" latinLnBrk="0" hangingPunct="1">
+      <a:lvl3pPr marL="914400" indent="-246888" algn="l" rtl="0" eaLnBrk="1" latinLnBrk="0" hangingPunct="1">
         <a:spcBef>
           <a:spcPct val="20000"/>
         </a:spcBef>
-        <a:buFont typeface="Arial" pitchFamily="34" charset="0"/>
-        <a:buChar char="•"/>
-        <a:defRPr sz="2400" kern="1200">
+        <a:buClr>
+          <a:schemeClr val="accent2"/>
+        </a:buClr>
+        <a:buSzPct val="70000"/>
+        <a:buFont typeface="Wingdings 2"/>
+        <a:buChar char=""/>
+        <a:defRPr kumimoji="0" sz="2100" kern="1200">
           <a:solidFill>
             <a:schemeClr val="tx1"/>
           </a:solidFill>
@@ -3341,13 +4578,17 @@
           <a:cs typeface="+mn-cs"/>
         </a:defRPr>
       </a:lvl3pPr>
-      <a:lvl4pPr marL="1600200" indent="-228600" algn="l" defTabSz="914400" rtl="0" eaLnBrk="1" latinLnBrk="0" hangingPunct="1">
+      <a:lvl4pPr marL="1188720" indent="-210312" algn="l" rtl="0" eaLnBrk="1" latinLnBrk="0" hangingPunct="1">
         <a:spcBef>
           <a:spcPct val="20000"/>
         </a:spcBef>
-        <a:buFont typeface="Arial" pitchFamily="34" charset="0"/>
-        <a:buChar char="–"/>
-        <a:defRPr sz="2000" kern="1200">
+        <a:buClr>
+          <a:schemeClr val="accent3"/>
+        </a:buClr>
+        <a:buSzPct val="65000"/>
+        <a:buFont typeface="Wingdings 2"/>
+        <a:buChar char=""/>
+        <a:defRPr kumimoji="0" sz="2000" kern="1200">
           <a:solidFill>
             <a:schemeClr val="tx1"/>
           </a:solidFill>
@@ -3356,13 +4597,17 @@
           <a:cs typeface="+mn-cs"/>
         </a:defRPr>
       </a:lvl4pPr>
-      <a:lvl5pPr marL="2057400" indent="-228600" algn="l" defTabSz="914400" rtl="0" eaLnBrk="1" latinLnBrk="0" hangingPunct="1">
+      <a:lvl5pPr marL="1463040" indent="-210312" algn="l" rtl="0" eaLnBrk="1" latinLnBrk="0" hangingPunct="1">
         <a:spcBef>
           <a:spcPct val="20000"/>
         </a:spcBef>
-        <a:buFont typeface="Arial" pitchFamily="34" charset="0"/>
-        <a:buChar char="»"/>
-        <a:defRPr sz="2000" kern="1200">
+        <a:buClr>
+          <a:schemeClr val="accent4"/>
+        </a:buClr>
+        <a:buSzPct val="65000"/>
+        <a:buFont typeface="Wingdings 2"/>
+        <a:buChar char=""/>
+        <a:defRPr kumimoji="0" sz="2000" kern="1200">
           <a:solidFill>
             <a:schemeClr val="tx1"/>
           </a:solidFill>
@@ -3371,13 +4616,17 @@
           <a:cs typeface="+mn-cs"/>
         </a:defRPr>
       </a:lvl5pPr>
-      <a:lvl6pPr marL="2514600" indent="-228600" algn="l" defTabSz="914400" rtl="0" eaLnBrk="1" latinLnBrk="0" hangingPunct="1">
+      <a:lvl6pPr marL="1737360" indent="-210312" algn="l" rtl="0" eaLnBrk="1" latinLnBrk="0" hangingPunct="1">
         <a:spcBef>
           <a:spcPct val="20000"/>
         </a:spcBef>
-        <a:buFont typeface="Arial" pitchFamily="34" charset="0"/>
-        <a:buChar char="•"/>
-        <a:defRPr sz="2000" kern="1200">
+        <a:buClr>
+          <a:schemeClr val="accent5"/>
+        </a:buClr>
+        <a:buSzPct val="80000"/>
+        <a:buFont typeface="Wingdings 2"/>
+        <a:buChar char=""/>
+        <a:defRPr kumimoji="0" sz="1800" kern="1200">
           <a:solidFill>
             <a:schemeClr val="tx1"/>
           </a:solidFill>
@@ -3386,13 +4635,17 @@
           <a:cs typeface="+mn-cs"/>
         </a:defRPr>
       </a:lvl6pPr>
-      <a:lvl7pPr marL="2971800" indent="-228600" algn="l" defTabSz="914400" rtl="0" eaLnBrk="1" latinLnBrk="0" hangingPunct="1">
+      <a:lvl7pPr marL="1920240" indent="-182880" algn="l" rtl="0" eaLnBrk="1" latinLnBrk="0" hangingPunct="1">
         <a:spcBef>
           <a:spcPct val="20000"/>
         </a:spcBef>
-        <a:buFont typeface="Arial" pitchFamily="34" charset="0"/>
-        <a:buChar char="•"/>
-        <a:defRPr sz="2000" kern="1200">
+        <a:buClr>
+          <a:schemeClr val="accent6"/>
+        </a:buClr>
+        <a:buSzPct val="80000"/>
+        <a:buFont typeface="Wingdings 2"/>
+        <a:buChar char=""/>
+        <a:defRPr kumimoji="0" sz="1600" kern="1200" baseline="0">
           <a:solidFill>
             <a:schemeClr val="tx1"/>
           </a:solidFill>
@@ -3401,13 +4654,15 @@
           <a:cs typeface="+mn-cs"/>
         </a:defRPr>
       </a:lvl7pPr>
-      <a:lvl8pPr marL="3429000" indent="-228600" algn="l" defTabSz="914400" rtl="0" eaLnBrk="1" latinLnBrk="0" hangingPunct="1">
+      <a:lvl8pPr marL="2194560" indent="-182880" algn="l" rtl="0" eaLnBrk="1" latinLnBrk="0" hangingPunct="1">
         <a:spcBef>
           <a:spcPct val="20000"/>
         </a:spcBef>
-        <a:buFont typeface="Arial" pitchFamily="34" charset="0"/>
+        <a:buClr>
+          <a:schemeClr val="tx2"/>
+        </a:buClr>
         <a:buChar char="•"/>
-        <a:defRPr sz="2000" kern="1200">
+        <a:defRPr kumimoji="0" sz="1600" kern="1200">
           <a:solidFill>
             <a:schemeClr val="tx1"/>
           </a:solidFill>
@@ -3416,13 +4671,16 @@
           <a:cs typeface="+mn-cs"/>
         </a:defRPr>
       </a:lvl8pPr>
-      <a:lvl9pPr marL="3886200" indent="-228600" algn="l" defTabSz="914400" rtl="0" eaLnBrk="1" latinLnBrk="0" hangingPunct="1">
+      <a:lvl9pPr marL="2468880" indent="-182880" algn="l" rtl="0" eaLnBrk="1" latinLnBrk="0" hangingPunct="1">
         <a:spcBef>
           <a:spcPct val="20000"/>
         </a:spcBef>
-        <a:buFont typeface="Arial" pitchFamily="34" charset="0"/>
+        <a:buClr>
+          <a:schemeClr val="tx2"/>
+        </a:buClr>
+        <a:buFontTx/>
         <a:buChar char="•"/>
-        <a:defRPr sz="2000" kern="1200">
+        <a:defRPr kumimoji="0" sz="1400" kern="1200" baseline="0">
           <a:solidFill>
             <a:schemeClr val="tx1"/>
           </a:solidFill>
@@ -3433,11 +4691,8 @@
       </a:lvl9pPr>
     </p:bodyStyle>
     <p:otherStyle>
-      <a:defPPr>
-        <a:defRPr lang="en-US"/>
-      </a:defPPr>
-      <a:lvl1pPr marL="0" algn="l" defTabSz="914400" rtl="0" eaLnBrk="1" latinLnBrk="0" hangingPunct="1">
-        <a:defRPr sz="1800" kern="1200">
+      <a:lvl1pPr marL="0" algn="l" rtl="0" eaLnBrk="1" latinLnBrk="0" hangingPunct="1">
+        <a:defRPr kumimoji="0" kern="1200">
           <a:solidFill>
             <a:schemeClr val="tx1"/>
           </a:solidFill>
@@ -3446,8 +4701,8 @@
           <a:cs typeface="+mn-cs"/>
         </a:defRPr>
       </a:lvl1pPr>
-      <a:lvl2pPr marL="457200" algn="l" defTabSz="914400" rtl="0" eaLnBrk="1" latinLnBrk="0" hangingPunct="1">
-        <a:defRPr sz="1800" kern="1200">
+      <a:lvl2pPr marL="457200" algn="l" rtl="0" eaLnBrk="1" latinLnBrk="0" hangingPunct="1">
+        <a:defRPr kumimoji="0" kern="1200">
           <a:solidFill>
             <a:schemeClr val="tx1"/>
           </a:solidFill>
@@ -3456,8 +4711,8 @@
           <a:cs typeface="+mn-cs"/>
         </a:defRPr>
       </a:lvl2pPr>
-      <a:lvl3pPr marL="914400" algn="l" defTabSz="914400" rtl="0" eaLnBrk="1" latinLnBrk="0" hangingPunct="1">
-        <a:defRPr sz="1800" kern="1200">
+      <a:lvl3pPr marL="914400" algn="l" rtl="0" eaLnBrk="1" latinLnBrk="0" hangingPunct="1">
+        <a:defRPr kumimoji="0" kern="1200">
           <a:solidFill>
             <a:schemeClr val="tx1"/>
           </a:solidFill>
@@ -3466,8 +4721,8 @@
           <a:cs typeface="+mn-cs"/>
         </a:defRPr>
       </a:lvl3pPr>
-      <a:lvl4pPr marL="1371600" algn="l" defTabSz="914400" rtl="0" eaLnBrk="1" latinLnBrk="0" hangingPunct="1">
-        <a:defRPr sz="1800" kern="1200">
+      <a:lvl4pPr marL="1371600" algn="l" rtl="0" eaLnBrk="1" latinLnBrk="0" hangingPunct="1">
+        <a:defRPr kumimoji="0" kern="1200">
           <a:solidFill>
             <a:schemeClr val="tx1"/>
           </a:solidFill>
@@ -3476,8 +4731,8 @@
           <a:cs typeface="+mn-cs"/>
         </a:defRPr>
       </a:lvl4pPr>
-      <a:lvl5pPr marL="1828800" algn="l" defTabSz="914400" rtl="0" eaLnBrk="1" latinLnBrk="0" hangingPunct="1">
-        <a:defRPr sz="1800" kern="1200">
+      <a:lvl5pPr marL="1828800" algn="l" rtl="0" eaLnBrk="1" latinLnBrk="0" hangingPunct="1">
+        <a:defRPr kumimoji="0" kern="1200">
           <a:solidFill>
             <a:schemeClr val="tx1"/>
           </a:solidFill>
@@ -3486,8 +4741,8 @@
           <a:cs typeface="+mn-cs"/>
         </a:defRPr>
       </a:lvl5pPr>
-      <a:lvl6pPr marL="2286000" algn="l" defTabSz="914400" rtl="0" eaLnBrk="1" latinLnBrk="0" hangingPunct="1">
-        <a:defRPr sz="1800" kern="1200">
+      <a:lvl6pPr marL="2286000" algn="l" rtl="0" eaLnBrk="1" latinLnBrk="0" hangingPunct="1">
+        <a:defRPr kumimoji="0" kern="1200">
           <a:solidFill>
             <a:schemeClr val="tx1"/>
           </a:solidFill>
@@ -3496,8 +4751,8 @@
           <a:cs typeface="+mn-cs"/>
         </a:defRPr>
       </a:lvl6pPr>
-      <a:lvl7pPr marL="2743200" algn="l" defTabSz="914400" rtl="0" eaLnBrk="1" latinLnBrk="0" hangingPunct="1">
-        <a:defRPr sz="1800" kern="1200">
+      <a:lvl7pPr marL="2743200" algn="l" rtl="0" eaLnBrk="1" latinLnBrk="0" hangingPunct="1">
+        <a:defRPr kumimoji="0" kern="1200">
           <a:solidFill>
             <a:schemeClr val="tx1"/>
           </a:solidFill>
@@ -3506,8 +4761,8 @@
           <a:cs typeface="+mn-cs"/>
         </a:defRPr>
       </a:lvl7pPr>
-      <a:lvl8pPr marL="3200400" algn="l" defTabSz="914400" rtl="0" eaLnBrk="1" latinLnBrk="0" hangingPunct="1">
-        <a:defRPr sz="1800" kern="1200">
+      <a:lvl8pPr marL="3200400" algn="l" rtl="0" eaLnBrk="1" latinLnBrk="0" hangingPunct="1">
+        <a:defRPr kumimoji="0" kern="1200">
           <a:solidFill>
             <a:schemeClr val="tx1"/>
           </a:solidFill>
@@ -3516,8 +4771,8 @@
           <a:cs typeface="+mn-cs"/>
         </a:defRPr>
       </a:lvl8pPr>
-      <a:lvl9pPr marL="3657600" algn="l" defTabSz="914400" rtl="0" eaLnBrk="1" latinLnBrk="0" hangingPunct="1">
-        <a:defRPr sz="1800" kern="1200">
+      <a:lvl9pPr marL="3657600" algn="l" rtl="0" eaLnBrk="1" latinLnBrk="0" hangingPunct="1">
+        <a:defRPr kumimoji="0" kern="1200">
           <a:solidFill>
             <a:schemeClr val="tx1"/>
           </a:solidFill>
@@ -3560,29 +4815,45 @@
         </p:nvSpPr>
         <p:spPr/>
         <p:txBody>
+          <a:bodyPr>
+            <a:normAutofit fontScale="90000"/>
+          </a:bodyPr>
+          <a:lstStyle/>
+          <a:p>
+            <a:r>
+              <a:rPr lang="en-US" dirty="0" smtClean="0"/>
+              <a:t>Uncompressin</a:t>
+            </a:r>
+            <a:r>
+              <a:rPr lang="en-US" dirty="0" smtClean="0"/>
+              <a:t>g a Projection Index with CUDA</a:t>
+            </a:r>
+            <a:endParaRPr lang="en-US" dirty="0"/>
+          </a:p>
+        </p:txBody>
+      </p:sp>
+      <p:sp>
+        <p:nvSpPr>
+          <p:cNvPr id="3" name="Subtitle 2"/>
+          <p:cNvSpPr>
+            <a:spLocks noGrp="1"/>
+          </p:cNvSpPr>
+          <p:nvPr>
+            <p:ph type="subTitle" idx="1"/>
+          </p:nvPr>
+        </p:nvSpPr>
+        <p:spPr/>
+        <p:txBody>
           <a:bodyPr/>
           <a:lstStyle/>
           <a:p>
-            <a:endParaRPr lang="en-US"/>
-          </a:p>
-        </p:txBody>
-      </p:sp>
-      <p:sp>
-        <p:nvSpPr>
-          <p:cNvPr id="3" name="Subtitle 2"/>
-          <p:cNvSpPr>
-            <a:spLocks noGrp="1"/>
-          </p:cNvSpPr>
-          <p:nvPr>
-            <p:ph type="subTitle" idx="1"/>
-          </p:nvPr>
-        </p:nvSpPr>
-        <p:spPr/>
-        <p:txBody>
-          <a:bodyPr/>
-          <a:lstStyle/>
-          <a:p>
-            <a:endParaRPr lang="en-US"/>
+            <a:r>
+              <a:rPr lang="en-US" dirty="0" smtClean="0"/>
+              <a:t>Eduardo Gutarra Velez</a:t>
+            </a:r>
+          </a:p>
+          <a:p>
+            <a:endParaRPr lang="en-US" dirty="0"/>
           </a:p>
         </p:txBody>
       </p:sp>
@@ -3626,7 +4897,1558 @@
           <a:bodyPr/>
           <a:lstStyle/>
           <a:p>
-            <a:endParaRPr lang="en-US"/>
+            <a:r>
+              <a:rPr lang="en-US" dirty="0" smtClean="0"/>
+              <a:t>Outline</a:t>
+            </a:r>
+            <a:endParaRPr lang="en-US" dirty="0"/>
+          </a:p>
+        </p:txBody>
+      </p:sp>
+      <p:sp>
+        <p:nvSpPr>
+          <p:cNvPr id="3" name="Content Placeholder 2"/>
+          <p:cNvSpPr>
+            <a:spLocks noGrp="1"/>
+          </p:cNvSpPr>
+          <p:nvPr>
+            <p:ph idx="1"/>
+          </p:nvPr>
+        </p:nvSpPr>
+        <p:spPr/>
+        <p:txBody>
+          <a:bodyPr/>
+          <a:lstStyle/>
+          <a:p>
+            <a:r>
+              <a:rPr lang="en-US" dirty="0" smtClean="0"/>
+              <a:t>Brief Review of the Problem.</a:t>
+            </a:r>
+          </a:p>
+          <a:p>
+            <a:r>
+              <a:rPr lang="en-US" dirty="0" smtClean="0"/>
+              <a:t>Algorithm Design</a:t>
+            </a:r>
+          </a:p>
+          <a:p>
+            <a:pPr lvl="1"/>
+            <a:r>
+              <a:rPr lang="en-US" dirty="0" smtClean="0"/>
+              <a:t>Old Algorithm</a:t>
+            </a:r>
+          </a:p>
+          <a:p>
+            <a:pPr lvl="1"/>
+            <a:r>
+              <a:rPr lang="en-US" dirty="0" smtClean="0"/>
+              <a:t>New Algorithm</a:t>
+            </a:r>
+          </a:p>
+          <a:p>
+            <a:r>
+              <a:rPr lang="en-US" dirty="0" smtClean="0"/>
+              <a:t>Testing Methodology</a:t>
+            </a:r>
+            <a:endParaRPr lang="en-US" dirty="0" smtClean="0"/>
+          </a:p>
+          <a:p>
+            <a:r>
+              <a:rPr lang="en-US" dirty="0" smtClean="0"/>
+              <a:t>Results and Benchmarks</a:t>
+            </a:r>
+          </a:p>
+          <a:p>
+            <a:r>
+              <a:rPr lang="en-US" dirty="0" smtClean="0"/>
+              <a:t>Future work</a:t>
+            </a:r>
+          </a:p>
+          <a:p>
+            <a:endParaRPr lang="en-US" dirty="0"/>
+          </a:p>
+        </p:txBody>
+      </p:sp>
+    </p:spTree>
+  </p:cSld>
+  <p:clrMapOvr>
+    <a:masterClrMapping/>
+  </p:clrMapOvr>
+</p:sld>
+</file>
+
+<file path=ppt/slides/slide3.xml><?xml version="1.0" encoding="utf-8"?>
+<p:sld xmlns:a="http://schemas.openxmlformats.org/drawingml/2006/main" xmlns:r="http://schemas.openxmlformats.org/officeDocument/2006/relationships" xmlns:p="http://schemas.openxmlformats.org/presentationml/2006/main">
+  <p:cSld>
+    <p:spTree>
+      <p:nvGrpSpPr>
+        <p:cNvPr id="1" name=""/>
+        <p:cNvGrpSpPr/>
+        <p:nvPr/>
+      </p:nvGrpSpPr>
+      <p:grpSpPr>
+        <a:xfrm>
+          <a:off x="0" y="0"/>
+          <a:ext cx="0" cy="0"/>
+          <a:chOff x="0" y="0"/>
+          <a:chExt cx="0" cy="0"/>
+        </a:xfrm>
+      </p:grpSpPr>
+      <p:sp>
+        <p:nvSpPr>
+          <p:cNvPr id="2" name="Title 1"/>
+          <p:cNvSpPr>
+            <a:spLocks noGrp="1"/>
+          </p:cNvSpPr>
+          <p:nvPr>
+            <p:ph type="title"/>
+          </p:nvPr>
+        </p:nvSpPr>
+        <p:spPr/>
+        <p:txBody>
+          <a:bodyPr/>
+          <a:lstStyle/>
+          <a:p>
+            <a:r>
+              <a:rPr lang="en-US" dirty="0" smtClean="0"/>
+              <a:t>Brief Review of the Problem</a:t>
+            </a:r>
+            <a:endParaRPr lang="en-US" dirty="0"/>
+          </a:p>
+        </p:txBody>
+      </p:sp>
+      <p:grpSp>
+        <p:nvGrpSpPr>
+          <p:cNvPr id="5" name="Group 4"/>
+          <p:cNvGrpSpPr/>
+          <p:nvPr/>
+        </p:nvGrpSpPr>
+        <p:grpSpPr>
+          <a:xfrm>
+            <a:off x="1066800" y="3886200"/>
+            <a:ext cx="7239000" cy="1676400"/>
+            <a:chOff x="1066800" y="4038600"/>
+            <a:chExt cx="7239000" cy="1676400"/>
+          </a:xfrm>
+        </p:grpSpPr>
+        <p:sp>
+          <p:nvSpPr>
+            <p:cNvPr id="6" name="Rounded Rectangle 5"/>
+            <p:cNvSpPr/>
+            <p:nvPr/>
+          </p:nvSpPr>
+          <p:spPr>
+            <a:xfrm>
+              <a:off x="1066800" y="4038600"/>
+              <a:ext cx="2209800" cy="1143000"/>
+            </a:xfrm>
+            <a:prstGeom prst="roundRect">
+              <a:avLst/>
+            </a:prstGeom>
+            <a:ln>
+              <a:noFill/>
+            </a:ln>
+            <a:effectLst>
+              <a:outerShdw blurRad="184150" dist="241300" dir="11520000" sx="110000" sy="110000" algn="ctr">
+                <a:srgbClr val="000000">
+                  <a:alpha val="18000"/>
+                </a:srgbClr>
+              </a:outerShdw>
+            </a:effectLst>
+            <a:scene3d>
+              <a:camera prst="perspectiveFront" fov="5100000">
+                <a:rot lat="0" lon="2100000" rev="0"/>
+              </a:camera>
+              <a:lightRig rig="flood" dir="t">
+                <a:rot lat="0" lon="0" rev="13800000"/>
+              </a:lightRig>
+            </a:scene3d>
+            <a:sp3d extrusionH="107950" prstMaterial="plastic">
+              <a:bevelT w="82550" h="63500" prst="divot"/>
+              <a:bevelB/>
+            </a:sp3d>
+          </p:spPr>
+          <p:style>
+            <a:lnRef idx="2">
+              <a:schemeClr val="accent1">
+                <a:shade val="50000"/>
+              </a:schemeClr>
+            </a:lnRef>
+            <a:fillRef idx="1">
+              <a:schemeClr val="accent1"/>
+            </a:fillRef>
+            <a:effectRef idx="0">
+              <a:schemeClr val="accent1"/>
+            </a:effectRef>
+            <a:fontRef idx="minor">
+              <a:schemeClr val="lt1"/>
+            </a:fontRef>
+          </p:style>
+          <p:txBody>
+            <a:bodyPr rtlCol="0" anchor="ctr"/>
+            <a:lstStyle/>
+            <a:p>
+              <a:pPr algn="ctr"/>
+              <a:r>
+                <a:rPr lang="en-US" dirty="0" smtClean="0"/>
+                <a:t>CPU</a:t>
+              </a:r>
+              <a:endParaRPr lang="en-US" dirty="0"/>
+            </a:p>
+          </p:txBody>
+        </p:sp>
+        <p:sp>
+          <p:nvSpPr>
+            <p:cNvPr id="7" name="Down Arrow 6"/>
+            <p:cNvSpPr/>
+            <p:nvPr/>
+          </p:nvSpPr>
+          <p:spPr>
+            <a:xfrm rot="16200000">
+              <a:off x="4305300" y="3314700"/>
+              <a:ext cx="457200" cy="2514600"/>
+            </a:xfrm>
+            <a:prstGeom prst="downArrow">
+              <a:avLst/>
+            </a:prstGeom>
+          </p:spPr>
+          <p:style>
+            <a:lnRef idx="2">
+              <a:schemeClr val="accent5">
+                <a:shade val="50000"/>
+              </a:schemeClr>
+            </a:lnRef>
+            <a:fillRef idx="1">
+              <a:schemeClr val="accent5"/>
+            </a:fillRef>
+            <a:effectRef idx="0">
+              <a:schemeClr val="accent5"/>
+            </a:effectRef>
+            <a:fontRef idx="minor">
+              <a:schemeClr val="lt1"/>
+            </a:fontRef>
+          </p:style>
+          <p:txBody>
+            <a:bodyPr rtlCol="0" anchor="ctr"/>
+            <a:lstStyle/>
+            <a:p>
+              <a:pPr algn="ctr"/>
+              <a:endParaRPr lang="en-US"/>
+            </a:p>
+          </p:txBody>
+        </p:sp>
+        <p:sp>
+          <p:nvSpPr>
+            <p:cNvPr id="8" name="Rounded Rectangle 7"/>
+            <p:cNvSpPr/>
+            <p:nvPr/>
+          </p:nvSpPr>
+          <p:spPr>
+            <a:xfrm>
+              <a:off x="5486400" y="4038600"/>
+              <a:ext cx="2209800" cy="1143000"/>
+            </a:xfrm>
+            <a:prstGeom prst="roundRect">
+              <a:avLst/>
+            </a:prstGeom>
+            <a:ln>
+              <a:noFill/>
+            </a:ln>
+            <a:effectLst>
+              <a:outerShdw blurRad="184150" dist="241300" dir="11520000" sx="110000" sy="110000" algn="ctr">
+                <a:srgbClr val="000000">
+                  <a:alpha val="18000"/>
+                </a:srgbClr>
+              </a:outerShdw>
+            </a:effectLst>
+            <a:scene3d>
+              <a:camera prst="perspectiveFront" fov="5100000">
+                <a:rot lat="0" lon="2100000" rev="0"/>
+              </a:camera>
+              <a:lightRig rig="flood" dir="t">
+                <a:rot lat="0" lon="0" rev="13800000"/>
+              </a:lightRig>
+            </a:scene3d>
+            <a:sp3d extrusionH="107950" prstMaterial="plastic">
+              <a:bevelT w="82550" h="63500" prst="divot"/>
+              <a:bevelB/>
+            </a:sp3d>
+          </p:spPr>
+          <p:style>
+            <a:lnRef idx="2">
+              <a:schemeClr val="accent1">
+                <a:shade val="50000"/>
+              </a:schemeClr>
+            </a:lnRef>
+            <a:fillRef idx="1">
+              <a:schemeClr val="accent1"/>
+            </a:fillRef>
+            <a:effectRef idx="0">
+              <a:schemeClr val="accent1"/>
+            </a:effectRef>
+            <a:fontRef idx="minor">
+              <a:schemeClr val="lt1"/>
+            </a:fontRef>
+          </p:style>
+          <p:txBody>
+            <a:bodyPr rtlCol="0" anchor="ctr"/>
+            <a:lstStyle/>
+            <a:p>
+              <a:pPr algn="ctr"/>
+              <a:r>
+                <a:rPr lang="en-US" dirty="0" smtClean="0"/>
+                <a:t>GPU</a:t>
+              </a:r>
+              <a:endParaRPr lang="en-US" dirty="0"/>
+            </a:p>
+          </p:txBody>
+        </p:sp>
+        <p:sp>
+          <p:nvSpPr>
+            <p:cNvPr id="9" name="TextBox 8"/>
+            <p:cNvSpPr txBox="1"/>
+            <p:nvPr/>
+          </p:nvSpPr>
+          <p:spPr>
+            <a:xfrm>
+              <a:off x="1524000" y="5334000"/>
+              <a:ext cx="1905000" cy="369332"/>
+            </a:xfrm>
+            <a:prstGeom prst="rect">
+              <a:avLst/>
+            </a:prstGeom>
+            <a:noFill/>
+          </p:spPr>
+          <p:txBody>
+            <a:bodyPr wrap="square" rtlCol="0">
+              <a:spAutoFit/>
+            </a:bodyPr>
+            <a:lstStyle/>
+            <a:p>
+              <a:pPr lvl="1"/>
+              <a:r>
+                <a:rPr lang="en-US" dirty="0" smtClean="0"/>
+                <a:t>A3B1C7</a:t>
+              </a:r>
+            </a:p>
+          </p:txBody>
+        </p:sp>
+        <p:sp>
+          <p:nvSpPr>
+            <p:cNvPr id="10" name="TextBox 9"/>
+            <p:cNvSpPr txBox="1"/>
+            <p:nvPr/>
+          </p:nvSpPr>
+          <p:spPr>
+            <a:xfrm>
+              <a:off x="3505200" y="4114800"/>
+              <a:ext cx="1905000" cy="369332"/>
+            </a:xfrm>
+            <a:prstGeom prst="rect">
+              <a:avLst/>
+            </a:prstGeom>
+            <a:noFill/>
+          </p:spPr>
+          <p:txBody>
+            <a:bodyPr wrap="square" rtlCol="0">
+              <a:spAutoFit/>
+            </a:bodyPr>
+            <a:lstStyle/>
+            <a:p>
+              <a:pPr lvl="1"/>
+              <a:endParaRPr lang="en-US" dirty="0" smtClean="0"/>
+            </a:p>
+          </p:txBody>
+        </p:sp>
+        <p:sp>
+          <p:nvSpPr>
+            <p:cNvPr id="11" name="TextBox 10"/>
+            <p:cNvSpPr txBox="1"/>
+            <p:nvPr/>
+          </p:nvSpPr>
+          <p:spPr>
+            <a:xfrm>
+              <a:off x="5410200" y="5334000"/>
+              <a:ext cx="2895600" cy="381000"/>
+            </a:xfrm>
+            <a:prstGeom prst="rect">
+              <a:avLst/>
+            </a:prstGeom>
+            <a:noFill/>
+          </p:spPr>
+          <p:txBody>
+            <a:bodyPr wrap="square" rtlCol="0">
+              <a:spAutoFit/>
+            </a:bodyPr>
+            <a:lstStyle/>
+            <a:p>
+              <a:pPr lvl="1"/>
+              <a:r>
+                <a:rPr lang="en-US" dirty="0" smtClean="0"/>
+                <a:t>AAABCCCCCCC</a:t>
+              </a:r>
+            </a:p>
+          </p:txBody>
+        </p:sp>
+      </p:grpSp>
+      <p:sp>
+        <p:nvSpPr>
+          <p:cNvPr id="12" name="Content Placeholder 2"/>
+          <p:cNvSpPr>
+            <a:spLocks noGrp="1"/>
+          </p:cNvSpPr>
+          <p:nvPr>
+            <p:ph idx="1"/>
+          </p:nvPr>
+        </p:nvSpPr>
+        <p:spPr>
+          <a:xfrm>
+            <a:off x="457200" y="1935480"/>
+            <a:ext cx="8229600" cy="4389120"/>
+          </a:xfrm>
+        </p:spPr>
+        <p:txBody>
+          <a:bodyPr/>
+          <a:lstStyle/>
+          <a:p>
+            <a:r>
+              <a:rPr lang="en-US" dirty="0" smtClean="0"/>
+              <a:t>The Index will be transferred compressed to the GPU</a:t>
+            </a:r>
+          </a:p>
+          <a:p>
+            <a:r>
+              <a:rPr lang="en-US" dirty="0" smtClean="0"/>
+              <a:t>It will then be uncompressed in the GPU using a prefix sum algorithm.</a:t>
+            </a:r>
+            <a:endParaRPr lang="en-US" dirty="0"/>
+          </a:p>
+        </p:txBody>
+      </p:sp>
+    </p:spTree>
+  </p:cSld>
+  <p:clrMapOvr>
+    <a:masterClrMapping/>
+  </p:clrMapOvr>
+</p:sld>
+</file>
+
+<file path=ppt/slides/slide4.xml><?xml version="1.0" encoding="utf-8"?>
+<p:sld xmlns:a="http://schemas.openxmlformats.org/drawingml/2006/main" xmlns:r="http://schemas.openxmlformats.org/officeDocument/2006/relationships" xmlns:p="http://schemas.openxmlformats.org/presentationml/2006/main">
+  <p:cSld>
+    <p:spTree>
+      <p:nvGrpSpPr>
+        <p:cNvPr id="1" name=""/>
+        <p:cNvGrpSpPr/>
+        <p:nvPr/>
+      </p:nvGrpSpPr>
+      <p:grpSpPr>
+        <a:xfrm>
+          <a:off x="0" y="0"/>
+          <a:ext cx="0" cy="0"/>
+          <a:chOff x="0" y="0"/>
+          <a:chExt cx="0" cy="0"/>
+        </a:xfrm>
+      </p:grpSpPr>
+      <p:sp>
+        <p:nvSpPr>
+          <p:cNvPr id="5" name="Title 4"/>
+          <p:cNvSpPr>
+            <a:spLocks noGrp="1"/>
+          </p:cNvSpPr>
+          <p:nvPr>
+            <p:ph type="title"/>
+          </p:nvPr>
+        </p:nvSpPr>
+        <p:spPr/>
+        <p:txBody>
+          <a:bodyPr>
+            <a:normAutofit/>
+          </a:bodyPr>
+          <a:lstStyle/>
+          <a:p>
+            <a:r>
+              <a:rPr lang="en-US" dirty="0" smtClean="0"/>
+              <a:t>Old Algorithm</a:t>
+            </a:r>
+            <a:endParaRPr lang="en-US" dirty="0"/>
+          </a:p>
+        </p:txBody>
+      </p:sp>
+      <p:sp>
+        <p:nvSpPr>
+          <p:cNvPr id="6" name="Content Placeholder 5"/>
+          <p:cNvSpPr>
+            <a:spLocks noGrp="1"/>
+          </p:cNvSpPr>
+          <p:nvPr>
+            <p:ph idx="1"/>
+          </p:nvPr>
+        </p:nvSpPr>
+        <p:spPr/>
+        <p:txBody>
+          <a:bodyPr/>
+          <a:lstStyle/>
+          <a:p>
+            <a:pPr marL="274320" lvl="1" indent="-274320">
+              <a:buClr>
+                <a:schemeClr val="accent3"/>
+              </a:buClr>
+              <a:buSzPct val="95000"/>
+            </a:pPr>
+            <a:r>
+              <a:rPr lang="en-US" dirty="0" smtClean="0"/>
+              <a:t>Use the last element of the prefix sum, allocate the amount of memory necessary.</a:t>
+            </a:r>
+          </a:p>
+          <a:p>
+            <a:pPr marL="274320" lvl="1" indent="-274320">
+              <a:buClr>
+                <a:schemeClr val="accent3"/>
+              </a:buClr>
+              <a:buSzPct val="95000"/>
+            </a:pPr>
+            <a:r>
+              <a:rPr lang="en-US" dirty="0" smtClean="0"/>
+              <a:t>Use the </a:t>
+            </a:r>
+            <a:r>
+              <a:rPr lang="en-US" u="sng" dirty="0" smtClean="0"/>
+              <a:t>Exclusive Scan</a:t>
+            </a:r>
+            <a:r>
+              <a:rPr lang="en-US" dirty="0" smtClean="0"/>
+              <a:t> array, to have each thread uncompress each of the array’s attribute values</a:t>
+            </a:r>
+            <a:r>
+              <a:rPr lang="en-US" dirty="0" smtClean="0"/>
+              <a:t>.</a:t>
+            </a:r>
+          </a:p>
+          <a:p>
+            <a:pPr marL="274320" lvl="1" indent="-274320">
+              <a:buClr>
+                <a:schemeClr val="accent3"/>
+              </a:buClr>
+              <a:buSzPct val="95000"/>
+            </a:pPr>
+            <a:r>
+              <a:rPr lang="en-US" dirty="0" smtClean="0"/>
+              <a:t>Trade-Off between Algorithms</a:t>
+            </a:r>
+            <a:endParaRPr lang="en-US" dirty="0" smtClean="0"/>
+          </a:p>
+          <a:p>
+            <a:endParaRPr lang="en-US" dirty="0"/>
+          </a:p>
+        </p:txBody>
+      </p:sp>
+      <p:pic>
+        <p:nvPicPr>
+          <p:cNvPr id="3074" name="Picture 2"/>
+          <p:cNvPicPr>
+            <a:picLocks noChangeAspect="1" noChangeArrowheads="1"/>
+          </p:cNvPicPr>
+          <p:nvPr/>
+        </p:nvPicPr>
+        <p:blipFill>
+          <a:blip r:embed="rId3"/>
+          <a:srcRect/>
+          <a:stretch>
+            <a:fillRect/>
+          </a:stretch>
+        </p:blipFill>
+        <p:spPr bwMode="auto">
+          <a:xfrm>
+            <a:off x="1905000" y="4267200"/>
+            <a:ext cx="4999736" cy="1447800"/>
+          </a:xfrm>
+          <a:prstGeom prst="rect">
+            <a:avLst/>
+          </a:prstGeom>
+          <a:noFill/>
+          <a:ln w="9525">
+            <a:noFill/>
+            <a:miter lim="800000"/>
+            <a:headEnd/>
+            <a:tailEnd/>
+          </a:ln>
+          <a:effectLst/>
+        </p:spPr>
+      </p:pic>
+    </p:spTree>
+  </p:cSld>
+  <p:clrMapOvr>
+    <a:masterClrMapping/>
+  </p:clrMapOvr>
+  <p:timing>
+    <p:tnLst>
+      <p:par>
+        <p:cTn id="1" dur="indefinite" restart="never" nodeType="tmRoot"/>
+      </p:par>
+    </p:tnLst>
+  </p:timing>
+</p:sld>
+</file>
+
+<file path=ppt/slides/slide5.xml><?xml version="1.0" encoding="utf-8"?>
+<p:sld xmlns:a="http://schemas.openxmlformats.org/drawingml/2006/main" xmlns:r="http://schemas.openxmlformats.org/officeDocument/2006/relationships" xmlns:p="http://schemas.openxmlformats.org/presentationml/2006/main">
+  <p:cSld>
+    <p:spTree>
+      <p:nvGrpSpPr>
+        <p:cNvPr id="1" name=""/>
+        <p:cNvGrpSpPr/>
+        <p:nvPr/>
+      </p:nvGrpSpPr>
+      <p:grpSpPr>
+        <a:xfrm>
+          <a:off x="0" y="0"/>
+          <a:ext cx="0" cy="0"/>
+          <a:chOff x="0" y="0"/>
+          <a:chExt cx="0" cy="0"/>
+        </a:xfrm>
+      </p:grpSpPr>
+      <p:sp>
+        <p:nvSpPr>
+          <p:cNvPr id="2" name="Title 1"/>
+          <p:cNvSpPr>
+            <a:spLocks noGrp="1"/>
+          </p:cNvSpPr>
+          <p:nvPr>
+            <p:ph type="title"/>
+          </p:nvPr>
+        </p:nvSpPr>
+        <p:spPr/>
+        <p:txBody>
+          <a:bodyPr/>
+          <a:lstStyle/>
+          <a:p>
+            <a:r>
+              <a:rPr lang="en-US" dirty="0" smtClean="0"/>
+              <a:t>New </a:t>
+            </a:r>
+            <a:r>
+              <a:rPr lang="en-US" dirty="0" smtClean="0"/>
+              <a:t>Load </a:t>
+            </a:r>
+            <a:r>
+              <a:rPr lang="en-US" dirty="0" smtClean="0"/>
+              <a:t>balanced algorithm</a:t>
+            </a:r>
+            <a:endParaRPr lang="en-US" dirty="0"/>
+          </a:p>
+        </p:txBody>
+      </p:sp>
+      <p:pic>
+        <p:nvPicPr>
+          <p:cNvPr id="2050" name="Picture 2"/>
+          <p:cNvPicPr>
+            <a:picLocks noGrp="1" noChangeAspect="1" noChangeArrowheads="1"/>
+          </p:cNvPicPr>
+          <p:nvPr>
+            <p:ph idx="1"/>
+          </p:nvPr>
+        </p:nvPicPr>
+        <p:blipFill>
+          <a:blip r:embed="rId3"/>
+          <a:srcRect/>
+          <a:stretch>
+            <a:fillRect/>
+          </a:stretch>
+        </p:blipFill>
+        <p:spPr bwMode="auto">
+          <a:xfrm>
+            <a:off x="1273935" y="2133600"/>
+            <a:ext cx="6117465" cy="3657600"/>
+          </a:xfrm>
+          <a:prstGeom prst="rect">
+            <a:avLst/>
+          </a:prstGeom>
+          <a:noFill/>
+          <a:ln w="9525">
+            <a:noFill/>
+            <a:miter lim="800000"/>
+            <a:headEnd/>
+            <a:tailEnd/>
+          </a:ln>
+          <a:effectLst/>
+        </p:spPr>
+      </p:pic>
+    </p:spTree>
+  </p:cSld>
+  <p:clrMapOvr>
+    <a:masterClrMapping/>
+  </p:clrMapOvr>
+</p:sld>
+</file>
+
+<file path=ppt/slides/slide6.xml><?xml version="1.0" encoding="utf-8"?>
+<p:sld xmlns:a="http://schemas.openxmlformats.org/drawingml/2006/main" xmlns:r="http://schemas.openxmlformats.org/officeDocument/2006/relationships" xmlns:p="http://schemas.openxmlformats.org/presentationml/2006/main">
+  <p:cSld>
+    <p:spTree>
+      <p:nvGrpSpPr>
+        <p:cNvPr id="1" name=""/>
+        <p:cNvGrpSpPr/>
+        <p:nvPr/>
+      </p:nvGrpSpPr>
+      <p:grpSpPr>
+        <a:xfrm>
+          <a:off x="0" y="0"/>
+          <a:ext cx="0" cy="0"/>
+          <a:chOff x="0" y="0"/>
+          <a:chExt cx="0" cy="0"/>
+        </a:xfrm>
+      </p:grpSpPr>
+      <p:graphicFrame>
+        <p:nvGraphicFramePr>
+          <p:cNvPr id="4" name="Table 3"/>
+          <p:cNvGraphicFramePr>
+            <a:graphicFrameLocks noGrp="1"/>
+          </p:cNvGraphicFramePr>
+          <p:nvPr/>
+        </p:nvGraphicFramePr>
+        <p:xfrm>
+          <a:off x="1676400" y="2971800"/>
+          <a:ext cx="1905000" cy="370840"/>
+        </p:xfrm>
+        <a:graphic>
+          <a:graphicData uri="http://schemas.openxmlformats.org/drawingml/2006/table">
+            <a:tbl>
+              <a:tblPr firstRow="1" bandRow="1">
+                <a:tableStyleId>{5940675A-B579-460E-94D1-54222C63F5DA}</a:tableStyleId>
+              </a:tblPr>
+              <a:tblGrid>
+                <a:gridCol w="476250"/>
+                <a:gridCol w="476250"/>
+                <a:gridCol w="476250"/>
+                <a:gridCol w="476250"/>
+              </a:tblGrid>
+              <a:tr h="370840">
+                <a:tc>
+                  <a:txBody>
+                    <a:bodyPr/>
+                    <a:lstStyle/>
+                    <a:p>
+                      <a:r>
+                        <a:rPr lang="en-US" dirty="0" smtClean="0"/>
+                        <a:t>1</a:t>
+                      </a:r>
+                      <a:endParaRPr lang="en-US" dirty="0"/>
+                    </a:p>
+                  </a:txBody>
+                  <a:tcPr/>
+                </a:tc>
+                <a:tc>
+                  <a:txBody>
+                    <a:bodyPr/>
+                    <a:lstStyle/>
+                    <a:p>
+                      <a:r>
+                        <a:rPr lang="en-US" dirty="0" smtClean="0"/>
+                        <a:t>2</a:t>
+                      </a:r>
+                      <a:endParaRPr lang="en-US" dirty="0"/>
+                    </a:p>
+                  </a:txBody>
+                  <a:tcPr/>
+                </a:tc>
+                <a:tc>
+                  <a:txBody>
+                    <a:bodyPr/>
+                    <a:lstStyle/>
+                    <a:p>
+                      <a:r>
+                        <a:rPr lang="en-US" dirty="0" smtClean="0"/>
+                        <a:t>3</a:t>
+                      </a:r>
+                      <a:endParaRPr lang="en-US" dirty="0"/>
+                    </a:p>
+                  </a:txBody>
+                  <a:tcPr/>
+                </a:tc>
+                <a:tc>
+                  <a:txBody>
+                    <a:bodyPr/>
+                    <a:lstStyle/>
+                    <a:p>
+                      <a:r>
+                        <a:rPr lang="en-US" dirty="0" smtClean="0"/>
+                        <a:t>4</a:t>
+                      </a:r>
+                      <a:endParaRPr lang="en-US" dirty="0"/>
+                    </a:p>
+                  </a:txBody>
+                  <a:tcPr/>
+                </a:tc>
+              </a:tr>
+            </a:tbl>
+          </a:graphicData>
+        </a:graphic>
+      </p:graphicFrame>
+      <p:graphicFrame>
+        <p:nvGraphicFramePr>
+          <p:cNvPr id="5" name="Table 4"/>
+          <p:cNvGraphicFramePr>
+            <a:graphicFrameLocks noGrp="1"/>
+          </p:cNvGraphicFramePr>
+          <p:nvPr/>
+        </p:nvGraphicFramePr>
+        <p:xfrm>
+          <a:off x="1676400" y="3495040"/>
+          <a:ext cx="1905000" cy="370840"/>
+        </p:xfrm>
+        <a:graphic>
+          <a:graphicData uri="http://schemas.openxmlformats.org/drawingml/2006/table">
+            <a:tbl>
+              <a:tblPr firstRow="1" bandRow="1">
+                <a:tableStyleId>{5940675A-B579-460E-94D1-54222C63F5DA}</a:tableStyleId>
+              </a:tblPr>
+              <a:tblGrid>
+                <a:gridCol w="476250"/>
+                <a:gridCol w="476250"/>
+                <a:gridCol w="476250"/>
+                <a:gridCol w="476250"/>
+              </a:tblGrid>
+              <a:tr h="370840">
+                <a:tc>
+                  <a:txBody>
+                    <a:bodyPr/>
+                    <a:lstStyle/>
+                    <a:p>
+                      <a:r>
+                        <a:rPr lang="en-US" dirty="0" smtClean="0"/>
+                        <a:t>0</a:t>
+                      </a:r>
+                      <a:endParaRPr lang="en-US" dirty="0"/>
+                    </a:p>
+                  </a:txBody>
+                  <a:tcPr/>
+                </a:tc>
+                <a:tc>
+                  <a:txBody>
+                    <a:bodyPr/>
+                    <a:lstStyle/>
+                    <a:p>
+                      <a:r>
+                        <a:rPr lang="en-US" dirty="0" smtClean="0"/>
+                        <a:t>1</a:t>
+                      </a:r>
+                      <a:endParaRPr lang="en-US" dirty="0"/>
+                    </a:p>
+                  </a:txBody>
+                  <a:tcPr/>
+                </a:tc>
+                <a:tc>
+                  <a:txBody>
+                    <a:bodyPr/>
+                    <a:lstStyle/>
+                    <a:p>
+                      <a:r>
+                        <a:rPr lang="en-US" dirty="0" smtClean="0"/>
+                        <a:t>3</a:t>
+                      </a:r>
+                      <a:endParaRPr lang="en-US" dirty="0"/>
+                    </a:p>
+                  </a:txBody>
+                  <a:tcPr/>
+                </a:tc>
+                <a:tc>
+                  <a:txBody>
+                    <a:bodyPr/>
+                    <a:lstStyle/>
+                    <a:p>
+                      <a:r>
+                        <a:rPr lang="en-US" dirty="0" smtClean="0"/>
+                        <a:t>6</a:t>
+                      </a:r>
+                      <a:endParaRPr lang="en-US" dirty="0"/>
+                    </a:p>
+                  </a:txBody>
+                  <a:tcPr/>
+                </a:tc>
+              </a:tr>
+            </a:tbl>
+          </a:graphicData>
+        </a:graphic>
+      </p:graphicFrame>
+      <p:graphicFrame>
+        <p:nvGraphicFramePr>
+          <p:cNvPr id="6" name="Table 5"/>
+          <p:cNvGraphicFramePr>
+            <a:graphicFrameLocks noGrp="1"/>
+          </p:cNvGraphicFramePr>
+          <p:nvPr/>
+        </p:nvGraphicFramePr>
+        <p:xfrm>
+          <a:off x="1676400" y="4048760"/>
+          <a:ext cx="5181600" cy="370840"/>
+        </p:xfrm>
+        <a:graphic>
+          <a:graphicData uri="http://schemas.openxmlformats.org/drawingml/2006/table">
+            <a:tbl>
+              <a:tblPr firstRow="1" bandRow="1">
+                <a:tableStyleId>{5940675A-B579-460E-94D1-54222C63F5DA}</a:tableStyleId>
+              </a:tblPr>
+              <a:tblGrid>
+                <a:gridCol w="518160"/>
+                <a:gridCol w="518160"/>
+                <a:gridCol w="518160"/>
+                <a:gridCol w="518160"/>
+                <a:gridCol w="518160"/>
+                <a:gridCol w="518160"/>
+                <a:gridCol w="518160"/>
+                <a:gridCol w="518160"/>
+                <a:gridCol w="518160"/>
+                <a:gridCol w="518160"/>
+              </a:tblGrid>
+              <a:tr h="370840">
+                <a:tc>
+                  <a:txBody>
+                    <a:bodyPr/>
+                    <a:lstStyle/>
+                    <a:p>
+                      <a:r>
+                        <a:rPr lang="en-US" dirty="0" smtClean="0"/>
+                        <a:t>0</a:t>
+                      </a:r>
+                      <a:endParaRPr lang="en-US" dirty="0"/>
+                    </a:p>
+                  </a:txBody>
+                  <a:tcPr/>
+                </a:tc>
+                <a:tc>
+                  <a:txBody>
+                    <a:bodyPr/>
+                    <a:lstStyle/>
+                    <a:p>
+                      <a:r>
+                        <a:rPr lang="en-US" dirty="0" smtClean="0"/>
+                        <a:t>1</a:t>
+                      </a:r>
+                      <a:endParaRPr lang="en-US" dirty="0"/>
+                    </a:p>
+                  </a:txBody>
+                  <a:tcPr/>
+                </a:tc>
+                <a:tc>
+                  <a:txBody>
+                    <a:bodyPr/>
+                    <a:lstStyle/>
+                    <a:p>
+                      <a:r>
+                        <a:rPr lang="en-US" dirty="0" smtClean="0"/>
+                        <a:t>0</a:t>
+                      </a:r>
+                      <a:endParaRPr lang="en-US" dirty="0"/>
+                    </a:p>
+                  </a:txBody>
+                  <a:tcPr/>
+                </a:tc>
+                <a:tc>
+                  <a:txBody>
+                    <a:bodyPr/>
+                    <a:lstStyle/>
+                    <a:p>
+                      <a:r>
+                        <a:rPr lang="en-US" dirty="0" smtClean="0"/>
+                        <a:t>1</a:t>
+                      </a:r>
+                      <a:endParaRPr lang="en-US" dirty="0"/>
+                    </a:p>
+                  </a:txBody>
+                  <a:tcPr/>
+                </a:tc>
+                <a:tc>
+                  <a:txBody>
+                    <a:bodyPr/>
+                    <a:lstStyle/>
+                    <a:p>
+                      <a:r>
+                        <a:rPr lang="en-US" dirty="0" smtClean="0"/>
+                        <a:t>0</a:t>
+                      </a:r>
+                      <a:endParaRPr lang="en-US" dirty="0"/>
+                    </a:p>
+                  </a:txBody>
+                  <a:tcPr/>
+                </a:tc>
+                <a:tc>
+                  <a:txBody>
+                    <a:bodyPr/>
+                    <a:lstStyle/>
+                    <a:p>
+                      <a:r>
+                        <a:rPr lang="en-US" dirty="0" smtClean="0"/>
+                        <a:t>0</a:t>
+                      </a:r>
+                      <a:endParaRPr lang="en-US" dirty="0"/>
+                    </a:p>
+                  </a:txBody>
+                  <a:tcPr/>
+                </a:tc>
+                <a:tc>
+                  <a:txBody>
+                    <a:bodyPr/>
+                    <a:lstStyle/>
+                    <a:p>
+                      <a:r>
+                        <a:rPr lang="en-US" dirty="0" smtClean="0"/>
+                        <a:t>1</a:t>
+                      </a:r>
+                      <a:endParaRPr lang="en-US" dirty="0"/>
+                    </a:p>
+                  </a:txBody>
+                  <a:tcPr/>
+                </a:tc>
+                <a:tc>
+                  <a:txBody>
+                    <a:bodyPr/>
+                    <a:lstStyle/>
+                    <a:p>
+                      <a:r>
+                        <a:rPr lang="en-US" dirty="0" smtClean="0"/>
+                        <a:t>0</a:t>
+                      </a:r>
+                      <a:endParaRPr lang="en-US" dirty="0"/>
+                    </a:p>
+                  </a:txBody>
+                  <a:tcPr/>
+                </a:tc>
+                <a:tc>
+                  <a:txBody>
+                    <a:bodyPr/>
+                    <a:lstStyle/>
+                    <a:p>
+                      <a:r>
+                        <a:rPr lang="en-US" dirty="0" smtClean="0"/>
+                        <a:t>0</a:t>
+                      </a:r>
+                      <a:endParaRPr lang="en-US" dirty="0"/>
+                    </a:p>
+                  </a:txBody>
+                  <a:tcPr/>
+                </a:tc>
+                <a:tc>
+                  <a:txBody>
+                    <a:bodyPr/>
+                    <a:lstStyle/>
+                    <a:p>
+                      <a:r>
+                        <a:rPr lang="en-US" dirty="0" smtClean="0"/>
+                        <a:t>0</a:t>
+                      </a:r>
+                      <a:endParaRPr lang="en-US" dirty="0"/>
+                    </a:p>
+                  </a:txBody>
+                  <a:tcPr/>
+                </a:tc>
+              </a:tr>
+            </a:tbl>
+          </a:graphicData>
+        </a:graphic>
+      </p:graphicFrame>
+      <p:graphicFrame>
+        <p:nvGraphicFramePr>
+          <p:cNvPr id="10" name="Table 9"/>
+          <p:cNvGraphicFramePr>
+            <a:graphicFrameLocks noGrp="1"/>
+          </p:cNvGraphicFramePr>
+          <p:nvPr/>
+        </p:nvGraphicFramePr>
+        <p:xfrm>
+          <a:off x="1676400" y="2514600"/>
+          <a:ext cx="1905000" cy="370840"/>
+        </p:xfrm>
+        <a:graphic>
+          <a:graphicData uri="http://schemas.openxmlformats.org/drawingml/2006/table">
+            <a:tbl>
+              <a:tblPr firstRow="1" bandRow="1">
+                <a:tableStyleId>{5940675A-B579-460E-94D1-54222C63F5DA}</a:tableStyleId>
+              </a:tblPr>
+              <a:tblGrid>
+                <a:gridCol w="476250"/>
+                <a:gridCol w="476250"/>
+                <a:gridCol w="476250"/>
+                <a:gridCol w="476250"/>
+              </a:tblGrid>
+              <a:tr h="370840">
+                <a:tc>
+                  <a:txBody>
+                    <a:bodyPr/>
+                    <a:lstStyle/>
+                    <a:p>
+                      <a:r>
+                        <a:rPr lang="en-US" dirty="0" smtClean="0"/>
+                        <a:t>A</a:t>
+                      </a:r>
+                      <a:endParaRPr lang="en-US" dirty="0"/>
+                    </a:p>
+                  </a:txBody>
+                  <a:tcPr/>
+                </a:tc>
+                <a:tc>
+                  <a:txBody>
+                    <a:bodyPr/>
+                    <a:lstStyle/>
+                    <a:p>
+                      <a:r>
+                        <a:rPr lang="en-US" dirty="0" smtClean="0"/>
+                        <a:t>B</a:t>
+                      </a:r>
+                      <a:endParaRPr lang="en-US" dirty="0"/>
+                    </a:p>
+                  </a:txBody>
+                  <a:tcPr/>
+                </a:tc>
+                <a:tc>
+                  <a:txBody>
+                    <a:bodyPr/>
+                    <a:lstStyle/>
+                    <a:p>
+                      <a:r>
+                        <a:rPr lang="en-US" dirty="0" smtClean="0"/>
+                        <a:t>C</a:t>
+                      </a:r>
+                      <a:endParaRPr lang="en-US" dirty="0"/>
+                    </a:p>
+                  </a:txBody>
+                  <a:tcPr/>
+                </a:tc>
+                <a:tc>
+                  <a:txBody>
+                    <a:bodyPr/>
+                    <a:lstStyle/>
+                    <a:p>
+                      <a:r>
+                        <a:rPr lang="en-US" dirty="0" smtClean="0"/>
+                        <a:t>D</a:t>
+                      </a:r>
+                      <a:endParaRPr lang="en-US" dirty="0"/>
+                    </a:p>
+                  </a:txBody>
+                  <a:tcPr/>
+                </a:tc>
+              </a:tr>
+            </a:tbl>
+          </a:graphicData>
+        </a:graphic>
+      </p:graphicFrame>
+      <p:graphicFrame>
+        <p:nvGraphicFramePr>
+          <p:cNvPr id="12" name="Table 11"/>
+          <p:cNvGraphicFramePr>
+            <a:graphicFrameLocks noGrp="1"/>
+          </p:cNvGraphicFramePr>
+          <p:nvPr/>
+        </p:nvGraphicFramePr>
+        <p:xfrm>
+          <a:off x="1676400" y="4582160"/>
+          <a:ext cx="5181600" cy="370840"/>
+        </p:xfrm>
+        <a:graphic>
+          <a:graphicData uri="http://schemas.openxmlformats.org/drawingml/2006/table">
+            <a:tbl>
+              <a:tblPr firstRow="1" bandRow="1">
+                <a:tableStyleId>{5940675A-B579-460E-94D1-54222C63F5DA}</a:tableStyleId>
+              </a:tblPr>
+              <a:tblGrid>
+                <a:gridCol w="518160"/>
+                <a:gridCol w="518160"/>
+                <a:gridCol w="518160"/>
+                <a:gridCol w="518160"/>
+                <a:gridCol w="518160"/>
+                <a:gridCol w="518160"/>
+                <a:gridCol w="518160"/>
+                <a:gridCol w="518160"/>
+                <a:gridCol w="518160"/>
+                <a:gridCol w="518160"/>
+              </a:tblGrid>
+              <a:tr h="370840">
+                <a:tc>
+                  <a:txBody>
+                    <a:bodyPr/>
+                    <a:lstStyle/>
+                    <a:p>
+                      <a:r>
+                        <a:rPr lang="en-US" dirty="0" smtClean="0"/>
+                        <a:t>0</a:t>
+                      </a:r>
+                      <a:endParaRPr lang="en-US" dirty="0"/>
+                    </a:p>
+                  </a:txBody>
+                  <a:tcPr/>
+                </a:tc>
+                <a:tc>
+                  <a:txBody>
+                    <a:bodyPr/>
+                    <a:lstStyle/>
+                    <a:p>
+                      <a:r>
+                        <a:rPr lang="en-US" dirty="0" smtClean="0"/>
+                        <a:t>1</a:t>
+                      </a:r>
+                      <a:endParaRPr lang="en-US" dirty="0"/>
+                    </a:p>
+                  </a:txBody>
+                  <a:tcPr/>
+                </a:tc>
+                <a:tc>
+                  <a:txBody>
+                    <a:bodyPr/>
+                    <a:lstStyle/>
+                    <a:p>
+                      <a:r>
+                        <a:rPr lang="en-US" dirty="0" smtClean="0"/>
+                        <a:t>1</a:t>
+                      </a:r>
+                      <a:endParaRPr lang="en-US" dirty="0"/>
+                    </a:p>
+                  </a:txBody>
+                  <a:tcPr/>
+                </a:tc>
+                <a:tc>
+                  <a:txBody>
+                    <a:bodyPr/>
+                    <a:lstStyle/>
+                    <a:p>
+                      <a:r>
+                        <a:rPr lang="en-US" dirty="0" smtClean="0"/>
+                        <a:t>2</a:t>
+                      </a:r>
+                      <a:endParaRPr lang="en-US" dirty="0"/>
+                    </a:p>
+                  </a:txBody>
+                  <a:tcPr/>
+                </a:tc>
+                <a:tc>
+                  <a:txBody>
+                    <a:bodyPr/>
+                    <a:lstStyle/>
+                    <a:p>
+                      <a:r>
+                        <a:rPr lang="en-US" dirty="0" smtClean="0"/>
+                        <a:t>2</a:t>
+                      </a:r>
+                      <a:endParaRPr lang="en-US" dirty="0"/>
+                    </a:p>
+                  </a:txBody>
+                  <a:tcPr/>
+                </a:tc>
+                <a:tc>
+                  <a:txBody>
+                    <a:bodyPr/>
+                    <a:lstStyle/>
+                    <a:p>
+                      <a:r>
+                        <a:rPr lang="en-US" dirty="0" smtClean="0"/>
+                        <a:t>2</a:t>
+                      </a:r>
+                      <a:endParaRPr lang="en-US" dirty="0"/>
+                    </a:p>
+                  </a:txBody>
+                  <a:tcPr/>
+                </a:tc>
+                <a:tc>
+                  <a:txBody>
+                    <a:bodyPr/>
+                    <a:lstStyle/>
+                    <a:p>
+                      <a:r>
+                        <a:rPr lang="en-US" dirty="0" smtClean="0"/>
+                        <a:t>3</a:t>
+                      </a:r>
+                      <a:endParaRPr lang="en-US" dirty="0"/>
+                    </a:p>
+                  </a:txBody>
+                  <a:tcPr/>
+                </a:tc>
+                <a:tc>
+                  <a:txBody>
+                    <a:bodyPr/>
+                    <a:lstStyle/>
+                    <a:p>
+                      <a:r>
+                        <a:rPr lang="en-US" dirty="0" smtClean="0"/>
+                        <a:t>3</a:t>
+                      </a:r>
+                      <a:endParaRPr lang="en-US" dirty="0"/>
+                    </a:p>
+                  </a:txBody>
+                  <a:tcPr/>
+                </a:tc>
+                <a:tc>
+                  <a:txBody>
+                    <a:bodyPr/>
+                    <a:lstStyle/>
+                    <a:p>
+                      <a:r>
+                        <a:rPr lang="en-US" dirty="0" smtClean="0"/>
+                        <a:t>3</a:t>
+                      </a:r>
+                      <a:endParaRPr lang="en-US" dirty="0"/>
+                    </a:p>
+                  </a:txBody>
+                  <a:tcPr/>
+                </a:tc>
+                <a:tc>
+                  <a:txBody>
+                    <a:bodyPr/>
+                    <a:lstStyle/>
+                    <a:p>
+                      <a:r>
+                        <a:rPr lang="en-US" dirty="0" smtClean="0"/>
+                        <a:t>3</a:t>
+                      </a:r>
+                      <a:endParaRPr lang="en-US" dirty="0"/>
+                    </a:p>
+                  </a:txBody>
+                  <a:tcPr/>
+                </a:tc>
+              </a:tr>
+            </a:tbl>
+          </a:graphicData>
+        </a:graphic>
+      </p:graphicFrame>
+      <p:graphicFrame>
+        <p:nvGraphicFramePr>
+          <p:cNvPr id="13" name="Table 12"/>
+          <p:cNvGraphicFramePr>
+            <a:graphicFrameLocks noGrp="1"/>
+          </p:cNvGraphicFramePr>
+          <p:nvPr/>
+        </p:nvGraphicFramePr>
+        <p:xfrm>
+          <a:off x="1676400" y="5115560"/>
+          <a:ext cx="5181600" cy="370840"/>
+        </p:xfrm>
+        <a:graphic>
+          <a:graphicData uri="http://schemas.openxmlformats.org/drawingml/2006/table">
+            <a:tbl>
+              <a:tblPr firstRow="1" bandRow="1">
+                <a:tableStyleId>{5940675A-B579-460E-94D1-54222C63F5DA}</a:tableStyleId>
+              </a:tblPr>
+              <a:tblGrid>
+                <a:gridCol w="518160"/>
+                <a:gridCol w="518160"/>
+                <a:gridCol w="518160"/>
+                <a:gridCol w="518160"/>
+                <a:gridCol w="518160"/>
+                <a:gridCol w="518160"/>
+                <a:gridCol w="518160"/>
+                <a:gridCol w="518160"/>
+                <a:gridCol w="518160"/>
+                <a:gridCol w="518160"/>
+              </a:tblGrid>
+              <a:tr h="370840">
+                <a:tc>
+                  <a:txBody>
+                    <a:bodyPr/>
+                    <a:lstStyle/>
+                    <a:p>
+                      <a:r>
+                        <a:rPr lang="en-US" dirty="0" smtClean="0"/>
+                        <a:t>A</a:t>
+                      </a:r>
+                      <a:endParaRPr lang="en-US" dirty="0"/>
+                    </a:p>
+                  </a:txBody>
+                  <a:tcPr/>
+                </a:tc>
+                <a:tc>
+                  <a:txBody>
+                    <a:bodyPr/>
+                    <a:lstStyle/>
+                    <a:p>
+                      <a:r>
+                        <a:rPr lang="en-US" dirty="0" smtClean="0"/>
+                        <a:t>B</a:t>
+                      </a:r>
+                      <a:endParaRPr lang="en-US" dirty="0"/>
+                    </a:p>
+                  </a:txBody>
+                  <a:tcPr/>
+                </a:tc>
+                <a:tc>
+                  <a:txBody>
+                    <a:bodyPr/>
+                    <a:lstStyle/>
+                    <a:p>
+                      <a:r>
+                        <a:rPr lang="en-US" dirty="0" smtClean="0"/>
+                        <a:t>B</a:t>
+                      </a:r>
+                      <a:endParaRPr lang="en-US" dirty="0"/>
+                    </a:p>
+                  </a:txBody>
+                  <a:tcPr/>
+                </a:tc>
+                <a:tc>
+                  <a:txBody>
+                    <a:bodyPr/>
+                    <a:lstStyle/>
+                    <a:p>
+                      <a:r>
+                        <a:rPr lang="en-US" dirty="0" smtClean="0"/>
+                        <a:t>C</a:t>
+                      </a:r>
+                      <a:endParaRPr lang="en-US" dirty="0"/>
+                    </a:p>
+                  </a:txBody>
+                  <a:tcPr/>
+                </a:tc>
+                <a:tc>
+                  <a:txBody>
+                    <a:bodyPr/>
+                    <a:lstStyle/>
+                    <a:p>
+                      <a:r>
+                        <a:rPr lang="en-US" dirty="0" smtClean="0"/>
+                        <a:t>C</a:t>
+                      </a:r>
+                      <a:endParaRPr lang="en-US" dirty="0"/>
+                    </a:p>
+                  </a:txBody>
+                  <a:tcPr/>
+                </a:tc>
+                <a:tc>
+                  <a:txBody>
+                    <a:bodyPr/>
+                    <a:lstStyle/>
+                    <a:p>
+                      <a:r>
+                        <a:rPr lang="en-US" dirty="0" smtClean="0"/>
+                        <a:t>C</a:t>
+                      </a:r>
+                      <a:endParaRPr lang="en-US" dirty="0"/>
+                    </a:p>
+                  </a:txBody>
+                  <a:tcPr/>
+                </a:tc>
+                <a:tc>
+                  <a:txBody>
+                    <a:bodyPr/>
+                    <a:lstStyle/>
+                    <a:p>
+                      <a:r>
+                        <a:rPr lang="en-US" dirty="0" smtClean="0"/>
+                        <a:t>D</a:t>
+                      </a:r>
+                      <a:endParaRPr lang="en-US" dirty="0"/>
+                    </a:p>
+                  </a:txBody>
+                  <a:tcPr/>
+                </a:tc>
+                <a:tc>
+                  <a:txBody>
+                    <a:bodyPr/>
+                    <a:lstStyle/>
+                    <a:p>
+                      <a:r>
+                        <a:rPr lang="en-US" dirty="0" smtClean="0"/>
+                        <a:t>D</a:t>
+                      </a:r>
+                      <a:endParaRPr lang="en-US" dirty="0"/>
+                    </a:p>
+                  </a:txBody>
+                  <a:tcPr/>
+                </a:tc>
+                <a:tc>
+                  <a:txBody>
+                    <a:bodyPr/>
+                    <a:lstStyle/>
+                    <a:p>
+                      <a:r>
+                        <a:rPr lang="en-US" dirty="0" smtClean="0"/>
+                        <a:t>D</a:t>
+                      </a:r>
+                      <a:endParaRPr lang="en-US" dirty="0"/>
+                    </a:p>
+                  </a:txBody>
+                  <a:tcPr/>
+                </a:tc>
+                <a:tc>
+                  <a:txBody>
+                    <a:bodyPr/>
+                    <a:lstStyle/>
+                    <a:p>
+                      <a:r>
+                        <a:rPr lang="en-US" dirty="0" smtClean="0"/>
+                        <a:t>D</a:t>
+                      </a:r>
+                      <a:endParaRPr lang="en-US" dirty="0"/>
+                    </a:p>
+                  </a:txBody>
+                  <a:tcPr/>
+                </a:tc>
+              </a:tr>
+            </a:tbl>
+          </a:graphicData>
+        </a:graphic>
+      </p:graphicFrame>
+      <p:sp>
+        <p:nvSpPr>
+          <p:cNvPr id="14" name="Title 13"/>
+          <p:cNvSpPr>
+            <a:spLocks noGrp="1"/>
+          </p:cNvSpPr>
+          <p:nvPr>
+            <p:ph type="title"/>
+          </p:nvPr>
+        </p:nvSpPr>
+        <p:spPr/>
+        <p:txBody>
+          <a:bodyPr/>
+          <a:lstStyle/>
+          <a:p>
+            <a:endParaRPr lang="en-US" dirty="0"/>
+          </a:p>
+        </p:txBody>
+      </p:sp>
+    </p:spTree>
+  </p:cSld>
+  <p:clrMapOvr>
+    <a:masterClrMapping/>
+  </p:clrMapOvr>
+</p:sld>
+</file>
+
+<file path=ppt/slides/slide7.xml><?xml version="1.0" encoding="utf-8"?>
+<p:sld xmlns:a="http://schemas.openxmlformats.org/drawingml/2006/main" xmlns:r="http://schemas.openxmlformats.org/officeDocument/2006/relationships" xmlns:p="http://schemas.openxmlformats.org/presentationml/2006/main">
+  <p:cSld>
+    <p:spTree>
+      <p:nvGrpSpPr>
+        <p:cNvPr id="1" name=""/>
+        <p:cNvGrpSpPr/>
+        <p:nvPr/>
+      </p:nvGrpSpPr>
+      <p:grpSpPr>
+        <a:xfrm>
+          <a:off x="0" y="0"/>
+          <a:ext cx="0" cy="0"/>
+          <a:chOff x="0" y="0"/>
+          <a:chExt cx="0" cy="0"/>
+        </a:xfrm>
+      </p:grpSpPr>
+      <p:sp>
+        <p:nvSpPr>
+          <p:cNvPr id="2" name="Title 1"/>
+          <p:cNvSpPr>
+            <a:spLocks noGrp="1"/>
+          </p:cNvSpPr>
+          <p:nvPr>
+            <p:ph type="title"/>
+          </p:nvPr>
+        </p:nvSpPr>
+        <p:spPr/>
+        <p:txBody>
+          <a:bodyPr/>
+          <a:lstStyle/>
+          <a:p>
+            <a:r>
+              <a:rPr lang="en-US" dirty="0" smtClean="0"/>
+              <a:t>Future Work</a:t>
+            </a:r>
+            <a:endParaRPr lang="en-US" dirty="0"/>
           </a:p>
         </p:txBody>
       </p:sp>
@@ -3653,11 +6475,7 @@
           <a:p>
             <a:r>
               <a:rPr lang="en-US" dirty="0" smtClean="0"/>
-              <a:t>I have implemented </a:t>
-            </a:r>
-            <a:r>
-              <a:rPr lang="en-US" smtClean="0"/>
-              <a:t>the algorithm.</a:t>
+              <a:t>I have implemented the algorithm.</a:t>
             </a:r>
             <a:endParaRPr lang="en-US" dirty="0"/>
           </a:p>
@@ -3672,9 +6490,9 @@
 </file>
 
 <file path=ppt/theme/theme1.xml><?xml version="1.0" encoding="utf-8"?>
-<a:theme xmlns:a="http://schemas.openxmlformats.org/drawingml/2006/main" name="Office Theme">
+<a:theme xmlns:a="http://schemas.openxmlformats.org/drawingml/2006/main" name="Flow">
   <a:themeElements>
-    <a:clrScheme name="Office">
+    <a:clrScheme name="Flow">
       <a:dk1>
         <a:sysClr val="windowText" lastClr="000000"/>
       </a:dk1>
@@ -3682,80 +6500,46 @@
         <a:sysClr val="window" lastClr="FFFFFF"/>
       </a:lt1>
       <a:dk2>
-        <a:srgbClr val="1F497D"/>
+        <a:srgbClr val="04617B"/>
       </a:dk2>
       <a:lt2>
-        <a:srgbClr val="EEECE1"/>
+        <a:srgbClr val="DBF5F9"/>
       </a:lt2>
       <a:accent1>
-        <a:srgbClr val="4F81BD"/>
+        <a:srgbClr val="0F6FC6"/>
       </a:accent1>
       <a:accent2>
-        <a:srgbClr val="C0504D"/>
+        <a:srgbClr val="009DD9"/>
       </a:accent2>
       <a:accent3>
-        <a:srgbClr val="9BBB59"/>
+        <a:srgbClr val="0BD0D9"/>
       </a:accent3>
       <a:accent4>
-        <a:srgbClr val="8064A2"/>
+        <a:srgbClr val="10CF9B"/>
       </a:accent4>
       <a:accent5>
-        <a:srgbClr val="4BACC6"/>
+        <a:srgbClr val="7CCA62"/>
       </a:accent5>
       <a:accent6>
-        <a:srgbClr val="F79646"/>
+        <a:srgbClr val="A5C249"/>
       </a:accent6>
       <a:hlink>
-        <a:srgbClr val="0000FF"/>
+        <a:srgbClr val="E2D700"/>
       </a:hlink>
       <a:folHlink>
-        <a:srgbClr val="800080"/>
+        <a:srgbClr val="85DFD0"/>
       </a:folHlink>
     </a:clrScheme>
-    <a:fontScheme name="Office">
+    <a:fontScheme name="Flow">
       <a:majorFont>
         <a:latin typeface="Calibri"/>
         <a:ea typeface=""/>
         <a:cs typeface=""/>
         <a:font script="Jpan" typeface="ＭＳ Ｐゴシック"/>
-        <a:font script="Hang" typeface="맑은 고딕"/>
-        <a:font script="Hans" typeface="宋体"/>
-        <a:font script="Hant" typeface="新細明體"/>
-        <a:font script="Arab" typeface="Times New Roman"/>
-        <a:font script="Hebr" typeface="Times New Roman"/>
-        <a:font script="Thai" typeface="Angsana New"/>
-        <a:font script="Ethi" typeface="Nyala"/>
-        <a:font script="Beng" typeface="Vrinda"/>
-        <a:font script="Gujr" typeface="Shruti"/>
-        <a:font script="Khmr" typeface="MoolBoran"/>
-        <a:font script="Knda" typeface="Tunga"/>
-        <a:font script="Guru" typeface="Raavi"/>
-        <a:font script="Cans" typeface="Euphemia"/>
-        <a:font script="Cher" typeface="Plantagenet Cherokee"/>
-        <a:font script="Yiii" typeface="Microsoft Yi Baiti"/>
-        <a:font script="Tibt" typeface="Microsoft Himalaya"/>
-        <a:font script="Thaa" typeface="MV Boli"/>
-        <a:font script="Deva" typeface="Mangal"/>
-        <a:font script="Telu" typeface="Gautami"/>
-        <a:font script="Taml" typeface="Latha"/>
-        <a:font script="Syrc" typeface="Estrangelo Edessa"/>
-        <a:font script="Orya" typeface="Kalinga"/>
-        <a:font script="Mlym" typeface="Kartika"/>
-        <a:font script="Laoo" typeface="DokChampa"/>
-        <a:font script="Sinh" typeface="Iskoola Pota"/>
-        <a:font script="Mong" typeface="Mongolian Baiti"/>
-        <a:font script="Viet" typeface="Times New Roman"/>
-        <a:font script="Uigh" typeface="Microsoft Uighur"/>
-      </a:majorFont>
-      <a:minorFont>
-        <a:latin typeface="Calibri"/>
-        <a:ea typeface=""/>
-        <a:cs typeface=""/>
-        <a:font script="Jpan" typeface="ＭＳ Ｐゴシック"/>
-        <a:font script="Hang" typeface="맑은 고딕"/>
-        <a:font script="Hans" typeface="宋体"/>
-        <a:font script="Hant" typeface="新細明體"/>
-        <a:font script="Arab" typeface="Arial"/>
+        <a:font script="Hang" typeface="HY중고딕"/>
+        <a:font script="Hans" typeface="隶书"/>
+        <a:font script="Hant" typeface="微軟正黑體"/>
+        <a:font script="Arab" typeface="Traditional Arabic"/>
         <a:font script="Hebr" typeface="Arial"/>
         <a:font script="Thai" typeface="Cordia New"/>
         <a:font script="Ethi" typeface="Nyala"/>
@@ -3780,9 +6564,43 @@
         <a:font script="Mong" typeface="Mongolian Baiti"/>
         <a:font script="Viet" typeface="Arial"/>
         <a:font script="Uigh" typeface="Microsoft Uighur"/>
+      </a:majorFont>
+      <a:minorFont>
+        <a:latin typeface="Constantia"/>
+        <a:ea typeface=""/>
+        <a:cs typeface=""/>
+        <a:font script="Jpan" typeface="HGP明朝E"/>
+        <a:font script="Hang" typeface="HY신명조"/>
+        <a:font script="Hans" typeface="宋体"/>
+        <a:font script="Hant" typeface="新細明體"/>
+        <a:font script="Arab" typeface="Majalla UI"/>
+        <a:font script="Hebr" typeface="David"/>
+        <a:font script="Thai" typeface="Browallia New"/>
+        <a:font script="Ethi" typeface="Nyala"/>
+        <a:font script="Beng" typeface="Vrinda"/>
+        <a:font script="Gujr" typeface="Shruti"/>
+        <a:font script="Khmr" typeface="MoolBoran"/>
+        <a:font script="Knda" typeface="Tunga"/>
+        <a:font script="Guru" typeface="Raavi"/>
+        <a:font script="Cans" typeface="Euphemia"/>
+        <a:font script="Cher" typeface="Plantagenet Cherokee"/>
+        <a:font script="Yiii" typeface="Microsoft Yi Baiti"/>
+        <a:font script="Tibt" typeface="Microsoft Himalaya"/>
+        <a:font script="Thaa" typeface="MV Boli"/>
+        <a:font script="Deva" typeface="Mangal"/>
+        <a:font script="Telu" typeface="Gautami"/>
+        <a:font script="Taml" typeface="Latha"/>
+        <a:font script="Syrc" typeface="Estrangelo Edessa"/>
+        <a:font script="Orya" typeface="Kalinga"/>
+        <a:font script="Mlym" typeface="Kartika"/>
+        <a:font script="Laoo" typeface="DokChampa"/>
+        <a:font script="Sinh" typeface="Iskoola Pota"/>
+        <a:font script="Mong" typeface="Mongolian Baiti"/>
+        <a:font script="Viet" typeface="Times New Roman"/>
+        <a:font script="Uigh" typeface="Microsoft Uighur"/>
       </a:minorFont>
     </a:fontScheme>
-    <a:fmtScheme name="Office">
+    <a:fmtScheme name="Flow">
       <a:fillStyleLst>
         <a:solidFill>
           <a:schemeClr val="phClr"/>
@@ -3791,55 +6609,66 @@
           <a:gsLst>
             <a:gs pos="0">
               <a:schemeClr val="phClr">
-                <a:tint val="50000"/>
-                <a:satMod val="300000"/>
+                <a:tint val="70000"/>
+                <a:satMod val="130000"/>
               </a:schemeClr>
             </a:gs>
-            <a:gs pos="35000">
+            <a:gs pos="43000">
               <a:schemeClr val="phClr">
-                <a:tint val="37000"/>
-                <a:satMod val="300000"/>
+                <a:tint val="44000"/>
+                <a:satMod val="165000"/>
+              </a:schemeClr>
+            </a:gs>
+            <a:gs pos="93000">
+              <a:schemeClr val="phClr">
+                <a:tint val="15000"/>
+                <a:satMod val="165000"/>
               </a:schemeClr>
             </a:gs>
             <a:gs pos="100000">
               <a:schemeClr val="phClr">
-                <a:tint val="15000"/>
-                <a:satMod val="350000"/>
+                <a:tint val="5000"/>
+                <a:satMod val="250000"/>
               </a:schemeClr>
             </a:gs>
           </a:gsLst>
-          <a:lin ang="16200000" scaled="1"/>
+          <a:path path="circle">
+            <a:fillToRect l="50000" t="130000" r="50000" b="-30000"/>
+          </a:path>
         </a:gradFill>
         <a:gradFill rotWithShape="1">
           <a:gsLst>
             <a:gs pos="0">
               <a:schemeClr val="phClr">
-                <a:shade val="51000"/>
-                <a:satMod val="130000"/>
+                <a:tint val="98000"/>
+                <a:shade val="25000"/>
+                <a:satMod val="250000"/>
               </a:schemeClr>
             </a:gs>
-            <a:gs pos="80000">
+            <a:gs pos="68000">
               <a:schemeClr val="phClr">
-                <a:shade val="93000"/>
-                <a:satMod val="130000"/>
+                <a:tint val="86000"/>
+                <a:satMod val="115000"/>
               </a:schemeClr>
             </a:gs>
             <a:gs pos="100000">
               <a:schemeClr val="phClr">
-                <a:shade val="94000"/>
-                <a:satMod val="135000"/>
+                <a:tint val="50000"/>
+                <a:satMod val="150000"/>
               </a:schemeClr>
             </a:gs>
           </a:gsLst>
-          <a:lin ang="16200000" scaled="0"/>
+          <a:path path="circle">
+            <a:fillToRect l="50000" t="130000" r="50000" b="-30000"/>
+          </a:path>
         </a:gradFill>
       </a:fillStyleLst>
       <a:lnStyleLst>
         <a:ln w="9525" cap="flat" cmpd="sng" algn="ctr">
           <a:solidFill>
             <a:schemeClr val="phClr">
-              <a:shade val="95000"/>
-              <a:satMod val="105000"/>
+              <a:shade val="50000"/>
+              <a:satMod val="103000"/>
             </a:schemeClr>
           </a:solidFill>
           <a:prstDash val="solid"/>
@@ -3860,40 +6689,46 @@
       <a:effectStyleLst>
         <a:effectStyle>
           <a:effectLst>
-            <a:outerShdw blurRad="40000" dist="20000" dir="5400000" rotWithShape="0">
-              <a:srgbClr val="000000">
-                <a:alpha val="38000"/>
-              </a:srgbClr>
+            <a:outerShdw blurRad="57150" dist="38100" dir="5400000" algn="ctr" rotWithShape="0">
+              <a:schemeClr val="phClr">
+                <a:shade val="9000"/>
+                <a:satMod val="105000"/>
+                <a:alpha val="48000"/>
+              </a:schemeClr>
             </a:outerShdw>
           </a:effectLst>
         </a:effectStyle>
         <a:effectStyle>
           <a:effectLst>
-            <a:outerShdw blurRad="40000" dist="23000" dir="5400000" rotWithShape="0">
-              <a:srgbClr val="000000">
-                <a:alpha val="35000"/>
-              </a:srgbClr>
+            <a:outerShdw blurRad="57150" dist="38100" dir="5400000" algn="ctr" rotWithShape="0">
+              <a:schemeClr val="phClr">
+                <a:shade val="9000"/>
+                <a:satMod val="105000"/>
+                <a:alpha val="48000"/>
+              </a:schemeClr>
             </a:outerShdw>
           </a:effectLst>
         </a:effectStyle>
         <a:effectStyle>
           <a:effectLst>
-            <a:outerShdw blurRad="40000" dist="23000" dir="5400000" rotWithShape="0">
-              <a:srgbClr val="000000">
-                <a:alpha val="35000"/>
-              </a:srgbClr>
+            <a:outerShdw blurRad="57150" dist="38100" dir="5400000" algn="ctr" rotWithShape="0">
+              <a:schemeClr val="phClr">
+                <a:shade val="9000"/>
+                <a:satMod val="105000"/>
+                <a:alpha val="48000"/>
+              </a:schemeClr>
             </a:outerShdw>
           </a:effectLst>
           <a:scene3d>
-            <a:camera prst="orthographicFront">
+            <a:camera prst="orthographicFront" fov="0">
               <a:rot lat="0" lon="0" rev="0"/>
             </a:camera>
-            <a:lightRig rig="threePt" dir="t">
-              <a:rot lat="0" lon="0" rev="1200000"/>
+            <a:lightRig rig="glow" dir="tl">
+              <a:rot lat="0" lon="0" rev="900000"/>
             </a:lightRig>
           </a:scene3d>
-          <a:sp3d>
-            <a:bevelT w="63500" h="25400"/>
+          <a:sp3d prstMaterial="powder">
+            <a:bevelT w="25400" h="38100"/>
           </a:sp3d>
         </a:effectStyle>
       </a:effectStyleLst>
@@ -3905,47 +6740,42 @@
           <a:gsLst>
             <a:gs pos="0">
               <a:schemeClr val="phClr">
-                <a:tint val="40000"/>
-                <a:satMod val="350000"/>
+                <a:tint val="80000"/>
+                <a:satMod val="400000"/>
               </a:schemeClr>
             </a:gs>
-            <a:gs pos="40000">
+            <a:gs pos="25000">
               <a:schemeClr val="phClr">
-                <a:tint val="45000"/>
-                <a:shade val="99000"/>
-                <a:satMod val="350000"/>
+                <a:tint val="83000"/>
+                <a:satMod val="320000"/>
               </a:schemeClr>
             </a:gs>
             <a:gs pos="100000">
               <a:schemeClr val="phClr">
-                <a:shade val="20000"/>
-                <a:satMod val="255000"/>
+                <a:shade val="15000"/>
+                <a:satMod val="320000"/>
               </a:schemeClr>
             </a:gs>
           </a:gsLst>
           <a:path path="circle">
-            <a:fillToRect l="50000" t="-80000" r="50000" b="180000"/>
+            <a:fillToRect l="10000" t="110000" r="10000" b="100000"/>
           </a:path>
         </a:gradFill>
-        <a:gradFill rotWithShape="1">
-          <a:gsLst>
-            <a:gs pos="0">
+        <a:blipFill>
+          <a:blip xmlns:r="http://schemas.openxmlformats.org/officeDocument/2006/relationships" r:embed="rId1">
+            <a:duotone>
               <a:schemeClr val="phClr">
-                <a:tint val="80000"/>
-                <a:satMod val="300000"/>
+                <a:shade val="90000"/>
+                <a:satMod val="150000"/>
               </a:schemeClr>
-            </a:gs>
-            <a:gs pos="100000">
               <a:schemeClr val="phClr">
-                <a:shade val="30000"/>
-                <a:satMod val="200000"/>
+                <a:tint val="88000"/>
+                <a:satMod val="150000"/>
               </a:schemeClr>
-            </a:gs>
-          </a:gsLst>
-          <a:path path="circle">
-            <a:fillToRect l="50000" t="50000" r="50000" b="50000"/>
-          </a:path>
-        </a:gradFill>
+            </a:duotone>
+          </a:blip>
+          <a:tile tx="0" ty="0" sx="65000" sy="65000" flip="none" algn="tl"/>
+        </a:blipFill>
       </a:bgFillStyleLst>
     </a:fmtScheme>
   </a:themeElements>

--- a/proj/FinalPresentation.pptx
+++ b/proj/FinalPresentation.pptx
@@ -5,7 +5,7 @@
     <p:sldMasterId id="2147483660" r:id="rId1"/>
   </p:sldMasterIdLst>
   <p:notesMasterIdLst>
-    <p:notesMasterId r:id="rId9"/>
+    <p:notesMasterId r:id="rId11"/>
   </p:notesMasterIdLst>
   <p:sldIdLst>
     <p:sldId id="256" r:id="rId2"/>
@@ -14,7 +14,9 @@
     <p:sldId id="263" r:id="rId5"/>
     <p:sldId id="261" r:id="rId6"/>
     <p:sldId id="259" r:id="rId7"/>
-    <p:sldId id="257" r:id="rId8"/>
+    <p:sldId id="264" r:id="rId8"/>
+    <p:sldId id="265" r:id="rId9"/>
+    <p:sldId id="257" r:id="rId10"/>
   </p:sldIdLst>
   <p:sldSz cx="9144000" cy="6858000" type="screen4x3"/>
   <p:notesSz cx="6858000" cy="9144000"/>
@@ -1003,7 +1005,7 @@
           </a:bodyPr>
           <a:lstStyle/>
           <a:p>
-            <a:endParaRPr lang="en-US" dirty="0"/>
+            <a:endParaRPr lang="en-US"/>
           </a:p>
         </p:txBody>
       </p:sp>
@@ -1026,6 +1028,170 @@
               <a:rPr lang="en-US" smtClean="0"/>
               <a:pPr/>
               <a:t>7</a:t>
+            </a:fld>
+            <a:endParaRPr lang="en-US"/>
+          </a:p>
+        </p:txBody>
+      </p:sp>
+    </p:spTree>
+  </p:cSld>
+  <p:clrMapOvr>
+    <a:masterClrMapping/>
+  </p:clrMapOvr>
+</p:notes>
+</file>
+
+<file path=ppt/notesSlides/notesSlide8.xml><?xml version="1.0" encoding="utf-8"?>
+<p:notes xmlns:a="http://schemas.openxmlformats.org/drawingml/2006/main" xmlns:r="http://schemas.openxmlformats.org/officeDocument/2006/relationships" xmlns:p="http://schemas.openxmlformats.org/presentationml/2006/main">
+  <p:cSld>
+    <p:spTree>
+      <p:nvGrpSpPr>
+        <p:cNvPr id="1" name=""/>
+        <p:cNvGrpSpPr/>
+        <p:nvPr/>
+      </p:nvGrpSpPr>
+      <p:grpSpPr>
+        <a:xfrm>
+          <a:off x="0" y="0"/>
+          <a:ext cx="0" cy="0"/>
+          <a:chOff x="0" y="0"/>
+          <a:chExt cx="0" cy="0"/>
+        </a:xfrm>
+      </p:grpSpPr>
+      <p:sp>
+        <p:nvSpPr>
+          <p:cNvPr id="2" name="Slide Image Placeholder 1"/>
+          <p:cNvSpPr>
+            <a:spLocks noGrp="1" noRot="1" noChangeAspect="1"/>
+          </p:cNvSpPr>
+          <p:nvPr>
+            <p:ph type="sldImg"/>
+          </p:nvPr>
+        </p:nvSpPr>
+        <p:spPr/>
+      </p:sp>
+      <p:sp>
+        <p:nvSpPr>
+          <p:cNvPr id="3" name="Notes Placeholder 2"/>
+          <p:cNvSpPr>
+            <a:spLocks noGrp="1"/>
+          </p:cNvSpPr>
+          <p:nvPr>
+            <p:ph type="body" idx="1"/>
+          </p:nvPr>
+        </p:nvSpPr>
+        <p:spPr/>
+        <p:txBody>
+          <a:bodyPr>
+            <a:normAutofit/>
+          </a:bodyPr>
+          <a:lstStyle/>
+          <a:p>
+            <a:endParaRPr lang="en-US"/>
+          </a:p>
+        </p:txBody>
+      </p:sp>
+      <p:sp>
+        <p:nvSpPr>
+          <p:cNvPr id="4" name="Slide Number Placeholder 3"/>
+          <p:cNvSpPr>
+            <a:spLocks noGrp="1"/>
+          </p:cNvSpPr>
+          <p:nvPr>
+            <p:ph type="sldNum" sz="quarter" idx="10"/>
+          </p:nvPr>
+        </p:nvSpPr>
+        <p:spPr/>
+        <p:txBody>
+          <a:bodyPr/>
+          <a:lstStyle/>
+          <a:p>
+            <a:fld id="{3453FAA3-93BF-461C-86B8-11D8146ED44E}" type="slidenum">
+              <a:rPr lang="en-US" smtClean="0"/>
+              <a:pPr/>
+              <a:t>8</a:t>
+            </a:fld>
+            <a:endParaRPr lang="en-US"/>
+          </a:p>
+        </p:txBody>
+      </p:sp>
+    </p:spTree>
+  </p:cSld>
+  <p:clrMapOvr>
+    <a:masterClrMapping/>
+  </p:clrMapOvr>
+</p:notes>
+</file>
+
+<file path=ppt/notesSlides/notesSlide9.xml><?xml version="1.0" encoding="utf-8"?>
+<p:notes xmlns:a="http://schemas.openxmlformats.org/drawingml/2006/main" xmlns:r="http://schemas.openxmlformats.org/officeDocument/2006/relationships" xmlns:p="http://schemas.openxmlformats.org/presentationml/2006/main">
+  <p:cSld>
+    <p:spTree>
+      <p:nvGrpSpPr>
+        <p:cNvPr id="1" name=""/>
+        <p:cNvGrpSpPr/>
+        <p:nvPr/>
+      </p:nvGrpSpPr>
+      <p:grpSpPr>
+        <a:xfrm>
+          <a:off x="0" y="0"/>
+          <a:ext cx="0" cy="0"/>
+          <a:chOff x="0" y="0"/>
+          <a:chExt cx="0" cy="0"/>
+        </a:xfrm>
+      </p:grpSpPr>
+      <p:sp>
+        <p:nvSpPr>
+          <p:cNvPr id="2" name="Slide Image Placeholder 1"/>
+          <p:cNvSpPr>
+            <a:spLocks noGrp="1" noRot="1" noChangeAspect="1"/>
+          </p:cNvSpPr>
+          <p:nvPr>
+            <p:ph type="sldImg"/>
+          </p:nvPr>
+        </p:nvSpPr>
+        <p:spPr/>
+      </p:sp>
+      <p:sp>
+        <p:nvSpPr>
+          <p:cNvPr id="3" name="Notes Placeholder 2"/>
+          <p:cNvSpPr>
+            <a:spLocks noGrp="1"/>
+          </p:cNvSpPr>
+          <p:nvPr>
+            <p:ph type="body" idx="1"/>
+          </p:nvPr>
+        </p:nvSpPr>
+        <p:spPr/>
+        <p:txBody>
+          <a:bodyPr>
+            <a:normAutofit/>
+          </a:bodyPr>
+          <a:lstStyle/>
+          <a:p>
+            <a:endParaRPr lang="en-US" dirty="0"/>
+          </a:p>
+        </p:txBody>
+      </p:sp>
+      <p:sp>
+        <p:nvSpPr>
+          <p:cNvPr id="4" name="Slide Number Placeholder 3"/>
+          <p:cNvSpPr>
+            <a:spLocks noGrp="1"/>
+          </p:cNvSpPr>
+          <p:nvPr>
+            <p:ph type="sldNum" sz="quarter" idx="10"/>
+          </p:nvPr>
+        </p:nvSpPr>
+        <p:spPr/>
+        <p:txBody>
+          <a:bodyPr/>
+          <a:lstStyle/>
+          <a:p>
+            <a:fld id="{3453FAA3-93BF-461C-86B8-11D8146ED44E}" type="slidenum">
+              <a:rPr lang="en-US" smtClean="0"/>
+              <a:pPr/>
+              <a:t>9</a:t>
             </a:fld>
             <a:endParaRPr lang="en-US"/>
           </a:p>
@@ -4822,11 +4988,7 @@
           <a:p>
             <a:r>
               <a:rPr lang="en-US" dirty="0" smtClean="0"/>
-              <a:t>Uncompressin</a:t>
-            </a:r>
-            <a:r>
-              <a:rPr lang="en-US" dirty="0" smtClean="0"/>
-              <a:t>g a Projection Index with CUDA</a:t>
+              <a:t>Uncompressing a Projection Index with CUDA</a:t>
             </a:r>
             <a:endParaRPr lang="en-US" dirty="0"/>
           </a:p>
@@ -4950,7 +5112,6 @@
               <a:rPr lang="en-US" dirty="0" smtClean="0"/>
               <a:t>Testing Methodology</a:t>
             </a:r>
-            <a:endParaRPr lang="en-US" dirty="0" smtClean="0"/>
           </a:p>
           <a:p>
             <a:r>
@@ -5418,11 +5579,7 @@
             </a:r>
             <a:r>
               <a:rPr lang="en-US" dirty="0" smtClean="0"/>
-              <a:t> array, to have each thread uncompress each of the array’s attribute values</a:t>
-            </a:r>
-            <a:r>
-              <a:rPr lang="en-US" dirty="0" smtClean="0"/>
-              <a:t>.</a:t>
+              <a:t> array, to have each thread uncompress each of the array’s attribute values.</a:t>
             </a:r>
           </a:p>
           <a:p>
@@ -5436,7 +5593,6 @@
               <a:rPr lang="en-US" dirty="0" smtClean="0"/>
               <a:t>Trade-Off between Algorithms</a:t>
             </a:r>
-            <a:endParaRPr lang="en-US" dirty="0" smtClean="0"/>
           </a:p>
           <a:p>
             <a:endParaRPr lang="en-US" dirty="0"/>
@@ -5525,15 +5681,7 @@
           <a:p>
             <a:r>
               <a:rPr lang="en-US" dirty="0" smtClean="0"/>
-              <a:t>New </a:t>
-            </a:r>
-            <a:r>
-              <a:rPr lang="en-US" dirty="0" smtClean="0"/>
-              <a:t>Load </a:t>
-            </a:r>
-            <a:r>
-              <a:rPr lang="en-US" dirty="0" smtClean="0"/>
-              <a:t>balanced algorithm</a:t>
+              <a:t>New Load balanced algorithm</a:t>
             </a:r>
             <a:endParaRPr lang="en-US" dirty="0"/>
           </a:p>
@@ -6446,6 +6594,146 @@
           <a:p>
             <a:r>
               <a:rPr lang="en-US" dirty="0" smtClean="0"/>
+              <a:t>Problems</a:t>
+            </a:r>
+            <a:endParaRPr lang="en-US" dirty="0"/>
+          </a:p>
+        </p:txBody>
+      </p:sp>
+      <p:sp>
+        <p:nvSpPr>
+          <p:cNvPr id="3" name="Content Placeholder 2"/>
+          <p:cNvSpPr>
+            <a:spLocks noGrp="1"/>
+          </p:cNvSpPr>
+          <p:nvPr>
+            <p:ph idx="1"/>
+          </p:nvPr>
+        </p:nvSpPr>
+        <p:spPr/>
+        <p:txBody>
+          <a:bodyPr/>
+          <a:lstStyle/>
+          <a:p>
+            <a:r>
+              <a:rPr lang="en-US" dirty="0" smtClean="0"/>
+              <a:t>Non-coalesced accesses in certain kernels such as the uncompress kernel</a:t>
+            </a:r>
+          </a:p>
+          <a:p>
+            <a:r>
+              <a:rPr lang="en-US" dirty="0" smtClean="0"/>
+              <a:t>New algorithm twice as much memory.</a:t>
+            </a:r>
+            <a:endParaRPr lang="en-US" dirty="0"/>
+          </a:p>
+        </p:txBody>
+      </p:sp>
+    </p:spTree>
+  </p:cSld>
+  <p:clrMapOvr>
+    <a:masterClrMapping/>
+  </p:clrMapOvr>
+</p:sld>
+</file>
+
+<file path=ppt/slides/slide8.xml><?xml version="1.0" encoding="utf-8"?>
+<p:sld xmlns:a="http://schemas.openxmlformats.org/drawingml/2006/main" xmlns:r="http://schemas.openxmlformats.org/officeDocument/2006/relationships" xmlns:p="http://schemas.openxmlformats.org/presentationml/2006/main">
+  <p:cSld>
+    <p:spTree>
+      <p:nvGrpSpPr>
+        <p:cNvPr id="1" name=""/>
+        <p:cNvGrpSpPr/>
+        <p:nvPr/>
+      </p:nvGrpSpPr>
+      <p:grpSpPr>
+        <a:xfrm>
+          <a:off x="0" y="0"/>
+          <a:ext cx="0" cy="0"/>
+          <a:chOff x="0" y="0"/>
+          <a:chExt cx="0" cy="0"/>
+        </a:xfrm>
+      </p:grpSpPr>
+      <p:sp>
+        <p:nvSpPr>
+          <p:cNvPr id="2" name="Title 1"/>
+          <p:cNvSpPr>
+            <a:spLocks noGrp="1"/>
+          </p:cNvSpPr>
+          <p:nvPr>
+            <p:ph type="title"/>
+          </p:nvPr>
+        </p:nvSpPr>
+        <p:spPr/>
+        <p:txBody>
+          <a:bodyPr/>
+          <a:lstStyle/>
+          <a:p>
+            <a:endParaRPr lang="en-US"/>
+          </a:p>
+        </p:txBody>
+      </p:sp>
+      <p:sp>
+        <p:nvSpPr>
+          <p:cNvPr id="3" name="Content Placeholder 2"/>
+          <p:cNvSpPr>
+            <a:spLocks noGrp="1"/>
+          </p:cNvSpPr>
+          <p:nvPr>
+            <p:ph idx="1"/>
+          </p:nvPr>
+        </p:nvSpPr>
+        <p:spPr/>
+        <p:txBody>
+          <a:bodyPr/>
+          <a:lstStyle/>
+          <a:p>
+            <a:endParaRPr lang="en-US" dirty="0"/>
+          </a:p>
+        </p:txBody>
+      </p:sp>
+    </p:spTree>
+  </p:cSld>
+  <p:clrMapOvr>
+    <a:masterClrMapping/>
+  </p:clrMapOvr>
+</p:sld>
+</file>
+
+<file path=ppt/slides/slide9.xml><?xml version="1.0" encoding="utf-8"?>
+<p:sld xmlns:a="http://schemas.openxmlformats.org/drawingml/2006/main" xmlns:r="http://schemas.openxmlformats.org/officeDocument/2006/relationships" xmlns:p="http://schemas.openxmlformats.org/presentationml/2006/main">
+  <p:cSld>
+    <p:spTree>
+      <p:nvGrpSpPr>
+        <p:cNvPr id="1" name=""/>
+        <p:cNvGrpSpPr/>
+        <p:nvPr/>
+      </p:nvGrpSpPr>
+      <p:grpSpPr>
+        <a:xfrm>
+          <a:off x="0" y="0"/>
+          <a:ext cx="0" cy="0"/>
+          <a:chOff x="0" y="0"/>
+          <a:chExt cx="0" cy="0"/>
+        </a:xfrm>
+      </p:grpSpPr>
+      <p:sp>
+        <p:nvSpPr>
+          <p:cNvPr id="2" name="Title 1"/>
+          <p:cNvSpPr>
+            <a:spLocks noGrp="1"/>
+          </p:cNvSpPr>
+          <p:nvPr>
+            <p:ph type="title"/>
+          </p:nvPr>
+        </p:nvSpPr>
+        <p:spPr/>
+        <p:txBody>
+          <a:bodyPr/>
+          <a:lstStyle/>
+          <a:p>
+            <a:r>
+              <a:rPr lang="en-US" dirty="0" smtClean="0"/>
               <a:t>Future Work</a:t>
             </a:r>
             <a:endParaRPr lang="en-US" dirty="0"/>
@@ -6475,8 +6763,20 @@
           <a:p>
             <a:r>
               <a:rPr lang="en-US" dirty="0" smtClean="0"/>
-              <a:t>I have implemented the algorithm.</a:t>
-            </a:r>
+              <a:t>I have implemented the algorithm</a:t>
+            </a:r>
+            <a:r>
+              <a:rPr lang="en-US" dirty="0" smtClean="0"/>
+              <a:t>.</a:t>
+            </a:r>
+          </a:p>
+          <a:p>
+            <a:r>
+              <a:rPr lang="en-US" smtClean="0"/>
+              <a:t>Might want to look at using Texture memory for reads from S</a:t>
+            </a:r>
+          </a:p>
+          <a:p>
             <a:endParaRPr lang="en-US" dirty="0"/>
           </a:p>
         </p:txBody>

--- a/proj/FinalPresentation.pptx
+++ b/proj/FinalPresentation.pptx
@@ -6772,7 +6772,7 @@
           </a:p>
           <a:p>
             <a:r>
-              <a:rPr lang="en-US" smtClean="0"/>
+              <a:rPr lang="en-US" dirty="0" smtClean="0"/>
               <a:t>Might want to look at using Texture memory for reads from S</a:t>
             </a:r>
           </a:p>

--- a/proj/FinalPresentation.pptx
+++ b/proj/FinalPresentation.pptx
@@ -6763,18 +6763,33 @@
           <a:p>
             <a:r>
               <a:rPr lang="en-US" dirty="0" smtClean="0"/>
-              <a:t>I have implemented the algorithm</a:t>
-            </a:r>
+              <a:t>I have implemented the algorithm.</a:t>
+            </a:r>
+          </a:p>
+          <a:p>
             <a:r>
               <a:rPr lang="en-US" dirty="0" smtClean="0"/>
-              <a:t>.</a:t>
-            </a:r>
-          </a:p>
-          <a:p>
+              <a:t>Might want to look at using Texture memory for reads from </a:t>
+            </a:r>
             <a:r>
               <a:rPr lang="en-US" dirty="0" smtClean="0"/>
-              <a:t>Might want to look at using Texture memory for reads from S</a:t>
-            </a:r>
+              <a:t>S</a:t>
+            </a:r>
+          </a:p>
+          <a:p>
+            <a:r>
+              <a:rPr lang="en-US" dirty="0" smtClean="0"/>
+              <a:t>Dr. </a:t>
+            </a:r>
+            <a:r>
+              <a:rPr lang="en-US" dirty="0" err="1" smtClean="0"/>
+              <a:t>Aubanel’s</a:t>
+            </a:r>
+            <a:r>
+              <a:rPr lang="en-US" dirty="0" smtClean="0"/>
+              <a:t> Machine</a:t>
+            </a:r>
+            <a:endParaRPr lang="en-US" dirty="0" smtClean="0"/>
           </a:p>
           <a:p>
             <a:endParaRPr lang="en-US" dirty="0"/>

--- a/proj/FinalPresentation.pptx
+++ b/proj/FinalPresentation.pptx
@@ -5,7 +5,7 @@
     <p:sldMasterId id="2147483660" r:id="rId1"/>
   </p:sldMasterIdLst>
   <p:notesMasterIdLst>
-    <p:notesMasterId r:id="rId11"/>
+    <p:notesMasterId r:id="rId18"/>
   </p:notesMasterIdLst>
   <p:sldIdLst>
     <p:sldId id="256" r:id="rId2"/>
@@ -14,9 +14,16 @@
     <p:sldId id="263" r:id="rId5"/>
     <p:sldId id="261" r:id="rId6"/>
     <p:sldId id="259" r:id="rId7"/>
-    <p:sldId id="264" r:id="rId8"/>
-    <p:sldId id="265" r:id="rId9"/>
-    <p:sldId id="257" r:id="rId10"/>
+    <p:sldId id="268" r:id="rId8"/>
+    <p:sldId id="264" r:id="rId9"/>
+    <p:sldId id="272" r:id="rId10"/>
+    <p:sldId id="266" r:id="rId11"/>
+    <p:sldId id="265" r:id="rId12"/>
+    <p:sldId id="267" r:id="rId13"/>
+    <p:sldId id="273" r:id="rId14"/>
+    <p:sldId id="257" r:id="rId15"/>
+    <p:sldId id="270" r:id="rId16"/>
+    <p:sldId id="271" r:id="rId17"/>
   </p:sldIdLst>
   <p:sldSz cx="9144000" cy="6858000" type="screen4x3"/>
   <p:notesSz cx="6858000" cy="9144000"/>
@@ -118,6 +125,1080 @@
 </p:presentation>
 </file>
 
+<file path=ppt/charts/chart1.xml><?xml version="1.0" encoding="utf-8"?>
+<c:chartSpace xmlns:c="http://schemas.openxmlformats.org/drawingml/2006/chart" xmlns:a="http://schemas.openxmlformats.org/drawingml/2006/main" xmlns:r="http://schemas.openxmlformats.org/officeDocument/2006/relationships">
+  <c:date1904 val="1"/>
+  <c:lang val="en-US"/>
+  <c:chart>
+    <c:title>
+      <c:tx>
+        <c:rich>
+          <a:bodyPr/>
+          <a:lstStyle/>
+          <a:p>
+            <a:pPr>
+              <a:defRPr/>
+            </a:pPr>
+            <a:r>
+              <a:rPr lang="en-US"/>
+              <a:t>Size</a:t>
+            </a:r>
+            <a:r>
+              <a:rPr lang="en-US" baseline="0"/>
+              <a:t> vs Time</a:t>
+            </a:r>
+            <a:endParaRPr lang="en-US"/>
+          </a:p>
+        </c:rich>
+      </c:tx>
+      <c:layout/>
+    </c:title>
+    <c:plotArea>
+      <c:layout/>
+      <c:scatterChart>
+        <c:scatterStyle val="lineMarker"/>
+        <c:ser>
+          <c:idx val="0"/>
+          <c:order val="0"/>
+          <c:tx>
+            <c:strRef>
+              <c:f>Avg!$D$1</c:f>
+              <c:strCache>
+                <c:ptCount val="1"/>
+                <c:pt idx="0">
+                  <c:v>Stage1</c:v>
+                </c:pt>
+              </c:strCache>
+            </c:strRef>
+          </c:tx>
+          <c:spPr>
+            <a:ln w="28575">
+              <a:noFill/>
+            </a:ln>
+          </c:spPr>
+          <c:xVal>
+            <c:numRef>
+              <c:f>Avg!$C$2:$C$11</c:f>
+              <c:numCache>
+                <c:formatCode>General</c:formatCode>
+                <c:ptCount val="10"/>
+                <c:pt idx="0">
+                  <c:v>125250</c:v>
+                </c:pt>
+                <c:pt idx="1">
+                  <c:v>500500</c:v>
+                </c:pt>
+                <c:pt idx="2">
+                  <c:v>1125750</c:v>
+                </c:pt>
+                <c:pt idx="3">
+                  <c:v>2001000</c:v>
+                </c:pt>
+                <c:pt idx="4">
+                  <c:v>3126250</c:v>
+                </c:pt>
+                <c:pt idx="5">
+                  <c:v>4501500</c:v>
+                </c:pt>
+                <c:pt idx="6">
+                  <c:v>6126750</c:v>
+                </c:pt>
+                <c:pt idx="7">
+                  <c:v>8002000</c:v>
+                </c:pt>
+                <c:pt idx="8">
+                  <c:v>10127250</c:v>
+                </c:pt>
+                <c:pt idx="9">
+                  <c:v>12502500</c:v>
+                </c:pt>
+              </c:numCache>
+            </c:numRef>
+          </c:xVal>
+          <c:yVal>
+            <c:numRef>
+              <c:f>Avg!$D$2:$D$11</c:f>
+              <c:numCache>
+                <c:formatCode>General</c:formatCode>
+                <c:ptCount val="10"/>
+                <c:pt idx="0">
+                  <c:v>0.10863466560840601</c:v>
+                </c:pt>
+                <c:pt idx="1">
+                  <c:v>0.111029333124558</c:v>
+                </c:pt>
+                <c:pt idx="2">
+                  <c:v>0.13660266250371897</c:v>
+                </c:pt>
+                <c:pt idx="3">
+                  <c:v>0.13472000012795099</c:v>
+                </c:pt>
+                <c:pt idx="4">
+                  <c:v>0.13627733538548203</c:v>
+                </c:pt>
+                <c:pt idx="5">
+                  <c:v>0.13703467200199801</c:v>
+                </c:pt>
+                <c:pt idx="6">
+                  <c:v>0.13796266416708602</c:v>
+                </c:pt>
+                <c:pt idx="7">
+                  <c:v>0.14129066715637803</c:v>
+                </c:pt>
+                <c:pt idx="8">
+                  <c:v>0.14112000167369798</c:v>
+                </c:pt>
+                <c:pt idx="9">
+                  <c:v>0.14289066443840701</c:v>
+                </c:pt>
+              </c:numCache>
+            </c:numRef>
+          </c:yVal>
+        </c:ser>
+        <c:ser>
+          <c:idx val="1"/>
+          <c:order val="1"/>
+          <c:tx>
+            <c:strRef>
+              <c:f>Avg!$E$1</c:f>
+              <c:strCache>
+                <c:ptCount val="1"/>
+                <c:pt idx="0">
+                  <c:v>Stage2</c:v>
+                </c:pt>
+              </c:strCache>
+            </c:strRef>
+          </c:tx>
+          <c:spPr>
+            <a:ln w="28575">
+              <a:noFill/>
+            </a:ln>
+          </c:spPr>
+          <c:xVal>
+            <c:numRef>
+              <c:f>Avg!$C$2:$C$11</c:f>
+              <c:numCache>
+                <c:formatCode>General</c:formatCode>
+                <c:ptCount val="10"/>
+                <c:pt idx="0">
+                  <c:v>125250</c:v>
+                </c:pt>
+                <c:pt idx="1">
+                  <c:v>500500</c:v>
+                </c:pt>
+                <c:pt idx="2">
+                  <c:v>1125750</c:v>
+                </c:pt>
+                <c:pt idx="3">
+                  <c:v>2001000</c:v>
+                </c:pt>
+                <c:pt idx="4">
+                  <c:v>3126250</c:v>
+                </c:pt>
+                <c:pt idx="5">
+                  <c:v>4501500</c:v>
+                </c:pt>
+                <c:pt idx="6">
+                  <c:v>6126750</c:v>
+                </c:pt>
+                <c:pt idx="7">
+                  <c:v>8002000</c:v>
+                </c:pt>
+                <c:pt idx="8">
+                  <c:v>10127250</c:v>
+                </c:pt>
+                <c:pt idx="9">
+                  <c:v>12502500</c:v>
+                </c:pt>
+              </c:numCache>
+            </c:numRef>
+          </c:xVal>
+          <c:yVal>
+            <c:numRef>
+              <c:f>Avg!$E$2:$E$11</c:f>
+              <c:numCache>
+                <c:formatCode>General</c:formatCode>
+                <c:ptCount val="10"/>
+                <c:pt idx="0">
+                  <c:v>0.11115733285745</c:v>
+                </c:pt>
+                <c:pt idx="1">
+                  <c:v>0.40593599279721598</c:v>
+                </c:pt>
+                <c:pt idx="2">
+                  <c:v>0.89533867438634207</c:v>
+                </c:pt>
+                <c:pt idx="3">
+                  <c:v>1.5782826741536502</c:v>
+                </c:pt>
+                <c:pt idx="4">
+                  <c:v>2.4575626452763899</c:v>
+                </c:pt>
+                <c:pt idx="5">
+                  <c:v>3.53324270248413</c:v>
+                </c:pt>
+                <c:pt idx="6">
+                  <c:v>4.8147199153900093</c:v>
+                </c:pt>
+                <c:pt idx="7">
+                  <c:v>6.2917172908783003</c:v>
+                </c:pt>
+                <c:pt idx="8">
+                  <c:v>8.0075200398763009</c:v>
+                </c:pt>
+                <c:pt idx="9">
+                  <c:v>9.8715147972106898</c:v>
+                </c:pt>
+              </c:numCache>
+            </c:numRef>
+          </c:yVal>
+        </c:ser>
+        <c:ser>
+          <c:idx val="2"/>
+          <c:order val="2"/>
+          <c:tx>
+            <c:strRef>
+              <c:f>Avg!$F$1</c:f>
+              <c:strCache>
+                <c:ptCount val="1"/>
+                <c:pt idx="0">
+                  <c:v>Stage3</c:v>
+                </c:pt>
+              </c:strCache>
+            </c:strRef>
+          </c:tx>
+          <c:spPr>
+            <a:ln w="28575">
+              <a:noFill/>
+            </a:ln>
+          </c:spPr>
+          <c:xVal>
+            <c:numRef>
+              <c:f>Avg!$C$2:$C$11</c:f>
+              <c:numCache>
+                <c:formatCode>General</c:formatCode>
+                <c:ptCount val="10"/>
+                <c:pt idx="0">
+                  <c:v>125250</c:v>
+                </c:pt>
+                <c:pt idx="1">
+                  <c:v>500500</c:v>
+                </c:pt>
+                <c:pt idx="2">
+                  <c:v>1125750</c:v>
+                </c:pt>
+                <c:pt idx="3">
+                  <c:v>2001000</c:v>
+                </c:pt>
+                <c:pt idx="4">
+                  <c:v>3126250</c:v>
+                </c:pt>
+                <c:pt idx="5">
+                  <c:v>4501500</c:v>
+                </c:pt>
+                <c:pt idx="6">
+                  <c:v>6126750</c:v>
+                </c:pt>
+                <c:pt idx="7">
+                  <c:v>8002000</c:v>
+                </c:pt>
+                <c:pt idx="8">
+                  <c:v>10127250</c:v>
+                </c:pt>
+                <c:pt idx="9">
+                  <c:v>12502500</c:v>
+                </c:pt>
+              </c:numCache>
+            </c:numRef>
+          </c:xVal>
+          <c:yVal>
+            <c:numRef>
+              <c:f>Avg!$F$2:$F$11</c:f>
+              <c:numCache>
+                <c:formatCode>General</c:formatCode>
+                <c:ptCount val="10"/>
+                <c:pt idx="0">
+                  <c:v>1.4736000138024499E-2</c:v>
+                </c:pt>
+                <c:pt idx="1">
+                  <c:v>1.6901333195467806E-2</c:v>
+                </c:pt>
+                <c:pt idx="2">
+                  <c:v>1.9818667011956399E-2</c:v>
+                </c:pt>
+                <c:pt idx="3">
+                  <c:v>2.3402666673064204E-2</c:v>
+                </c:pt>
+                <c:pt idx="4">
+                  <c:v>2.7573333432277011E-2</c:v>
+                </c:pt>
+                <c:pt idx="5">
+                  <c:v>3.2223999810715505E-2</c:v>
+                </c:pt>
+                <c:pt idx="6">
+                  <c:v>3.5957333321372707E-2</c:v>
+                </c:pt>
+                <c:pt idx="7">
+                  <c:v>4.5413333922624623E-2</c:v>
+                </c:pt>
+                <c:pt idx="8">
+                  <c:v>5.1578666393955593E-2</c:v>
+                </c:pt>
+                <c:pt idx="9">
+                  <c:v>6.2410666296879413E-2</c:v>
+                </c:pt>
+              </c:numCache>
+            </c:numRef>
+          </c:yVal>
+        </c:ser>
+        <c:ser>
+          <c:idx val="3"/>
+          <c:order val="3"/>
+          <c:tx>
+            <c:strRef>
+              <c:f>Avg!$G$1</c:f>
+              <c:strCache>
+                <c:ptCount val="1"/>
+                <c:pt idx="0">
+                  <c:v>Stage4</c:v>
+                </c:pt>
+              </c:strCache>
+            </c:strRef>
+          </c:tx>
+          <c:spPr>
+            <a:ln w="28575">
+              <a:noFill/>
+            </a:ln>
+          </c:spPr>
+          <c:xVal>
+            <c:numRef>
+              <c:f>Avg!$C$2:$C$11</c:f>
+              <c:numCache>
+                <c:formatCode>General</c:formatCode>
+                <c:ptCount val="10"/>
+                <c:pt idx="0">
+                  <c:v>125250</c:v>
+                </c:pt>
+                <c:pt idx="1">
+                  <c:v>500500</c:v>
+                </c:pt>
+                <c:pt idx="2">
+                  <c:v>1125750</c:v>
+                </c:pt>
+                <c:pt idx="3">
+                  <c:v>2001000</c:v>
+                </c:pt>
+                <c:pt idx="4">
+                  <c:v>3126250</c:v>
+                </c:pt>
+                <c:pt idx="5">
+                  <c:v>4501500</c:v>
+                </c:pt>
+                <c:pt idx="6">
+                  <c:v>6126750</c:v>
+                </c:pt>
+                <c:pt idx="7">
+                  <c:v>8002000</c:v>
+                </c:pt>
+                <c:pt idx="8">
+                  <c:v>10127250</c:v>
+                </c:pt>
+                <c:pt idx="9">
+                  <c:v>12502500</c:v>
+                </c:pt>
+              </c:numCache>
+            </c:numRef>
+          </c:xVal>
+          <c:yVal>
+            <c:numRef>
+              <c:f>Avg!$G$2:$G$11</c:f>
+              <c:numCache>
+                <c:formatCode>General</c:formatCode>
+                <c:ptCount val="10"/>
+                <c:pt idx="0">
+                  <c:v>0.49943466484546711</c:v>
+                </c:pt>
+                <c:pt idx="1">
+                  <c:v>1.7672053376833601</c:v>
+                </c:pt>
+                <c:pt idx="2">
+                  <c:v>3.93086934089661</c:v>
+                </c:pt>
+                <c:pt idx="3">
+                  <c:v>6.9164746602376299</c:v>
+                </c:pt>
+                <c:pt idx="4">
+                  <c:v>10.716997464497901</c:v>
+                </c:pt>
+                <c:pt idx="5">
+                  <c:v>15.346575895945202</c:v>
+                </c:pt>
+                <c:pt idx="6">
+                  <c:v>20.808175722758005</c:v>
+                </c:pt>
+                <c:pt idx="7">
+                  <c:v>27.147567749023395</c:v>
+                </c:pt>
+                <c:pt idx="8">
+                  <c:v>34.334447860717788</c:v>
+                </c:pt>
+                <c:pt idx="9">
+                  <c:v>42.378260930379206</c:v>
+                </c:pt>
+              </c:numCache>
+            </c:numRef>
+          </c:yVal>
+        </c:ser>
+        <c:ser>
+          <c:idx val="4"/>
+          <c:order val="4"/>
+          <c:tx>
+            <c:strRef>
+              <c:f>Avg!$H$1</c:f>
+              <c:strCache>
+                <c:ptCount val="1"/>
+                <c:pt idx="0">
+                  <c:v>Stage5</c:v>
+                </c:pt>
+              </c:strCache>
+            </c:strRef>
+          </c:tx>
+          <c:spPr>
+            <a:ln w="28575">
+              <a:noFill/>
+            </a:ln>
+          </c:spPr>
+          <c:xVal>
+            <c:numRef>
+              <c:f>Avg!$C$2:$C$11</c:f>
+              <c:numCache>
+                <c:formatCode>General</c:formatCode>
+                <c:ptCount val="10"/>
+                <c:pt idx="0">
+                  <c:v>125250</c:v>
+                </c:pt>
+                <c:pt idx="1">
+                  <c:v>500500</c:v>
+                </c:pt>
+                <c:pt idx="2">
+                  <c:v>1125750</c:v>
+                </c:pt>
+                <c:pt idx="3">
+                  <c:v>2001000</c:v>
+                </c:pt>
+                <c:pt idx="4">
+                  <c:v>3126250</c:v>
+                </c:pt>
+                <c:pt idx="5">
+                  <c:v>4501500</c:v>
+                </c:pt>
+                <c:pt idx="6">
+                  <c:v>6126750</c:v>
+                </c:pt>
+                <c:pt idx="7">
+                  <c:v>8002000</c:v>
+                </c:pt>
+                <c:pt idx="8">
+                  <c:v>10127250</c:v>
+                </c:pt>
+                <c:pt idx="9">
+                  <c:v>12502500</c:v>
+                </c:pt>
+              </c:numCache>
+            </c:numRef>
+          </c:xVal>
+          <c:yVal>
+            <c:numRef>
+              <c:f>Avg!$H$2:$H$11</c:f>
+              <c:numCache>
+                <c:formatCode>General</c:formatCode>
+                <c:ptCount val="10"/>
+                <c:pt idx="0">
+                  <c:v>0.19994133462508507</c:v>
+                </c:pt>
+                <c:pt idx="1">
+                  <c:v>0.74397866924603795</c:v>
+                </c:pt>
+                <c:pt idx="2">
+                  <c:v>1.6945120096206703</c:v>
+                </c:pt>
+                <c:pt idx="3">
+                  <c:v>2.94945065180461</c:v>
+                </c:pt>
+                <c:pt idx="4">
+                  <c:v>4.5946986675262487</c:v>
+                </c:pt>
+                <c:pt idx="5">
+                  <c:v>6.5683252811431903</c:v>
+                </c:pt>
+                <c:pt idx="6">
+                  <c:v>8.9457120895385689</c:v>
+                </c:pt>
+                <c:pt idx="7">
+                  <c:v>11.666282494862902</c:v>
+                </c:pt>
+                <c:pt idx="8">
+                  <c:v>14.749365488688198</c:v>
+                </c:pt>
+                <c:pt idx="9">
+                  <c:v>18.208384195963497</c:v>
+                </c:pt>
+              </c:numCache>
+            </c:numRef>
+          </c:yVal>
+        </c:ser>
+        <c:axId val="80375168"/>
+        <c:axId val="80381440"/>
+      </c:scatterChart>
+      <c:valAx>
+        <c:axId val="80375168"/>
+        <c:scaling>
+          <c:orientation val="minMax"/>
+        </c:scaling>
+        <c:axPos val="b"/>
+        <c:title>
+          <c:tx>
+            <c:rich>
+              <a:bodyPr/>
+              <a:lstStyle/>
+              <a:p>
+                <a:pPr>
+                  <a:defRPr/>
+                </a:pPr>
+                <a:r>
+                  <a:rPr lang="en-US"/>
+                  <a:t>Size</a:t>
+                </a:r>
+                <a:r>
+                  <a:rPr lang="en-US" baseline="0"/>
+                  <a:t> of Uncompressed Index</a:t>
+                </a:r>
+                <a:endParaRPr lang="en-US"/>
+              </a:p>
+            </c:rich>
+          </c:tx>
+          <c:layout/>
+        </c:title>
+        <c:numFmt formatCode="General" sourceLinked="1"/>
+        <c:majorTickMark val="none"/>
+        <c:tickLblPos val="nextTo"/>
+        <c:crossAx val="80381440"/>
+        <c:crosses val="autoZero"/>
+        <c:crossBetween val="midCat"/>
+      </c:valAx>
+      <c:valAx>
+        <c:axId val="80381440"/>
+        <c:scaling>
+          <c:orientation val="minMax"/>
+        </c:scaling>
+        <c:axPos val="l"/>
+        <c:majorGridlines/>
+        <c:title>
+          <c:tx>
+            <c:rich>
+              <a:bodyPr/>
+              <a:lstStyle/>
+              <a:p>
+                <a:pPr>
+                  <a:defRPr/>
+                </a:pPr>
+                <a:r>
+                  <a:rPr lang="en-US"/>
+                  <a:t>Time </a:t>
+                </a:r>
+                <a:r>
+                  <a:rPr lang="en-US" baseline="0"/>
+                  <a:t> (milliseconds)</a:t>
+                </a:r>
+                <a:endParaRPr lang="en-US"/>
+              </a:p>
+            </c:rich>
+          </c:tx>
+          <c:layout/>
+        </c:title>
+        <c:numFmt formatCode="General" sourceLinked="1"/>
+        <c:majorTickMark val="none"/>
+        <c:tickLblPos val="nextTo"/>
+        <c:crossAx val="80375168"/>
+        <c:crosses val="autoZero"/>
+        <c:crossBetween val="midCat"/>
+      </c:valAx>
+    </c:plotArea>
+    <c:legend>
+      <c:legendPos val="r"/>
+      <c:layout/>
+    </c:legend>
+    <c:plotVisOnly val="1"/>
+  </c:chart>
+  <c:externalData r:id="rId1"/>
+</c:chartSpace>
+</file>
+
+<file path=ppt/charts/chart2.xml><?xml version="1.0" encoding="utf-8"?>
+<c:chartSpace xmlns:c="http://schemas.openxmlformats.org/drawingml/2006/chart" xmlns:a="http://schemas.openxmlformats.org/drawingml/2006/main" xmlns:r="http://schemas.openxmlformats.org/officeDocument/2006/relationships">
+  <c:lang val="en-US"/>
+  <c:style val="34"/>
+  <c:chart>
+    <c:title>
+      <c:tx>
+        <c:rich>
+          <a:bodyPr/>
+          <a:lstStyle/>
+          <a:p>
+            <a:pPr>
+              <a:defRPr/>
+            </a:pPr>
+            <a:r>
+              <a:rPr lang="en-US" dirty="0" smtClean="0"/>
+              <a:t>Performance at each Stage of Algorithm</a:t>
+            </a:r>
+            <a:endParaRPr lang="en-US" dirty="0"/>
+          </a:p>
+        </c:rich>
+      </c:tx>
+      <c:layout/>
+    </c:title>
+    <c:plotArea>
+      <c:layout/>
+      <c:pieChart>
+        <c:varyColors val="1"/>
+        <c:ser>
+          <c:idx val="0"/>
+          <c:order val="0"/>
+          <c:dLbls>
+            <c:dLbl>
+              <c:idx val="1"/>
+              <c:layout>
+                <c:manualLayout>
+                  <c:x val="4.8928380480217748E-2"/>
+                  <c:y val="9.2180386687404185E-3"/>
+                </c:manualLayout>
+              </c:layout>
+              <c:showPercent val="1"/>
+            </c:dLbl>
+            <c:showPercent val="1"/>
+          </c:dLbls>
+          <c:cat>
+            <c:strRef>
+              <c:f>(Avg!$B$1,Avg!$D$1:$H$1)</c:f>
+              <c:strCache>
+                <c:ptCount val="6"/>
+                <c:pt idx="0">
+                  <c:v>TimeToCP</c:v>
+                </c:pt>
+                <c:pt idx="1">
+                  <c:v>Stage1</c:v>
+                </c:pt>
+                <c:pt idx="2">
+                  <c:v>Stage2</c:v>
+                </c:pt>
+                <c:pt idx="3">
+                  <c:v>Stage3</c:v>
+                </c:pt>
+                <c:pt idx="4">
+                  <c:v>Stage4</c:v>
+                </c:pt>
+                <c:pt idx="5">
+                  <c:v>Stage5</c:v>
+                </c:pt>
+              </c:strCache>
+            </c:strRef>
+          </c:cat>
+          <c:val>
+            <c:numRef>
+              <c:f>(Avg!$B$11,Avg!$D$11:$H$11)</c:f>
+              <c:numCache>
+                <c:formatCode>General</c:formatCode>
+                <c:ptCount val="6"/>
+                <c:pt idx="0">
+                  <c:v>0.13782933354377699</c:v>
+                </c:pt>
+                <c:pt idx="1">
+                  <c:v>0.14289066443840701</c:v>
+                </c:pt>
+                <c:pt idx="2">
+                  <c:v>9.8715147972106898</c:v>
+                </c:pt>
+                <c:pt idx="3">
+                  <c:v>6.2410666296879407E-2</c:v>
+                </c:pt>
+                <c:pt idx="4">
+                  <c:v>42.378260930379206</c:v>
+                </c:pt>
+                <c:pt idx="5">
+                  <c:v>18.208384195963497</c:v>
+                </c:pt>
+              </c:numCache>
+            </c:numRef>
+          </c:val>
+        </c:ser>
+        <c:dLbls>
+          <c:showPercent val="1"/>
+        </c:dLbls>
+        <c:firstSliceAng val="0"/>
+      </c:pieChart>
+    </c:plotArea>
+    <c:legend>
+      <c:legendPos val="r"/>
+      <c:layout/>
+    </c:legend>
+    <c:plotVisOnly val="1"/>
+  </c:chart>
+  <c:txPr>
+    <a:bodyPr/>
+    <a:lstStyle/>
+    <a:p>
+      <a:pPr>
+        <a:defRPr sz="1800"/>
+      </a:pPr>
+      <a:endParaRPr lang="en-US"/>
+    </a:p>
+  </c:txPr>
+  <c:externalData r:id="rId1"/>
+</c:chartSpace>
+</file>
+
+<file path=ppt/charts/chart3.xml><?xml version="1.0" encoding="utf-8"?>
+<c:chartSpace xmlns:c="http://schemas.openxmlformats.org/drawingml/2006/chart" xmlns:a="http://schemas.openxmlformats.org/drawingml/2006/main" xmlns:r="http://schemas.openxmlformats.org/officeDocument/2006/relationships">
+  <c:lang val="en-US"/>
+  <c:chart>
+    <c:plotArea>
+      <c:layout/>
+      <c:scatterChart>
+        <c:scatterStyle val="lineMarker"/>
+        <c:ser>
+          <c:idx val="0"/>
+          <c:order val="0"/>
+          <c:tx>
+            <c:strRef>
+              <c:f>Avg!$I$1</c:f>
+              <c:strCache>
+                <c:ptCount val="1"/>
+                <c:pt idx="0">
+                  <c:v>UncompCP</c:v>
+                </c:pt>
+              </c:strCache>
+            </c:strRef>
+          </c:tx>
+          <c:spPr>
+            <a:ln w="28575">
+              <a:noFill/>
+            </a:ln>
+          </c:spPr>
+          <c:xVal>
+            <c:numRef>
+              <c:f>Avg!$C$2:$C$11</c:f>
+              <c:numCache>
+                <c:formatCode>General</c:formatCode>
+                <c:ptCount val="10"/>
+                <c:pt idx="0">
+                  <c:v>125250</c:v>
+                </c:pt>
+                <c:pt idx="1">
+                  <c:v>500500</c:v>
+                </c:pt>
+                <c:pt idx="2">
+                  <c:v>1125750</c:v>
+                </c:pt>
+                <c:pt idx="3">
+                  <c:v>2001000</c:v>
+                </c:pt>
+                <c:pt idx="4">
+                  <c:v>3126250</c:v>
+                </c:pt>
+                <c:pt idx="5">
+                  <c:v>4501500</c:v>
+                </c:pt>
+                <c:pt idx="6">
+                  <c:v>6126750</c:v>
+                </c:pt>
+                <c:pt idx="7">
+                  <c:v>8002000</c:v>
+                </c:pt>
+                <c:pt idx="8">
+                  <c:v>10127250</c:v>
+                </c:pt>
+                <c:pt idx="9">
+                  <c:v>12502500</c:v>
+                </c:pt>
+              </c:numCache>
+            </c:numRef>
+          </c:xVal>
+          <c:yVal>
+            <c:numRef>
+              <c:f>Avg!$I$2:$I$11</c:f>
+              <c:numCache>
+                <c:formatCode>General</c:formatCode>
+                <c:ptCount val="10"/>
+                <c:pt idx="0">
+                  <c:v>0.39852800468603805</c:v>
+                </c:pt>
+                <c:pt idx="1">
+                  <c:v>1.4728533228238401</c:v>
+                </c:pt>
+                <c:pt idx="2">
+                  <c:v>3.1280106703440298</c:v>
+                </c:pt>
+                <c:pt idx="3">
+                  <c:v>6.6454719702402789</c:v>
+                </c:pt>
+                <c:pt idx="4">
+                  <c:v>9.1086398760477714</c:v>
+                </c:pt>
+                <c:pt idx="5">
+                  <c:v>12.794666767120399</c:v>
+                </c:pt>
+                <c:pt idx="6">
+                  <c:v>16.983717282613092</c:v>
+                </c:pt>
+                <c:pt idx="7">
+                  <c:v>22.2352479298909</c:v>
+                </c:pt>
+                <c:pt idx="8">
+                  <c:v>28.357056299845404</c:v>
+                </c:pt>
+                <c:pt idx="9">
+                  <c:v>34.145279566446895</c:v>
+                </c:pt>
+              </c:numCache>
+            </c:numRef>
+          </c:yVal>
+        </c:ser>
+        <c:ser>
+          <c:idx val="1"/>
+          <c:order val="1"/>
+          <c:tx>
+            <c:strRef>
+              <c:f>Avg!$B$1</c:f>
+              <c:strCache>
+                <c:ptCount val="1"/>
+                <c:pt idx="0">
+                  <c:v>TimeToCP</c:v>
+                </c:pt>
+              </c:strCache>
+            </c:strRef>
+          </c:tx>
+          <c:spPr>
+            <a:ln w="28575">
+              <a:noFill/>
+            </a:ln>
+          </c:spPr>
+          <c:xVal>
+            <c:numRef>
+              <c:f>Avg!$C$2:$C$11</c:f>
+              <c:numCache>
+                <c:formatCode>General</c:formatCode>
+                <c:ptCount val="10"/>
+                <c:pt idx="0">
+                  <c:v>125250</c:v>
+                </c:pt>
+                <c:pt idx="1">
+                  <c:v>500500</c:v>
+                </c:pt>
+                <c:pt idx="2">
+                  <c:v>1125750</c:v>
+                </c:pt>
+                <c:pt idx="3">
+                  <c:v>2001000</c:v>
+                </c:pt>
+                <c:pt idx="4">
+                  <c:v>3126250</c:v>
+                </c:pt>
+                <c:pt idx="5">
+                  <c:v>4501500</c:v>
+                </c:pt>
+                <c:pt idx="6">
+                  <c:v>6126750</c:v>
+                </c:pt>
+                <c:pt idx="7">
+                  <c:v>8002000</c:v>
+                </c:pt>
+                <c:pt idx="8">
+                  <c:v>10127250</c:v>
+                </c:pt>
+                <c:pt idx="9">
+                  <c:v>12502500</c:v>
+                </c:pt>
+              </c:numCache>
+            </c:numRef>
+          </c:xVal>
+          <c:yVal>
+            <c:numRef>
+              <c:f>Avg!$B$2:$B$11</c:f>
+              <c:numCache>
+                <c:formatCode>General</c:formatCode>
+                <c:ptCount val="10"/>
+                <c:pt idx="0">
+                  <c:v>5.4560000076889999E-2</c:v>
+                </c:pt>
+                <c:pt idx="1">
+                  <c:v>6.0095999389886905E-2</c:v>
+                </c:pt>
+                <c:pt idx="2">
+                  <c:v>6.9776001075903607E-2</c:v>
+                </c:pt>
+                <c:pt idx="3">
+                  <c:v>7.8997335086266218E-2</c:v>
+                </c:pt>
+                <c:pt idx="4">
+                  <c:v>9.130133440097167E-2</c:v>
+                </c:pt>
+                <c:pt idx="5">
+                  <c:v>9.6373332043488802E-2</c:v>
+                </c:pt>
+                <c:pt idx="6">
+                  <c:v>0.10621866708000502</c:v>
+                </c:pt>
+                <c:pt idx="7">
+                  <c:v>0.11739200105269701</c:v>
+                </c:pt>
+                <c:pt idx="8">
+                  <c:v>0.12778666615486101</c:v>
+                </c:pt>
+                <c:pt idx="9">
+                  <c:v>0.13782933354377699</c:v>
+                </c:pt>
+              </c:numCache>
+            </c:numRef>
+          </c:yVal>
+        </c:ser>
+        <c:ser>
+          <c:idx val="2"/>
+          <c:order val="2"/>
+          <c:tx>
+            <c:strRef>
+              <c:f>Avg!$G$1</c:f>
+              <c:strCache>
+                <c:ptCount val="1"/>
+                <c:pt idx="0">
+                  <c:v>Stage4</c:v>
+                </c:pt>
+              </c:strCache>
+            </c:strRef>
+          </c:tx>
+          <c:spPr>
+            <a:ln w="28575">
+              <a:noFill/>
+            </a:ln>
+          </c:spPr>
+          <c:xVal>
+            <c:numRef>
+              <c:f>Avg!$C$2:$C$11</c:f>
+              <c:numCache>
+                <c:formatCode>General</c:formatCode>
+                <c:ptCount val="10"/>
+                <c:pt idx="0">
+                  <c:v>125250</c:v>
+                </c:pt>
+                <c:pt idx="1">
+                  <c:v>500500</c:v>
+                </c:pt>
+                <c:pt idx="2">
+                  <c:v>1125750</c:v>
+                </c:pt>
+                <c:pt idx="3">
+                  <c:v>2001000</c:v>
+                </c:pt>
+                <c:pt idx="4">
+                  <c:v>3126250</c:v>
+                </c:pt>
+                <c:pt idx="5">
+                  <c:v>4501500</c:v>
+                </c:pt>
+                <c:pt idx="6">
+                  <c:v>6126750</c:v>
+                </c:pt>
+                <c:pt idx="7">
+                  <c:v>8002000</c:v>
+                </c:pt>
+                <c:pt idx="8">
+                  <c:v>10127250</c:v>
+                </c:pt>
+                <c:pt idx="9">
+                  <c:v>12502500</c:v>
+                </c:pt>
+              </c:numCache>
+            </c:numRef>
+          </c:xVal>
+          <c:yVal>
+            <c:numRef>
+              <c:f>Avg!$G$2:$G$11</c:f>
+              <c:numCache>
+                <c:formatCode>General</c:formatCode>
+                <c:ptCount val="10"/>
+                <c:pt idx="0">
+                  <c:v>0.49943466484546711</c:v>
+                </c:pt>
+                <c:pt idx="1">
+                  <c:v>1.7672053376833599</c:v>
+                </c:pt>
+                <c:pt idx="2">
+                  <c:v>3.93086934089661</c:v>
+                </c:pt>
+                <c:pt idx="3">
+                  <c:v>6.9164746602376299</c:v>
+                </c:pt>
+                <c:pt idx="4">
+                  <c:v>10.716997464497901</c:v>
+                </c:pt>
+                <c:pt idx="5">
+                  <c:v>15.346575895945202</c:v>
+                </c:pt>
+                <c:pt idx="6">
+                  <c:v>20.808175722758005</c:v>
+                </c:pt>
+                <c:pt idx="7">
+                  <c:v>27.147567749023395</c:v>
+                </c:pt>
+                <c:pt idx="8">
+                  <c:v>34.334447860717788</c:v>
+                </c:pt>
+                <c:pt idx="9">
+                  <c:v>42.378260930379206</c:v>
+                </c:pt>
+              </c:numCache>
+            </c:numRef>
+          </c:yVal>
+        </c:ser>
+        <c:axId val="80709504"/>
+        <c:axId val="80711040"/>
+      </c:scatterChart>
+      <c:valAx>
+        <c:axId val="80709504"/>
+        <c:scaling>
+          <c:orientation val="minMax"/>
+        </c:scaling>
+        <c:axPos val="b"/>
+        <c:numFmt formatCode="General" sourceLinked="1"/>
+        <c:tickLblPos val="nextTo"/>
+        <c:crossAx val="80711040"/>
+        <c:crosses val="autoZero"/>
+        <c:crossBetween val="midCat"/>
+      </c:valAx>
+      <c:valAx>
+        <c:axId val="80711040"/>
+        <c:scaling>
+          <c:orientation val="minMax"/>
+        </c:scaling>
+        <c:axPos val="l"/>
+        <c:majorGridlines/>
+        <c:numFmt formatCode="General" sourceLinked="1"/>
+        <c:tickLblPos val="nextTo"/>
+        <c:crossAx val="80709504"/>
+        <c:crosses val="autoZero"/>
+        <c:crossBetween val="midCat"/>
+      </c:valAx>
+    </c:plotArea>
+    <c:legend>
+      <c:legendPos val="r"/>
+      <c:layout/>
+    </c:legend>
+    <c:plotVisOnly val="1"/>
+  </c:chart>
+  <c:externalData r:id="rId1"/>
+</c:chartSpace>
+</file>
+
 <file path=ppt/notesMasters/notesMaster1.xml><?xml version="1.0" encoding="utf-8"?>
 <p:notesMaster xmlns:a="http://schemas.openxmlformats.org/drawingml/2006/main" xmlns:r="http://schemas.openxmlformats.org/officeDocument/2006/relationships" xmlns:p="http://schemas.openxmlformats.org/presentationml/2006/main">
   <p:cSld>
@@ -201,7 +1282,7 @@
             <a:fld id="{F163637A-02D7-4023-97DD-CF65DEB05421}" type="datetimeFigureOut">
               <a:rPr lang="en-US" smtClean="0"/>
               <a:pPr/>
-              <a:t>4/10/2010</a:t>
+              <a:t>4/11/2010</a:t>
             </a:fld>
             <a:endParaRPr lang="en-US"/>
           </a:p>
@@ -549,6 +1630,580 @@
 </p:notes>
 </file>
 
+<file path=ppt/notesSlides/notesSlide10.xml><?xml version="1.0" encoding="utf-8"?>
+<p:notes xmlns:a="http://schemas.openxmlformats.org/drawingml/2006/main" xmlns:r="http://schemas.openxmlformats.org/officeDocument/2006/relationships" xmlns:p="http://schemas.openxmlformats.org/presentationml/2006/main">
+  <p:cSld>
+    <p:spTree>
+      <p:nvGrpSpPr>
+        <p:cNvPr id="1" name=""/>
+        <p:cNvGrpSpPr/>
+        <p:nvPr/>
+      </p:nvGrpSpPr>
+      <p:grpSpPr>
+        <a:xfrm>
+          <a:off x="0" y="0"/>
+          <a:ext cx="0" cy="0"/>
+          <a:chOff x="0" y="0"/>
+          <a:chExt cx="0" cy="0"/>
+        </a:xfrm>
+      </p:grpSpPr>
+      <p:sp>
+        <p:nvSpPr>
+          <p:cNvPr id="2" name="Slide Image Placeholder 1"/>
+          <p:cNvSpPr>
+            <a:spLocks noGrp="1" noRot="1" noChangeAspect="1"/>
+          </p:cNvSpPr>
+          <p:nvPr>
+            <p:ph type="sldImg"/>
+          </p:nvPr>
+        </p:nvSpPr>
+        <p:spPr/>
+      </p:sp>
+      <p:sp>
+        <p:nvSpPr>
+          <p:cNvPr id="3" name="Notes Placeholder 2"/>
+          <p:cNvSpPr>
+            <a:spLocks noGrp="1"/>
+          </p:cNvSpPr>
+          <p:nvPr>
+            <p:ph type="body" idx="1"/>
+          </p:nvPr>
+        </p:nvSpPr>
+        <p:spPr/>
+        <p:txBody>
+          <a:bodyPr>
+            <a:normAutofit/>
+          </a:bodyPr>
+          <a:lstStyle/>
+          <a:p>
+            <a:endParaRPr lang="en-US"/>
+          </a:p>
+        </p:txBody>
+      </p:sp>
+      <p:sp>
+        <p:nvSpPr>
+          <p:cNvPr id="4" name="Slide Number Placeholder 3"/>
+          <p:cNvSpPr>
+            <a:spLocks noGrp="1"/>
+          </p:cNvSpPr>
+          <p:nvPr>
+            <p:ph type="sldNum" sz="quarter" idx="10"/>
+          </p:nvPr>
+        </p:nvSpPr>
+        <p:spPr/>
+        <p:txBody>
+          <a:bodyPr/>
+          <a:lstStyle/>
+          <a:p>
+            <a:fld id="{3453FAA3-93BF-461C-86B8-11D8146ED44E}" type="slidenum">
+              <a:rPr lang="en-US" smtClean="0"/>
+              <a:pPr/>
+              <a:t>10</a:t>
+            </a:fld>
+            <a:endParaRPr lang="en-US"/>
+          </a:p>
+        </p:txBody>
+      </p:sp>
+    </p:spTree>
+  </p:cSld>
+  <p:clrMapOvr>
+    <a:masterClrMapping/>
+  </p:clrMapOvr>
+</p:notes>
+</file>
+
+<file path=ppt/notesSlides/notesSlide11.xml><?xml version="1.0" encoding="utf-8"?>
+<p:notes xmlns:a="http://schemas.openxmlformats.org/drawingml/2006/main" xmlns:r="http://schemas.openxmlformats.org/officeDocument/2006/relationships" xmlns:p="http://schemas.openxmlformats.org/presentationml/2006/main">
+  <p:cSld>
+    <p:spTree>
+      <p:nvGrpSpPr>
+        <p:cNvPr id="1" name=""/>
+        <p:cNvGrpSpPr/>
+        <p:nvPr/>
+      </p:nvGrpSpPr>
+      <p:grpSpPr>
+        <a:xfrm>
+          <a:off x="0" y="0"/>
+          <a:ext cx="0" cy="0"/>
+          <a:chOff x="0" y="0"/>
+          <a:chExt cx="0" cy="0"/>
+        </a:xfrm>
+      </p:grpSpPr>
+      <p:sp>
+        <p:nvSpPr>
+          <p:cNvPr id="2" name="Slide Image Placeholder 1"/>
+          <p:cNvSpPr>
+            <a:spLocks noGrp="1" noRot="1" noChangeAspect="1"/>
+          </p:cNvSpPr>
+          <p:nvPr>
+            <p:ph type="sldImg"/>
+          </p:nvPr>
+        </p:nvSpPr>
+        <p:spPr/>
+      </p:sp>
+      <p:sp>
+        <p:nvSpPr>
+          <p:cNvPr id="3" name="Notes Placeholder 2"/>
+          <p:cNvSpPr>
+            <a:spLocks noGrp="1"/>
+          </p:cNvSpPr>
+          <p:nvPr>
+            <p:ph type="body" idx="1"/>
+          </p:nvPr>
+        </p:nvSpPr>
+        <p:spPr/>
+        <p:txBody>
+          <a:bodyPr>
+            <a:normAutofit/>
+          </a:bodyPr>
+          <a:lstStyle/>
+          <a:p>
+            <a:endParaRPr lang="en-US"/>
+          </a:p>
+        </p:txBody>
+      </p:sp>
+      <p:sp>
+        <p:nvSpPr>
+          <p:cNvPr id="4" name="Slide Number Placeholder 3"/>
+          <p:cNvSpPr>
+            <a:spLocks noGrp="1"/>
+          </p:cNvSpPr>
+          <p:nvPr>
+            <p:ph type="sldNum" sz="quarter" idx="10"/>
+          </p:nvPr>
+        </p:nvSpPr>
+        <p:spPr/>
+        <p:txBody>
+          <a:bodyPr/>
+          <a:lstStyle/>
+          <a:p>
+            <a:fld id="{3453FAA3-93BF-461C-86B8-11D8146ED44E}" type="slidenum">
+              <a:rPr lang="en-US" smtClean="0"/>
+              <a:pPr/>
+              <a:t>11</a:t>
+            </a:fld>
+            <a:endParaRPr lang="en-US"/>
+          </a:p>
+        </p:txBody>
+      </p:sp>
+    </p:spTree>
+  </p:cSld>
+  <p:clrMapOvr>
+    <a:masterClrMapping/>
+  </p:clrMapOvr>
+</p:notes>
+</file>
+
+<file path=ppt/notesSlides/notesSlide12.xml><?xml version="1.0" encoding="utf-8"?>
+<p:notes xmlns:a="http://schemas.openxmlformats.org/drawingml/2006/main" xmlns:r="http://schemas.openxmlformats.org/officeDocument/2006/relationships" xmlns:p="http://schemas.openxmlformats.org/presentationml/2006/main">
+  <p:cSld>
+    <p:spTree>
+      <p:nvGrpSpPr>
+        <p:cNvPr id="1" name=""/>
+        <p:cNvGrpSpPr/>
+        <p:nvPr/>
+      </p:nvGrpSpPr>
+      <p:grpSpPr>
+        <a:xfrm>
+          <a:off x="0" y="0"/>
+          <a:ext cx="0" cy="0"/>
+          <a:chOff x="0" y="0"/>
+          <a:chExt cx="0" cy="0"/>
+        </a:xfrm>
+      </p:grpSpPr>
+      <p:sp>
+        <p:nvSpPr>
+          <p:cNvPr id="2" name="Slide Image Placeholder 1"/>
+          <p:cNvSpPr>
+            <a:spLocks noGrp="1" noRot="1" noChangeAspect="1"/>
+          </p:cNvSpPr>
+          <p:nvPr>
+            <p:ph type="sldImg"/>
+          </p:nvPr>
+        </p:nvSpPr>
+        <p:spPr/>
+      </p:sp>
+      <p:sp>
+        <p:nvSpPr>
+          <p:cNvPr id="3" name="Notes Placeholder 2"/>
+          <p:cNvSpPr>
+            <a:spLocks noGrp="1"/>
+          </p:cNvSpPr>
+          <p:nvPr>
+            <p:ph type="body" idx="1"/>
+          </p:nvPr>
+        </p:nvSpPr>
+        <p:spPr/>
+        <p:txBody>
+          <a:bodyPr>
+            <a:normAutofit/>
+          </a:bodyPr>
+          <a:lstStyle/>
+          <a:p>
+            <a:endParaRPr lang="en-US"/>
+          </a:p>
+        </p:txBody>
+      </p:sp>
+      <p:sp>
+        <p:nvSpPr>
+          <p:cNvPr id="4" name="Slide Number Placeholder 3"/>
+          <p:cNvSpPr>
+            <a:spLocks noGrp="1"/>
+          </p:cNvSpPr>
+          <p:nvPr>
+            <p:ph type="sldNum" sz="quarter" idx="10"/>
+          </p:nvPr>
+        </p:nvSpPr>
+        <p:spPr/>
+        <p:txBody>
+          <a:bodyPr/>
+          <a:lstStyle/>
+          <a:p>
+            <a:fld id="{3453FAA3-93BF-461C-86B8-11D8146ED44E}" type="slidenum">
+              <a:rPr lang="en-US" smtClean="0"/>
+              <a:pPr/>
+              <a:t>12</a:t>
+            </a:fld>
+            <a:endParaRPr lang="en-US"/>
+          </a:p>
+        </p:txBody>
+      </p:sp>
+    </p:spTree>
+  </p:cSld>
+  <p:clrMapOvr>
+    <a:masterClrMapping/>
+  </p:clrMapOvr>
+</p:notes>
+</file>
+
+<file path=ppt/notesSlides/notesSlide13.xml><?xml version="1.0" encoding="utf-8"?>
+<p:notes xmlns:a="http://schemas.openxmlformats.org/drawingml/2006/main" xmlns:r="http://schemas.openxmlformats.org/officeDocument/2006/relationships" xmlns:p="http://schemas.openxmlformats.org/presentationml/2006/main">
+  <p:cSld>
+    <p:spTree>
+      <p:nvGrpSpPr>
+        <p:cNvPr id="1" name=""/>
+        <p:cNvGrpSpPr/>
+        <p:nvPr/>
+      </p:nvGrpSpPr>
+      <p:grpSpPr>
+        <a:xfrm>
+          <a:off x="0" y="0"/>
+          <a:ext cx="0" cy="0"/>
+          <a:chOff x="0" y="0"/>
+          <a:chExt cx="0" cy="0"/>
+        </a:xfrm>
+      </p:grpSpPr>
+      <p:sp>
+        <p:nvSpPr>
+          <p:cNvPr id="2" name="Slide Image Placeholder 1"/>
+          <p:cNvSpPr>
+            <a:spLocks noGrp="1" noRot="1" noChangeAspect="1"/>
+          </p:cNvSpPr>
+          <p:nvPr>
+            <p:ph type="sldImg"/>
+          </p:nvPr>
+        </p:nvSpPr>
+        <p:spPr/>
+      </p:sp>
+      <p:sp>
+        <p:nvSpPr>
+          <p:cNvPr id="3" name="Notes Placeholder 2"/>
+          <p:cNvSpPr>
+            <a:spLocks noGrp="1"/>
+          </p:cNvSpPr>
+          <p:nvPr>
+            <p:ph type="body" idx="1"/>
+          </p:nvPr>
+        </p:nvSpPr>
+        <p:spPr/>
+        <p:txBody>
+          <a:bodyPr>
+            <a:normAutofit/>
+          </a:bodyPr>
+          <a:lstStyle/>
+          <a:p>
+            <a:endParaRPr lang="en-US"/>
+          </a:p>
+        </p:txBody>
+      </p:sp>
+      <p:sp>
+        <p:nvSpPr>
+          <p:cNvPr id="4" name="Slide Number Placeholder 3"/>
+          <p:cNvSpPr>
+            <a:spLocks noGrp="1"/>
+          </p:cNvSpPr>
+          <p:nvPr>
+            <p:ph type="sldNum" sz="quarter" idx="10"/>
+          </p:nvPr>
+        </p:nvSpPr>
+        <p:spPr/>
+        <p:txBody>
+          <a:bodyPr/>
+          <a:lstStyle/>
+          <a:p>
+            <a:fld id="{3453FAA3-93BF-461C-86B8-11D8146ED44E}" type="slidenum">
+              <a:rPr lang="en-US" smtClean="0"/>
+              <a:pPr/>
+              <a:t>13</a:t>
+            </a:fld>
+            <a:endParaRPr lang="en-US"/>
+          </a:p>
+        </p:txBody>
+      </p:sp>
+    </p:spTree>
+  </p:cSld>
+  <p:clrMapOvr>
+    <a:masterClrMapping/>
+  </p:clrMapOvr>
+</p:notes>
+</file>
+
+<file path=ppt/notesSlides/notesSlide14.xml><?xml version="1.0" encoding="utf-8"?>
+<p:notes xmlns:a="http://schemas.openxmlformats.org/drawingml/2006/main" xmlns:r="http://schemas.openxmlformats.org/officeDocument/2006/relationships" xmlns:p="http://schemas.openxmlformats.org/presentationml/2006/main">
+  <p:cSld>
+    <p:spTree>
+      <p:nvGrpSpPr>
+        <p:cNvPr id="1" name=""/>
+        <p:cNvGrpSpPr/>
+        <p:nvPr/>
+      </p:nvGrpSpPr>
+      <p:grpSpPr>
+        <a:xfrm>
+          <a:off x="0" y="0"/>
+          <a:ext cx="0" cy="0"/>
+          <a:chOff x="0" y="0"/>
+          <a:chExt cx="0" cy="0"/>
+        </a:xfrm>
+      </p:grpSpPr>
+      <p:sp>
+        <p:nvSpPr>
+          <p:cNvPr id="2" name="Slide Image Placeholder 1"/>
+          <p:cNvSpPr>
+            <a:spLocks noGrp="1" noRot="1" noChangeAspect="1"/>
+          </p:cNvSpPr>
+          <p:nvPr>
+            <p:ph type="sldImg"/>
+          </p:nvPr>
+        </p:nvSpPr>
+        <p:spPr/>
+      </p:sp>
+      <p:sp>
+        <p:nvSpPr>
+          <p:cNvPr id="3" name="Notes Placeholder 2"/>
+          <p:cNvSpPr>
+            <a:spLocks noGrp="1"/>
+          </p:cNvSpPr>
+          <p:nvPr>
+            <p:ph type="body" idx="1"/>
+          </p:nvPr>
+        </p:nvSpPr>
+        <p:spPr/>
+        <p:txBody>
+          <a:bodyPr>
+            <a:normAutofit/>
+          </a:bodyPr>
+          <a:lstStyle/>
+          <a:p>
+            <a:endParaRPr lang="en-US" dirty="0"/>
+          </a:p>
+        </p:txBody>
+      </p:sp>
+      <p:sp>
+        <p:nvSpPr>
+          <p:cNvPr id="4" name="Slide Number Placeholder 3"/>
+          <p:cNvSpPr>
+            <a:spLocks noGrp="1"/>
+          </p:cNvSpPr>
+          <p:nvPr>
+            <p:ph type="sldNum" sz="quarter" idx="10"/>
+          </p:nvPr>
+        </p:nvSpPr>
+        <p:spPr/>
+        <p:txBody>
+          <a:bodyPr/>
+          <a:lstStyle/>
+          <a:p>
+            <a:fld id="{3453FAA3-93BF-461C-86B8-11D8146ED44E}" type="slidenum">
+              <a:rPr lang="en-US" smtClean="0"/>
+              <a:pPr/>
+              <a:t>14</a:t>
+            </a:fld>
+            <a:endParaRPr lang="en-US"/>
+          </a:p>
+        </p:txBody>
+      </p:sp>
+    </p:spTree>
+  </p:cSld>
+  <p:clrMapOvr>
+    <a:masterClrMapping/>
+  </p:clrMapOvr>
+</p:notes>
+</file>
+
+<file path=ppt/notesSlides/notesSlide15.xml><?xml version="1.0" encoding="utf-8"?>
+<p:notes xmlns:a="http://schemas.openxmlformats.org/drawingml/2006/main" xmlns:r="http://schemas.openxmlformats.org/officeDocument/2006/relationships" xmlns:p="http://schemas.openxmlformats.org/presentationml/2006/main">
+  <p:cSld>
+    <p:spTree>
+      <p:nvGrpSpPr>
+        <p:cNvPr id="1" name=""/>
+        <p:cNvGrpSpPr/>
+        <p:nvPr/>
+      </p:nvGrpSpPr>
+      <p:grpSpPr>
+        <a:xfrm>
+          <a:off x="0" y="0"/>
+          <a:ext cx="0" cy="0"/>
+          <a:chOff x="0" y="0"/>
+          <a:chExt cx="0" cy="0"/>
+        </a:xfrm>
+      </p:grpSpPr>
+      <p:sp>
+        <p:nvSpPr>
+          <p:cNvPr id="2" name="Slide Image Placeholder 1"/>
+          <p:cNvSpPr>
+            <a:spLocks noGrp="1" noRot="1" noChangeAspect="1"/>
+          </p:cNvSpPr>
+          <p:nvPr>
+            <p:ph type="sldImg"/>
+          </p:nvPr>
+        </p:nvSpPr>
+        <p:spPr/>
+      </p:sp>
+      <p:sp>
+        <p:nvSpPr>
+          <p:cNvPr id="3" name="Notes Placeholder 2"/>
+          <p:cNvSpPr>
+            <a:spLocks noGrp="1"/>
+          </p:cNvSpPr>
+          <p:nvPr>
+            <p:ph type="body" idx="1"/>
+          </p:nvPr>
+        </p:nvSpPr>
+        <p:spPr/>
+        <p:txBody>
+          <a:bodyPr>
+            <a:normAutofit/>
+          </a:bodyPr>
+          <a:lstStyle/>
+          <a:p>
+            <a:endParaRPr lang="en-US"/>
+          </a:p>
+        </p:txBody>
+      </p:sp>
+      <p:sp>
+        <p:nvSpPr>
+          <p:cNvPr id="4" name="Slide Number Placeholder 3"/>
+          <p:cNvSpPr>
+            <a:spLocks noGrp="1"/>
+          </p:cNvSpPr>
+          <p:nvPr>
+            <p:ph type="sldNum" sz="quarter" idx="10"/>
+          </p:nvPr>
+        </p:nvSpPr>
+        <p:spPr/>
+        <p:txBody>
+          <a:bodyPr/>
+          <a:lstStyle/>
+          <a:p>
+            <a:fld id="{B0511807-729B-42C4-AFF6-2A42C2749713}" type="slidenum">
+              <a:rPr lang="en-US" smtClean="0"/>
+              <a:pPr/>
+              <a:t>15</a:t>
+            </a:fld>
+            <a:endParaRPr lang="en-US"/>
+          </a:p>
+        </p:txBody>
+      </p:sp>
+    </p:spTree>
+  </p:cSld>
+  <p:clrMapOvr>
+    <a:masterClrMapping/>
+  </p:clrMapOvr>
+</p:notes>
+</file>
+
+<file path=ppt/notesSlides/notesSlide16.xml><?xml version="1.0" encoding="utf-8"?>
+<p:notes xmlns:a="http://schemas.openxmlformats.org/drawingml/2006/main" xmlns:r="http://schemas.openxmlformats.org/officeDocument/2006/relationships" xmlns:p="http://schemas.openxmlformats.org/presentationml/2006/main">
+  <p:cSld>
+    <p:spTree>
+      <p:nvGrpSpPr>
+        <p:cNvPr id="1" name=""/>
+        <p:cNvGrpSpPr/>
+        <p:nvPr/>
+      </p:nvGrpSpPr>
+      <p:grpSpPr>
+        <a:xfrm>
+          <a:off x="0" y="0"/>
+          <a:ext cx="0" cy="0"/>
+          <a:chOff x="0" y="0"/>
+          <a:chExt cx="0" cy="0"/>
+        </a:xfrm>
+      </p:grpSpPr>
+      <p:sp>
+        <p:nvSpPr>
+          <p:cNvPr id="2" name="Slide Image Placeholder 1"/>
+          <p:cNvSpPr>
+            <a:spLocks noGrp="1" noRot="1" noChangeAspect="1"/>
+          </p:cNvSpPr>
+          <p:nvPr>
+            <p:ph type="sldImg"/>
+          </p:nvPr>
+        </p:nvSpPr>
+        <p:spPr/>
+      </p:sp>
+      <p:sp>
+        <p:nvSpPr>
+          <p:cNvPr id="3" name="Notes Placeholder 2"/>
+          <p:cNvSpPr>
+            <a:spLocks noGrp="1"/>
+          </p:cNvSpPr>
+          <p:nvPr>
+            <p:ph type="body" idx="1"/>
+          </p:nvPr>
+        </p:nvSpPr>
+        <p:spPr/>
+        <p:txBody>
+          <a:bodyPr>
+            <a:normAutofit/>
+          </a:bodyPr>
+          <a:lstStyle/>
+          <a:p>
+            <a:endParaRPr lang="en-US"/>
+          </a:p>
+        </p:txBody>
+      </p:sp>
+      <p:sp>
+        <p:nvSpPr>
+          <p:cNvPr id="4" name="Slide Number Placeholder 3"/>
+          <p:cNvSpPr>
+            <a:spLocks noGrp="1"/>
+          </p:cNvSpPr>
+          <p:nvPr>
+            <p:ph type="sldNum" sz="quarter" idx="10"/>
+          </p:nvPr>
+        </p:nvSpPr>
+        <p:spPr/>
+        <p:txBody>
+          <a:bodyPr/>
+          <a:lstStyle/>
+          <a:p>
+            <a:fld id="{B0511807-729B-42C4-AFF6-2A42C2749713}" type="slidenum">
+              <a:rPr lang="en-US" smtClean="0"/>
+              <a:pPr/>
+              <a:t>16</a:t>
+            </a:fld>
+            <a:endParaRPr lang="en-US"/>
+          </a:p>
+        </p:txBody>
+      </p:sp>
+    </p:spTree>
+  </p:cSld>
+  <p:clrMapOvr>
+    <a:masterClrMapping/>
+  </p:clrMapOvr>
+</p:notes>
+</file>
+
 <file path=ppt/notesSlides/notesSlide2.xml><?xml version="1.0" encoding="utf-8"?>
 <p:notes xmlns:a="http://schemas.openxmlformats.org/drawingml/2006/main" xmlns:r="http://schemas.openxmlformats.org/officeDocument/2006/relationships" xmlns:p="http://schemas.openxmlformats.org/presentationml/2006/main">
   <p:cSld>
@@ -1169,7 +2824,7 @@
           </a:bodyPr>
           <a:lstStyle/>
           <a:p>
-            <a:endParaRPr lang="en-US" dirty="0"/>
+            <a:endParaRPr lang="en-US"/>
           </a:p>
         </p:txBody>
       </p:sp>
@@ -1379,7 +3034,7 @@
             <a:fld id="{EF34DA83-6693-45CD-B904-8651ED07B240}" type="datetimeFigureOut">
               <a:rPr lang="en-US" smtClean="0"/>
               <a:pPr/>
-              <a:t>4/10/2010</a:t>
+              <a:t>4/11/2010</a:t>
             </a:fld>
             <a:endParaRPr lang="en-US"/>
           </a:p>
@@ -1546,7 +3201,7 @@
             <a:fld id="{EF34DA83-6693-45CD-B904-8651ED07B240}" type="datetimeFigureOut">
               <a:rPr lang="en-US" smtClean="0"/>
               <a:pPr/>
-              <a:t>4/10/2010</a:t>
+              <a:t>4/11/2010</a:t>
             </a:fld>
             <a:endParaRPr lang="en-US"/>
           </a:p>
@@ -1723,7 +3378,7 @@
             <a:fld id="{EF34DA83-6693-45CD-B904-8651ED07B240}" type="datetimeFigureOut">
               <a:rPr lang="en-US" smtClean="0"/>
               <a:pPr/>
-              <a:t>4/10/2010</a:t>
+              <a:t>4/11/2010</a:t>
             </a:fld>
             <a:endParaRPr lang="en-US"/>
           </a:p>
@@ -1890,7 +3545,7 @@
             <a:fld id="{EF34DA83-6693-45CD-B904-8651ED07B240}" type="datetimeFigureOut">
               <a:rPr lang="en-US" smtClean="0"/>
               <a:pPr/>
-              <a:t>4/10/2010</a:t>
+              <a:t>4/11/2010</a:t>
             </a:fld>
             <a:endParaRPr lang="en-US"/>
           </a:p>
@@ -2134,7 +3789,7 @@
             <a:fld id="{EF34DA83-6693-45CD-B904-8651ED07B240}" type="datetimeFigureOut">
               <a:rPr lang="en-US" smtClean="0"/>
               <a:pPr/>
-              <a:t>4/10/2010</a:t>
+              <a:t>4/11/2010</a:t>
             </a:fld>
             <a:endParaRPr lang="en-US"/>
           </a:p>
@@ -2400,7 +4055,7 @@
             <a:fld id="{EF34DA83-6693-45CD-B904-8651ED07B240}" type="datetimeFigureOut">
               <a:rPr lang="en-US" smtClean="0"/>
               <a:pPr/>
-              <a:t>4/10/2010</a:t>
+              <a:t>4/11/2010</a:t>
             </a:fld>
             <a:endParaRPr lang="en-US"/>
           </a:p>
@@ -2780,7 +4435,7 @@
             <a:fld id="{EF34DA83-6693-45CD-B904-8651ED07B240}" type="datetimeFigureOut">
               <a:rPr lang="en-US" smtClean="0"/>
               <a:pPr/>
-              <a:t>4/10/2010</a:t>
+              <a:t>4/11/2010</a:t>
             </a:fld>
             <a:endParaRPr lang="en-US"/>
           </a:p>
@@ -2932,7 +4587,7 @@
             <a:fld id="{EF34DA83-6693-45CD-B904-8651ED07B240}" type="datetimeFigureOut">
               <a:rPr lang="en-US" smtClean="0"/>
               <a:pPr/>
-              <a:t>4/10/2010</a:t>
+              <a:t>4/11/2010</a:t>
             </a:fld>
             <a:endParaRPr lang="en-US"/>
           </a:p>
@@ -3024,7 +4679,7 @@
             <a:fld id="{EF34DA83-6693-45CD-B904-8651ED07B240}" type="datetimeFigureOut">
               <a:rPr lang="en-US" smtClean="0"/>
               <a:pPr/>
-              <a:t>4/10/2010</a:t>
+              <a:t>4/11/2010</a:t>
             </a:fld>
             <a:endParaRPr lang="en-US"/>
           </a:p>
@@ -3287,7 +4942,7 @@
             <a:fld id="{EF34DA83-6693-45CD-B904-8651ED07B240}" type="datetimeFigureOut">
               <a:rPr lang="en-US" smtClean="0"/>
               <a:pPr/>
-              <a:t>4/10/2010</a:t>
+              <a:t>4/11/2010</a:t>
             </a:fld>
             <a:endParaRPr lang="en-US"/>
           </a:p>
@@ -3577,7 +5232,7 @@
             <a:fld id="{EF34DA83-6693-45CD-B904-8651ED07B240}" type="datetimeFigureOut">
               <a:rPr lang="en-US" smtClean="0"/>
               <a:pPr/>
-              <a:t>4/10/2010</a:t>
+              <a:t>4/11/2010</a:t>
             </a:fld>
             <a:endParaRPr lang="en-US"/>
           </a:p>
@@ -4350,7 +6005,7 @@
             <a:fld id="{EF34DA83-6693-45CD-B904-8651ED07B240}" type="datetimeFigureOut">
               <a:rPr lang="en-US" smtClean="0"/>
               <a:pPr/>
-              <a:t>4/10/2010</a:t>
+              <a:t>4/11/2010</a:t>
             </a:fld>
             <a:endParaRPr lang="en-US"/>
           </a:p>
@@ -5024,6 +6679,642 @@
   <p:clrMapOvr>
     <a:masterClrMapping/>
   </p:clrMapOvr>
+  <p:timing>
+    <p:tnLst>
+      <p:par>
+        <p:cTn id="1" dur="indefinite" restart="never" nodeType="tmRoot"/>
+      </p:par>
+    </p:tnLst>
+  </p:timing>
+</p:sld>
+</file>
+
+<file path=ppt/slides/slide10.xml><?xml version="1.0" encoding="utf-8"?>
+<p:sld xmlns:a="http://schemas.openxmlformats.org/drawingml/2006/main" xmlns:r="http://schemas.openxmlformats.org/officeDocument/2006/relationships" xmlns:p="http://schemas.openxmlformats.org/presentationml/2006/main">
+  <p:cSld>
+    <p:spTree>
+      <p:nvGrpSpPr>
+        <p:cNvPr id="1" name=""/>
+        <p:cNvGrpSpPr/>
+        <p:nvPr/>
+      </p:nvGrpSpPr>
+      <p:grpSpPr>
+        <a:xfrm>
+          <a:off x="0" y="0"/>
+          <a:ext cx="0" cy="0"/>
+          <a:chOff x="0" y="0"/>
+          <a:chExt cx="0" cy="0"/>
+        </a:xfrm>
+      </p:grpSpPr>
+      <p:sp>
+        <p:nvSpPr>
+          <p:cNvPr id="2" name="Title 1"/>
+          <p:cNvSpPr>
+            <a:spLocks noGrp="1"/>
+          </p:cNvSpPr>
+          <p:nvPr>
+            <p:ph type="title"/>
+          </p:nvPr>
+        </p:nvSpPr>
+        <p:spPr/>
+        <p:txBody>
+          <a:bodyPr/>
+          <a:lstStyle/>
+          <a:p>
+            <a:endParaRPr lang="en-US"/>
+          </a:p>
+        </p:txBody>
+      </p:sp>
+      <p:graphicFrame>
+        <p:nvGraphicFramePr>
+          <p:cNvPr id="4" name="Content Placeholder 3"/>
+          <p:cNvGraphicFramePr>
+            <a:graphicFrameLocks noGrp="1"/>
+          </p:cNvGraphicFramePr>
+          <p:nvPr>
+            <p:ph idx="1"/>
+          </p:nvPr>
+        </p:nvGraphicFramePr>
+        <p:xfrm>
+          <a:off x="457200" y="1935163"/>
+          <a:ext cx="8229600" cy="4389437"/>
+        </p:xfrm>
+        <a:graphic>
+          <a:graphicData uri="http://schemas.openxmlformats.org/drawingml/2006/chart">
+            <c:chart xmlns:c="http://schemas.openxmlformats.org/drawingml/2006/chart" xmlns:r="http://schemas.openxmlformats.org/officeDocument/2006/relationships" r:id="rId3"/>
+          </a:graphicData>
+        </a:graphic>
+      </p:graphicFrame>
+    </p:spTree>
+  </p:cSld>
+  <p:clrMapOvr>
+    <a:masterClrMapping/>
+  </p:clrMapOvr>
+  <p:timing>
+    <p:tnLst>
+      <p:par>
+        <p:cTn id="1" dur="indefinite" restart="never" nodeType="tmRoot"/>
+      </p:par>
+    </p:tnLst>
+  </p:timing>
+</p:sld>
+</file>
+
+<file path=ppt/slides/slide11.xml><?xml version="1.0" encoding="utf-8"?>
+<p:sld xmlns:a="http://schemas.openxmlformats.org/drawingml/2006/main" xmlns:r="http://schemas.openxmlformats.org/officeDocument/2006/relationships" xmlns:p="http://schemas.openxmlformats.org/presentationml/2006/main">
+  <p:cSld>
+    <p:spTree>
+      <p:nvGrpSpPr>
+        <p:cNvPr id="1" name=""/>
+        <p:cNvGrpSpPr/>
+        <p:nvPr/>
+      </p:nvGrpSpPr>
+      <p:grpSpPr>
+        <a:xfrm>
+          <a:off x="0" y="0"/>
+          <a:ext cx="0" cy="0"/>
+          <a:chOff x="0" y="0"/>
+          <a:chExt cx="0" cy="0"/>
+        </a:xfrm>
+      </p:grpSpPr>
+      <p:sp>
+        <p:nvSpPr>
+          <p:cNvPr id="2" name="Title 1"/>
+          <p:cNvSpPr>
+            <a:spLocks noGrp="1"/>
+          </p:cNvSpPr>
+          <p:nvPr>
+            <p:ph type="title"/>
+          </p:nvPr>
+        </p:nvSpPr>
+        <p:spPr/>
+        <p:txBody>
+          <a:bodyPr/>
+          <a:lstStyle/>
+          <a:p>
+            <a:endParaRPr lang="en-US" dirty="0"/>
+          </a:p>
+        </p:txBody>
+      </p:sp>
+      <p:graphicFrame>
+        <p:nvGraphicFramePr>
+          <p:cNvPr id="4" name="Content Placeholder 3"/>
+          <p:cNvGraphicFramePr>
+            <a:graphicFrameLocks noGrp="1"/>
+          </p:cNvGraphicFramePr>
+          <p:nvPr>
+            <p:ph idx="1"/>
+          </p:nvPr>
+        </p:nvGraphicFramePr>
+        <p:xfrm>
+          <a:off x="457200" y="1935163"/>
+          <a:ext cx="8229600" cy="4389437"/>
+        </p:xfrm>
+        <a:graphic>
+          <a:graphicData uri="http://schemas.openxmlformats.org/drawingml/2006/chart">
+            <c:chart xmlns:c="http://schemas.openxmlformats.org/drawingml/2006/chart" xmlns:r="http://schemas.openxmlformats.org/officeDocument/2006/relationships" r:id="rId3"/>
+          </a:graphicData>
+        </a:graphic>
+      </p:graphicFrame>
+    </p:spTree>
+  </p:cSld>
+  <p:clrMapOvr>
+    <a:masterClrMapping/>
+  </p:clrMapOvr>
+  <p:timing>
+    <p:tnLst>
+      <p:par>
+        <p:cTn id="1" dur="indefinite" restart="never" nodeType="tmRoot"/>
+      </p:par>
+    </p:tnLst>
+  </p:timing>
+</p:sld>
+</file>
+
+<file path=ppt/slides/slide12.xml><?xml version="1.0" encoding="utf-8"?>
+<p:sld xmlns:a="http://schemas.openxmlformats.org/drawingml/2006/main" xmlns:r="http://schemas.openxmlformats.org/officeDocument/2006/relationships" xmlns:p="http://schemas.openxmlformats.org/presentationml/2006/main">
+  <p:cSld>
+    <p:spTree>
+      <p:nvGrpSpPr>
+        <p:cNvPr id="1" name=""/>
+        <p:cNvGrpSpPr/>
+        <p:nvPr/>
+      </p:nvGrpSpPr>
+      <p:grpSpPr>
+        <a:xfrm>
+          <a:off x="0" y="0"/>
+          <a:ext cx="0" cy="0"/>
+          <a:chOff x="0" y="0"/>
+          <a:chExt cx="0" cy="0"/>
+        </a:xfrm>
+      </p:grpSpPr>
+      <p:sp>
+        <p:nvSpPr>
+          <p:cNvPr id="2" name="Title 1"/>
+          <p:cNvSpPr>
+            <a:spLocks noGrp="1"/>
+          </p:cNvSpPr>
+          <p:nvPr>
+            <p:ph type="title"/>
+          </p:nvPr>
+        </p:nvSpPr>
+        <p:spPr/>
+        <p:txBody>
+          <a:bodyPr/>
+          <a:lstStyle/>
+          <a:p>
+            <a:endParaRPr lang="en-US"/>
+          </a:p>
+        </p:txBody>
+      </p:sp>
+      <p:graphicFrame>
+        <p:nvGraphicFramePr>
+          <p:cNvPr id="4" name="Content Placeholder 3"/>
+          <p:cNvGraphicFramePr>
+            <a:graphicFrameLocks noGrp="1"/>
+          </p:cNvGraphicFramePr>
+          <p:nvPr>
+            <p:ph idx="1"/>
+          </p:nvPr>
+        </p:nvGraphicFramePr>
+        <p:xfrm>
+          <a:off x="457200" y="1935163"/>
+          <a:ext cx="8229600" cy="4389437"/>
+        </p:xfrm>
+        <a:graphic>
+          <a:graphicData uri="http://schemas.openxmlformats.org/drawingml/2006/chart">
+            <c:chart xmlns:c="http://schemas.openxmlformats.org/drawingml/2006/chart" xmlns:r="http://schemas.openxmlformats.org/officeDocument/2006/relationships" r:id="rId3"/>
+          </a:graphicData>
+        </a:graphic>
+      </p:graphicFrame>
+    </p:spTree>
+  </p:cSld>
+  <p:clrMapOvr>
+    <a:masterClrMapping/>
+  </p:clrMapOvr>
+  <p:timing>
+    <p:tnLst>
+      <p:par>
+        <p:cTn id="1" dur="indefinite" restart="never" nodeType="tmRoot"/>
+      </p:par>
+    </p:tnLst>
+  </p:timing>
+</p:sld>
+</file>
+
+<file path=ppt/slides/slide13.xml><?xml version="1.0" encoding="utf-8"?>
+<p:sld xmlns:a="http://schemas.openxmlformats.org/drawingml/2006/main" xmlns:r="http://schemas.openxmlformats.org/officeDocument/2006/relationships" xmlns:p="http://schemas.openxmlformats.org/presentationml/2006/main">
+  <p:cSld>
+    <p:spTree>
+      <p:nvGrpSpPr>
+        <p:cNvPr id="1" name=""/>
+        <p:cNvGrpSpPr/>
+        <p:nvPr/>
+      </p:nvGrpSpPr>
+      <p:grpSpPr>
+        <a:xfrm>
+          <a:off x="0" y="0"/>
+          <a:ext cx="0" cy="0"/>
+          <a:chOff x="0" y="0"/>
+          <a:chExt cx="0" cy="0"/>
+        </a:xfrm>
+      </p:grpSpPr>
+      <p:sp>
+        <p:nvSpPr>
+          <p:cNvPr id="2" name="Title 1"/>
+          <p:cNvSpPr>
+            <a:spLocks noGrp="1"/>
+          </p:cNvSpPr>
+          <p:nvPr>
+            <p:ph type="title"/>
+          </p:nvPr>
+        </p:nvSpPr>
+        <p:spPr/>
+        <p:txBody>
+          <a:bodyPr/>
+          <a:lstStyle/>
+          <a:p>
+            <a:r>
+              <a:rPr lang="en-US" dirty="0" smtClean="0"/>
+              <a:t>Conclusions</a:t>
+            </a:r>
+            <a:endParaRPr lang="en-US" dirty="0"/>
+          </a:p>
+        </p:txBody>
+      </p:sp>
+      <p:sp>
+        <p:nvSpPr>
+          <p:cNvPr id="3" name="Content Placeholder 2"/>
+          <p:cNvSpPr>
+            <a:spLocks noGrp="1"/>
+          </p:cNvSpPr>
+          <p:nvPr>
+            <p:ph idx="1"/>
+          </p:nvPr>
+        </p:nvSpPr>
+        <p:spPr/>
+        <p:txBody>
+          <a:bodyPr/>
+          <a:lstStyle/>
+          <a:p>
+            <a:endParaRPr lang="en-US" dirty="0"/>
+          </a:p>
+        </p:txBody>
+      </p:sp>
+    </p:spTree>
+  </p:cSld>
+  <p:clrMapOvr>
+    <a:masterClrMapping/>
+  </p:clrMapOvr>
+</p:sld>
+</file>
+
+<file path=ppt/slides/slide14.xml><?xml version="1.0" encoding="utf-8"?>
+<p:sld xmlns:a="http://schemas.openxmlformats.org/drawingml/2006/main" xmlns:r="http://schemas.openxmlformats.org/officeDocument/2006/relationships" xmlns:p="http://schemas.openxmlformats.org/presentationml/2006/main">
+  <p:cSld>
+    <p:spTree>
+      <p:nvGrpSpPr>
+        <p:cNvPr id="1" name=""/>
+        <p:cNvGrpSpPr/>
+        <p:nvPr/>
+      </p:nvGrpSpPr>
+      <p:grpSpPr>
+        <a:xfrm>
+          <a:off x="0" y="0"/>
+          <a:ext cx="0" cy="0"/>
+          <a:chOff x="0" y="0"/>
+          <a:chExt cx="0" cy="0"/>
+        </a:xfrm>
+      </p:grpSpPr>
+      <p:sp>
+        <p:nvSpPr>
+          <p:cNvPr id="2" name="Title 1"/>
+          <p:cNvSpPr>
+            <a:spLocks noGrp="1"/>
+          </p:cNvSpPr>
+          <p:nvPr>
+            <p:ph type="title"/>
+          </p:nvPr>
+        </p:nvSpPr>
+        <p:spPr/>
+        <p:txBody>
+          <a:bodyPr/>
+          <a:lstStyle/>
+          <a:p>
+            <a:r>
+              <a:rPr lang="en-US" dirty="0" smtClean="0"/>
+              <a:t>Future Work</a:t>
+            </a:r>
+            <a:endParaRPr lang="en-US" dirty="0"/>
+          </a:p>
+        </p:txBody>
+      </p:sp>
+      <p:sp>
+        <p:nvSpPr>
+          <p:cNvPr id="3" name="Content Placeholder 2"/>
+          <p:cNvSpPr>
+            <a:spLocks noGrp="1"/>
+          </p:cNvSpPr>
+          <p:nvPr>
+            <p:ph idx="1"/>
+          </p:nvPr>
+        </p:nvSpPr>
+        <p:spPr/>
+        <p:txBody>
+          <a:bodyPr/>
+          <a:lstStyle/>
+          <a:p>
+            <a:r>
+              <a:rPr lang="en-US" dirty="0" smtClean="0"/>
+              <a:t>Plans to do more testing with </a:t>
+            </a:r>
+            <a:r>
+              <a:rPr lang="en-US" dirty="0" smtClean="0"/>
+              <a:t>more complex attribute value types.</a:t>
+            </a:r>
+          </a:p>
+          <a:p>
+            <a:r>
+              <a:rPr lang="en-US" dirty="0" smtClean="0"/>
+              <a:t>Investigate further what is wrong with stage 4.</a:t>
+            </a:r>
+          </a:p>
+          <a:p>
+            <a:r>
+              <a:rPr lang="en-US" dirty="0" smtClean="0"/>
+              <a:t>Build other types of compressed projection indices</a:t>
+            </a:r>
+            <a:endParaRPr lang="en-US" dirty="0" smtClean="0"/>
+          </a:p>
+          <a:p>
+            <a:r>
+              <a:rPr lang="en-US" dirty="0" smtClean="0"/>
+              <a:t>Might want to look at using Texture memory for reads from </a:t>
+            </a:r>
+            <a:r>
+              <a:rPr lang="en-US" dirty="0" smtClean="0"/>
+              <a:t>S.</a:t>
+            </a:r>
+            <a:endParaRPr lang="en-US" dirty="0" smtClean="0"/>
+          </a:p>
+          <a:p>
+            <a:r>
+              <a:rPr lang="en-US" dirty="0" smtClean="0"/>
+              <a:t>Dr. Aubanel’s </a:t>
+            </a:r>
+            <a:r>
+              <a:rPr lang="en-US" dirty="0" smtClean="0"/>
+              <a:t>Machine</a:t>
+            </a:r>
+          </a:p>
+          <a:p>
+            <a:endParaRPr lang="en-US" dirty="0" smtClean="0"/>
+          </a:p>
+          <a:p>
+            <a:endParaRPr lang="en-US" dirty="0"/>
+          </a:p>
+        </p:txBody>
+      </p:sp>
+    </p:spTree>
+  </p:cSld>
+  <p:clrMapOvr>
+    <a:masterClrMapping/>
+  </p:clrMapOvr>
+  <p:timing>
+    <p:tnLst>
+      <p:par>
+        <p:cTn id="1" dur="indefinite" restart="never" nodeType="tmRoot"/>
+      </p:par>
+    </p:tnLst>
+  </p:timing>
+</p:sld>
+</file>
+
+<file path=ppt/slides/slide15.xml><?xml version="1.0" encoding="utf-8"?>
+<p:sld xmlns:a="http://schemas.openxmlformats.org/drawingml/2006/main" xmlns:r="http://schemas.openxmlformats.org/officeDocument/2006/relationships" xmlns:p="http://schemas.openxmlformats.org/presentationml/2006/main">
+  <p:cSld>
+    <p:spTree>
+      <p:nvGrpSpPr>
+        <p:cNvPr id="1" name=""/>
+        <p:cNvGrpSpPr/>
+        <p:nvPr/>
+      </p:nvGrpSpPr>
+      <p:grpSpPr>
+        <a:xfrm>
+          <a:off x="0" y="0"/>
+          <a:ext cx="0" cy="0"/>
+          <a:chOff x="0" y="0"/>
+          <a:chExt cx="0" cy="0"/>
+        </a:xfrm>
+      </p:grpSpPr>
+      <p:sp>
+        <p:nvSpPr>
+          <p:cNvPr id="2" name="Title 1"/>
+          <p:cNvSpPr>
+            <a:spLocks noGrp="1"/>
+          </p:cNvSpPr>
+          <p:nvPr>
+            <p:ph type="title"/>
+          </p:nvPr>
+        </p:nvSpPr>
+        <p:spPr/>
+        <p:txBody>
+          <a:bodyPr/>
+          <a:lstStyle/>
+          <a:p>
+            <a:r>
+              <a:rPr lang="en-US" dirty="0" smtClean="0"/>
+              <a:t>References</a:t>
+            </a:r>
+            <a:endParaRPr lang="en-US" dirty="0"/>
+          </a:p>
+        </p:txBody>
+      </p:sp>
+      <p:sp>
+        <p:nvSpPr>
+          <p:cNvPr id="3" name="Content Placeholder 2"/>
+          <p:cNvSpPr>
+            <a:spLocks noGrp="1"/>
+          </p:cNvSpPr>
+          <p:nvPr>
+            <p:ph idx="1"/>
+          </p:nvPr>
+        </p:nvSpPr>
+        <p:spPr/>
+        <p:txBody>
+          <a:bodyPr>
+            <a:normAutofit/>
+          </a:bodyPr>
+          <a:lstStyle/>
+          <a:p>
+            <a:r>
+              <a:rPr lang="en-US" dirty="0" err="1" smtClean="0"/>
+              <a:t>Gosink</a:t>
+            </a:r>
+            <a:r>
+              <a:rPr lang="en-US" dirty="0" smtClean="0"/>
+              <a:t>, L., </a:t>
+            </a:r>
+            <a:r>
+              <a:rPr lang="en-US" dirty="0" err="1" smtClean="0"/>
+              <a:t>Kesheng</a:t>
+            </a:r>
+            <a:r>
+              <a:rPr lang="en-US" dirty="0" smtClean="0"/>
+              <a:t> Wu, E. Wes Bethel, John D. Owens, Kenneth I. Joy: Data Parallel Bin-Based Indexing for Answering Queries on Multi-core Architectures. SSDBM 2009: 110-129</a:t>
+            </a:r>
+          </a:p>
+          <a:p>
+            <a:r>
+              <a:rPr lang="en-US" dirty="0" smtClean="0"/>
+              <a:t>Guy E. </a:t>
+            </a:r>
+            <a:r>
+              <a:rPr lang="en-US" dirty="0" err="1" smtClean="0"/>
+              <a:t>Blelloch</a:t>
+            </a:r>
+            <a:r>
+              <a:rPr lang="en-US" dirty="0" smtClean="0"/>
+              <a:t>. “Prefix Sums and Their Applications”. In John H. </a:t>
+            </a:r>
+            <a:r>
+              <a:rPr lang="en-US" dirty="0" err="1" smtClean="0"/>
+              <a:t>Reif</a:t>
+            </a:r>
+            <a:r>
+              <a:rPr lang="en-US" dirty="0" smtClean="0"/>
+              <a:t> (Ed.), Synthesis </a:t>
+            </a:r>
+            <a:r>
+              <a:rPr lang="de-DE" dirty="0" smtClean="0"/>
+              <a:t>of Parallel Algorithms, Morgan Kaufmann, 1990.</a:t>
+            </a:r>
+          </a:p>
+          <a:p>
+            <a:r>
+              <a:rPr lang="en-US" dirty="0" smtClean="0"/>
+              <a:t>HARRIS M., SENGUPTA S., OWENS J. D.: Parallel prefix sum (scan) with CUDA. In </a:t>
+            </a:r>
+            <a:r>
+              <a:rPr lang="en-US" i="1" dirty="0" smtClean="0"/>
+              <a:t>GPU Gems 3, </a:t>
+            </a:r>
+            <a:r>
+              <a:rPr lang="en-US" dirty="0" smtClean="0"/>
+              <a:t>Nguyen H., (Ed.). Addison Wesley, Aug. 2007, </a:t>
+            </a:r>
+            <a:r>
+              <a:rPr lang="en-US" dirty="0" err="1" smtClean="0"/>
+              <a:t>ch</a:t>
+            </a:r>
+            <a:r>
+              <a:rPr lang="en-US" dirty="0" smtClean="0"/>
+              <a:t>. 31.</a:t>
+            </a:r>
+          </a:p>
+        </p:txBody>
+      </p:sp>
+    </p:spTree>
+  </p:cSld>
+  <p:clrMapOvr>
+    <a:masterClrMapping/>
+  </p:clrMapOvr>
+  <p:timing>
+    <p:tnLst>
+      <p:par>
+        <p:cTn id="1" dur="indefinite" restart="never" nodeType="tmRoot"/>
+      </p:par>
+    </p:tnLst>
+  </p:timing>
+</p:sld>
+</file>
+
+<file path=ppt/slides/slide16.xml><?xml version="1.0" encoding="utf-8"?>
+<p:sld xmlns:a="http://schemas.openxmlformats.org/drawingml/2006/main" xmlns:r="http://schemas.openxmlformats.org/officeDocument/2006/relationships" xmlns:p="http://schemas.openxmlformats.org/presentationml/2006/main">
+  <p:cSld>
+    <p:spTree>
+      <p:nvGrpSpPr>
+        <p:cNvPr id="1" name=""/>
+        <p:cNvGrpSpPr/>
+        <p:nvPr/>
+      </p:nvGrpSpPr>
+      <p:grpSpPr>
+        <a:xfrm>
+          <a:off x="0" y="0"/>
+          <a:ext cx="0" cy="0"/>
+          <a:chOff x="0" y="0"/>
+          <a:chExt cx="0" cy="0"/>
+        </a:xfrm>
+      </p:grpSpPr>
+      <p:sp>
+        <p:nvSpPr>
+          <p:cNvPr id="2" name="Title 1"/>
+          <p:cNvSpPr>
+            <a:spLocks noGrp="1"/>
+          </p:cNvSpPr>
+          <p:nvPr>
+            <p:ph type="title"/>
+          </p:nvPr>
+        </p:nvSpPr>
+        <p:spPr/>
+        <p:txBody>
+          <a:bodyPr/>
+          <a:lstStyle/>
+          <a:p>
+            <a:r>
+              <a:rPr lang="en-US" dirty="0" smtClean="0"/>
+              <a:t>Thank You!</a:t>
+            </a:r>
+            <a:endParaRPr lang="en-US" dirty="0"/>
+          </a:p>
+        </p:txBody>
+      </p:sp>
+      <p:sp>
+        <p:nvSpPr>
+          <p:cNvPr id="5" name="Content Placeholder 4"/>
+          <p:cNvSpPr>
+            <a:spLocks noGrp="1"/>
+          </p:cNvSpPr>
+          <p:nvPr>
+            <p:ph idx="1"/>
+          </p:nvPr>
+        </p:nvSpPr>
+        <p:spPr/>
+        <p:txBody>
+          <a:bodyPr/>
+          <a:lstStyle/>
+          <a:p>
+            <a:r>
+              <a:rPr lang="en-US" dirty="0" smtClean="0"/>
+              <a:t>Questions?</a:t>
+            </a:r>
+          </a:p>
+          <a:p>
+            <a:r>
+              <a:rPr lang="en-US" dirty="0" smtClean="0"/>
+              <a:t>Suggestions?</a:t>
+            </a:r>
+          </a:p>
+          <a:p>
+            <a:pPr>
+              <a:buNone/>
+            </a:pPr>
+            <a:endParaRPr lang="en-US" dirty="0"/>
+          </a:p>
+        </p:txBody>
+      </p:sp>
+    </p:spTree>
+  </p:cSld>
+  <p:clrMapOvr>
+    <a:masterClrMapping/>
+  </p:clrMapOvr>
+  <p:timing>
+    <p:tnLst>
+      <p:par>
+        <p:cTn id="1" dur="indefinite" restart="never" nodeType="tmRoot"/>
+      </p:par>
+    </p:tnLst>
+  </p:timing>
 </p:sld>
 </file>
 
@@ -5122,6 +7413,18 @@
           <a:p>
             <a:r>
               <a:rPr lang="en-US" dirty="0" smtClean="0"/>
+              <a:t>Problems Found</a:t>
+            </a:r>
+          </a:p>
+          <a:p>
+            <a:r>
+              <a:rPr lang="en-US" dirty="0" smtClean="0"/>
+              <a:t>Conclusions</a:t>
+            </a:r>
+          </a:p>
+          <a:p>
+            <a:r>
+              <a:rPr lang="en-US" dirty="0" smtClean="0"/>
               <a:t>Future work</a:t>
             </a:r>
           </a:p>
@@ -5135,6 +7438,13 @@
   <p:clrMapOvr>
     <a:masterClrMapping/>
   </p:clrMapOvr>
+  <p:timing>
+    <p:tnLst>
+      <p:par>
+        <p:cTn id="1" dur="indefinite" restart="never" nodeType="tmRoot"/>
+      </p:par>
+    </p:tnLst>
+  </p:timing>
 </p:sld>
 </file>
 
@@ -5491,6 +7801,13 @@
   <p:clrMapOvr>
     <a:masterClrMapping/>
   </p:clrMapOvr>
+  <p:timing>
+    <p:tnLst>
+      <p:par>
+        <p:cTn id="1" dur="indefinite" restart="never" nodeType="tmRoot"/>
+      </p:par>
+    </p:tnLst>
+  </p:timing>
 </p:sld>
 </file>
 
@@ -5591,7 +7908,7 @@
             </a:pPr>
             <a:r>
               <a:rPr lang="en-US" dirty="0" smtClean="0"/>
-              <a:t>Trade-Off between Algorithms</a:t>
+              <a:t>Potentially very badly load balanced.</a:t>
             </a:r>
           </a:p>
           <a:p>
@@ -5727,6 +8044,13 @@
   <p:clrMapOvr>
     <a:masterClrMapping/>
   </p:clrMapOvr>
+  <p:timing>
+    <p:tnLst>
+      <p:par>
+        <p:cTn id="1" dur="indefinite" restart="never" nodeType="tmRoot"/>
+      </p:par>
+    </p:tnLst>
+  </p:timing>
 </p:sld>
 </file>
 
@@ -5756,7 +8080,7 @@
           <p:nvPr/>
         </p:nvGraphicFramePr>
         <p:xfrm>
-          <a:off x="1676400" y="2971800"/>
+          <a:off x="1676400" y="2438400"/>
           <a:ext cx="1905000" cy="370840"/>
         </p:xfrm>
         <a:graphic>
@@ -5842,7 +8166,7 @@
           <p:nvPr/>
         </p:nvGraphicFramePr>
         <p:xfrm>
-          <a:off x="1676400" y="3495040"/>
+          <a:off x="1676400" y="2961640"/>
           <a:ext cx="1905000" cy="370840"/>
         </p:xfrm>
         <a:graphic>
@@ -5928,7 +8252,7 @@
           <p:nvPr/>
         </p:nvGraphicFramePr>
         <p:xfrm>
-          <a:off x="1676400" y="4048760"/>
+          <a:off x="1676400" y="3515360"/>
           <a:ext cx="5181600" cy="370840"/>
         </p:xfrm>
         <a:graphic>
@@ -6104,7 +8428,7 @@
           <p:nvPr/>
         </p:nvGraphicFramePr>
         <p:xfrm>
-          <a:off x="1676400" y="2514600"/>
+          <a:off x="1676400" y="1981200"/>
           <a:ext cx="1905000" cy="370840"/>
         </p:xfrm>
         <a:graphic>
@@ -6190,7 +8514,7 @@
           <p:nvPr/>
         </p:nvGraphicFramePr>
         <p:xfrm>
-          <a:off x="1676400" y="4582160"/>
+          <a:off x="1676400" y="4048760"/>
           <a:ext cx="5181600" cy="370840"/>
         </p:xfrm>
         <a:graphic>
@@ -6366,7 +8690,7 @@
           <p:nvPr/>
         </p:nvGraphicFramePr>
         <p:xfrm>
-          <a:off x="1676400" y="5115560"/>
+          <a:off x="1676400" y="4582160"/>
           <a:ext cx="5181600" cy="370840"/>
         </p:xfrm>
         <a:graphic>
@@ -6557,6 +8881,13 @@
   <p:clrMapOvr>
     <a:masterClrMapping/>
   </p:clrMapOvr>
+  <p:timing>
+    <p:tnLst>
+      <p:par>
+        <p:cTn id="1" dur="indefinite" restart="never" nodeType="tmRoot"/>
+      </p:par>
+    </p:tnLst>
+  </p:timing>
 </p:sld>
 </file>
 
@@ -6594,7 +8925,7 @@
           <a:p>
             <a:r>
               <a:rPr lang="en-US" dirty="0" smtClean="0"/>
-              <a:t>Problems</a:t>
+              <a:t>Testing Methodology</a:t>
             </a:r>
             <a:endParaRPr lang="en-US" dirty="0"/>
           </a:p>
@@ -6617,13 +8948,13 @@
           <a:p>
             <a:r>
               <a:rPr lang="en-US" dirty="0" smtClean="0"/>
-              <a:t>Non-coalesced accesses in certain kernels such as the uncompress kernel</a:t>
+              <a:t>1A2B3C4D5E6F7G8H</a:t>
             </a:r>
           </a:p>
           <a:p>
             <a:r>
               <a:rPr lang="en-US" dirty="0" smtClean="0"/>
-              <a:t>New algorithm twice as much memory.</a:t>
+              <a:t>Friendlier strings to Not balanced algorithm.</a:t>
             </a:r>
             <a:endParaRPr lang="en-US" dirty="0"/>
           </a:p>
@@ -6634,6 +8965,13 @@
   <p:clrMapOvr>
     <a:masterClrMapping/>
   </p:clrMapOvr>
+  <p:timing>
+    <p:tnLst>
+      <p:par>
+        <p:cTn id="1" dur="indefinite" restart="never" nodeType="tmRoot"/>
+      </p:par>
+    </p:tnLst>
+  </p:timing>
 </p:sld>
 </file>
 
@@ -6669,7 +9007,11 @@
           <a:bodyPr/>
           <a:lstStyle/>
           <a:p>
-            <a:endParaRPr lang="en-US"/>
+            <a:r>
+              <a:rPr lang="en-US" dirty="0" smtClean="0"/>
+              <a:t>Problems</a:t>
+            </a:r>
+            <a:endParaRPr lang="en-US" dirty="0"/>
           </a:p>
         </p:txBody>
       </p:sp>
@@ -6688,6 +9030,22 @@
           <a:bodyPr/>
           <a:lstStyle/>
           <a:p>
+            <a:r>
+              <a:rPr lang="en-US" dirty="0" smtClean="0"/>
+              <a:t>Non-coalesced accesses in certain kernels such as the uncompress kernel</a:t>
+            </a:r>
+          </a:p>
+          <a:p>
+            <a:r>
+              <a:rPr lang="en-US" dirty="0" smtClean="0"/>
+              <a:t>New algorithm uses twice as much memory.</a:t>
+            </a:r>
+          </a:p>
+          <a:p>
+            <a:r>
+              <a:rPr lang="en-US" dirty="0" smtClean="0"/>
+              <a:t>Stage 4 of the algorithm takes too long</a:t>
+            </a:r>
             <a:endParaRPr lang="en-US" dirty="0"/>
           </a:p>
         </p:txBody>
@@ -6697,6 +9055,13 @@
   <p:clrMapOvr>
     <a:masterClrMapping/>
   </p:clrMapOvr>
+  <p:timing>
+    <p:tnLst>
+      <p:par>
+        <p:cTn id="1" dur="indefinite" restart="never" nodeType="tmRoot"/>
+      </p:par>
+    </p:tnLst>
+  </p:timing>
 </p:sld>
 </file>
 
@@ -6734,7 +9099,7 @@
           <a:p>
             <a:r>
               <a:rPr lang="en-US" dirty="0" smtClean="0"/>
-              <a:t>Future Work</a:t>
+              <a:t>Results and Benchmarks</a:t>
             </a:r>
             <a:endParaRPr lang="en-US" dirty="0"/>
           </a:p>
@@ -6754,42 +9119,11 @@
         <p:txBody>
           <a:bodyPr/>
           <a:lstStyle/>
-          <a:p>
-            <a:r>
-              <a:rPr lang="en-US" dirty="0" smtClean="0"/>
-              <a:t>Plans to do more testing with elements that are not characters.</a:t>
-            </a:r>
-          </a:p>
           <a:p>
             <a:r>
               <a:rPr lang="en-US" dirty="0" smtClean="0"/>
               <a:t>I have implemented the algorithm.</a:t>
             </a:r>
-          </a:p>
-          <a:p>
-            <a:r>
-              <a:rPr lang="en-US" dirty="0" smtClean="0"/>
-              <a:t>Might want to look at using Texture memory for reads from </a:t>
-            </a:r>
-            <a:r>
-              <a:rPr lang="en-US" dirty="0" smtClean="0"/>
-              <a:t>S</a:t>
-            </a:r>
-          </a:p>
-          <a:p>
-            <a:r>
-              <a:rPr lang="en-US" dirty="0" smtClean="0"/>
-              <a:t>Dr. </a:t>
-            </a:r>
-            <a:r>
-              <a:rPr lang="en-US" dirty="0" err="1" smtClean="0"/>
-              <a:t>Aubanel’s</a:t>
-            </a:r>
-            <a:r>
-              <a:rPr lang="en-US" dirty="0" smtClean="0"/>
-              <a:t> Machine</a:t>
-            </a:r>
-            <a:endParaRPr lang="en-US" dirty="0" smtClean="0"/>
           </a:p>
           <a:p>
             <a:endParaRPr lang="en-US" dirty="0"/>

--- a/proj/FinalPresentation.pptx
+++ b/proj/FinalPresentation.pptx
@@ -5,25 +5,30 @@
     <p:sldMasterId id="2147483660" r:id="rId1"/>
   </p:sldMasterIdLst>
   <p:notesMasterIdLst>
-    <p:notesMasterId r:id="rId18"/>
+    <p:notesMasterId r:id="rId23"/>
   </p:notesMasterIdLst>
   <p:sldIdLst>
     <p:sldId id="256" r:id="rId2"/>
     <p:sldId id="258" r:id="rId3"/>
     <p:sldId id="260" r:id="rId4"/>
-    <p:sldId id="263" r:id="rId5"/>
-    <p:sldId id="261" r:id="rId6"/>
-    <p:sldId id="259" r:id="rId7"/>
-    <p:sldId id="268" r:id="rId8"/>
-    <p:sldId id="264" r:id="rId9"/>
-    <p:sldId id="272" r:id="rId10"/>
-    <p:sldId id="266" r:id="rId11"/>
-    <p:sldId id="265" r:id="rId12"/>
-    <p:sldId id="267" r:id="rId13"/>
-    <p:sldId id="273" r:id="rId14"/>
-    <p:sldId id="257" r:id="rId15"/>
-    <p:sldId id="270" r:id="rId16"/>
-    <p:sldId id="271" r:id="rId17"/>
+    <p:sldId id="278" r:id="rId5"/>
+    <p:sldId id="276" r:id="rId6"/>
+    <p:sldId id="280" r:id="rId7"/>
+    <p:sldId id="263" r:id="rId8"/>
+    <p:sldId id="279" r:id="rId9"/>
+    <p:sldId id="259" r:id="rId10"/>
+    <p:sldId id="281" r:id="rId11"/>
+    <p:sldId id="268" r:id="rId12"/>
+    <p:sldId id="282" r:id="rId13"/>
+    <p:sldId id="272" r:id="rId14"/>
+    <p:sldId id="274" r:id="rId15"/>
+    <p:sldId id="265" r:id="rId16"/>
+    <p:sldId id="275" r:id="rId17"/>
+    <p:sldId id="264" r:id="rId18"/>
+    <p:sldId id="273" r:id="rId19"/>
+    <p:sldId id="257" r:id="rId20"/>
+    <p:sldId id="270" r:id="rId21"/>
+    <p:sldId id="271" r:id="rId22"/>
   </p:sldIdLst>
   <p:sldSz cx="9144000" cy="6858000" type="screen4x3"/>
   <p:notesSz cx="6858000" cy="9144000"/>
@@ -127,7 +132,6 @@
 
 <file path=ppt/charts/chart1.xml><?xml version="1.0" encoding="utf-8"?>
 <c:chartSpace xmlns:c="http://schemas.openxmlformats.org/drawingml/2006/chart" xmlns:a="http://schemas.openxmlformats.org/drawingml/2006/main" xmlns:r="http://schemas.openxmlformats.org/officeDocument/2006/relationships">
-  <c:date1904 val="1"/>
   <c:lang val="en-US"/>
   <c:chart>
     <c:title>
@@ -140,14 +144,14 @@
               <a:defRPr/>
             </a:pPr>
             <a:r>
-              <a:rPr lang="en-US"/>
-              <a:t>Size</a:t>
-            </a:r>
-            <a:r>
-              <a:rPr lang="en-US" baseline="0"/>
-              <a:t> vs Time</a:t>
-            </a:r>
-            <a:endParaRPr lang="en-US"/>
+              <a:rPr lang="en-US" dirty="0" smtClean="0"/>
+              <a:t>Performance</a:t>
+            </a:r>
+            <a:r>
+              <a:rPr lang="en-US" baseline="0" dirty="0" smtClean="0"/>
+              <a:t> Results</a:t>
+            </a:r>
+            <a:endParaRPr lang="en-US" dirty="0"/>
           </a:p>
         </c:rich>
       </c:tx>
@@ -162,11 +166,11 @@
           <c:order val="0"/>
           <c:tx>
             <c:strRef>
-              <c:f>Avg!$D$1</c:f>
+              <c:f>Avg!$G$14</c:f>
               <c:strCache>
                 <c:ptCount val="1"/>
                 <c:pt idx="0">
-                  <c:v>Stage1</c:v>
+                  <c:v>Uncompressed</c:v>
                 </c:pt>
               </c:strCache>
             </c:strRef>
@@ -176,9 +180,19 @@
               <a:noFill/>
             </a:ln>
           </c:spPr>
+          <c:trendline>
+            <c:spPr>
+              <a:ln>
+                <a:solidFill>
+                  <a:schemeClr val="accent1"/>
+                </a:solidFill>
+              </a:ln>
+            </c:spPr>
+            <c:trendlineType val="linear"/>
+          </c:trendline>
           <c:xVal>
             <c:numRef>
-              <c:f>Avg!$C$2:$C$11</c:f>
+              <c:f>Avg!$F$15:$F$24</c:f>
               <c:numCache>
                 <c:formatCode>General</c:formatCode>
                 <c:ptCount val="10"/>
@@ -217,39 +231,39 @@
           </c:xVal>
           <c:yVal>
             <c:numRef>
-              <c:f>Avg!$D$2:$D$11</c:f>
+              <c:f>Avg!$G$15:$G$24</c:f>
               <c:numCache>
                 <c:formatCode>General</c:formatCode>
                 <c:ptCount val="10"/>
                 <c:pt idx="0">
-                  <c:v>0.10863466560840601</c:v>
+                  <c:v>0.398528004686038</c:v>
                 </c:pt>
                 <c:pt idx="1">
-                  <c:v>0.111029333124558</c:v>
+                  <c:v>1.4728533228238401</c:v>
                 </c:pt>
                 <c:pt idx="2">
-                  <c:v>0.13660266250371897</c:v>
+                  <c:v>3.1280106703440298</c:v>
                 </c:pt>
                 <c:pt idx="3">
-                  <c:v>0.13472000012795099</c:v>
+                  <c:v>6.6454719702402798</c:v>
                 </c:pt>
                 <c:pt idx="4">
-                  <c:v>0.13627733538548203</c:v>
+                  <c:v>9.1086398760477696</c:v>
                 </c:pt>
                 <c:pt idx="5">
-                  <c:v>0.13703467200199801</c:v>
+                  <c:v>12.7946667671204</c:v>
                 </c:pt>
                 <c:pt idx="6">
-                  <c:v>0.13796266416708602</c:v>
+                  <c:v>16.9837172826131</c:v>
                 </c:pt>
                 <c:pt idx="7">
-                  <c:v>0.14129066715637803</c:v>
+                  <c:v>22.2352479298909</c:v>
                 </c:pt>
                 <c:pt idx="8">
-                  <c:v>0.14112000167369798</c:v>
+                  <c:v>28.3570562998454</c:v>
                 </c:pt>
                 <c:pt idx="9">
-                  <c:v>0.14289066443840701</c:v>
+                  <c:v>34.145279566446902</c:v>
                 </c:pt>
               </c:numCache>
             </c:numRef>
@@ -260,11 +274,11 @@
           <c:order val="1"/>
           <c:tx>
             <c:strRef>
-              <c:f>Avg!$E$1</c:f>
+              <c:f>Avg!$H$14</c:f>
               <c:strCache>
                 <c:ptCount val="1"/>
                 <c:pt idx="0">
-                  <c:v>Stage2</c:v>
+                  <c:v>NewAlgorithm</c:v>
                 </c:pt>
               </c:strCache>
             </c:strRef>
@@ -274,9 +288,19 @@
               <a:noFill/>
             </a:ln>
           </c:spPr>
+          <c:trendline>
+            <c:spPr>
+              <a:ln>
+                <a:solidFill>
+                  <a:schemeClr val="accent2"/>
+                </a:solidFill>
+              </a:ln>
+            </c:spPr>
+            <c:trendlineType val="linear"/>
+          </c:trendline>
           <c:xVal>
             <c:numRef>
-              <c:f>Avg!$C$2:$C$11</c:f>
+              <c:f>Avg!$F$15:$F$24</c:f>
               <c:numCache>
                 <c:formatCode>General</c:formatCode>
                 <c:ptCount val="10"/>
@@ -315,39 +339,39 @@
           </c:xVal>
           <c:yVal>
             <c:numRef>
-              <c:f>Avg!$E$2:$E$11</c:f>
+              <c:f>Avg!$H$15:$H$24</c:f>
               <c:numCache>
                 <c:formatCode>General</c:formatCode>
                 <c:ptCount val="10"/>
                 <c:pt idx="0">
-                  <c:v>0.11115733285745</c:v>
+                  <c:v>0.98846399815132246</c:v>
                 </c:pt>
                 <c:pt idx="1">
-                  <c:v>0.40593599279721598</c:v>
+                  <c:v>3.1051466654365267</c:v>
                 </c:pt>
                 <c:pt idx="2">
-                  <c:v>0.89533867438634207</c:v>
+                  <c:v>6.7469173554952011</c:v>
                 </c:pt>
                 <c:pt idx="3">
-                  <c:v>1.5782826741536502</c:v>
+                  <c:v>11.681327988083172</c:v>
                 </c:pt>
                 <c:pt idx="4">
-                  <c:v>2.4575626452763899</c:v>
+                  <c:v>18.024410780519272</c:v>
                 </c:pt>
                 <c:pt idx="5">
-                  <c:v>3.53324270248413</c:v>
+                  <c:v>25.713775883428724</c:v>
                 </c:pt>
                 <c:pt idx="6">
-                  <c:v>4.8147199153900093</c:v>
+                  <c:v>34.848746392255052</c:v>
                 </c:pt>
                 <c:pt idx="7">
-                  <c:v>6.2917172908783003</c:v>
+                  <c:v>45.409663536896296</c:v>
                 </c:pt>
                 <c:pt idx="8">
-                  <c:v>8.0075200398763009</c:v>
+                  <c:v>57.411818723504815</c:v>
                 </c:pt>
                 <c:pt idx="9">
-                  <c:v>9.8715147972106898</c:v>
+                  <c:v>70.801290587832455</c:v>
                 </c:pt>
               </c:numCache>
             </c:numRef>
@@ -358,11 +382,11 @@
           <c:order val="2"/>
           <c:tx>
             <c:strRef>
-              <c:f>Avg!$F$1</c:f>
+              <c:f>Avg!$I$14</c:f>
               <c:strCache>
                 <c:ptCount val="1"/>
                 <c:pt idx="0">
-                  <c:v>Stage3</c:v>
+                  <c:v>OldAlgorithm</c:v>
                 </c:pt>
               </c:strCache>
             </c:strRef>
@@ -372,9 +396,19 @@
               <a:noFill/>
             </a:ln>
           </c:spPr>
+          <c:trendline>
+            <c:spPr>
+              <a:ln>
+                <a:solidFill>
+                  <a:schemeClr val="accent3"/>
+                </a:solidFill>
+              </a:ln>
+            </c:spPr>
+            <c:trendlineType val="linear"/>
+          </c:trendline>
           <c:xVal>
             <c:numRef>
-              <c:f>Avg!$C$2:$C$11</c:f>
+              <c:f>Avg!$F$15:$F$24</c:f>
               <c:numCache>
                 <c:formatCode>General</c:formatCode>
                 <c:ptCount val="10"/>
@@ -413,245 +447,49 @@
           </c:xVal>
           <c:yVal>
             <c:numRef>
-              <c:f>Avg!$F$2:$F$11</c:f>
+              <c:f>Avg!$I$15:$I$24</c:f>
               <c:numCache>
                 <c:formatCode>General</c:formatCode>
                 <c:ptCount val="10"/>
                 <c:pt idx="0">
-                  <c:v>1.4736000138024499E-2</c:v>
+                  <c:v>1.1240213202933476</c:v>
                 </c:pt>
                 <c:pt idx="1">
-                  <c:v>1.6901333195467806E-2</c:v>
+                  <c:v>3.3582560153057206</c:v>
                 </c:pt>
                 <c:pt idx="2">
-                  <c:v>1.9818667011956399E-2</c:v>
+                  <c:v>7.5068373307585681</c:v>
                 </c:pt>
                 <c:pt idx="3">
-                  <c:v>2.3402666673064204E-2</c:v>
+                  <c:v>12.787909224629445</c:v>
                 </c:pt>
                 <c:pt idx="4">
-                  <c:v>2.7573333432277011E-2</c:v>
+                  <c:v>19.538592127462262</c:v>
                 </c:pt>
                 <c:pt idx="5">
-                  <c:v>3.2223999810715505E-2</c:v>
+                  <c:v>28.114005235334197</c:v>
                 </c:pt>
                 <c:pt idx="6">
-                  <c:v>3.5957333321372707E-2</c:v>
+                  <c:v>37.436608068645015</c:v>
                 </c:pt>
                 <c:pt idx="7">
-                  <c:v>4.5413333922624623E-2</c:v>
+                  <c:v>49.960858398427582</c:v>
                 </c:pt>
                 <c:pt idx="8">
-                  <c:v>5.1578666393955593E-2</c:v>
+                  <c:v>63.148906516532136</c:v>
                 </c:pt>
                 <c:pt idx="9">
-                  <c:v>6.2410666296879413E-2</c:v>
+                  <c:v>78.581157987316431</c:v>
                 </c:pt>
               </c:numCache>
             </c:numRef>
           </c:yVal>
         </c:ser>
-        <c:ser>
-          <c:idx val="3"/>
-          <c:order val="3"/>
-          <c:tx>
-            <c:strRef>
-              <c:f>Avg!$G$1</c:f>
-              <c:strCache>
-                <c:ptCount val="1"/>
-                <c:pt idx="0">
-                  <c:v>Stage4</c:v>
-                </c:pt>
-              </c:strCache>
-            </c:strRef>
-          </c:tx>
-          <c:spPr>
-            <a:ln w="28575">
-              <a:noFill/>
-            </a:ln>
-          </c:spPr>
-          <c:xVal>
-            <c:numRef>
-              <c:f>Avg!$C$2:$C$11</c:f>
-              <c:numCache>
-                <c:formatCode>General</c:formatCode>
-                <c:ptCount val="10"/>
-                <c:pt idx="0">
-                  <c:v>125250</c:v>
-                </c:pt>
-                <c:pt idx="1">
-                  <c:v>500500</c:v>
-                </c:pt>
-                <c:pt idx="2">
-                  <c:v>1125750</c:v>
-                </c:pt>
-                <c:pt idx="3">
-                  <c:v>2001000</c:v>
-                </c:pt>
-                <c:pt idx="4">
-                  <c:v>3126250</c:v>
-                </c:pt>
-                <c:pt idx="5">
-                  <c:v>4501500</c:v>
-                </c:pt>
-                <c:pt idx="6">
-                  <c:v>6126750</c:v>
-                </c:pt>
-                <c:pt idx="7">
-                  <c:v>8002000</c:v>
-                </c:pt>
-                <c:pt idx="8">
-                  <c:v>10127250</c:v>
-                </c:pt>
-                <c:pt idx="9">
-                  <c:v>12502500</c:v>
-                </c:pt>
-              </c:numCache>
-            </c:numRef>
-          </c:xVal>
-          <c:yVal>
-            <c:numRef>
-              <c:f>Avg!$G$2:$G$11</c:f>
-              <c:numCache>
-                <c:formatCode>General</c:formatCode>
-                <c:ptCount val="10"/>
-                <c:pt idx="0">
-                  <c:v>0.49943466484546711</c:v>
-                </c:pt>
-                <c:pt idx="1">
-                  <c:v>1.7672053376833601</c:v>
-                </c:pt>
-                <c:pt idx="2">
-                  <c:v>3.93086934089661</c:v>
-                </c:pt>
-                <c:pt idx="3">
-                  <c:v>6.9164746602376299</c:v>
-                </c:pt>
-                <c:pt idx="4">
-                  <c:v>10.716997464497901</c:v>
-                </c:pt>
-                <c:pt idx="5">
-                  <c:v>15.346575895945202</c:v>
-                </c:pt>
-                <c:pt idx="6">
-                  <c:v>20.808175722758005</c:v>
-                </c:pt>
-                <c:pt idx="7">
-                  <c:v>27.147567749023395</c:v>
-                </c:pt>
-                <c:pt idx="8">
-                  <c:v>34.334447860717788</c:v>
-                </c:pt>
-                <c:pt idx="9">
-                  <c:v>42.378260930379206</c:v>
-                </c:pt>
-              </c:numCache>
-            </c:numRef>
-          </c:yVal>
-        </c:ser>
-        <c:ser>
-          <c:idx val="4"/>
-          <c:order val="4"/>
-          <c:tx>
-            <c:strRef>
-              <c:f>Avg!$H$1</c:f>
-              <c:strCache>
-                <c:ptCount val="1"/>
-                <c:pt idx="0">
-                  <c:v>Stage5</c:v>
-                </c:pt>
-              </c:strCache>
-            </c:strRef>
-          </c:tx>
-          <c:spPr>
-            <a:ln w="28575">
-              <a:noFill/>
-            </a:ln>
-          </c:spPr>
-          <c:xVal>
-            <c:numRef>
-              <c:f>Avg!$C$2:$C$11</c:f>
-              <c:numCache>
-                <c:formatCode>General</c:formatCode>
-                <c:ptCount val="10"/>
-                <c:pt idx="0">
-                  <c:v>125250</c:v>
-                </c:pt>
-                <c:pt idx="1">
-                  <c:v>500500</c:v>
-                </c:pt>
-                <c:pt idx="2">
-                  <c:v>1125750</c:v>
-                </c:pt>
-                <c:pt idx="3">
-                  <c:v>2001000</c:v>
-                </c:pt>
-                <c:pt idx="4">
-                  <c:v>3126250</c:v>
-                </c:pt>
-                <c:pt idx="5">
-                  <c:v>4501500</c:v>
-                </c:pt>
-                <c:pt idx="6">
-                  <c:v>6126750</c:v>
-                </c:pt>
-                <c:pt idx="7">
-                  <c:v>8002000</c:v>
-                </c:pt>
-                <c:pt idx="8">
-                  <c:v>10127250</c:v>
-                </c:pt>
-                <c:pt idx="9">
-                  <c:v>12502500</c:v>
-                </c:pt>
-              </c:numCache>
-            </c:numRef>
-          </c:xVal>
-          <c:yVal>
-            <c:numRef>
-              <c:f>Avg!$H$2:$H$11</c:f>
-              <c:numCache>
-                <c:formatCode>General</c:formatCode>
-                <c:ptCount val="10"/>
-                <c:pt idx="0">
-                  <c:v>0.19994133462508507</c:v>
-                </c:pt>
-                <c:pt idx="1">
-                  <c:v>0.74397866924603795</c:v>
-                </c:pt>
-                <c:pt idx="2">
-                  <c:v>1.6945120096206703</c:v>
-                </c:pt>
-                <c:pt idx="3">
-                  <c:v>2.94945065180461</c:v>
-                </c:pt>
-                <c:pt idx="4">
-                  <c:v>4.5946986675262487</c:v>
-                </c:pt>
-                <c:pt idx="5">
-                  <c:v>6.5683252811431903</c:v>
-                </c:pt>
-                <c:pt idx="6">
-                  <c:v>8.9457120895385689</c:v>
-                </c:pt>
-                <c:pt idx="7">
-                  <c:v>11.666282494862902</c:v>
-                </c:pt>
-                <c:pt idx="8">
-                  <c:v>14.749365488688198</c:v>
-                </c:pt>
-                <c:pt idx="9">
-                  <c:v>18.208384195963497</c:v>
-                </c:pt>
-              </c:numCache>
-            </c:numRef>
-          </c:yVal>
-        </c:ser>
-        <c:axId val="80375168"/>
-        <c:axId val="80381440"/>
+        <c:axId val="66959232"/>
+        <c:axId val="79200256"/>
       </c:scatterChart>
       <c:valAx>
-        <c:axId val="80375168"/>
+        <c:axId val="66959232"/>
         <c:scaling>
           <c:orientation val="minMax"/>
         </c:scaling>
@@ -666,14 +504,14 @@
                   <a:defRPr/>
                 </a:pPr>
                 <a:r>
-                  <a:rPr lang="en-US"/>
-                  <a:t>Size</a:t>
+                  <a:rPr lang="en-US" dirty="0"/>
+                  <a:t>Number</a:t>
                 </a:r>
                 <a:r>
-                  <a:rPr lang="en-US" baseline="0"/>
-                  <a:t> of Uncompressed Index</a:t>
+                  <a:rPr lang="en-US" baseline="0" dirty="0"/>
+                  <a:t> of Uncompressed Elements</a:t>
                 </a:r>
-                <a:endParaRPr lang="en-US"/>
+                <a:endParaRPr lang="en-US" dirty="0"/>
               </a:p>
             </c:rich>
           </c:tx>
@@ -682,12 +520,12 @@
         <c:numFmt formatCode="General" sourceLinked="1"/>
         <c:majorTickMark val="none"/>
         <c:tickLblPos val="nextTo"/>
-        <c:crossAx val="80381440"/>
+        <c:crossAx val="79200256"/>
         <c:crosses val="autoZero"/>
         <c:crossBetween val="midCat"/>
       </c:valAx>
       <c:valAx>
-        <c:axId val="80381440"/>
+        <c:axId val="79200256"/>
         <c:scaling>
           <c:orientation val="minMax"/>
         </c:scaling>
@@ -704,7 +542,7 @@
                 </a:pPr>
                 <a:r>
                   <a:rPr lang="en-US"/>
-                  <a:t>Time </a:t>
+                  <a:t>Time</a:t>
                 </a:r>
                 <a:r>
                   <a:rPr lang="en-US" baseline="0"/>
@@ -719,13 +557,25 @@
         <c:numFmt formatCode="General" sourceLinked="1"/>
         <c:majorTickMark val="none"/>
         <c:tickLblPos val="nextTo"/>
-        <c:crossAx val="80375168"/>
+        <c:crossAx val="66959232"/>
         <c:crosses val="autoZero"/>
         <c:crossBetween val="midCat"/>
       </c:valAx>
     </c:plotArea>
     <c:legend>
       <c:legendPos val="r"/>
+      <c:legendEntry>
+        <c:idx val="3"/>
+        <c:delete val="1"/>
+      </c:legendEntry>
+      <c:legendEntry>
+        <c:idx val="4"/>
+        <c:delete val="1"/>
+      </c:legendEntry>
+      <c:legendEntry>
+        <c:idx val="5"/>
+        <c:delete val="1"/>
+      </c:legendEntry>
       <c:layout/>
     </c:legend>
     <c:plotVisOnly val="1"/>
@@ -820,13 +670,13 @@
                   <c:v>9.8715147972106898</c:v>
                 </c:pt>
                 <c:pt idx="3">
-                  <c:v>6.2410666296879407E-2</c:v>
+                  <c:v>6.2410666296879413E-2</c:v>
                 </c:pt>
                 <c:pt idx="4">
-                  <c:v>42.378260930379206</c:v>
+                  <c:v>42.378260930379213</c:v>
                 </c:pt>
                 <c:pt idx="5">
-                  <c:v>18.208384195963497</c:v>
+                  <c:v>18.208384195963493</c:v>
                 </c:pt>
               </c:numCache>
             </c:numRef>
@@ -862,6 +712,29 @@
 <c:chartSpace xmlns:c="http://schemas.openxmlformats.org/drawingml/2006/chart" xmlns:a="http://schemas.openxmlformats.org/drawingml/2006/main" xmlns:r="http://schemas.openxmlformats.org/officeDocument/2006/relationships">
   <c:lang val="en-US"/>
   <c:chart>
+    <c:title>
+      <c:tx>
+        <c:rich>
+          <a:bodyPr/>
+          <a:lstStyle/>
+          <a:p>
+            <a:pPr>
+              <a:defRPr/>
+            </a:pPr>
+            <a:r>
+              <a:rPr lang="en-US"/>
+              <a:t>Stage 4</a:t>
+            </a:r>
+            <a:r>
+              <a:rPr lang="en-US" baseline="0"/>
+              <a:t> Scan vs Scan described by Paper</a:t>
+            </a:r>
+            <a:endParaRPr lang="en-US"/>
+          </a:p>
+        </c:rich>
+      </c:tx>
+      <c:layout/>
+    </c:title>
     <c:plotArea>
       <c:layout/>
       <c:scatterChart>
@@ -869,202 +742,6 @@
         <c:ser>
           <c:idx val="0"/>
           <c:order val="0"/>
-          <c:tx>
-            <c:strRef>
-              <c:f>Avg!$I$1</c:f>
-              <c:strCache>
-                <c:ptCount val="1"/>
-                <c:pt idx="0">
-                  <c:v>UncompCP</c:v>
-                </c:pt>
-              </c:strCache>
-            </c:strRef>
-          </c:tx>
-          <c:spPr>
-            <a:ln w="28575">
-              <a:noFill/>
-            </a:ln>
-          </c:spPr>
-          <c:xVal>
-            <c:numRef>
-              <c:f>Avg!$C$2:$C$11</c:f>
-              <c:numCache>
-                <c:formatCode>General</c:formatCode>
-                <c:ptCount val="10"/>
-                <c:pt idx="0">
-                  <c:v>125250</c:v>
-                </c:pt>
-                <c:pt idx="1">
-                  <c:v>500500</c:v>
-                </c:pt>
-                <c:pt idx="2">
-                  <c:v>1125750</c:v>
-                </c:pt>
-                <c:pt idx="3">
-                  <c:v>2001000</c:v>
-                </c:pt>
-                <c:pt idx="4">
-                  <c:v>3126250</c:v>
-                </c:pt>
-                <c:pt idx="5">
-                  <c:v>4501500</c:v>
-                </c:pt>
-                <c:pt idx="6">
-                  <c:v>6126750</c:v>
-                </c:pt>
-                <c:pt idx="7">
-                  <c:v>8002000</c:v>
-                </c:pt>
-                <c:pt idx="8">
-                  <c:v>10127250</c:v>
-                </c:pt>
-                <c:pt idx="9">
-                  <c:v>12502500</c:v>
-                </c:pt>
-              </c:numCache>
-            </c:numRef>
-          </c:xVal>
-          <c:yVal>
-            <c:numRef>
-              <c:f>Avg!$I$2:$I$11</c:f>
-              <c:numCache>
-                <c:formatCode>General</c:formatCode>
-                <c:ptCount val="10"/>
-                <c:pt idx="0">
-                  <c:v>0.39852800468603805</c:v>
-                </c:pt>
-                <c:pt idx="1">
-                  <c:v>1.4728533228238401</c:v>
-                </c:pt>
-                <c:pt idx="2">
-                  <c:v>3.1280106703440298</c:v>
-                </c:pt>
-                <c:pt idx="3">
-                  <c:v>6.6454719702402789</c:v>
-                </c:pt>
-                <c:pt idx="4">
-                  <c:v>9.1086398760477714</c:v>
-                </c:pt>
-                <c:pt idx="5">
-                  <c:v>12.794666767120399</c:v>
-                </c:pt>
-                <c:pt idx="6">
-                  <c:v>16.983717282613092</c:v>
-                </c:pt>
-                <c:pt idx="7">
-                  <c:v>22.2352479298909</c:v>
-                </c:pt>
-                <c:pt idx="8">
-                  <c:v>28.357056299845404</c:v>
-                </c:pt>
-                <c:pt idx="9">
-                  <c:v>34.145279566446895</c:v>
-                </c:pt>
-              </c:numCache>
-            </c:numRef>
-          </c:yVal>
-        </c:ser>
-        <c:ser>
-          <c:idx val="1"/>
-          <c:order val="1"/>
-          <c:tx>
-            <c:strRef>
-              <c:f>Avg!$B$1</c:f>
-              <c:strCache>
-                <c:ptCount val="1"/>
-                <c:pt idx="0">
-                  <c:v>TimeToCP</c:v>
-                </c:pt>
-              </c:strCache>
-            </c:strRef>
-          </c:tx>
-          <c:spPr>
-            <a:ln w="28575">
-              <a:noFill/>
-            </a:ln>
-          </c:spPr>
-          <c:xVal>
-            <c:numRef>
-              <c:f>Avg!$C$2:$C$11</c:f>
-              <c:numCache>
-                <c:formatCode>General</c:formatCode>
-                <c:ptCount val="10"/>
-                <c:pt idx="0">
-                  <c:v>125250</c:v>
-                </c:pt>
-                <c:pt idx="1">
-                  <c:v>500500</c:v>
-                </c:pt>
-                <c:pt idx="2">
-                  <c:v>1125750</c:v>
-                </c:pt>
-                <c:pt idx="3">
-                  <c:v>2001000</c:v>
-                </c:pt>
-                <c:pt idx="4">
-                  <c:v>3126250</c:v>
-                </c:pt>
-                <c:pt idx="5">
-                  <c:v>4501500</c:v>
-                </c:pt>
-                <c:pt idx="6">
-                  <c:v>6126750</c:v>
-                </c:pt>
-                <c:pt idx="7">
-                  <c:v>8002000</c:v>
-                </c:pt>
-                <c:pt idx="8">
-                  <c:v>10127250</c:v>
-                </c:pt>
-                <c:pt idx="9">
-                  <c:v>12502500</c:v>
-                </c:pt>
-              </c:numCache>
-            </c:numRef>
-          </c:xVal>
-          <c:yVal>
-            <c:numRef>
-              <c:f>Avg!$B$2:$B$11</c:f>
-              <c:numCache>
-                <c:formatCode>General</c:formatCode>
-                <c:ptCount val="10"/>
-                <c:pt idx="0">
-                  <c:v>5.4560000076889999E-2</c:v>
-                </c:pt>
-                <c:pt idx="1">
-                  <c:v>6.0095999389886905E-2</c:v>
-                </c:pt>
-                <c:pt idx="2">
-                  <c:v>6.9776001075903607E-2</c:v>
-                </c:pt>
-                <c:pt idx="3">
-                  <c:v>7.8997335086266218E-2</c:v>
-                </c:pt>
-                <c:pt idx="4">
-                  <c:v>9.130133440097167E-2</c:v>
-                </c:pt>
-                <c:pt idx="5">
-                  <c:v>9.6373332043488802E-2</c:v>
-                </c:pt>
-                <c:pt idx="6">
-                  <c:v>0.10621866708000502</c:v>
-                </c:pt>
-                <c:pt idx="7">
-                  <c:v>0.11739200105269701</c:v>
-                </c:pt>
-                <c:pt idx="8">
-                  <c:v>0.12778666615486101</c:v>
-                </c:pt>
-                <c:pt idx="9">
-                  <c:v>0.13782933354377699</c:v>
-                </c:pt>
-              </c:numCache>
-            </c:numRef>
-          </c:yVal>
-        </c:ser>
-        <c:ser>
-          <c:idx val="2"/>
-          <c:order val="2"/>
           <c:tx>
             <c:strRef>
               <c:f>Avg!$G$1</c:f>
@@ -1081,6 +758,16 @@
               <a:noFill/>
             </a:ln>
           </c:spPr>
+          <c:trendline>
+            <c:spPr>
+              <a:ln>
+                <a:solidFill>
+                  <a:schemeClr val="accent1"/>
+                </a:solidFill>
+              </a:ln>
+            </c:spPr>
+            <c:trendlineType val="linear"/>
+          </c:trendline>
           <c:xVal>
             <c:numRef>
               <c:f>Avg!$C$2:$C$11</c:f>
@@ -1127,10 +814,10 @@
                 <c:formatCode>General</c:formatCode>
                 <c:ptCount val="10"/>
                 <c:pt idx="0">
-                  <c:v>0.49943466484546711</c:v>
+                  <c:v>0.499434664845467</c:v>
                 </c:pt>
                 <c:pt idx="1">
-                  <c:v>1.7672053376833599</c:v>
+                  <c:v>1.7672053376833601</c:v>
                 </c:pt>
                 <c:pt idx="2">
                   <c:v>3.93086934089661</c:v>
@@ -1142,55 +829,219 @@
                   <c:v>10.716997464497901</c:v>
                 </c:pt>
                 <c:pt idx="5">
-                  <c:v>15.346575895945202</c:v>
+                  <c:v>15.3465758959452</c:v>
                 </c:pt>
                 <c:pt idx="6">
-                  <c:v>20.808175722758005</c:v>
+                  <c:v>20.808175722758001</c:v>
                 </c:pt>
                 <c:pt idx="7">
-                  <c:v>27.147567749023395</c:v>
+                  <c:v>27.147567749023398</c:v>
                 </c:pt>
                 <c:pt idx="8">
-                  <c:v>34.334447860717788</c:v>
+                  <c:v>34.334447860717802</c:v>
                 </c:pt>
                 <c:pt idx="9">
-                  <c:v>42.378260930379206</c:v>
+                  <c:v>42.378260930379199</c:v>
                 </c:pt>
               </c:numCache>
             </c:numRef>
           </c:yVal>
         </c:ser>
-        <c:axId val="80709504"/>
-        <c:axId val="80711040"/>
+        <c:ser>
+          <c:idx val="1"/>
+          <c:order val="1"/>
+          <c:tx>
+            <c:strRef>
+              <c:f>Avg!$J$1</c:f>
+              <c:strCache>
+                <c:ptCount val="1"/>
+                <c:pt idx="0">
+                  <c:v>Expected</c:v>
+                </c:pt>
+              </c:strCache>
+            </c:strRef>
+          </c:tx>
+          <c:spPr>
+            <a:ln w="28575">
+              <a:noFill/>
+            </a:ln>
+          </c:spPr>
+          <c:trendline>
+            <c:spPr>
+              <a:ln>
+                <a:solidFill>
+                  <a:schemeClr val="accent2"/>
+                </a:solidFill>
+              </a:ln>
+            </c:spPr>
+            <c:trendlineType val="linear"/>
+          </c:trendline>
+          <c:xVal>
+            <c:numRef>
+              <c:f>Avg!$C$2:$C$11</c:f>
+              <c:numCache>
+                <c:formatCode>General</c:formatCode>
+                <c:ptCount val="10"/>
+                <c:pt idx="0">
+                  <c:v>125250</c:v>
+                </c:pt>
+                <c:pt idx="1">
+                  <c:v>500500</c:v>
+                </c:pt>
+                <c:pt idx="2">
+                  <c:v>1125750</c:v>
+                </c:pt>
+                <c:pt idx="3">
+                  <c:v>2001000</c:v>
+                </c:pt>
+                <c:pt idx="4">
+                  <c:v>3126250</c:v>
+                </c:pt>
+                <c:pt idx="5">
+                  <c:v>4501500</c:v>
+                </c:pt>
+                <c:pt idx="6">
+                  <c:v>6126750</c:v>
+                </c:pt>
+                <c:pt idx="7">
+                  <c:v>8002000</c:v>
+                </c:pt>
+                <c:pt idx="8">
+                  <c:v>10127250</c:v>
+                </c:pt>
+                <c:pt idx="9">
+                  <c:v>12502500</c:v>
+                </c:pt>
+              </c:numCache>
+            </c:numRef>
+          </c:xVal>
+          <c:yVal>
+            <c:numRef>
+              <c:f>Avg!$J$2:$J$11</c:f>
+              <c:numCache>
+                <c:formatCode>General</c:formatCode>
+                <c:ptCount val="10"/>
+                <c:pt idx="0">
+                  <c:v>0.210725</c:v>
+                </c:pt>
+                <c:pt idx="1">
+                  <c:v>0.54844999999999999</c:v>
+                </c:pt>
+                <c:pt idx="2">
+                  <c:v>1.111175</c:v>
+                </c:pt>
+                <c:pt idx="3">
+                  <c:v>1.8989</c:v>
+                </c:pt>
+                <c:pt idx="4">
+                  <c:v>2.9116249999999999</c:v>
+                </c:pt>
+                <c:pt idx="5">
+                  <c:v>4.1493500000000001</c:v>
+                </c:pt>
+                <c:pt idx="6">
+                  <c:v>5.6120749999999999</c:v>
+                </c:pt>
+                <c:pt idx="7">
+                  <c:v>7.2997999999999994</c:v>
+                </c:pt>
+                <c:pt idx="8">
+                  <c:v>9.2125250000000012</c:v>
+                </c:pt>
+                <c:pt idx="9">
+                  <c:v>11.350250000000001</c:v>
+                </c:pt>
+              </c:numCache>
+            </c:numRef>
+          </c:yVal>
+        </c:ser>
+        <c:axId val="43544576"/>
+        <c:axId val="43546496"/>
       </c:scatterChart>
       <c:valAx>
-        <c:axId val="80709504"/>
+        <c:axId val="43544576"/>
         <c:scaling>
           <c:orientation val="minMax"/>
         </c:scaling>
         <c:axPos val="b"/>
+        <c:title>
+          <c:tx>
+            <c:rich>
+              <a:bodyPr/>
+              <a:lstStyle/>
+              <a:p>
+                <a:pPr>
+                  <a:defRPr/>
+                </a:pPr>
+                <a:r>
+                  <a:rPr lang="en-US"/>
+                  <a:t>#</a:t>
+                </a:r>
+                <a:r>
+                  <a:rPr lang="en-US" baseline="0"/>
+                  <a:t> of Uncompressed Elements</a:t>
+                </a:r>
+                <a:endParaRPr lang="en-US"/>
+              </a:p>
+            </c:rich>
+          </c:tx>
+          <c:layout/>
+        </c:title>
         <c:numFmt formatCode="General" sourceLinked="1"/>
+        <c:majorTickMark val="none"/>
         <c:tickLblPos val="nextTo"/>
-        <c:crossAx val="80711040"/>
+        <c:crossAx val="43546496"/>
         <c:crosses val="autoZero"/>
         <c:crossBetween val="midCat"/>
       </c:valAx>
       <c:valAx>
-        <c:axId val="80711040"/>
+        <c:axId val="43546496"/>
         <c:scaling>
           <c:orientation val="minMax"/>
         </c:scaling>
         <c:axPos val="l"/>
         <c:majorGridlines/>
+        <c:title>
+          <c:tx>
+            <c:rich>
+              <a:bodyPr/>
+              <a:lstStyle/>
+              <a:p>
+                <a:pPr>
+                  <a:defRPr/>
+                </a:pPr>
+                <a:r>
+                  <a:rPr lang="en-US"/>
+                  <a:t>Time</a:t>
+                </a:r>
+                <a:r>
+                  <a:rPr lang="en-US" baseline="0"/>
+                  <a:t> (ms)</a:t>
+                </a:r>
+                <a:endParaRPr lang="en-US"/>
+              </a:p>
+            </c:rich>
+          </c:tx>
+          <c:layout/>
+        </c:title>
         <c:numFmt formatCode="General" sourceLinked="1"/>
+        <c:majorTickMark val="none"/>
         <c:tickLblPos val="nextTo"/>
-        <c:crossAx val="80709504"/>
+        <c:crossAx val="43544576"/>
         <c:crosses val="autoZero"/>
         <c:crossBetween val="midCat"/>
       </c:valAx>
     </c:plotArea>
     <c:legend>
       <c:legendPos val="r"/>
+      <c:legendEntry>
+        <c:idx val="2"/>
+        <c:delete val="1"/>
+      </c:legendEntry>
+      <c:legendEntry>
+        <c:idx val="3"/>
+        <c:delete val="1"/>
+      </c:legendEntry>
       <c:layout/>
     </c:legend>
     <c:plotVisOnly val="1"/>
@@ -2004,7 +1855,7 @@
           </a:bodyPr>
           <a:lstStyle/>
           <a:p>
-            <a:endParaRPr lang="en-US" dirty="0"/>
+            <a:endParaRPr lang="en-US"/>
           </a:p>
         </p:txBody>
       </p:sp>
@@ -2105,7 +1956,7 @@
           <a:bodyPr/>
           <a:lstStyle/>
           <a:p>
-            <a:fld id="{B0511807-729B-42C4-AFF6-2A42C2749713}" type="slidenum">
+            <a:fld id="{3453FAA3-93BF-461C-86B8-11D8146ED44E}" type="slidenum">
               <a:rPr lang="en-US" smtClean="0"/>
               <a:pPr/>
               <a:t>15</a:t>
@@ -2187,10 +2038,256 @@
           <a:bodyPr/>
           <a:lstStyle/>
           <a:p>
-            <a:fld id="{B0511807-729B-42C4-AFF6-2A42C2749713}" type="slidenum">
+            <a:fld id="{3453FAA3-93BF-461C-86B8-11D8146ED44E}" type="slidenum">
               <a:rPr lang="en-US" smtClean="0"/>
               <a:pPr/>
               <a:t>16</a:t>
+            </a:fld>
+            <a:endParaRPr lang="en-US"/>
+          </a:p>
+        </p:txBody>
+      </p:sp>
+    </p:spTree>
+  </p:cSld>
+  <p:clrMapOvr>
+    <a:masterClrMapping/>
+  </p:clrMapOvr>
+</p:notes>
+</file>
+
+<file path=ppt/notesSlides/notesSlide17.xml><?xml version="1.0" encoding="utf-8"?>
+<p:notes xmlns:a="http://schemas.openxmlformats.org/drawingml/2006/main" xmlns:r="http://schemas.openxmlformats.org/officeDocument/2006/relationships" xmlns:p="http://schemas.openxmlformats.org/presentationml/2006/main">
+  <p:cSld>
+    <p:spTree>
+      <p:nvGrpSpPr>
+        <p:cNvPr id="1" name=""/>
+        <p:cNvGrpSpPr/>
+        <p:nvPr/>
+      </p:nvGrpSpPr>
+      <p:grpSpPr>
+        <a:xfrm>
+          <a:off x="0" y="0"/>
+          <a:ext cx="0" cy="0"/>
+          <a:chOff x="0" y="0"/>
+          <a:chExt cx="0" cy="0"/>
+        </a:xfrm>
+      </p:grpSpPr>
+      <p:sp>
+        <p:nvSpPr>
+          <p:cNvPr id="2" name="Slide Image Placeholder 1"/>
+          <p:cNvSpPr>
+            <a:spLocks noGrp="1" noRot="1" noChangeAspect="1"/>
+          </p:cNvSpPr>
+          <p:nvPr>
+            <p:ph type="sldImg"/>
+          </p:nvPr>
+        </p:nvSpPr>
+        <p:spPr/>
+      </p:sp>
+      <p:sp>
+        <p:nvSpPr>
+          <p:cNvPr id="3" name="Notes Placeholder 2"/>
+          <p:cNvSpPr>
+            <a:spLocks noGrp="1"/>
+          </p:cNvSpPr>
+          <p:nvPr>
+            <p:ph type="body" idx="1"/>
+          </p:nvPr>
+        </p:nvSpPr>
+        <p:spPr/>
+        <p:txBody>
+          <a:bodyPr>
+            <a:normAutofit/>
+          </a:bodyPr>
+          <a:lstStyle/>
+          <a:p>
+            <a:endParaRPr lang="en-US"/>
+          </a:p>
+        </p:txBody>
+      </p:sp>
+      <p:sp>
+        <p:nvSpPr>
+          <p:cNvPr id="4" name="Slide Number Placeholder 3"/>
+          <p:cNvSpPr>
+            <a:spLocks noGrp="1"/>
+          </p:cNvSpPr>
+          <p:nvPr>
+            <p:ph type="sldNum" sz="quarter" idx="10"/>
+          </p:nvPr>
+        </p:nvSpPr>
+        <p:spPr/>
+        <p:txBody>
+          <a:bodyPr/>
+          <a:lstStyle/>
+          <a:p>
+            <a:fld id="{3453FAA3-93BF-461C-86B8-11D8146ED44E}" type="slidenum">
+              <a:rPr lang="en-US" smtClean="0"/>
+              <a:pPr/>
+              <a:t>17</a:t>
+            </a:fld>
+            <a:endParaRPr lang="en-US"/>
+          </a:p>
+        </p:txBody>
+      </p:sp>
+    </p:spTree>
+  </p:cSld>
+  <p:clrMapOvr>
+    <a:masterClrMapping/>
+  </p:clrMapOvr>
+</p:notes>
+</file>
+
+<file path=ppt/notesSlides/notesSlide18.xml><?xml version="1.0" encoding="utf-8"?>
+<p:notes xmlns:a="http://schemas.openxmlformats.org/drawingml/2006/main" xmlns:r="http://schemas.openxmlformats.org/officeDocument/2006/relationships" xmlns:p="http://schemas.openxmlformats.org/presentationml/2006/main">
+  <p:cSld>
+    <p:spTree>
+      <p:nvGrpSpPr>
+        <p:cNvPr id="1" name=""/>
+        <p:cNvGrpSpPr/>
+        <p:nvPr/>
+      </p:nvGrpSpPr>
+      <p:grpSpPr>
+        <a:xfrm>
+          <a:off x="0" y="0"/>
+          <a:ext cx="0" cy="0"/>
+          <a:chOff x="0" y="0"/>
+          <a:chExt cx="0" cy="0"/>
+        </a:xfrm>
+      </p:grpSpPr>
+      <p:sp>
+        <p:nvSpPr>
+          <p:cNvPr id="2" name="Slide Image Placeholder 1"/>
+          <p:cNvSpPr>
+            <a:spLocks noGrp="1" noRot="1" noChangeAspect="1"/>
+          </p:cNvSpPr>
+          <p:nvPr>
+            <p:ph type="sldImg"/>
+          </p:nvPr>
+        </p:nvSpPr>
+        <p:spPr/>
+      </p:sp>
+      <p:sp>
+        <p:nvSpPr>
+          <p:cNvPr id="3" name="Notes Placeholder 2"/>
+          <p:cNvSpPr>
+            <a:spLocks noGrp="1"/>
+          </p:cNvSpPr>
+          <p:nvPr>
+            <p:ph type="body" idx="1"/>
+          </p:nvPr>
+        </p:nvSpPr>
+        <p:spPr/>
+        <p:txBody>
+          <a:bodyPr>
+            <a:normAutofit/>
+          </a:bodyPr>
+          <a:lstStyle/>
+          <a:p>
+            <a:endParaRPr lang="en-US"/>
+          </a:p>
+        </p:txBody>
+      </p:sp>
+      <p:sp>
+        <p:nvSpPr>
+          <p:cNvPr id="4" name="Slide Number Placeholder 3"/>
+          <p:cNvSpPr>
+            <a:spLocks noGrp="1"/>
+          </p:cNvSpPr>
+          <p:nvPr>
+            <p:ph type="sldNum" sz="quarter" idx="10"/>
+          </p:nvPr>
+        </p:nvSpPr>
+        <p:spPr/>
+        <p:txBody>
+          <a:bodyPr/>
+          <a:lstStyle/>
+          <a:p>
+            <a:fld id="{3453FAA3-93BF-461C-86B8-11D8146ED44E}" type="slidenum">
+              <a:rPr lang="en-US" smtClean="0"/>
+              <a:pPr/>
+              <a:t>18</a:t>
+            </a:fld>
+            <a:endParaRPr lang="en-US"/>
+          </a:p>
+        </p:txBody>
+      </p:sp>
+    </p:spTree>
+  </p:cSld>
+  <p:clrMapOvr>
+    <a:masterClrMapping/>
+  </p:clrMapOvr>
+</p:notes>
+</file>
+
+<file path=ppt/notesSlides/notesSlide19.xml><?xml version="1.0" encoding="utf-8"?>
+<p:notes xmlns:a="http://schemas.openxmlformats.org/drawingml/2006/main" xmlns:r="http://schemas.openxmlformats.org/officeDocument/2006/relationships" xmlns:p="http://schemas.openxmlformats.org/presentationml/2006/main">
+  <p:cSld>
+    <p:spTree>
+      <p:nvGrpSpPr>
+        <p:cNvPr id="1" name=""/>
+        <p:cNvGrpSpPr/>
+        <p:nvPr/>
+      </p:nvGrpSpPr>
+      <p:grpSpPr>
+        <a:xfrm>
+          <a:off x="0" y="0"/>
+          <a:ext cx="0" cy="0"/>
+          <a:chOff x="0" y="0"/>
+          <a:chExt cx="0" cy="0"/>
+        </a:xfrm>
+      </p:grpSpPr>
+      <p:sp>
+        <p:nvSpPr>
+          <p:cNvPr id="2" name="Slide Image Placeholder 1"/>
+          <p:cNvSpPr>
+            <a:spLocks noGrp="1" noRot="1" noChangeAspect="1"/>
+          </p:cNvSpPr>
+          <p:nvPr>
+            <p:ph type="sldImg"/>
+          </p:nvPr>
+        </p:nvSpPr>
+        <p:spPr/>
+      </p:sp>
+      <p:sp>
+        <p:nvSpPr>
+          <p:cNvPr id="3" name="Notes Placeholder 2"/>
+          <p:cNvSpPr>
+            <a:spLocks noGrp="1"/>
+          </p:cNvSpPr>
+          <p:nvPr>
+            <p:ph type="body" idx="1"/>
+          </p:nvPr>
+        </p:nvSpPr>
+        <p:spPr/>
+        <p:txBody>
+          <a:bodyPr>
+            <a:normAutofit/>
+          </a:bodyPr>
+          <a:lstStyle/>
+          <a:p>
+            <a:endParaRPr lang="en-US" dirty="0"/>
+          </a:p>
+        </p:txBody>
+      </p:sp>
+      <p:sp>
+        <p:nvSpPr>
+          <p:cNvPr id="4" name="Slide Number Placeholder 3"/>
+          <p:cNvSpPr>
+            <a:spLocks noGrp="1"/>
+          </p:cNvSpPr>
+          <p:nvPr>
+            <p:ph type="sldNum" sz="quarter" idx="10"/>
+          </p:nvPr>
+        </p:nvSpPr>
+        <p:spPr/>
+        <p:txBody>
+          <a:bodyPr/>
+          <a:lstStyle/>
+          <a:p>
+            <a:fld id="{3453FAA3-93BF-461C-86B8-11D8146ED44E}" type="slidenum">
+              <a:rPr lang="en-US" smtClean="0"/>
+              <a:pPr/>
+              <a:t>19</a:t>
             </a:fld>
             <a:endParaRPr lang="en-US"/>
           </a:p>
@@ -2286,6 +2383,170 @@
 </p:notes>
 </file>
 
+<file path=ppt/notesSlides/notesSlide20.xml><?xml version="1.0" encoding="utf-8"?>
+<p:notes xmlns:a="http://schemas.openxmlformats.org/drawingml/2006/main" xmlns:r="http://schemas.openxmlformats.org/officeDocument/2006/relationships" xmlns:p="http://schemas.openxmlformats.org/presentationml/2006/main">
+  <p:cSld>
+    <p:spTree>
+      <p:nvGrpSpPr>
+        <p:cNvPr id="1" name=""/>
+        <p:cNvGrpSpPr/>
+        <p:nvPr/>
+      </p:nvGrpSpPr>
+      <p:grpSpPr>
+        <a:xfrm>
+          <a:off x="0" y="0"/>
+          <a:ext cx="0" cy="0"/>
+          <a:chOff x="0" y="0"/>
+          <a:chExt cx="0" cy="0"/>
+        </a:xfrm>
+      </p:grpSpPr>
+      <p:sp>
+        <p:nvSpPr>
+          <p:cNvPr id="2" name="Slide Image Placeholder 1"/>
+          <p:cNvSpPr>
+            <a:spLocks noGrp="1" noRot="1" noChangeAspect="1"/>
+          </p:cNvSpPr>
+          <p:nvPr>
+            <p:ph type="sldImg"/>
+          </p:nvPr>
+        </p:nvSpPr>
+        <p:spPr/>
+      </p:sp>
+      <p:sp>
+        <p:nvSpPr>
+          <p:cNvPr id="3" name="Notes Placeholder 2"/>
+          <p:cNvSpPr>
+            <a:spLocks noGrp="1"/>
+          </p:cNvSpPr>
+          <p:nvPr>
+            <p:ph type="body" idx="1"/>
+          </p:nvPr>
+        </p:nvSpPr>
+        <p:spPr/>
+        <p:txBody>
+          <a:bodyPr>
+            <a:normAutofit/>
+          </a:bodyPr>
+          <a:lstStyle/>
+          <a:p>
+            <a:endParaRPr lang="en-US"/>
+          </a:p>
+        </p:txBody>
+      </p:sp>
+      <p:sp>
+        <p:nvSpPr>
+          <p:cNvPr id="4" name="Slide Number Placeholder 3"/>
+          <p:cNvSpPr>
+            <a:spLocks noGrp="1"/>
+          </p:cNvSpPr>
+          <p:nvPr>
+            <p:ph type="sldNum" sz="quarter" idx="10"/>
+          </p:nvPr>
+        </p:nvSpPr>
+        <p:spPr/>
+        <p:txBody>
+          <a:bodyPr/>
+          <a:lstStyle/>
+          <a:p>
+            <a:fld id="{B0511807-729B-42C4-AFF6-2A42C2749713}" type="slidenum">
+              <a:rPr lang="en-US" smtClean="0"/>
+              <a:pPr/>
+              <a:t>20</a:t>
+            </a:fld>
+            <a:endParaRPr lang="en-US"/>
+          </a:p>
+        </p:txBody>
+      </p:sp>
+    </p:spTree>
+  </p:cSld>
+  <p:clrMapOvr>
+    <a:masterClrMapping/>
+  </p:clrMapOvr>
+</p:notes>
+</file>
+
+<file path=ppt/notesSlides/notesSlide21.xml><?xml version="1.0" encoding="utf-8"?>
+<p:notes xmlns:a="http://schemas.openxmlformats.org/drawingml/2006/main" xmlns:r="http://schemas.openxmlformats.org/officeDocument/2006/relationships" xmlns:p="http://schemas.openxmlformats.org/presentationml/2006/main">
+  <p:cSld>
+    <p:spTree>
+      <p:nvGrpSpPr>
+        <p:cNvPr id="1" name=""/>
+        <p:cNvGrpSpPr/>
+        <p:nvPr/>
+      </p:nvGrpSpPr>
+      <p:grpSpPr>
+        <a:xfrm>
+          <a:off x="0" y="0"/>
+          <a:ext cx="0" cy="0"/>
+          <a:chOff x="0" y="0"/>
+          <a:chExt cx="0" cy="0"/>
+        </a:xfrm>
+      </p:grpSpPr>
+      <p:sp>
+        <p:nvSpPr>
+          <p:cNvPr id="2" name="Slide Image Placeholder 1"/>
+          <p:cNvSpPr>
+            <a:spLocks noGrp="1" noRot="1" noChangeAspect="1"/>
+          </p:cNvSpPr>
+          <p:nvPr>
+            <p:ph type="sldImg"/>
+          </p:nvPr>
+        </p:nvSpPr>
+        <p:spPr/>
+      </p:sp>
+      <p:sp>
+        <p:nvSpPr>
+          <p:cNvPr id="3" name="Notes Placeholder 2"/>
+          <p:cNvSpPr>
+            <a:spLocks noGrp="1"/>
+          </p:cNvSpPr>
+          <p:nvPr>
+            <p:ph type="body" idx="1"/>
+          </p:nvPr>
+        </p:nvSpPr>
+        <p:spPr/>
+        <p:txBody>
+          <a:bodyPr>
+            <a:normAutofit/>
+          </a:bodyPr>
+          <a:lstStyle/>
+          <a:p>
+            <a:endParaRPr lang="en-US"/>
+          </a:p>
+        </p:txBody>
+      </p:sp>
+      <p:sp>
+        <p:nvSpPr>
+          <p:cNvPr id="4" name="Slide Number Placeholder 3"/>
+          <p:cNvSpPr>
+            <a:spLocks noGrp="1"/>
+          </p:cNvSpPr>
+          <p:nvPr>
+            <p:ph type="sldNum" sz="quarter" idx="10"/>
+          </p:nvPr>
+        </p:nvSpPr>
+        <p:spPr/>
+        <p:txBody>
+          <a:bodyPr/>
+          <a:lstStyle/>
+          <a:p>
+            <a:fld id="{B0511807-729B-42C4-AFF6-2A42C2749713}" type="slidenum">
+              <a:rPr lang="en-US" smtClean="0"/>
+              <a:pPr/>
+              <a:t>21</a:t>
+            </a:fld>
+            <a:endParaRPr lang="en-US"/>
+          </a:p>
+        </p:txBody>
+      </p:sp>
+    </p:spTree>
+  </p:cSld>
+  <p:clrMapOvr>
+    <a:masterClrMapping/>
+  </p:clrMapOvr>
+</p:notes>
+</file>
+
 <file path=ppt/notesSlides/notesSlide3.xml><?xml version="1.0" encoding="utf-8"?>
 <p:notes xmlns:a="http://schemas.openxmlformats.org/drawingml/2006/main" xmlns:r="http://schemas.openxmlformats.org/officeDocument/2006/relationships" xmlns:p="http://schemas.openxmlformats.org/presentationml/2006/main">
   <p:cSld>
@@ -2515,7 +2776,7 @@
           <a:bodyPr/>
           <a:lstStyle/>
           <a:p>
-            <a:fld id="{3453FAA3-93BF-461C-86B8-11D8146ED44E}" type="slidenum">
+            <a:fld id="{B0511807-729B-42C4-AFF6-2A42C2749713}" type="slidenum">
               <a:rPr lang="en-US" smtClean="0"/>
               <a:pPr/>
               <a:t>5</a:t>
@@ -2679,7 +2940,7 @@
           <a:bodyPr/>
           <a:lstStyle/>
           <a:p>
-            <a:fld id="{3453FAA3-93BF-461C-86B8-11D8146ED44E}" type="slidenum">
+            <a:fld id="{B0511807-729B-42C4-AFF6-2A42C2749713}" type="slidenum">
               <a:rPr lang="en-US" smtClean="0"/>
               <a:pPr/>
               <a:t>7</a:t>
@@ -6721,30 +6982,98 @@
           <a:bodyPr/>
           <a:lstStyle/>
           <a:p>
-            <a:endParaRPr lang="en-US"/>
-          </a:p>
-        </p:txBody>
-      </p:sp>
-      <p:graphicFrame>
-        <p:nvGraphicFramePr>
-          <p:cNvPr id="4" name="Content Placeholder 3"/>
-          <p:cNvGraphicFramePr>
-            <a:graphicFrameLocks noGrp="1"/>
-          </p:cNvGraphicFramePr>
+            <a:r>
+              <a:rPr lang="en-US" dirty="0" smtClean="0"/>
+              <a:t>Outline</a:t>
+            </a:r>
+            <a:endParaRPr lang="en-US" dirty="0"/>
+          </a:p>
+        </p:txBody>
+      </p:sp>
+      <p:sp>
+        <p:nvSpPr>
+          <p:cNvPr id="3" name="Content Placeholder 2"/>
+          <p:cNvSpPr>
+            <a:spLocks noGrp="1"/>
+          </p:cNvSpPr>
           <p:nvPr>
             <p:ph idx="1"/>
           </p:nvPr>
-        </p:nvGraphicFramePr>
-        <p:xfrm>
-          <a:off x="457200" y="1935163"/>
-          <a:ext cx="8229600" cy="4389437"/>
-        </p:xfrm>
-        <a:graphic>
-          <a:graphicData uri="http://schemas.openxmlformats.org/drawingml/2006/chart">
-            <c:chart xmlns:c="http://schemas.openxmlformats.org/drawingml/2006/chart" xmlns:r="http://schemas.openxmlformats.org/officeDocument/2006/relationships" r:id="rId3"/>
-          </a:graphicData>
-        </a:graphic>
-      </p:graphicFrame>
+        </p:nvSpPr>
+        <p:spPr/>
+        <p:txBody>
+          <a:bodyPr/>
+          <a:lstStyle/>
+          <a:p>
+            <a:r>
+              <a:rPr lang="en-US" dirty="0" smtClean="0"/>
+              <a:t>Brief Review of the Problem.</a:t>
+            </a:r>
+          </a:p>
+          <a:p>
+            <a:r>
+              <a:rPr lang="en-US" dirty="0" smtClean="0"/>
+              <a:t>Algorithm Design</a:t>
+            </a:r>
+          </a:p>
+          <a:p>
+            <a:pPr lvl="1"/>
+            <a:r>
+              <a:rPr lang="en-US" dirty="0" smtClean="0"/>
+              <a:t>First </a:t>
+            </a:r>
+            <a:r>
+              <a:rPr lang="en-US" dirty="0" smtClean="0"/>
+              <a:t>Algorithm</a:t>
+            </a:r>
+          </a:p>
+          <a:p>
+            <a:pPr lvl="1"/>
+            <a:r>
+              <a:rPr lang="en-US" dirty="0" smtClean="0"/>
+              <a:t>Load Balanced Algorithm</a:t>
+            </a:r>
+            <a:endParaRPr lang="en-US" dirty="0" smtClean="0"/>
+          </a:p>
+          <a:p>
+            <a:r>
+              <a:rPr lang="en-US" dirty="0" smtClean="0">
+                <a:solidFill>
+                  <a:srgbClr val="FF0000"/>
+                </a:solidFill>
+              </a:rPr>
+              <a:t>Testing Methodology</a:t>
+            </a:r>
+          </a:p>
+          <a:p>
+            <a:r>
+              <a:rPr lang="en-US" dirty="0" smtClean="0"/>
+              <a:t>Results and Benchmarks</a:t>
+            </a:r>
+          </a:p>
+          <a:p>
+            <a:r>
+              <a:rPr lang="en-US" dirty="0" smtClean="0"/>
+              <a:t>Problems Found</a:t>
+            </a:r>
+          </a:p>
+          <a:p>
+            <a:r>
+              <a:rPr lang="en-US" dirty="0" smtClean="0"/>
+              <a:t>Conclusions</a:t>
+            </a:r>
+          </a:p>
+          <a:p>
+            <a:r>
+              <a:rPr lang="en-US" dirty="0" smtClean="0"/>
+              <a:t>Future work</a:t>
+            </a:r>
+          </a:p>
+          <a:p>
+            <a:endParaRPr lang="en-US" dirty="0"/>
+          </a:p>
+        </p:txBody>
+      </p:sp>
     </p:spTree>
   </p:cSld>
   <p:clrMapOvr>
@@ -6792,30 +7121,73 @@
           <a:bodyPr/>
           <a:lstStyle/>
           <a:p>
+            <a:r>
+              <a:rPr lang="en-US" dirty="0" smtClean="0"/>
+              <a:t>Testing Methodology</a:t>
+            </a:r>
             <a:endParaRPr lang="en-US" dirty="0"/>
           </a:p>
         </p:txBody>
       </p:sp>
-      <p:graphicFrame>
-        <p:nvGraphicFramePr>
-          <p:cNvPr id="4" name="Content Placeholder 3"/>
-          <p:cNvGraphicFramePr>
-            <a:graphicFrameLocks noGrp="1"/>
-          </p:cNvGraphicFramePr>
+      <p:sp>
+        <p:nvSpPr>
+          <p:cNvPr id="3" name="Content Placeholder 2"/>
+          <p:cNvSpPr>
+            <a:spLocks noGrp="1"/>
+          </p:cNvSpPr>
           <p:nvPr>
             <p:ph idx="1"/>
           </p:nvPr>
-        </p:nvGraphicFramePr>
-        <p:xfrm>
-          <a:off x="457200" y="1935163"/>
-          <a:ext cx="8229600" cy="4389437"/>
-        </p:xfrm>
-        <a:graphic>
-          <a:graphicData uri="http://schemas.openxmlformats.org/drawingml/2006/chart">
-            <c:chart xmlns:c="http://schemas.openxmlformats.org/drawingml/2006/chart" xmlns:r="http://schemas.openxmlformats.org/officeDocument/2006/relationships" r:id="rId3"/>
-          </a:graphicData>
-        </a:graphic>
-      </p:graphicFrame>
+        </p:nvSpPr>
+        <p:spPr/>
+        <p:txBody>
+          <a:bodyPr/>
+          <a:lstStyle/>
+          <a:p>
+            <a:r>
+              <a:rPr lang="en-US" dirty="0" smtClean="0"/>
+              <a:t>Generating synthetic data by creating strings in which each the frequency of each element is one more than the previous. 1A2B3C4D5E6F7G8H (Done this)</a:t>
+            </a:r>
+          </a:p>
+          <a:p>
+            <a:pPr lvl="1"/>
+            <a:r>
+              <a:rPr lang="en-US" dirty="0" smtClean="0"/>
+              <a:t>Strings are not friendly to the First Algorithm.</a:t>
+            </a:r>
+          </a:p>
+          <a:p>
+            <a:r>
+              <a:rPr lang="en-US" dirty="0" smtClean="0"/>
+              <a:t>In Progress …</a:t>
+            </a:r>
+          </a:p>
+          <a:p>
+            <a:pPr lvl="1"/>
+            <a:r>
+              <a:rPr lang="en-US" dirty="0" smtClean="0"/>
+              <a:t>Projection </a:t>
+            </a:r>
+            <a:r>
+              <a:rPr lang="en-US" dirty="0" smtClean="0"/>
+              <a:t>index with 10 different elements and then double the amount of elements.</a:t>
+            </a:r>
+          </a:p>
+          <a:p>
+            <a:pPr lvl="1"/>
+            <a:r>
+              <a:rPr lang="en-US" dirty="0" smtClean="0"/>
+              <a:t>Projection index with fixed size of elements and then increasing the number of different elements from 2 different to having all elements with a frequency of 3.</a:t>
+            </a:r>
+          </a:p>
+          <a:p>
+            <a:endParaRPr lang="en-US" dirty="0" smtClean="0"/>
+          </a:p>
+          <a:p>
+            <a:endParaRPr lang="en-US" dirty="0"/>
+          </a:p>
+        </p:txBody>
+      </p:sp>
     </p:spTree>
   </p:cSld>
   <p:clrMapOvr>
@@ -6863,30 +7235,98 @@
           <a:bodyPr/>
           <a:lstStyle/>
           <a:p>
-            <a:endParaRPr lang="en-US"/>
-          </a:p>
-        </p:txBody>
-      </p:sp>
-      <p:graphicFrame>
-        <p:nvGraphicFramePr>
-          <p:cNvPr id="4" name="Content Placeholder 3"/>
-          <p:cNvGraphicFramePr>
-            <a:graphicFrameLocks noGrp="1"/>
-          </p:cNvGraphicFramePr>
+            <a:r>
+              <a:rPr lang="en-US" dirty="0" smtClean="0"/>
+              <a:t>Outline</a:t>
+            </a:r>
+            <a:endParaRPr lang="en-US" dirty="0"/>
+          </a:p>
+        </p:txBody>
+      </p:sp>
+      <p:sp>
+        <p:nvSpPr>
+          <p:cNvPr id="3" name="Content Placeholder 2"/>
+          <p:cNvSpPr>
+            <a:spLocks noGrp="1"/>
+          </p:cNvSpPr>
           <p:nvPr>
             <p:ph idx="1"/>
           </p:nvPr>
-        </p:nvGraphicFramePr>
-        <p:xfrm>
-          <a:off x="457200" y="1935163"/>
-          <a:ext cx="8229600" cy="4389437"/>
-        </p:xfrm>
-        <a:graphic>
-          <a:graphicData uri="http://schemas.openxmlformats.org/drawingml/2006/chart">
-            <c:chart xmlns:c="http://schemas.openxmlformats.org/drawingml/2006/chart" xmlns:r="http://schemas.openxmlformats.org/officeDocument/2006/relationships" r:id="rId3"/>
-          </a:graphicData>
-        </a:graphic>
-      </p:graphicFrame>
+        </p:nvSpPr>
+        <p:spPr/>
+        <p:txBody>
+          <a:bodyPr/>
+          <a:lstStyle/>
+          <a:p>
+            <a:r>
+              <a:rPr lang="en-US" dirty="0" smtClean="0"/>
+              <a:t>Brief Review of the Problem.</a:t>
+            </a:r>
+          </a:p>
+          <a:p>
+            <a:r>
+              <a:rPr lang="en-US" dirty="0" smtClean="0"/>
+              <a:t>Algorithm Design</a:t>
+            </a:r>
+          </a:p>
+          <a:p>
+            <a:pPr lvl="1"/>
+            <a:r>
+              <a:rPr lang="en-US" dirty="0" smtClean="0"/>
+              <a:t>First </a:t>
+            </a:r>
+            <a:r>
+              <a:rPr lang="en-US" dirty="0" smtClean="0"/>
+              <a:t>Algorithm</a:t>
+            </a:r>
+          </a:p>
+          <a:p>
+            <a:pPr lvl="1"/>
+            <a:r>
+              <a:rPr lang="en-US" dirty="0" smtClean="0"/>
+              <a:t>Load Balanced Algorithm</a:t>
+            </a:r>
+            <a:endParaRPr lang="en-US" dirty="0" smtClean="0"/>
+          </a:p>
+          <a:p>
+            <a:r>
+              <a:rPr lang="en-US" dirty="0" smtClean="0"/>
+              <a:t>Testing Methodology</a:t>
+            </a:r>
+          </a:p>
+          <a:p>
+            <a:r>
+              <a:rPr lang="en-US" dirty="0" smtClean="0">
+                <a:solidFill>
+                  <a:srgbClr val="FF0000"/>
+                </a:solidFill>
+              </a:rPr>
+              <a:t>Results and Benchmarks</a:t>
+            </a:r>
+          </a:p>
+          <a:p>
+            <a:r>
+              <a:rPr lang="en-US" dirty="0" smtClean="0"/>
+              <a:t>Problems Found</a:t>
+            </a:r>
+          </a:p>
+          <a:p>
+            <a:r>
+              <a:rPr lang="en-US" dirty="0" smtClean="0"/>
+              <a:t>Conclusions</a:t>
+            </a:r>
+          </a:p>
+          <a:p>
+            <a:r>
+              <a:rPr lang="en-US" dirty="0" smtClean="0"/>
+              <a:t>Future work</a:t>
+            </a:r>
+          </a:p>
+          <a:p>
+            <a:endParaRPr lang="en-US" dirty="0"/>
+          </a:p>
+        </p:txBody>
+      </p:sp>
     </p:spTree>
   </p:cSld>
   <p:clrMapOvr>
@@ -6936,7 +7376,7 @@
           <a:p>
             <a:r>
               <a:rPr lang="en-US" dirty="0" smtClean="0"/>
-              <a:t>Conclusions</a:t>
+              <a:t>Results and Benchmarks</a:t>
             </a:r>
             <a:endParaRPr lang="en-US" dirty="0"/>
           </a:p>
@@ -6954,10 +7394,71 @@
         </p:nvSpPr>
         <p:spPr/>
         <p:txBody>
-          <a:bodyPr/>
-          <a:lstStyle/>
-          <a:p>
-            <a:endParaRPr lang="en-US" dirty="0"/>
+          <a:bodyPr>
+            <a:normAutofit lnSpcReduction="10000"/>
+          </a:bodyPr>
+          <a:lstStyle/>
+          <a:p>
+            <a:r>
+              <a:rPr lang="en-US" dirty="0" smtClean="0"/>
+              <a:t>NVIDIA 9400m</a:t>
+            </a:r>
+          </a:p>
+          <a:p>
+            <a:pPr lvl="1"/>
+            <a:r>
+              <a:rPr lang="en-US" dirty="0" smtClean="0"/>
+              <a:t>16 cores, and 256Mb of Memory</a:t>
+            </a:r>
+          </a:p>
+          <a:p>
+            <a:r>
+              <a:rPr lang="en-US" dirty="0" smtClean="0"/>
+              <a:t>The</a:t>
+            </a:r>
+            <a:r>
+              <a:rPr lang="en-US" dirty="0" smtClean="0"/>
+              <a:t> Implemented Algorithms:</a:t>
+            </a:r>
+          </a:p>
+          <a:p>
+            <a:pPr lvl="1"/>
+            <a:r>
+              <a:rPr lang="en-US" dirty="0" smtClean="0"/>
+              <a:t>First Algorithm: Not Balanced Uncompression.</a:t>
+            </a:r>
+          </a:p>
+          <a:p>
+            <a:pPr lvl="1"/>
+            <a:r>
+              <a:rPr lang="en-US" dirty="0" smtClean="0"/>
+              <a:t>Second Algorithm: Load Balanced Uncompression.</a:t>
+            </a:r>
+          </a:p>
+          <a:p>
+            <a:pPr lvl="1"/>
+            <a:r>
+              <a:rPr lang="en-US" dirty="0" smtClean="0"/>
+              <a:t>Copying Uncompressed Index to GPU.</a:t>
+            </a:r>
+          </a:p>
+          <a:p>
+            <a:r>
+              <a:rPr lang="en-US" dirty="0" smtClean="0"/>
+              <a:t>The Data:</a:t>
+            </a:r>
+          </a:p>
+          <a:p>
+            <a:r>
+              <a:rPr lang="en-US" dirty="0" smtClean="0"/>
+              <a:t>They have been tested with Unbalanced Strings in the form of:</a:t>
+            </a:r>
+          </a:p>
+          <a:p>
+            <a:r>
+              <a:rPr lang="en-US" dirty="0" smtClean="0"/>
+              <a:t>1 A 2 B 3 C … </a:t>
+            </a:r>
           </a:p>
         </p:txBody>
       </p:sp>
@@ -7003,90 +7504,37 @@
           <a:p>
             <a:r>
               <a:rPr lang="en-US" dirty="0" smtClean="0"/>
-              <a:t>Future Work</a:t>
+              <a:t>Current Results</a:t>
             </a:r>
             <a:endParaRPr lang="en-US" dirty="0"/>
           </a:p>
         </p:txBody>
       </p:sp>
-      <p:sp>
-        <p:nvSpPr>
-          <p:cNvPr id="3" name="Content Placeholder 2"/>
-          <p:cNvSpPr>
-            <a:spLocks noGrp="1"/>
-          </p:cNvSpPr>
+      <p:graphicFrame>
+        <p:nvGraphicFramePr>
+          <p:cNvPr id="6" name="Content Placeholder 5"/>
+          <p:cNvGraphicFramePr>
+            <a:graphicFrameLocks noGrp="1"/>
+          </p:cNvGraphicFramePr>
           <p:nvPr>
             <p:ph idx="1"/>
           </p:nvPr>
-        </p:nvSpPr>
-        <p:spPr/>
-        <p:txBody>
-          <a:bodyPr/>
-          <a:lstStyle/>
-          <a:p>
-            <a:r>
-              <a:rPr lang="en-US" dirty="0" smtClean="0"/>
-              <a:t>Plans to do more testing with </a:t>
-            </a:r>
-            <a:r>
-              <a:rPr lang="en-US" dirty="0" smtClean="0"/>
-              <a:t>more complex attribute value types.</a:t>
-            </a:r>
-          </a:p>
-          <a:p>
-            <a:r>
-              <a:rPr lang="en-US" dirty="0" smtClean="0"/>
-              <a:t>Investigate further what is wrong with stage 4.</a:t>
-            </a:r>
-          </a:p>
-          <a:p>
-            <a:r>
-              <a:rPr lang="en-US" dirty="0" smtClean="0"/>
-              <a:t>Build other types of compressed projection indices</a:t>
-            </a:r>
-            <a:endParaRPr lang="en-US" dirty="0" smtClean="0"/>
-          </a:p>
-          <a:p>
-            <a:r>
-              <a:rPr lang="en-US" dirty="0" smtClean="0"/>
-              <a:t>Might want to look at using Texture memory for reads from </a:t>
-            </a:r>
-            <a:r>
-              <a:rPr lang="en-US" dirty="0" smtClean="0"/>
-              <a:t>S.</a:t>
-            </a:r>
-            <a:endParaRPr lang="en-US" dirty="0" smtClean="0"/>
-          </a:p>
-          <a:p>
-            <a:r>
-              <a:rPr lang="en-US" dirty="0" smtClean="0"/>
-              <a:t>Dr. Aubanel’s </a:t>
-            </a:r>
-            <a:r>
-              <a:rPr lang="en-US" dirty="0" smtClean="0"/>
-              <a:t>Machine</a:t>
-            </a:r>
-          </a:p>
-          <a:p>
-            <a:endParaRPr lang="en-US" dirty="0" smtClean="0"/>
-          </a:p>
-          <a:p>
-            <a:endParaRPr lang="en-US" dirty="0"/>
-          </a:p>
-        </p:txBody>
-      </p:sp>
+        </p:nvGraphicFramePr>
+        <p:xfrm>
+          <a:off x="457200" y="1935163"/>
+          <a:ext cx="8229600" cy="4389437"/>
+        </p:xfrm>
+        <a:graphic>
+          <a:graphicData uri="http://schemas.openxmlformats.org/drawingml/2006/chart">
+            <c:chart xmlns:c="http://schemas.openxmlformats.org/drawingml/2006/chart" xmlns:r="http://schemas.openxmlformats.org/officeDocument/2006/relationships" r:id="rId3"/>
+          </a:graphicData>
+        </a:graphic>
+      </p:graphicFrame>
     </p:spTree>
   </p:cSld>
   <p:clrMapOvr>
     <a:masterClrMapping/>
   </p:clrMapOvr>
-  <p:timing>
-    <p:tnLst>
-      <p:par>
-        <p:cTn id="1" dur="indefinite" restart="never" nodeType="tmRoot"/>
-      </p:par>
-    </p:tnLst>
-  </p:timing>
 </p:sld>
 </file>
 
@@ -7124,96 +7572,32 @@
           <a:p>
             <a:r>
               <a:rPr lang="en-US" dirty="0" smtClean="0"/>
-              <a:t>References</a:t>
+              <a:t>Performance at each Stage</a:t>
             </a:r>
             <a:endParaRPr lang="en-US" dirty="0"/>
           </a:p>
         </p:txBody>
       </p:sp>
-      <p:sp>
-        <p:nvSpPr>
-          <p:cNvPr id="3" name="Content Placeholder 2"/>
-          <p:cNvSpPr>
-            <a:spLocks noGrp="1"/>
-          </p:cNvSpPr>
+      <p:graphicFrame>
+        <p:nvGraphicFramePr>
+          <p:cNvPr id="4" name="Content Placeholder 3"/>
+          <p:cNvGraphicFramePr>
+            <a:graphicFrameLocks noGrp="1"/>
+          </p:cNvGraphicFramePr>
           <p:nvPr>
             <p:ph idx="1"/>
           </p:nvPr>
-        </p:nvSpPr>
-        <p:spPr/>
-        <p:txBody>
-          <a:bodyPr>
-            <a:normAutofit/>
-          </a:bodyPr>
-          <a:lstStyle/>
-          <a:p>
-            <a:r>
-              <a:rPr lang="en-US" dirty="0" err="1" smtClean="0"/>
-              <a:t>Gosink</a:t>
-            </a:r>
-            <a:r>
-              <a:rPr lang="en-US" dirty="0" smtClean="0"/>
-              <a:t>, L., </a:t>
-            </a:r>
-            <a:r>
-              <a:rPr lang="en-US" dirty="0" err="1" smtClean="0"/>
-              <a:t>Kesheng</a:t>
-            </a:r>
-            <a:r>
-              <a:rPr lang="en-US" dirty="0" smtClean="0"/>
-              <a:t> Wu, E. Wes Bethel, John D. Owens, Kenneth I. Joy: Data Parallel Bin-Based Indexing for Answering Queries on Multi-core Architectures. SSDBM 2009: 110-129</a:t>
-            </a:r>
-          </a:p>
-          <a:p>
-            <a:r>
-              <a:rPr lang="en-US" dirty="0" smtClean="0"/>
-              <a:t>Guy E. </a:t>
-            </a:r>
-            <a:r>
-              <a:rPr lang="en-US" dirty="0" err="1" smtClean="0"/>
-              <a:t>Blelloch</a:t>
-            </a:r>
-            <a:r>
-              <a:rPr lang="en-US" dirty="0" smtClean="0"/>
-              <a:t>. “Prefix Sums and Their Applications”. In John H. </a:t>
-            </a:r>
-            <a:r>
-              <a:rPr lang="en-US" dirty="0" err="1" smtClean="0"/>
-              <a:t>Reif</a:t>
-            </a:r>
-            <a:r>
-              <a:rPr lang="en-US" dirty="0" smtClean="0"/>
-              <a:t> (Ed.), Synthesis </a:t>
-            </a:r>
-            <a:r>
-              <a:rPr lang="de-DE" dirty="0" smtClean="0"/>
-              <a:t>of Parallel Algorithms, Morgan Kaufmann, 1990.</a:t>
-            </a:r>
-          </a:p>
-          <a:p>
-            <a:r>
-              <a:rPr lang="en-US" dirty="0" smtClean="0"/>
-              <a:t>HARRIS M., SENGUPTA S., OWENS J. D.: Parallel prefix sum (scan) with CUDA. In </a:t>
-            </a:r>
-            <a:r>
-              <a:rPr lang="en-US" i="1" dirty="0" smtClean="0"/>
-              <a:t>GPU Gems 3, </a:t>
-            </a:r>
-            <a:r>
-              <a:rPr lang="en-US" dirty="0" smtClean="0"/>
-              <a:t>Nguyen H., (Ed.). Addison Wesley, Aug. 2007, </a:t>
-            </a:r>
-            <a:r>
-              <a:rPr lang="en-US" dirty="0" err="1" smtClean="0"/>
-              <a:t>ch</a:t>
-            </a:r>
-            <a:r>
-              <a:rPr lang="en-US" dirty="0" smtClean="0"/>
-              <a:t>. 31.</a:t>
-            </a:r>
-          </a:p>
-        </p:txBody>
-      </p:sp>
+        </p:nvGraphicFramePr>
+        <p:xfrm>
+          <a:off x="457200" y="1935163"/>
+          <a:ext cx="8229600" cy="4389437"/>
+        </p:xfrm>
+        <a:graphic>
+          <a:graphicData uri="http://schemas.openxmlformats.org/drawingml/2006/chart">
+            <c:chart xmlns:c="http://schemas.openxmlformats.org/drawingml/2006/chart" xmlns:r="http://schemas.openxmlformats.org/officeDocument/2006/relationships" r:id="rId3"/>
+          </a:graphicData>
+        </a:graphic>
+      </p:graphicFrame>
     </p:spTree>
   </p:cSld>
   <p:clrMapOvr>
@@ -7258,12 +7642,82 @@
         </p:nvSpPr>
         <p:spPr/>
         <p:txBody>
+          <a:bodyPr>
+            <a:normAutofit fontScale="90000"/>
+          </a:bodyPr>
+          <a:lstStyle/>
+          <a:p>
+            <a:r>
+              <a:rPr lang="en-US" dirty="0" smtClean="0"/>
+              <a:t>Kernel 4 does not match expected.</a:t>
+            </a:r>
+            <a:endParaRPr lang="en-US" dirty="0"/>
+          </a:p>
+        </p:txBody>
+      </p:sp>
+      <p:graphicFrame>
+        <p:nvGraphicFramePr>
+          <p:cNvPr id="6" name="Content Placeholder 5"/>
+          <p:cNvGraphicFramePr>
+            <a:graphicFrameLocks noGrp="1"/>
+          </p:cNvGraphicFramePr>
+          <p:nvPr>
+            <p:ph idx="1"/>
+          </p:nvPr>
+        </p:nvGraphicFramePr>
+        <p:xfrm>
+          <a:off x="457200" y="1935163"/>
+          <a:ext cx="8229600" cy="4389437"/>
+        </p:xfrm>
+        <a:graphic>
+          <a:graphicData uri="http://schemas.openxmlformats.org/drawingml/2006/chart">
+            <c:chart xmlns:c="http://schemas.openxmlformats.org/drawingml/2006/chart" xmlns:r="http://schemas.openxmlformats.org/officeDocument/2006/relationships" r:id="rId3"/>
+          </a:graphicData>
+        </a:graphic>
+      </p:graphicFrame>
+    </p:spTree>
+  </p:cSld>
+  <p:clrMapOvr>
+    <a:masterClrMapping/>
+  </p:clrMapOvr>
+</p:sld>
+</file>
+
+<file path=ppt/slides/slide17.xml><?xml version="1.0" encoding="utf-8"?>
+<p:sld xmlns:a="http://schemas.openxmlformats.org/drawingml/2006/main" xmlns:r="http://schemas.openxmlformats.org/officeDocument/2006/relationships" xmlns:p="http://schemas.openxmlformats.org/presentationml/2006/main">
+  <p:cSld>
+    <p:spTree>
+      <p:nvGrpSpPr>
+        <p:cNvPr id="1" name=""/>
+        <p:cNvGrpSpPr/>
+        <p:nvPr/>
+      </p:nvGrpSpPr>
+      <p:grpSpPr>
+        <a:xfrm>
+          <a:off x="0" y="0"/>
+          <a:ext cx="0" cy="0"/>
+          <a:chOff x="0" y="0"/>
+          <a:chExt cx="0" cy="0"/>
+        </a:xfrm>
+      </p:grpSpPr>
+      <p:sp>
+        <p:nvSpPr>
+          <p:cNvPr id="2" name="Title 1"/>
+          <p:cNvSpPr>
+            <a:spLocks noGrp="1"/>
+          </p:cNvSpPr>
+          <p:nvPr>
+            <p:ph type="title"/>
+          </p:nvPr>
+        </p:nvSpPr>
+        <p:spPr/>
+        <p:txBody>
           <a:bodyPr/>
           <a:lstStyle/>
           <a:p>
             <a:r>
               <a:rPr lang="en-US" dirty="0" smtClean="0"/>
-              <a:t>Thank You!</a:t>
+              <a:t>Problems</a:t>
             </a:r>
             <a:endParaRPr lang="en-US" dirty="0"/>
           </a:p>
@@ -7271,7 +7725,7 @@
       </p:sp>
       <p:sp>
         <p:nvSpPr>
-          <p:cNvPr id="5" name="Content Placeholder 4"/>
+          <p:cNvPr id="3" name="Content Placeholder 2"/>
           <p:cNvSpPr>
             <a:spLocks noGrp="1"/>
           </p:cNvSpPr>
@@ -7286,19 +7740,229 @@
           <a:p>
             <a:r>
               <a:rPr lang="en-US" dirty="0" smtClean="0"/>
-              <a:t>Questions?</a:t>
-            </a:r>
-          </a:p>
-          <a:p>
-            <a:r>
-              <a:rPr lang="en-US" dirty="0" smtClean="0"/>
-              <a:t>Suggestions?</a:t>
-            </a:r>
-          </a:p>
-          <a:p>
-            <a:pPr>
-              <a:buNone/>
-            </a:pPr>
+              <a:t>Stage </a:t>
+            </a:r>
+            <a:r>
+              <a:rPr lang="en-US" dirty="0" smtClean="0"/>
+              <a:t>4 of the algorithm takes too </a:t>
+            </a:r>
+            <a:r>
+              <a:rPr lang="en-US" dirty="0" smtClean="0"/>
+              <a:t>long.</a:t>
+            </a:r>
+            <a:endParaRPr lang="en-US" dirty="0" smtClean="0"/>
+          </a:p>
+          <a:p>
+            <a:r>
+              <a:rPr lang="en-US" dirty="0" smtClean="0"/>
+              <a:t>Non-coalesced </a:t>
+            </a:r>
+            <a:r>
+              <a:rPr lang="en-US" dirty="0" smtClean="0"/>
+              <a:t>accesses in </a:t>
+            </a:r>
+            <a:r>
+              <a:rPr lang="en-US" dirty="0" smtClean="0"/>
+              <a:t>kernels 3 and </a:t>
+            </a:r>
+            <a:r>
+              <a:rPr lang="en-US" dirty="0" smtClean="0">
+                <a:solidFill>
+                  <a:srgbClr val="FF0000"/>
+                </a:solidFill>
+              </a:rPr>
+              <a:t>5</a:t>
+            </a:r>
+            <a:r>
+              <a:rPr lang="en-US" dirty="0" smtClean="0"/>
+              <a:t> of the Load balanced algorithm.</a:t>
+            </a:r>
+            <a:endParaRPr lang="en-US" dirty="0" smtClean="0"/>
+          </a:p>
+          <a:p>
+            <a:r>
+              <a:rPr lang="en-US" dirty="0" smtClean="0"/>
+              <a:t>New algorithm uses twice as much </a:t>
+            </a:r>
+            <a:r>
+              <a:rPr lang="en-US" dirty="0" smtClean="0"/>
+              <a:t>memory, running more quickly out of Memory.</a:t>
+            </a:r>
+            <a:endParaRPr lang="en-US" dirty="0" smtClean="0"/>
+          </a:p>
+        </p:txBody>
+      </p:sp>
+    </p:spTree>
+  </p:cSld>
+  <p:clrMapOvr>
+    <a:masterClrMapping/>
+  </p:clrMapOvr>
+  <p:timing>
+    <p:tnLst>
+      <p:par>
+        <p:cTn id="1" dur="indefinite" restart="never" nodeType="tmRoot"/>
+      </p:par>
+    </p:tnLst>
+  </p:timing>
+</p:sld>
+</file>
+
+<file path=ppt/slides/slide18.xml><?xml version="1.0" encoding="utf-8"?>
+<p:sld xmlns:a="http://schemas.openxmlformats.org/drawingml/2006/main" xmlns:r="http://schemas.openxmlformats.org/officeDocument/2006/relationships" xmlns:p="http://schemas.openxmlformats.org/presentationml/2006/main">
+  <p:cSld>
+    <p:spTree>
+      <p:nvGrpSpPr>
+        <p:cNvPr id="1" name=""/>
+        <p:cNvGrpSpPr/>
+        <p:nvPr/>
+      </p:nvGrpSpPr>
+      <p:grpSpPr>
+        <a:xfrm>
+          <a:off x="0" y="0"/>
+          <a:ext cx="0" cy="0"/>
+          <a:chOff x="0" y="0"/>
+          <a:chExt cx="0" cy="0"/>
+        </a:xfrm>
+      </p:grpSpPr>
+      <p:sp>
+        <p:nvSpPr>
+          <p:cNvPr id="2" name="Title 1"/>
+          <p:cNvSpPr>
+            <a:spLocks noGrp="1"/>
+          </p:cNvSpPr>
+          <p:nvPr>
+            <p:ph type="title"/>
+          </p:nvPr>
+        </p:nvSpPr>
+        <p:spPr/>
+        <p:txBody>
+          <a:bodyPr/>
+          <a:lstStyle/>
+          <a:p>
+            <a:r>
+              <a:rPr lang="en-US" dirty="0" smtClean="0"/>
+              <a:t>Conclusions</a:t>
+            </a:r>
+            <a:endParaRPr lang="en-US" dirty="0"/>
+          </a:p>
+        </p:txBody>
+      </p:sp>
+      <p:sp>
+        <p:nvSpPr>
+          <p:cNvPr id="3" name="Content Placeholder 2"/>
+          <p:cNvSpPr>
+            <a:spLocks noGrp="1"/>
+          </p:cNvSpPr>
+          <p:nvPr>
+            <p:ph idx="1"/>
+          </p:nvPr>
+        </p:nvSpPr>
+        <p:spPr/>
+        <p:txBody>
+          <a:bodyPr/>
+          <a:lstStyle/>
+          <a:p>
+            <a:endParaRPr lang="en-US" dirty="0"/>
+          </a:p>
+        </p:txBody>
+      </p:sp>
+    </p:spTree>
+  </p:cSld>
+  <p:clrMapOvr>
+    <a:masterClrMapping/>
+  </p:clrMapOvr>
+</p:sld>
+</file>
+
+<file path=ppt/slides/slide19.xml><?xml version="1.0" encoding="utf-8"?>
+<p:sld xmlns:a="http://schemas.openxmlformats.org/drawingml/2006/main" xmlns:r="http://schemas.openxmlformats.org/officeDocument/2006/relationships" xmlns:p="http://schemas.openxmlformats.org/presentationml/2006/main">
+  <p:cSld>
+    <p:spTree>
+      <p:nvGrpSpPr>
+        <p:cNvPr id="1" name=""/>
+        <p:cNvGrpSpPr/>
+        <p:nvPr/>
+      </p:nvGrpSpPr>
+      <p:grpSpPr>
+        <a:xfrm>
+          <a:off x="0" y="0"/>
+          <a:ext cx="0" cy="0"/>
+          <a:chOff x="0" y="0"/>
+          <a:chExt cx="0" cy="0"/>
+        </a:xfrm>
+      </p:grpSpPr>
+      <p:sp>
+        <p:nvSpPr>
+          <p:cNvPr id="2" name="Title 1"/>
+          <p:cNvSpPr>
+            <a:spLocks noGrp="1"/>
+          </p:cNvSpPr>
+          <p:nvPr>
+            <p:ph type="title"/>
+          </p:nvPr>
+        </p:nvSpPr>
+        <p:spPr/>
+        <p:txBody>
+          <a:bodyPr/>
+          <a:lstStyle/>
+          <a:p>
+            <a:r>
+              <a:rPr lang="en-US" dirty="0" smtClean="0"/>
+              <a:t>Future Work</a:t>
+            </a:r>
+            <a:endParaRPr lang="en-US" dirty="0"/>
+          </a:p>
+        </p:txBody>
+      </p:sp>
+      <p:sp>
+        <p:nvSpPr>
+          <p:cNvPr id="3" name="Content Placeholder 2"/>
+          <p:cNvSpPr>
+            <a:spLocks noGrp="1"/>
+          </p:cNvSpPr>
+          <p:nvPr>
+            <p:ph idx="1"/>
+          </p:nvPr>
+        </p:nvSpPr>
+        <p:spPr/>
+        <p:txBody>
+          <a:bodyPr>
+            <a:normAutofit/>
+          </a:bodyPr>
+          <a:lstStyle/>
+          <a:p>
+            <a:r>
+              <a:rPr lang="en-US" dirty="0" smtClean="0"/>
+              <a:t>Investigate further what is wrong with Kernel 4. (Use Dr. Aubanel’s machine)</a:t>
+            </a:r>
+          </a:p>
+          <a:p>
+            <a:r>
+              <a:rPr lang="en-US" dirty="0" smtClean="0"/>
+              <a:t>Complete the other tests in the testing methodology.</a:t>
+            </a:r>
+          </a:p>
+          <a:p>
+            <a:r>
+              <a:rPr lang="en-US" dirty="0" smtClean="0"/>
+              <a:t>Try other attribute values data types.</a:t>
+            </a:r>
+          </a:p>
+          <a:p>
+            <a:pPr lvl="0"/>
+            <a:r>
+              <a:rPr lang="en-US" dirty="0" smtClean="0"/>
+              <a:t>To Improve Kernel 5 will look into using Texture memory for reads from array of Symbols.</a:t>
+            </a:r>
+          </a:p>
+          <a:p>
+            <a:r>
+              <a:rPr lang="en-US" dirty="0" smtClean="0"/>
+              <a:t>Try Asynchronous Copy to see if it improves somewhat.</a:t>
+            </a:r>
+            <a:endParaRPr lang="en-US" dirty="0" smtClean="0"/>
+          </a:p>
+          <a:p>
             <a:endParaRPr lang="en-US" dirty="0"/>
           </a:p>
         </p:txBody>
@@ -7374,7 +8038,11 @@
           <a:lstStyle/>
           <a:p>
             <a:r>
-              <a:rPr lang="en-US" dirty="0" smtClean="0"/>
+              <a:rPr lang="en-US" dirty="0" smtClean="0">
+                <a:solidFill>
+                  <a:srgbClr val="FF0000"/>
+                </a:solidFill>
+              </a:rPr>
               <a:t>Brief Review of the Problem.</a:t>
             </a:r>
           </a:p>
@@ -7388,15 +8056,20 @@
             <a:pPr lvl="1"/>
             <a:r>
               <a:rPr lang="en-US" dirty="0" smtClean="0"/>
-              <a:t>Old Algorithm</a:t>
+              <a:t>First </a:t>
+            </a:r>
+            <a:r>
+              <a:rPr lang="en-US" dirty="0" smtClean="0"/>
+              <a:t>Algorithm</a:t>
             </a:r>
           </a:p>
           <a:p>
             <a:pPr lvl="1"/>
             <a:r>
               <a:rPr lang="en-US" dirty="0" smtClean="0"/>
-              <a:t>New Algorithm</a:t>
-            </a:r>
+              <a:t>Load Balanced Algorithm</a:t>
+            </a:r>
+            <a:endParaRPr lang="en-US" dirty="0" smtClean="0"/>
           </a:p>
           <a:p>
             <a:r>
@@ -7429,6 +8102,286 @@
             </a:r>
           </a:p>
           <a:p>
+            <a:endParaRPr lang="en-US" dirty="0"/>
+          </a:p>
+        </p:txBody>
+      </p:sp>
+    </p:spTree>
+  </p:cSld>
+  <p:clrMapOvr>
+    <a:masterClrMapping/>
+  </p:clrMapOvr>
+  <p:timing>
+    <p:tnLst>
+      <p:par>
+        <p:cTn id="1" dur="indefinite" restart="never" nodeType="tmRoot"/>
+      </p:par>
+    </p:tnLst>
+  </p:timing>
+</p:sld>
+</file>
+
+<file path=ppt/slides/slide20.xml><?xml version="1.0" encoding="utf-8"?>
+<p:sld xmlns:a="http://schemas.openxmlformats.org/drawingml/2006/main" xmlns:r="http://schemas.openxmlformats.org/officeDocument/2006/relationships" xmlns:p="http://schemas.openxmlformats.org/presentationml/2006/main">
+  <p:cSld>
+    <p:spTree>
+      <p:nvGrpSpPr>
+        <p:cNvPr id="1" name=""/>
+        <p:cNvGrpSpPr/>
+        <p:nvPr/>
+      </p:nvGrpSpPr>
+      <p:grpSpPr>
+        <a:xfrm>
+          <a:off x="0" y="0"/>
+          <a:ext cx="0" cy="0"/>
+          <a:chOff x="0" y="0"/>
+          <a:chExt cx="0" cy="0"/>
+        </a:xfrm>
+      </p:grpSpPr>
+      <p:sp>
+        <p:nvSpPr>
+          <p:cNvPr id="2" name="Title 1"/>
+          <p:cNvSpPr>
+            <a:spLocks noGrp="1"/>
+          </p:cNvSpPr>
+          <p:nvPr>
+            <p:ph type="title"/>
+          </p:nvPr>
+        </p:nvSpPr>
+        <p:spPr/>
+        <p:txBody>
+          <a:bodyPr/>
+          <a:lstStyle/>
+          <a:p>
+            <a:r>
+              <a:rPr lang="en-US" dirty="0" smtClean="0"/>
+              <a:t>References</a:t>
+            </a:r>
+            <a:endParaRPr lang="en-US" dirty="0"/>
+          </a:p>
+        </p:txBody>
+      </p:sp>
+      <p:sp>
+        <p:nvSpPr>
+          <p:cNvPr id="3" name="Content Placeholder 2"/>
+          <p:cNvSpPr>
+            <a:spLocks noGrp="1"/>
+          </p:cNvSpPr>
+          <p:nvPr>
+            <p:ph idx="1"/>
+          </p:nvPr>
+        </p:nvSpPr>
+        <p:spPr/>
+        <p:txBody>
+          <a:bodyPr>
+            <a:normAutofit fontScale="85000" lnSpcReduction="10000"/>
+          </a:bodyPr>
+          <a:lstStyle/>
+          <a:p>
+            <a:r>
+              <a:rPr lang="en-US" dirty="0" err="1" smtClean="0"/>
+              <a:t>Gosink</a:t>
+            </a:r>
+            <a:r>
+              <a:rPr lang="en-US" dirty="0" smtClean="0"/>
+              <a:t>, L., </a:t>
+            </a:r>
+            <a:r>
+              <a:rPr lang="en-US" dirty="0" err="1" smtClean="0"/>
+              <a:t>Kesheng</a:t>
+            </a:r>
+            <a:r>
+              <a:rPr lang="en-US" dirty="0" smtClean="0"/>
+              <a:t> Wu, E. Wes Bethel, John D. Owens, Kenneth I. Joy: Data Parallel Bin-Based Indexing for Answering Queries on Multi-core Architectures. SSDBM 2009: 110-129</a:t>
+            </a:r>
+          </a:p>
+          <a:p>
+            <a:r>
+              <a:rPr lang="en-US" dirty="0" smtClean="0"/>
+              <a:t>Guy E. </a:t>
+            </a:r>
+            <a:r>
+              <a:rPr lang="en-US" dirty="0" err="1" smtClean="0"/>
+              <a:t>Blelloch</a:t>
+            </a:r>
+            <a:r>
+              <a:rPr lang="en-US" dirty="0" smtClean="0"/>
+              <a:t>. “Prefix Sums and Their Applications”. In John H. </a:t>
+            </a:r>
+            <a:r>
+              <a:rPr lang="en-US" dirty="0" err="1" smtClean="0"/>
+              <a:t>Reif</a:t>
+            </a:r>
+            <a:r>
+              <a:rPr lang="en-US" dirty="0" smtClean="0"/>
+              <a:t> (Ed.), Synthesis </a:t>
+            </a:r>
+            <a:r>
+              <a:rPr lang="de-DE" dirty="0" smtClean="0"/>
+              <a:t>of Parallel Algorithms, Morgan Kaufmann, 1990.</a:t>
+            </a:r>
+          </a:p>
+          <a:p>
+            <a:r>
+              <a:rPr lang="en-US" dirty="0" smtClean="0"/>
+              <a:t>HARRIS M., SENGUPTA S., OWENS J. D.: Parallel prefix sum (scan) with CUDA. In </a:t>
+            </a:r>
+            <a:r>
+              <a:rPr lang="en-US" i="1" dirty="0" smtClean="0"/>
+              <a:t>GPU Gems 3, </a:t>
+            </a:r>
+            <a:r>
+              <a:rPr lang="en-US" dirty="0" smtClean="0"/>
+              <a:t>Nguyen H., (Ed.). Addison Wesley, Aug. 2007, </a:t>
+            </a:r>
+            <a:r>
+              <a:rPr lang="en-US" dirty="0" err="1" smtClean="0"/>
+              <a:t>ch</a:t>
+            </a:r>
+            <a:r>
+              <a:rPr lang="en-US" dirty="0" smtClean="0"/>
+              <a:t>. 31</a:t>
+            </a:r>
+            <a:r>
+              <a:rPr lang="en-US" dirty="0" smtClean="0"/>
+              <a:t>.</a:t>
+            </a:r>
+          </a:p>
+          <a:p>
+            <a:r>
+              <a:rPr lang="en-US" dirty="0" smtClean="0"/>
+              <a:t>Horn, Daniel. Stream reduction operations for GPGPU applications. In GPU Gems </a:t>
+            </a:r>
+            <a:r>
+              <a:rPr lang="en-US" dirty="0" smtClean="0"/>
+              <a:t>2, M</a:t>
+            </a:r>
+            <a:r>
+              <a:rPr lang="en-US" dirty="0" smtClean="0"/>
+              <a:t>. Pharr, Ed., </a:t>
+            </a:r>
+            <a:r>
+              <a:rPr lang="en-US" dirty="0" err="1" smtClean="0"/>
+              <a:t>ch</a:t>
+            </a:r>
+            <a:r>
+              <a:rPr lang="en-US" dirty="0" smtClean="0"/>
+              <a:t>. 36, pp. 573–589. Addison Wesley, </a:t>
+            </a:r>
+            <a:r>
+              <a:rPr lang="en-US" dirty="0" smtClean="0"/>
+              <a:t>2005 </a:t>
+            </a:r>
+            <a:r>
+              <a:rPr lang="en-US" dirty="0" smtClean="0">
+                <a:hlinkClick r:id="rId3"/>
+              </a:rPr>
+              <a:t>http</a:t>
+            </a:r>
+            <a:r>
+              <a:rPr lang="en-US" dirty="0" smtClean="0">
+                <a:hlinkClick r:id="rId3"/>
+              </a:rPr>
+              <a:t>://</a:t>
+            </a:r>
+            <a:r>
+              <a:rPr lang="en-US" dirty="0" smtClean="0">
+                <a:hlinkClick r:id="rId3"/>
+              </a:rPr>
+              <a:t>developer.nvidia.com/object/gpu_gems_2_home.html</a:t>
+            </a:r>
+            <a:endParaRPr lang="en-US" dirty="0" smtClean="0"/>
+          </a:p>
+          <a:p>
+            <a:endParaRPr lang="en-US" dirty="0" smtClean="0"/>
+          </a:p>
+        </p:txBody>
+      </p:sp>
+    </p:spTree>
+  </p:cSld>
+  <p:clrMapOvr>
+    <a:masterClrMapping/>
+  </p:clrMapOvr>
+  <p:timing>
+    <p:tnLst>
+      <p:par>
+        <p:cTn id="1" dur="indefinite" restart="never" nodeType="tmRoot"/>
+      </p:par>
+    </p:tnLst>
+  </p:timing>
+</p:sld>
+</file>
+
+<file path=ppt/slides/slide21.xml><?xml version="1.0" encoding="utf-8"?>
+<p:sld xmlns:a="http://schemas.openxmlformats.org/drawingml/2006/main" xmlns:r="http://schemas.openxmlformats.org/officeDocument/2006/relationships" xmlns:p="http://schemas.openxmlformats.org/presentationml/2006/main">
+  <p:cSld>
+    <p:spTree>
+      <p:nvGrpSpPr>
+        <p:cNvPr id="1" name=""/>
+        <p:cNvGrpSpPr/>
+        <p:nvPr/>
+      </p:nvGrpSpPr>
+      <p:grpSpPr>
+        <a:xfrm>
+          <a:off x="0" y="0"/>
+          <a:ext cx="0" cy="0"/>
+          <a:chOff x="0" y="0"/>
+          <a:chExt cx="0" cy="0"/>
+        </a:xfrm>
+      </p:grpSpPr>
+      <p:sp>
+        <p:nvSpPr>
+          <p:cNvPr id="2" name="Title 1"/>
+          <p:cNvSpPr>
+            <a:spLocks noGrp="1"/>
+          </p:cNvSpPr>
+          <p:nvPr>
+            <p:ph type="title"/>
+          </p:nvPr>
+        </p:nvSpPr>
+        <p:spPr/>
+        <p:txBody>
+          <a:bodyPr/>
+          <a:lstStyle/>
+          <a:p>
+            <a:r>
+              <a:rPr lang="en-US" dirty="0" smtClean="0"/>
+              <a:t>Thank You!</a:t>
+            </a:r>
+            <a:endParaRPr lang="en-US" dirty="0"/>
+          </a:p>
+        </p:txBody>
+      </p:sp>
+      <p:sp>
+        <p:nvSpPr>
+          <p:cNvPr id="5" name="Content Placeholder 4"/>
+          <p:cNvSpPr>
+            <a:spLocks noGrp="1"/>
+          </p:cNvSpPr>
+          <p:nvPr>
+            <p:ph idx="1"/>
+          </p:nvPr>
+        </p:nvSpPr>
+        <p:spPr/>
+        <p:txBody>
+          <a:bodyPr/>
+          <a:lstStyle/>
+          <a:p>
+            <a:r>
+              <a:rPr lang="en-US" dirty="0" smtClean="0"/>
+              <a:t>Questions?</a:t>
+            </a:r>
+          </a:p>
+          <a:p>
+            <a:r>
+              <a:rPr lang="en-US" dirty="0" smtClean="0"/>
+              <a:t>Suggestions?</a:t>
+            </a:r>
+          </a:p>
+          <a:p>
+            <a:pPr>
+              <a:buNone/>
+            </a:pPr>
             <a:endParaRPr lang="en-US" dirty="0"/>
           </a:p>
         </p:txBody>
@@ -7477,26 +8430,775 @@
         </p:nvSpPr>
         <p:spPr/>
         <p:txBody>
+          <a:bodyPr>
+            <a:normAutofit/>
+          </a:bodyPr>
+          <a:lstStyle/>
+          <a:p>
+            <a:r>
+              <a:rPr lang="en-US" dirty="0" smtClean="0"/>
+              <a:t>Brief Review of the </a:t>
+            </a:r>
+            <a:r>
+              <a:rPr lang="en-US" dirty="0" smtClean="0"/>
+              <a:t>Problem</a:t>
+            </a:r>
+            <a:endParaRPr lang="en-US" dirty="0"/>
+          </a:p>
+        </p:txBody>
+      </p:sp>
+      <p:sp>
+        <p:nvSpPr>
+          <p:cNvPr id="12" name="Content Placeholder 2"/>
+          <p:cNvSpPr>
+            <a:spLocks noGrp="1"/>
+          </p:cNvSpPr>
+          <p:nvPr>
+            <p:ph idx="1"/>
+          </p:nvPr>
+        </p:nvSpPr>
+        <p:spPr>
+          <a:xfrm>
+            <a:off x="457200" y="1935480"/>
+            <a:ext cx="8229600" cy="4389120"/>
+          </a:xfrm>
+        </p:spPr>
+        <p:txBody>
           <a:bodyPr/>
           <a:lstStyle/>
           <a:p>
             <a:r>
               <a:rPr lang="en-US" dirty="0" smtClean="0"/>
+              <a:t>An Index compressed in RLE Encoding is transferred to </a:t>
+            </a:r>
+            <a:r>
+              <a:rPr lang="en-US" dirty="0" smtClean="0"/>
+              <a:t>the </a:t>
+            </a:r>
+            <a:r>
+              <a:rPr lang="en-US" dirty="0" smtClean="0"/>
+              <a:t>GPU as:</a:t>
+            </a:r>
+          </a:p>
+          <a:p>
+            <a:pPr lvl="1"/>
+            <a:r>
+              <a:rPr lang="en-US" dirty="0" smtClean="0"/>
+              <a:t>1 Array of Frequencies.</a:t>
+            </a:r>
+          </a:p>
+          <a:p>
+            <a:pPr lvl="1"/>
+            <a:r>
+              <a:rPr lang="en-US" dirty="0" smtClean="0"/>
+              <a:t>1 Array of Symbols (Attribute Values)</a:t>
+            </a:r>
+            <a:endParaRPr lang="en-US" dirty="0" smtClean="0"/>
+          </a:p>
+          <a:p>
+            <a:r>
+              <a:rPr lang="en-US" dirty="0" smtClean="0"/>
+              <a:t>The index is then uncompressed </a:t>
+            </a:r>
+            <a:r>
+              <a:rPr lang="en-US" dirty="0" smtClean="0"/>
+              <a:t>in the GPU using a prefix sum algorithm.</a:t>
+            </a:r>
+            <a:endParaRPr lang="en-US" dirty="0"/>
+          </a:p>
+        </p:txBody>
+      </p:sp>
+    </p:spTree>
+  </p:cSld>
+  <p:clrMapOvr>
+    <a:masterClrMapping/>
+  </p:clrMapOvr>
+  <p:timing>
+    <p:tnLst>
+      <p:par>
+        <p:cTn id="1" dur="indefinite" restart="never" nodeType="tmRoot"/>
+      </p:par>
+    </p:tnLst>
+  </p:timing>
+</p:sld>
+</file>
+
+<file path=ppt/slides/slide4.xml><?xml version="1.0" encoding="utf-8"?>
+<p:sld xmlns:a="http://schemas.openxmlformats.org/drawingml/2006/main" xmlns:r="http://schemas.openxmlformats.org/officeDocument/2006/relationships" xmlns:p="http://schemas.openxmlformats.org/presentationml/2006/main">
+  <p:cSld>
+    <p:spTree>
+      <p:nvGrpSpPr>
+        <p:cNvPr id="1" name=""/>
+        <p:cNvGrpSpPr/>
+        <p:nvPr/>
+      </p:nvGrpSpPr>
+      <p:grpSpPr>
+        <a:xfrm>
+          <a:off x="0" y="0"/>
+          <a:ext cx="0" cy="0"/>
+          <a:chOff x="0" y="0"/>
+          <a:chExt cx="0" cy="0"/>
+        </a:xfrm>
+      </p:grpSpPr>
+      <p:sp>
+        <p:nvSpPr>
+          <p:cNvPr id="2" name="Title 1"/>
+          <p:cNvSpPr>
+            <a:spLocks noGrp="1"/>
+          </p:cNvSpPr>
+          <p:nvPr>
+            <p:ph type="title"/>
+          </p:nvPr>
+        </p:nvSpPr>
+        <p:spPr/>
+        <p:txBody>
+          <a:bodyPr>
+            <a:normAutofit/>
+          </a:bodyPr>
+          <a:lstStyle/>
+          <a:p>
+            <a:r>
+              <a:rPr lang="en-US" dirty="0" smtClean="0"/>
+              <a:t>Prefix </a:t>
+            </a:r>
+            <a:r>
+              <a:rPr lang="en-US" dirty="0" smtClean="0"/>
+              <a:t>Sum</a:t>
+            </a:r>
+            <a:endParaRPr lang="en-US" dirty="0"/>
+          </a:p>
+        </p:txBody>
+      </p:sp>
+      <p:graphicFrame>
+        <p:nvGraphicFramePr>
+          <p:cNvPr id="5" name="Table 4"/>
+          <p:cNvGraphicFramePr>
+            <a:graphicFrameLocks noGrp="1"/>
+          </p:cNvGraphicFramePr>
+          <p:nvPr/>
+        </p:nvGraphicFramePr>
+        <p:xfrm>
+          <a:off x="4191000" y="2514600"/>
+          <a:ext cx="1104900" cy="3200400"/>
+        </p:xfrm>
+        <a:graphic>
+          <a:graphicData uri="http://schemas.openxmlformats.org/drawingml/2006/table">
+            <a:tbl>
+              <a:tblPr firstRow="1" bandRow="1">
+                <a:tableStyleId>{5940675A-B579-460E-94D1-54222C63F5DA}</a:tableStyleId>
+              </a:tblPr>
+              <a:tblGrid>
+                <a:gridCol w="1104900"/>
+              </a:tblGrid>
+              <a:tr h="424543">
+                <a:tc>
+                  <a:txBody>
+                    <a:bodyPr/>
+                    <a:lstStyle/>
+                    <a:p>
+                      <a:r>
+                        <a:rPr lang="en-US" sz="2400" dirty="0" smtClean="0"/>
+                        <a:t>3</a:t>
+                      </a:r>
+                      <a:endParaRPr lang="en-US" sz="2400" dirty="0"/>
+                    </a:p>
+                  </a:txBody>
+                  <a:tcPr/>
+                </a:tc>
+              </a:tr>
+              <a:tr h="424543">
+                <a:tc>
+                  <a:txBody>
+                    <a:bodyPr/>
+                    <a:lstStyle/>
+                    <a:p>
+                      <a:r>
+                        <a:rPr lang="en-US" sz="2400" dirty="0" smtClean="0"/>
+                        <a:t>4</a:t>
+                      </a:r>
+                      <a:endParaRPr lang="en-US" sz="2400" dirty="0"/>
+                    </a:p>
+                  </a:txBody>
+                  <a:tcPr/>
+                </a:tc>
+              </a:tr>
+              <a:tr h="424543">
+                <a:tc>
+                  <a:txBody>
+                    <a:bodyPr/>
+                    <a:lstStyle/>
+                    <a:p>
+                      <a:r>
+                        <a:rPr lang="en-US" sz="2400" dirty="0" smtClean="0"/>
+                        <a:t>11</a:t>
+                      </a:r>
+                      <a:endParaRPr lang="en-US" sz="2400" dirty="0"/>
+                    </a:p>
+                  </a:txBody>
+                  <a:tcPr/>
+                </a:tc>
+              </a:tr>
+              <a:tr h="424543">
+                <a:tc>
+                  <a:txBody>
+                    <a:bodyPr/>
+                    <a:lstStyle/>
+                    <a:p>
+                      <a:r>
+                        <a:rPr lang="en-US" sz="2400" dirty="0" smtClean="0"/>
+                        <a:t>11</a:t>
+                      </a:r>
+                      <a:endParaRPr lang="en-US" sz="2400" dirty="0"/>
+                    </a:p>
+                  </a:txBody>
+                  <a:tcPr/>
+                </a:tc>
+              </a:tr>
+              <a:tr h="424543">
+                <a:tc>
+                  <a:txBody>
+                    <a:bodyPr/>
+                    <a:lstStyle/>
+                    <a:p>
+                      <a:r>
+                        <a:rPr lang="en-US" sz="2400" dirty="0" smtClean="0"/>
+                        <a:t>12</a:t>
+                      </a:r>
+                      <a:endParaRPr lang="en-US" sz="2400" dirty="0"/>
+                    </a:p>
+                  </a:txBody>
+                  <a:tcPr/>
+                </a:tc>
+              </a:tr>
+              <a:tr h="424543">
+                <a:tc>
+                  <a:txBody>
+                    <a:bodyPr/>
+                    <a:lstStyle/>
+                    <a:p>
+                      <a:r>
+                        <a:rPr lang="en-US" sz="2400" dirty="0" smtClean="0"/>
+                        <a:t>18</a:t>
+                      </a:r>
+                      <a:endParaRPr lang="en-US" sz="2400" dirty="0"/>
+                    </a:p>
+                  </a:txBody>
+                  <a:tcPr/>
+                </a:tc>
+              </a:tr>
+              <a:tr h="424543">
+                <a:tc>
+                  <a:txBody>
+                    <a:bodyPr/>
+                    <a:lstStyle/>
+                    <a:p>
+                      <a:r>
+                        <a:rPr lang="en-US" sz="2400" dirty="0" smtClean="0"/>
+                        <a:t>21</a:t>
+                      </a:r>
+                      <a:endParaRPr lang="en-US" sz="2400" dirty="0"/>
+                    </a:p>
+                  </a:txBody>
+                  <a:tcPr/>
+                </a:tc>
+              </a:tr>
+            </a:tbl>
+          </a:graphicData>
+        </a:graphic>
+      </p:graphicFrame>
+      <p:graphicFrame>
+        <p:nvGraphicFramePr>
+          <p:cNvPr id="7" name="Table 6"/>
+          <p:cNvGraphicFramePr>
+            <a:graphicFrameLocks noGrp="1"/>
+          </p:cNvGraphicFramePr>
+          <p:nvPr/>
+        </p:nvGraphicFramePr>
+        <p:xfrm>
+          <a:off x="6134100" y="2514600"/>
+          <a:ext cx="1104900" cy="3200400"/>
+        </p:xfrm>
+        <a:graphic>
+          <a:graphicData uri="http://schemas.openxmlformats.org/drawingml/2006/table">
+            <a:tbl>
+              <a:tblPr firstRow="1" bandRow="1">
+                <a:tableStyleId>{5940675A-B579-460E-94D1-54222C63F5DA}</a:tableStyleId>
+              </a:tblPr>
+              <a:tblGrid>
+                <a:gridCol w="1104900"/>
+              </a:tblGrid>
+              <a:tr h="424543">
+                <a:tc>
+                  <a:txBody>
+                    <a:bodyPr/>
+                    <a:lstStyle/>
+                    <a:p>
+                      <a:r>
+                        <a:rPr lang="en-US" sz="2400" dirty="0" smtClean="0"/>
+                        <a:t>0</a:t>
+                      </a:r>
+                      <a:endParaRPr lang="en-US" sz="2400" dirty="0"/>
+                    </a:p>
+                  </a:txBody>
+                  <a:tcPr/>
+                </a:tc>
+              </a:tr>
+              <a:tr h="424543">
+                <a:tc>
+                  <a:txBody>
+                    <a:bodyPr/>
+                    <a:lstStyle/>
+                    <a:p>
+                      <a:r>
+                        <a:rPr lang="en-US" sz="2400" dirty="0" smtClean="0"/>
+                        <a:t>3</a:t>
+                      </a:r>
+                      <a:endParaRPr lang="en-US" sz="2400" dirty="0"/>
+                    </a:p>
+                  </a:txBody>
+                  <a:tcPr/>
+                </a:tc>
+              </a:tr>
+              <a:tr h="424543">
+                <a:tc>
+                  <a:txBody>
+                    <a:bodyPr/>
+                    <a:lstStyle/>
+                    <a:p>
+                      <a:r>
+                        <a:rPr lang="en-US" sz="2400" dirty="0" smtClean="0"/>
+                        <a:t>4</a:t>
+                      </a:r>
+                      <a:endParaRPr lang="en-US" sz="2400" dirty="0"/>
+                    </a:p>
+                  </a:txBody>
+                  <a:tcPr/>
+                </a:tc>
+              </a:tr>
+              <a:tr h="424543">
+                <a:tc>
+                  <a:txBody>
+                    <a:bodyPr/>
+                    <a:lstStyle/>
+                    <a:p>
+                      <a:r>
+                        <a:rPr lang="en-US" sz="2400" dirty="0" smtClean="0"/>
+                        <a:t>11</a:t>
+                      </a:r>
+                      <a:endParaRPr lang="en-US" sz="2400" dirty="0"/>
+                    </a:p>
+                  </a:txBody>
+                  <a:tcPr/>
+                </a:tc>
+              </a:tr>
+              <a:tr h="424543">
+                <a:tc>
+                  <a:txBody>
+                    <a:bodyPr/>
+                    <a:lstStyle/>
+                    <a:p>
+                      <a:r>
+                        <a:rPr lang="en-US" sz="2400" dirty="0" smtClean="0"/>
+                        <a:t>11</a:t>
+                      </a:r>
+                      <a:endParaRPr lang="en-US" sz="2400" dirty="0"/>
+                    </a:p>
+                  </a:txBody>
+                  <a:tcPr/>
+                </a:tc>
+              </a:tr>
+              <a:tr h="424543">
+                <a:tc>
+                  <a:txBody>
+                    <a:bodyPr/>
+                    <a:lstStyle/>
+                    <a:p>
+                      <a:r>
+                        <a:rPr lang="en-US" sz="2400" dirty="0" smtClean="0"/>
+                        <a:t>12</a:t>
+                      </a:r>
+                      <a:endParaRPr lang="en-US" sz="2400" dirty="0"/>
+                    </a:p>
+                  </a:txBody>
+                  <a:tcPr/>
+                </a:tc>
+              </a:tr>
+              <a:tr h="424543">
+                <a:tc>
+                  <a:txBody>
+                    <a:bodyPr/>
+                    <a:lstStyle/>
+                    <a:p>
+                      <a:r>
+                        <a:rPr lang="en-US" sz="2400" dirty="0" smtClean="0"/>
+                        <a:t>18</a:t>
+                      </a:r>
+                    </a:p>
+                  </a:txBody>
+                  <a:tcPr/>
+                </a:tc>
+              </a:tr>
+            </a:tbl>
+          </a:graphicData>
+        </a:graphic>
+      </p:graphicFrame>
+      <p:sp>
+        <p:nvSpPr>
+          <p:cNvPr id="9" name="TextBox 8"/>
+          <p:cNvSpPr txBox="1"/>
+          <p:nvPr/>
+        </p:nvSpPr>
+        <p:spPr>
+          <a:xfrm>
+            <a:off x="3886200" y="2057400"/>
+            <a:ext cx="1593000" cy="369332"/>
+          </a:xfrm>
+          <a:prstGeom prst="rect">
+            <a:avLst/>
+          </a:prstGeom>
+          <a:noFill/>
+        </p:spPr>
+        <p:txBody>
+          <a:bodyPr wrap="none" rtlCol="0">
+            <a:spAutoFit/>
+          </a:bodyPr>
+          <a:lstStyle/>
+          <a:p>
+            <a:r>
+              <a:rPr lang="en-US" dirty="0" smtClean="0">
+                <a:solidFill>
+                  <a:srgbClr val="FF0000"/>
+                </a:solidFill>
+              </a:rPr>
+              <a:t>Inclusive Scan</a:t>
+            </a:r>
+            <a:endParaRPr lang="en-US" dirty="0">
+              <a:solidFill>
+                <a:srgbClr val="FF0000"/>
+              </a:solidFill>
+            </a:endParaRPr>
+          </a:p>
+        </p:txBody>
+      </p:sp>
+      <p:sp>
+        <p:nvSpPr>
+          <p:cNvPr id="10" name="TextBox 9"/>
+          <p:cNvSpPr txBox="1"/>
+          <p:nvPr/>
+        </p:nvSpPr>
+        <p:spPr>
+          <a:xfrm>
+            <a:off x="5924382" y="2057400"/>
+            <a:ext cx="1619418" cy="369332"/>
+          </a:xfrm>
+          <a:prstGeom prst="rect">
+            <a:avLst/>
+          </a:prstGeom>
+          <a:noFill/>
+        </p:spPr>
+        <p:txBody>
+          <a:bodyPr wrap="none" rtlCol="0">
+            <a:spAutoFit/>
+          </a:bodyPr>
+          <a:lstStyle/>
+          <a:p>
+            <a:r>
+              <a:rPr lang="en-US" dirty="0" smtClean="0">
+                <a:solidFill>
+                  <a:srgbClr val="FF0000"/>
+                </a:solidFill>
+              </a:rPr>
+              <a:t>Exclusive Scan</a:t>
+            </a:r>
+            <a:endParaRPr lang="en-US" dirty="0">
+              <a:solidFill>
+                <a:srgbClr val="FF0000"/>
+              </a:solidFill>
+            </a:endParaRPr>
+          </a:p>
+        </p:txBody>
+      </p:sp>
+      <p:graphicFrame>
+        <p:nvGraphicFramePr>
+          <p:cNvPr id="11" name="Table 10"/>
+          <p:cNvGraphicFramePr>
+            <a:graphicFrameLocks noGrp="1"/>
+          </p:cNvGraphicFramePr>
+          <p:nvPr/>
+        </p:nvGraphicFramePr>
+        <p:xfrm>
+          <a:off x="952500" y="2514600"/>
+          <a:ext cx="1104900" cy="3200400"/>
+        </p:xfrm>
+        <a:graphic>
+          <a:graphicData uri="http://schemas.openxmlformats.org/drawingml/2006/table">
+            <a:tbl>
+              <a:tblPr firstRow="1" bandRow="1">
+                <a:tableStyleId>{5940675A-B579-460E-94D1-54222C63F5DA}</a:tableStyleId>
+              </a:tblPr>
+              <a:tblGrid>
+                <a:gridCol w="1104900"/>
+              </a:tblGrid>
+              <a:tr h="424543">
+                <a:tc>
+                  <a:txBody>
+                    <a:bodyPr/>
+                    <a:lstStyle/>
+                    <a:p>
+                      <a:r>
+                        <a:rPr lang="en-US" sz="2400" dirty="0" smtClean="0"/>
+                        <a:t>3</a:t>
+                      </a:r>
+                      <a:endParaRPr lang="en-US" sz="2400" dirty="0"/>
+                    </a:p>
+                  </a:txBody>
+                  <a:tcPr/>
+                </a:tc>
+              </a:tr>
+              <a:tr h="424543">
+                <a:tc>
+                  <a:txBody>
+                    <a:bodyPr/>
+                    <a:lstStyle/>
+                    <a:p>
+                      <a:r>
+                        <a:rPr lang="en-US" sz="2400" dirty="0" smtClean="0"/>
+                        <a:t>1</a:t>
+                      </a:r>
+                      <a:endParaRPr lang="en-US" sz="2400" dirty="0"/>
+                    </a:p>
+                  </a:txBody>
+                  <a:tcPr/>
+                </a:tc>
+              </a:tr>
+              <a:tr h="424543">
+                <a:tc>
+                  <a:txBody>
+                    <a:bodyPr/>
+                    <a:lstStyle/>
+                    <a:p>
+                      <a:r>
+                        <a:rPr lang="en-US" sz="2400" dirty="0" smtClean="0"/>
+                        <a:t>7</a:t>
+                      </a:r>
+                      <a:endParaRPr lang="en-US" sz="2400" dirty="0"/>
+                    </a:p>
+                  </a:txBody>
+                  <a:tcPr/>
+                </a:tc>
+              </a:tr>
+              <a:tr h="424543">
+                <a:tc>
+                  <a:txBody>
+                    <a:bodyPr/>
+                    <a:lstStyle/>
+                    <a:p>
+                      <a:r>
+                        <a:rPr lang="en-US" sz="2400" dirty="0" smtClean="0"/>
+                        <a:t>0</a:t>
+                      </a:r>
+                      <a:endParaRPr lang="en-US" sz="2400" dirty="0"/>
+                    </a:p>
+                  </a:txBody>
+                  <a:tcPr/>
+                </a:tc>
+              </a:tr>
+              <a:tr h="424543">
+                <a:tc>
+                  <a:txBody>
+                    <a:bodyPr/>
+                    <a:lstStyle/>
+                    <a:p>
+                      <a:r>
+                        <a:rPr lang="en-US" sz="2400" dirty="0" smtClean="0"/>
+                        <a:t>1</a:t>
+                      </a:r>
+                      <a:endParaRPr lang="en-US" sz="2400" dirty="0"/>
+                    </a:p>
+                  </a:txBody>
+                  <a:tcPr/>
+                </a:tc>
+              </a:tr>
+              <a:tr h="424543">
+                <a:tc>
+                  <a:txBody>
+                    <a:bodyPr/>
+                    <a:lstStyle/>
+                    <a:p>
+                      <a:r>
+                        <a:rPr lang="en-US" sz="2400" dirty="0" smtClean="0"/>
+                        <a:t>6</a:t>
+                      </a:r>
+                      <a:endParaRPr lang="en-US" sz="2400" dirty="0"/>
+                    </a:p>
+                  </a:txBody>
+                  <a:tcPr/>
+                </a:tc>
+              </a:tr>
+              <a:tr h="424543">
+                <a:tc>
+                  <a:txBody>
+                    <a:bodyPr/>
+                    <a:lstStyle/>
+                    <a:p>
+                      <a:r>
+                        <a:rPr lang="en-US" sz="2400" dirty="0" smtClean="0"/>
+                        <a:t>3</a:t>
+                      </a:r>
+                      <a:endParaRPr lang="en-US" sz="2400" dirty="0"/>
+                    </a:p>
+                  </a:txBody>
+                  <a:tcPr/>
+                </a:tc>
+              </a:tr>
+            </a:tbl>
+          </a:graphicData>
+        </a:graphic>
+      </p:graphicFrame>
+      <p:sp>
+        <p:nvSpPr>
+          <p:cNvPr id="12" name="TextBox 11"/>
+          <p:cNvSpPr txBox="1"/>
+          <p:nvPr/>
+        </p:nvSpPr>
+        <p:spPr>
+          <a:xfrm>
+            <a:off x="769200" y="2057400"/>
+            <a:ext cx="1380058" cy="369332"/>
+          </a:xfrm>
+          <a:prstGeom prst="rect">
+            <a:avLst/>
+          </a:prstGeom>
+          <a:noFill/>
+        </p:spPr>
+        <p:txBody>
+          <a:bodyPr wrap="none" rtlCol="0">
+            <a:spAutoFit/>
+          </a:bodyPr>
+          <a:lstStyle/>
+          <a:p>
+            <a:r>
+              <a:rPr lang="en-US" dirty="0" smtClean="0">
+                <a:solidFill>
+                  <a:srgbClr val="FF0000"/>
+                </a:solidFill>
+              </a:rPr>
+              <a:t>Frequencies</a:t>
+            </a:r>
+            <a:endParaRPr lang="en-US" dirty="0">
+              <a:solidFill>
+                <a:srgbClr val="FF0000"/>
+              </a:solidFill>
+            </a:endParaRPr>
+          </a:p>
+        </p:txBody>
+      </p:sp>
+    </p:spTree>
+  </p:cSld>
+  <p:clrMapOvr>
+    <a:masterClrMapping/>
+  </p:clrMapOvr>
+  <p:timing>
+    <p:tnLst>
+      <p:par>
+        <p:cTn id="1" dur="indefinite" restart="never" nodeType="tmRoot"/>
+      </p:par>
+    </p:tnLst>
+  </p:timing>
+</p:sld>
+</file>
+
+<file path=ppt/slides/slide5.xml><?xml version="1.0" encoding="utf-8"?>
+<p:sld xmlns:a="http://schemas.openxmlformats.org/drawingml/2006/main" xmlns:r="http://schemas.openxmlformats.org/officeDocument/2006/relationships" xmlns:p="http://schemas.openxmlformats.org/presentationml/2006/main">
+  <p:cSld>
+    <p:spTree>
+      <p:nvGrpSpPr>
+        <p:cNvPr id="1" name=""/>
+        <p:cNvGrpSpPr/>
+        <p:nvPr/>
+      </p:nvGrpSpPr>
+      <p:grpSpPr>
+        <a:xfrm>
+          <a:off x="0" y="0"/>
+          <a:ext cx="0" cy="0"/>
+          <a:chOff x="0" y="0"/>
+          <a:chExt cx="0" cy="0"/>
+        </a:xfrm>
+      </p:grpSpPr>
+      <p:sp>
+        <p:nvSpPr>
+          <p:cNvPr id="2" name="Title 1"/>
+          <p:cNvSpPr>
+            <a:spLocks noGrp="1"/>
+          </p:cNvSpPr>
+          <p:nvPr>
+            <p:ph type="title"/>
+          </p:nvPr>
+        </p:nvSpPr>
+        <p:spPr/>
+        <p:txBody>
+          <a:bodyPr/>
+          <a:lstStyle/>
+          <a:p>
+            <a:r>
+              <a:rPr lang="en-US" dirty="0" smtClean="0"/>
               <a:t>Brief Review of the Problem</a:t>
             </a:r>
+            <a:endParaRPr lang="en-US" dirty="0"/>
+          </a:p>
+        </p:txBody>
+      </p:sp>
+      <p:sp>
+        <p:nvSpPr>
+          <p:cNvPr id="3" name="Content Placeholder 2"/>
+          <p:cNvSpPr>
+            <a:spLocks noGrp="1"/>
+          </p:cNvSpPr>
+          <p:nvPr>
+            <p:ph idx="1"/>
+          </p:nvPr>
+        </p:nvSpPr>
+        <p:spPr/>
+        <p:txBody>
+          <a:bodyPr/>
+          <a:lstStyle/>
+          <a:p>
+            <a:r>
+              <a:rPr lang="en-US" sz="2800" dirty="0" smtClean="0"/>
+              <a:t>For this to be effective the following assumptions must be made:</a:t>
+            </a:r>
+          </a:p>
+          <a:p>
+            <a:pPr lvl="1"/>
+            <a:r>
+              <a:rPr lang="en-US" dirty="0" smtClean="0"/>
+              <a:t>The data in the projection index is previously sorted</a:t>
+            </a:r>
+          </a:p>
+          <a:p>
+            <a:pPr lvl="1"/>
+            <a:r>
+              <a:rPr lang="en-US" dirty="0" smtClean="0"/>
+              <a:t>The projection index is created on a column that is not unique.</a:t>
+            </a:r>
+          </a:p>
+          <a:p>
+            <a:endParaRPr lang="en-US" dirty="0" smtClean="0"/>
+          </a:p>
+          <a:p>
             <a:endParaRPr lang="en-US" dirty="0"/>
           </a:p>
         </p:txBody>
       </p:sp>
       <p:grpSp>
         <p:nvGrpSpPr>
-          <p:cNvPr id="5" name="Group 4"/>
+          <p:cNvPr id="4" name="Group 3"/>
           <p:cNvGrpSpPr/>
           <p:nvPr/>
         </p:nvGrpSpPr>
         <p:grpSpPr>
           <a:xfrm>
-            <a:off x="1066800" y="3886200"/>
+            <a:off x="838200" y="4419600"/>
             <a:ext cx="7239000" cy="1676400"/>
             <a:chOff x="1066800" y="4038600"/>
             <a:chExt cx="7239000" cy="1676400"/>
@@ -7504,7 +9206,7 @@
         </p:grpSpPr>
         <p:sp>
           <p:nvSpPr>
-            <p:cNvPr id="6" name="Rounded Rectangle 5"/>
+            <p:cNvPr id="5" name="Rounded Rectangle 4"/>
             <p:cNvSpPr/>
             <p:nvPr/>
           </p:nvSpPr>
@@ -7570,7 +9272,7 @@
         </p:sp>
         <p:sp>
           <p:nvSpPr>
-            <p:cNvPr id="7" name="Down Arrow 6"/>
+            <p:cNvPr id="6" name="Down Arrow 5"/>
             <p:cNvSpPr/>
             <p:nvPr/>
           </p:nvSpPr>
@@ -7610,7 +9312,7 @@
         </p:sp>
         <p:sp>
           <p:nvSpPr>
-            <p:cNvPr id="8" name="Rounded Rectangle 7"/>
+            <p:cNvPr id="7" name="Rounded Rectangle 6"/>
             <p:cNvSpPr/>
             <p:nvPr/>
           </p:nvSpPr>
@@ -7676,7 +9378,7 @@
         </p:sp>
         <p:sp>
           <p:nvSpPr>
-            <p:cNvPr id="9" name="TextBox 8"/>
+            <p:cNvPr id="8" name="TextBox 7"/>
             <p:cNvSpPr txBox="1"/>
             <p:nvPr/>
           </p:nvSpPr>
@@ -7706,7 +9408,7 @@
         </p:sp>
         <p:sp>
           <p:nvSpPr>
-            <p:cNvPr id="10" name="TextBox 9"/>
+            <p:cNvPr id="9" name="TextBox 8"/>
             <p:cNvSpPr txBox="1"/>
             <p:nvPr/>
           </p:nvSpPr>
@@ -7733,7 +9435,7 @@
         </p:sp>
         <p:sp>
           <p:nvSpPr>
-            <p:cNvPr id="11" name="TextBox 10"/>
+            <p:cNvPr id="10" name="TextBox 9"/>
             <p:cNvSpPr txBox="1"/>
             <p:nvPr/>
           </p:nvSpPr>
@@ -7764,281 +9466,62 @@
       </p:grpSp>
       <p:sp>
         <p:nvSpPr>
-          <p:cNvPr id="12" name="Content Placeholder 2"/>
-          <p:cNvSpPr>
-            <a:spLocks noGrp="1"/>
-          </p:cNvSpPr>
-          <p:nvPr>
-            <p:ph idx="1"/>
-          </p:nvPr>
+          <p:cNvPr id="11" name="Rectangle 10"/>
+          <p:cNvSpPr/>
+          <p:nvPr/>
         </p:nvSpPr>
         <p:spPr>
           <a:xfrm>
-            <a:off x="457200" y="1935480"/>
-            <a:ext cx="8229600" cy="4389120"/>
-          </a:xfrm>
-        </p:spPr>
-        <p:txBody>
-          <a:bodyPr/>
-          <a:lstStyle/>
-          <a:p>
-            <a:r>
-              <a:rPr lang="en-US" dirty="0" smtClean="0"/>
-              <a:t>The Index will be transferred compressed to the GPU</a:t>
-            </a:r>
-          </a:p>
-          <a:p>
-            <a:r>
-              <a:rPr lang="en-US" dirty="0" smtClean="0"/>
-              <a:t>It will then be uncompressed in the GPU using a prefix sum algorithm.</a:t>
-            </a:r>
-            <a:endParaRPr lang="en-US" dirty="0"/>
-          </a:p>
-        </p:txBody>
-      </p:sp>
-    </p:spTree>
-  </p:cSld>
-  <p:clrMapOvr>
-    <a:masterClrMapping/>
-  </p:clrMapOvr>
-  <p:timing>
-    <p:tnLst>
-      <p:par>
-        <p:cTn id="1" dur="indefinite" restart="never" nodeType="tmRoot"/>
-      </p:par>
-    </p:tnLst>
-  </p:timing>
-</p:sld>
-</file>
-
-<file path=ppt/slides/slide4.xml><?xml version="1.0" encoding="utf-8"?>
-<p:sld xmlns:a="http://schemas.openxmlformats.org/drawingml/2006/main" xmlns:r="http://schemas.openxmlformats.org/officeDocument/2006/relationships" xmlns:p="http://schemas.openxmlformats.org/presentationml/2006/main">
-  <p:cSld>
-    <p:spTree>
-      <p:nvGrpSpPr>
-        <p:cNvPr id="1" name=""/>
-        <p:cNvGrpSpPr/>
-        <p:nvPr/>
-      </p:nvGrpSpPr>
-      <p:grpSpPr>
-        <a:xfrm>
-          <a:off x="0" y="0"/>
-          <a:ext cx="0" cy="0"/>
-          <a:chOff x="0" y="0"/>
-          <a:chExt cx="0" cy="0"/>
-        </a:xfrm>
-      </p:grpSpPr>
-      <p:sp>
-        <p:nvSpPr>
-          <p:cNvPr id="5" name="Title 4"/>
-          <p:cNvSpPr>
-            <a:spLocks noGrp="1"/>
-          </p:cNvSpPr>
-          <p:nvPr>
-            <p:ph type="title"/>
-          </p:nvPr>
-        </p:nvSpPr>
-        <p:spPr/>
-        <p:txBody>
-          <a:bodyPr>
-            <a:normAutofit/>
-          </a:bodyPr>
-          <a:lstStyle/>
-          <a:p>
-            <a:r>
-              <a:rPr lang="en-US" dirty="0" smtClean="0"/>
-              <a:t>Old Algorithm</a:t>
-            </a:r>
-            <a:endParaRPr lang="en-US" dirty="0"/>
-          </a:p>
-        </p:txBody>
-      </p:sp>
-      <p:sp>
-        <p:nvSpPr>
-          <p:cNvPr id="6" name="Content Placeholder 5"/>
-          <p:cNvSpPr>
-            <a:spLocks noGrp="1"/>
-          </p:cNvSpPr>
-          <p:nvPr>
-            <p:ph idx="1"/>
-          </p:nvPr>
-        </p:nvSpPr>
-        <p:spPr/>
-        <p:txBody>
-          <a:bodyPr/>
-          <a:lstStyle/>
-          <a:p>
-            <a:pPr marL="274320" lvl="1" indent="-274320">
-              <a:buClr>
-                <a:schemeClr val="accent3"/>
-              </a:buClr>
-              <a:buSzPct val="95000"/>
-            </a:pPr>
-            <a:r>
-              <a:rPr lang="en-US" dirty="0" smtClean="0"/>
-              <a:t>Use the last element of the prefix sum, allocate the amount of memory necessary.</a:t>
-            </a:r>
-          </a:p>
-          <a:p>
-            <a:pPr marL="274320" lvl="1" indent="-274320">
-              <a:buClr>
-                <a:schemeClr val="accent3"/>
-              </a:buClr>
-              <a:buSzPct val="95000"/>
-            </a:pPr>
-            <a:r>
-              <a:rPr lang="en-US" dirty="0" smtClean="0"/>
-              <a:t>Use the </a:t>
-            </a:r>
-            <a:r>
-              <a:rPr lang="en-US" u="sng" dirty="0" smtClean="0"/>
-              <a:t>Exclusive Scan</a:t>
-            </a:r>
-            <a:r>
-              <a:rPr lang="en-US" dirty="0" smtClean="0"/>
-              <a:t> array, to have each thread uncompress each of the array’s attribute values.</a:t>
-            </a:r>
-          </a:p>
-          <a:p>
-            <a:pPr marL="274320" lvl="1" indent="-274320">
-              <a:buClr>
-                <a:schemeClr val="accent3"/>
-              </a:buClr>
-              <a:buSzPct val="95000"/>
-            </a:pPr>
-            <a:r>
-              <a:rPr lang="en-US" dirty="0" smtClean="0"/>
-              <a:t>Potentially very badly load balanced.</a:t>
-            </a:r>
-          </a:p>
-          <a:p>
-            <a:endParaRPr lang="en-US" dirty="0"/>
-          </a:p>
-        </p:txBody>
-      </p:sp>
-      <p:pic>
-        <p:nvPicPr>
-          <p:cNvPr id="3074" name="Picture 2"/>
-          <p:cNvPicPr>
-            <a:picLocks noChangeAspect="1" noChangeArrowheads="1"/>
-          </p:cNvPicPr>
-          <p:nvPr/>
-        </p:nvPicPr>
-        <p:blipFill>
-          <a:blip r:embed="rId3"/>
-          <a:srcRect/>
-          <a:stretch>
-            <a:fillRect/>
-          </a:stretch>
-        </p:blipFill>
-        <p:spPr bwMode="auto">
-          <a:xfrm>
-            <a:off x="1905000" y="4267200"/>
-            <a:ext cx="4999736" cy="1447800"/>
+            <a:off x="3776589" y="5421868"/>
+            <a:ext cx="795411" cy="369332"/>
           </a:xfrm>
           <a:prstGeom prst="rect">
             <a:avLst/>
           </a:prstGeom>
-          <a:noFill/>
-          <a:ln w="9525">
-            <a:noFill/>
-            <a:miter lim="800000"/>
-            <a:headEnd/>
-            <a:tailEnd/>
-          </a:ln>
-          <a:effectLst/>
         </p:spPr>
-      </p:pic>
-    </p:spTree>
-  </p:cSld>
-  <p:clrMapOvr>
-    <a:masterClrMapping/>
-  </p:clrMapOvr>
-  <p:timing>
-    <p:tnLst>
-      <p:par>
-        <p:cTn id="1" dur="indefinite" restart="never" nodeType="tmRoot"/>
-      </p:par>
-    </p:tnLst>
-  </p:timing>
-</p:sld>
-</file>
-
-<file path=ppt/slides/slide5.xml><?xml version="1.0" encoding="utf-8"?>
-<p:sld xmlns:a="http://schemas.openxmlformats.org/drawingml/2006/main" xmlns:r="http://schemas.openxmlformats.org/officeDocument/2006/relationships" xmlns:p="http://schemas.openxmlformats.org/presentationml/2006/main">
-  <p:cSld>
-    <p:spTree>
-      <p:nvGrpSpPr>
-        <p:cNvPr id="1" name=""/>
-        <p:cNvGrpSpPr/>
-        <p:nvPr/>
-      </p:nvGrpSpPr>
-      <p:grpSpPr>
-        <a:xfrm>
-          <a:off x="0" y="0"/>
-          <a:ext cx="0" cy="0"/>
-          <a:chOff x="0" y="0"/>
-          <a:chExt cx="0" cy="0"/>
-        </a:xfrm>
-      </p:grpSpPr>
-      <p:sp>
-        <p:nvSpPr>
-          <p:cNvPr id="2" name="Title 1"/>
-          <p:cNvSpPr>
-            <a:spLocks noGrp="1"/>
-          </p:cNvSpPr>
-          <p:nvPr>
-            <p:ph type="title"/>
-          </p:nvPr>
-        </p:nvSpPr>
-        <p:spPr/>
-        <p:txBody>
-          <a:bodyPr/>
-          <a:lstStyle/>
-          <a:p>
-            <a:r>
-              <a:rPr lang="en-US" dirty="0" smtClean="0"/>
-              <a:t>New Load balanced algorithm</a:t>
+        <p:txBody>
+          <a:bodyPr wrap="none">
+            <a:spAutoFit/>
+          </a:bodyPr>
+          <a:lstStyle/>
+          <a:p>
+            <a:r>
+              <a:rPr lang="en-US" dirty="0" smtClean="0"/>
+              <a:t>A-B-C</a:t>
             </a:r>
             <a:endParaRPr lang="en-US" dirty="0"/>
           </a:p>
         </p:txBody>
       </p:sp>
-      <p:pic>
-        <p:nvPicPr>
-          <p:cNvPr id="2050" name="Picture 2"/>
-          <p:cNvPicPr>
-            <a:picLocks noGrp="1" noChangeAspect="1" noChangeArrowheads="1"/>
-          </p:cNvPicPr>
-          <p:nvPr>
-            <p:ph idx="1"/>
-          </p:nvPr>
-        </p:nvPicPr>
-        <p:blipFill>
-          <a:blip r:embed="rId3"/>
-          <a:srcRect/>
-          <a:stretch>
-            <a:fillRect/>
-          </a:stretch>
-        </p:blipFill>
-        <p:spPr bwMode="auto">
+      <p:sp>
+        <p:nvSpPr>
+          <p:cNvPr id="12" name="Rectangle 11"/>
+          <p:cNvSpPr/>
+          <p:nvPr/>
+        </p:nvSpPr>
+        <p:spPr>
           <a:xfrm>
-            <a:off x="1273935" y="2133600"/>
-            <a:ext cx="6117465" cy="3657600"/>
+            <a:off x="3733800" y="5105400"/>
+            <a:ext cx="904415" cy="369332"/>
           </a:xfrm>
           <a:prstGeom prst="rect">
             <a:avLst/>
           </a:prstGeom>
-          <a:noFill/>
-          <a:ln w="9525">
-            <a:noFill/>
-            <a:miter lim="800000"/>
-            <a:headEnd/>
-            <a:tailEnd/>
-          </a:ln>
-          <a:effectLst/>
         </p:spPr>
-      </p:pic>
+        <p:txBody>
+          <a:bodyPr wrap="none">
+            <a:spAutoFit/>
+          </a:bodyPr>
+          <a:lstStyle/>
+          <a:p>
+            <a:r>
+              <a:rPr lang="en-US" dirty="0" smtClean="0"/>
+              <a:t>3 – 1 - 7</a:t>
+            </a:r>
+            <a:endParaRPr lang="en-US" dirty="0"/>
+          </a:p>
+        </p:txBody>
+      </p:sp>
     </p:spTree>
   </p:cSld>
   <p:clrMapOvr>
@@ -8071,6 +9554,457 @@
           <a:chExt cx="0" cy="0"/>
         </a:xfrm>
       </p:grpSpPr>
+      <p:sp>
+        <p:nvSpPr>
+          <p:cNvPr id="2" name="Title 1"/>
+          <p:cNvSpPr>
+            <a:spLocks noGrp="1"/>
+          </p:cNvSpPr>
+          <p:nvPr>
+            <p:ph type="title"/>
+          </p:nvPr>
+        </p:nvSpPr>
+        <p:spPr/>
+        <p:txBody>
+          <a:bodyPr/>
+          <a:lstStyle/>
+          <a:p>
+            <a:r>
+              <a:rPr lang="en-US" dirty="0" smtClean="0"/>
+              <a:t>Outline</a:t>
+            </a:r>
+            <a:endParaRPr lang="en-US" dirty="0"/>
+          </a:p>
+        </p:txBody>
+      </p:sp>
+      <p:sp>
+        <p:nvSpPr>
+          <p:cNvPr id="3" name="Content Placeholder 2"/>
+          <p:cNvSpPr>
+            <a:spLocks noGrp="1"/>
+          </p:cNvSpPr>
+          <p:nvPr>
+            <p:ph idx="1"/>
+          </p:nvPr>
+        </p:nvSpPr>
+        <p:spPr/>
+        <p:txBody>
+          <a:bodyPr/>
+          <a:lstStyle/>
+          <a:p>
+            <a:r>
+              <a:rPr lang="en-US" dirty="0" smtClean="0"/>
+              <a:t>Brief Review of the Problem.</a:t>
+            </a:r>
+          </a:p>
+          <a:p>
+            <a:r>
+              <a:rPr lang="en-US" dirty="0" smtClean="0">
+                <a:solidFill>
+                  <a:srgbClr val="FF0000"/>
+                </a:solidFill>
+              </a:rPr>
+              <a:t>Algorithm Design</a:t>
+            </a:r>
+          </a:p>
+          <a:p>
+            <a:pPr lvl="1"/>
+            <a:r>
+              <a:rPr lang="en-US" dirty="0" smtClean="0"/>
+              <a:t>First Algorithm</a:t>
+            </a:r>
+          </a:p>
+          <a:p>
+            <a:pPr lvl="1"/>
+            <a:r>
+              <a:rPr lang="en-US" dirty="0" smtClean="0"/>
+              <a:t>Load Balanced Algorithm</a:t>
+            </a:r>
+            <a:endParaRPr lang="en-US" dirty="0" smtClean="0"/>
+          </a:p>
+          <a:p>
+            <a:r>
+              <a:rPr lang="en-US" dirty="0" smtClean="0"/>
+              <a:t>Testing Methodology</a:t>
+            </a:r>
+          </a:p>
+          <a:p>
+            <a:r>
+              <a:rPr lang="en-US" dirty="0" smtClean="0"/>
+              <a:t>Results and Benchmarks</a:t>
+            </a:r>
+          </a:p>
+          <a:p>
+            <a:r>
+              <a:rPr lang="en-US" dirty="0" smtClean="0"/>
+              <a:t>Problems Found</a:t>
+            </a:r>
+          </a:p>
+          <a:p>
+            <a:r>
+              <a:rPr lang="en-US" dirty="0" smtClean="0"/>
+              <a:t>Conclusions</a:t>
+            </a:r>
+          </a:p>
+          <a:p>
+            <a:r>
+              <a:rPr lang="en-US" dirty="0" smtClean="0"/>
+              <a:t>Future work</a:t>
+            </a:r>
+          </a:p>
+          <a:p>
+            <a:endParaRPr lang="en-US" dirty="0"/>
+          </a:p>
+        </p:txBody>
+      </p:sp>
+    </p:spTree>
+  </p:cSld>
+  <p:clrMapOvr>
+    <a:masterClrMapping/>
+  </p:clrMapOvr>
+  <p:timing>
+    <p:tnLst>
+      <p:par>
+        <p:cTn id="1" dur="indefinite" restart="never" nodeType="tmRoot"/>
+      </p:par>
+    </p:tnLst>
+  </p:timing>
+</p:sld>
+</file>
+
+<file path=ppt/slides/slide7.xml><?xml version="1.0" encoding="utf-8"?>
+<p:sld xmlns:a="http://schemas.openxmlformats.org/drawingml/2006/main" xmlns:r="http://schemas.openxmlformats.org/officeDocument/2006/relationships" xmlns:p="http://schemas.openxmlformats.org/presentationml/2006/main">
+  <p:cSld>
+    <p:spTree>
+      <p:nvGrpSpPr>
+        <p:cNvPr id="1" name=""/>
+        <p:cNvGrpSpPr/>
+        <p:nvPr/>
+      </p:nvGrpSpPr>
+      <p:grpSpPr>
+        <a:xfrm>
+          <a:off x="0" y="0"/>
+          <a:ext cx="0" cy="0"/>
+          <a:chOff x="0" y="0"/>
+          <a:chExt cx="0" cy="0"/>
+        </a:xfrm>
+      </p:grpSpPr>
+      <p:sp>
+        <p:nvSpPr>
+          <p:cNvPr id="5" name="Title 4"/>
+          <p:cNvSpPr>
+            <a:spLocks noGrp="1"/>
+          </p:cNvSpPr>
+          <p:nvPr>
+            <p:ph type="title"/>
+          </p:nvPr>
+        </p:nvSpPr>
+        <p:spPr/>
+        <p:txBody>
+          <a:bodyPr>
+            <a:normAutofit/>
+          </a:bodyPr>
+          <a:lstStyle/>
+          <a:p>
+            <a:r>
+              <a:rPr lang="en-US" dirty="0" smtClean="0"/>
+              <a:t>First Algorithm</a:t>
+            </a:r>
+            <a:endParaRPr lang="en-US" dirty="0"/>
+          </a:p>
+        </p:txBody>
+      </p:sp>
+      <p:sp>
+        <p:nvSpPr>
+          <p:cNvPr id="6" name="Content Placeholder 5"/>
+          <p:cNvSpPr>
+            <a:spLocks noGrp="1"/>
+          </p:cNvSpPr>
+          <p:nvPr>
+            <p:ph idx="1"/>
+          </p:nvPr>
+        </p:nvSpPr>
+        <p:spPr/>
+        <p:txBody>
+          <a:bodyPr>
+            <a:normAutofit/>
+          </a:bodyPr>
+          <a:lstStyle/>
+          <a:p>
+            <a:pPr marL="274320" lvl="1" indent="-274320">
+              <a:buClr>
+                <a:schemeClr val="accent3"/>
+              </a:buClr>
+              <a:buSzPct val="95000"/>
+            </a:pPr>
+            <a:r>
+              <a:rPr lang="en-US" dirty="0" smtClean="0"/>
+              <a:t>Use the last element of the prefix sum, allocate the amount of memory necessary.</a:t>
+            </a:r>
+          </a:p>
+          <a:p>
+            <a:pPr marL="274320" lvl="1" indent="-274320">
+              <a:buClr>
+                <a:schemeClr val="accent3"/>
+              </a:buClr>
+              <a:buSzPct val="95000"/>
+            </a:pPr>
+            <a:r>
+              <a:rPr lang="en-US" dirty="0" smtClean="0"/>
+              <a:t>Kernel </a:t>
+            </a:r>
+            <a:r>
+              <a:rPr lang="en-US" dirty="0" smtClean="0"/>
+              <a:t>1: Use </a:t>
+            </a:r>
+            <a:r>
+              <a:rPr lang="en-US" dirty="0" smtClean="0"/>
+              <a:t>the </a:t>
+            </a:r>
+            <a:r>
+              <a:rPr lang="en-US" u="sng" dirty="0" smtClean="0"/>
+              <a:t>Exclusive Scan</a:t>
+            </a:r>
+            <a:r>
+              <a:rPr lang="en-US" dirty="0" smtClean="0"/>
+              <a:t> array, to have each thread uncompress each of the array’s attribute values.</a:t>
+            </a:r>
+          </a:p>
+          <a:p>
+            <a:r>
+              <a:rPr lang="en-US" dirty="0" smtClean="0"/>
+              <a:t>Kernel 2:</a:t>
+            </a:r>
+          </a:p>
+          <a:p>
+            <a:endParaRPr lang="en-US" dirty="0" smtClean="0"/>
+          </a:p>
+          <a:p>
+            <a:endParaRPr lang="en-US" dirty="0" smtClean="0"/>
+          </a:p>
+          <a:p>
+            <a:endParaRPr lang="en-US" dirty="0" smtClean="0"/>
+          </a:p>
+          <a:p>
+            <a:pPr marL="274320" lvl="1" indent="-274320">
+              <a:buClr>
+                <a:schemeClr val="accent3"/>
+              </a:buClr>
+              <a:buSzPct val="95000"/>
+            </a:pPr>
+            <a:r>
+              <a:rPr lang="en-US" dirty="0" smtClean="0"/>
+              <a:t>Potentially very badly load balanced</a:t>
+            </a:r>
+            <a:r>
+              <a:rPr lang="en-US" dirty="0" smtClean="0"/>
+              <a:t>.</a:t>
+            </a:r>
+            <a:r>
+              <a:rPr lang="en-US" dirty="0" smtClean="0"/>
+              <a:t> </a:t>
+            </a:r>
+            <a:endParaRPr lang="en-US" dirty="0"/>
+          </a:p>
+        </p:txBody>
+      </p:sp>
+      <p:pic>
+        <p:nvPicPr>
+          <p:cNvPr id="3074" name="Picture 2"/>
+          <p:cNvPicPr>
+            <a:picLocks noChangeAspect="1" noChangeArrowheads="1"/>
+          </p:cNvPicPr>
+          <p:nvPr/>
+        </p:nvPicPr>
+        <p:blipFill>
+          <a:blip r:embed="rId3"/>
+          <a:srcRect/>
+          <a:stretch>
+            <a:fillRect/>
+          </a:stretch>
+        </p:blipFill>
+        <p:spPr bwMode="auto">
+          <a:xfrm>
+            <a:off x="2315464" y="3733800"/>
+            <a:ext cx="4999736" cy="1447800"/>
+          </a:xfrm>
+          <a:prstGeom prst="rect">
+            <a:avLst/>
+          </a:prstGeom>
+          <a:noFill/>
+          <a:ln w="9525">
+            <a:noFill/>
+            <a:miter lim="800000"/>
+            <a:headEnd/>
+            <a:tailEnd/>
+          </a:ln>
+          <a:effectLst/>
+        </p:spPr>
+      </p:pic>
+    </p:spTree>
+  </p:cSld>
+  <p:clrMapOvr>
+    <a:masterClrMapping/>
+  </p:clrMapOvr>
+  <p:timing>
+    <p:tnLst>
+      <p:par>
+        <p:cTn id="1" dur="indefinite" restart="never" nodeType="tmRoot"/>
+      </p:par>
+    </p:tnLst>
+  </p:timing>
+</p:sld>
+</file>
+
+<file path=ppt/slides/slide8.xml><?xml version="1.0" encoding="utf-8"?>
+<p:sld xmlns:a="http://schemas.openxmlformats.org/drawingml/2006/main" xmlns:r="http://schemas.openxmlformats.org/officeDocument/2006/relationships" xmlns:p="http://schemas.openxmlformats.org/presentationml/2006/main">
+  <p:cSld>
+    <p:spTree>
+      <p:nvGrpSpPr>
+        <p:cNvPr id="1" name=""/>
+        <p:cNvGrpSpPr/>
+        <p:nvPr/>
+      </p:nvGrpSpPr>
+      <p:grpSpPr>
+        <a:xfrm>
+          <a:off x="0" y="0"/>
+          <a:ext cx="0" cy="0"/>
+          <a:chOff x="0" y="0"/>
+          <a:chExt cx="0" cy="0"/>
+        </a:xfrm>
+      </p:grpSpPr>
+      <p:sp>
+        <p:nvSpPr>
+          <p:cNvPr id="2" name="Title 1"/>
+          <p:cNvSpPr>
+            <a:spLocks noGrp="1"/>
+          </p:cNvSpPr>
+          <p:nvPr>
+            <p:ph type="title"/>
+          </p:nvPr>
+        </p:nvSpPr>
+        <p:spPr/>
+        <p:txBody>
+          <a:bodyPr>
+            <a:normAutofit fontScale="90000"/>
+          </a:bodyPr>
+          <a:lstStyle/>
+          <a:p>
+            <a:r>
+              <a:rPr lang="en-US" dirty="0" smtClean="0"/>
+              <a:t>Load Balanced Algorithm</a:t>
+            </a:r>
+            <a:br>
+              <a:rPr lang="en-US" dirty="0" smtClean="0"/>
+            </a:br>
+            <a:endParaRPr lang="en-US" dirty="0"/>
+          </a:p>
+        </p:txBody>
+      </p:sp>
+      <p:sp>
+        <p:nvSpPr>
+          <p:cNvPr id="3" name="Content Placeholder 2"/>
+          <p:cNvSpPr>
+            <a:spLocks noGrp="1"/>
+          </p:cNvSpPr>
+          <p:nvPr>
+            <p:ph idx="1"/>
+          </p:nvPr>
+        </p:nvSpPr>
+        <p:spPr>
+          <a:xfrm>
+            <a:off x="457200" y="1295400"/>
+            <a:ext cx="8229600" cy="5029200"/>
+          </a:xfrm>
+        </p:spPr>
+        <p:txBody>
+          <a:bodyPr/>
+          <a:lstStyle/>
+          <a:p>
+            <a:r>
+              <a:rPr lang="en-US" dirty="0" smtClean="0"/>
+              <a:t>Solves the Load Balancing Problem.</a:t>
+            </a:r>
+          </a:p>
+          <a:p>
+            <a:r>
+              <a:rPr lang="en-US" dirty="0" smtClean="0"/>
+              <a:t>Takes five Kernels to do It.</a:t>
+            </a:r>
+          </a:p>
+          <a:p>
+            <a:r>
+              <a:rPr lang="en-US" dirty="0" smtClean="0"/>
+              <a:t>Uses at least twice more memory!</a:t>
+            </a:r>
+          </a:p>
+        </p:txBody>
+      </p:sp>
+      <p:pic>
+        <p:nvPicPr>
+          <p:cNvPr id="5" name="Picture 2"/>
+          <p:cNvPicPr>
+            <a:picLocks noChangeAspect="1" noChangeArrowheads="1"/>
+          </p:cNvPicPr>
+          <p:nvPr/>
+        </p:nvPicPr>
+        <p:blipFill>
+          <a:blip r:embed="rId3"/>
+          <a:srcRect/>
+          <a:stretch>
+            <a:fillRect/>
+          </a:stretch>
+        </p:blipFill>
+        <p:spPr bwMode="auto">
+          <a:xfrm>
+            <a:off x="1524000" y="2819400"/>
+            <a:ext cx="6117465" cy="3657600"/>
+          </a:xfrm>
+          <a:prstGeom prst="rect">
+            <a:avLst/>
+          </a:prstGeom>
+          <a:noFill/>
+          <a:ln w="9525">
+            <a:noFill/>
+            <a:miter lim="800000"/>
+            <a:headEnd/>
+            <a:tailEnd/>
+          </a:ln>
+          <a:effectLst/>
+        </p:spPr>
+      </p:pic>
+    </p:spTree>
+  </p:cSld>
+  <p:clrMapOvr>
+    <a:masterClrMapping/>
+  </p:clrMapOvr>
+  <p:timing>
+    <p:tnLst>
+      <p:par>
+        <p:cTn id="1" dur="indefinite" restart="never" nodeType="tmRoot"/>
+      </p:par>
+    </p:tnLst>
+  </p:timing>
+</p:sld>
+</file>
+
+<file path=ppt/slides/slide9.xml><?xml version="1.0" encoding="utf-8"?>
+<p:sld xmlns:a="http://schemas.openxmlformats.org/drawingml/2006/main" xmlns:r="http://schemas.openxmlformats.org/officeDocument/2006/relationships" xmlns:p="http://schemas.openxmlformats.org/presentationml/2006/main">
+  <p:cSld>
+    <p:spTree>
+      <p:nvGrpSpPr>
+        <p:cNvPr id="1" name=""/>
+        <p:cNvGrpSpPr/>
+        <p:nvPr/>
+      </p:nvGrpSpPr>
+      <p:grpSpPr>
+        <a:xfrm>
+          <a:off x="0" y="0"/>
+          <a:ext cx="0" cy="0"/>
+          <a:chOff x="0" y="0"/>
+          <a:chExt cx="0" cy="0"/>
+        </a:xfrm>
+      </p:grpSpPr>
       <p:graphicFrame>
         <p:nvGraphicFramePr>
           <p:cNvPr id="4" name="Table 3"/>
@@ -8080,7 +10014,7 @@
           <p:nvPr/>
         </p:nvGraphicFramePr>
         <p:xfrm>
-          <a:off x="1676400" y="2438400"/>
+          <a:off x="1905000" y="2524760"/>
           <a:ext cx="1905000" cy="370840"/>
         </p:xfrm>
         <a:graphic>
@@ -8166,7 +10100,7 @@
           <p:nvPr/>
         </p:nvGraphicFramePr>
         <p:xfrm>
-          <a:off x="1676400" y="2961640"/>
+          <a:off x="1905000" y="3286760"/>
           <a:ext cx="1905000" cy="370840"/>
         </p:xfrm>
         <a:graphic>
@@ -8252,7 +10186,7 @@
           <p:nvPr/>
         </p:nvGraphicFramePr>
         <p:xfrm>
-          <a:off x="1676400" y="3515360"/>
+          <a:off x="1905000" y="4572000"/>
           <a:ext cx="5181600" cy="370840"/>
         </p:xfrm>
         <a:graphic>
@@ -8428,7 +10362,7 @@
           <p:nvPr/>
         </p:nvGraphicFramePr>
         <p:xfrm>
-          <a:off x="1676400" y="1981200"/>
+          <a:off x="1905000" y="2067560"/>
           <a:ext cx="1905000" cy="370840"/>
         </p:xfrm>
         <a:graphic>
@@ -8514,7 +10448,7 @@
           <p:nvPr/>
         </p:nvGraphicFramePr>
         <p:xfrm>
-          <a:off x="1676400" y="4048760"/>
+          <a:off x="1905000" y="5115560"/>
           <a:ext cx="5181600" cy="370840"/>
         </p:xfrm>
         <a:graphic>
@@ -8690,7 +10624,7 @@
           <p:nvPr/>
         </p:nvGraphicFramePr>
         <p:xfrm>
-          <a:off x="1676400" y="4582160"/>
+          <a:off x="1905000" y="5715000"/>
           <a:ext cx="5181600" cy="370840"/>
         </p:xfrm>
         <a:graphic>
@@ -8872,6 +10806,553 @@
           <a:bodyPr/>
           <a:lstStyle/>
           <a:p>
+            <a:r>
+              <a:rPr lang="en-US" dirty="0" smtClean="0"/>
+              <a:t>Load </a:t>
+            </a:r>
+            <a:r>
+              <a:rPr lang="en-US" dirty="0" smtClean="0"/>
+              <a:t>balanced algorithm</a:t>
+            </a:r>
+            <a:endParaRPr lang="en-US" dirty="0"/>
+          </a:p>
+        </p:txBody>
+      </p:sp>
+      <p:cxnSp>
+        <p:nvCxnSpPr>
+          <p:cNvPr id="11" name="Straight Arrow Connector 10"/>
+          <p:cNvCxnSpPr/>
+          <p:nvPr/>
+        </p:nvCxnSpPr>
+        <p:spPr>
+          <a:xfrm rot="5400000">
+            <a:off x="2705894" y="3113881"/>
+            <a:ext cx="304800" cy="1588"/>
+          </a:xfrm>
+          <a:prstGeom prst="straightConnector1">
+            <a:avLst/>
+          </a:prstGeom>
+          <a:ln>
+            <a:tailEnd type="arrow"/>
+          </a:ln>
+        </p:spPr>
+        <p:style>
+          <a:lnRef idx="3">
+            <a:schemeClr val="accent1"/>
+          </a:lnRef>
+          <a:fillRef idx="0">
+            <a:schemeClr val="accent1"/>
+          </a:fillRef>
+          <a:effectRef idx="2">
+            <a:schemeClr val="accent1"/>
+          </a:effectRef>
+          <a:fontRef idx="minor">
+            <a:schemeClr val="tx1"/>
+          </a:fontRef>
+        </p:style>
+      </p:cxnSp>
+      <p:sp>
+        <p:nvSpPr>
+          <p:cNvPr id="15" name="TextBox 14"/>
+          <p:cNvSpPr txBox="1"/>
+          <p:nvPr/>
+        </p:nvSpPr>
+        <p:spPr>
+          <a:xfrm>
+            <a:off x="4038600" y="2069068"/>
+            <a:ext cx="1524000" cy="369332"/>
+          </a:xfrm>
+          <a:prstGeom prst="rect">
+            <a:avLst/>
+          </a:prstGeom>
+          <a:noFill/>
+        </p:spPr>
+        <p:txBody>
+          <a:bodyPr wrap="square" rtlCol="0">
+            <a:spAutoFit/>
+          </a:bodyPr>
+          <a:lstStyle/>
+          <a:p>
+            <a:r>
+              <a:rPr lang="en-US" dirty="0" smtClean="0"/>
+              <a:t>Symbols: S</a:t>
+            </a:r>
+            <a:endParaRPr lang="en-US" dirty="0"/>
+          </a:p>
+        </p:txBody>
+      </p:sp>
+      <p:sp>
+        <p:nvSpPr>
+          <p:cNvPr id="16" name="TextBox 15"/>
+          <p:cNvSpPr txBox="1"/>
+          <p:nvPr/>
+        </p:nvSpPr>
+        <p:spPr>
+          <a:xfrm>
+            <a:off x="4038600" y="2526268"/>
+            <a:ext cx="1752600" cy="369332"/>
+          </a:xfrm>
+          <a:prstGeom prst="rect">
+            <a:avLst/>
+          </a:prstGeom>
+          <a:noFill/>
+        </p:spPr>
+        <p:txBody>
+          <a:bodyPr wrap="square" rtlCol="0">
+            <a:spAutoFit/>
+          </a:bodyPr>
+          <a:lstStyle/>
+          <a:p>
+            <a:r>
+              <a:rPr lang="en-US" dirty="0" smtClean="0"/>
+              <a:t>Frequencies : F</a:t>
+            </a:r>
+            <a:endParaRPr lang="en-US" dirty="0"/>
+          </a:p>
+        </p:txBody>
+      </p:sp>
+      <p:sp>
+        <p:nvSpPr>
+          <p:cNvPr id="17" name="TextBox 16"/>
+          <p:cNvSpPr txBox="1"/>
+          <p:nvPr/>
+        </p:nvSpPr>
+        <p:spPr>
+          <a:xfrm>
+            <a:off x="4038600" y="3288268"/>
+            <a:ext cx="1981200" cy="369332"/>
+          </a:xfrm>
+          <a:prstGeom prst="rect">
+            <a:avLst/>
+          </a:prstGeom>
+          <a:noFill/>
+        </p:spPr>
+        <p:txBody>
+          <a:bodyPr wrap="square" rtlCol="0">
+            <a:spAutoFit/>
+          </a:bodyPr>
+          <a:lstStyle/>
+          <a:p>
+            <a:r>
+              <a:rPr lang="en-US" dirty="0" smtClean="0"/>
+              <a:t>Exclusive Scan: X</a:t>
+            </a:r>
+            <a:endParaRPr lang="en-US" dirty="0"/>
+          </a:p>
+        </p:txBody>
+      </p:sp>
+      <p:graphicFrame>
+        <p:nvGraphicFramePr>
+          <p:cNvPr id="18" name="Table 17"/>
+          <p:cNvGraphicFramePr>
+            <a:graphicFrameLocks noGrp="1"/>
+          </p:cNvGraphicFramePr>
+          <p:nvPr/>
+        </p:nvGraphicFramePr>
+        <p:xfrm>
+          <a:off x="1905000" y="3972560"/>
+          <a:ext cx="5181600" cy="370840"/>
+        </p:xfrm>
+        <a:graphic>
+          <a:graphicData uri="http://schemas.openxmlformats.org/drawingml/2006/table">
+            <a:tbl>
+              <a:tblPr firstRow="1" bandRow="1">
+                <a:tableStyleId>{5940675A-B579-460E-94D1-54222C63F5DA}</a:tableStyleId>
+              </a:tblPr>
+              <a:tblGrid>
+                <a:gridCol w="518160"/>
+                <a:gridCol w="518160"/>
+                <a:gridCol w="518160"/>
+                <a:gridCol w="518160"/>
+                <a:gridCol w="518160"/>
+                <a:gridCol w="518160"/>
+                <a:gridCol w="518160"/>
+                <a:gridCol w="518160"/>
+                <a:gridCol w="518160"/>
+                <a:gridCol w="518160"/>
+              </a:tblGrid>
+              <a:tr h="370840">
+                <a:tc>
+                  <a:txBody>
+                    <a:bodyPr/>
+                    <a:lstStyle/>
+                    <a:p>
+                      <a:r>
+                        <a:rPr lang="en-US" dirty="0" smtClean="0"/>
+                        <a:t>0</a:t>
+                      </a:r>
+                      <a:endParaRPr lang="en-US" dirty="0"/>
+                    </a:p>
+                  </a:txBody>
+                  <a:tcPr/>
+                </a:tc>
+                <a:tc>
+                  <a:txBody>
+                    <a:bodyPr/>
+                    <a:lstStyle/>
+                    <a:p>
+                      <a:r>
+                        <a:rPr lang="en-US" dirty="0" smtClean="0"/>
+                        <a:t>0</a:t>
+                      </a:r>
+                      <a:endParaRPr lang="en-US" dirty="0"/>
+                    </a:p>
+                  </a:txBody>
+                  <a:tcPr/>
+                </a:tc>
+                <a:tc>
+                  <a:txBody>
+                    <a:bodyPr/>
+                    <a:lstStyle/>
+                    <a:p>
+                      <a:r>
+                        <a:rPr lang="en-US" dirty="0" smtClean="0"/>
+                        <a:t>0</a:t>
+                      </a:r>
+                      <a:endParaRPr lang="en-US" dirty="0"/>
+                    </a:p>
+                  </a:txBody>
+                  <a:tcPr/>
+                </a:tc>
+                <a:tc>
+                  <a:txBody>
+                    <a:bodyPr/>
+                    <a:lstStyle/>
+                    <a:p>
+                      <a:r>
+                        <a:rPr lang="en-US" dirty="0" smtClean="0"/>
+                        <a:t>0</a:t>
+                      </a:r>
+                      <a:endParaRPr lang="en-US" dirty="0"/>
+                    </a:p>
+                  </a:txBody>
+                  <a:tcPr/>
+                </a:tc>
+                <a:tc>
+                  <a:txBody>
+                    <a:bodyPr/>
+                    <a:lstStyle/>
+                    <a:p>
+                      <a:r>
+                        <a:rPr lang="en-US" dirty="0" smtClean="0"/>
+                        <a:t>0</a:t>
+                      </a:r>
+                      <a:endParaRPr lang="en-US" dirty="0"/>
+                    </a:p>
+                  </a:txBody>
+                  <a:tcPr/>
+                </a:tc>
+                <a:tc>
+                  <a:txBody>
+                    <a:bodyPr/>
+                    <a:lstStyle/>
+                    <a:p>
+                      <a:r>
+                        <a:rPr lang="en-US" dirty="0" smtClean="0"/>
+                        <a:t>0</a:t>
+                      </a:r>
+                      <a:endParaRPr lang="en-US" dirty="0"/>
+                    </a:p>
+                  </a:txBody>
+                  <a:tcPr/>
+                </a:tc>
+                <a:tc>
+                  <a:txBody>
+                    <a:bodyPr/>
+                    <a:lstStyle/>
+                    <a:p>
+                      <a:r>
+                        <a:rPr lang="en-US" dirty="0" smtClean="0"/>
+                        <a:t>0</a:t>
+                      </a:r>
+                      <a:endParaRPr lang="en-US" dirty="0"/>
+                    </a:p>
+                  </a:txBody>
+                  <a:tcPr/>
+                </a:tc>
+                <a:tc>
+                  <a:txBody>
+                    <a:bodyPr/>
+                    <a:lstStyle/>
+                    <a:p>
+                      <a:r>
+                        <a:rPr lang="en-US" dirty="0" smtClean="0"/>
+                        <a:t>0</a:t>
+                      </a:r>
+                      <a:endParaRPr lang="en-US" dirty="0"/>
+                    </a:p>
+                  </a:txBody>
+                  <a:tcPr/>
+                </a:tc>
+                <a:tc>
+                  <a:txBody>
+                    <a:bodyPr/>
+                    <a:lstStyle/>
+                    <a:p>
+                      <a:r>
+                        <a:rPr lang="en-US" dirty="0" smtClean="0"/>
+                        <a:t>0</a:t>
+                      </a:r>
+                      <a:endParaRPr lang="en-US" dirty="0"/>
+                    </a:p>
+                  </a:txBody>
+                  <a:tcPr/>
+                </a:tc>
+                <a:tc>
+                  <a:txBody>
+                    <a:bodyPr/>
+                    <a:lstStyle/>
+                    <a:p>
+                      <a:r>
+                        <a:rPr lang="en-US" dirty="0" smtClean="0"/>
+                        <a:t>0</a:t>
+                      </a:r>
+                      <a:endParaRPr lang="en-US" dirty="0"/>
+                    </a:p>
+                  </a:txBody>
+                  <a:tcPr/>
+                </a:tc>
+              </a:tr>
+            </a:tbl>
+          </a:graphicData>
+        </a:graphic>
+      </p:graphicFrame>
+      <p:sp>
+        <p:nvSpPr>
+          <p:cNvPr id="19" name="TextBox 18"/>
+          <p:cNvSpPr txBox="1"/>
+          <p:nvPr/>
+        </p:nvSpPr>
+        <p:spPr>
+          <a:xfrm>
+            <a:off x="7391400" y="3962400"/>
+            <a:ext cx="1981200" cy="369332"/>
+          </a:xfrm>
+          <a:prstGeom prst="rect">
+            <a:avLst/>
+          </a:prstGeom>
+          <a:noFill/>
+        </p:spPr>
+        <p:txBody>
+          <a:bodyPr wrap="square" rtlCol="0">
+            <a:spAutoFit/>
+          </a:bodyPr>
+          <a:lstStyle/>
+          <a:p>
+            <a:r>
+              <a:rPr lang="en-US" dirty="0" smtClean="0"/>
+              <a:t>Kernel 2</a:t>
+            </a:r>
+            <a:endParaRPr lang="en-US" dirty="0"/>
+          </a:p>
+        </p:txBody>
+      </p:sp>
+      <p:sp>
+        <p:nvSpPr>
+          <p:cNvPr id="20" name="TextBox 19"/>
+          <p:cNvSpPr txBox="1"/>
+          <p:nvPr/>
+        </p:nvSpPr>
+        <p:spPr>
+          <a:xfrm>
+            <a:off x="7391400" y="4583668"/>
+            <a:ext cx="1981200" cy="369332"/>
+          </a:xfrm>
+          <a:prstGeom prst="rect">
+            <a:avLst/>
+          </a:prstGeom>
+          <a:noFill/>
+        </p:spPr>
+        <p:txBody>
+          <a:bodyPr wrap="square" rtlCol="0">
+            <a:spAutoFit/>
+          </a:bodyPr>
+          <a:lstStyle/>
+          <a:p>
+            <a:r>
+              <a:rPr lang="en-US" dirty="0" smtClean="0"/>
+              <a:t>Kernel 3</a:t>
+            </a:r>
+            <a:endParaRPr lang="en-US" dirty="0"/>
+          </a:p>
+        </p:txBody>
+      </p:sp>
+      <p:sp>
+        <p:nvSpPr>
+          <p:cNvPr id="21" name="TextBox 20"/>
+          <p:cNvSpPr txBox="1"/>
+          <p:nvPr/>
+        </p:nvSpPr>
+        <p:spPr>
+          <a:xfrm>
+            <a:off x="7391400" y="5117068"/>
+            <a:ext cx="1981200" cy="369332"/>
+          </a:xfrm>
+          <a:prstGeom prst="rect">
+            <a:avLst/>
+          </a:prstGeom>
+          <a:noFill/>
+        </p:spPr>
+        <p:txBody>
+          <a:bodyPr wrap="square" rtlCol="0">
+            <a:spAutoFit/>
+          </a:bodyPr>
+          <a:lstStyle/>
+          <a:p>
+            <a:r>
+              <a:rPr lang="en-US" dirty="0" smtClean="0"/>
+              <a:t>Kernel 4</a:t>
+            </a:r>
+            <a:endParaRPr lang="en-US" dirty="0"/>
+          </a:p>
+        </p:txBody>
+      </p:sp>
+      <p:sp>
+        <p:nvSpPr>
+          <p:cNvPr id="22" name="TextBox 21"/>
+          <p:cNvSpPr txBox="1"/>
+          <p:nvPr/>
+        </p:nvSpPr>
+        <p:spPr>
+          <a:xfrm>
+            <a:off x="7391400" y="5726668"/>
+            <a:ext cx="1981200" cy="369332"/>
+          </a:xfrm>
+          <a:prstGeom prst="rect">
+            <a:avLst/>
+          </a:prstGeom>
+          <a:noFill/>
+        </p:spPr>
+        <p:txBody>
+          <a:bodyPr wrap="square" rtlCol="0">
+            <a:spAutoFit/>
+          </a:bodyPr>
+          <a:lstStyle/>
+          <a:p>
+            <a:r>
+              <a:rPr lang="en-US" dirty="0" smtClean="0"/>
+              <a:t>Kernel 5</a:t>
+            </a:r>
+            <a:endParaRPr lang="en-US" dirty="0"/>
+          </a:p>
+        </p:txBody>
+      </p:sp>
+      <p:sp>
+        <p:nvSpPr>
+          <p:cNvPr id="28" name="TextBox 27"/>
+          <p:cNvSpPr txBox="1"/>
+          <p:nvPr/>
+        </p:nvSpPr>
+        <p:spPr>
+          <a:xfrm>
+            <a:off x="762000" y="3974068"/>
+            <a:ext cx="990600" cy="369332"/>
+          </a:xfrm>
+          <a:prstGeom prst="rect">
+            <a:avLst/>
+          </a:prstGeom>
+          <a:noFill/>
+        </p:spPr>
+        <p:txBody>
+          <a:bodyPr wrap="square" rtlCol="0">
+            <a:spAutoFit/>
+          </a:bodyPr>
+          <a:lstStyle/>
+          <a:p>
+            <a:r>
+              <a:rPr lang="en-US" dirty="0" smtClean="0"/>
+              <a:t>Array A</a:t>
+            </a:r>
+            <a:endParaRPr lang="en-US" dirty="0"/>
+          </a:p>
+        </p:txBody>
+      </p:sp>
+      <p:sp>
+        <p:nvSpPr>
+          <p:cNvPr id="30" name="TextBox 29"/>
+          <p:cNvSpPr txBox="1"/>
+          <p:nvPr/>
+        </p:nvSpPr>
+        <p:spPr>
+          <a:xfrm>
+            <a:off x="762000" y="4583668"/>
+            <a:ext cx="990600" cy="369332"/>
+          </a:xfrm>
+          <a:prstGeom prst="rect">
+            <a:avLst/>
+          </a:prstGeom>
+          <a:noFill/>
+        </p:spPr>
+        <p:txBody>
+          <a:bodyPr wrap="square" rtlCol="0">
+            <a:spAutoFit/>
+          </a:bodyPr>
+          <a:lstStyle/>
+          <a:p>
+            <a:r>
+              <a:rPr lang="en-US" dirty="0" smtClean="0"/>
+              <a:t>Array A</a:t>
+            </a:r>
+            <a:endParaRPr lang="en-US" dirty="0"/>
+          </a:p>
+        </p:txBody>
+      </p:sp>
+      <p:sp>
+        <p:nvSpPr>
+          <p:cNvPr id="31" name="TextBox 30"/>
+          <p:cNvSpPr txBox="1"/>
+          <p:nvPr/>
+        </p:nvSpPr>
+        <p:spPr>
+          <a:xfrm>
+            <a:off x="762000" y="5117068"/>
+            <a:ext cx="990600" cy="369332"/>
+          </a:xfrm>
+          <a:prstGeom prst="rect">
+            <a:avLst/>
+          </a:prstGeom>
+          <a:noFill/>
+        </p:spPr>
+        <p:txBody>
+          <a:bodyPr wrap="square" rtlCol="0">
+            <a:spAutoFit/>
+          </a:bodyPr>
+          <a:lstStyle/>
+          <a:p>
+            <a:r>
+              <a:rPr lang="en-US" dirty="0" smtClean="0"/>
+              <a:t>Array A</a:t>
+            </a:r>
+            <a:endParaRPr lang="en-US" dirty="0"/>
+          </a:p>
+        </p:txBody>
+      </p:sp>
+      <p:sp>
+        <p:nvSpPr>
+          <p:cNvPr id="32" name="TextBox 31"/>
+          <p:cNvSpPr txBox="1"/>
+          <p:nvPr/>
+        </p:nvSpPr>
+        <p:spPr>
+          <a:xfrm>
+            <a:off x="762000" y="5726668"/>
+            <a:ext cx="990600" cy="369332"/>
+          </a:xfrm>
+          <a:prstGeom prst="rect">
+            <a:avLst/>
+          </a:prstGeom>
+          <a:noFill/>
+        </p:spPr>
+        <p:txBody>
+          <a:bodyPr wrap="square" rtlCol="0">
+            <a:spAutoFit/>
+          </a:bodyPr>
+          <a:lstStyle/>
+          <a:p>
+            <a:r>
+              <a:rPr lang="en-US" dirty="0" smtClean="0"/>
+              <a:t>Array B</a:t>
+            </a:r>
             <a:endParaRPr lang="en-US" dirty="0"/>
           </a:p>
         </p:txBody>
@@ -8888,253 +11369,6 @@
       </p:par>
     </p:tnLst>
   </p:timing>
-</p:sld>
-</file>
-
-<file path=ppt/slides/slide7.xml><?xml version="1.0" encoding="utf-8"?>
-<p:sld xmlns:a="http://schemas.openxmlformats.org/drawingml/2006/main" xmlns:r="http://schemas.openxmlformats.org/officeDocument/2006/relationships" xmlns:p="http://schemas.openxmlformats.org/presentationml/2006/main">
-  <p:cSld>
-    <p:spTree>
-      <p:nvGrpSpPr>
-        <p:cNvPr id="1" name=""/>
-        <p:cNvGrpSpPr/>
-        <p:nvPr/>
-      </p:nvGrpSpPr>
-      <p:grpSpPr>
-        <a:xfrm>
-          <a:off x="0" y="0"/>
-          <a:ext cx="0" cy="0"/>
-          <a:chOff x="0" y="0"/>
-          <a:chExt cx="0" cy="0"/>
-        </a:xfrm>
-      </p:grpSpPr>
-      <p:sp>
-        <p:nvSpPr>
-          <p:cNvPr id="2" name="Title 1"/>
-          <p:cNvSpPr>
-            <a:spLocks noGrp="1"/>
-          </p:cNvSpPr>
-          <p:nvPr>
-            <p:ph type="title"/>
-          </p:nvPr>
-        </p:nvSpPr>
-        <p:spPr/>
-        <p:txBody>
-          <a:bodyPr/>
-          <a:lstStyle/>
-          <a:p>
-            <a:r>
-              <a:rPr lang="en-US" dirty="0" smtClean="0"/>
-              <a:t>Testing Methodology</a:t>
-            </a:r>
-            <a:endParaRPr lang="en-US" dirty="0"/>
-          </a:p>
-        </p:txBody>
-      </p:sp>
-      <p:sp>
-        <p:nvSpPr>
-          <p:cNvPr id="3" name="Content Placeholder 2"/>
-          <p:cNvSpPr>
-            <a:spLocks noGrp="1"/>
-          </p:cNvSpPr>
-          <p:nvPr>
-            <p:ph idx="1"/>
-          </p:nvPr>
-        </p:nvSpPr>
-        <p:spPr/>
-        <p:txBody>
-          <a:bodyPr/>
-          <a:lstStyle/>
-          <a:p>
-            <a:r>
-              <a:rPr lang="en-US" dirty="0" smtClean="0"/>
-              <a:t>1A2B3C4D5E6F7G8H</a:t>
-            </a:r>
-          </a:p>
-          <a:p>
-            <a:r>
-              <a:rPr lang="en-US" dirty="0" smtClean="0"/>
-              <a:t>Friendlier strings to Not balanced algorithm.</a:t>
-            </a:r>
-            <a:endParaRPr lang="en-US" dirty="0"/>
-          </a:p>
-        </p:txBody>
-      </p:sp>
-    </p:spTree>
-  </p:cSld>
-  <p:clrMapOvr>
-    <a:masterClrMapping/>
-  </p:clrMapOvr>
-  <p:timing>
-    <p:tnLst>
-      <p:par>
-        <p:cTn id="1" dur="indefinite" restart="never" nodeType="tmRoot"/>
-      </p:par>
-    </p:tnLst>
-  </p:timing>
-</p:sld>
-</file>
-
-<file path=ppt/slides/slide8.xml><?xml version="1.0" encoding="utf-8"?>
-<p:sld xmlns:a="http://schemas.openxmlformats.org/drawingml/2006/main" xmlns:r="http://schemas.openxmlformats.org/officeDocument/2006/relationships" xmlns:p="http://schemas.openxmlformats.org/presentationml/2006/main">
-  <p:cSld>
-    <p:spTree>
-      <p:nvGrpSpPr>
-        <p:cNvPr id="1" name=""/>
-        <p:cNvGrpSpPr/>
-        <p:nvPr/>
-      </p:nvGrpSpPr>
-      <p:grpSpPr>
-        <a:xfrm>
-          <a:off x="0" y="0"/>
-          <a:ext cx="0" cy="0"/>
-          <a:chOff x="0" y="0"/>
-          <a:chExt cx="0" cy="0"/>
-        </a:xfrm>
-      </p:grpSpPr>
-      <p:sp>
-        <p:nvSpPr>
-          <p:cNvPr id="2" name="Title 1"/>
-          <p:cNvSpPr>
-            <a:spLocks noGrp="1"/>
-          </p:cNvSpPr>
-          <p:nvPr>
-            <p:ph type="title"/>
-          </p:nvPr>
-        </p:nvSpPr>
-        <p:spPr/>
-        <p:txBody>
-          <a:bodyPr/>
-          <a:lstStyle/>
-          <a:p>
-            <a:r>
-              <a:rPr lang="en-US" dirty="0" smtClean="0"/>
-              <a:t>Problems</a:t>
-            </a:r>
-            <a:endParaRPr lang="en-US" dirty="0"/>
-          </a:p>
-        </p:txBody>
-      </p:sp>
-      <p:sp>
-        <p:nvSpPr>
-          <p:cNvPr id="3" name="Content Placeholder 2"/>
-          <p:cNvSpPr>
-            <a:spLocks noGrp="1"/>
-          </p:cNvSpPr>
-          <p:nvPr>
-            <p:ph idx="1"/>
-          </p:nvPr>
-        </p:nvSpPr>
-        <p:spPr/>
-        <p:txBody>
-          <a:bodyPr/>
-          <a:lstStyle/>
-          <a:p>
-            <a:r>
-              <a:rPr lang="en-US" dirty="0" smtClean="0"/>
-              <a:t>Non-coalesced accesses in certain kernels such as the uncompress kernel</a:t>
-            </a:r>
-          </a:p>
-          <a:p>
-            <a:r>
-              <a:rPr lang="en-US" dirty="0" smtClean="0"/>
-              <a:t>New algorithm uses twice as much memory.</a:t>
-            </a:r>
-          </a:p>
-          <a:p>
-            <a:r>
-              <a:rPr lang="en-US" dirty="0" smtClean="0"/>
-              <a:t>Stage 4 of the algorithm takes too long</a:t>
-            </a:r>
-            <a:endParaRPr lang="en-US" dirty="0"/>
-          </a:p>
-        </p:txBody>
-      </p:sp>
-    </p:spTree>
-  </p:cSld>
-  <p:clrMapOvr>
-    <a:masterClrMapping/>
-  </p:clrMapOvr>
-  <p:timing>
-    <p:tnLst>
-      <p:par>
-        <p:cTn id="1" dur="indefinite" restart="never" nodeType="tmRoot"/>
-      </p:par>
-    </p:tnLst>
-  </p:timing>
-</p:sld>
-</file>
-
-<file path=ppt/slides/slide9.xml><?xml version="1.0" encoding="utf-8"?>
-<p:sld xmlns:a="http://schemas.openxmlformats.org/drawingml/2006/main" xmlns:r="http://schemas.openxmlformats.org/officeDocument/2006/relationships" xmlns:p="http://schemas.openxmlformats.org/presentationml/2006/main">
-  <p:cSld>
-    <p:spTree>
-      <p:nvGrpSpPr>
-        <p:cNvPr id="1" name=""/>
-        <p:cNvGrpSpPr/>
-        <p:nvPr/>
-      </p:nvGrpSpPr>
-      <p:grpSpPr>
-        <a:xfrm>
-          <a:off x="0" y="0"/>
-          <a:ext cx="0" cy="0"/>
-          <a:chOff x="0" y="0"/>
-          <a:chExt cx="0" cy="0"/>
-        </a:xfrm>
-      </p:grpSpPr>
-      <p:sp>
-        <p:nvSpPr>
-          <p:cNvPr id="2" name="Title 1"/>
-          <p:cNvSpPr>
-            <a:spLocks noGrp="1"/>
-          </p:cNvSpPr>
-          <p:nvPr>
-            <p:ph type="title"/>
-          </p:nvPr>
-        </p:nvSpPr>
-        <p:spPr/>
-        <p:txBody>
-          <a:bodyPr/>
-          <a:lstStyle/>
-          <a:p>
-            <a:r>
-              <a:rPr lang="en-US" dirty="0" smtClean="0"/>
-              <a:t>Results and Benchmarks</a:t>
-            </a:r>
-            <a:endParaRPr lang="en-US" dirty="0"/>
-          </a:p>
-        </p:txBody>
-      </p:sp>
-      <p:sp>
-        <p:nvSpPr>
-          <p:cNvPr id="3" name="Content Placeholder 2"/>
-          <p:cNvSpPr>
-            <a:spLocks noGrp="1"/>
-          </p:cNvSpPr>
-          <p:nvPr>
-            <p:ph idx="1"/>
-          </p:nvPr>
-        </p:nvSpPr>
-        <p:spPr/>
-        <p:txBody>
-          <a:bodyPr/>
-          <a:lstStyle/>
-          <a:p>
-            <a:r>
-              <a:rPr lang="en-US" dirty="0" smtClean="0"/>
-              <a:t>I have implemented the algorithm.</a:t>
-            </a:r>
-          </a:p>
-          <a:p>
-            <a:endParaRPr lang="en-US" dirty="0"/>
-          </a:p>
-        </p:txBody>
-      </p:sp>
-    </p:spTree>
-  </p:cSld>
-  <p:clrMapOvr>
-    <a:masterClrMapping/>
-  </p:clrMapOvr>
 </p:sld>
 </file>
 

--- a/proj/FinalPresentation.pptx
+++ b/proj/FinalPresentation.pptx
@@ -1,34 +1,39 @@
 
 <file path=ppt/presentation.xml><?xml version="1.0" encoding="utf-8"?>
-<p:presentation xmlns:a="http://schemas.openxmlformats.org/drawingml/2006/main" xmlns:r="http://schemas.openxmlformats.org/officeDocument/2006/relationships" xmlns:p="http://schemas.openxmlformats.org/presentationml/2006/main" saveSubsetFonts="1">
+<p:presentation xmlns:a="http://schemas.openxmlformats.org/drawingml/2006/main" xmlns:r="http://schemas.openxmlformats.org/officeDocument/2006/relationships" xmlns:mc="http://schemas.openxmlformats.org/markup-compatibility/2006" xmlns:mv="urn:schemas-microsoft-com:mac:vml" xmlns:p="http://schemas.openxmlformats.org/presentationml/2006/main" mc:Ignorable="mv" mc:PreserveAttributes="mv:*" saveSubsetFonts="1">
   <p:sldMasterIdLst>
     <p:sldMasterId id="2147483660" r:id="rId1"/>
   </p:sldMasterIdLst>
   <p:notesMasterIdLst>
-    <p:notesMasterId r:id="rId23"/>
+    <p:notesMasterId r:id="rId28"/>
   </p:notesMasterIdLst>
   <p:sldIdLst>
     <p:sldId id="256" r:id="rId2"/>
     <p:sldId id="258" r:id="rId3"/>
     <p:sldId id="260" r:id="rId4"/>
-    <p:sldId id="278" r:id="rId5"/>
-    <p:sldId id="276" r:id="rId6"/>
-    <p:sldId id="280" r:id="rId7"/>
-    <p:sldId id="263" r:id="rId8"/>
-    <p:sldId id="279" r:id="rId9"/>
-    <p:sldId id="259" r:id="rId10"/>
-    <p:sldId id="281" r:id="rId11"/>
-    <p:sldId id="268" r:id="rId12"/>
-    <p:sldId id="282" r:id="rId13"/>
-    <p:sldId id="272" r:id="rId14"/>
-    <p:sldId id="274" r:id="rId15"/>
-    <p:sldId id="265" r:id="rId16"/>
-    <p:sldId id="275" r:id="rId17"/>
-    <p:sldId id="264" r:id="rId18"/>
-    <p:sldId id="273" r:id="rId19"/>
-    <p:sldId id="257" r:id="rId20"/>
-    <p:sldId id="270" r:id="rId21"/>
-    <p:sldId id="271" r:id="rId22"/>
+    <p:sldId id="276" r:id="rId5"/>
+    <p:sldId id="278" r:id="rId6"/>
+    <p:sldId id="283" r:id="rId7"/>
+    <p:sldId id="284" r:id="rId8"/>
+    <p:sldId id="285" r:id="rId9"/>
+    <p:sldId id="280" r:id="rId10"/>
+    <p:sldId id="263" r:id="rId11"/>
+    <p:sldId id="279" r:id="rId12"/>
+    <p:sldId id="259" r:id="rId13"/>
+    <p:sldId id="281" r:id="rId14"/>
+    <p:sldId id="268" r:id="rId15"/>
+    <p:sldId id="282" r:id="rId16"/>
+    <p:sldId id="272" r:id="rId17"/>
+    <p:sldId id="274" r:id="rId18"/>
+    <p:sldId id="265" r:id="rId19"/>
+    <p:sldId id="275" r:id="rId20"/>
+    <p:sldId id="286" r:id="rId21"/>
+    <p:sldId id="264" r:id="rId22"/>
+    <p:sldId id="287" r:id="rId23"/>
+    <p:sldId id="273" r:id="rId24"/>
+    <p:sldId id="257" r:id="rId25"/>
+    <p:sldId id="270" r:id="rId26"/>
+    <p:sldId id="271" r:id="rId27"/>
   </p:sldIdLst>
   <p:sldSz cx="9144000" cy="6858000" type="screen4x3"/>
   <p:notesSz cx="6858000" cy="9144000"/>
@@ -133,6 +138,7 @@
 <file path=ppt/charts/chart1.xml><?xml version="1.0" encoding="utf-8"?>
 <c:chartSpace xmlns:c="http://schemas.openxmlformats.org/drawingml/2006/chart" xmlns:a="http://schemas.openxmlformats.org/drawingml/2006/main" xmlns:r="http://schemas.openxmlformats.org/officeDocument/2006/relationships">
   <c:lang val="en-US"/>
+  <c:style val="2"/>
   <c:chart>
     <c:title>
       <c:tx>
@@ -197,34 +203,34 @@
                 <c:formatCode>General</c:formatCode>
                 <c:ptCount val="10"/>
                 <c:pt idx="0">
-                  <c:v>125250</c:v>
+                  <c:v>125250.0</c:v>
                 </c:pt>
                 <c:pt idx="1">
-                  <c:v>500500</c:v>
+                  <c:v>500500.0</c:v>
                 </c:pt>
                 <c:pt idx="2">
-                  <c:v>1125750</c:v>
+                  <c:v>1.12575E6</c:v>
                 </c:pt>
                 <c:pt idx="3">
-                  <c:v>2001000</c:v>
+                  <c:v>2.001E6</c:v>
                 </c:pt>
                 <c:pt idx="4">
-                  <c:v>3126250</c:v>
+                  <c:v>3.12625E6</c:v>
                 </c:pt>
                 <c:pt idx="5">
-                  <c:v>4501500</c:v>
+                  <c:v>4.5015E6</c:v>
                 </c:pt>
                 <c:pt idx="6">
-                  <c:v>6126750</c:v>
+                  <c:v>6.12675E6</c:v>
                 </c:pt>
                 <c:pt idx="7">
-                  <c:v>8002000</c:v>
+                  <c:v>8.002E6</c:v>
                 </c:pt>
                 <c:pt idx="8">
-                  <c:v>10127250</c:v>
+                  <c:v>1.012725E7</c:v>
                 </c:pt>
                 <c:pt idx="9">
-                  <c:v>12502500</c:v>
+                  <c:v>1.25025E7</c:v>
                 </c:pt>
               </c:numCache>
             </c:numRef>
@@ -239,22 +245,22 @@
                   <c:v>0.398528004686038</c:v>
                 </c:pt>
                 <c:pt idx="1">
-                  <c:v>1.4728533228238401</c:v>
+                  <c:v>1.47285332282384</c:v>
                 </c:pt>
                 <c:pt idx="2">
-                  <c:v>3.1280106703440298</c:v>
+                  <c:v>3.12801067034403</c:v>
                 </c:pt>
                 <c:pt idx="3">
-                  <c:v>6.6454719702402798</c:v>
+                  <c:v>6.645471970240278</c:v>
                 </c:pt>
                 <c:pt idx="4">
-                  <c:v>9.1086398760477696</c:v>
+                  <c:v>9.10863987604777</c:v>
                 </c:pt>
                 <c:pt idx="5">
                   <c:v>12.7946667671204</c:v>
                 </c:pt>
                 <c:pt idx="6">
-                  <c:v>16.9837172826131</c:v>
+                  <c:v>16.98371728261308</c:v>
                 </c:pt>
                 <c:pt idx="7">
                   <c:v>22.2352479298909</c:v>
@@ -263,7 +269,7 @@
                   <c:v>28.3570562998454</c:v>
                 </c:pt>
                 <c:pt idx="9">
-                  <c:v>34.145279566446902</c:v>
+                  <c:v>34.1452795664469</c:v>
                 </c:pt>
               </c:numCache>
             </c:numRef>
@@ -305,34 +311,34 @@
                 <c:formatCode>General</c:formatCode>
                 <c:ptCount val="10"/>
                 <c:pt idx="0">
-                  <c:v>125250</c:v>
+                  <c:v>125250.0</c:v>
                 </c:pt>
                 <c:pt idx="1">
-                  <c:v>500500</c:v>
+                  <c:v>500500.0</c:v>
                 </c:pt>
                 <c:pt idx="2">
-                  <c:v>1125750</c:v>
+                  <c:v>1.12575E6</c:v>
                 </c:pt>
                 <c:pt idx="3">
-                  <c:v>2001000</c:v>
+                  <c:v>2.001E6</c:v>
                 </c:pt>
                 <c:pt idx="4">
-                  <c:v>3126250</c:v>
+                  <c:v>3.12625E6</c:v>
                 </c:pt>
                 <c:pt idx="5">
-                  <c:v>4501500</c:v>
+                  <c:v>4.5015E6</c:v>
                 </c:pt>
                 <c:pt idx="6">
-                  <c:v>6126750</c:v>
+                  <c:v>6.12675E6</c:v>
                 </c:pt>
                 <c:pt idx="7">
-                  <c:v>8002000</c:v>
+                  <c:v>8.002E6</c:v>
                 </c:pt>
                 <c:pt idx="8">
-                  <c:v>10127250</c:v>
+                  <c:v>1.012725E7</c:v>
                 </c:pt>
                 <c:pt idx="9">
-                  <c:v>12502500</c:v>
+                  <c:v>1.25025E7</c:v>
                 </c:pt>
               </c:numCache>
             </c:numRef>
@@ -344,34 +350,34 @@
                 <c:formatCode>General</c:formatCode>
                 <c:ptCount val="10"/>
                 <c:pt idx="0">
-                  <c:v>0.98846399815132246</c:v>
+                  <c:v>0.988463998151322</c:v>
                 </c:pt>
                 <c:pt idx="1">
-                  <c:v>3.1051466654365267</c:v>
+                  <c:v>3.105146665436527</c:v>
                 </c:pt>
                 <c:pt idx="2">
-                  <c:v>6.7469173554952011</c:v>
+                  <c:v>6.746917355495199</c:v>
                 </c:pt>
                 <c:pt idx="3">
-                  <c:v>11.681327988083172</c:v>
+                  <c:v>11.68132798808317</c:v>
                 </c:pt>
                 <c:pt idx="4">
-                  <c:v>18.024410780519272</c:v>
+                  <c:v>18.02441078051927</c:v>
                 </c:pt>
                 <c:pt idx="5">
-                  <c:v>25.713775883428724</c:v>
+                  <c:v>25.71377588342872</c:v>
                 </c:pt>
                 <c:pt idx="6">
-                  <c:v>34.848746392255052</c:v>
+                  <c:v>34.84874639225505</c:v>
                 </c:pt>
                 <c:pt idx="7">
-                  <c:v>45.409663536896296</c:v>
+                  <c:v>45.40966353689628</c:v>
                 </c:pt>
                 <c:pt idx="8">
-                  <c:v>57.411818723504815</c:v>
+                  <c:v>57.41181872350482</c:v>
                 </c:pt>
                 <c:pt idx="9">
-                  <c:v>70.801290587832455</c:v>
+                  <c:v>70.80129058783246</c:v>
                 </c:pt>
               </c:numCache>
             </c:numRef>
@@ -413,34 +419,34 @@
                 <c:formatCode>General</c:formatCode>
                 <c:ptCount val="10"/>
                 <c:pt idx="0">
-                  <c:v>125250</c:v>
+                  <c:v>125250.0</c:v>
                 </c:pt>
                 <c:pt idx="1">
-                  <c:v>500500</c:v>
+                  <c:v>500500.0</c:v>
                 </c:pt>
                 <c:pt idx="2">
-                  <c:v>1125750</c:v>
+                  <c:v>1.12575E6</c:v>
                 </c:pt>
                 <c:pt idx="3">
-                  <c:v>2001000</c:v>
+                  <c:v>2.001E6</c:v>
                 </c:pt>
                 <c:pt idx="4">
-                  <c:v>3126250</c:v>
+                  <c:v>3.12625E6</c:v>
                 </c:pt>
                 <c:pt idx="5">
-                  <c:v>4501500</c:v>
+                  <c:v>4.5015E6</c:v>
                 </c:pt>
                 <c:pt idx="6">
-                  <c:v>6126750</c:v>
+                  <c:v>6.12675E6</c:v>
                 </c:pt>
                 <c:pt idx="7">
-                  <c:v>8002000</c:v>
+                  <c:v>8.002E6</c:v>
                 </c:pt>
                 <c:pt idx="8">
-                  <c:v>10127250</c:v>
+                  <c:v>1.012725E7</c:v>
                 </c:pt>
                 <c:pt idx="9">
-                  <c:v>12502500</c:v>
+                  <c:v>1.25025E7</c:v>
                 </c:pt>
               </c:numCache>
             </c:numRef>
@@ -452,44 +458,44 @@
                 <c:formatCode>General</c:formatCode>
                 <c:ptCount val="10"/>
                 <c:pt idx="0">
-                  <c:v>1.1240213202933476</c:v>
+                  <c:v>1.124021320293348</c:v>
                 </c:pt>
                 <c:pt idx="1">
-                  <c:v>3.3582560153057206</c:v>
+                  <c:v>3.358256015305719</c:v>
                 </c:pt>
                 <c:pt idx="2">
-                  <c:v>7.5068373307585681</c:v>
+                  <c:v>7.506837330758568</c:v>
                 </c:pt>
                 <c:pt idx="3">
-                  <c:v>12.787909224629445</c:v>
+                  <c:v>12.78790922462945</c:v>
                 </c:pt>
                 <c:pt idx="4">
-                  <c:v>19.538592127462262</c:v>
+                  <c:v>19.53859212746226</c:v>
                 </c:pt>
                 <c:pt idx="5">
-                  <c:v>28.114005235334197</c:v>
+                  <c:v>28.1140052353342</c:v>
                 </c:pt>
                 <c:pt idx="6">
-                  <c:v>37.436608068645015</c:v>
+                  <c:v>37.436608068645</c:v>
                 </c:pt>
                 <c:pt idx="7">
-                  <c:v>49.960858398427582</c:v>
+                  <c:v>49.96085839842758</c:v>
                 </c:pt>
                 <c:pt idx="8">
-                  <c:v>63.148906516532136</c:v>
+                  <c:v>63.14890651653214</c:v>
                 </c:pt>
                 <c:pt idx="9">
-                  <c:v>78.581157987316431</c:v>
+                  <c:v>78.58115798731645</c:v>
                 </c:pt>
               </c:numCache>
             </c:numRef>
           </c:yVal>
         </c:ser>
-        <c:axId val="66959232"/>
-        <c:axId val="79200256"/>
+        <c:axId val="543866728"/>
+        <c:axId val="543863464"/>
       </c:scatterChart>
       <c:valAx>
-        <c:axId val="66959232"/>
+        <c:axId val="543866728"/>
         <c:scaling>
           <c:orientation val="minMax"/>
         </c:scaling>
@@ -520,12 +526,12 @@
         <c:numFmt formatCode="General" sourceLinked="1"/>
         <c:majorTickMark val="none"/>
         <c:tickLblPos val="nextTo"/>
-        <c:crossAx val="79200256"/>
+        <c:crossAx val="543863464"/>
         <c:crosses val="autoZero"/>
         <c:crossBetween val="midCat"/>
       </c:valAx>
       <c:valAx>
-        <c:axId val="79200256"/>
+        <c:axId val="543863464"/>
         <c:scaling>
           <c:orientation val="minMax"/>
         </c:scaling>
@@ -557,7 +563,7 @@
         <c:numFmt formatCode="General" sourceLinked="1"/>
         <c:majorTickMark val="none"/>
         <c:tickLblPos val="nextTo"/>
-        <c:crossAx val="66959232"/>
+        <c:crossAx val="543866728"/>
         <c:crosses val="autoZero"/>
         <c:crossBetween val="midCat"/>
       </c:valAx>
@@ -565,15 +571,15 @@
     <c:legend>
       <c:legendPos val="r"/>
       <c:legendEntry>
-        <c:idx val="3"/>
-        <c:delete val="1"/>
-      </c:legendEntry>
-      <c:legendEntry>
         <c:idx val="4"/>
         <c:delete val="1"/>
       </c:legendEntry>
       <c:legendEntry>
         <c:idx val="5"/>
+        <c:delete val="1"/>
+      </c:legendEntry>
+      <c:legendEntry>
+        <c:idx val="3"/>
         <c:delete val="1"/>
       </c:legendEntry>
       <c:layout/>
@@ -586,6 +592,7 @@
 
 <file path=ppt/charts/chart2.xml><?xml version="1.0" encoding="utf-8"?>
 <c:chartSpace xmlns:c="http://schemas.openxmlformats.org/drawingml/2006/chart" xmlns:a="http://schemas.openxmlformats.org/drawingml/2006/main" xmlns:r="http://schemas.openxmlformats.org/officeDocument/2006/relationships">
+  <c:date1904 val="1"/>
   <c:lang val="en-US"/>
   <c:style val="34"/>
   <c:chart>
@@ -620,8 +627,8 @@
               <c:idx val="1"/>
               <c:layout>
                 <c:manualLayout>
-                  <c:x val="4.8928380480217748E-2"/>
-                  <c:y val="9.2180386687404185E-3"/>
+                  <c:x val="0.0489283804802177"/>
+                  <c:y val="0.00921803866874042"/>
                 </c:manualLayout>
               </c:layout>
               <c:showPercent val="1"/>
@@ -661,22 +668,22 @@
                 <c:formatCode>General</c:formatCode>
                 <c:ptCount val="6"/>
                 <c:pt idx="0">
-                  <c:v>0.13782933354377699</c:v>
+                  <c:v>0.137829333543777</c:v>
                 </c:pt>
                 <c:pt idx="1">
-                  <c:v>0.14289066443840701</c:v>
+                  <c:v>0.142890664438407</c:v>
                 </c:pt>
                 <c:pt idx="2">
-                  <c:v>9.8715147972106898</c:v>
+                  <c:v>9.87151479721069</c:v>
                 </c:pt>
                 <c:pt idx="3">
-                  <c:v>6.2410666296879413E-2</c:v>
+                  <c:v>0.0624106662968794</c:v>
                 </c:pt>
                 <c:pt idx="4">
-                  <c:v>42.378260930379213</c:v>
+                  <c:v>42.37826093037921</c:v>
                 </c:pt>
                 <c:pt idx="5">
-                  <c:v>18.208384195963493</c:v>
+                  <c:v>18.20838419596349</c:v>
                 </c:pt>
               </c:numCache>
             </c:numRef>
@@ -710,7 +717,9 @@
 
 <file path=ppt/charts/chart3.xml><?xml version="1.0" encoding="utf-8"?>
 <c:chartSpace xmlns:c="http://schemas.openxmlformats.org/drawingml/2006/chart" xmlns:a="http://schemas.openxmlformats.org/drawingml/2006/main" xmlns:r="http://schemas.openxmlformats.org/officeDocument/2006/relationships">
+  <c:date1904 val="1"/>
   <c:lang val="en-US"/>
+  <c:style val="2"/>
   <c:chart>
     <c:title>
       <c:tx>
@@ -775,34 +784,34 @@
                 <c:formatCode>General</c:formatCode>
                 <c:ptCount val="10"/>
                 <c:pt idx="0">
-                  <c:v>125250</c:v>
+                  <c:v>125250.0</c:v>
                 </c:pt>
                 <c:pt idx="1">
-                  <c:v>500500</c:v>
+                  <c:v>500500.0</c:v>
                 </c:pt>
                 <c:pt idx="2">
-                  <c:v>1125750</c:v>
+                  <c:v>1.12575E6</c:v>
                 </c:pt>
                 <c:pt idx="3">
-                  <c:v>2001000</c:v>
+                  <c:v>2.001E6</c:v>
                 </c:pt>
                 <c:pt idx="4">
-                  <c:v>3126250</c:v>
+                  <c:v>3.12625E6</c:v>
                 </c:pt>
                 <c:pt idx="5">
-                  <c:v>4501500</c:v>
+                  <c:v>4.5015E6</c:v>
                 </c:pt>
                 <c:pt idx="6">
-                  <c:v>6126750</c:v>
+                  <c:v>6.12675E6</c:v>
                 </c:pt>
                 <c:pt idx="7">
-                  <c:v>8002000</c:v>
+                  <c:v>8.002E6</c:v>
                 </c:pt>
                 <c:pt idx="8">
-                  <c:v>10127250</c:v>
+                  <c:v>1.012725E7</c:v>
                 </c:pt>
                 <c:pt idx="9">
-                  <c:v>12502500</c:v>
+                  <c:v>1.25025E7</c:v>
                 </c:pt>
               </c:numCache>
             </c:numRef>
@@ -817,31 +826,31 @@
                   <c:v>0.499434664845467</c:v>
                 </c:pt>
                 <c:pt idx="1">
-                  <c:v>1.7672053376833601</c:v>
+                  <c:v>1.76720533768336</c:v>
                 </c:pt>
                 <c:pt idx="2">
                   <c:v>3.93086934089661</c:v>
                 </c:pt>
                 <c:pt idx="3">
-                  <c:v>6.9164746602376299</c:v>
+                  <c:v>6.91647466023763</c:v>
                 </c:pt>
                 <c:pt idx="4">
-                  <c:v>10.716997464497901</c:v>
+                  <c:v>10.7169974644979</c:v>
                 </c:pt>
                 <c:pt idx="5">
                   <c:v>15.3465758959452</c:v>
                 </c:pt>
                 <c:pt idx="6">
-                  <c:v>20.808175722758001</c:v>
+                  <c:v>20.808175722758</c:v>
                 </c:pt>
                 <c:pt idx="7">
-                  <c:v>27.147567749023398</c:v>
+                  <c:v>27.14756774902339</c:v>
                 </c:pt>
                 <c:pt idx="8">
-                  <c:v>34.334447860717802</c:v>
+                  <c:v>34.33444786071778</c:v>
                 </c:pt>
                 <c:pt idx="9">
-                  <c:v>42.378260930379199</c:v>
+                  <c:v>42.3782609303792</c:v>
                 </c:pt>
               </c:numCache>
             </c:numRef>
@@ -883,34 +892,34 @@
                 <c:formatCode>General</c:formatCode>
                 <c:ptCount val="10"/>
                 <c:pt idx="0">
-                  <c:v>125250</c:v>
+                  <c:v>125250.0</c:v>
                 </c:pt>
                 <c:pt idx="1">
-                  <c:v>500500</c:v>
+                  <c:v>500500.0</c:v>
                 </c:pt>
                 <c:pt idx="2">
-                  <c:v>1125750</c:v>
+                  <c:v>1.12575E6</c:v>
                 </c:pt>
                 <c:pt idx="3">
-                  <c:v>2001000</c:v>
+                  <c:v>2.001E6</c:v>
                 </c:pt>
                 <c:pt idx="4">
-                  <c:v>3126250</c:v>
+                  <c:v>3.12625E6</c:v>
                 </c:pt>
                 <c:pt idx="5">
-                  <c:v>4501500</c:v>
+                  <c:v>4.5015E6</c:v>
                 </c:pt>
                 <c:pt idx="6">
-                  <c:v>6126750</c:v>
+                  <c:v>6.12675E6</c:v>
                 </c:pt>
                 <c:pt idx="7">
-                  <c:v>8002000</c:v>
+                  <c:v>8.002E6</c:v>
                 </c:pt>
                 <c:pt idx="8">
-                  <c:v>10127250</c:v>
+                  <c:v>1.012725E7</c:v>
                 </c:pt>
                 <c:pt idx="9">
-                  <c:v>12502500</c:v>
+                  <c:v>1.25025E7</c:v>
                 </c:pt>
               </c:numCache>
             </c:numRef>
@@ -925,7 +934,7 @@
                   <c:v>0.210725</c:v>
                 </c:pt>
                 <c:pt idx="1">
-                  <c:v>0.54844999999999999</c:v>
+                  <c:v>0.54845</c:v>
                 </c:pt>
                 <c:pt idx="2">
                   <c:v>1.111175</c:v>
@@ -934,32 +943,32 @@
                   <c:v>1.8989</c:v>
                 </c:pt>
                 <c:pt idx="4">
-                  <c:v>2.9116249999999999</c:v>
+                  <c:v>2.911624999999999</c:v>
                 </c:pt>
                 <c:pt idx="5">
-                  <c:v>4.1493500000000001</c:v>
+                  <c:v>4.14935</c:v>
                 </c:pt>
                 <c:pt idx="6">
-                  <c:v>5.6120749999999999</c:v>
+                  <c:v>5.612074999999996</c:v>
                 </c:pt>
                 <c:pt idx="7">
-                  <c:v>7.2997999999999994</c:v>
+                  <c:v>7.2998</c:v>
                 </c:pt>
                 <c:pt idx="8">
-                  <c:v>9.2125250000000012</c:v>
+                  <c:v>9.212525000000001</c:v>
                 </c:pt>
                 <c:pt idx="9">
-                  <c:v>11.350250000000001</c:v>
+                  <c:v>11.35025</c:v>
                 </c:pt>
               </c:numCache>
             </c:numRef>
           </c:yVal>
         </c:ser>
-        <c:axId val="43544576"/>
-        <c:axId val="43546496"/>
+        <c:axId val="548603768"/>
+        <c:axId val="549173064"/>
       </c:scatterChart>
       <c:valAx>
-        <c:axId val="43544576"/>
+        <c:axId val="548603768"/>
         <c:scaling>
           <c:orientation val="minMax"/>
         </c:scaling>
@@ -990,12 +999,12 @@
         <c:numFmt formatCode="General" sourceLinked="1"/>
         <c:majorTickMark val="none"/>
         <c:tickLblPos val="nextTo"/>
-        <c:crossAx val="43546496"/>
+        <c:crossAx val="549173064"/>
         <c:crosses val="autoZero"/>
         <c:crossBetween val="midCat"/>
       </c:valAx>
       <c:valAx>
-        <c:axId val="43546496"/>
+        <c:axId val="549173064"/>
         <c:scaling>
           <c:orientation val="minMax"/>
         </c:scaling>
@@ -1027,7 +1036,7 @@
         <c:numFmt formatCode="General" sourceLinked="1"/>
         <c:majorTickMark val="none"/>
         <c:tickLblPos val="nextTo"/>
-        <c:crossAx val="43544576"/>
+        <c:crossAx val="548603768"/>
         <c:crosses val="autoZero"/>
         <c:crossBetween val="midCat"/>
       </c:valAx>
@@ -1051,7 +1060,7 @@
 </file>
 
 <file path=ppt/notesMasters/notesMaster1.xml><?xml version="1.0" encoding="utf-8"?>
-<p:notesMaster xmlns:a="http://schemas.openxmlformats.org/drawingml/2006/main" xmlns:r="http://schemas.openxmlformats.org/officeDocument/2006/relationships" xmlns:p="http://schemas.openxmlformats.org/presentationml/2006/main">
+<p:notesMaster xmlns:a="http://schemas.openxmlformats.org/drawingml/2006/main" xmlns:r="http://schemas.openxmlformats.org/officeDocument/2006/relationships" xmlns:mc="http://schemas.openxmlformats.org/markup-compatibility/2006" xmlns:mv="urn:schemas-microsoft-com:mac:vml" xmlns:p="http://schemas.openxmlformats.org/presentationml/2006/main" mc:Ignorable="mv" mc:PreserveAttributes="mv:*">
   <p:cSld>
     <p:bg>
       <p:bgRef idx="1001">
@@ -1133,7 +1142,7 @@
             <a:fld id="{F163637A-02D7-4023-97DD-CF65DEB05421}" type="datetimeFigureOut">
               <a:rPr lang="en-US" smtClean="0"/>
               <a:pPr/>
-              <a:t>4/11/2010</a:t>
+              <a:t>4/12/10</a:t>
             </a:fld>
             <a:endParaRPr lang="en-US"/>
           </a:p>
@@ -1400,7 +1409,7 @@
 </file>
 
 <file path=ppt/notesSlides/notesSlide1.xml><?xml version="1.0" encoding="utf-8"?>
-<p:notes xmlns:a="http://schemas.openxmlformats.org/drawingml/2006/main" xmlns:r="http://schemas.openxmlformats.org/officeDocument/2006/relationships" xmlns:p="http://schemas.openxmlformats.org/presentationml/2006/main">
+<p:notes xmlns:a="http://schemas.openxmlformats.org/drawingml/2006/main" xmlns:r="http://schemas.openxmlformats.org/officeDocument/2006/relationships" xmlns:mc="http://schemas.openxmlformats.org/markup-compatibility/2006" xmlns:mv="urn:schemas-microsoft-com:mac:vml" xmlns:p="http://schemas.openxmlformats.org/presentationml/2006/main" mc:Ignorable="mv" mc:PreserveAttributes="mv:*">
   <p:cSld>
     <p:spTree>
       <p:nvGrpSpPr>
@@ -1482,7 +1491,7 @@
 </file>
 
 <file path=ppt/notesSlides/notesSlide10.xml><?xml version="1.0" encoding="utf-8"?>
-<p:notes xmlns:a="http://schemas.openxmlformats.org/drawingml/2006/main" xmlns:r="http://schemas.openxmlformats.org/officeDocument/2006/relationships" xmlns:p="http://schemas.openxmlformats.org/presentationml/2006/main">
+<p:notes xmlns:a="http://schemas.openxmlformats.org/drawingml/2006/main" xmlns:r="http://schemas.openxmlformats.org/officeDocument/2006/relationships" xmlns:mc="http://schemas.openxmlformats.org/markup-compatibility/2006" xmlns:mv="urn:schemas-microsoft-com:mac:vml" xmlns:p="http://schemas.openxmlformats.org/presentationml/2006/main" mc:Ignorable="mv" mc:PreserveAttributes="mv:*">
   <p:cSld>
     <p:spTree>
       <p:nvGrpSpPr>
@@ -1546,7 +1555,7 @@
           <a:bodyPr/>
           <a:lstStyle/>
           <a:p>
-            <a:fld id="{3453FAA3-93BF-461C-86B8-11D8146ED44E}" type="slidenum">
+            <a:fld id="{B0511807-729B-42C4-AFF6-2A42C2749713}" type="slidenum">
               <a:rPr lang="en-US" smtClean="0"/>
               <a:pPr/>
               <a:t>10</a:t>
@@ -1564,7 +1573,7 @@
 </file>
 
 <file path=ppt/notesSlides/notesSlide11.xml><?xml version="1.0" encoding="utf-8"?>
-<p:notes xmlns:a="http://schemas.openxmlformats.org/drawingml/2006/main" xmlns:r="http://schemas.openxmlformats.org/officeDocument/2006/relationships" xmlns:p="http://schemas.openxmlformats.org/presentationml/2006/main">
+<p:notes xmlns:a="http://schemas.openxmlformats.org/drawingml/2006/main" xmlns:r="http://schemas.openxmlformats.org/officeDocument/2006/relationships" xmlns:mc="http://schemas.openxmlformats.org/markup-compatibility/2006" xmlns:mv="urn:schemas-microsoft-com:mac:vml" xmlns:p="http://schemas.openxmlformats.org/presentationml/2006/main" mc:Ignorable="mv" mc:PreserveAttributes="mv:*">
   <p:cSld>
     <p:spTree>
       <p:nvGrpSpPr>
@@ -1646,7 +1655,7 @@
 </file>
 
 <file path=ppt/notesSlides/notesSlide12.xml><?xml version="1.0" encoding="utf-8"?>
-<p:notes xmlns:a="http://schemas.openxmlformats.org/drawingml/2006/main" xmlns:r="http://schemas.openxmlformats.org/officeDocument/2006/relationships" xmlns:p="http://schemas.openxmlformats.org/presentationml/2006/main">
+<p:notes xmlns:a="http://schemas.openxmlformats.org/drawingml/2006/main" xmlns:r="http://schemas.openxmlformats.org/officeDocument/2006/relationships" xmlns:mc="http://schemas.openxmlformats.org/markup-compatibility/2006" xmlns:mv="urn:schemas-microsoft-com:mac:vml" xmlns:p="http://schemas.openxmlformats.org/presentationml/2006/main" mc:Ignorable="mv" mc:PreserveAttributes="mv:*">
   <p:cSld>
     <p:spTree>
       <p:nvGrpSpPr>
@@ -1728,7 +1737,7 @@
 </file>
 
 <file path=ppt/notesSlides/notesSlide13.xml><?xml version="1.0" encoding="utf-8"?>
-<p:notes xmlns:a="http://schemas.openxmlformats.org/drawingml/2006/main" xmlns:r="http://schemas.openxmlformats.org/officeDocument/2006/relationships" xmlns:p="http://schemas.openxmlformats.org/presentationml/2006/main">
+<p:notes xmlns:a="http://schemas.openxmlformats.org/drawingml/2006/main" xmlns:r="http://schemas.openxmlformats.org/officeDocument/2006/relationships" xmlns:mc="http://schemas.openxmlformats.org/markup-compatibility/2006" xmlns:mv="urn:schemas-microsoft-com:mac:vml" xmlns:p="http://schemas.openxmlformats.org/presentationml/2006/main" mc:Ignorable="mv" mc:PreserveAttributes="mv:*">
   <p:cSld>
     <p:spTree>
       <p:nvGrpSpPr>
@@ -1810,7 +1819,7 @@
 </file>
 
 <file path=ppt/notesSlides/notesSlide14.xml><?xml version="1.0" encoding="utf-8"?>
-<p:notes xmlns:a="http://schemas.openxmlformats.org/drawingml/2006/main" xmlns:r="http://schemas.openxmlformats.org/officeDocument/2006/relationships" xmlns:p="http://schemas.openxmlformats.org/presentationml/2006/main">
+<p:notes xmlns:a="http://schemas.openxmlformats.org/drawingml/2006/main" xmlns:r="http://schemas.openxmlformats.org/officeDocument/2006/relationships" xmlns:mc="http://schemas.openxmlformats.org/markup-compatibility/2006" xmlns:mv="urn:schemas-microsoft-com:mac:vml" xmlns:p="http://schemas.openxmlformats.org/presentationml/2006/main" mc:Ignorable="mv" mc:PreserveAttributes="mv:*">
   <p:cSld>
     <p:spTree>
       <p:nvGrpSpPr>
@@ -1892,7 +1901,7 @@
 </file>
 
 <file path=ppt/notesSlides/notesSlide15.xml><?xml version="1.0" encoding="utf-8"?>
-<p:notes xmlns:a="http://schemas.openxmlformats.org/drawingml/2006/main" xmlns:r="http://schemas.openxmlformats.org/officeDocument/2006/relationships" xmlns:p="http://schemas.openxmlformats.org/presentationml/2006/main">
+<p:notes xmlns:a="http://schemas.openxmlformats.org/drawingml/2006/main" xmlns:r="http://schemas.openxmlformats.org/officeDocument/2006/relationships" xmlns:mc="http://schemas.openxmlformats.org/markup-compatibility/2006" xmlns:mv="urn:schemas-microsoft-com:mac:vml" xmlns:p="http://schemas.openxmlformats.org/presentationml/2006/main" mc:Ignorable="mv" mc:PreserveAttributes="mv:*">
   <p:cSld>
     <p:spTree>
       <p:nvGrpSpPr>
@@ -1974,7 +1983,7 @@
 </file>
 
 <file path=ppt/notesSlides/notesSlide16.xml><?xml version="1.0" encoding="utf-8"?>
-<p:notes xmlns:a="http://schemas.openxmlformats.org/drawingml/2006/main" xmlns:r="http://schemas.openxmlformats.org/officeDocument/2006/relationships" xmlns:p="http://schemas.openxmlformats.org/presentationml/2006/main">
+<p:notes xmlns:a="http://schemas.openxmlformats.org/drawingml/2006/main" xmlns:r="http://schemas.openxmlformats.org/officeDocument/2006/relationships" xmlns:mc="http://schemas.openxmlformats.org/markup-compatibility/2006" xmlns:mv="urn:schemas-microsoft-com:mac:vml" xmlns:p="http://schemas.openxmlformats.org/presentationml/2006/main" mc:Ignorable="mv" mc:PreserveAttributes="mv:*">
   <p:cSld>
     <p:spTree>
       <p:nvGrpSpPr>
@@ -2056,7 +2065,7 @@
 </file>
 
 <file path=ppt/notesSlides/notesSlide17.xml><?xml version="1.0" encoding="utf-8"?>
-<p:notes xmlns:a="http://schemas.openxmlformats.org/drawingml/2006/main" xmlns:r="http://schemas.openxmlformats.org/officeDocument/2006/relationships" xmlns:p="http://schemas.openxmlformats.org/presentationml/2006/main">
+<p:notes xmlns:a="http://schemas.openxmlformats.org/drawingml/2006/main" xmlns:r="http://schemas.openxmlformats.org/officeDocument/2006/relationships" xmlns:mc="http://schemas.openxmlformats.org/markup-compatibility/2006" xmlns:mv="urn:schemas-microsoft-com:mac:vml" xmlns:p="http://schemas.openxmlformats.org/presentationml/2006/main" mc:Ignorable="mv" mc:PreserveAttributes="mv:*">
   <p:cSld>
     <p:spTree>
       <p:nvGrpSpPr>
@@ -2138,7 +2147,7 @@
 </file>
 
 <file path=ppt/notesSlides/notesSlide18.xml><?xml version="1.0" encoding="utf-8"?>
-<p:notes xmlns:a="http://schemas.openxmlformats.org/drawingml/2006/main" xmlns:r="http://schemas.openxmlformats.org/officeDocument/2006/relationships" xmlns:p="http://schemas.openxmlformats.org/presentationml/2006/main">
+<p:notes xmlns:a="http://schemas.openxmlformats.org/drawingml/2006/main" xmlns:r="http://schemas.openxmlformats.org/officeDocument/2006/relationships" xmlns:mc="http://schemas.openxmlformats.org/markup-compatibility/2006" xmlns:mv="urn:schemas-microsoft-com:mac:vml" xmlns:p="http://schemas.openxmlformats.org/presentationml/2006/main" mc:Ignorable="mv" mc:PreserveAttributes="mv:*">
   <p:cSld>
     <p:spTree>
       <p:nvGrpSpPr>
@@ -2220,7 +2229,7 @@
 </file>
 
 <file path=ppt/notesSlides/notesSlide19.xml><?xml version="1.0" encoding="utf-8"?>
-<p:notes xmlns:a="http://schemas.openxmlformats.org/drawingml/2006/main" xmlns:r="http://schemas.openxmlformats.org/officeDocument/2006/relationships" xmlns:p="http://schemas.openxmlformats.org/presentationml/2006/main">
+<p:notes xmlns:a="http://schemas.openxmlformats.org/drawingml/2006/main" xmlns:r="http://schemas.openxmlformats.org/officeDocument/2006/relationships" xmlns:mc="http://schemas.openxmlformats.org/markup-compatibility/2006" xmlns:mv="urn:schemas-microsoft-com:mac:vml" xmlns:p="http://schemas.openxmlformats.org/presentationml/2006/main" mc:Ignorable="mv" mc:PreserveAttributes="mv:*">
   <p:cSld>
     <p:spTree>
       <p:nvGrpSpPr>
@@ -2265,7 +2274,7 @@
           </a:bodyPr>
           <a:lstStyle/>
           <a:p>
-            <a:endParaRPr lang="en-US" dirty="0"/>
+            <a:endParaRPr lang="en-US"/>
           </a:p>
         </p:txBody>
       </p:sp>
@@ -2302,7 +2311,7 @@
 </file>
 
 <file path=ppt/notesSlides/notesSlide2.xml><?xml version="1.0" encoding="utf-8"?>
-<p:notes xmlns:a="http://schemas.openxmlformats.org/drawingml/2006/main" xmlns:r="http://schemas.openxmlformats.org/officeDocument/2006/relationships" xmlns:p="http://schemas.openxmlformats.org/presentationml/2006/main">
+<p:notes xmlns:a="http://schemas.openxmlformats.org/drawingml/2006/main" xmlns:r="http://schemas.openxmlformats.org/officeDocument/2006/relationships" xmlns:mc="http://schemas.openxmlformats.org/markup-compatibility/2006" xmlns:mv="urn:schemas-microsoft-com:mac:vml" xmlns:p="http://schemas.openxmlformats.org/presentationml/2006/main" mc:Ignorable="mv" mc:PreserveAttributes="mv:*">
   <p:cSld>
     <p:spTree>
       <p:nvGrpSpPr>
@@ -2384,7 +2393,7 @@
 </file>
 
 <file path=ppt/notesSlides/notesSlide20.xml><?xml version="1.0" encoding="utf-8"?>
-<p:notes xmlns:a="http://schemas.openxmlformats.org/drawingml/2006/main" xmlns:r="http://schemas.openxmlformats.org/officeDocument/2006/relationships" xmlns:p="http://schemas.openxmlformats.org/presentationml/2006/main">
+<p:notes xmlns:a="http://schemas.openxmlformats.org/drawingml/2006/main" xmlns:r="http://schemas.openxmlformats.org/officeDocument/2006/relationships" xmlns:mc="http://schemas.openxmlformats.org/markup-compatibility/2006" xmlns:mv="urn:schemas-microsoft-com:mac:vml" xmlns:p="http://schemas.openxmlformats.org/presentationml/2006/main" mc:Ignorable="mv" mc:PreserveAttributes="mv:*">
   <p:cSld>
     <p:spTree>
       <p:nvGrpSpPr>
@@ -2448,7 +2457,7 @@
           <a:bodyPr/>
           <a:lstStyle/>
           <a:p>
-            <a:fld id="{B0511807-729B-42C4-AFF6-2A42C2749713}" type="slidenum">
+            <a:fld id="{3453FAA3-93BF-461C-86B8-11D8146ED44E}" type="slidenum">
               <a:rPr lang="en-US" smtClean="0"/>
               <a:pPr/>
               <a:t>20</a:t>
@@ -2466,7 +2475,7 @@
 </file>
 
 <file path=ppt/notesSlides/notesSlide21.xml><?xml version="1.0" encoding="utf-8"?>
-<p:notes xmlns:a="http://schemas.openxmlformats.org/drawingml/2006/main" xmlns:r="http://schemas.openxmlformats.org/officeDocument/2006/relationships" xmlns:p="http://schemas.openxmlformats.org/presentationml/2006/main">
+<p:notes xmlns:a="http://schemas.openxmlformats.org/drawingml/2006/main" xmlns:r="http://schemas.openxmlformats.org/officeDocument/2006/relationships" xmlns:mc="http://schemas.openxmlformats.org/markup-compatibility/2006" xmlns:mv="urn:schemas-microsoft-com:mac:vml" xmlns:p="http://schemas.openxmlformats.org/presentationml/2006/main" mc:Ignorable="mv" mc:PreserveAttributes="mv:*">
   <p:cSld>
     <p:spTree>
       <p:nvGrpSpPr>
@@ -2530,7 +2539,7 @@
           <a:bodyPr/>
           <a:lstStyle/>
           <a:p>
-            <a:fld id="{B0511807-729B-42C4-AFF6-2A42C2749713}" type="slidenum">
+            <a:fld id="{3453FAA3-93BF-461C-86B8-11D8146ED44E}" type="slidenum">
               <a:rPr lang="en-US" smtClean="0"/>
               <a:pPr/>
               <a:t>21</a:t>
@@ -2547,8 +2556,8 @@
 </p:notes>
 </file>
 
-<file path=ppt/notesSlides/notesSlide3.xml><?xml version="1.0" encoding="utf-8"?>
-<p:notes xmlns:a="http://schemas.openxmlformats.org/drawingml/2006/main" xmlns:r="http://schemas.openxmlformats.org/officeDocument/2006/relationships" xmlns:p="http://schemas.openxmlformats.org/presentationml/2006/main">
+<file path=ppt/notesSlides/notesSlide22.xml><?xml version="1.0" encoding="utf-8"?>
+<p:notes xmlns:a="http://schemas.openxmlformats.org/drawingml/2006/main" xmlns:r="http://schemas.openxmlformats.org/officeDocument/2006/relationships" xmlns:mc="http://schemas.openxmlformats.org/markup-compatibility/2006" xmlns:mv="urn:schemas-microsoft-com:mac:vml" xmlns:p="http://schemas.openxmlformats.org/presentationml/2006/main" mc:Ignorable="mv" mc:PreserveAttributes="mv:*">
   <p:cSld>
     <p:spTree>
       <p:nvGrpSpPr>
@@ -2615,7 +2624,7 @@
             <a:fld id="{3453FAA3-93BF-461C-86B8-11D8146ED44E}" type="slidenum">
               <a:rPr lang="en-US" smtClean="0"/>
               <a:pPr/>
-              <a:t>3</a:t>
+              <a:t>22</a:t>
             </a:fld>
             <a:endParaRPr lang="en-US"/>
           </a:p>
@@ -2629,8 +2638,8 @@
 </p:notes>
 </file>
 
-<file path=ppt/notesSlides/notesSlide4.xml><?xml version="1.0" encoding="utf-8"?>
-<p:notes xmlns:a="http://schemas.openxmlformats.org/drawingml/2006/main" xmlns:r="http://schemas.openxmlformats.org/officeDocument/2006/relationships" xmlns:p="http://schemas.openxmlformats.org/presentationml/2006/main">
+<file path=ppt/notesSlides/notesSlide23.xml><?xml version="1.0" encoding="utf-8"?>
+<p:notes xmlns:a="http://schemas.openxmlformats.org/drawingml/2006/main" xmlns:r="http://schemas.openxmlformats.org/officeDocument/2006/relationships" xmlns:mc="http://schemas.openxmlformats.org/markup-compatibility/2006" xmlns:mv="urn:schemas-microsoft-com:mac:vml" xmlns:p="http://schemas.openxmlformats.org/presentationml/2006/main" mc:Ignorable="mv" mc:PreserveAttributes="mv:*">
   <p:cSld>
     <p:spTree>
       <p:nvGrpSpPr>
@@ -2694,10 +2703,10 @@
           <a:bodyPr/>
           <a:lstStyle/>
           <a:p>
-            <a:fld id="{B0511807-729B-42C4-AFF6-2A42C2749713}" type="slidenum">
+            <a:fld id="{3453FAA3-93BF-461C-86B8-11D8146ED44E}" type="slidenum">
               <a:rPr lang="en-US" smtClean="0"/>
               <a:pPr/>
-              <a:t>4</a:t>
+              <a:t>23</a:t>
             </a:fld>
             <a:endParaRPr lang="en-US"/>
           </a:p>
@@ -2711,8 +2720,8 @@
 </p:notes>
 </file>
 
-<file path=ppt/notesSlides/notesSlide5.xml><?xml version="1.0" encoding="utf-8"?>
-<p:notes xmlns:a="http://schemas.openxmlformats.org/drawingml/2006/main" xmlns:r="http://schemas.openxmlformats.org/officeDocument/2006/relationships" xmlns:p="http://schemas.openxmlformats.org/presentationml/2006/main">
+<file path=ppt/notesSlides/notesSlide24.xml><?xml version="1.0" encoding="utf-8"?>
+<p:notes xmlns:a="http://schemas.openxmlformats.org/drawingml/2006/main" xmlns:r="http://schemas.openxmlformats.org/officeDocument/2006/relationships" xmlns:mc="http://schemas.openxmlformats.org/markup-compatibility/2006" xmlns:mv="urn:schemas-microsoft-com:mac:vml" xmlns:p="http://schemas.openxmlformats.org/presentationml/2006/main" mc:Ignorable="mv" mc:PreserveAttributes="mv:*">
   <p:cSld>
     <p:spTree>
       <p:nvGrpSpPr>
@@ -2757,7 +2766,7 @@
           </a:bodyPr>
           <a:lstStyle/>
           <a:p>
-            <a:endParaRPr lang="en-US"/>
+            <a:endParaRPr lang="en-US" dirty="0"/>
           </a:p>
         </p:txBody>
       </p:sp>
@@ -2776,10 +2785,10 @@
           <a:bodyPr/>
           <a:lstStyle/>
           <a:p>
-            <a:fld id="{B0511807-729B-42C4-AFF6-2A42C2749713}" type="slidenum">
+            <a:fld id="{3453FAA3-93BF-461C-86B8-11D8146ED44E}" type="slidenum">
               <a:rPr lang="en-US" smtClean="0"/>
               <a:pPr/>
-              <a:t>5</a:t>
+              <a:t>24</a:t>
             </a:fld>
             <a:endParaRPr lang="en-US"/>
           </a:p>
@@ -2793,8 +2802,8 @@
 </p:notes>
 </file>
 
-<file path=ppt/notesSlides/notesSlide6.xml><?xml version="1.0" encoding="utf-8"?>
-<p:notes xmlns:a="http://schemas.openxmlformats.org/drawingml/2006/main" xmlns:r="http://schemas.openxmlformats.org/officeDocument/2006/relationships" xmlns:p="http://schemas.openxmlformats.org/presentationml/2006/main">
+<file path=ppt/notesSlides/notesSlide25.xml><?xml version="1.0" encoding="utf-8"?>
+<p:notes xmlns:a="http://schemas.openxmlformats.org/drawingml/2006/main" xmlns:r="http://schemas.openxmlformats.org/officeDocument/2006/relationships" xmlns:mc="http://schemas.openxmlformats.org/markup-compatibility/2006" xmlns:mv="urn:schemas-microsoft-com:mac:vml" xmlns:p="http://schemas.openxmlformats.org/presentationml/2006/main" mc:Ignorable="mv" mc:PreserveAttributes="mv:*">
   <p:cSld>
     <p:spTree>
       <p:nvGrpSpPr>
@@ -2858,10 +2867,10 @@
           <a:bodyPr/>
           <a:lstStyle/>
           <a:p>
-            <a:fld id="{3453FAA3-93BF-461C-86B8-11D8146ED44E}" type="slidenum">
+            <a:fld id="{B0511807-729B-42C4-AFF6-2A42C2749713}" type="slidenum">
               <a:rPr lang="en-US" smtClean="0"/>
               <a:pPr/>
-              <a:t>6</a:t>
+              <a:t>25</a:t>
             </a:fld>
             <a:endParaRPr lang="en-US"/>
           </a:p>
@@ -2875,8 +2884,8 @@
 </p:notes>
 </file>
 
-<file path=ppt/notesSlides/notesSlide7.xml><?xml version="1.0" encoding="utf-8"?>
-<p:notes xmlns:a="http://schemas.openxmlformats.org/drawingml/2006/main" xmlns:r="http://schemas.openxmlformats.org/officeDocument/2006/relationships" xmlns:p="http://schemas.openxmlformats.org/presentationml/2006/main">
+<file path=ppt/notesSlides/notesSlide26.xml><?xml version="1.0" encoding="utf-8"?>
+<p:notes xmlns:a="http://schemas.openxmlformats.org/drawingml/2006/main" xmlns:r="http://schemas.openxmlformats.org/officeDocument/2006/relationships" xmlns:mc="http://schemas.openxmlformats.org/markup-compatibility/2006" xmlns:mv="urn:schemas-microsoft-com:mac:vml" xmlns:p="http://schemas.openxmlformats.org/presentationml/2006/main" mc:Ignorable="mv" mc:PreserveAttributes="mv:*">
   <p:cSld>
     <p:spTree>
       <p:nvGrpSpPr>
@@ -2943,7 +2952,7 @@
             <a:fld id="{B0511807-729B-42C4-AFF6-2A42C2749713}" type="slidenum">
               <a:rPr lang="en-US" smtClean="0"/>
               <a:pPr/>
-              <a:t>7</a:t>
+              <a:t>26</a:t>
             </a:fld>
             <a:endParaRPr lang="en-US"/>
           </a:p>
@@ -2957,8 +2966,8 @@
 </p:notes>
 </file>
 
-<file path=ppt/notesSlides/notesSlide8.xml><?xml version="1.0" encoding="utf-8"?>
-<p:notes xmlns:a="http://schemas.openxmlformats.org/drawingml/2006/main" xmlns:r="http://schemas.openxmlformats.org/officeDocument/2006/relationships" xmlns:p="http://schemas.openxmlformats.org/presentationml/2006/main">
+<file path=ppt/notesSlides/notesSlide3.xml><?xml version="1.0" encoding="utf-8"?>
+<p:notes xmlns:a="http://schemas.openxmlformats.org/drawingml/2006/main" xmlns:r="http://schemas.openxmlformats.org/officeDocument/2006/relationships" xmlns:mc="http://schemas.openxmlformats.org/markup-compatibility/2006" xmlns:mv="urn:schemas-microsoft-com:mac:vml" xmlns:p="http://schemas.openxmlformats.org/presentationml/2006/main" mc:Ignorable="mv" mc:PreserveAttributes="mv:*">
   <p:cSld>
     <p:spTree>
       <p:nvGrpSpPr>
@@ -3025,7 +3034,7 @@
             <a:fld id="{3453FAA3-93BF-461C-86B8-11D8146ED44E}" type="slidenum">
               <a:rPr lang="en-US" smtClean="0"/>
               <a:pPr/>
-              <a:t>8</a:t>
+              <a:t>3</a:t>
             </a:fld>
             <a:endParaRPr lang="en-US"/>
           </a:p>
@@ -3039,8 +3048,8 @@
 </p:notes>
 </file>
 
-<file path=ppt/notesSlides/notesSlide9.xml><?xml version="1.0" encoding="utf-8"?>
-<p:notes xmlns:a="http://schemas.openxmlformats.org/drawingml/2006/main" xmlns:r="http://schemas.openxmlformats.org/officeDocument/2006/relationships" xmlns:p="http://schemas.openxmlformats.org/presentationml/2006/main">
+<file path=ppt/notesSlides/notesSlide4.xml><?xml version="1.0" encoding="utf-8"?>
+<p:notes xmlns:a="http://schemas.openxmlformats.org/drawingml/2006/main" xmlns:r="http://schemas.openxmlformats.org/officeDocument/2006/relationships" xmlns:mc="http://schemas.openxmlformats.org/markup-compatibility/2006" xmlns:mv="urn:schemas-microsoft-com:mac:vml" xmlns:p="http://schemas.openxmlformats.org/presentationml/2006/main" mc:Ignorable="mv" mc:PreserveAttributes="mv:*">
   <p:cSld>
     <p:spTree>
       <p:nvGrpSpPr>
@@ -3104,6 +3113,416 @@
           <a:bodyPr/>
           <a:lstStyle/>
           <a:p>
+            <a:fld id="{B0511807-729B-42C4-AFF6-2A42C2749713}" type="slidenum">
+              <a:rPr lang="en-US" smtClean="0"/>
+              <a:pPr/>
+              <a:t>4</a:t>
+            </a:fld>
+            <a:endParaRPr lang="en-US"/>
+          </a:p>
+        </p:txBody>
+      </p:sp>
+    </p:spTree>
+  </p:cSld>
+  <p:clrMapOvr>
+    <a:masterClrMapping/>
+  </p:clrMapOvr>
+</p:notes>
+</file>
+
+<file path=ppt/notesSlides/notesSlide5.xml><?xml version="1.0" encoding="utf-8"?>
+<p:notes xmlns:a="http://schemas.openxmlformats.org/drawingml/2006/main" xmlns:r="http://schemas.openxmlformats.org/officeDocument/2006/relationships" xmlns:mc="http://schemas.openxmlformats.org/markup-compatibility/2006" xmlns:mv="urn:schemas-microsoft-com:mac:vml" xmlns:p="http://schemas.openxmlformats.org/presentationml/2006/main" mc:Ignorable="mv" mc:PreserveAttributes="mv:*">
+  <p:cSld>
+    <p:spTree>
+      <p:nvGrpSpPr>
+        <p:cNvPr id="1" name=""/>
+        <p:cNvGrpSpPr/>
+        <p:nvPr/>
+      </p:nvGrpSpPr>
+      <p:grpSpPr>
+        <a:xfrm>
+          <a:off x="0" y="0"/>
+          <a:ext cx="0" cy="0"/>
+          <a:chOff x="0" y="0"/>
+          <a:chExt cx="0" cy="0"/>
+        </a:xfrm>
+      </p:grpSpPr>
+      <p:sp>
+        <p:nvSpPr>
+          <p:cNvPr id="2" name="Slide Image Placeholder 1"/>
+          <p:cNvSpPr>
+            <a:spLocks noGrp="1" noRot="1" noChangeAspect="1"/>
+          </p:cNvSpPr>
+          <p:nvPr>
+            <p:ph type="sldImg"/>
+          </p:nvPr>
+        </p:nvSpPr>
+        <p:spPr/>
+      </p:sp>
+      <p:sp>
+        <p:nvSpPr>
+          <p:cNvPr id="3" name="Notes Placeholder 2"/>
+          <p:cNvSpPr>
+            <a:spLocks noGrp="1"/>
+          </p:cNvSpPr>
+          <p:nvPr>
+            <p:ph type="body" idx="1"/>
+          </p:nvPr>
+        </p:nvSpPr>
+        <p:spPr/>
+        <p:txBody>
+          <a:bodyPr>
+            <a:normAutofit/>
+          </a:bodyPr>
+          <a:lstStyle/>
+          <a:p>
+            <a:endParaRPr lang="en-US"/>
+          </a:p>
+        </p:txBody>
+      </p:sp>
+      <p:sp>
+        <p:nvSpPr>
+          <p:cNvPr id="4" name="Slide Number Placeholder 3"/>
+          <p:cNvSpPr>
+            <a:spLocks noGrp="1"/>
+          </p:cNvSpPr>
+          <p:nvPr>
+            <p:ph type="sldNum" sz="quarter" idx="10"/>
+          </p:nvPr>
+        </p:nvSpPr>
+        <p:spPr/>
+        <p:txBody>
+          <a:bodyPr/>
+          <a:lstStyle/>
+          <a:p>
+            <a:fld id="{B0511807-729B-42C4-AFF6-2A42C2749713}" type="slidenum">
+              <a:rPr lang="en-US" smtClean="0"/>
+              <a:pPr/>
+              <a:t>5</a:t>
+            </a:fld>
+            <a:endParaRPr lang="en-US"/>
+          </a:p>
+        </p:txBody>
+      </p:sp>
+    </p:spTree>
+  </p:cSld>
+  <p:clrMapOvr>
+    <a:masterClrMapping/>
+  </p:clrMapOvr>
+</p:notes>
+</file>
+
+<file path=ppt/notesSlides/notesSlide6.xml><?xml version="1.0" encoding="utf-8"?>
+<p:notes xmlns:a="http://schemas.openxmlformats.org/drawingml/2006/main" xmlns:r="http://schemas.openxmlformats.org/officeDocument/2006/relationships" xmlns:mc="http://schemas.openxmlformats.org/markup-compatibility/2006" xmlns:mv="urn:schemas-microsoft-com:mac:vml" xmlns:p="http://schemas.openxmlformats.org/presentationml/2006/main" mc:Ignorable="mv" mc:PreserveAttributes="mv:*">
+  <p:cSld>
+    <p:spTree>
+      <p:nvGrpSpPr>
+        <p:cNvPr id="1" name=""/>
+        <p:cNvGrpSpPr/>
+        <p:nvPr/>
+      </p:nvGrpSpPr>
+      <p:grpSpPr>
+        <a:xfrm>
+          <a:off x="0" y="0"/>
+          <a:ext cx="0" cy="0"/>
+          <a:chOff x="0" y="0"/>
+          <a:chExt cx="0" cy="0"/>
+        </a:xfrm>
+      </p:grpSpPr>
+      <p:sp>
+        <p:nvSpPr>
+          <p:cNvPr id="2" name="Slide Image Placeholder 1"/>
+          <p:cNvSpPr>
+            <a:spLocks noGrp="1" noRot="1" noChangeAspect="1"/>
+          </p:cNvSpPr>
+          <p:nvPr>
+            <p:ph type="sldImg"/>
+          </p:nvPr>
+        </p:nvSpPr>
+        <p:spPr/>
+      </p:sp>
+      <p:sp>
+        <p:nvSpPr>
+          <p:cNvPr id="3" name="Notes Placeholder 2"/>
+          <p:cNvSpPr>
+            <a:spLocks noGrp="1"/>
+          </p:cNvSpPr>
+          <p:nvPr>
+            <p:ph type="body" idx="1"/>
+          </p:nvPr>
+        </p:nvSpPr>
+        <p:spPr/>
+        <p:txBody>
+          <a:bodyPr>
+            <a:normAutofit/>
+          </a:bodyPr>
+          <a:lstStyle/>
+          <a:p>
+            <a:endParaRPr lang="en-US"/>
+          </a:p>
+        </p:txBody>
+      </p:sp>
+      <p:sp>
+        <p:nvSpPr>
+          <p:cNvPr id="4" name="Slide Number Placeholder 3"/>
+          <p:cNvSpPr>
+            <a:spLocks noGrp="1"/>
+          </p:cNvSpPr>
+          <p:nvPr>
+            <p:ph type="sldNum" sz="quarter" idx="10"/>
+          </p:nvPr>
+        </p:nvSpPr>
+        <p:spPr/>
+        <p:txBody>
+          <a:bodyPr/>
+          <a:lstStyle/>
+          <a:p>
+            <a:fld id="{B0511807-729B-42C4-AFF6-2A42C2749713}" type="slidenum">
+              <a:rPr lang="en-US" smtClean="0"/>
+              <a:pPr/>
+              <a:t>6</a:t>
+            </a:fld>
+            <a:endParaRPr lang="en-US"/>
+          </a:p>
+        </p:txBody>
+      </p:sp>
+    </p:spTree>
+  </p:cSld>
+  <p:clrMapOvr>
+    <a:masterClrMapping/>
+  </p:clrMapOvr>
+</p:notes>
+</file>
+
+<file path=ppt/notesSlides/notesSlide7.xml><?xml version="1.0" encoding="utf-8"?>
+<p:notes xmlns:a="http://schemas.openxmlformats.org/drawingml/2006/main" xmlns:r="http://schemas.openxmlformats.org/officeDocument/2006/relationships" xmlns:mc="http://schemas.openxmlformats.org/markup-compatibility/2006" xmlns:mv="urn:schemas-microsoft-com:mac:vml" xmlns:p="http://schemas.openxmlformats.org/presentationml/2006/main" mc:Ignorable="mv" mc:PreserveAttributes="mv:*">
+  <p:cSld>
+    <p:spTree>
+      <p:nvGrpSpPr>
+        <p:cNvPr id="1" name=""/>
+        <p:cNvGrpSpPr/>
+        <p:nvPr/>
+      </p:nvGrpSpPr>
+      <p:grpSpPr>
+        <a:xfrm>
+          <a:off x="0" y="0"/>
+          <a:ext cx="0" cy="0"/>
+          <a:chOff x="0" y="0"/>
+          <a:chExt cx="0" cy="0"/>
+        </a:xfrm>
+      </p:grpSpPr>
+      <p:sp>
+        <p:nvSpPr>
+          <p:cNvPr id="2" name="Slide Image Placeholder 1"/>
+          <p:cNvSpPr>
+            <a:spLocks noGrp="1" noRot="1" noChangeAspect="1"/>
+          </p:cNvSpPr>
+          <p:nvPr>
+            <p:ph type="sldImg"/>
+          </p:nvPr>
+        </p:nvSpPr>
+        <p:spPr/>
+      </p:sp>
+      <p:sp>
+        <p:nvSpPr>
+          <p:cNvPr id="3" name="Notes Placeholder 2"/>
+          <p:cNvSpPr>
+            <a:spLocks noGrp="1"/>
+          </p:cNvSpPr>
+          <p:nvPr>
+            <p:ph type="body" idx="1"/>
+          </p:nvPr>
+        </p:nvSpPr>
+        <p:spPr/>
+        <p:txBody>
+          <a:bodyPr>
+            <a:normAutofit/>
+          </a:bodyPr>
+          <a:lstStyle/>
+          <a:p>
+            <a:endParaRPr lang="en-US" dirty="0"/>
+          </a:p>
+        </p:txBody>
+      </p:sp>
+      <p:sp>
+        <p:nvSpPr>
+          <p:cNvPr id="4" name="Slide Number Placeholder 3"/>
+          <p:cNvSpPr>
+            <a:spLocks noGrp="1"/>
+          </p:cNvSpPr>
+          <p:nvPr>
+            <p:ph type="sldNum" sz="quarter" idx="10"/>
+          </p:nvPr>
+        </p:nvSpPr>
+        <p:spPr/>
+        <p:txBody>
+          <a:bodyPr/>
+          <a:lstStyle/>
+          <a:p>
+            <a:fld id="{B0511807-729B-42C4-AFF6-2A42C2749713}" type="slidenum">
+              <a:rPr lang="en-US" smtClean="0"/>
+              <a:pPr/>
+              <a:t>7</a:t>
+            </a:fld>
+            <a:endParaRPr lang="en-US"/>
+          </a:p>
+        </p:txBody>
+      </p:sp>
+    </p:spTree>
+  </p:cSld>
+  <p:clrMapOvr>
+    <a:masterClrMapping/>
+  </p:clrMapOvr>
+</p:notes>
+</file>
+
+<file path=ppt/notesSlides/notesSlide8.xml><?xml version="1.0" encoding="utf-8"?>
+<p:notes xmlns:a="http://schemas.openxmlformats.org/drawingml/2006/main" xmlns:r="http://schemas.openxmlformats.org/officeDocument/2006/relationships" xmlns:mc="http://schemas.openxmlformats.org/markup-compatibility/2006" xmlns:mv="urn:schemas-microsoft-com:mac:vml" xmlns:p="http://schemas.openxmlformats.org/presentationml/2006/main" mc:Ignorable="mv" mc:PreserveAttributes="mv:*">
+  <p:cSld>
+    <p:spTree>
+      <p:nvGrpSpPr>
+        <p:cNvPr id="1" name=""/>
+        <p:cNvGrpSpPr/>
+        <p:nvPr/>
+      </p:nvGrpSpPr>
+      <p:grpSpPr>
+        <a:xfrm>
+          <a:off x="0" y="0"/>
+          <a:ext cx="0" cy="0"/>
+          <a:chOff x="0" y="0"/>
+          <a:chExt cx="0" cy="0"/>
+        </a:xfrm>
+      </p:grpSpPr>
+      <p:sp>
+        <p:nvSpPr>
+          <p:cNvPr id="2" name="Slide Image Placeholder 1"/>
+          <p:cNvSpPr>
+            <a:spLocks noGrp="1" noRot="1" noChangeAspect="1"/>
+          </p:cNvSpPr>
+          <p:nvPr>
+            <p:ph type="sldImg"/>
+          </p:nvPr>
+        </p:nvSpPr>
+        <p:spPr/>
+      </p:sp>
+      <p:sp>
+        <p:nvSpPr>
+          <p:cNvPr id="3" name="Notes Placeholder 2"/>
+          <p:cNvSpPr>
+            <a:spLocks noGrp="1"/>
+          </p:cNvSpPr>
+          <p:nvPr>
+            <p:ph type="body" idx="1"/>
+          </p:nvPr>
+        </p:nvSpPr>
+        <p:spPr/>
+        <p:txBody>
+          <a:bodyPr>
+            <a:normAutofit/>
+          </a:bodyPr>
+          <a:lstStyle/>
+          <a:p>
+            <a:endParaRPr lang="en-US" dirty="0"/>
+          </a:p>
+        </p:txBody>
+      </p:sp>
+      <p:sp>
+        <p:nvSpPr>
+          <p:cNvPr id="4" name="Slide Number Placeholder 3"/>
+          <p:cNvSpPr>
+            <a:spLocks noGrp="1"/>
+          </p:cNvSpPr>
+          <p:nvPr>
+            <p:ph type="sldNum" sz="quarter" idx="10"/>
+          </p:nvPr>
+        </p:nvSpPr>
+        <p:spPr/>
+        <p:txBody>
+          <a:bodyPr/>
+          <a:lstStyle/>
+          <a:p>
+            <a:fld id="{B0511807-729B-42C4-AFF6-2A42C2749713}" type="slidenum">
+              <a:rPr lang="en-US" smtClean="0"/>
+              <a:pPr/>
+              <a:t>8</a:t>
+            </a:fld>
+            <a:endParaRPr lang="en-US"/>
+          </a:p>
+        </p:txBody>
+      </p:sp>
+    </p:spTree>
+  </p:cSld>
+  <p:clrMapOvr>
+    <a:masterClrMapping/>
+  </p:clrMapOvr>
+</p:notes>
+</file>
+
+<file path=ppt/notesSlides/notesSlide9.xml><?xml version="1.0" encoding="utf-8"?>
+<p:notes xmlns:a="http://schemas.openxmlformats.org/drawingml/2006/main" xmlns:r="http://schemas.openxmlformats.org/officeDocument/2006/relationships" xmlns:mc="http://schemas.openxmlformats.org/markup-compatibility/2006" xmlns:mv="urn:schemas-microsoft-com:mac:vml" xmlns:p="http://schemas.openxmlformats.org/presentationml/2006/main" mc:Ignorable="mv" mc:PreserveAttributes="mv:*">
+  <p:cSld>
+    <p:spTree>
+      <p:nvGrpSpPr>
+        <p:cNvPr id="1" name=""/>
+        <p:cNvGrpSpPr/>
+        <p:nvPr/>
+      </p:nvGrpSpPr>
+      <p:grpSpPr>
+        <a:xfrm>
+          <a:off x="0" y="0"/>
+          <a:ext cx="0" cy="0"/>
+          <a:chOff x="0" y="0"/>
+          <a:chExt cx="0" cy="0"/>
+        </a:xfrm>
+      </p:grpSpPr>
+      <p:sp>
+        <p:nvSpPr>
+          <p:cNvPr id="2" name="Slide Image Placeholder 1"/>
+          <p:cNvSpPr>
+            <a:spLocks noGrp="1" noRot="1" noChangeAspect="1"/>
+          </p:cNvSpPr>
+          <p:nvPr>
+            <p:ph type="sldImg"/>
+          </p:nvPr>
+        </p:nvSpPr>
+        <p:spPr/>
+      </p:sp>
+      <p:sp>
+        <p:nvSpPr>
+          <p:cNvPr id="3" name="Notes Placeholder 2"/>
+          <p:cNvSpPr>
+            <a:spLocks noGrp="1"/>
+          </p:cNvSpPr>
+          <p:nvPr>
+            <p:ph type="body" idx="1"/>
+          </p:nvPr>
+        </p:nvSpPr>
+        <p:spPr/>
+        <p:txBody>
+          <a:bodyPr>
+            <a:normAutofit/>
+          </a:bodyPr>
+          <a:lstStyle/>
+          <a:p>
+            <a:endParaRPr lang="en-US"/>
+          </a:p>
+        </p:txBody>
+      </p:sp>
+      <p:sp>
+        <p:nvSpPr>
+          <p:cNvPr id="4" name="Slide Number Placeholder 3"/>
+          <p:cNvSpPr>
+            <a:spLocks noGrp="1"/>
+          </p:cNvSpPr>
+          <p:nvPr>
+            <p:ph type="sldNum" sz="quarter" idx="10"/>
+          </p:nvPr>
+        </p:nvSpPr>
+        <p:spPr/>
+        <p:txBody>
+          <a:bodyPr/>
+          <a:lstStyle/>
+          <a:p>
             <a:fld id="{3453FAA3-93BF-461C-86B8-11D8146ED44E}" type="slidenum">
               <a:rPr lang="en-US" smtClean="0"/>
               <a:pPr/>
@@ -3122,7 +3541,7 @@
 </file>
 
 <file path=ppt/slideLayouts/slideLayout1.xml><?xml version="1.0" encoding="utf-8"?>
-<p:sldLayout xmlns:a="http://schemas.openxmlformats.org/drawingml/2006/main" xmlns:r="http://schemas.openxmlformats.org/officeDocument/2006/relationships" xmlns:p="http://schemas.openxmlformats.org/presentationml/2006/main" type="title" preserve="1">
+<p:sldLayout xmlns:a="http://schemas.openxmlformats.org/drawingml/2006/main" xmlns:r="http://schemas.openxmlformats.org/officeDocument/2006/relationships" xmlns:mc="http://schemas.openxmlformats.org/markup-compatibility/2006" xmlns:mv="urn:schemas-microsoft-com:mac:vml" xmlns:p="http://schemas.openxmlformats.org/presentationml/2006/main" mc:Ignorable="mv" mc:PreserveAttributes="mv:*" type="title" preserve="1">
   <p:cSld name="Title Slide">
     <p:bg>
       <p:bgRef idx="1002">
@@ -3295,7 +3714,7 @@
             <a:fld id="{EF34DA83-6693-45CD-B904-8651ED07B240}" type="datetimeFigureOut">
               <a:rPr lang="en-US" smtClean="0"/>
               <a:pPr/>
-              <a:t>4/11/2010</a:t>
+              <a:t>4/12/10</a:t>
             </a:fld>
             <a:endParaRPr lang="en-US"/>
           </a:p>
@@ -3353,7 +3772,7 @@
 </file>
 
 <file path=ppt/slideLayouts/slideLayout10.xml><?xml version="1.0" encoding="utf-8"?>
-<p:sldLayout xmlns:a="http://schemas.openxmlformats.org/drawingml/2006/main" xmlns:r="http://schemas.openxmlformats.org/officeDocument/2006/relationships" xmlns:p="http://schemas.openxmlformats.org/presentationml/2006/main" type="vertTx" preserve="1">
+<p:sldLayout xmlns:a="http://schemas.openxmlformats.org/drawingml/2006/main" xmlns:r="http://schemas.openxmlformats.org/officeDocument/2006/relationships" xmlns:mc="http://schemas.openxmlformats.org/markup-compatibility/2006" xmlns:mv="urn:schemas-microsoft-com:mac:vml" xmlns:p="http://schemas.openxmlformats.org/presentationml/2006/main" mc:Ignorable="mv" mc:PreserveAttributes="mv:*" type="vertTx" preserve="1">
   <p:cSld name="Title and Vertical Text">
     <p:spTree>
       <p:nvGrpSpPr>
@@ -3462,7 +3881,7 @@
             <a:fld id="{EF34DA83-6693-45CD-B904-8651ED07B240}" type="datetimeFigureOut">
               <a:rPr lang="en-US" smtClean="0"/>
               <a:pPr/>
-              <a:t>4/11/2010</a:t>
+              <a:t>4/12/10</a:t>
             </a:fld>
             <a:endParaRPr lang="en-US"/>
           </a:p>
@@ -3520,7 +3939,7 @@
 </file>
 
 <file path=ppt/slideLayouts/slideLayout11.xml><?xml version="1.0" encoding="utf-8"?>
-<p:sldLayout xmlns:a="http://schemas.openxmlformats.org/drawingml/2006/main" xmlns:r="http://schemas.openxmlformats.org/officeDocument/2006/relationships" xmlns:p="http://schemas.openxmlformats.org/presentationml/2006/main" type="vertTitleAndTx" preserve="1">
+<p:sldLayout xmlns:a="http://schemas.openxmlformats.org/drawingml/2006/main" xmlns:r="http://schemas.openxmlformats.org/officeDocument/2006/relationships" xmlns:mc="http://schemas.openxmlformats.org/markup-compatibility/2006" xmlns:mv="urn:schemas-microsoft-com:mac:vml" xmlns:p="http://schemas.openxmlformats.org/presentationml/2006/main" mc:Ignorable="mv" mc:PreserveAttributes="mv:*" type="vertTitleAndTx" preserve="1">
   <p:cSld name="Vertical Title and Text">
     <p:spTree>
       <p:nvGrpSpPr>
@@ -3639,7 +4058,7 @@
             <a:fld id="{EF34DA83-6693-45CD-B904-8651ED07B240}" type="datetimeFigureOut">
               <a:rPr lang="en-US" smtClean="0"/>
               <a:pPr/>
-              <a:t>4/11/2010</a:t>
+              <a:t>4/12/10</a:t>
             </a:fld>
             <a:endParaRPr lang="en-US"/>
           </a:p>
@@ -3697,7 +4116,7 @@
 </file>
 
 <file path=ppt/slideLayouts/slideLayout2.xml><?xml version="1.0" encoding="utf-8"?>
-<p:sldLayout xmlns:a="http://schemas.openxmlformats.org/drawingml/2006/main" xmlns:r="http://schemas.openxmlformats.org/officeDocument/2006/relationships" xmlns:p="http://schemas.openxmlformats.org/presentationml/2006/main" type="obj" preserve="1">
+<p:sldLayout xmlns:a="http://schemas.openxmlformats.org/drawingml/2006/main" xmlns:r="http://schemas.openxmlformats.org/officeDocument/2006/relationships" xmlns:mc="http://schemas.openxmlformats.org/markup-compatibility/2006" xmlns:mv="urn:schemas-microsoft-com:mac:vml" xmlns:p="http://schemas.openxmlformats.org/presentationml/2006/main" mc:Ignorable="mv" mc:PreserveAttributes="mv:*" type="obj" preserve="1">
   <p:cSld name="Title and Content">
     <p:spTree>
       <p:nvGrpSpPr>
@@ -3806,7 +4225,7 @@
             <a:fld id="{EF34DA83-6693-45CD-B904-8651ED07B240}" type="datetimeFigureOut">
               <a:rPr lang="en-US" smtClean="0"/>
               <a:pPr/>
-              <a:t>4/11/2010</a:t>
+              <a:t>4/12/10</a:t>
             </a:fld>
             <a:endParaRPr lang="en-US"/>
           </a:p>
@@ -3864,7 +4283,7 @@
 </file>
 
 <file path=ppt/slideLayouts/slideLayout3.xml><?xml version="1.0" encoding="utf-8"?>
-<p:sldLayout xmlns:a="http://schemas.openxmlformats.org/drawingml/2006/main" xmlns:r="http://schemas.openxmlformats.org/officeDocument/2006/relationships" xmlns:p="http://schemas.openxmlformats.org/presentationml/2006/main" type="secHead" preserve="1">
+<p:sldLayout xmlns:a="http://schemas.openxmlformats.org/drawingml/2006/main" xmlns:r="http://schemas.openxmlformats.org/officeDocument/2006/relationships" xmlns:mc="http://schemas.openxmlformats.org/markup-compatibility/2006" xmlns:mv="urn:schemas-microsoft-com:mac:vml" xmlns:p="http://schemas.openxmlformats.org/presentationml/2006/main" mc:Ignorable="mv" mc:PreserveAttributes="mv:*" type="secHead" preserve="1">
   <p:cSld name="Section Header">
     <p:bg>
       <p:bgRef idx="1002">
@@ -4050,7 +4469,7 @@
             <a:fld id="{EF34DA83-6693-45CD-B904-8651ED07B240}" type="datetimeFigureOut">
               <a:rPr lang="en-US" smtClean="0"/>
               <a:pPr/>
-              <a:t>4/11/2010</a:t>
+              <a:t>4/12/10</a:t>
             </a:fld>
             <a:endParaRPr lang="en-US"/>
           </a:p>
@@ -4108,7 +4527,7 @@
 </file>
 
 <file path=ppt/slideLayouts/slideLayout4.xml><?xml version="1.0" encoding="utf-8"?>
-<p:sldLayout xmlns:a="http://schemas.openxmlformats.org/drawingml/2006/main" xmlns:r="http://schemas.openxmlformats.org/officeDocument/2006/relationships" xmlns:p="http://schemas.openxmlformats.org/presentationml/2006/main" type="twoObj" preserve="1">
+<p:sldLayout xmlns:a="http://schemas.openxmlformats.org/drawingml/2006/main" xmlns:r="http://schemas.openxmlformats.org/officeDocument/2006/relationships" xmlns:mc="http://schemas.openxmlformats.org/markup-compatibility/2006" xmlns:mv="urn:schemas-microsoft-com:mac:vml" xmlns:p="http://schemas.openxmlformats.org/presentationml/2006/main" mc:Ignorable="mv" mc:PreserveAttributes="mv:*" type="twoObj" preserve="1">
   <p:cSld name="Two Content">
     <p:spTree>
       <p:nvGrpSpPr>
@@ -4316,7 +4735,7 @@
             <a:fld id="{EF34DA83-6693-45CD-B904-8651ED07B240}" type="datetimeFigureOut">
               <a:rPr lang="en-US" smtClean="0"/>
               <a:pPr/>
-              <a:t>4/11/2010</a:t>
+              <a:t>4/12/10</a:t>
             </a:fld>
             <a:endParaRPr lang="en-US"/>
           </a:p>
@@ -4374,7 +4793,7 @@
 </file>
 
 <file path=ppt/slideLayouts/slideLayout5.xml><?xml version="1.0" encoding="utf-8"?>
-<p:sldLayout xmlns:a="http://schemas.openxmlformats.org/drawingml/2006/main" xmlns:r="http://schemas.openxmlformats.org/officeDocument/2006/relationships" xmlns:p="http://schemas.openxmlformats.org/presentationml/2006/main" type="twoTxTwoObj" preserve="1">
+<p:sldLayout xmlns:a="http://schemas.openxmlformats.org/drawingml/2006/main" xmlns:r="http://schemas.openxmlformats.org/officeDocument/2006/relationships" xmlns:mc="http://schemas.openxmlformats.org/markup-compatibility/2006" xmlns:mv="urn:schemas-microsoft-com:mac:vml" xmlns:p="http://schemas.openxmlformats.org/presentationml/2006/main" mc:Ignorable="mv" mc:PreserveAttributes="mv:*" type="twoTxTwoObj" preserve="1">
   <p:cSld name="Comparison">
     <p:spTree>
       <p:nvGrpSpPr>
@@ -4696,7 +5115,7 @@
             <a:fld id="{EF34DA83-6693-45CD-B904-8651ED07B240}" type="datetimeFigureOut">
               <a:rPr lang="en-US" smtClean="0"/>
               <a:pPr/>
-              <a:t>4/11/2010</a:t>
+              <a:t>4/12/10</a:t>
             </a:fld>
             <a:endParaRPr lang="en-US"/>
           </a:p>
@@ -4754,7 +5173,7 @@
 </file>
 
 <file path=ppt/slideLayouts/slideLayout6.xml><?xml version="1.0" encoding="utf-8"?>
-<p:sldLayout xmlns:a="http://schemas.openxmlformats.org/drawingml/2006/main" xmlns:r="http://schemas.openxmlformats.org/officeDocument/2006/relationships" xmlns:p="http://schemas.openxmlformats.org/presentationml/2006/main" type="titleOnly" preserve="1">
+<p:sldLayout xmlns:a="http://schemas.openxmlformats.org/drawingml/2006/main" xmlns:r="http://schemas.openxmlformats.org/officeDocument/2006/relationships" xmlns:mc="http://schemas.openxmlformats.org/markup-compatibility/2006" xmlns:mv="urn:schemas-microsoft-com:mac:vml" xmlns:p="http://schemas.openxmlformats.org/presentationml/2006/main" mc:Ignorable="mv" mc:PreserveAttributes="mv:*" type="titleOnly" preserve="1">
   <p:cSld name="Title Only">
     <p:spTree>
       <p:nvGrpSpPr>
@@ -4848,7 +5267,7 @@
             <a:fld id="{EF34DA83-6693-45CD-B904-8651ED07B240}" type="datetimeFigureOut">
               <a:rPr lang="en-US" smtClean="0"/>
               <a:pPr/>
-              <a:t>4/11/2010</a:t>
+              <a:t>4/12/10</a:t>
             </a:fld>
             <a:endParaRPr lang="en-US"/>
           </a:p>
@@ -4906,7 +5325,7 @@
 </file>
 
 <file path=ppt/slideLayouts/slideLayout7.xml><?xml version="1.0" encoding="utf-8"?>
-<p:sldLayout xmlns:a="http://schemas.openxmlformats.org/drawingml/2006/main" xmlns:r="http://schemas.openxmlformats.org/officeDocument/2006/relationships" xmlns:p="http://schemas.openxmlformats.org/presentationml/2006/main" type="blank" preserve="1">
+<p:sldLayout xmlns:a="http://schemas.openxmlformats.org/drawingml/2006/main" xmlns:r="http://schemas.openxmlformats.org/officeDocument/2006/relationships" xmlns:mc="http://schemas.openxmlformats.org/markup-compatibility/2006" xmlns:mv="urn:schemas-microsoft-com:mac:vml" xmlns:p="http://schemas.openxmlformats.org/presentationml/2006/main" mc:Ignorable="mv" mc:PreserveAttributes="mv:*" type="blank" preserve="1">
   <p:cSld name="Blank">
     <p:spTree>
       <p:nvGrpSpPr>
@@ -4940,7 +5359,7 @@
             <a:fld id="{EF34DA83-6693-45CD-B904-8651ED07B240}" type="datetimeFigureOut">
               <a:rPr lang="en-US" smtClean="0"/>
               <a:pPr/>
-              <a:t>4/11/2010</a:t>
+              <a:t>4/12/10</a:t>
             </a:fld>
             <a:endParaRPr lang="en-US"/>
           </a:p>
@@ -4998,7 +5417,7 @@
 </file>
 
 <file path=ppt/slideLayouts/slideLayout8.xml><?xml version="1.0" encoding="utf-8"?>
-<p:sldLayout xmlns:a="http://schemas.openxmlformats.org/drawingml/2006/main" xmlns:r="http://schemas.openxmlformats.org/officeDocument/2006/relationships" xmlns:p="http://schemas.openxmlformats.org/presentationml/2006/main" type="objTx" preserve="1">
+<p:sldLayout xmlns:a="http://schemas.openxmlformats.org/drawingml/2006/main" xmlns:r="http://schemas.openxmlformats.org/officeDocument/2006/relationships" xmlns:mc="http://schemas.openxmlformats.org/markup-compatibility/2006" xmlns:mv="urn:schemas-microsoft-com:mac:vml" xmlns:p="http://schemas.openxmlformats.org/presentationml/2006/main" mc:Ignorable="mv" mc:PreserveAttributes="mv:*" type="objTx" preserve="1">
   <p:cSld name="Content with Caption">
     <p:spTree>
       <p:nvGrpSpPr>
@@ -5203,7 +5622,7 @@
             <a:fld id="{EF34DA83-6693-45CD-B904-8651ED07B240}" type="datetimeFigureOut">
               <a:rPr lang="en-US" smtClean="0"/>
               <a:pPr/>
-              <a:t>4/11/2010</a:t>
+              <a:t>4/12/10</a:t>
             </a:fld>
             <a:endParaRPr lang="en-US"/>
           </a:p>
@@ -5261,7 +5680,7 @@
 </file>
 
 <file path=ppt/slideLayouts/slideLayout9.xml><?xml version="1.0" encoding="utf-8"?>
-<p:sldLayout xmlns:a="http://schemas.openxmlformats.org/drawingml/2006/main" xmlns:r="http://schemas.openxmlformats.org/officeDocument/2006/relationships" xmlns:p="http://schemas.openxmlformats.org/presentationml/2006/main" showMasterSp="0" type="picTx" preserve="1">
+<p:sldLayout xmlns:a="http://schemas.openxmlformats.org/drawingml/2006/main" xmlns:r="http://schemas.openxmlformats.org/officeDocument/2006/relationships" xmlns:mc="http://schemas.openxmlformats.org/markup-compatibility/2006" xmlns:mv="urn:schemas-microsoft-com:mac:vml" xmlns:p="http://schemas.openxmlformats.org/presentationml/2006/main" mc:Ignorable="mv" mc:PreserveAttributes="mv:*" showMasterSp="0" type="picTx" preserve="1">
   <p:cSld name="Picture with Caption">
     <p:spTree>
       <p:nvGrpSpPr>
@@ -5493,7 +5912,7 @@
             <a:fld id="{EF34DA83-6693-45CD-B904-8651ED07B240}" type="datetimeFigureOut">
               <a:rPr lang="en-US" smtClean="0"/>
               <a:pPr/>
-              <a:t>4/11/2010</a:t>
+              <a:t>4/12/10</a:t>
             </a:fld>
             <a:endParaRPr lang="en-US"/>
           </a:p>
@@ -5858,7 +6277,7 @@
 </file>
 
 <file path=ppt/slideMasters/slideMaster1.xml><?xml version="1.0" encoding="utf-8"?>
-<p:sldMaster xmlns:a="http://schemas.openxmlformats.org/drawingml/2006/main" xmlns:r="http://schemas.openxmlformats.org/officeDocument/2006/relationships" xmlns:p="http://schemas.openxmlformats.org/presentationml/2006/main">
+<p:sldMaster xmlns:a="http://schemas.openxmlformats.org/drawingml/2006/main" xmlns:r="http://schemas.openxmlformats.org/officeDocument/2006/relationships" xmlns:mc="http://schemas.openxmlformats.org/markup-compatibility/2006" xmlns:mv="urn:schemas-microsoft-com:mac:vml" xmlns:p="http://schemas.openxmlformats.org/presentationml/2006/main" mc:Ignorable="mv" mc:PreserveAttributes="mv:*">
   <p:cSld>
     <p:bg>
       <p:bgRef idx="1003">
@@ -6266,7 +6685,7 @@
             <a:fld id="{EF34DA83-6693-45CD-B904-8651ED07B240}" type="datetimeFigureOut">
               <a:rPr lang="en-US" smtClean="0"/>
               <a:pPr/>
-              <a:t>4/11/2010</a:t>
+              <a:t>4/12/10</a:t>
             </a:fld>
             <a:endParaRPr lang="en-US"/>
           </a:p>
@@ -6869,7 +7288,7 @@
 </file>
 
 <file path=ppt/slides/slide1.xml><?xml version="1.0" encoding="utf-8"?>
-<p:sld xmlns:a="http://schemas.openxmlformats.org/drawingml/2006/main" xmlns:r="http://schemas.openxmlformats.org/officeDocument/2006/relationships" xmlns:p="http://schemas.openxmlformats.org/presentationml/2006/main">
+<p:sld xmlns:a="http://schemas.openxmlformats.org/drawingml/2006/main" xmlns:r="http://schemas.openxmlformats.org/officeDocument/2006/relationships" xmlns:mc="http://schemas.openxmlformats.org/markup-compatibility/2006" xmlns:mv="urn:schemas-microsoft-com:mac:vml" xmlns:p="http://schemas.openxmlformats.org/presentationml/2006/main" mc:Ignorable="mv" mc:PreserveAttributes="mv:*">
   <p:cSld>
     <p:spTree>
       <p:nvGrpSpPr>
@@ -6951,7 +7370,7 @@
 </file>
 
 <file path=ppt/slides/slide10.xml><?xml version="1.0" encoding="utf-8"?>
-<p:sld xmlns:a="http://schemas.openxmlformats.org/drawingml/2006/main" xmlns:r="http://schemas.openxmlformats.org/officeDocument/2006/relationships" xmlns:p="http://schemas.openxmlformats.org/presentationml/2006/main">
+<p:sld xmlns:a="http://schemas.openxmlformats.org/drawingml/2006/main" xmlns:r="http://schemas.openxmlformats.org/officeDocument/2006/relationships" xmlns:mc="http://schemas.openxmlformats.org/markup-compatibility/2006" xmlns:mv="urn:schemas-microsoft-com:mac:vml" xmlns:p="http://schemas.openxmlformats.org/presentationml/2006/main" mc:Ignorable="mv" mc:PreserveAttributes="mv:*">
   <p:cSld>
     <p:spTree>
       <p:nvGrpSpPr>
@@ -6969,2728 +7388,6 @@
       </p:grpSpPr>
       <p:sp>
         <p:nvSpPr>
-          <p:cNvPr id="2" name="Title 1"/>
-          <p:cNvSpPr>
-            <a:spLocks noGrp="1"/>
-          </p:cNvSpPr>
-          <p:nvPr>
-            <p:ph type="title"/>
-          </p:nvPr>
-        </p:nvSpPr>
-        <p:spPr/>
-        <p:txBody>
-          <a:bodyPr/>
-          <a:lstStyle/>
-          <a:p>
-            <a:r>
-              <a:rPr lang="en-US" dirty="0" smtClean="0"/>
-              <a:t>Outline</a:t>
-            </a:r>
-            <a:endParaRPr lang="en-US" dirty="0"/>
-          </a:p>
-        </p:txBody>
-      </p:sp>
-      <p:sp>
-        <p:nvSpPr>
-          <p:cNvPr id="3" name="Content Placeholder 2"/>
-          <p:cNvSpPr>
-            <a:spLocks noGrp="1"/>
-          </p:cNvSpPr>
-          <p:nvPr>
-            <p:ph idx="1"/>
-          </p:nvPr>
-        </p:nvSpPr>
-        <p:spPr/>
-        <p:txBody>
-          <a:bodyPr/>
-          <a:lstStyle/>
-          <a:p>
-            <a:r>
-              <a:rPr lang="en-US" dirty="0" smtClean="0"/>
-              <a:t>Brief Review of the Problem.</a:t>
-            </a:r>
-          </a:p>
-          <a:p>
-            <a:r>
-              <a:rPr lang="en-US" dirty="0" smtClean="0"/>
-              <a:t>Algorithm Design</a:t>
-            </a:r>
-          </a:p>
-          <a:p>
-            <a:pPr lvl="1"/>
-            <a:r>
-              <a:rPr lang="en-US" dirty="0" smtClean="0"/>
-              <a:t>First </a:t>
-            </a:r>
-            <a:r>
-              <a:rPr lang="en-US" dirty="0" smtClean="0"/>
-              <a:t>Algorithm</a:t>
-            </a:r>
-          </a:p>
-          <a:p>
-            <a:pPr lvl="1"/>
-            <a:r>
-              <a:rPr lang="en-US" dirty="0" smtClean="0"/>
-              <a:t>Load Balanced Algorithm</a:t>
-            </a:r>
-            <a:endParaRPr lang="en-US" dirty="0" smtClean="0"/>
-          </a:p>
-          <a:p>
-            <a:r>
-              <a:rPr lang="en-US" dirty="0" smtClean="0">
-                <a:solidFill>
-                  <a:srgbClr val="FF0000"/>
-                </a:solidFill>
-              </a:rPr>
-              <a:t>Testing Methodology</a:t>
-            </a:r>
-          </a:p>
-          <a:p>
-            <a:r>
-              <a:rPr lang="en-US" dirty="0" smtClean="0"/>
-              <a:t>Results and Benchmarks</a:t>
-            </a:r>
-          </a:p>
-          <a:p>
-            <a:r>
-              <a:rPr lang="en-US" dirty="0" smtClean="0"/>
-              <a:t>Problems Found</a:t>
-            </a:r>
-          </a:p>
-          <a:p>
-            <a:r>
-              <a:rPr lang="en-US" dirty="0" smtClean="0"/>
-              <a:t>Conclusions</a:t>
-            </a:r>
-          </a:p>
-          <a:p>
-            <a:r>
-              <a:rPr lang="en-US" dirty="0" smtClean="0"/>
-              <a:t>Future work</a:t>
-            </a:r>
-          </a:p>
-          <a:p>
-            <a:endParaRPr lang="en-US" dirty="0"/>
-          </a:p>
-        </p:txBody>
-      </p:sp>
-    </p:spTree>
-  </p:cSld>
-  <p:clrMapOvr>
-    <a:masterClrMapping/>
-  </p:clrMapOvr>
-  <p:timing>
-    <p:tnLst>
-      <p:par>
-        <p:cTn id="1" dur="indefinite" restart="never" nodeType="tmRoot"/>
-      </p:par>
-    </p:tnLst>
-  </p:timing>
-</p:sld>
-</file>
-
-<file path=ppt/slides/slide11.xml><?xml version="1.0" encoding="utf-8"?>
-<p:sld xmlns:a="http://schemas.openxmlformats.org/drawingml/2006/main" xmlns:r="http://schemas.openxmlformats.org/officeDocument/2006/relationships" xmlns:p="http://schemas.openxmlformats.org/presentationml/2006/main">
-  <p:cSld>
-    <p:spTree>
-      <p:nvGrpSpPr>
-        <p:cNvPr id="1" name=""/>
-        <p:cNvGrpSpPr/>
-        <p:nvPr/>
-      </p:nvGrpSpPr>
-      <p:grpSpPr>
-        <a:xfrm>
-          <a:off x="0" y="0"/>
-          <a:ext cx="0" cy="0"/>
-          <a:chOff x="0" y="0"/>
-          <a:chExt cx="0" cy="0"/>
-        </a:xfrm>
-      </p:grpSpPr>
-      <p:sp>
-        <p:nvSpPr>
-          <p:cNvPr id="2" name="Title 1"/>
-          <p:cNvSpPr>
-            <a:spLocks noGrp="1"/>
-          </p:cNvSpPr>
-          <p:nvPr>
-            <p:ph type="title"/>
-          </p:nvPr>
-        </p:nvSpPr>
-        <p:spPr/>
-        <p:txBody>
-          <a:bodyPr/>
-          <a:lstStyle/>
-          <a:p>
-            <a:r>
-              <a:rPr lang="en-US" dirty="0" smtClean="0"/>
-              <a:t>Testing Methodology</a:t>
-            </a:r>
-            <a:endParaRPr lang="en-US" dirty="0"/>
-          </a:p>
-        </p:txBody>
-      </p:sp>
-      <p:sp>
-        <p:nvSpPr>
-          <p:cNvPr id="3" name="Content Placeholder 2"/>
-          <p:cNvSpPr>
-            <a:spLocks noGrp="1"/>
-          </p:cNvSpPr>
-          <p:nvPr>
-            <p:ph idx="1"/>
-          </p:nvPr>
-        </p:nvSpPr>
-        <p:spPr/>
-        <p:txBody>
-          <a:bodyPr/>
-          <a:lstStyle/>
-          <a:p>
-            <a:r>
-              <a:rPr lang="en-US" dirty="0" smtClean="0"/>
-              <a:t>Generating synthetic data by creating strings in which each the frequency of each element is one more than the previous. 1A2B3C4D5E6F7G8H (Done this)</a:t>
-            </a:r>
-          </a:p>
-          <a:p>
-            <a:pPr lvl="1"/>
-            <a:r>
-              <a:rPr lang="en-US" dirty="0" smtClean="0"/>
-              <a:t>Strings are not friendly to the First Algorithm.</a:t>
-            </a:r>
-          </a:p>
-          <a:p>
-            <a:r>
-              <a:rPr lang="en-US" dirty="0" smtClean="0"/>
-              <a:t>In Progress …</a:t>
-            </a:r>
-          </a:p>
-          <a:p>
-            <a:pPr lvl="1"/>
-            <a:r>
-              <a:rPr lang="en-US" dirty="0" smtClean="0"/>
-              <a:t>Projection </a:t>
-            </a:r>
-            <a:r>
-              <a:rPr lang="en-US" dirty="0" smtClean="0"/>
-              <a:t>index with 10 different elements and then double the amount of elements.</a:t>
-            </a:r>
-          </a:p>
-          <a:p>
-            <a:pPr lvl="1"/>
-            <a:r>
-              <a:rPr lang="en-US" dirty="0" smtClean="0"/>
-              <a:t>Projection index with fixed size of elements and then increasing the number of different elements from 2 different to having all elements with a frequency of 3.</a:t>
-            </a:r>
-          </a:p>
-          <a:p>
-            <a:endParaRPr lang="en-US" dirty="0" smtClean="0"/>
-          </a:p>
-          <a:p>
-            <a:endParaRPr lang="en-US" dirty="0"/>
-          </a:p>
-        </p:txBody>
-      </p:sp>
-    </p:spTree>
-  </p:cSld>
-  <p:clrMapOvr>
-    <a:masterClrMapping/>
-  </p:clrMapOvr>
-  <p:timing>
-    <p:tnLst>
-      <p:par>
-        <p:cTn id="1" dur="indefinite" restart="never" nodeType="tmRoot"/>
-      </p:par>
-    </p:tnLst>
-  </p:timing>
-</p:sld>
-</file>
-
-<file path=ppt/slides/slide12.xml><?xml version="1.0" encoding="utf-8"?>
-<p:sld xmlns:a="http://schemas.openxmlformats.org/drawingml/2006/main" xmlns:r="http://schemas.openxmlformats.org/officeDocument/2006/relationships" xmlns:p="http://schemas.openxmlformats.org/presentationml/2006/main">
-  <p:cSld>
-    <p:spTree>
-      <p:nvGrpSpPr>
-        <p:cNvPr id="1" name=""/>
-        <p:cNvGrpSpPr/>
-        <p:nvPr/>
-      </p:nvGrpSpPr>
-      <p:grpSpPr>
-        <a:xfrm>
-          <a:off x="0" y="0"/>
-          <a:ext cx="0" cy="0"/>
-          <a:chOff x="0" y="0"/>
-          <a:chExt cx="0" cy="0"/>
-        </a:xfrm>
-      </p:grpSpPr>
-      <p:sp>
-        <p:nvSpPr>
-          <p:cNvPr id="2" name="Title 1"/>
-          <p:cNvSpPr>
-            <a:spLocks noGrp="1"/>
-          </p:cNvSpPr>
-          <p:nvPr>
-            <p:ph type="title"/>
-          </p:nvPr>
-        </p:nvSpPr>
-        <p:spPr/>
-        <p:txBody>
-          <a:bodyPr/>
-          <a:lstStyle/>
-          <a:p>
-            <a:r>
-              <a:rPr lang="en-US" dirty="0" smtClean="0"/>
-              <a:t>Outline</a:t>
-            </a:r>
-            <a:endParaRPr lang="en-US" dirty="0"/>
-          </a:p>
-        </p:txBody>
-      </p:sp>
-      <p:sp>
-        <p:nvSpPr>
-          <p:cNvPr id="3" name="Content Placeholder 2"/>
-          <p:cNvSpPr>
-            <a:spLocks noGrp="1"/>
-          </p:cNvSpPr>
-          <p:nvPr>
-            <p:ph idx="1"/>
-          </p:nvPr>
-        </p:nvSpPr>
-        <p:spPr/>
-        <p:txBody>
-          <a:bodyPr/>
-          <a:lstStyle/>
-          <a:p>
-            <a:r>
-              <a:rPr lang="en-US" dirty="0" smtClean="0"/>
-              <a:t>Brief Review of the Problem.</a:t>
-            </a:r>
-          </a:p>
-          <a:p>
-            <a:r>
-              <a:rPr lang="en-US" dirty="0" smtClean="0"/>
-              <a:t>Algorithm Design</a:t>
-            </a:r>
-          </a:p>
-          <a:p>
-            <a:pPr lvl="1"/>
-            <a:r>
-              <a:rPr lang="en-US" dirty="0" smtClean="0"/>
-              <a:t>First </a:t>
-            </a:r>
-            <a:r>
-              <a:rPr lang="en-US" dirty="0" smtClean="0"/>
-              <a:t>Algorithm</a:t>
-            </a:r>
-          </a:p>
-          <a:p>
-            <a:pPr lvl="1"/>
-            <a:r>
-              <a:rPr lang="en-US" dirty="0" smtClean="0"/>
-              <a:t>Load Balanced Algorithm</a:t>
-            </a:r>
-            <a:endParaRPr lang="en-US" dirty="0" smtClean="0"/>
-          </a:p>
-          <a:p>
-            <a:r>
-              <a:rPr lang="en-US" dirty="0" smtClean="0"/>
-              <a:t>Testing Methodology</a:t>
-            </a:r>
-          </a:p>
-          <a:p>
-            <a:r>
-              <a:rPr lang="en-US" dirty="0" smtClean="0">
-                <a:solidFill>
-                  <a:srgbClr val="FF0000"/>
-                </a:solidFill>
-              </a:rPr>
-              <a:t>Results and Benchmarks</a:t>
-            </a:r>
-          </a:p>
-          <a:p>
-            <a:r>
-              <a:rPr lang="en-US" dirty="0" smtClean="0"/>
-              <a:t>Problems Found</a:t>
-            </a:r>
-          </a:p>
-          <a:p>
-            <a:r>
-              <a:rPr lang="en-US" dirty="0" smtClean="0"/>
-              <a:t>Conclusions</a:t>
-            </a:r>
-          </a:p>
-          <a:p>
-            <a:r>
-              <a:rPr lang="en-US" dirty="0" smtClean="0"/>
-              <a:t>Future work</a:t>
-            </a:r>
-          </a:p>
-          <a:p>
-            <a:endParaRPr lang="en-US" dirty="0"/>
-          </a:p>
-        </p:txBody>
-      </p:sp>
-    </p:spTree>
-  </p:cSld>
-  <p:clrMapOvr>
-    <a:masterClrMapping/>
-  </p:clrMapOvr>
-  <p:timing>
-    <p:tnLst>
-      <p:par>
-        <p:cTn id="1" dur="indefinite" restart="never" nodeType="tmRoot"/>
-      </p:par>
-    </p:tnLst>
-  </p:timing>
-</p:sld>
-</file>
-
-<file path=ppt/slides/slide13.xml><?xml version="1.0" encoding="utf-8"?>
-<p:sld xmlns:a="http://schemas.openxmlformats.org/drawingml/2006/main" xmlns:r="http://schemas.openxmlformats.org/officeDocument/2006/relationships" xmlns:p="http://schemas.openxmlformats.org/presentationml/2006/main">
-  <p:cSld>
-    <p:spTree>
-      <p:nvGrpSpPr>
-        <p:cNvPr id="1" name=""/>
-        <p:cNvGrpSpPr/>
-        <p:nvPr/>
-      </p:nvGrpSpPr>
-      <p:grpSpPr>
-        <a:xfrm>
-          <a:off x="0" y="0"/>
-          <a:ext cx="0" cy="0"/>
-          <a:chOff x="0" y="0"/>
-          <a:chExt cx="0" cy="0"/>
-        </a:xfrm>
-      </p:grpSpPr>
-      <p:sp>
-        <p:nvSpPr>
-          <p:cNvPr id="2" name="Title 1"/>
-          <p:cNvSpPr>
-            <a:spLocks noGrp="1"/>
-          </p:cNvSpPr>
-          <p:nvPr>
-            <p:ph type="title"/>
-          </p:nvPr>
-        </p:nvSpPr>
-        <p:spPr/>
-        <p:txBody>
-          <a:bodyPr/>
-          <a:lstStyle/>
-          <a:p>
-            <a:r>
-              <a:rPr lang="en-US" dirty="0" smtClean="0"/>
-              <a:t>Results and Benchmarks</a:t>
-            </a:r>
-            <a:endParaRPr lang="en-US" dirty="0"/>
-          </a:p>
-        </p:txBody>
-      </p:sp>
-      <p:sp>
-        <p:nvSpPr>
-          <p:cNvPr id="3" name="Content Placeholder 2"/>
-          <p:cNvSpPr>
-            <a:spLocks noGrp="1"/>
-          </p:cNvSpPr>
-          <p:nvPr>
-            <p:ph idx="1"/>
-          </p:nvPr>
-        </p:nvSpPr>
-        <p:spPr/>
-        <p:txBody>
-          <a:bodyPr>
-            <a:normAutofit lnSpcReduction="10000"/>
-          </a:bodyPr>
-          <a:lstStyle/>
-          <a:p>
-            <a:r>
-              <a:rPr lang="en-US" dirty="0" smtClean="0"/>
-              <a:t>NVIDIA 9400m</a:t>
-            </a:r>
-          </a:p>
-          <a:p>
-            <a:pPr lvl="1"/>
-            <a:r>
-              <a:rPr lang="en-US" dirty="0" smtClean="0"/>
-              <a:t>16 cores, and 256Mb of Memory</a:t>
-            </a:r>
-          </a:p>
-          <a:p>
-            <a:r>
-              <a:rPr lang="en-US" dirty="0" smtClean="0"/>
-              <a:t>The</a:t>
-            </a:r>
-            <a:r>
-              <a:rPr lang="en-US" dirty="0" smtClean="0"/>
-              <a:t> Implemented Algorithms:</a:t>
-            </a:r>
-          </a:p>
-          <a:p>
-            <a:pPr lvl="1"/>
-            <a:r>
-              <a:rPr lang="en-US" dirty="0" smtClean="0"/>
-              <a:t>First Algorithm: Not Balanced Uncompression.</a:t>
-            </a:r>
-          </a:p>
-          <a:p>
-            <a:pPr lvl="1"/>
-            <a:r>
-              <a:rPr lang="en-US" dirty="0" smtClean="0"/>
-              <a:t>Second Algorithm: Load Balanced Uncompression.</a:t>
-            </a:r>
-          </a:p>
-          <a:p>
-            <a:pPr lvl="1"/>
-            <a:r>
-              <a:rPr lang="en-US" dirty="0" smtClean="0"/>
-              <a:t>Copying Uncompressed Index to GPU.</a:t>
-            </a:r>
-          </a:p>
-          <a:p>
-            <a:r>
-              <a:rPr lang="en-US" dirty="0" smtClean="0"/>
-              <a:t>The Data:</a:t>
-            </a:r>
-          </a:p>
-          <a:p>
-            <a:r>
-              <a:rPr lang="en-US" dirty="0" smtClean="0"/>
-              <a:t>They have been tested with Unbalanced Strings in the form of:</a:t>
-            </a:r>
-          </a:p>
-          <a:p>
-            <a:r>
-              <a:rPr lang="en-US" dirty="0" smtClean="0"/>
-              <a:t>1 A 2 B 3 C … </a:t>
-            </a:r>
-          </a:p>
-        </p:txBody>
-      </p:sp>
-    </p:spTree>
-  </p:cSld>
-  <p:clrMapOvr>
-    <a:masterClrMapping/>
-  </p:clrMapOvr>
-</p:sld>
-</file>
-
-<file path=ppt/slides/slide14.xml><?xml version="1.0" encoding="utf-8"?>
-<p:sld xmlns:a="http://schemas.openxmlformats.org/drawingml/2006/main" xmlns:r="http://schemas.openxmlformats.org/officeDocument/2006/relationships" xmlns:p="http://schemas.openxmlformats.org/presentationml/2006/main">
-  <p:cSld>
-    <p:spTree>
-      <p:nvGrpSpPr>
-        <p:cNvPr id="1" name=""/>
-        <p:cNvGrpSpPr/>
-        <p:nvPr/>
-      </p:nvGrpSpPr>
-      <p:grpSpPr>
-        <a:xfrm>
-          <a:off x="0" y="0"/>
-          <a:ext cx="0" cy="0"/>
-          <a:chOff x="0" y="0"/>
-          <a:chExt cx="0" cy="0"/>
-        </a:xfrm>
-      </p:grpSpPr>
-      <p:sp>
-        <p:nvSpPr>
-          <p:cNvPr id="2" name="Title 1"/>
-          <p:cNvSpPr>
-            <a:spLocks noGrp="1"/>
-          </p:cNvSpPr>
-          <p:nvPr>
-            <p:ph type="title"/>
-          </p:nvPr>
-        </p:nvSpPr>
-        <p:spPr/>
-        <p:txBody>
-          <a:bodyPr/>
-          <a:lstStyle/>
-          <a:p>
-            <a:r>
-              <a:rPr lang="en-US" dirty="0" smtClean="0"/>
-              <a:t>Current Results</a:t>
-            </a:r>
-            <a:endParaRPr lang="en-US" dirty="0"/>
-          </a:p>
-        </p:txBody>
-      </p:sp>
-      <p:graphicFrame>
-        <p:nvGraphicFramePr>
-          <p:cNvPr id="6" name="Content Placeholder 5"/>
-          <p:cNvGraphicFramePr>
-            <a:graphicFrameLocks noGrp="1"/>
-          </p:cNvGraphicFramePr>
-          <p:nvPr>
-            <p:ph idx="1"/>
-          </p:nvPr>
-        </p:nvGraphicFramePr>
-        <p:xfrm>
-          <a:off x="457200" y="1935163"/>
-          <a:ext cx="8229600" cy="4389437"/>
-        </p:xfrm>
-        <a:graphic>
-          <a:graphicData uri="http://schemas.openxmlformats.org/drawingml/2006/chart">
-            <c:chart xmlns:c="http://schemas.openxmlformats.org/drawingml/2006/chart" xmlns:r="http://schemas.openxmlformats.org/officeDocument/2006/relationships" r:id="rId3"/>
-          </a:graphicData>
-        </a:graphic>
-      </p:graphicFrame>
-    </p:spTree>
-  </p:cSld>
-  <p:clrMapOvr>
-    <a:masterClrMapping/>
-  </p:clrMapOvr>
-</p:sld>
-</file>
-
-<file path=ppt/slides/slide15.xml><?xml version="1.0" encoding="utf-8"?>
-<p:sld xmlns:a="http://schemas.openxmlformats.org/drawingml/2006/main" xmlns:r="http://schemas.openxmlformats.org/officeDocument/2006/relationships" xmlns:p="http://schemas.openxmlformats.org/presentationml/2006/main">
-  <p:cSld>
-    <p:spTree>
-      <p:nvGrpSpPr>
-        <p:cNvPr id="1" name=""/>
-        <p:cNvGrpSpPr/>
-        <p:nvPr/>
-      </p:nvGrpSpPr>
-      <p:grpSpPr>
-        <a:xfrm>
-          <a:off x="0" y="0"/>
-          <a:ext cx="0" cy="0"/>
-          <a:chOff x="0" y="0"/>
-          <a:chExt cx="0" cy="0"/>
-        </a:xfrm>
-      </p:grpSpPr>
-      <p:sp>
-        <p:nvSpPr>
-          <p:cNvPr id="2" name="Title 1"/>
-          <p:cNvSpPr>
-            <a:spLocks noGrp="1"/>
-          </p:cNvSpPr>
-          <p:nvPr>
-            <p:ph type="title"/>
-          </p:nvPr>
-        </p:nvSpPr>
-        <p:spPr/>
-        <p:txBody>
-          <a:bodyPr/>
-          <a:lstStyle/>
-          <a:p>
-            <a:r>
-              <a:rPr lang="en-US" dirty="0" smtClean="0"/>
-              <a:t>Performance at each Stage</a:t>
-            </a:r>
-            <a:endParaRPr lang="en-US" dirty="0"/>
-          </a:p>
-        </p:txBody>
-      </p:sp>
-      <p:graphicFrame>
-        <p:nvGraphicFramePr>
-          <p:cNvPr id="4" name="Content Placeholder 3"/>
-          <p:cNvGraphicFramePr>
-            <a:graphicFrameLocks noGrp="1"/>
-          </p:cNvGraphicFramePr>
-          <p:nvPr>
-            <p:ph idx="1"/>
-          </p:nvPr>
-        </p:nvGraphicFramePr>
-        <p:xfrm>
-          <a:off x="457200" y="1935163"/>
-          <a:ext cx="8229600" cy="4389437"/>
-        </p:xfrm>
-        <a:graphic>
-          <a:graphicData uri="http://schemas.openxmlformats.org/drawingml/2006/chart">
-            <c:chart xmlns:c="http://schemas.openxmlformats.org/drawingml/2006/chart" xmlns:r="http://schemas.openxmlformats.org/officeDocument/2006/relationships" r:id="rId3"/>
-          </a:graphicData>
-        </a:graphic>
-      </p:graphicFrame>
-    </p:spTree>
-  </p:cSld>
-  <p:clrMapOvr>
-    <a:masterClrMapping/>
-  </p:clrMapOvr>
-  <p:timing>
-    <p:tnLst>
-      <p:par>
-        <p:cTn id="1" dur="indefinite" restart="never" nodeType="tmRoot"/>
-      </p:par>
-    </p:tnLst>
-  </p:timing>
-</p:sld>
-</file>
-
-<file path=ppt/slides/slide16.xml><?xml version="1.0" encoding="utf-8"?>
-<p:sld xmlns:a="http://schemas.openxmlformats.org/drawingml/2006/main" xmlns:r="http://schemas.openxmlformats.org/officeDocument/2006/relationships" xmlns:p="http://schemas.openxmlformats.org/presentationml/2006/main">
-  <p:cSld>
-    <p:spTree>
-      <p:nvGrpSpPr>
-        <p:cNvPr id="1" name=""/>
-        <p:cNvGrpSpPr/>
-        <p:nvPr/>
-      </p:nvGrpSpPr>
-      <p:grpSpPr>
-        <a:xfrm>
-          <a:off x="0" y="0"/>
-          <a:ext cx="0" cy="0"/>
-          <a:chOff x="0" y="0"/>
-          <a:chExt cx="0" cy="0"/>
-        </a:xfrm>
-      </p:grpSpPr>
-      <p:sp>
-        <p:nvSpPr>
-          <p:cNvPr id="2" name="Title 1"/>
-          <p:cNvSpPr>
-            <a:spLocks noGrp="1"/>
-          </p:cNvSpPr>
-          <p:nvPr>
-            <p:ph type="title"/>
-          </p:nvPr>
-        </p:nvSpPr>
-        <p:spPr/>
-        <p:txBody>
-          <a:bodyPr>
-            <a:normAutofit fontScale="90000"/>
-          </a:bodyPr>
-          <a:lstStyle/>
-          <a:p>
-            <a:r>
-              <a:rPr lang="en-US" dirty="0" smtClean="0"/>
-              <a:t>Kernel 4 does not match expected.</a:t>
-            </a:r>
-            <a:endParaRPr lang="en-US" dirty="0"/>
-          </a:p>
-        </p:txBody>
-      </p:sp>
-      <p:graphicFrame>
-        <p:nvGraphicFramePr>
-          <p:cNvPr id="6" name="Content Placeholder 5"/>
-          <p:cNvGraphicFramePr>
-            <a:graphicFrameLocks noGrp="1"/>
-          </p:cNvGraphicFramePr>
-          <p:nvPr>
-            <p:ph idx="1"/>
-          </p:nvPr>
-        </p:nvGraphicFramePr>
-        <p:xfrm>
-          <a:off x="457200" y="1935163"/>
-          <a:ext cx="8229600" cy="4389437"/>
-        </p:xfrm>
-        <a:graphic>
-          <a:graphicData uri="http://schemas.openxmlformats.org/drawingml/2006/chart">
-            <c:chart xmlns:c="http://schemas.openxmlformats.org/drawingml/2006/chart" xmlns:r="http://schemas.openxmlformats.org/officeDocument/2006/relationships" r:id="rId3"/>
-          </a:graphicData>
-        </a:graphic>
-      </p:graphicFrame>
-    </p:spTree>
-  </p:cSld>
-  <p:clrMapOvr>
-    <a:masterClrMapping/>
-  </p:clrMapOvr>
-</p:sld>
-</file>
-
-<file path=ppt/slides/slide17.xml><?xml version="1.0" encoding="utf-8"?>
-<p:sld xmlns:a="http://schemas.openxmlformats.org/drawingml/2006/main" xmlns:r="http://schemas.openxmlformats.org/officeDocument/2006/relationships" xmlns:p="http://schemas.openxmlformats.org/presentationml/2006/main">
-  <p:cSld>
-    <p:spTree>
-      <p:nvGrpSpPr>
-        <p:cNvPr id="1" name=""/>
-        <p:cNvGrpSpPr/>
-        <p:nvPr/>
-      </p:nvGrpSpPr>
-      <p:grpSpPr>
-        <a:xfrm>
-          <a:off x="0" y="0"/>
-          <a:ext cx="0" cy="0"/>
-          <a:chOff x="0" y="0"/>
-          <a:chExt cx="0" cy="0"/>
-        </a:xfrm>
-      </p:grpSpPr>
-      <p:sp>
-        <p:nvSpPr>
-          <p:cNvPr id="2" name="Title 1"/>
-          <p:cNvSpPr>
-            <a:spLocks noGrp="1"/>
-          </p:cNvSpPr>
-          <p:nvPr>
-            <p:ph type="title"/>
-          </p:nvPr>
-        </p:nvSpPr>
-        <p:spPr/>
-        <p:txBody>
-          <a:bodyPr/>
-          <a:lstStyle/>
-          <a:p>
-            <a:r>
-              <a:rPr lang="en-US" dirty="0" smtClean="0"/>
-              <a:t>Problems</a:t>
-            </a:r>
-            <a:endParaRPr lang="en-US" dirty="0"/>
-          </a:p>
-        </p:txBody>
-      </p:sp>
-      <p:sp>
-        <p:nvSpPr>
-          <p:cNvPr id="3" name="Content Placeholder 2"/>
-          <p:cNvSpPr>
-            <a:spLocks noGrp="1"/>
-          </p:cNvSpPr>
-          <p:nvPr>
-            <p:ph idx="1"/>
-          </p:nvPr>
-        </p:nvSpPr>
-        <p:spPr/>
-        <p:txBody>
-          <a:bodyPr/>
-          <a:lstStyle/>
-          <a:p>
-            <a:r>
-              <a:rPr lang="en-US" dirty="0" smtClean="0"/>
-              <a:t>Stage </a:t>
-            </a:r>
-            <a:r>
-              <a:rPr lang="en-US" dirty="0" smtClean="0"/>
-              <a:t>4 of the algorithm takes too </a:t>
-            </a:r>
-            <a:r>
-              <a:rPr lang="en-US" dirty="0" smtClean="0"/>
-              <a:t>long.</a:t>
-            </a:r>
-            <a:endParaRPr lang="en-US" dirty="0" smtClean="0"/>
-          </a:p>
-          <a:p>
-            <a:r>
-              <a:rPr lang="en-US" dirty="0" smtClean="0"/>
-              <a:t>Non-coalesced </a:t>
-            </a:r>
-            <a:r>
-              <a:rPr lang="en-US" dirty="0" smtClean="0"/>
-              <a:t>accesses in </a:t>
-            </a:r>
-            <a:r>
-              <a:rPr lang="en-US" dirty="0" smtClean="0"/>
-              <a:t>kernels 3 and </a:t>
-            </a:r>
-            <a:r>
-              <a:rPr lang="en-US" dirty="0" smtClean="0">
-                <a:solidFill>
-                  <a:srgbClr val="FF0000"/>
-                </a:solidFill>
-              </a:rPr>
-              <a:t>5</a:t>
-            </a:r>
-            <a:r>
-              <a:rPr lang="en-US" dirty="0" smtClean="0"/>
-              <a:t> of the Load balanced algorithm.</a:t>
-            </a:r>
-            <a:endParaRPr lang="en-US" dirty="0" smtClean="0"/>
-          </a:p>
-          <a:p>
-            <a:r>
-              <a:rPr lang="en-US" dirty="0" smtClean="0"/>
-              <a:t>New algorithm uses twice as much </a:t>
-            </a:r>
-            <a:r>
-              <a:rPr lang="en-US" dirty="0" smtClean="0"/>
-              <a:t>memory, running more quickly out of Memory.</a:t>
-            </a:r>
-            <a:endParaRPr lang="en-US" dirty="0" smtClean="0"/>
-          </a:p>
-        </p:txBody>
-      </p:sp>
-    </p:spTree>
-  </p:cSld>
-  <p:clrMapOvr>
-    <a:masterClrMapping/>
-  </p:clrMapOvr>
-  <p:timing>
-    <p:tnLst>
-      <p:par>
-        <p:cTn id="1" dur="indefinite" restart="never" nodeType="tmRoot"/>
-      </p:par>
-    </p:tnLst>
-  </p:timing>
-</p:sld>
-</file>
-
-<file path=ppt/slides/slide18.xml><?xml version="1.0" encoding="utf-8"?>
-<p:sld xmlns:a="http://schemas.openxmlformats.org/drawingml/2006/main" xmlns:r="http://schemas.openxmlformats.org/officeDocument/2006/relationships" xmlns:p="http://schemas.openxmlformats.org/presentationml/2006/main">
-  <p:cSld>
-    <p:spTree>
-      <p:nvGrpSpPr>
-        <p:cNvPr id="1" name=""/>
-        <p:cNvGrpSpPr/>
-        <p:nvPr/>
-      </p:nvGrpSpPr>
-      <p:grpSpPr>
-        <a:xfrm>
-          <a:off x="0" y="0"/>
-          <a:ext cx="0" cy="0"/>
-          <a:chOff x="0" y="0"/>
-          <a:chExt cx="0" cy="0"/>
-        </a:xfrm>
-      </p:grpSpPr>
-      <p:sp>
-        <p:nvSpPr>
-          <p:cNvPr id="2" name="Title 1"/>
-          <p:cNvSpPr>
-            <a:spLocks noGrp="1"/>
-          </p:cNvSpPr>
-          <p:nvPr>
-            <p:ph type="title"/>
-          </p:nvPr>
-        </p:nvSpPr>
-        <p:spPr/>
-        <p:txBody>
-          <a:bodyPr/>
-          <a:lstStyle/>
-          <a:p>
-            <a:r>
-              <a:rPr lang="en-US" dirty="0" smtClean="0"/>
-              <a:t>Conclusions</a:t>
-            </a:r>
-            <a:endParaRPr lang="en-US" dirty="0"/>
-          </a:p>
-        </p:txBody>
-      </p:sp>
-      <p:sp>
-        <p:nvSpPr>
-          <p:cNvPr id="3" name="Content Placeholder 2"/>
-          <p:cNvSpPr>
-            <a:spLocks noGrp="1"/>
-          </p:cNvSpPr>
-          <p:nvPr>
-            <p:ph idx="1"/>
-          </p:nvPr>
-        </p:nvSpPr>
-        <p:spPr/>
-        <p:txBody>
-          <a:bodyPr/>
-          <a:lstStyle/>
-          <a:p>
-            <a:endParaRPr lang="en-US" dirty="0"/>
-          </a:p>
-        </p:txBody>
-      </p:sp>
-    </p:spTree>
-  </p:cSld>
-  <p:clrMapOvr>
-    <a:masterClrMapping/>
-  </p:clrMapOvr>
-</p:sld>
-</file>
-
-<file path=ppt/slides/slide19.xml><?xml version="1.0" encoding="utf-8"?>
-<p:sld xmlns:a="http://schemas.openxmlformats.org/drawingml/2006/main" xmlns:r="http://schemas.openxmlformats.org/officeDocument/2006/relationships" xmlns:p="http://schemas.openxmlformats.org/presentationml/2006/main">
-  <p:cSld>
-    <p:spTree>
-      <p:nvGrpSpPr>
-        <p:cNvPr id="1" name=""/>
-        <p:cNvGrpSpPr/>
-        <p:nvPr/>
-      </p:nvGrpSpPr>
-      <p:grpSpPr>
-        <a:xfrm>
-          <a:off x="0" y="0"/>
-          <a:ext cx="0" cy="0"/>
-          <a:chOff x="0" y="0"/>
-          <a:chExt cx="0" cy="0"/>
-        </a:xfrm>
-      </p:grpSpPr>
-      <p:sp>
-        <p:nvSpPr>
-          <p:cNvPr id="2" name="Title 1"/>
-          <p:cNvSpPr>
-            <a:spLocks noGrp="1"/>
-          </p:cNvSpPr>
-          <p:nvPr>
-            <p:ph type="title"/>
-          </p:nvPr>
-        </p:nvSpPr>
-        <p:spPr/>
-        <p:txBody>
-          <a:bodyPr/>
-          <a:lstStyle/>
-          <a:p>
-            <a:r>
-              <a:rPr lang="en-US" dirty="0" smtClean="0"/>
-              <a:t>Future Work</a:t>
-            </a:r>
-            <a:endParaRPr lang="en-US" dirty="0"/>
-          </a:p>
-        </p:txBody>
-      </p:sp>
-      <p:sp>
-        <p:nvSpPr>
-          <p:cNvPr id="3" name="Content Placeholder 2"/>
-          <p:cNvSpPr>
-            <a:spLocks noGrp="1"/>
-          </p:cNvSpPr>
-          <p:nvPr>
-            <p:ph idx="1"/>
-          </p:nvPr>
-        </p:nvSpPr>
-        <p:spPr/>
-        <p:txBody>
-          <a:bodyPr>
-            <a:normAutofit/>
-          </a:bodyPr>
-          <a:lstStyle/>
-          <a:p>
-            <a:r>
-              <a:rPr lang="en-US" dirty="0" smtClean="0"/>
-              <a:t>Investigate further what is wrong with Kernel 4. (Use Dr. Aubanel’s machine)</a:t>
-            </a:r>
-          </a:p>
-          <a:p>
-            <a:r>
-              <a:rPr lang="en-US" dirty="0" smtClean="0"/>
-              <a:t>Complete the other tests in the testing methodology.</a:t>
-            </a:r>
-          </a:p>
-          <a:p>
-            <a:r>
-              <a:rPr lang="en-US" dirty="0" smtClean="0"/>
-              <a:t>Try other attribute values data types.</a:t>
-            </a:r>
-          </a:p>
-          <a:p>
-            <a:pPr lvl="0"/>
-            <a:r>
-              <a:rPr lang="en-US" dirty="0" smtClean="0"/>
-              <a:t>To Improve Kernel 5 will look into using Texture memory for reads from array of Symbols.</a:t>
-            </a:r>
-          </a:p>
-          <a:p>
-            <a:r>
-              <a:rPr lang="en-US" dirty="0" smtClean="0"/>
-              <a:t>Try Asynchronous Copy to see if it improves somewhat.</a:t>
-            </a:r>
-            <a:endParaRPr lang="en-US" dirty="0" smtClean="0"/>
-          </a:p>
-          <a:p>
-            <a:endParaRPr lang="en-US" dirty="0"/>
-          </a:p>
-        </p:txBody>
-      </p:sp>
-    </p:spTree>
-  </p:cSld>
-  <p:clrMapOvr>
-    <a:masterClrMapping/>
-  </p:clrMapOvr>
-  <p:timing>
-    <p:tnLst>
-      <p:par>
-        <p:cTn id="1" dur="indefinite" restart="never" nodeType="tmRoot"/>
-      </p:par>
-    </p:tnLst>
-  </p:timing>
-</p:sld>
-</file>
-
-<file path=ppt/slides/slide2.xml><?xml version="1.0" encoding="utf-8"?>
-<p:sld xmlns:a="http://schemas.openxmlformats.org/drawingml/2006/main" xmlns:r="http://schemas.openxmlformats.org/officeDocument/2006/relationships" xmlns:p="http://schemas.openxmlformats.org/presentationml/2006/main">
-  <p:cSld>
-    <p:spTree>
-      <p:nvGrpSpPr>
-        <p:cNvPr id="1" name=""/>
-        <p:cNvGrpSpPr/>
-        <p:nvPr/>
-      </p:nvGrpSpPr>
-      <p:grpSpPr>
-        <a:xfrm>
-          <a:off x="0" y="0"/>
-          <a:ext cx="0" cy="0"/>
-          <a:chOff x="0" y="0"/>
-          <a:chExt cx="0" cy="0"/>
-        </a:xfrm>
-      </p:grpSpPr>
-      <p:sp>
-        <p:nvSpPr>
-          <p:cNvPr id="2" name="Title 1"/>
-          <p:cNvSpPr>
-            <a:spLocks noGrp="1"/>
-          </p:cNvSpPr>
-          <p:nvPr>
-            <p:ph type="title"/>
-          </p:nvPr>
-        </p:nvSpPr>
-        <p:spPr/>
-        <p:txBody>
-          <a:bodyPr/>
-          <a:lstStyle/>
-          <a:p>
-            <a:r>
-              <a:rPr lang="en-US" dirty="0" smtClean="0"/>
-              <a:t>Outline</a:t>
-            </a:r>
-            <a:endParaRPr lang="en-US" dirty="0"/>
-          </a:p>
-        </p:txBody>
-      </p:sp>
-      <p:sp>
-        <p:nvSpPr>
-          <p:cNvPr id="3" name="Content Placeholder 2"/>
-          <p:cNvSpPr>
-            <a:spLocks noGrp="1"/>
-          </p:cNvSpPr>
-          <p:nvPr>
-            <p:ph idx="1"/>
-          </p:nvPr>
-        </p:nvSpPr>
-        <p:spPr/>
-        <p:txBody>
-          <a:bodyPr/>
-          <a:lstStyle/>
-          <a:p>
-            <a:r>
-              <a:rPr lang="en-US" dirty="0" smtClean="0">
-                <a:solidFill>
-                  <a:srgbClr val="FF0000"/>
-                </a:solidFill>
-              </a:rPr>
-              <a:t>Brief Review of the Problem.</a:t>
-            </a:r>
-          </a:p>
-          <a:p>
-            <a:r>
-              <a:rPr lang="en-US" dirty="0" smtClean="0"/>
-              <a:t>Algorithm Design</a:t>
-            </a:r>
-          </a:p>
-          <a:p>
-            <a:pPr lvl="1"/>
-            <a:r>
-              <a:rPr lang="en-US" dirty="0" smtClean="0"/>
-              <a:t>First </a:t>
-            </a:r>
-            <a:r>
-              <a:rPr lang="en-US" dirty="0" smtClean="0"/>
-              <a:t>Algorithm</a:t>
-            </a:r>
-          </a:p>
-          <a:p>
-            <a:pPr lvl="1"/>
-            <a:r>
-              <a:rPr lang="en-US" dirty="0" smtClean="0"/>
-              <a:t>Load Balanced Algorithm</a:t>
-            </a:r>
-            <a:endParaRPr lang="en-US" dirty="0" smtClean="0"/>
-          </a:p>
-          <a:p>
-            <a:r>
-              <a:rPr lang="en-US" dirty="0" smtClean="0"/>
-              <a:t>Testing Methodology</a:t>
-            </a:r>
-          </a:p>
-          <a:p>
-            <a:r>
-              <a:rPr lang="en-US" dirty="0" smtClean="0"/>
-              <a:t>Results and Benchmarks</a:t>
-            </a:r>
-          </a:p>
-          <a:p>
-            <a:r>
-              <a:rPr lang="en-US" dirty="0" smtClean="0"/>
-              <a:t>Problems Found</a:t>
-            </a:r>
-          </a:p>
-          <a:p>
-            <a:r>
-              <a:rPr lang="en-US" dirty="0" smtClean="0"/>
-              <a:t>Conclusions</a:t>
-            </a:r>
-          </a:p>
-          <a:p>
-            <a:r>
-              <a:rPr lang="en-US" dirty="0" smtClean="0"/>
-              <a:t>Future work</a:t>
-            </a:r>
-          </a:p>
-          <a:p>
-            <a:endParaRPr lang="en-US" dirty="0"/>
-          </a:p>
-        </p:txBody>
-      </p:sp>
-    </p:spTree>
-  </p:cSld>
-  <p:clrMapOvr>
-    <a:masterClrMapping/>
-  </p:clrMapOvr>
-  <p:timing>
-    <p:tnLst>
-      <p:par>
-        <p:cTn id="1" dur="indefinite" restart="never" nodeType="tmRoot"/>
-      </p:par>
-    </p:tnLst>
-  </p:timing>
-</p:sld>
-</file>
-
-<file path=ppt/slides/slide20.xml><?xml version="1.0" encoding="utf-8"?>
-<p:sld xmlns:a="http://schemas.openxmlformats.org/drawingml/2006/main" xmlns:r="http://schemas.openxmlformats.org/officeDocument/2006/relationships" xmlns:p="http://schemas.openxmlformats.org/presentationml/2006/main">
-  <p:cSld>
-    <p:spTree>
-      <p:nvGrpSpPr>
-        <p:cNvPr id="1" name=""/>
-        <p:cNvGrpSpPr/>
-        <p:nvPr/>
-      </p:nvGrpSpPr>
-      <p:grpSpPr>
-        <a:xfrm>
-          <a:off x="0" y="0"/>
-          <a:ext cx="0" cy="0"/>
-          <a:chOff x="0" y="0"/>
-          <a:chExt cx="0" cy="0"/>
-        </a:xfrm>
-      </p:grpSpPr>
-      <p:sp>
-        <p:nvSpPr>
-          <p:cNvPr id="2" name="Title 1"/>
-          <p:cNvSpPr>
-            <a:spLocks noGrp="1"/>
-          </p:cNvSpPr>
-          <p:nvPr>
-            <p:ph type="title"/>
-          </p:nvPr>
-        </p:nvSpPr>
-        <p:spPr/>
-        <p:txBody>
-          <a:bodyPr/>
-          <a:lstStyle/>
-          <a:p>
-            <a:r>
-              <a:rPr lang="en-US" dirty="0" smtClean="0"/>
-              <a:t>References</a:t>
-            </a:r>
-            <a:endParaRPr lang="en-US" dirty="0"/>
-          </a:p>
-        </p:txBody>
-      </p:sp>
-      <p:sp>
-        <p:nvSpPr>
-          <p:cNvPr id="3" name="Content Placeholder 2"/>
-          <p:cNvSpPr>
-            <a:spLocks noGrp="1"/>
-          </p:cNvSpPr>
-          <p:nvPr>
-            <p:ph idx="1"/>
-          </p:nvPr>
-        </p:nvSpPr>
-        <p:spPr/>
-        <p:txBody>
-          <a:bodyPr>
-            <a:normAutofit fontScale="85000" lnSpcReduction="10000"/>
-          </a:bodyPr>
-          <a:lstStyle/>
-          <a:p>
-            <a:r>
-              <a:rPr lang="en-US" dirty="0" err="1" smtClean="0"/>
-              <a:t>Gosink</a:t>
-            </a:r>
-            <a:r>
-              <a:rPr lang="en-US" dirty="0" smtClean="0"/>
-              <a:t>, L., </a:t>
-            </a:r>
-            <a:r>
-              <a:rPr lang="en-US" dirty="0" err="1" smtClean="0"/>
-              <a:t>Kesheng</a:t>
-            </a:r>
-            <a:r>
-              <a:rPr lang="en-US" dirty="0" smtClean="0"/>
-              <a:t> Wu, E. Wes Bethel, John D. Owens, Kenneth I. Joy: Data Parallel Bin-Based Indexing for Answering Queries on Multi-core Architectures. SSDBM 2009: 110-129</a:t>
-            </a:r>
-          </a:p>
-          <a:p>
-            <a:r>
-              <a:rPr lang="en-US" dirty="0" smtClean="0"/>
-              <a:t>Guy E. </a:t>
-            </a:r>
-            <a:r>
-              <a:rPr lang="en-US" dirty="0" err="1" smtClean="0"/>
-              <a:t>Blelloch</a:t>
-            </a:r>
-            <a:r>
-              <a:rPr lang="en-US" dirty="0" smtClean="0"/>
-              <a:t>. “Prefix Sums and Their Applications”. In John H. </a:t>
-            </a:r>
-            <a:r>
-              <a:rPr lang="en-US" dirty="0" err="1" smtClean="0"/>
-              <a:t>Reif</a:t>
-            </a:r>
-            <a:r>
-              <a:rPr lang="en-US" dirty="0" smtClean="0"/>
-              <a:t> (Ed.), Synthesis </a:t>
-            </a:r>
-            <a:r>
-              <a:rPr lang="de-DE" dirty="0" smtClean="0"/>
-              <a:t>of Parallel Algorithms, Morgan Kaufmann, 1990.</a:t>
-            </a:r>
-          </a:p>
-          <a:p>
-            <a:r>
-              <a:rPr lang="en-US" dirty="0" smtClean="0"/>
-              <a:t>HARRIS M., SENGUPTA S., OWENS J. D.: Parallel prefix sum (scan) with CUDA. In </a:t>
-            </a:r>
-            <a:r>
-              <a:rPr lang="en-US" i="1" dirty="0" smtClean="0"/>
-              <a:t>GPU Gems 3, </a:t>
-            </a:r>
-            <a:r>
-              <a:rPr lang="en-US" dirty="0" smtClean="0"/>
-              <a:t>Nguyen H., (Ed.). Addison Wesley, Aug. 2007, </a:t>
-            </a:r>
-            <a:r>
-              <a:rPr lang="en-US" dirty="0" err="1" smtClean="0"/>
-              <a:t>ch</a:t>
-            </a:r>
-            <a:r>
-              <a:rPr lang="en-US" dirty="0" smtClean="0"/>
-              <a:t>. 31</a:t>
-            </a:r>
-            <a:r>
-              <a:rPr lang="en-US" dirty="0" smtClean="0"/>
-              <a:t>.</a:t>
-            </a:r>
-          </a:p>
-          <a:p>
-            <a:r>
-              <a:rPr lang="en-US" dirty="0" smtClean="0"/>
-              <a:t>Horn, Daniel. Stream reduction operations for GPGPU applications. In GPU Gems </a:t>
-            </a:r>
-            <a:r>
-              <a:rPr lang="en-US" dirty="0" smtClean="0"/>
-              <a:t>2, M</a:t>
-            </a:r>
-            <a:r>
-              <a:rPr lang="en-US" dirty="0" smtClean="0"/>
-              <a:t>. Pharr, Ed., </a:t>
-            </a:r>
-            <a:r>
-              <a:rPr lang="en-US" dirty="0" err="1" smtClean="0"/>
-              <a:t>ch</a:t>
-            </a:r>
-            <a:r>
-              <a:rPr lang="en-US" dirty="0" smtClean="0"/>
-              <a:t>. 36, pp. 573–589. Addison Wesley, </a:t>
-            </a:r>
-            <a:r>
-              <a:rPr lang="en-US" dirty="0" smtClean="0"/>
-              <a:t>2005 </a:t>
-            </a:r>
-            <a:r>
-              <a:rPr lang="en-US" dirty="0" smtClean="0">
-                <a:hlinkClick r:id="rId3"/>
-              </a:rPr>
-              <a:t>http</a:t>
-            </a:r>
-            <a:r>
-              <a:rPr lang="en-US" dirty="0" smtClean="0">
-                <a:hlinkClick r:id="rId3"/>
-              </a:rPr>
-              <a:t>://</a:t>
-            </a:r>
-            <a:r>
-              <a:rPr lang="en-US" dirty="0" smtClean="0">
-                <a:hlinkClick r:id="rId3"/>
-              </a:rPr>
-              <a:t>developer.nvidia.com/object/gpu_gems_2_home.html</a:t>
-            </a:r>
-            <a:endParaRPr lang="en-US" dirty="0" smtClean="0"/>
-          </a:p>
-          <a:p>
-            <a:endParaRPr lang="en-US" dirty="0" smtClean="0"/>
-          </a:p>
-        </p:txBody>
-      </p:sp>
-    </p:spTree>
-  </p:cSld>
-  <p:clrMapOvr>
-    <a:masterClrMapping/>
-  </p:clrMapOvr>
-  <p:timing>
-    <p:tnLst>
-      <p:par>
-        <p:cTn id="1" dur="indefinite" restart="never" nodeType="tmRoot"/>
-      </p:par>
-    </p:tnLst>
-  </p:timing>
-</p:sld>
-</file>
-
-<file path=ppt/slides/slide21.xml><?xml version="1.0" encoding="utf-8"?>
-<p:sld xmlns:a="http://schemas.openxmlformats.org/drawingml/2006/main" xmlns:r="http://schemas.openxmlformats.org/officeDocument/2006/relationships" xmlns:p="http://schemas.openxmlformats.org/presentationml/2006/main">
-  <p:cSld>
-    <p:spTree>
-      <p:nvGrpSpPr>
-        <p:cNvPr id="1" name=""/>
-        <p:cNvGrpSpPr/>
-        <p:nvPr/>
-      </p:nvGrpSpPr>
-      <p:grpSpPr>
-        <a:xfrm>
-          <a:off x="0" y="0"/>
-          <a:ext cx="0" cy="0"/>
-          <a:chOff x="0" y="0"/>
-          <a:chExt cx="0" cy="0"/>
-        </a:xfrm>
-      </p:grpSpPr>
-      <p:sp>
-        <p:nvSpPr>
-          <p:cNvPr id="2" name="Title 1"/>
-          <p:cNvSpPr>
-            <a:spLocks noGrp="1"/>
-          </p:cNvSpPr>
-          <p:nvPr>
-            <p:ph type="title"/>
-          </p:nvPr>
-        </p:nvSpPr>
-        <p:spPr/>
-        <p:txBody>
-          <a:bodyPr/>
-          <a:lstStyle/>
-          <a:p>
-            <a:r>
-              <a:rPr lang="en-US" dirty="0" smtClean="0"/>
-              <a:t>Thank You!</a:t>
-            </a:r>
-            <a:endParaRPr lang="en-US" dirty="0"/>
-          </a:p>
-        </p:txBody>
-      </p:sp>
-      <p:sp>
-        <p:nvSpPr>
-          <p:cNvPr id="5" name="Content Placeholder 4"/>
-          <p:cNvSpPr>
-            <a:spLocks noGrp="1"/>
-          </p:cNvSpPr>
-          <p:nvPr>
-            <p:ph idx="1"/>
-          </p:nvPr>
-        </p:nvSpPr>
-        <p:spPr/>
-        <p:txBody>
-          <a:bodyPr/>
-          <a:lstStyle/>
-          <a:p>
-            <a:r>
-              <a:rPr lang="en-US" dirty="0" smtClean="0"/>
-              <a:t>Questions?</a:t>
-            </a:r>
-          </a:p>
-          <a:p>
-            <a:r>
-              <a:rPr lang="en-US" dirty="0" smtClean="0"/>
-              <a:t>Suggestions?</a:t>
-            </a:r>
-          </a:p>
-          <a:p>
-            <a:pPr>
-              <a:buNone/>
-            </a:pPr>
-            <a:endParaRPr lang="en-US" dirty="0"/>
-          </a:p>
-        </p:txBody>
-      </p:sp>
-    </p:spTree>
-  </p:cSld>
-  <p:clrMapOvr>
-    <a:masterClrMapping/>
-  </p:clrMapOvr>
-  <p:timing>
-    <p:tnLst>
-      <p:par>
-        <p:cTn id="1" dur="indefinite" restart="never" nodeType="tmRoot"/>
-      </p:par>
-    </p:tnLst>
-  </p:timing>
-</p:sld>
-</file>
-
-<file path=ppt/slides/slide3.xml><?xml version="1.0" encoding="utf-8"?>
-<p:sld xmlns:a="http://schemas.openxmlformats.org/drawingml/2006/main" xmlns:r="http://schemas.openxmlformats.org/officeDocument/2006/relationships" xmlns:p="http://schemas.openxmlformats.org/presentationml/2006/main">
-  <p:cSld>
-    <p:spTree>
-      <p:nvGrpSpPr>
-        <p:cNvPr id="1" name=""/>
-        <p:cNvGrpSpPr/>
-        <p:nvPr/>
-      </p:nvGrpSpPr>
-      <p:grpSpPr>
-        <a:xfrm>
-          <a:off x="0" y="0"/>
-          <a:ext cx="0" cy="0"/>
-          <a:chOff x="0" y="0"/>
-          <a:chExt cx="0" cy="0"/>
-        </a:xfrm>
-      </p:grpSpPr>
-      <p:sp>
-        <p:nvSpPr>
-          <p:cNvPr id="2" name="Title 1"/>
-          <p:cNvSpPr>
-            <a:spLocks noGrp="1"/>
-          </p:cNvSpPr>
-          <p:nvPr>
-            <p:ph type="title"/>
-          </p:nvPr>
-        </p:nvSpPr>
-        <p:spPr/>
-        <p:txBody>
-          <a:bodyPr>
-            <a:normAutofit/>
-          </a:bodyPr>
-          <a:lstStyle/>
-          <a:p>
-            <a:r>
-              <a:rPr lang="en-US" dirty="0" smtClean="0"/>
-              <a:t>Brief Review of the </a:t>
-            </a:r>
-            <a:r>
-              <a:rPr lang="en-US" dirty="0" smtClean="0"/>
-              <a:t>Problem</a:t>
-            </a:r>
-            <a:endParaRPr lang="en-US" dirty="0"/>
-          </a:p>
-        </p:txBody>
-      </p:sp>
-      <p:sp>
-        <p:nvSpPr>
-          <p:cNvPr id="12" name="Content Placeholder 2"/>
-          <p:cNvSpPr>
-            <a:spLocks noGrp="1"/>
-          </p:cNvSpPr>
-          <p:nvPr>
-            <p:ph idx="1"/>
-          </p:nvPr>
-        </p:nvSpPr>
-        <p:spPr>
-          <a:xfrm>
-            <a:off x="457200" y="1935480"/>
-            <a:ext cx="8229600" cy="4389120"/>
-          </a:xfrm>
-        </p:spPr>
-        <p:txBody>
-          <a:bodyPr/>
-          <a:lstStyle/>
-          <a:p>
-            <a:r>
-              <a:rPr lang="en-US" dirty="0" smtClean="0"/>
-              <a:t>An Index compressed in RLE Encoding is transferred to </a:t>
-            </a:r>
-            <a:r>
-              <a:rPr lang="en-US" dirty="0" smtClean="0"/>
-              <a:t>the </a:t>
-            </a:r>
-            <a:r>
-              <a:rPr lang="en-US" dirty="0" smtClean="0"/>
-              <a:t>GPU as:</a:t>
-            </a:r>
-          </a:p>
-          <a:p>
-            <a:pPr lvl="1"/>
-            <a:r>
-              <a:rPr lang="en-US" dirty="0" smtClean="0"/>
-              <a:t>1 Array of Frequencies.</a:t>
-            </a:r>
-          </a:p>
-          <a:p>
-            <a:pPr lvl="1"/>
-            <a:r>
-              <a:rPr lang="en-US" dirty="0" smtClean="0"/>
-              <a:t>1 Array of Symbols (Attribute Values)</a:t>
-            </a:r>
-            <a:endParaRPr lang="en-US" dirty="0" smtClean="0"/>
-          </a:p>
-          <a:p>
-            <a:r>
-              <a:rPr lang="en-US" dirty="0" smtClean="0"/>
-              <a:t>The index is then uncompressed </a:t>
-            </a:r>
-            <a:r>
-              <a:rPr lang="en-US" dirty="0" smtClean="0"/>
-              <a:t>in the GPU using a prefix sum algorithm.</a:t>
-            </a:r>
-            <a:endParaRPr lang="en-US" dirty="0"/>
-          </a:p>
-        </p:txBody>
-      </p:sp>
-    </p:spTree>
-  </p:cSld>
-  <p:clrMapOvr>
-    <a:masterClrMapping/>
-  </p:clrMapOvr>
-  <p:timing>
-    <p:tnLst>
-      <p:par>
-        <p:cTn id="1" dur="indefinite" restart="never" nodeType="tmRoot"/>
-      </p:par>
-    </p:tnLst>
-  </p:timing>
-</p:sld>
-</file>
-
-<file path=ppt/slides/slide4.xml><?xml version="1.0" encoding="utf-8"?>
-<p:sld xmlns:a="http://schemas.openxmlformats.org/drawingml/2006/main" xmlns:r="http://schemas.openxmlformats.org/officeDocument/2006/relationships" xmlns:p="http://schemas.openxmlformats.org/presentationml/2006/main">
-  <p:cSld>
-    <p:spTree>
-      <p:nvGrpSpPr>
-        <p:cNvPr id="1" name=""/>
-        <p:cNvGrpSpPr/>
-        <p:nvPr/>
-      </p:nvGrpSpPr>
-      <p:grpSpPr>
-        <a:xfrm>
-          <a:off x="0" y="0"/>
-          <a:ext cx="0" cy="0"/>
-          <a:chOff x="0" y="0"/>
-          <a:chExt cx="0" cy="0"/>
-        </a:xfrm>
-      </p:grpSpPr>
-      <p:sp>
-        <p:nvSpPr>
-          <p:cNvPr id="2" name="Title 1"/>
-          <p:cNvSpPr>
-            <a:spLocks noGrp="1"/>
-          </p:cNvSpPr>
-          <p:nvPr>
-            <p:ph type="title"/>
-          </p:nvPr>
-        </p:nvSpPr>
-        <p:spPr/>
-        <p:txBody>
-          <a:bodyPr>
-            <a:normAutofit/>
-          </a:bodyPr>
-          <a:lstStyle/>
-          <a:p>
-            <a:r>
-              <a:rPr lang="en-US" dirty="0" smtClean="0"/>
-              <a:t>Prefix </a:t>
-            </a:r>
-            <a:r>
-              <a:rPr lang="en-US" dirty="0" smtClean="0"/>
-              <a:t>Sum</a:t>
-            </a:r>
-            <a:endParaRPr lang="en-US" dirty="0"/>
-          </a:p>
-        </p:txBody>
-      </p:sp>
-      <p:graphicFrame>
-        <p:nvGraphicFramePr>
-          <p:cNvPr id="5" name="Table 4"/>
-          <p:cNvGraphicFramePr>
-            <a:graphicFrameLocks noGrp="1"/>
-          </p:cNvGraphicFramePr>
-          <p:nvPr/>
-        </p:nvGraphicFramePr>
-        <p:xfrm>
-          <a:off x="4191000" y="2514600"/>
-          <a:ext cx="1104900" cy="3200400"/>
-        </p:xfrm>
-        <a:graphic>
-          <a:graphicData uri="http://schemas.openxmlformats.org/drawingml/2006/table">
-            <a:tbl>
-              <a:tblPr firstRow="1" bandRow="1">
-                <a:tableStyleId>{5940675A-B579-460E-94D1-54222C63F5DA}</a:tableStyleId>
-              </a:tblPr>
-              <a:tblGrid>
-                <a:gridCol w="1104900"/>
-              </a:tblGrid>
-              <a:tr h="424543">
-                <a:tc>
-                  <a:txBody>
-                    <a:bodyPr/>
-                    <a:lstStyle/>
-                    <a:p>
-                      <a:r>
-                        <a:rPr lang="en-US" sz="2400" dirty="0" smtClean="0"/>
-                        <a:t>3</a:t>
-                      </a:r>
-                      <a:endParaRPr lang="en-US" sz="2400" dirty="0"/>
-                    </a:p>
-                  </a:txBody>
-                  <a:tcPr/>
-                </a:tc>
-              </a:tr>
-              <a:tr h="424543">
-                <a:tc>
-                  <a:txBody>
-                    <a:bodyPr/>
-                    <a:lstStyle/>
-                    <a:p>
-                      <a:r>
-                        <a:rPr lang="en-US" sz="2400" dirty="0" smtClean="0"/>
-                        <a:t>4</a:t>
-                      </a:r>
-                      <a:endParaRPr lang="en-US" sz="2400" dirty="0"/>
-                    </a:p>
-                  </a:txBody>
-                  <a:tcPr/>
-                </a:tc>
-              </a:tr>
-              <a:tr h="424543">
-                <a:tc>
-                  <a:txBody>
-                    <a:bodyPr/>
-                    <a:lstStyle/>
-                    <a:p>
-                      <a:r>
-                        <a:rPr lang="en-US" sz="2400" dirty="0" smtClean="0"/>
-                        <a:t>11</a:t>
-                      </a:r>
-                      <a:endParaRPr lang="en-US" sz="2400" dirty="0"/>
-                    </a:p>
-                  </a:txBody>
-                  <a:tcPr/>
-                </a:tc>
-              </a:tr>
-              <a:tr h="424543">
-                <a:tc>
-                  <a:txBody>
-                    <a:bodyPr/>
-                    <a:lstStyle/>
-                    <a:p>
-                      <a:r>
-                        <a:rPr lang="en-US" sz="2400" dirty="0" smtClean="0"/>
-                        <a:t>11</a:t>
-                      </a:r>
-                      <a:endParaRPr lang="en-US" sz="2400" dirty="0"/>
-                    </a:p>
-                  </a:txBody>
-                  <a:tcPr/>
-                </a:tc>
-              </a:tr>
-              <a:tr h="424543">
-                <a:tc>
-                  <a:txBody>
-                    <a:bodyPr/>
-                    <a:lstStyle/>
-                    <a:p>
-                      <a:r>
-                        <a:rPr lang="en-US" sz="2400" dirty="0" smtClean="0"/>
-                        <a:t>12</a:t>
-                      </a:r>
-                      <a:endParaRPr lang="en-US" sz="2400" dirty="0"/>
-                    </a:p>
-                  </a:txBody>
-                  <a:tcPr/>
-                </a:tc>
-              </a:tr>
-              <a:tr h="424543">
-                <a:tc>
-                  <a:txBody>
-                    <a:bodyPr/>
-                    <a:lstStyle/>
-                    <a:p>
-                      <a:r>
-                        <a:rPr lang="en-US" sz="2400" dirty="0" smtClean="0"/>
-                        <a:t>18</a:t>
-                      </a:r>
-                      <a:endParaRPr lang="en-US" sz="2400" dirty="0"/>
-                    </a:p>
-                  </a:txBody>
-                  <a:tcPr/>
-                </a:tc>
-              </a:tr>
-              <a:tr h="424543">
-                <a:tc>
-                  <a:txBody>
-                    <a:bodyPr/>
-                    <a:lstStyle/>
-                    <a:p>
-                      <a:r>
-                        <a:rPr lang="en-US" sz="2400" dirty="0" smtClean="0"/>
-                        <a:t>21</a:t>
-                      </a:r>
-                      <a:endParaRPr lang="en-US" sz="2400" dirty="0"/>
-                    </a:p>
-                  </a:txBody>
-                  <a:tcPr/>
-                </a:tc>
-              </a:tr>
-            </a:tbl>
-          </a:graphicData>
-        </a:graphic>
-      </p:graphicFrame>
-      <p:graphicFrame>
-        <p:nvGraphicFramePr>
-          <p:cNvPr id="7" name="Table 6"/>
-          <p:cNvGraphicFramePr>
-            <a:graphicFrameLocks noGrp="1"/>
-          </p:cNvGraphicFramePr>
-          <p:nvPr/>
-        </p:nvGraphicFramePr>
-        <p:xfrm>
-          <a:off x="6134100" y="2514600"/>
-          <a:ext cx="1104900" cy="3200400"/>
-        </p:xfrm>
-        <a:graphic>
-          <a:graphicData uri="http://schemas.openxmlformats.org/drawingml/2006/table">
-            <a:tbl>
-              <a:tblPr firstRow="1" bandRow="1">
-                <a:tableStyleId>{5940675A-B579-460E-94D1-54222C63F5DA}</a:tableStyleId>
-              </a:tblPr>
-              <a:tblGrid>
-                <a:gridCol w="1104900"/>
-              </a:tblGrid>
-              <a:tr h="424543">
-                <a:tc>
-                  <a:txBody>
-                    <a:bodyPr/>
-                    <a:lstStyle/>
-                    <a:p>
-                      <a:r>
-                        <a:rPr lang="en-US" sz="2400" dirty="0" smtClean="0"/>
-                        <a:t>0</a:t>
-                      </a:r>
-                      <a:endParaRPr lang="en-US" sz="2400" dirty="0"/>
-                    </a:p>
-                  </a:txBody>
-                  <a:tcPr/>
-                </a:tc>
-              </a:tr>
-              <a:tr h="424543">
-                <a:tc>
-                  <a:txBody>
-                    <a:bodyPr/>
-                    <a:lstStyle/>
-                    <a:p>
-                      <a:r>
-                        <a:rPr lang="en-US" sz="2400" dirty="0" smtClean="0"/>
-                        <a:t>3</a:t>
-                      </a:r>
-                      <a:endParaRPr lang="en-US" sz="2400" dirty="0"/>
-                    </a:p>
-                  </a:txBody>
-                  <a:tcPr/>
-                </a:tc>
-              </a:tr>
-              <a:tr h="424543">
-                <a:tc>
-                  <a:txBody>
-                    <a:bodyPr/>
-                    <a:lstStyle/>
-                    <a:p>
-                      <a:r>
-                        <a:rPr lang="en-US" sz="2400" dirty="0" smtClean="0"/>
-                        <a:t>4</a:t>
-                      </a:r>
-                      <a:endParaRPr lang="en-US" sz="2400" dirty="0"/>
-                    </a:p>
-                  </a:txBody>
-                  <a:tcPr/>
-                </a:tc>
-              </a:tr>
-              <a:tr h="424543">
-                <a:tc>
-                  <a:txBody>
-                    <a:bodyPr/>
-                    <a:lstStyle/>
-                    <a:p>
-                      <a:r>
-                        <a:rPr lang="en-US" sz="2400" dirty="0" smtClean="0"/>
-                        <a:t>11</a:t>
-                      </a:r>
-                      <a:endParaRPr lang="en-US" sz="2400" dirty="0"/>
-                    </a:p>
-                  </a:txBody>
-                  <a:tcPr/>
-                </a:tc>
-              </a:tr>
-              <a:tr h="424543">
-                <a:tc>
-                  <a:txBody>
-                    <a:bodyPr/>
-                    <a:lstStyle/>
-                    <a:p>
-                      <a:r>
-                        <a:rPr lang="en-US" sz="2400" dirty="0" smtClean="0"/>
-                        <a:t>11</a:t>
-                      </a:r>
-                      <a:endParaRPr lang="en-US" sz="2400" dirty="0"/>
-                    </a:p>
-                  </a:txBody>
-                  <a:tcPr/>
-                </a:tc>
-              </a:tr>
-              <a:tr h="424543">
-                <a:tc>
-                  <a:txBody>
-                    <a:bodyPr/>
-                    <a:lstStyle/>
-                    <a:p>
-                      <a:r>
-                        <a:rPr lang="en-US" sz="2400" dirty="0" smtClean="0"/>
-                        <a:t>12</a:t>
-                      </a:r>
-                      <a:endParaRPr lang="en-US" sz="2400" dirty="0"/>
-                    </a:p>
-                  </a:txBody>
-                  <a:tcPr/>
-                </a:tc>
-              </a:tr>
-              <a:tr h="424543">
-                <a:tc>
-                  <a:txBody>
-                    <a:bodyPr/>
-                    <a:lstStyle/>
-                    <a:p>
-                      <a:r>
-                        <a:rPr lang="en-US" sz="2400" dirty="0" smtClean="0"/>
-                        <a:t>18</a:t>
-                      </a:r>
-                    </a:p>
-                  </a:txBody>
-                  <a:tcPr/>
-                </a:tc>
-              </a:tr>
-            </a:tbl>
-          </a:graphicData>
-        </a:graphic>
-      </p:graphicFrame>
-      <p:sp>
-        <p:nvSpPr>
-          <p:cNvPr id="9" name="TextBox 8"/>
-          <p:cNvSpPr txBox="1"/>
-          <p:nvPr/>
-        </p:nvSpPr>
-        <p:spPr>
-          <a:xfrm>
-            <a:off x="3886200" y="2057400"/>
-            <a:ext cx="1593000" cy="369332"/>
-          </a:xfrm>
-          <a:prstGeom prst="rect">
-            <a:avLst/>
-          </a:prstGeom>
-          <a:noFill/>
-        </p:spPr>
-        <p:txBody>
-          <a:bodyPr wrap="none" rtlCol="0">
-            <a:spAutoFit/>
-          </a:bodyPr>
-          <a:lstStyle/>
-          <a:p>
-            <a:r>
-              <a:rPr lang="en-US" dirty="0" smtClean="0">
-                <a:solidFill>
-                  <a:srgbClr val="FF0000"/>
-                </a:solidFill>
-              </a:rPr>
-              <a:t>Inclusive Scan</a:t>
-            </a:r>
-            <a:endParaRPr lang="en-US" dirty="0">
-              <a:solidFill>
-                <a:srgbClr val="FF0000"/>
-              </a:solidFill>
-            </a:endParaRPr>
-          </a:p>
-        </p:txBody>
-      </p:sp>
-      <p:sp>
-        <p:nvSpPr>
-          <p:cNvPr id="10" name="TextBox 9"/>
-          <p:cNvSpPr txBox="1"/>
-          <p:nvPr/>
-        </p:nvSpPr>
-        <p:spPr>
-          <a:xfrm>
-            <a:off x="5924382" y="2057400"/>
-            <a:ext cx="1619418" cy="369332"/>
-          </a:xfrm>
-          <a:prstGeom prst="rect">
-            <a:avLst/>
-          </a:prstGeom>
-          <a:noFill/>
-        </p:spPr>
-        <p:txBody>
-          <a:bodyPr wrap="none" rtlCol="0">
-            <a:spAutoFit/>
-          </a:bodyPr>
-          <a:lstStyle/>
-          <a:p>
-            <a:r>
-              <a:rPr lang="en-US" dirty="0" smtClean="0">
-                <a:solidFill>
-                  <a:srgbClr val="FF0000"/>
-                </a:solidFill>
-              </a:rPr>
-              <a:t>Exclusive Scan</a:t>
-            </a:r>
-            <a:endParaRPr lang="en-US" dirty="0">
-              <a:solidFill>
-                <a:srgbClr val="FF0000"/>
-              </a:solidFill>
-            </a:endParaRPr>
-          </a:p>
-        </p:txBody>
-      </p:sp>
-      <p:graphicFrame>
-        <p:nvGraphicFramePr>
-          <p:cNvPr id="11" name="Table 10"/>
-          <p:cNvGraphicFramePr>
-            <a:graphicFrameLocks noGrp="1"/>
-          </p:cNvGraphicFramePr>
-          <p:nvPr/>
-        </p:nvGraphicFramePr>
-        <p:xfrm>
-          <a:off x="952500" y="2514600"/>
-          <a:ext cx="1104900" cy="3200400"/>
-        </p:xfrm>
-        <a:graphic>
-          <a:graphicData uri="http://schemas.openxmlformats.org/drawingml/2006/table">
-            <a:tbl>
-              <a:tblPr firstRow="1" bandRow="1">
-                <a:tableStyleId>{5940675A-B579-460E-94D1-54222C63F5DA}</a:tableStyleId>
-              </a:tblPr>
-              <a:tblGrid>
-                <a:gridCol w="1104900"/>
-              </a:tblGrid>
-              <a:tr h="424543">
-                <a:tc>
-                  <a:txBody>
-                    <a:bodyPr/>
-                    <a:lstStyle/>
-                    <a:p>
-                      <a:r>
-                        <a:rPr lang="en-US" sz="2400" dirty="0" smtClean="0"/>
-                        <a:t>3</a:t>
-                      </a:r>
-                      <a:endParaRPr lang="en-US" sz="2400" dirty="0"/>
-                    </a:p>
-                  </a:txBody>
-                  <a:tcPr/>
-                </a:tc>
-              </a:tr>
-              <a:tr h="424543">
-                <a:tc>
-                  <a:txBody>
-                    <a:bodyPr/>
-                    <a:lstStyle/>
-                    <a:p>
-                      <a:r>
-                        <a:rPr lang="en-US" sz="2400" dirty="0" smtClean="0"/>
-                        <a:t>1</a:t>
-                      </a:r>
-                      <a:endParaRPr lang="en-US" sz="2400" dirty="0"/>
-                    </a:p>
-                  </a:txBody>
-                  <a:tcPr/>
-                </a:tc>
-              </a:tr>
-              <a:tr h="424543">
-                <a:tc>
-                  <a:txBody>
-                    <a:bodyPr/>
-                    <a:lstStyle/>
-                    <a:p>
-                      <a:r>
-                        <a:rPr lang="en-US" sz="2400" dirty="0" smtClean="0"/>
-                        <a:t>7</a:t>
-                      </a:r>
-                      <a:endParaRPr lang="en-US" sz="2400" dirty="0"/>
-                    </a:p>
-                  </a:txBody>
-                  <a:tcPr/>
-                </a:tc>
-              </a:tr>
-              <a:tr h="424543">
-                <a:tc>
-                  <a:txBody>
-                    <a:bodyPr/>
-                    <a:lstStyle/>
-                    <a:p>
-                      <a:r>
-                        <a:rPr lang="en-US" sz="2400" dirty="0" smtClean="0"/>
-                        <a:t>0</a:t>
-                      </a:r>
-                      <a:endParaRPr lang="en-US" sz="2400" dirty="0"/>
-                    </a:p>
-                  </a:txBody>
-                  <a:tcPr/>
-                </a:tc>
-              </a:tr>
-              <a:tr h="424543">
-                <a:tc>
-                  <a:txBody>
-                    <a:bodyPr/>
-                    <a:lstStyle/>
-                    <a:p>
-                      <a:r>
-                        <a:rPr lang="en-US" sz="2400" dirty="0" smtClean="0"/>
-                        <a:t>1</a:t>
-                      </a:r>
-                      <a:endParaRPr lang="en-US" sz="2400" dirty="0"/>
-                    </a:p>
-                  </a:txBody>
-                  <a:tcPr/>
-                </a:tc>
-              </a:tr>
-              <a:tr h="424543">
-                <a:tc>
-                  <a:txBody>
-                    <a:bodyPr/>
-                    <a:lstStyle/>
-                    <a:p>
-                      <a:r>
-                        <a:rPr lang="en-US" sz="2400" dirty="0" smtClean="0"/>
-                        <a:t>6</a:t>
-                      </a:r>
-                      <a:endParaRPr lang="en-US" sz="2400" dirty="0"/>
-                    </a:p>
-                  </a:txBody>
-                  <a:tcPr/>
-                </a:tc>
-              </a:tr>
-              <a:tr h="424543">
-                <a:tc>
-                  <a:txBody>
-                    <a:bodyPr/>
-                    <a:lstStyle/>
-                    <a:p>
-                      <a:r>
-                        <a:rPr lang="en-US" sz="2400" dirty="0" smtClean="0"/>
-                        <a:t>3</a:t>
-                      </a:r>
-                      <a:endParaRPr lang="en-US" sz="2400" dirty="0"/>
-                    </a:p>
-                  </a:txBody>
-                  <a:tcPr/>
-                </a:tc>
-              </a:tr>
-            </a:tbl>
-          </a:graphicData>
-        </a:graphic>
-      </p:graphicFrame>
-      <p:sp>
-        <p:nvSpPr>
-          <p:cNvPr id="12" name="TextBox 11"/>
-          <p:cNvSpPr txBox="1"/>
-          <p:nvPr/>
-        </p:nvSpPr>
-        <p:spPr>
-          <a:xfrm>
-            <a:off x="769200" y="2057400"/>
-            <a:ext cx="1380058" cy="369332"/>
-          </a:xfrm>
-          <a:prstGeom prst="rect">
-            <a:avLst/>
-          </a:prstGeom>
-          <a:noFill/>
-        </p:spPr>
-        <p:txBody>
-          <a:bodyPr wrap="none" rtlCol="0">
-            <a:spAutoFit/>
-          </a:bodyPr>
-          <a:lstStyle/>
-          <a:p>
-            <a:r>
-              <a:rPr lang="en-US" dirty="0" smtClean="0">
-                <a:solidFill>
-                  <a:srgbClr val="FF0000"/>
-                </a:solidFill>
-              </a:rPr>
-              <a:t>Frequencies</a:t>
-            </a:r>
-            <a:endParaRPr lang="en-US" dirty="0">
-              <a:solidFill>
-                <a:srgbClr val="FF0000"/>
-              </a:solidFill>
-            </a:endParaRPr>
-          </a:p>
-        </p:txBody>
-      </p:sp>
-    </p:spTree>
-  </p:cSld>
-  <p:clrMapOvr>
-    <a:masterClrMapping/>
-  </p:clrMapOvr>
-  <p:timing>
-    <p:tnLst>
-      <p:par>
-        <p:cTn id="1" dur="indefinite" restart="never" nodeType="tmRoot"/>
-      </p:par>
-    </p:tnLst>
-  </p:timing>
-</p:sld>
-</file>
-
-<file path=ppt/slides/slide5.xml><?xml version="1.0" encoding="utf-8"?>
-<p:sld xmlns:a="http://schemas.openxmlformats.org/drawingml/2006/main" xmlns:r="http://schemas.openxmlformats.org/officeDocument/2006/relationships" xmlns:p="http://schemas.openxmlformats.org/presentationml/2006/main">
-  <p:cSld>
-    <p:spTree>
-      <p:nvGrpSpPr>
-        <p:cNvPr id="1" name=""/>
-        <p:cNvGrpSpPr/>
-        <p:nvPr/>
-      </p:nvGrpSpPr>
-      <p:grpSpPr>
-        <a:xfrm>
-          <a:off x="0" y="0"/>
-          <a:ext cx="0" cy="0"/>
-          <a:chOff x="0" y="0"/>
-          <a:chExt cx="0" cy="0"/>
-        </a:xfrm>
-      </p:grpSpPr>
-      <p:sp>
-        <p:nvSpPr>
-          <p:cNvPr id="2" name="Title 1"/>
-          <p:cNvSpPr>
-            <a:spLocks noGrp="1"/>
-          </p:cNvSpPr>
-          <p:nvPr>
-            <p:ph type="title"/>
-          </p:nvPr>
-        </p:nvSpPr>
-        <p:spPr/>
-        <p:txBody>
-          <a:bodyPr/>
-          <a:lstStyle/>
-          <a:p>
-            <a:r>
-              <a:rPr lang="en-US" dirty="0" smtClean="0"/>
-              <a:t>Brief Review of the Problem</a:t>
-            </a:r>
-            <a:endParaRPr lang="en-US" dirty="0"/>
-          </a:p>
-        </p:txBody>
-      </p:sp>
-      <p:sp>
-        <p:nvSpPr>
-          <p:cNvPr id="3" name="Content Placeholder 2"/>
-          <p:cNvSpPr>
-            <a:spLocks noGrp="1"/>
-          </p:cNvSpPr>
-          <p:nvPr>
-            <p:ph idx="1"/>
-          </p:nvPr>
-        </p:nvSpPr>
-        <p:spPr/>
-        <p:txBody>
-          <a:bodyPr/>
-          <a:lstStyle/>
-          <a:p>
-            <a:r>
-              <a:rPr lang="en-US" sz="2800" dirty="0" smtClean="0"/>
-              <a:t>For this to be effective the following assumptions must be made:</a:t>
-            </a:r>
-          </a:p>
-          <a:p>
-            <a:pPr lvl="1"/>
-            <a:r>
-              <a:rPr lang="en-US" dirty="0" smtClean="0"/>
-              <a:t>The data in the projection index is previously sorted</a:t>
-            </a:r>
-          </a:p>
-          <a:p>
-            <a:pPr lvl="1"/>
-            <a:r>
-              <a:rPr lang="en-US" dirty="0" smtClean="0"/>
-              <a:t>The projection index is created on a column that is not unique.</a:t>
-            </a:r>
-          </a:p>
-          <a:p>
-            <a:endParaRPr lang="en-US" dirty="0" smtClean="0"/>
-          </a:p>
-          <a:p>
-            <a:endParaRPr lang="en-US" dirty="0"/>
-          </a:p>
-        </p:txBody>
-      </p:sp>
-      <p:grpSp>
-        <p:nvGrpSpPr>
-          <p:cNvPr id="4" name="Group 3"/>
-          <p:cNvGrpSpPr/>
-          <p:nvPr/>
-        </p:nvGrpSpPr>
-        <p:grpSpPr>
-          <a:xfrm>
-            <a:off x="838200" y="4419600"/>
-            <a:ext cx="7239000" cy="1676400"/>
-            <a:chOff x="1066800" y="4038600"/>
-            <a:chExt cx="7239000" cy="1676400"/>
-          </a:xfrm>
-        </p:grpSpPr>
-        <p:sp>
-          <p:nvSpPr>
-            <p:cNvPr id="5" name="Rounded Rectangle 4"/>
-            <p:cNvSpPr/>
-            <p:nvPr/>
-          </p:nvSpPr>
-          <p:spPr>
-            <a:xfrm>
-              <a:off x="1066800" y="4038600"/>
-              <a:ext cx="2209800" cy="1143000"/>
-            </a:xfrm>
-            <a:prstGeom prst="roundRect">
-              <a:avLst/>
-            </a:prstGeom>
-            <a:ln>
-              <a:noFill/>
-            </a:ln>
-            <a:effectLst>
-              <a:outerShdw blurRad="184150" dist="241300" dir="11520000" sx="110000" sy="110000" algn="ctr">
-                <a:srgbClr val="000000">
-                  <a:alpha val="18000"/>
-                </a:srgbClr>
-              </a:outerShdw>
-            </a:effectLst>
-            <a:scene3d>
-              <a:camera prst="perspectiveFront" fov="5100000">
-                <a:rot lat="0" lon="2100000" rev="0"/>
-              </a:camera>
-              <a:lightRig rig="flood" dir="t">
-                <a:rot lat="0" lon="0" rev="13800000"/>
-              </a:lightRig>
-            </a:scene3d>
-            <a:sp3d extrusionH="107950" prstMaterial="plastic">
-              <a:bevelT w="82550" h="63500" prst="divot"/>
-              <a:bevelB/>
-            </a:sp3d>
-          </p:spPr>
-          <p:style>
-            <a:lnRef idx="2">
-              <a:schemeClr val="accent1">
-                <a:shade val="50000"/>
-              </a:schemeClr>
-            </a:lnRef>
-            <a:fillRef idx="1">
-              <a:schemeClr val="accent1"/>
-            </a:fillRef>
-            <a:effectRef idx="0">
-              <a:schemeClr val="accent1"/>
-            </a:effectRef>
-            <a:fontRef idx="minor">
-              <a:schemeClr val="lt1"/>
-            </a:fontRef>
-          </p:style>
-          <p:txBody>
-            <a:bodyPr rtlCol="0" anchor="ctr"/>
-            <a:lstStyle/>
-            <a:p>
-              <a:pPr algn="ctr"/>
-              <a:r>
-                <a:rPr lang="en-US" dirty="0" smtClean="0"/>
-                <a:t>CPU</a:t>
-              </a:r>
-              <a:endParaRPr lang="en-US" dirty="0"/>
-            </a:p>
-          </p:txBody>
-        </p:sp>
-        <p:sp>
-          <p:nvSpPr>
-            <p:cNvPr id="6" name="Down Arrow 5"/>
-            <p:cNvSpPr/>
-            <p:nvPr/>
-          </p:nvSpPr>
-          <p:spPr>
-            <a:xfrm rot="16200000">
-              <a:off x="4305300" y="3314700"/>
-              <a:ext cx="457200" cy="2514600"/>
-            </a:xfrm>
-            <a:prstGeom prst="downArrow">
-              <a:avLst/>
-            </a:prstGeom>
-          </p:spPr>
-          <p:style>
-            <a:lnRef idx="2">
-              <a:schemeClr val="accent5">
-                <a:shade val="50000"/>
-              </a:schemeClr>
-            </a:lnRef>
-            <a:fillRef idx="1">
-              <a:schemeClr val="accent5"/>
-            </a:fillRef>
-            <a:effectRef idx="0">
-              <a:schemeClr val="accent5"/>
-            </a:effectRef>
-            <a:fontRef idx="minor">
-              <a:schemeClr val="lt1"/>
-            </a:fontRef>
-          </p:style>
-          <p:txBody>
-            <a:bodyPr rtlCol="0" anchor="ctr"/>
-            <a:lstStyle/>
-            <a:p>
-              <a:pPr algn="ctr"/>
-              <a:endParaRPr lang="en-US"/>
-            </a:p>
-          </p:txBody>
-        </p:sp>
-        <p:sp>
-          <p:nvSpPr>
-            <p:cNvPr id="7" name="Rounded Rectangle 6"/>
-            <p:cNvSpPr/>
-            <p:nvPr/>
-          </p:nvSpPr>
-          <p:spPr>
-            <a:xfrm>
-              <a:off x="5486400" y="4038600"/>
-              <a:ext cx="2209800" cy="1143000"/>
-            </a:xfrm>
-            <a:prstGeom prst="roundRect">
-              <a:avLst/>
-            </a:prstGeom>
-            <a:ln>
-              <a:noFill/>
-            </a:ln>
-            <a:effectLst>
-              <a:outerShdw blurRad="184150" dist="241300" dir="11520000" sx="110000" sy="110000" algn="ctr">
-                <a:srgbClr val="000000">
-                  <a:alpha val="18000"/>
-                </a:srgbClr>
-              </a:outerShdw>
-            </a:effectLst>
-            <a:scene3d>
-              <a:camera prst="perspectiveFront" fov="5100000">
-                <a:rot lat="0" lon="2100000" rev="0"/>
-              </a:camera>
-              <a:lightRig rig="flood" dir="t">
-                <a:rot lat="0" lon="0" rev="13800000"/>
-              </a:lightRig>
-            </a:scene3d>
-            <a:sp3d extrusionH="107950" prstMaterial="plastic">
-              <a:bevelT w="82550" h="63500" prst="divot"/>
-              <a:bevelB/>
-            </a:sp3d>
-          </p:spPr>
-          <p:style>
-            <a:lnRef idx="2">
-              <a:schemeClr val="accent1">
-                <a:shade val="50000"/>
-              </a:schemeClr>
-            </a:lnRef>
-            <a:fillRef idx="1">
-              <a:schemeClr val="accent1"/>
-            </a:fillRef>
-            <a:effectRef idx="0">
-              <a:schemeClr val="accent1"/>
-            </a:effectRef>
-            <a:fontRef idx="minor">
-              <a:schemeClr val="lt1"/>
-            </a:fontRef>
-          </p:style>
-          <p:txBody>
-            <a:bodyPr rtlCol="0" anchor="ctr"/>
-            <a:lstStyle/>
-            <a:p>
-              <a:pPr algn="ctr"/>
-              <a:r>
-                <a:rPr lang="en-US" dirty="0" smtClean="0"/>
-                <a:t>GPU</a:t>
-              </a:r>
-              <a:endParaRPr lang="en-US" dirty="0"/>
-            </a:p>
-          </p:txBody>
-        </p:sp>
-        <p:sp>
-          <p:nvSpPr>
-            <p:cNvPr id="8" name="TextBox 7"/>
-            <p:cNvSpPr txBox="1"/>
-            <p:nvPr/>
-          </p:nvSpPr>
-          <p:spPr>
-            <a:xfrm>
-              <a:off x="1524000" y="5334000"/>
-              <a:ext cx="1905000" cy="369332"/>
-            </a:xfrm>
-            <a:prstGeom prst="rect">
-              <a:avLst/>
-            </a:prstGeom>
-            <a:noFill/>
-          </p:spPr>
-          <p:txBody>
-            <a:bodyPr wrap="square" rtlCol="0">
-              <a:spAutoFit/>
-            </a:bodyPr>
-            <a:lstStyle/>
-            <a:p>
-              <a:pPr lvl="1"/>
-              <a:r>
-                <a:rPr lang="en-US" dirty="0" smtClean="0"/>
-                <a:t>A3B1C7</a:t>
-              </a:r>
-            </a:p>
-          </p:txBody>
-        </p:sp>
-        <p:sp>
-          <p:nvSpPr>
-            <p:cNvPr id="9" name="TextBox 8"/>
-            <p:cNvSpPr txBox="1"/>
-            <p:nvPr/>
-          </p:nvSpPr>
-          <p:spPr>
-            <a:xfrm>
-              <a:off x="3505200" y="4114800"/>
-              <a:ext cx="1905000" cy="369332"/>
-            </a:xfrm>
-            <a:prstGeom prst="rect">
-              <a:avLst/>
-            </a:prstGeom>
-            <a:noFill/>
-          </p:spPr>
-          <p:txBody>
-            <a:bodyPr wrap="square" rtlCol="0">
-              <a:spAutoFit/>
-            </a:bodyPr>
-            <a:lstStyle/>
-            <a:p>
-              <a:pPr lvl="1"/>
-              <a:endParaRPr lang="en-US" dirty="0" smtClean="0"/>
-            </a:p>
-          </p:txBody>
-        </p:sp>
-        <p:sp>
-          <p:nvSpPr>
-            <p:cNvPr id="10" name="TextBox 9"/>
-            <p:cNvSpPr txBox="1"/>
-            <p:nvPr/>
-          </p:nvSpPr>
-          <p:spPr>
-            <a:xfrm>
-              <a:off x="5410200" y="5334000"/>
-              <a:ext cx="2895600" cy="381000"/>
-            </a:xfrm>
-            <a:prstGeom prst="rect">
-              <a:avLst/>
-            </a:prstGeom>
-            <a:noFill/>
-          </p:spPr>
-          <p:txBody>
-            <a:bodyPr wrap="square" rtlCol="0">
-              <a:spAutoFit/>
-            </a:bodyPr>
-            <a:lstStyle/>
-            <a:p>
-              <a:pPr lvl="1"/>
-              <a:r>
-                <a:rPr lang="en-US" dirty="0" smtClean="0"/>
-                <a:t>AAABCCCCCCC</a:t>
-              </a:r>
-            </a:p>
-          </p:txBody>
-        </p:sp>
-      </p:grpSp>
-      <p:sp>
-        <p:nvSpPr>
-          <p:cNvPr id="11" name="Rectangle 10"/>
-          <p:cNvSpPr/>
-          <p:nvPr/>
-        </p:nvSpPr>
-        <p:spPr>
-          <a:xfrm>
-            <a:off x="3776589" y="5421868"/>
-            <a:ext cx="795411" cy="369332"/>
-          </a:xfrm>
-          <a:prstGeom prst="rect">
-            <a:avLst/>
-          </a:prstGeom>
-        </p:spPr>
-        <p:txBody>
-          <a:bodyPr wrap="none">
-            <a:spAutoFit/>
-          </a:bodyPr>
-          <a:lstStyle/>
-          <a:p>
-            <a:r>
-              <a:rPr lang="en-US" dirty="0" smtClean="0"/>
-              <a:t>A-B-C</a:t>
-            </a:r>
-            <a:endParaRPr lang="en-US" dirty="0"/>
-          </a:p>
-        </p:txBody>
-      </p:sp>
-      <p:sp>
-        <p:nvSpPr>
-          <p:cNvPr id="12" name="Rectangle 11"/>
-          <p:cNvSpPr/>
-          <p:nvPr/>
-        </p:nvSpPr>
-        <p:spPr>
-          <a:xfrm>
-            <a:off x="3733800" y="5105400"/>
-            <a:ext cx="904415" cy="369332"/>
-          </a:xfrm>
-          <a:prstGeom prst="rect">
-            <a:avLst/>
-          </a:prstGeom>
-        </p:spPr>
-        <p:txBody>
-          <a:bodyPr wrap="none">
-            <a:spAutoFit/>
-          </a:bodyPr>
-          <a:lstStyle/>
-          <a:p>
-            <a:r>
-              <a:rPr lang="en-US" dirty="0" smtClean="0"/>
-              <a:t>3 – 1 - 7</a:t>
-            </a:r>
-            <a:endParaRPr lang="en-US" dirty="0"/>
-          </a:p>
-        </p:txBody>
-      </p:sp>
-    </p:spTree>
-  </p:cSld>
-  <p:clrMapOvr>
-    <a:masterClrMapping/>
-  </p:clrMapOvr>
-  <p:timing>
-    <p:tnLst>
-      <p:par>
-        <p:cTn id="1" dur="indefinite" restart="never" nodeType="tmRoot"/>
-      </p:par>
-    </p:tnLst>
-  </p:timing>
-</p:sld>
-</file>
-
-<file path=ppt/slides/slide6.xml><?xml version="1.0" encoding="utf-8"?>
-<p:sld xmlns:a="http://schemas.openxmlformats.org/drawingml/2006/main" xmlns:r="http://schemas.openxmlformats.org/officeDocument/2006/relationships" xmlns:p="http://schemas.openxmlformats.org/presentationml/2006/main">
-  <p:cSld>
-    <p:spTree>
-      <p:nvGrpSpPr>
-        <p:cNvPr id="1" name=""/>
-        <p:cNvGrpSpPr/>
-        <p:nvPr/>
-      </p:nvGrpSpPr>
-      <p:grpSpPr>
-        <a:xfrm>
-          <a:off x="0" y="0"/>
-          <a:ext cx="0" cy="0"/>
-          <a:chOff x="0" y="0"/>
-          <a:chExt cx="0" cy="0"/>
-        </a:xfrm>
-      </p:grpSpPr>
-      <p:sp>
-        <p:nvSpPr>
-          <p:cNvPr id="2" name="Title 1"/>
-          <p:cNvSpPr>
-            <a:spLocks noGrp="1"/>
-          </p:cNvSpPr>
-          <p:nvPr>
-            <p:ph type="title"/>
-          </p:nvPr>
-        </p:nvSpPr>
-        <p:spPr/>
-        <p:txBody>
-          <a:bodyPr/>
-          <a:lstStyle/>
-          <a:p>
-            <a:r>
-              <a:rPr lang="en-US" dirty="0" smtClean="0"/>
-              <a:t>Outline</a:t>
-            </a:r>
-            <a:endParaRPr lang="en-US" dirty="0"/>
-          </a:p>
-        </p:txBody>
-      </p:sp>
-      <p:sp>
-        <p:nvSpPr>
-          <p:cNvPr id="3" name="Content Placeholder 2"/>
-          <p:cNvSpPr>
-            <a:spLocks noGrp="1"/>
-          </p:cNvSpPr>
-          <p:nvPr>
-            <p:ph idx="1"/>
-          </p:nvPr>
-        </p:nvSpPr>
-        <p:spPr/>
-        <p:txBody>
-          <a:bodyPr/>
-          <a:lstStyle/>
-          <a:p>
-            <a:r>
-              <a:rPr lang="en-US" dirty="0" smtClean="0"/>
-              <a:t>Brief Review of the Problem.</a:t>
-            </a:r>
-          </a:p>
-          <a:p>
-            <a:r>
-              <a:rPr lang="en-US" dirty="0" smtClean="0">
-                <a:solidFill>
-                  <a:srgbClr val="FF0000"/>
-                </a:solidFill>
-              </a:rPr>
-              <a:t>Algorithm Design</a:t>
-            </a:r>
-          </a:p>
-          <a:p>
-            <a:pPr lvl="1"/>
-            <a:r>
-              <a:rPr lang="en-US" dirty="0" smtClean="0"/>
-              <a:t>First Algorithm</a:t>
-            </a:r>
-          </a:p>
-          <a:p>
-            <a:pPr lvl="1"/>
-            <a:r>
-              <a:rPr lang="en-US" dirty="0" smtClean="0"/>
-              <a:t>Load Balanced Algorithm</a:t>
-            </a:r>
-            <a:endParaRPr lang="en-US" dirty="0" smtClean="0"/>
-          </a:p>
-          <a:p>
-            <a:r>
-              <a:rPr lang="en-US" dirty="0" smtClean="0"/>
-              <a:t>Testing Methodology</a:t>
-            </a:r>
-          </a:p>
-          <a:p>
-            <a:r>
-              <a:rPr lang="en-US" dirty="0" smtClean="0"/>
-              <a:t>Results and Benchmarks</a:t>
-            </a:r>
-          </a:p>
-          <a:p>
-            <a:r>
-              <a:rPr lang="en-US" dirty="0" smtClean="0"/>
-              <a:t>Problems Found</a:t>
-            </a:r>
-          </a:p>
-          <a:p>
-            <a:r>
-              <a:rPr lang="en-US" dirty="0" smtClean="0"/>
-              <a:t>Conclusions</a:t>
-            </a:r>
-          </a:p>
-          <a:p>
-            <a:r>
-              <a:rPr lang="en-US" dirty="0" smtClean="0"/>
-              <a:t>Future work</a:t>
-            </a:r>
-          </a:p>
-          <a:p>
-            <a:endParaRPr lang="en-US" dirty="0"/>
-          </a:p>
-        </p:txBody>
-      </p:sp>
-    </p:spTree>
-  </p:cSld>
-  <p:clrMapOvr>
-    <a:masterClrMapping/>
-  </p:clrMapOvr>
-  <p:timing>
-    <p:tnLst>
-      <p:par>
-        <p:cTn id="1" dur="indefinite" restart="never" nodeType="tmRoot"/>
-      </p:par>
-    </p:tnLst>
-  </p:timing>
-</p:sld>
-</file>
-
-<file path=ppt/slides/slide7.xml><?xml version="1.0" encoding="utf-8"?>
-<p:sld xmlns:a="http://schemas.openxmlformats.org/drawingml/2006/main" xmlns:r="http://schemas.openxmlformats.org/officeDocument/2006/relationships" xmlns:p="http://schemas.openxmlformats.org/presentationml/2006/main">
-  <p:cSld>
-    <p:spTree>
-      <p:nvGrpSpPr>
-        <p:cNvPr id="1" name=""/>
-        <p:cNvGrpSpPr/>
-        <p:nvPr/>
-      </p:nvGrpSpPr>
-      <p:grpSpPr>
-        <a:xfrm>
-          <a:off x="0" y="0"/>
-          <a:ext cx="0" cy="0"/>
-          <a:chOff x="0" y="0"/>
-          <a:chExt cx="0" cy="0"/>
-        </a:xfrm>
-      </p:grpSpPr>
-      <p:sp>
-        <p:nvSpPr>
           <p:cNvPr id="5" name="Title 4"/>
           <p:cNvSpPr>
             <a:spLocks noGrp="1"/>
@@ -9739,7 +7436,15 @@
             </a:pPr>
             <a:r>
               <a:rPr lang="en-US" dirty="0" smtClean="0"/>
-              <a:t>Use the last element of the prefix sum, allocate the amount of memory necessary.</a:t>
+              <a:t>Stage 1: Calculate the </a:t>
+            </a:r>
+            <a:r>
+              <a:rPr lang="en-US" u="sng" dirty="0" smtClean="0"/>
+              <a:t>Exclusive Scan</a:t>
+            </a:r>
+            <a:r>
+              <a:rPr lang="en-US" dirty="0" smtClean="0"/>
+              <a:t> array of N+1 elements, allocate the amount of memory necessary.</a:t>
             </a:r>
           </a:p>
           <a:p>
@@ -9751,15 +7456,7 @@
             </a:pPr>
             <a:r>
               <a:rPr lang="en-US" dirty="0" smtClean="0"/>
-              <a:t>Kernel </a:t>
-            </a:r>
-            <a:r>
-              <a:rPr lang="en-US" dirty="0" smtClean="0"/>
-              <a:t>1: Use </a:t>
-            </a:r>
-            <a:r>
-              <a:rPr lang="en-US" dirty="0" smtClean="0"/>
-              <a:t>the </a:t>
+              <a:t>Stage 2: Use the </a:t>
             </a:r>
             <a:r>
               <a:rPr lang="en-US" u="sng" dirty="0" smtClean="0"/>
@@ -9771,18 +7468,12 @@
             </a:r>
           </a:p>
           <a:p>
-            <a:r>
-              <a:rPr lang="en-US" dirty="0" smtClean="0"/>
-              <a:t>Kernel 2:</a:t>
-            </a:r>
-          </a:p>
-          <a:p>
             <a:endParaRPr lang="en-US" dirty="0" smtClean="0"/>
           </a:p>
           <a:p>
-            <a:endParaRPr lang="en-US" dirty="0" smtClean="0"/>
-          </a:p>
-          <a:p>
+            <a:pPr>
+              <a:buNone/>
+            </a:pPr>
             <a:endParaRPr lang="en-US" dirty="0" smtClean="0"/>
           </a:p>
           <a:p>
@@ -9792,17 +7483,27 @@
               </a:buClr>
               <a:buSzPct val="95000"/>
             </a:pPr>
-            <a:r>
-              <a:rPr lang="en-US" dirty="0" smtClean="0"/>
-              <a:t>Potentially very badly load balanced</a:t>
-            </a:r>
-            <a:r>
-              <a:rPr lang="en-US" dirty="0" smtClean="0"/>
-              <a:t>.</a:t>
-            </a:r>
-            <a:r>
-              <a:rPr lang="en-US" dirty="0" smtClean="0"/>
-              <a:t> </a:t>
+            <a:endParaRPr lang="en-US" dirty="0" smtClean="0"/>
+          </a:p>
+          <a:p>
+            <a:pPr marL="274320" lvl="1" indent="-274320">
+              <a:buClr>
+                <a:schemeClr val="accent3"/>
+              </a:buClr>
+              <a:buSzPct val="95000"/>
+            </a:pPr>
+            <a:endParaRPr lang="en-US" dirty="0" smtClean="0"/>
+          </a:p>
+          <a:p>
+            <a:pPr marL="274320" lvl="1" indent="-274320">
+              <a:buClr>
+                <a:schemeClr val="accent3"/>
+              </a:buClr>
+              <a:buSzPct val="95000"/>
+            </a:pPr>
+            <a:r>
+              <a:rPr lang="en-US" dirty="0" smtClean="0"/>
+              <a:t>Potentially very badly load balanced. </a:t>
             </a:r>
             <a:endParaRPr lang="en-US" dirty="0"/>
           </a:p>
@@ -9825,7 +7526,7 @@
         </p:blipFill>
         <p:spPr bwMode="auto">
           <a:xfrm>
-            <a:off x="2315464" y="3733800"/>
+            <a:off x="2057400" y="3581400"/>
             <a:ext cx="4999736" cy="1447800"/>
           </a:xfrm>
           <a:prstGeom prst="rect">
@@ -9856,8 +7557,8 @@
 </p:sld>
 </file>
 
-<file path=ppt/slides/slide8.xml><?xml version="1.0" encoding="utf-8"?>
-<p:sld xmlns:a="http://schemas.openxmlformats.org/drawingml/2006/main" xmlns:r="http://schemas.openxmlformats.org/officeDocument/2006/relationships" xmlns:p="http://schemas.openxmlformats.org/presentationml/2006/main">
+<file path=ppt/slides/slide11.xml><?xml version="1.0" encoding="utf-8"?>
+<p:sld xmlns:a="http://schemas.openxmlformats.org/drawingml/2006/main" xmlns:r="http://schemas.openxmlformats.org/officeDocument/2006/relationships" xmlns:mc="http://schemas.openxmlformats.org/markup-compatibility/2006" xmlns:mv="urn:schemas-microsoft-com:mac:vml" xmlns:p="http://schemas.openxmlformats.org/presentationml/2006/main" mc:Ignorable="mv" mc:PreserveAttributes="mv:*">
   <p:cSld>
     <p:spTree>
       <p:nvGrpSpPr>
@@ -9988,8 +7689,8 @@
 </p:sld>
 </file>
 
-<file path=ppt/slides/slide9.xml><?xml version="1.0" encoding="utf-8"?>
-<p:sld xmlns:a="http://schemas.openxmlformats.org/drawingml/2006/main" xmlns:r="http://schemas.openxmlformats.org/officeDocument/2006/relationships" xmlns:p="http://schemas.openxmlformats.org/presentationml/2006/main">
+<file path=ppt/slides/slide12.xml><?xml version="1.0" encoding="utf-8"?>
+<p:sld xmlns:a="http://schemas.openxmlformats.org/drawingml/2006/main" xmlns:r="http://schemas.openxmlformats.org/officeDocument/2006/relationships" xmlns:mc="http://schemas.openxmlformats.org/markup-compatibility/2006" xmlns:mv="urn:schemas-microsoft-com:mac:vml" xmlns:p="http://schemas.openxmlformats.org/presentationml/2006/main" mc:Ignorable="mv" mc:PreserveAttributes="mv:*">
   <p:cSld>
     <p:spTree>
       <p:nvGrpSpPr>
@@ -10808,11 +8509,7 @@
           <a:p>
             <a:r>
               <a:rPr lang="en-US" dirty="0" smtClean="0"/>
-              <a:t>Load </a:t>
-            </a:r>
-            <a:r>
-              <a:rPr lang="en-US" dirty="0" smtClean="0"/>
-              <a:t>balanced algorithm</a:t>
+              <a:t>Load balanced algorithm</a:t>
             </a:r>
             <a:endParaRPr lang="en-US" dirty="0"/>
           </a:p>
@@ -11245,7 +8942,7 @@
         </p:nvSpPr>
         <p:spPr>
           <a:xfrm>
-            <a:off x="762000" y="3974068"/>
+            <a:off x="762000" y="3962400"/>
             <a:ext cx="990600" cy="369332"/>
           </a:xfrm>
           <a:prstGeom prst="rect">
@@ -11353,6 +9050,3416 @@
               <a:rPr lang="en-US" dirty="0" smtClean="0"/>
               <a:t>Array B</a:t>
             </a:r>
+            <a:endParaRPr lang="en-US" dirty="0"/>
+          </a:p>
+        </p:txBody>
+      </p:sp>
+    </p:spTree>
+  </p:cSld>
+  <p:clrMapOvr>
+    <a:masterClrMapping/>
+  </p:clrMapOvr>
+  <p:timing>
+    <p:tnLst>
+      <p:par>
+        <p:cTn id="1" dur="indefinite" restart="never" nodeType="tmRoot"/>
+      </p:par>
+    </p:tnLst>
+  </p:timing>
+</p:sld>
+</file>
+
+<file path=ppt/slides/slide13.xml><?xml version="1.0" encoding="utf-8"?>
+<p:sld xmlns:a="http://schemas.openxmlformats.org/drawingml/2006/main" xmlns:r="http://schemas.openxmlformats.org/officeDocument/2006/relationships" xmlns:mc="http://schemas.openxmlformats.org/markup-compatibility/2006" xmlns:mv="urn:schemas-microsoft-com:mac:vml" xmlns:p="http://schemas.openxmlformats.org/presentationml/2006/main" mc:Ignorable="mv" mc:PreserveAttributes="mv:*">
+  <p:cSld>
+    <p:spTree>
+      <p:nvGrpSpPr>
+        <p:cNvPr id="1" name=""/>
+        <p:cNvGrpSpPr/>
+        <p:nvPr/>
+      </p:nvGrpSpPr>
+      <p:grpSpPr>
+        <a:xfrm>
+          <a:off x="0" y="0"/>
+          <a:ext cx="0" cy="0"/>
+          <a:chOff x="0" y="0"/>
+          <a:chExt cx="0" cy="0"/>
+        </a:xfrm>
+      </p:grpSpPr>
+      <p:sp>
+        <p:nvSpPr>
+          <p:cNvPr id="2" name="Title 1"/>
+          <p:cNvSpPr>
+            <a:spLocks noGrp="1"/>
+          </p:cNvSpPr>
+          <p:nvPr>
+            <p:ph type="title"/>
+          </p:nvPr>
+        </p:nvSpPr>
+        <p:spPr/>
+        <p:txBody>
+          <a:bodyPr/>
+          <a:lstStyle/>
+          <a:p>
+            <a:r>
+              <a:rPr lang="en-US" dirty="0" smtClean="0"/>
+              <a:t>Outline</a:t>
+            </a:r>
+            <a:endParaRPr lang="en-US" dirty="0"/>
+          </a:p>
+        </p:txBody>
+      </p:sp>
+      <p:sp>
+        <p:nvSpPr>
+          <p:cNvPr id="3" name="Content Placeholder 2"/>
+          <p:cNvSpPr>
+            <a:spLocks noGrp="1"/>
+          </p:cNvSpPr>
+          <p:nvPr>
+            <p:ph idx="1"/>
+          </p:nvPr>
+        </p:nvSpPr>
+        <p:spPr/>
+        <p:txBody>
+          <a:bodyPr/>
+          <a:lstStyle/>
+          <a:p>
+            <a:r>
+              <a:rPr lang="en-US" dirty="0" smtClean="0"/>
+              <a:t>Brief Review of the Problem.</a:t>
+            </a:r>
+          </a:p>
+          <a:p>
+            <a:r>
+              <a:rPr lang="en-US" dirty="0" smtClean="0"/>
+              <a:t>Algorithm Design</a:t>
+            </a:r>
+          </a:p>
+          <a:p>
+            <a:pPr lvl="1"/>
+            <a:r>
+              <a:rPr lang="en-US" dirty="0" smtClean="0"/>
+              <a:t>First Algorithm</a:t>
+            </a:r>
+          </a:p>
+          <a:p>
+            <a:pPr lvl="1"/>
+            <a:r>
+              <a:rPr lang="en-US" dirty="0" smtClean="0"/>
+              <a:t>Load Balanced Algorithm</a:t>
+            </a:r>
+          </a:p>
+          <a:p>
+            <a:r>
+              <a:rPr lang="en-US" dirty="0" smtClean="0">
+                <a:solidFill>
+                  <a:srgbClr val="FF0000"/>
+                </a:solidFill>
+              </a:rPr>
+              <a:t>Testing Methodology</a:t>
+            </a:r>
+          </a:p>
+          <a:p>
+            <a:r>
+              <a:rPr lang="en-US" dirty="0" smtClean="0"/>
+              <a:t>Results and Benchmarks</a:t>
+            </a:r>
+          </a:p>
+          <a:p>
+            <a:r>
+              <a:rPr lang="en-US" dirty="0" smtClean="0"/>
+              <a:t>Problems Found</a:t>
+            </a:r>
+          </a:p>
+          <a:p>
+            <a:r>
+              <a:rPr lang="en-US" dirty="0" smtClean="0"/>
+              <a:t>Conclusions</a:t>
+            </a:r>
+          </a:p>
+          <a:p>
+            <a:r>
+              <a:rPr lang="en-US" dirty="0" smtClean="0"/>
+              <a:t>Future work</a:t>
+            </a:r>
+          </a:p>
+          <a:p>
+            <a:endParaRPr lang="en-US" dirty="0"/>
+          </a:p>
+        </p:txBody>
+      </p:sp>
+    </p:spTree>
+  </p:cSld>
+  <p:clrMapOvr>
+    <a:masterClrMapping/>
+  </p:clrMapOvr>
+  <p:timing>
+    <p:tnLst>
+      <p:par>
+        <p:cTn id="1" dur="indefinite" restart="never" nodeType="tmRoot"/>
+      </p:par>
+    </p:tnLst>
+  </p:timing>
+</p:sld>
+</file>
+
+<file path=ppt/slides/slide14.xml><?xml version="1.0" encoding="utf-8"?>
+<p:sld xmlns:a="http://schemas.openxmlformats.org/drawingml/2006/main" xmlns:r="http://schemas.openxmlformats.org/officeDocument/2006/relationships" xmlns:mc="http://schemas.openxmlformats.org/markup-compatibility/2006" xmlns:mv="urn:schemas-microsoft-com:mac:vml" xmlns:p="http://schemas.openxmlformats.org/presentationml/2006/main" mc:Ignorable="mv" mc:PreserveAttributes="mv:*">
+  <p:cSld>
+    <p:spTree>
+      <p:nvGrpSpPr>
+        <p:cNvPr id="1" name=""/>
+        <p:cNvGrpSpPr/>
+        <p:nvPr/>
+      </p:nvGrpSpPr>
+      <p:grpSpPr>
+        <a:xfrm>
+          <a:off x="0" y="0"/>
+          <a:ext cx="0" cy="0"/>
+          <a:chOff x="0" y="0"/>
+          <a:chExt cx="0" cy="0"/>
+        </a:xfrm>
+      </p:grpSpPr>
+      <p:sp>
+        <p:nvSpPr>
+          <p:cNvPr id="2" name="Title 1"/>
+          <p:cNvSpPr>
+            <a:spLocks noGrp="1"/>
+          </p:cNvSpPr>
+          <p:nvPr>
+            <p:ph type="title"/>
+          </p:nvPr>
+        </p:nvSpPr>
+        <p:spPr/>
+        <p:txBody>
+          <a:bodyPr/>
+          <a:lstStyle/>
+          <a:p>
+            <a:r>
+              <a:rPr lang="en-US" dirty="0" smtClean="0"/>
+              <a:t>Testing Methodology</a:t>
+            </a:r>
+            <a:endParaRPr lang="en-US" dirty="0"/>
+          </a:p>
+        </p:txBody>
+      </p:sp>
+      <p:sp>
+        <p:nvSpPr>
+          <p:cNvPr id="3" name="Content Placeholder 2"/>
+          <p:cNvSpPr>
+            <a:spLocks noGrp="1"/>
+          </p:cNvSpPr>
+          <p:nvPr>
+            <p:ph idx="1"/>
+          </p:nvPr>
+        </p:nvSpPr>
+        <p:spPr/>
+        <p:txBody>
+          <a:bodyPr/>
+          <a:lstStyle/>
+          <a:p>
+            <a:r>
+              <a:rPr lang="en-US" dirty="0" smtClean="0"/>
+              <a:t>Generating synthetic data by creating strings in </a:t>
+            </a:r>
+            <a:r>
+              <a:rPr lang="en-US" smtClean="0"/>
+              <a:t>which the </a:t>
+            </a:r>
+            <a:r>
+              <a:rPr lang="en-US" dirty="0" smtClean="0"/>
+              <a:t>frequency of each element is one more than the previous. 1A2B3C4D5E6F7G8H (Done this)</a:t>
+            </a:r>
+          </a:p>
+          <a:p>
+            <a:pPr lvl="1"/>
+            <a:r>
+              <a:rPr lang="en-US" dirty="0" smtClean="0"/>
+              <a:t>Strings are not friendly to the First Algorithm.</a:t>
+            </a:r>
+          </a:p>
+          <a:p>
+            <a:r>
+              <a:rPr lang="en-US" dirty="0" smtClean="0"/>
+              <a:t>In Progress …</a:t>
+            </a:r>
+          </a:p>
+          <a:p>
+            <a:pPr lvl="1"/>
+            <a:r>
+              <a:rPr lang="en-US" dirty="0" smtClean="0"/>
+              <a:t>Projection index with 10 different elements and then double the amount of elements.</a:t>
+            </a:r>
+          </a:p>
+          <a:p>
+            <a:pPr lvl="1"/>
+            <a:r>
+              <a:rPr lang="en-US" dirty="0" smtClean="0"/>
+              <a:t>Projection index with fixed size of elements and then increasing the number of different elements from 2 different to having all elements with a frequency of 3.</a:t>
+            </a:r>
+          </a:p>
+          <a:p>
+            <a:endParaRPr lang="en-US" dirty="0" smtClean="0"/>
+          </a:p>
+          <a:p>
+            <a:endParaRPr lang="en-US" dirty="0"/>
+          </a:p>
+        </p:txBody>
+      </p:sp>
+    </p:spTree>
+  </p:cSld>
+  <p:clrMapOvr>
+    <a:masterClrMapping/>
+  </p:clrMapOvr>
+  <p:timing>
+    <p:tnLst>
+      <p:par>
+        <p:cTn id="1" dur="indefinite" restart="never" nodeType="tmRoot"/>
+      </p:par>
+    </p:tnLst>
+  </p:timing>
+</p:sld>
+</file>
+
+<file path=ppt/slides/slide15.xml><?xml version="1.0" encoding="utf-8"?>
+<p:sld xmlns:a="http://schemas.openxmlformats.org/drawingml/2006/main" xmlns:r="http://schemas.openxmlformats.org/officeDocument/2006/relationships" xmlns:mc="http://schemas.openxmlformats.org/markup-compatibility/2006" xmlns:mv="urn:schemas-microsoft-com:mac:vml" xmlns:p="http://schemas.openxmlformats.org/presentationml/2006/main" mc:Ignorable="mv" mc:PreserveAttributes="mv:*">
+  <p:cSld>
+    <p:spTree>
+      <p:nvGrpSpPr>
+        <p:cNvPr id="1" name=""/>
+        <p:cNvGrpSpPr/>
+        <p:nvPr/>
+      </p:nvGrpSpPr>
+      <p:grpSpPr>
+        <a:xfrm>
+          <a:off x="0" y="0"/>
+          <a:ext cx="0" cy="0"/>
+          <a:chOff x="0" y="0"/>
+          <a:chExt cx="0" cy="0"/>
+        </a:xfrm>
+      </p:grpSpPr>
+      <p:sp>
+        <p:nvSpPr>
+          <p:cNvPr id="2" name="Title 1"/>
+          <p:cNvSpPr>
+            <a:spLocks noGrp="1"/>
+          </p:cNvSpPr>
+          <p:nvPr>
+            <p:ph type="title"/>
+          </p:nvPr>
+        </p:nvSpPr>
+        <p:spPr/>
+        <p:txBody>
+          <a:bodyPr/>
+          <a:lstStyle/>
+          <a:p>
+            <a:r>
+              <a:rPr lang="en-US" dirty="0" smtClean="0"/>
+              <a:t>Outline</a:t>
+            </a:r>
+            <a:endParaRPr lang="en-US" dirty="0"/>
+          </a:p>
+        </p:txBody>
+      </p:sp>
+      <p:sp>
+        <p:nvSpPr>
+          <p:cNvPr id="3" name="Content Placeholder 2"/>
+          <p:cNvSpPr>
+            <a:spLocks noGrp="1"/>
+          </p:cNvSpPr>
+          <p:nvPr>
+            <p:ph idx="1"/>
+          </p:nvPr>
+        </p:nvSpPr>
+        <p:spPr/>
+        <p:txBody>
+          <a:bodyPr/>
+          <a:lstStyle/>
+          <a:p>
+            <a:r>
+              <a:rPr lang="en-US" dirty="0" smtClean="0"/>
+              <a:t>Brief Review of the Problem.</a:t>
+            </a:r>
+          </a:p>
+          <a:p>
+            <a:r>
+              <a:rPr lang="en-US" dirty="0" smtClean="0"/>
+              <a:t>Algorithm Design</a:t>
+            </a:r>
+          </a:p>
+          <a:p>
+            <a:pPr lvl="1"/>
+            <a:r>
+              <a:rPr lang="en-US" dirty="0" smtClean="0"/>
+              <a:t>First Algorithm</a:t>
+            </a:r>
+          </a:p>
+          <a:p>
+            <a:pPr lvl="1"/>
+            <a:r>
+              <a:rPr lang="en-US" dirty="0" smtClean="0"/>
+              <a:t>Load Balanced Algorithm</a:t>
+            </a:r>
+          </a:p>
+          <a:p>
+            <a:r>
+              <a:rPr lang="en-US" dirty="0" smtClean="0"/>
+              <a:t>Testing Methodology</a:t>
+            </a:r>
+          </a:p>
+          <a:p>
+            <a:r>
+              <a:rPr lang="en-US" dirty="0" smtClean="0">
+                <a:solidFill>
+                  <a:srgbClr val="FF0000"/>
+                </a:solidFill>
+              </a:rPr>
+              <a:t>Results and Benchmarks</a:t>
+            </a:r>
+          </a:p>
+          <a:p>
+            <a:r>
+              <a:rPr lang="en-US" dirty="0" smtClean="0"/>
+              <a:t>Problems Found</a:t>
+            </a:r>
+          </a:p>
+          <a:p>
+            <a:r>
+              <a:rPr lang="en-US" dirty="0" smtClean="0"/>
+              <a:t>Conclusions</a:t>
+            </a:r>
+          </a:p>
+          <a:p>
+            <a:r>
+              <a:rPr lang="en-US" dirty="0" smtClean="0"/>
+              <a:t>Future work</a:t>
+            </a:r>
+          </a:p>
+          <a:p>
+            <a:endParaRPr lang="en-US" dirty="0"/>
+          </a:p>
+        </p:txBody>
+      </p:sp>
+    </p:spTree>
+  </p:cSld>
+  <p:clrMapOvr>
+    <a:masterClrMapping/>
+  </p:clrMapOvr>
+  <p:timing>
+    <p:tnLst>
+      <p:par>
+        <p:cTn id="1" dur="indefinite" restart="never" nodeType="tmRoot"/>
+      </p:par>
+    </p:tnLst>
+  </p:timing>
+</p:sld>
+</file>
+
+<file path=ppt/slides/slide16.xml><?xml version="1.0" encoding="utf-8"?>
+<p:sld xmlns:a="http://schemas.openxmlformats.org/drawingml/2006/main" xmlns:r="http://schemas.openxmlformats.org/officeDocument/2006/relationships" xmlns:mc="http://schemas.openxmlformats.org/markup-compatibility/2006" xmlns:mv="urn:schemas-microsoft-com:mac:vml" xmlns:p="http://schemas.openxmlformats.org/presentationml/2006/main" mc:Ignorable="mv" mc:PreserveAttributes="mv:*">
+  <p:cSld>
+    <p:spTree>
+      <p:nvGrpSpPr>
+        <p:cNvPr id="1" name=""/>
+        <p:cNvGrpSpPr/>
+        <p:nvPr/>
+      </p:nvGrpSpPr>
+      <p:grpSpPr>
+        <a:xfrm>
+          <a:off x="0" y="0"/>
+          <a:ext cx="0" cy="0"/>
+          <a:chOff x="0" y="0"/>
+          <a:chExt cx="0" cy="0"/>
+        </a:xfrm>
+      </p:grpSpPr>
+      <p:sp>
+        <p:nvSpPr>
+          <p:cNvPr id="2" name="Title 1"/>
+          <p:cNvSpPr>
+            <a:spLocks noGrp="1"/>
+          </p:cNvSpPr>
+          <p:nvPr>
+            <p:ph type="title"/>
+          </p:nvPr>
+        </p:nvSpPr>
+        <p:spPr/>
+        <p:txBody>
+          <a:bodyPr/>
+          <a:lstStyle/>
+          <a:p>
+            <a:r>
+              <a:rPr lang="en-US" dirty="0" smtClean="0"/>
+              <a:t>Results and Benchmarks</a:t>
+            </a:r>
+            <a:endParaRPr lang="en-US" dirty="0"/>
+          </a:p>
+        </p:txBody>
+      </p:sp>
+      <p:sp>
+        <p:nvSpPr>
+          <p:cNvPr id="3" name="Content Placeholder 2"/>
+          <p:cNvSpPr>
+            <a:spLocks noGrp="1"/>
+          </p:cNvSpPr>
+          <p:nvPr>
+            <p:ph idx="1"/>
+          </p:nvPr>
+        </p:nvSpPr>
+        <p:spPr/>
+        <p:txBody>
+          <a:bodyPr>
+            <a:normAutofit lnSpcReduction="10000"/>
+          </a:bodyPr>
+          <a:lstStyle/>
+          <a:p>
+            <a:r>
+              <a:rPr lang="en-US" dirty="0" smtClean="0"/>
+              <a:t>NVIDIA 9400m</a:t>
+            </a:r>
+          </a:p>
+          <a:p>
+            <a:pPr lvl="1"/>
+            <a:r>
+              <a:rPr lang="en-US" dirty="0" smtClean="0"/>
+              <a:t>16 cores, and 256Mb of Memory</a:t>
+            </a:r>
+          </a:p>
+          <a:p>
+            <a:r>
+              <a:rPr lang="en-US" dirty="0" smtClean="0"/>
+              <a:t>The Implemented Algorithms:</a:t>
+            </a:r>
+          </a:p>
+          <a:p>
+            <a:pPr lvl="1"/>
+            <a:r>
+              <a:rPr lang="en-US" dirty="0" smtClean="0"/>
+              <a:t>First Algorithm: Not Balanced Uncompression.</a:t>
+            </a:r>
+          </a:p>
+          <a:p>
+            <a:pPr lvl="1"/>
+            <a:r>
+              <a:rPr lang="en-US" dirty="0" smtClean="0"/>
+              <a:t>Second Algorithm: Load Balanced Uncompression.</a:t>
+            </a:r>
+          </a:p>
+          <a:p>
+            <a:pPr lvl="1"/>
+            <a:r>
+              <a:rPr lang="en-US" dirty="0" smtClean="0"/>
+              <a:t>Copying Uncompressed Index to GPU.</a:t>
+            </a:r>
+          </a:p>
+          <a:p>
+            <a:r>
+              <a:rPr lang="en-US" dirty="0" smtClean="0"/>
+              <a:t>The Data:</a:t>
+            </a:r>
+          </a:p>
+          <a:p>
+            <a:r>
+              <a:rPr lang="en-US" dirty="0" smtClean="0"/>
+              <a:t>They have been tested with Unbalanced Strings in the form of:</a:t>
+            </a:r>
+          </a:p>
+          <a:p>
+            <a:r>
+              <a:rPr lang="en-US" dirty="0" smtClean="0"/>
+              <a:t>1 A 2 B 3 C … </a:t>
+            </a:r>
+          </a:p>
+        </p:txBody>
+      </p:sp>
+    </p:spTree>
+  </p:cSld>
+  <p:clrMapOvr>
+    <a:masterClrMapping/>
+  </p:clrMapOvr>
+</p:sld>
+</file>
+
+<file path=ppt/slides/slide17.xml><?xml version="1.0" encoding="utf-8"?>
+<p:sld xmlns:a="http://schemas.openxmlformats.org/drawingml/2006/main" xmlns:r="http://schemas.openxmlformats.org/officeDocument/2006/relationships" xmlns:mc="http://schemas.openxmlformats.org/markup-compatibility/2006" xmlns:mv="urn:schemas-microsoft-com:mac:vml" xmlns:p="http://schemas.openxmlformats.org/presentationml/2006/main" mc:Ignorable="mv" mc:PreserveAttributes="mv:*">
+  <p:cSld>
+    <p:spTree>
+      <p:nvGrpSpPr>
+        <p:cNvPr id="1" name=""/>
+        <p:cNvGrpSpPr/>
+        <p:nvPr/>
+      </p:nvGrpSpPr>
+      <p:grpSpPr>
+        <a:xfrm>
+          <a:off x="0" y="0"/>
+          <a:ext cx="0" cy="0"/>
+          <a:chOff x="0" y="0"/>
+          <a:chExt cx="0" cy="0"/>
+        </a:xfrm>
+      </p:grpSpPr>
+      <p:sp>
+        <p:nvSpPr>
+          <p:cNvPr id="2" name="Title 1"/>
+          <p:cNvSpPr>
+            <a:spLocks noGrp="1"/>
+          </p:cNvSpPr>
+          <p:nvPr>
+            <p:ph type="title"/>
+          </p:nvPr>
+        </p:nvSpPr>
+        <p:spPr/>
+        <p:txBody>
+          <a:bodyPr/>
+          <a:lstStyle/>
+          <a:p>
+            <a:r>
+              <a:rPr lang="en-US" dirty="0" smtClean="0"/>
+              <a:t>Current Results</a:t>
+            </a:r>
+            <a:endParaRPr lang="en-US" dirty="0"/>
+          </a:p>
+        </p:txBody>
+      </p:sp>
+      <p:graphicFrame>
+        <p:nvGraphicFramePr>
+          <p:cNvPr id="6" name="Content Placeholder 5"/>
+          <p:cNvGraphicFramePr>
+            <a:graphicFrameLocks noGrp="1"/>
+          </p:cNvGraphicFramePr>
+          <p:nvPr>
+            <p:ph idx="1"/>
+          </p:nvPr>
+        </p:nvGraphicFramePr>
+        <p:xfrm>
+          <a:off x="457200" y="1935163"/>
+          <a:ext cx="8229600" cy="4389437"/>
+        </p:xfrm>
+        <a:graphic>
+          <a:graphicData uri="http://schemas.openxmlformats.org/drawingml/2006/chart">
+            <c:chart xmlns:c="http://schemas.openxmlformats.org/drawingml/2006/chart" xmlns:r="http://schemas.openxmlformats.org/officeDocument/2006/relationships" r:id="rId3"/>
+          </a:graphicData>
+        </a:graphic>
+      </p:graphicFrame>
+    </p:spTree>
+  </p:cSld>
+  <p:clrMapOvr>
+    <a:masterClrMapping/>
+  </p:clrMapOvr>
+</p:sld>
+</file>
+
+<file path=ppt/slides/slide18.xml><?xml version="1.0" encoding="utf-8"?>
+<p:sld xmlns:a="http://schemas.openxmlformats.org/drawingml/2006/main" xmlns:r="http://schemas.openxmlformats.org/officeDocument/2006/relationships" xmlns:mc="http://schemas.openxmlformats.org/markup-compatibility/2006" xmlns:mv="urn:schemas-microsoft-com:mac:vml" xmlns:p="http://schemas.openxmlformats.org/presentationml/2006/main" mc:Ignorable="mv" mc:PreserveAttributes="mv:*">
+  <p:cSld>
+    <p:spTree>
+      <p:nvGrpSpPr>
+        <p:cNvPr id="1" name=""/>
+        <p:cNvGrpSpPr/>
+        <p:nvPr/>
+      </p:nvGrpSpPr>
+      <p:grpSpPr>
+        <a:xfrm>
+          <a:off x="0" y="0"/>
+          <a:ext cx="0" cy="0"/>
+          <a:chOff x="0" y="0"/>
+          <a:chExt cx="0" cy="0"/>
+        </a:xfrm>
+      </p:grpSpPr>
+      <p:sp>
+        <p:nvSpPr>
+          <p:cNvPr id="2" name="Title 1"/>
+          <p:cNvSpPr>
+            <a:spLocks noGrp="1"/>
+          </p:cNvSpPr>
+          <p:nvPr>
+            <p:ph type="title"/>
+          </p:nvPr>
+        </p:nvSpPr>
+        <p:spPr/>
+        <p:txBody>
+          <a:bodyPr/>
+          <a:lstStyle/>
+          <a:p>
+            <a:r>
+              <a:rPr lang="en-US" dirty="0" smtClean="0"/>
+              <a:t>Performance at each Stage</a:t>
+            </a:r>
+            <a:endParaRPr lang="en-US" dirty="0"/>
+          </a:p>
+        </p:txBody>
+      </p:sp>
+      <p:graphicFrame>
+        <p:nvGraphicFramePr>
+          <p:cNvPr id="4" name="Content Placeholder 3"/>
+          <p:cNvGraphicFramePr>
+            <a:graphicFrameLocks noGrp="1"/>
+          </p:cNvGraphicFramePr>
+          <p:nvPr>
+            <p:ph idx="1"/>
+          </p:nvPr>
+        </p:nvGraphicFramePr>
+        <p:xfrm>
+          <a:off x="457200" y="1935163"/>
+          <a:ext cx="8229600" cy="4389437"/>
+        </p:xfrm>
+        <a:graphic>
+          <a:graphicData uri="http://schemas.openxmlformats.org/drawingml/2006/chart">
+            <c:chart xmlns:c="http://schemas.openxmlformats.org/drawingml/2006/chart" xmlns:r="http://schemas.openxmlformats.org/officeDocument/2006/relationships" r:id="rId3"/>
+          </a:graphicData>
+        </a:graphic>
+      </p:graphicFrame>
+    </p:spTree>
+  </p:cSld>
+  <p:clrMapOvr>
+    <a:masterClrMapping/>
+  </p:clrMapOvr>
+  <p:timing>
+    <p:tnLst>
+      <p:par>
+        <p:cTn id="1" dur="indefinite" restart="never" nodeType="tmRoot"/>
+      </p:par>
+    </p:tnLst>
+  </p:timing>
+</p:sld>
+</file>
+
+<file path=ppt/slides/slide19.xml><?xml version="1.0" encoding="utf-8"?>
+<p:sld xmlns:a="http://schemas.openxmlformats.org/drawingml/2006/main" xmlns:r="http://schemas.openxmlformats.org/officeDocument/2006/relationships" xmlns:mc="http://schemas.openxmlformats.org/markup-compatibility/2006" xmlns:mv="urn:schemas-microsoft-com:mac:vml" xmlns:p="http://schemas.openxmlformats.org/presentationml/2006/main" mc:Ignorable="mv" mc:PreserveAttributes="mv:*">
+  <p:cSld>
+    <p:spTree>
+      <p:nvGrpSpPr>
+        <p:cNvPr id="1" name=""/>
+        <p:cNvGrpSpPr/>
+        <p:nvPr/>
+      </p:nvGrpSpPr>
+      <p:grpSpPr>
+        <a:xfrm>
+          <a:off x="0" y="0"/>
+          <a:ext cx="0" cy="0"/>
+          <a:chOff x="0" y="0"/>
+          <a:chExt cx="0" cy="0"/>
+        </a:xfrm>
+      </p:grpSpPr>
+      <p:sp>
+        <p:nvSpPr>
+          <p:cNvPr id="2" name="Title 1"/>
+          <p:cNvSpPr>
+            <a:spLocks noGrp="1"/>
+          </p:cNvSpPr>
+          <p:nvPr>
+            <p:ph type="title"/>
+          </p:nvPr>
+        </p:nvSpPr>
+        <p:spPr/>
+        <p:txBody>
+          <a:bodyPr>
+            <a:normAutofit fontScale="90000"/>
+          </a:bodyPr>
+          <a:lstStyle/>
+          <a:p>
+            <a:r>
+              <a:rPr lang="en-US" dirty="0" smtClean="0"/>
+              <a:t>Kernel 4 does not match expected.</a:t>
+            </a:r>
+            <a:endParaRPr lang="en-US" dirty="0"/>
+          </a:p>
+        </p:txBody>
+      </p:sp>
+      <p:graphicFrame>
+        <p:nvGraphicFramePr>
+          <p:cNvPr id="6" name="Content Placeholder 5"/>
+          <p:cNvGraphicFramePr>
+            <a:graphicFrameLocks noGrp="1"/>
+          </p:cNvGraphicFramePr>
+          <p:nvPr>
+            <p:ph idx="1"/>
+          </p:nvPr>
+        </p:nvGraphicFramePr>
+        <p:xfrm>
+          <a:off x="457200" y="1935163"/>
+          <a:ext cx="8229600" cy="4389437"/>
+        </p:xfrm>
+        <a:graphic>
+          <a:graphicData uri="http://schemas.openxmlformats.org/drawingml/2006/chart">
+            <c:chart xmlns:c="http://schemas.openxmlformats.org/drawingml/2006/chart" xmlns:r="http://schemas.openxmlformats.org/officeDocument/2006/relationships" r:id="rId3"/>
+          </a:graphicData>
+        </a:graphic>
+      </p:graphicFrame>
+    </p:spTree>
+  </p:cSld>
+  <p:clrMapOvr>
+    <a:masterClrMapping/>
+  </p:clrMapOvr>
+</p:sld>
+</file>
+
+<file path=ppt/slides/slide2.xml><?xml version="1.0" encoding="utf-8"?>
+<p:sld xmlns:a="http://schemas.openxmlformats.org/drawingml/2006/main" xmlns:r="http://schemas.openxmlformats.org/officeDocument/2006/relationships" xmlns:mc="http://schemas.openxmlformats.org/markup-compatibility/2006" xmlns:mv="urn:schemas-microsoft-com:mac:vml" xmlns:p="http://schemas.openxmlformats.org/presentationml/2006/main" mc:Ignorable="mv" mc:PreserveAttributes="mv:*">
+  <p:cSld>
+    <p:spTree>
+      <p:nvGrpSpPr>
+        <p:cNvPr id="1" name=""/>
+        <p:cNvGrpSpPr/>
+        <p:nvPr/>
+      </p:nvGrpSpPr>
+      <p:grpSpPr>
+        <a:xfrm>
+          <a:off x="0" y="0"/>
+          <a:ext cx="0" cy="0"/>
+          <a:chOff x="0" y="0"/>
+          <a:chExt cx="0" cy="0"/>
+        </a:xfrm>
+      </p:grpSpPr>
+      <p:sp>
+        <p:nvSpPr>
+          <p:cNvPr id="2" name="Title 1"/>
+          <p:cNvSpPr>
+            <a:spLocks noGrp="1"/>
+          </p:cNvSpPr>
+          <p:nvPr>
+            <p:ph type="title"/>
+          </p:nvPr>
+        </p:nvSpPr>
+        <p:spPr/>
+        <p:txBody>
+          <a:bodyPr/>
+          <a:lstStyle/>
+          <a:p>
+            <a:r>
+              <a:rPr lang="en-US" dirty="0" smtClean="0"/>
+              <a:t>Outline</a:t>
+            </a:r>
+            <a:endParaRPr lang="en-US" dirty="0"/>
+          </a:p>
+        </p:txBody>
+      </p:sp>
+      <p:sp>
+        <p:nvSpPr>
+          <p:cNvPr id="3" name="Content Placeholder 2"/>
+          <p:cNvSpPr>
+            <a:spLocks noGrp="1"/>
+          </p:cNvSpPr>
+          <p:nvPr>
+            <p:ph idx="1"/>
+          </p:nvPr>
+        </p:nvSpPr>
+        <p:spPr/>
+        <p:txBody>
+          <a:bodyPr/>
+          <a:lstStyle/>
+          <a:p>
+            <a:r>
+              <a:rPr lang="en-US" dirty="0" smtClean="0">
+                <a:solidFill>
+                  <a:srgbClr val="FF0000"/>
+                </a:solidFill>
+              </a:rPr>
+              <a:t>Brief Review of the Problem.</a:t>
+            </a:r>
+          </a:p>
+          <a:p>
+            <a:r>
+              <a:rPr lang="en-US" dirty="0" smtClean="0"/>
+              <a:t>Algorithm Design</a:t>
+            </a:r>
+          </a:p>
+          <a:p>
+            <a:pPr lvl="1"/>
+            <a:r>
+              <a:rPr lang="en-US" dirty="0" smtClean="0"/>
+              <a:t>First Algorithm</a:t>
+            </a:r>
+          </a:p>
+          <a:p>
+            <a:pPr lvl="1"/>
+            <a:r>
+              <a:rPr lang="en-US" dirty="0" smtClean="0"/>
+              <a:t>Load Balanced Algorithm</a:t>
+            </a:r>
+          </a:p>
+          <a:p>
+            <a:r>
+              <a:rPr lang="en-US" dirty="0" smtClean="0"/>
+              <a:t>Testing Methodology</a:t>
+            </a:r>
+          </a:p>
+          <a:p>
+            <a:r>
+              <a:rPr lang="en-US" dirty="0" smtClean="0"/>
+              <a:t>Results and Benchmarks</a:t>
+            </a:r>
+          </a:p>
+          <a:p>
+            <a:r>
+              <a:rPr lang="en-US" dirty="0" smtClean="0"/>
+              <a:t>Problems Found</a:t>
+            </a:r>
+          </a:p>
+          <a:p>
+            <a:r>
+              <a:rPr lang="en-US" dirty="0" smtClean="0"/>
+              <a:t>Conclusions</a:t>
+            </a:r>
+          </a:p>
+          <a:p>
+            <a:r>
+              <a:rPr lang="en-US" dirty="0" smtClean="0"/>
+              <a:t>Future work</a:t>
+            </a:r>
+          </a:p>
+          <a:p>
+            <a:endParaRPr lang="en-US" dirty="0"/>
+          </a:p>
+        </p:txBody>
+      </p:sp>
+    </p:spTree>
+  </p:cSld>
+  <p:clrMapOvr>
+    <a:masterClrMapping/>
+  </p:clrMapOvr>
+  <p:timing>
+    <p:tnLst>
+      <p:par>
+        <p:cTn id="1" dur="indefinite" restart="never" nodeType="tmRoot"/>
+      </p:par>
+    </p:tnLst>
+  </p:timing>
+</p:sld>
+</file>
+
+<file path=ppt/slides/slide20.xml><?xml version="1.0" encoding="utf-8"?>
+<p:sld xmlns:a="http://schemas.openxmlformats.org/drawingml/2006/main" xmlns:r="http://schemas.openxmlformats.org/officeDocument/2006/relationships" xmlns:mc="http://schemas.openxmlformats.org/markup-compatibility/2006" xmlns:mv="urn:schemas-microsoft-com:mac:vml" xmlns:p="http://schemas.openxmlformats.org/presentationml/2006/main" mc:Ignorable="mv" mc:PreserveAttributes="mv:*">
+  <p:cSld>
+    <p:spTree>
+      <p:nvGrpSpPr>
+        <p:cNvPr id="1" name=""/>
+        <p:cNvGrpSpPr/>
+        <p:nvPr/>
+      </p:nvGrpSpPr>
+      <p:grpSpPr>
+        <a:xfrm>
+          <a:off x="0" y="0"/>
+          <a:ext cx="0" cy="0"/>
+          <a:chOff x="0" y="0"/>
+          <a:chExt cx="0" cy="0"/>
+        </a:xfrm>
+      </p:grpSpPr>
+      <p:sp>
+        <p:nvSpPr>
+          <p:cNvPr id="2" name="Title 1"/>
+          <p:cNvSpPr>
+            <a:spLocks noGrp="1"/>
+          </p:cNvSpPr>
+          <p:nvPr>
+            <p:ph type="title"/>
+          </p:nvPr>
+        </p:nvSpPr>
+        <p:spPr/>
+        <p:txBody>
+          <a:bodyPr/>
+          <a:lstStyle/>
+          <a:p>
+            <a:r>
+              <a:rPr lang="en-US" dirty="0" smtClean="0"/>
+              <a:t>Outline</a:t>
+            </a:r>
+            <a:endParaRPr lang="en-US" dirty="0"/>
+          </a:p>
+        </p:txBody>
+      </p:sp>
+      <p:sp>
+        <p:nvSpPr>
+          <p:cNvPr id="3" name="Content Placeholder 2"/>
+          <p:cNvSpPr>
+            <a:spLocks noGrp="1"/>
+          </p:cNvSpPr>
+          <p:nvPr>
+            <p:ph idx="1"/>
+          </p:nvPr>
+        </p:nvSpPr>
+        <p:spPr/>
+        <p:txBody>
+          <a:bodyPr/>
+          <a:lstStyle/>
+          <a:p>
+            <a:r>
+              <a:rPr lang="en-US" dirty="0" smtClean="0"/>
+              <a:t>Brief Review of the Problem.</a:t>
+            </a:r>
+          </a:p>
+          <a:p>
+            <a:r>
+              <a:rPr lang="en-US" dirty="0" smtClean="0"/>
+              <a:t>Algorithm Design</a:t>
+            </a:r>
+          </a:p>
+          <a:p>
+            <a:pPr lvl="1"/>
+            <a:r>
+              <a:rPr lang="en-US" dirty="0" smtClean="0"/>
+              <a:t>First Algorithm</a:t>
+            </a:r>
+          </a:p>
+          <a:p>
+            <a:pPr lvl="1"/>
+            <a:r>
+              <a:rPr lang="en-US" dirty="0" smtClean="0"/>
+              <a:t>Load Balanced Algorithm</a:t>
+            </a:r>
+          </a:p>
+          <a:p>
+            <a:r>
+              <a:rPr lang="en-US" dirty="0" smtClean="0"/>
+              <a:t>Testing Methodology</a:t>
+            </a:r>
+          </a:p>
+          <a:p>
+            <a:r>
+              <a:rPr lang="en-US" dirty="0" smtClean="0"/>
+              <a:t>Results and Benchmarks</a:t>
+            </a:r>
+          </a:p>
+          <a:p>
+            <a:r>
+              <a:rPr lang="en-US" dirty="0" smtClean="0">
+                <a:solidFill>
+                  <a:srgbClr val="FF0000"/>
+                </a:solidFill>
+              </a:rPr>
+              <a:t>Problems Found</a:t>
+            </a:r>
+          </a:p>
+          <a:p>
+            <a:r>
+              <a:rPr lang="en-US" dirty="0" smtClean="0"/>
+              <a:t>Conclusions</a:t>
+            </a:r>
+          </a:p>
+          <a:p>
+            <a:r>
+              <a:rPr lang="en-US" dirty="0" smtClean="0"/>
+              <a:t>Future work</a:t>
+            </a:r>
+          </a:p>
+          <a:p>
+            <a:endParaRPr lang="en-US" dirty="0"/>
+          </a:p>
+        </p:txBody>
+      </p:sp>
+    </p:spTree>
+  </p:cSld>
+  <p:clrMapOvr>
+    <a:masterClrMapping/>
+  </p:clrMapOvr>
+  <p:timing>
+    <p:tnLst>
+      <p:par>
+        <p:cTn id="1" dur="indefinite" restart="never" nodeType="tmRoot"/>
+      </p:par>
+    </p:tnLst>
+  </p:timing>
+</p:sld>
+</file>
+
+<file path=ppt/slides/slide21.xml><?xml version="1.0" encoding="utf-8"?>
+<p:sld xmlns:a="http://schemas.openxmlformats.org/drawingml/2006/main" xmlns:r="http://schemas.openxmlformats.org/officeDocument/2006/relationships" xmlns:mc="http://schemas.openxmlformats.org/markup-compatibility/2006" xmlns:mv="urn:schemas-microsoft-com:mac:vml" xmlns:p="http://schemas.openxmlformats.org/presentationml/2006/main" mc:Ignorable="mv" mc:PreserveAttributes="mv:*">
+  <p:cSld>
+    <p:spTree>
+      <p:nvGrpSpPr>
+        <p:cNvPr id="1" name=""/>
+        <p:cNvGrpSpPr/>
+        <p:nvPr/>
+      </p:nvGrpSpPr>
+      <p:grpSpPr>
+        <a:xfrm>
+          <a:off x="0" y="0"/>
+          <a:ext cx="0" cy="0"/>
+          <a:chOff x="0" y="0"/>
+          <a:chExt cx="0" cy="0"/>
+        </a:xfrm>
+      </p:grpSpPr>
+      <p:sp>
+        <p:nvSpPr>
+          <p:cNvPr id="2" name="Title 1"/>
+          <p:cNvSpPr>
+            <a:spLocks noGrp="1"/>
+          </p:cNvSpPr>
+          <p:nvPr>
+            <p:ph type="title"/>
+          </p:nvPr>
+        </p:nvSpPr>
+        <p:spPr/>
+        <p:txBody>
+          <a:bodyPr/>
+          <a:lstStyle/>
+          <a:p>
+            <a:r>
+              <a:rPr lang="en-US" dirty="0" smtClean="0"/>
+              <a:t>Problems</a:t>
+            </a:r>
+            <a:endParaRPr lang="en-US" dirty="0"/>
+          </a:p>
+        </p:txBody>
+      </p:sp>
+      <p:sp>
+        <p:nvSpPr>
+          <p:cNvPr id="3" name="Content Placeholder 2"/>
+          <p:cNvSpPr>
+            <a:spLocks noGrp="1"/>
+          </p:cNvSpPr>
+          <p:nvPr>
+            <p:ph idx="1"/>
+          </p:nvPr>
+        </p:nvSpPr>
+        <p:spPr/>
+        <p:txBody>
+          <a:bodyPr/>
+          <a:lstStyle/>
+          <a:p>
+            <a:r>
+              <a:rPr lang="en-US" dirty="0" smtClean="0"/>
+              <a:t>Stage 4 of the algorithm takes too long.</a:t>
+            </a:r>
+          </a:p>
+          <a:p>
+            <a:r>
+              <a:rPr lang="en-US" dirty="0" smtClean="0"/>
+              <a:t>Non-coalesced accesses in kernels 3 and </a:t>
+            </a:r>
+            <a:r>
+              <a:rPr lang="en-US" dirty="0" smtClean="0">
+                <a:solidFill>
+                  <a:srgbClr val="FF0000"/>
+                </a:solidFill>
+              </a:rPr>
+              <a:t>5</a:t>
+            </a:r>
+            <a:r>
+              <a:rPr lang="en-US" dirty="0" smtClean="0"/>
+              <a:t> of the Load balanced algorithm</a:t>
+            </a:r>
+            <a:r>
+              <a:rPr lang="en-US" dirty="0" smtClean="0"/>
+              <a:t>. (Computability </a:t>
+            </a:r>
+            <a:r>
+              <a:rPr lang="en-US" dirty="0" smtClean="0"/>
+              <a:t>1.1</a:t>
+            </a:r>
+            <a:r>
+              <a:rPr lang="en-US" dirty="0" smtClean="0"/>
+              <a:t>)</a:t>
+            </a:r>
+          </a:p>
+          <a:p>
+            <a:r>
+              <a:rPr lang="en-US" dirty="0" smtClean="0"/>
+              <a:t>New algorithm uses twice as much memory, running more quickly out of Memory.</a:t>
+            </a:r>
+            <a:r>
+              <a:rPr lang="en-US" dirty="0" smtClean="0"/>
+              <a:t> </a:t>
+            </a:r>
+          </a:p>
+        </p:txBody>
+      </p:sp>
+    </p:spTree>
+  </p:cSld>
+  <p:clrMapOvr>
+    <a:masterClrMapping/>
+  </p:clrMapOvr>
+  <p:timing>
+    <p:tnLst>
+      <p:par>
+        <p:cTn id="1" dur="indefinite" restart="never" nodeType="tmRoot"/>
+      </p:par>
+    </p:tnLst>
+  </p:timing>
+</p:sld>
+</file>
+
+<file path=ppt/slides/slide22.xml><?xml version="1.0" encoding="utf-8"?>
+<p:sld xmlns:a="http://schemas.openxmlformats.org/drawingml/2006/main" xmlns:r="http://schemas.openxmlformats.org/officeDocument/2006/relationships" xmlns:mc="http://schemas.openxmlformats.org/markup-compatibility/2006" xmlns:mv="urn:schemas-microsoft-com:mac:vml" xmlns:p="http://schemas.openxmlformats.org/presentationml/2006/main" mc:Ignorable="mv" mc:PreserveAttributes="mv:*">
+  <p:cSld>
+    <p:spTree>
+      <p:nvGrpSpPr>
+        <p:cNvPr id="1" name=""/>
+        <p:cNvGrpSpPr/>
+        <p:nvPr/>
+      </p:nvGrpSpPr>
+      <p:grpSpPr>
+        <a:xfrm>
+          <a:off x="0" y="0"/>
+          <a:ext cx="0" cy="0"/>
+          <a:chOff x="0" y="0"/>
+          <a:chExt cx="0" cy="0"/>
+        </a:xfrm>
+      </p:grpSpPr>
+      <p:sp>
+        <p:nvSpPr>
+          <p:cNvPr id="2" name="Title 1"/>
+          <p:cNvSpPr>
+            <a:spLocks noGrp="1"/>
+          </p:cNvSpPr>
+          <p:nvPr>
+            <p:ph type="title"/>
+          </p:nvPr>
+        </p:nvSpPr>
+        <p:spPr/>
+        <p:txBody>
+          <a:bodyPr/>
+          <a:lstStyle/>
+          <a:p>
+            <a:r>
+              <a:rPr lang="en-US" dirty="0" smtClean="0"/>
+              <a:t>Outline</a:t>
+            </a:r>
+            <a:endParaRPr lang="en-US" dirty="0"/>
+          </a:p>
+        </p:txBody>
+      </p:sp>
+      <p:sp>
+        <p:nvSpPr>
+          <p:cNvPr id="3" name="Content Placeholder 2"/>
+          <p:cNvSpPr>
+            <a:spLocks noGrp="1"/>
+          </p:cNvSpPr>
+          <p:nvPr>
+            <p:ph idx="1"/>
+          </p:nvPr>
+        </p:nvSpPr>
+        <p:spPr/>
+        <p:txBody>
+          <a:bodyPr/>
+          <a:lstStyle/>
+          <a:p>
+            <a:r>
+              <a:rPr lang="en-US" dirty="0" smtClean="0"/>
+              <a:t>Brief Review of the Problem.</a:t>
+            </a:r>
+          </a:p>
+          <a:p>
+            <a:r>
+              <a:rPr lang="en-US" dirty="0" smtClean="0"/>
+              <a:t>Algorithm Design</a:t>
+            </a:r>
+          </a:p>
+          <a:p>
+            <a:pPr lvl="1"/>
+            <a:r>
+              <a:rPr lang="en-US" dirty="0" smtClean="0"/>
+              <a:t>First Algorithm</a:t>
+            </a:r>
+          </a:p>
+          <a:p>
+            <a:pPr lvl="1"/>
+            <a:r>
+              <a:rPr lang="en-US" dirty="0" smtClean="0"/>
+              <a:t>Load Balanced Algorithm</a:t>
+            </a:r>
+          </a:p>
+          <a:p>
+            <a:r>
+              <a:rPr lang="en-US" dirty="0" smtClean="0"/>
+              <a:t>Testing Methodology</a:t>
+            </a:r>
+          </a:p>
+          <a:p>
+            <a:r>
+              <a:rPr lang="en-US" dirty="0" smtClean="0">
+                <a:solidFill>
+                  <a:srgbClr val="000000"/>
+                </a:solidFill>
+              </a:rPr>
+              <a:t>Results and Benchmarks</a:t>
+            </a:r>
+          </a:p>
+          <a:p>
+            <a:r>
+              <a:rPr lang="en-US" dirty="0" smtClean="0"/>
+              <a:t>Problems Found</a:t>
+            </a:r>
+          </a:p>
+          <a:p>
+            <a:r>
+              <a:rPr lang="en-US" dirty="0" smtClean="0">
+                <a:solidFill>
+                  <a:srgbClr val="FF0000"/>
+                </a:solidFill>
+              </a:rPr>
+              <a:t>Conclusions</a:t>
+            </a:r>
+          </a:p>
+          <a:p>
+            <a:r>
+              <a:rPr lang="en-US" dirty="0" smtClean="0">
+                <a:solidFill>
+                  <a:srgbClr val="FF0000"/>
+                </a:solidFill>
+              </a:rPr>
+              <a:t>Future work</a:t>
+            </a:r>
+          </a:p>
+          <a:p>
+            <a:endParaRPr lang="en-US" dirty="0"/>
+          </a:p>
+        </p:txBody>
+      </p:sp>
+    </p:spTree>
+  </p:cSld>
+  <p:clrMapOvr>
+    <a:masterClrMapping/>
+  </p:clrMapOvr>
+  <p:timing>
+    <p:tnLst>
+      <p:par>
+        <p:cTn id="1" dur="indefinite" restart="never" nodeType="tmRoot"/>
+      </p:par>
+    </p:tnLst>
+  </p:timing>
+</p:sld>
+</file>
+
+<file path=ppt/slides/slide23.xml><?xml version="1.0" encoding="utf-8"?>
+<p:sld xmlns:a="http://schemas.openxmlformats.org/drawingml/2006/main" xmlns:r="http://schemas.openxmlformats.org/officeDocument/2006/relationships" xmlns:mc="http://schemas.openxmlformats.org/markup-compatibility/2006" xmlns:mv="urn:schemas-microsoft-com:mac:vml" xmlns:p="http://schemas.openxmlformats.org/presentationml/2006/main" mc:Ignorable="mv" mc:PreserveAttributes="mv:*">
+  <p:cSld>
+    <p:spTree>
+      <p:nvGrpSpPr>
+        <p:cNvPr id="1" name=""/>
+        <p:cNvGrpSpPr/>
+        <p:nvPr/>
+      </p:nvGrpSpPr>
+      <p:grpSpPr>
+        <a:xfrm>
+          <a:off x="0" y="0"/>
+          <a:ext cx="0" cy="0"/>
+          <a:chOff x="0" y="0"/>
+          <a:chExt cx="0" cy="0"/>
+        </a:xfrm>
+      </p:grpSpPr>
+      <p:sp>
+        <p:nvSpPr>
+          <p:cNvPr id="2" name="Title 1"/>
+          <p:cNvSpPr>
+            <a:spLocks noGrp="1"/>
+          </p:cNvSpPr>
+          <p:nvPr>
+            <p:ph type="title"/>
+          </p:nvPr>
+        </p:nvSpPr>
+        <p:spPr/>
+        <p:txBody>
+          <a:bodyPr/>
+          <a:lstStyle/>
+          <a:p>
+            <a:r>
+              <a:rPr lang="en-US" dirty="0" smtClean="0"/>
+              <a:t>Conclusions</a:t>
+            </a:r>
+            <a:endParaRPr lang="en-US" dirty="0"/>
+          </a:p>
+        </p:txBody>
+      </p:sp>
+      <p:sp>
+        <p:nvSpPr>
+          <p:cNvPr id="3" name="Content Placeholder 2"/>
+          <p:cNvSpPr>
+            <a:spLocks noGrp="1"/>
+          </p:cNvSpPr>
+          <p:nvPr>
+            <p:ph idx="1"/>
+          </p:nvPr>
+        </p:nvSpPr>
+        <p:spPr/>
+        <p:txBody>
+          <a:bodyPr/>
+          <a:lstStyle/>
+          <a:p>
+            <a:r>
+              <a:rPr lang="en-US" dirty="0" smtClean="0"/>
+              <a:t>Transferring the uncompressed Index, is more efficient than both attempts at uncompressing within the GPU.</a:t>
+            </a:r>
+          </a:p>
+          <a:p>
+            <a:r>
+              <a:rPr lang="en-US" dirty="0" smtClean="0"/>
+              <a:t>The most expensive kernels for the load balanced algorithm are:</a:t>
+            </a:r>
+          </a:p>
+          <a:p>
+            <a:pPr lvl="1"/>
+            <a:r>
+              <a:rPr lang="en-US" dirty="0" smtClean="0"/>
+              <a:t>Kernel 4: Inclusive Scan of the Uncompressed Array 60%</a:t>
+            </a:r>
+          </a:p>
+          <a:p>
+            <a:pPr lvl="1"/>
+            <a:r>
+              <a:rPr lang="en-US" dirty="0" smtClean="0"/>
+              <a:t>Kernel 5: Uncompression in Parallel. 26%</a:t>
+            </a:r>
+          </a:p>
+          <a:p>
+            <a:pPr lvl="1"/>
+            <a:r>
+              <a:rPr lang="en-US" dirty="0" smtClean="0"/>
+              <a:t>Kernel 2: Initialization of the Uncompressed Array. 14%</a:t>
+            </a:r>
+          </a:p>
+          <a:p>
+            <a:pPr lvl="1"/>
+            <a:endParaRPr lang="en-US" dirty="0" smtClean="0"/>
+          </a:p>
+          <a:p>
+            <a:pPr lvl="1"/>
+            <a:endParaRPr lang="en-US" dirty="0" smtClean="0"/>
+          </a:p>
+          <a:p>
+            <a:pPr lvl="1"/>
+            <a:endParaRPr lang="en-US" dirty="0" smtClean="0"/>
+          </a:p>
+          <a:p>
+            <a:endParaRPr lang="en-US" dirty="0" smtClean="0"/>
+          </a:p>
+          <a:p>
+            <a:endParaRPr lang="en-US" dirty="0" smtClean="0"/>
+          </a:p>
+        </p:txBody>
+      </p:sp>
+    </p:spTree>
+  </p:cSld>
+  <p:clrMapOvr>
+    <a:masterClrMapping/>
+  </p:clrMapOvr>
+</p:sld>
+</file>
+
+<file path=ppt/slides/slide24.xml><?xml version="1.0" encoding="utf-8"?>
+<p:sld xmlns:a="http://schemas.openxmlformats.org/drawingml/2006/main" xmlns:r="http://schemas.openxmlformats.org/officeDocument/2006/relationships" xmlns:mc="http://schemas.openxmlformats.org/markup-compatibility/2006" xmlns:mv="urn:schemas-microsoft-com:mac:vml" xmlns:p="http://schemas.openxmlformats.org/presentationml/2006/main" mc:Ignorable="mv" mc:PreserveAttributes="mv:*">
+  <p:cSld>
+    <p:spTree>
+      <p:nvGrpSpPr>
+        <p:cNvPr id="1" name=""/>
+        <p:cNvGrpSpPr/>
+        <p:nvPr/>
+      </p:nvGrpSpPr>
+      <p:grpSpPr>
+        <a:xfrm>
+          <a:off x="0" y="0"/>
+          <a:ext cx="0" cy="0"/>
+          <a:chOff x="0" y="0"/>
+          <a:chExt cx="0" cy="0"/>
+        </a:xfrm>
+      </p:grpSpPr>
+      <p:sp>
+        <p:nvSpPr>
+          <p:cNvPr id="2" name="Title 1"/>
+          <p:cNvSpPr>
+            <a:spLocks noGrp="1"/>
+          </p:cNvSpPr>
+          <p:nvPr>
+            <p:ph type="title"/>
+          </p:nvPr>
+        </p:nvSpPr>
+        <p:spPr/>
+        <p:txBody>
+          <a:bodyPr/>
+          <a:lstStyle/>
+          <a:p>
+            <a:r>
+              <a:rPr lang="en-US" dirty="0" smtClean="0"/>
+              <a:t>Future Work</a:t>
+            </a:r>
+            <a:endParaRPr lang="en-US" dirty="0"/>
+          </a:p>
+        </p:txBody>
+      </p:sp>
+      <p:sp>
+        <p:nvSpPr>
+          <p:cNvPr id="3" name="Content Placeholder 2"/>
+          <p:cNvSpPr>
+            <a:spLocks noGrp="1"/>
+          </p:cNvSpPr>
+          <p:nvPr>
+            <p:ph idx="1"/>
+          </p:nvPr>
+        </p:nvSpPr>
+        <p:spPr/>
+        <p:txBody>
+          <a:bodyPr>
+            <a:normAutofit/>
+          </a:bodyPr>
+          <a:lstStyle/>
+          <a:p>
+            <a:r>
+              <a:rPr lang="en-US" dirty="0" smtClean="0"/>
+              <a:t>Investigate further what is wrong with Kernel 4. (Use Dr. Aubanel’s machine)</a:t>
+            </a:r>
+          </a:p>
+          <a:p>
+            <a:r>
+              <a:rPr lang="en-US" dirty="0" smtClean="0"/>
+              <a:t>Complete the other tests in the testing methodology.</a:t>
+            </a:r>
+          </a:p>
+          <a:p>
+            <a:r>
+              <a:rPr lang="en-US" dirty="0" smtClean="0"/>
+              <a:t>Try other attribute values data types.</a:t>
+            </a:r>
+          </a:p>
+          <a:p>
+            <a:pPr lvl="0"/>
+            <a:r>
+              <a:rPr lang="en-US" dirty="0" smtClean="0"/>
+              <a:t>To Improve Kernel 5 will look into using</a:t>
+            </a:r>
+            <a:r>
+              <a:rPr lang="en-US" dirty="0" smtClean="0"/>
+              <a:t> Constant memory </a:t>
+            </a:r>
+            <a:r>
+              <a:rPr lang="en-US" dirty="0" smtClean="0"/>
+              <a:t>for reads from array of Symbols.</a:t>
+            </a:r>
+          </a:p>
+          <a:p>
+            <a:r>
+              <a:rPr lang="en-US" dirty="0" smtClean="0"/>
+              <a:t>Try Asynchronous Copy to see if it improves somewhat.</a:t>
+            </a:r>
+          </a:p>
+          <a:p>
+            <a:endParaRPr lang="en-US" dirty="0"/>
+          </a:p>
+        </p:txBody>
+      </p:sp>
+    </p:spTree>
+  </p:cSld>
+  <p:clrMapOvr>
+    <a:masterClrMapping/>
+  </p:clrMapOvr>
+  <p:timing>
+    <p:tnLst>
+      <p:par>
+        <p:cTn id="1" dur="indefinite" restart="never" nodeType="tmRoot"/>
+      </p:par>
+    </p:tnLst>
+  </p:timing>
+</p:sld>
+</file>
+
+<file path=ppt/slides/slide25.xml><?xml version="1.0" encoding="utf-8"?>
+<p:sld xmlns:a="http://schemas.openxmlformats.org/drawingml/2006/main" xmlns:r="http://schemas.openxmlformats.org/officeDocument/2006/relationships" xmlns:mc="http://schemas.openxmlformats.org/markup-compatibility/2006" xmlns:mv="urn:schemas-microsoft-com:mac:vml" xmlns:p="http://schemas.openxmlformats.org/presentationml/2006/main" mc:Ignorable="mv" mc:PreserveAttributes="mv:*">
+  <p:cSld>
+    <p:spTree>
+      <p:nvGrpSpPr>
+        <p:cNvPr id="1" name=""/>
+        <p:cNvGrpSpPr/>
+        <p:nvPr/>
+      </p:nvGrpSpPr>
+      <p:grpSpPr>
+        <a:xfrm>
+          <a:off x="0" y="0"/>
+          <a:ext cx="0" cy="0"/>
+          <a:chOff x="0" y="0"/>
+          <a:chExt cx="0" cy="0"/>
+        </a:xfrm>
+      </p:grpSpPr>
+      <p:sp>
+        <p:nvSpPr>
+          <p:cNvPr id="2" name="Title 1"/>
+          <p:cNvSpPr>
+            <a:spLocks noGrp="1"/>
+          </p:cNvSpPr>
+          <p:nvPr>
+            <p:ph type="title"/>
+          </p:nvPr>
+        </p:nvSpPr>
+        <p:spPr/>
+        <p:txBody>
+          <a:bodyPr/>
+          <a:lstStyle/>
+          <a:p>
+            <a:r>
+              <a:rPr lang="en-US" dirty="0" smtClean="0"/>
+              <a:t>References</a:t>
+            </a:r>
+            <a:endParaRPr lang="en-US" dirty="0"/>
+          </a:p>
+        </p:txBody>
+      </p:sp>
+      <p:sp>
+        <p:nvSpPr>
+          <p:cNvPr id="3" name="Content Placeholder 2"/>
+          <p:cNvSpPr>
+            <a:spLocks noGrp="1"/>
+          </p:cNvSpPr>
+          <p:nvPr>
+            <p:ph idx="1"/>
+          </p:nvPr>
+        </p:nvSpPr>
+        <p:spPr/>
+        <p:txBody>
+          <a:bodyPr>
+            <a:normAutofit fontScale="85000" lnSpcReduction="10000"/>
+          </a:bodyPr>
+          <a:lstStyle/>
+          <a:p>
+            <a:r>
+              <a:rPr lang="en-US" dirty="0" err="1" smtClean="0"/>
+              <a:t>Gosink</a:t>
+            </a:r>
+            <a:r>
+              <a:rPr lang="en-US" dirty="0" smtClean="0"/>
+              <a:t>, L., </a:t>
+            </a:r>
+            <a:r>
+              <a:rPr lang="en-US" dirty="0" err="1" smtClean="0"/>
+              <a:t>Kesheng</a:t>
+            </a:r>
+            <a:r>
+              <a:rPr lang="en-US" dirty="0" smtClean="0"/>
+              <a:t> Wu, E. Wes Bethel, John D. Owens, Kenneth I. Joy: Data Parallel Bin-Based Indexing for Answering Queries on Multi-core Architectures. SSDBM 2009: 110-129</a:t>
+            </a:r>
+          </a:p>
+          <a:p>
+            <a:r>
+              <a:rPr lang="en-US" dirty="0" smtClean="0"/>
+              <a:t>Guy E. </a:t>
+            </a:r>
+            <a:r>
+              <a:rPr lang="en-US" dirty="0" err="1" smtClean="0"/>
+              <a:t>Blelloch</a:t>
+            </a:r>
+            <a:r>
+              <a:rPr lang="en-US" dirty="0" smtClean="0"/>
+              <a:t>. “Prefix Sums and Their Applications”. In John H. </a:t>
+            </a:r>
+            <a:r>
+              <a:rPr lang="en-US" dirty="0" err="1" smtClean="0"/>
+              <a:t>Reif</a:t>
+            </a:r>
+            <a:r>
+              <a:rPr lang="en-US" dirty="0" smtClean="0"/>
+              <a:t> (Ed.), Synthesis </a:t>
+            </a:r>
+            <a:r>
+              <a:rPr lang="de-DE" dirty="0" smtClean="0"/>
+              <a:t>of Parallel Algorithms, Morgan Kaufmann, 1990.</a:t>
+            </a:r>
+          </a:p>
+          <a:p>
+            <a:r>
+              <a:rPr lang="en-US" dirty="0" smtClean="0"/>
+              <a:t>HARRIS M., SENGUPTA S., OWENS J. D.: Parallel prefix sum (scan) with CUDA. In </a:t>
+            </a:r>
+            <a:r>
+              <a:rPr lang="en-US" i="1" dirty="0" smtClean="0"/>
+              <a:t>GPU Gems 3, </a:t>
+            </a:r>
+            <a:r>
+              <a:rPr lang="en-US" dirty="0" smtClean="0"/>
+              <a:t>Nguyen H., (Ed.). Addison Wesley, Aug. 2007, </a:t>
+            </a:r>
+            <a:r>
+              <a:rPr lang="en-US" dirty="0" err="1" smtClean="0"/>
+              <a:t>ch</a:t>
+            </a:r>
+            <a:r>
+              <a:rPr lang="en-US" dirty="0" smtClean="0"/>
+              <a:t>. 31.</a:t>
+            </a:r>
+          </a:p>
+          <a:p>
+            <a:r>
+              <a:rPr lang="en-US" dirty="0" smtClean="0"/>
+              <a:t>Horn, Daniel. Stream reduction operations for GPGPU applications. In GPU Gems 2, M. Pharr, Ed., </a:t>
+            </a:r>
+            <a:r>
+              <a:rPr lang="en-US" dirty="0" err="1" smtClean="0"/>
+              <a:t>ch</a:t>
+            </a:r>
+            <a:r>
+              <a:rPr lang="en-US" dirty="0" smtClean="0"/>
+              <a:t>. 36, pp. 573–589. Addison Wesley, 2005 </a:t>
+            </a:r>
+            <a:r>
+              <a:rPr lang="en-US" dirty="0" smtClean="0">
+                <a:hlinkClick r:id="rId3"/>
+              </a:rPr>
+              <a:t>http://developer.nvidia.com/object/gpu_gems_2_home.html</a:t>
+            </a:r>
+            <a:endParaRPr lang="en-US" dirty="0" smtClean="0"/>
+          </a:p>
+          <a:p>
+            <a:endParaRPr lang="en-US" dirty="0" smtClean="0"/>
+          </a:p>
+        </p:txBody>
+      </p:sp>
+    </p:spTree>
+  </p:cSld>
+  <p:clrMapOvr>
+    <a:masterClrMapping/>
+  </p:clrMapOvr>
+  <p:timing>
+    <p:tnLst>
+      <p:par>
+        <p:cTn id="1" dur="indefinite" restart="never" nodeType="tmRoot"/>
+      </p:par>
+    </p:tnLst>
+  </p:timing>
+</p:sld>
+</file>
+
+<file path=ppt/slides/slide26.xml><?xml version="1.0" encoding="utf-8"?>
+<p:sld xmlns:a="http://schemas.openxmlformats.org/drawingml/2006/main" xmlns:r="http://schemas.openxmlformats.org/officeDocument/2006/relationships" xmlns:mc="http://schemas.openxmlformats.org/markup-compatibility/2006" xmlns:mv="urn:schemas-microsoft-com:mac:vml" xmlns:p="http://schemas.openxmlformats.org/presentationml/2006/main" mc:Ignorable="mv" mc:PreserveAttributes="mv:*">
+  <p:cSld>
+    <p:spTree>
+      <p:nvGrpSpPr>
+        <p:cNvPr id="1" name=""/>
+        <p:cNvGrpSpPr/>
+        <p:nvPr/>
+      </p:nvGrpSpPr>
+      <p:grpSpPr>
+        <a:xfrm>
+          <a:off x="0" y="0"/>
+          <a:ext cx="0" cy="0"/>
+          <a:chOff x="0" y="0"/>
+          <a:chExt cx="0" cy="0"/>
+        </a:xfrm>
+      </p:grpSpPr>
+      <p:sp>
+        <p:nvSpPr>
+          <p:cNvPr id="2" name="Title 1"/>
+          <p:cNvSpPr>
+            <a:spLocks noGrp="1"/>
+          </p:cNvSpPr>
+          <p:nvPr>
+            <p:ph type="title"/>
+          </p:nvPr>
+        </p:nvSpPr>
+        <p:spPr/>
+        <p:txBody>
+          <a:bodyPr/>
+          <a:lstStyle/>
+          <a:p>
+            <a:r>
+              <a:rPr lang="en-US" dirty="0" smtClean="0"/>
+              <a:t>Thank You!</a:t>
+            </a:r>
+            <a:endParaRPr lang="en-US" dirty="0"/>
+          </a:p>
+        </p:txBody>
+      </p:sp>
+      <p:sp>
+        <p:nvSpPr>
+          <p:cNvPr id="5" name="Content Placeholder 4"/>
+          <p:cNvSpPr>
+            <a:spLocks noGrp="1"/>
+          </p:cNvSpPr>
+          <p:nvPr>
+            <p:ph idx="1"/>
+          </p:nvPr>
+        </p:nvSpPr>
+        <p:spPr/>
+        <p:txBody>
+          <a:bodyPr/>
+          <a:lstStyle/>
+          <a:p>
+            <a:r>
+              <a:rPr lang="en-US" dirty="0" smtClean="0"/>
+              <a:t>Questions?</a:t>
+            </a:r>
+          </a:p>
+          <a:p>
+            <a:r>
+              <a:rPr lang="en-US" dirty="0" smtClean="0"/>
+              <a:t>Suggestions?</a:t>
+            </a:r>
+          </a:p>
+          <a:p>
+            <a:pPr>
+              <a:buNone/>
+            </a:pPr>
+            <a:endParaRPr lang="en-US" dirty="0"/>
+          </a:p>
+        </p:txBody>
+      </p:sp>
+    </p:spTree>
+  </p:cSld>
+  <p:clrMapOvr>
+    <a:masterClrMapping/>
+  </p:clrMapOvr>
+  <p:timing>
+    <p:tnLst>
+      <p:par>
+        <p:cTn id="1" dur="indefinite" restart="never" nodeType="tmRoot"/>
+      </p:par>
+    </p:tnLst>
+  </p:timing>
+</p:sld>
+</file>
+
+<file path=ppt/slides/slide3.xml><?xml version="1.0" encoding="utf-8"?>
+<p:sld xmlns:a="http://schemas.openxmlformats.org/drawingml/2006/main" xmlns:r="http://schemas.openxmlformats.org/officeDocument/2006/relationships" xmlns:mc="http://schemas.openxmlformats.org/markup-compatibility/2006" xmlns:mv="urn:schemas-microsoft-com:mac:vml" xmlns:p="http://schemas.openxmlformats.org/presentationml/2006/main" mc:Ignorable="mv" mc:PreserveAttributes="mv:*">
+  <p:cSld>
+    <p:spTree>
+      <p:nvGrpSpPr>
+        <p:cNvPr id="1" name=""/>
+        <p:cNvGrpSpPr/>
+        <p:nvPr/>
+      </p:nvGrpSpPr>
+      <p:grpSpPr>
+        <a:xfrm>
+          <a:off x="0" y="0"/>
+          <a:ext cx="0" cy="0"/>
+          <a:chOff x="0" y="0"/>
+          <a:chExt cx="0" cy="0"/>
+        </a:xfrm>
+      </p:grpSpPr>
+      <p:sp>
+        <p:nvSpPr>
+          <p:cNvPr id="2" name="Title 1"/>
+          <p:cNvSpPr>
+            <a:spLocks noGrp="1"/>
+          </p:cNvSpPr>
+          <p:nvPr>
+            <p:ph type="title"/>
+          </p:nvPr>
+        </p:nvSpPr>
+        <p:spPr/>
+        <p:txBody>
+          <a:bodyPr>
+            <a:normAutofit/>
+          </a:bodyPr>
+          <a:lstStyle/>
+          <a:p>
+            <a:r>
+              <a:rPr lang="en-US" dirty="0" smtClean="0"/>
+              <a:t>Brief Review of the Problem</a:t>
+            </a:r>
+            <a:endParaRPr lang="en-US" dirty="0"/>
+          </a:p>
+        </p:txBody>
+      </p:sp>
+      <p:sp>
+        <p:nvSpPr>
+          <p:cNvPr id="12" name="Content Placeholder 2"/>
+          <p:cNvSpPr>
+            <a:spLocks noGrp="1"/>
+          </p:cNvSpPr>
+          <p:nvPr>
+            <p:ph idx="1"/>
+          </p:nvPr>
+        </p:nvSpPr>
+        <p:spPr>
+          <a:xfrm>
+            <a:off x="457200" y="1935480"/>
+            <a:ext cx="8229600" cy="4389120"/>
+          </a:xfrm>
+        </p:spPr>
+        <p:txBody>
+          <a:bodyPr/>
+          <a:lstStyle/>
+          <a:p>
+            <a:r>
+              <a:rPr lang="en-US" dirty="0" smtClean="0"/>
+              <a:t>An Index compressed in RLE Encoding is transferred to the GPU as:</a:t>
+            </a:r>
+          </a:p>
+          <a:p>
+            <a:pPr lvl="1"/>
+            <a:r>
+              <a:rPr lang="en-US" dirty="0" smtClean="0"/>
+              <a:t>1 Array of Frequencies.</a:t>
+            </a:r>
+          </a:p>
+          <a:p>
+            <a:pPr lvl="1"/>
+            <a:r>
+              <a:rPr lang="en-US" dirty="0" smtClean="0"/>
+              <a:t>1 Array of Symbols (Attribute Values)</a:t>
+            </a:r>
+          </a:p>
+          <a:p>
+            <a:r>
+              <a:rPr lang="en-US" dirty="0" smtClean="0"/>
+              <a:t>The index is then uncompressed in the GPU using a prefix sum algorithm.</a:t>
+            </a:r>
+            <a:endParaRPr lang="en-US" dirty="0"/>
+          </a:p>
+        </p:txBody>
+      </p:sp>
+    </p:spTree>
+  </p:cSld>
+  <p:clrMapOvr>
+    <a:masterClrMapping/>
+  </p:clrMapOvr>
+  <p:timing>
+    <p:tnLst>
+      <p:par>
+        <p:cTn id="1" dur="indefinite" restart="never" nodeType="tmRoot"/>
+      </p:par>
+    </p:tnLst>
+  </p:timing>
+</p:sld>
+</file>
+
+<file path=ppt/slides/slide4.xml><?xml version="1.0" encoding="utf-8"?>
+<p:sld xmlns:a="http://schemas.openxmlformats.org/drawingml/2006/main" xmlns:r="http://schemas.openxmlformats.org/officeDocument/2006/relationships" xmlns:mc="http://schemas.openxmlformats.org/markup-compatibility/2006" xmlns:mv="urn:schemas-microsoft-com:mac:vml" xmlns:p="http://schemas.openxmlformats.org/presentationml/2006/main" mc:Ignorable="mv" mc:PreserveAttributes="mv:*">
+  <p:cSld>
+    <p:spTree>
+      <p:nvGrpSpPr>
+        <p:cNvPr id="1" name=""/>
+        <p:cNvGrpSpPr/>
+        <p:nvPr/>
+      </p:nvGrpSpPr>
+      <p:grpSpPr>
+        <a:xfrm>
+          <a:off x="0" y="0"/>
+          <a:ext cx="0" cy="0"/>
+          <a:chOff x="0" y="0"/>
+          <a:chExt cx="0" cy="0"/>
+        </a:xfrm>
+      </p:grpSpPr>
+      <p:sp>
+        <p:nvSpPr>
+          <p:cNvPr id="2" name="Title 1"/>
+          <p:cNvSpPr>
+            <a:spLocks noGrp="1"/>
+          </p:cNvSpPr>
+          <p:nvPr>
+            <p:ph type="title"/>
+          </p:nvPr>
+        </p:nvSpPr>
+        <p:spPr/>
+        <p:txBody>
+          <a:bodyPr/>
+          <a:lstStyle/>
+          <a:p>
+            <a:r>
+              <a:rPr lang="en-US" dirty="0" smtClean="0"/>
+              <a:t>Brief Review of the Problem</a:t>
+            </a:r>
+            <a:endParaRPr lang="en-US" dirty="0"/>
+          </a:p>
+        </p:txBody>
+      </p:sp>
+      <p:sp>
+        <p:nvSpPr>
+          <p:cNvPr id="3" name="Content Placeholder 2"/>
+          <p:cNvSpPr>
+            <a:spLocks noGrp="1"/>
+          </p:cNvSpPr>
+          <p:nvPr>
+            <p:ph idx="1"/>
+          </p:nvPr>
+        </p:nvSpPr>
+        <p:spPr/>
+        <p:txBody>
+          <a:bodyPr/>
+          <a:lstStyle/>
+          <a:p>
+            <a:r>
+              <a:rPr lang="en-US" sz="2800" dirty="0" smtClean="0"/>
+              <a:t>For this to be effective the following assumptions must be made:</a:t>
+            </a:r>
+          </a:p>
+          <a:p>
+            <a:pPr lvl="1"/>
+            <a:r>
+              <a:rPr lang="en-US" dirty="0" smtClean="0"/>
+              <a:t>The data in the projection index is previously sorted</a:t>
+            </a:r>
+          </a:p>
+          <a:p>
+            <a:pPr lvl="1"/>
+            <a:r>
+              <a:rPr lang="en-US" dirty="0" smtClean="0"/>
+              <a:t>The projection index is created on a column that is not unique.</a:t>
+            </a:r>
+          </a:p>
+          <a:p>
+            <a:endParaRPr lang="en-US" dirty="0" smtClean="0"/>
+          </a:p>
+          <a:p>
+            <a:endParaRPr lang="en-US" dirty="0"/>
+          </a:p>
+        </p:txBody>
+      </p:sp>
+      <p:grpSp>
+        <p:nvGrpSpPr>
+          <p:cNvPr id="4" name="Group 3"/>
+          <p:cNvGrpSpPr/>
+          <p:nvPr/>
+        </p:nvGrpSpPr>
+        <p:grpSpPr>
+          <a:xfrm>
+            <a:off x="838200" y="4419600"/>
+            <a:ext cx="7239000" cy="1676400"/>
+            <a:chOff x="1066800" y="4038600"/>
+            <a:chExt cx="7239000" cy="1676400"/>
+          </a:xfrm>
+        </p:grpSpPr>
+        <p:sp>
+          <p:nvSpPr>
+            <p:cNvPr id="5" name="Rounded Rectangle 4"/>
+            <p:cNvSpPr/>
+            <p:nvPr/>
+          </p:nvSpPr>
+          <p:spPr>
+            <a:xfrm>
+              <a:off x="1066800" y="4038600"/>
+              <a:ext cx="2209800" cy="1143000"/>
+            </a:xfrm>
+            <a:prstGeom prst="roundRect">
+              <a:avLst/>
+            </a:prstGeom>
+            <a:ln>
+              <a:noFill/>
+            </a:ln>
+            <a:effectLst>
+              <a:outerShdw blurRad="184150" dist="241300" dir="11520000" sx="110000" sy="110000" algn="ctr">
+                <a:srgbClr val="000000">
+                  <a:alpha val="18000"/>
+                </a:srgbClr>
+              </a:outerShdw>
+            </a:effectLst>
+            <a:scene3d>
+              <a:camera prst="perspectiveFront" fov="5100000">
+                <a:rot lat="0" lon="2100000" rev="0"/>
+              </a:camera>
+              <a:lightRig rig="flood" dir="t">
+                <a:rot lat="0" lon="0" rev="13800000"/>
+              </a:lightRig>
+            </a:scene3d>
+            <a:sp3d extrusionH="107950" prstMaterial="plastic">
+              <a:bevelT w="82550" h="63500" prst="divot"/>
+              <a:bevelB/>
+            </a:sp3d>
+          </p:spPr>
+          <p:style>
+            <a:lnRef idx="2">
+              <a:schemeClr val="accent1">
+                <a:shade val="50000"/>
+              </a:schemeClr>
+            </a:lnRef>
+            <a:fillRef idx="1">
+              <a:schemeClr val="accent1"/>
+            </a:fillRef>
+            <a:effectRef idx="0">
+              <a:schemeClr val="accent1"/>
+            </a:effectRef>
+            <a:fontRef idx="minor">
+              <a:schemeClr val="lt1"/>
+            </a:fontRef>
+          </p:style>
+          <p:txBody>
+            <a:bodyPr rtlCol="0" anchor="ctr"/>
+            <a:lstStyle/>
+            <a:p>
+              <a:pPr algn="ctr"/>
+              <a:r>
+                <a:rPr lang="en-US" dirty="0" smtClean="0"/>
+                <a:t>CPU</a:t>
+              </a:r>
+              <a:endParaRPr lang="en-US" dirty="0"/>
+            </a:p>
+          </p:txBody>
+        </p:sp>
+        <p:sp>
+          <p:nvSpPr>
+            <p:cNvPr id="6" name="Down Arrow 5"/>
+            <p:cNvSpPr/>
+            <p:nvPr/>
+          </p:nvSpPr>
+          <p:spPr>
+            <a:xfrm rot="16200000">
+              <a:off x="4305300" y="3314700"/>
+              <a:ext cx="457200" cy="2514600"/>
+            </a:xfrm>
+            <a:prstGeom prst="downArrow">
+              <a:avLst/>
+            </a:prstGeom>
+          </p:spPr>
+          <p:style>
+            <a:lnRef idx="2">
+              <a:schemeClr val="accent5">
+                <a:shade val="50000"/>
+              </a:schemeClr>
+            </a:lnRef>
+            <a:fillRef idx="1">
+              <a:schemeClr val="accent5"/>
+            </a:fillRef>
+            <a:effectRef idx="0">
+              <a:schemeClr val="accent5"/>
+            </a:effectRef>
+            <a:fontRef idx="minor">
+              <a:schemeClr val="lt1"/>
+            </a:fontRef>
+          </p:style>
+          <p:txBody>
+            <a:bodyPr rtlCol="0" anchor="ctr"/>
+            <a:lstStyle/>
+            <a:p>
+              <a:pPr algn="ctr"/>
+              <a:endParaRPr lang="en-US"/>
+            </a:p>
+          </p:txBody>
+        </p:sp>
+        <p:sp>
+          <p:nvSpPr>
+            <p:cNvPr id="7" name="Rounded Rectangle 6"/>
+            <p:cNvSpPr/>
+            <p:nvPr/>
+          </p:nvSpPr>
+          <p:spPr>
+            <a:xfrm>
+              <a:off x="5486400" y="4038600"/>
+              <a:ext cx="2209800" cy="1143000"/>
+            </a:xfrm>
+            <a:prstGeom prst="roundRect">
+              <a:avLst/>
+            </a:prstGeom>
+            <a:ln>
+              <a:noFill/>
+            </a:ln>
+            <a:effectLst>
+              <a:outerShdw blurRad="184150" dist="241300" dir="11520000" sx="110000" sy="110000" algn="ctr">
+                <a:srgbClr val="000000">
+                  <a:alpha val="18000"/>
+                </a:srgbClr>
+              </a:outerShdw>
+            </a:effectLst>
+            <a:scene3d>
+              <a:camera prst="perspectiveFront" fov="5100000">
+                <a:rot lat="0" lon="2100000" rev="0"/>
+              </a:camera>
+              <a:lightRig rig="flood" dir="t">
+                <a:rot lat="0" lon="0" rev="13800000"/>
+              </a:lightRig>
+            </a:scene3d>
+            <a:sp3d extrusionH="107950" prstMaterial="plastic">
+              <a:bevelT w="82550" h="63500" prst="divot"/>
+              <a:bevelB/>
+            </a:sp3d>
+          </p:spPr>
+          <p:style>
+            <a:lnRef idx="2">
+              <a:schemeClr val="accent1">
+                <a:shade val="50000"/>
+              </a:schemeClr>
+            </a:lnRef>
+            <a:fillRef idx="1">
+              <a:schemeClr val="accent1"/>
+            </a:fillRef>
+            <a:effectRef idx="0">
+              <a:schemeClr val="accent1"/>
+            </a:effectRef>
+            <a:fontRef idx="minor">
+              <a:schemeClr val="lt1"/>
+            </a:fontRef>
+          </p:style>
+          <p:txBody>
+            <a:bodyPr rtlCol="0" anchor="ctr"/>
+            <a:lstStyle/>
+            <a:p>
+              <a:pPr algn="ctr"/>
+              <a:r>
+                <a:rPr lang="en-US" dirty="0" smtClean="0"/>
+                <a:t>GPU</a:t>
+              </a:r>
+              <a:endParaRPr lang="en-US" dirty="0"/>
+            </a:p>
+          </p:txBody>
+        </p:sp>
+        <p:sp>
+          <p:nvSpPr>
+            <p:cNvPr id="8" name="TextBox 7"/>
+            <p:cNvSpPr txBox="1"/>
+            <p:nvPr/>
+          </p:nvSpPr>
+          <p:spPr>
+            <a:xfrm>
+              <a:off x="1524000" y="5334000"/>
+              <a:ext cx="1905000" cy="369332"/>
+            </a:xfrm>
+            <a:prstGeom prst="rect">
+              <a:avLst/>
+            </a:prstGeom>
+            <a:noFill/>
+          </p:spPr>
+          <p:txBody>
+            <a:bodyPr wrap="square" rtlCol="0">
+              <a:spAutoFit/>
+            </a:bodyPr>
+            <a:lstStyle/>
+            <a:p>
+              <a:pPr lvl="1"/>
+              <a:r>
+                <a:rPr lang="en-US" dirty="0" smtClean="0"/>
+                <a:t>A3B1C7</a:t>
+              </a:r>
+            </a:p>
+          </p:txBody>
+        </p:sp>
+        <p:sp>
+          <p:nvSpPr>
+            <p:cNvPr id="9" name="TextBox 8"/>
+            <p:cNvSpPr txBox="1"/>
+            <p:nvPr/>
+          </p:nvSpPr>
+          <p:spPr>
+            <a:xfrm>
+              <a:off x="3505200" y="4114800"/>
+              <a:ext cx="1905000" cy="369332"/>
+            </a:xfrm>
+            <a:prstGeom prst="rect">
+              <a:avLst/>
+            </a:prstGeom>
+            <a:noFill/>
+          </p:spPr>
+          <p:txBody>
+            <a:bodyPr wrap="square" rtlCol="0">
+              <a:spAutoFit/>
+            </a:bodyPr>
+            <a:lstStyle/>
+            <a:p>
+              <a:pPr lvl="1"/>
+              <a:endParaRPr lang="en-US" dirty="0" smtClean="0"/>
+            </a:p>
+          </p:txBody>
+        </p:sp>
+        <p:sp>
+          <p:nvSpPr>
+            <p:cNvPr id="10" name="TextBox 9"/>
+            <p:cNvSpPr txBox="1"/>
+            <p:nvPr/>
+          </p:nvSpPr>
+          <p:spPr>
+            <a:xfrm>
+              <a:off x="5410200" y="5334000"/>
+              <a:ext cx="2895600" cy="381000"/>
+            </a:xfrm>
+            <a:prstGeom prst="rect">
+              <a:avLst/>
+            </a:prstGeom>
+            <a:noFill/>
+          </p:spPr>
+          <p:txBody>
+            <a:bodyPr wrap="square" rtlCol="0">
+              <a:spAutoFit/>
+            </a:bodyPr>
+            <a:lstStyle/>
+            <a:p>
+              <a:pPr lvl="1"/>
+              <a:r>
+                <a:rPr lang="en-US" dirty="0" smtClean="0"/>
+                <a:t>AAABCCCCCCC</a:t>
+              </a:r>
+            </a:p>
+          </p:txBody>
+        </p:sp>
+      </p:grpSp>
+      <p:sp>
+        <p:nvSpPr>
+          <p:cNvPr id="11" name="Rectangle 10"/>
+          <p:cNvSpPr/>
+          <p:nvPr/>
+        </p:nvSpPr>
+        <p:spPr>
+          <a:xfrm>
+            <a:off x="3776589" y="5421868"/>
+            <a:ext cx="795411" cy="369332"/>
+          </a:xfrm>
+          <a:prstGeom prst="rect">
+            <a:avLst/>
+          </a:prstGeom>
+        </p:spPr>
+        <p:txBody>
+          <a:bodyPr wrap="none">
+            <a:spAutoFit/>
+          </a:bodyPr>
+          <a:lstStyle/>
+          <a:p>
+            <a:r>
+              <a:rPr lang="en-US" dirty="0" smtClean="0"/>
+              <a:t>A-B-C</a:t>
+            </a:r>
+            <a:endParaRPr lang="en-US" dirty="0"/>
+          </a:p>
+        </p:txBody>
+      </p:sp>
+      <p:sp>
+        <p:nvSpPr>
+          <p:cNvPr id="12" name="Rectangle 11"/>
+          <p:cNvSpPr/>
+          <p:nvPr/>
+        </p:nvSpPr>
+        <p:spPr>
+          <a:xfrm>
+            <a:off x="3733800" y="5105400"/>
+            <a:ext cx="904415" cy="369332"/>
+          </a:xfrm>
+          <a:prstGeom prst="rect">
+            <a:avLst/>
+          </a:prstGeom>
+        </p:spPr>
+        <p:txBody>
+          <a:bodyPr wrap="none">
+            <a:spAutoFit/>
+          </a:bodyPr>
+          <a:lstStyle/>
+          <a:p>
+            <a:r>
+              <a:rPr lang="en-US" dirty="0" smtClean="0"/>
+              <a:t>3 – 1 - 7</a:t>
+            </a:r>
+            <a:endParaRPr lang="en-US" dirty="0"/>
+          </a:p>
+        </p:txBody>
+      </p:sp>
+    </p:spTree>
+  </p:cSld>
+  <p:clrMapOvr>
+    <a:masterClrMapping/>
+  </p:clrMapOvr>
+  <p:timing>
+    <p:tnLst>
+      <p:par>
+        <p:cTn id="1" dur="indefinite" restart="never" nodeType="tmRoot"/>
+      </p:par>
+    </p:tnLst>
+  </p:timing>
+</p:sld>
+</file>
+
+<file path=ppt/slides/slide5.xml><?xml version="1.0" encoding="utf-8"?>
+<p:sld xmlns:a="http://schemas.openxmlformats.org/drawingml/2006/main" xmlns:r="http://schemas.openxmlformats.org/officeDocument/2006/relationships" xmlns:mc="http://schemas.openxmlformats.org/markup-compatibility/2006" xmlns:mv="urn:schemas-microsoft-com:mac:vml" xmlns:p="http://schemas.openxmlformats.org/presentationml/2006/main" mc:Ignorable="mv" mc:PreserveAttributes="mv:*">
+  <p:cSld>
+    <p:spTree>
+      <p:nvGrpSpPr>
+        <p:cNvPr id="1" name=""/>
+        <p:cNvGrpSpPr/>
+        <p:nvPr/>
+      </p:nvGrpSpPr>
+      <p:grpSpPr>
+        <a:xfrm>
+          <a:off x="0" y="0"/>
+          <a:ext cx="0" cy="0"/>
+          <a:chOff x="0" y="0"/>
+          <a:chExt cx="0" cy="0"/>
+        </a:xfrm>
+      </p:grpSpPr>
+      <p:sp>
+        <p:nvSpPr>
+          <p:cNvPr id="2" name="Title 1"/>
+          <p:cNvSpPr>
+            <a:spLocks noGrp="1"/>
+          </p:cNvSpPr>
+          <p:nvPr>
+            <p:ph type="title"/>
+          </p:nvPr>
+        </p:nvSpPr>
+        <p:spPr/>
+        <p:txBody>
+          <a:bodyPr>
+            <a:normAutofit/>
+          </a:bodyPr>
+          <a:lstStyle/>
+          <a:p>
+            <a:r>
+              <a:rPr lang="en-US" dirty="0" smtClean="0"/>
+              <a:t>Prefix Sum</a:t>
+            </a:r>
+            <a:endParaRPr lang="en-US" dirty="0"/>
+          </a:p>
+        </p:txBody>
+      </p:sp>
+      <p:graphicFrame>
+        <p:nvGraphicFramePr>
+          <p:cNvPr id="5" name="Table 4"/>
+          <p:cNvGraphicFramePr>
+            <a:graphicFrameLocks noGrp="1"/>
+          </p:cNvGraphicFramePr>
+          <p:nvPr/>
+        </p:nvGraphicFramePr>
+        <p:xfrm>
+          <a:off x="4191000" y="2514600"/>
+          <a:ext cx="1104900" cy="3200400"/>
+        </p:xfrm>
+        <a:graphic>
+          <a:graphicData uri="http://schemas.openxmlformats.org/drawingml/2006/table">
+            <a:tbl>
+              <a:tblPr firstRow="1" bandRow="1">
+                <a:tableStyleId>{5940675A-B579-460E-94D1-54222C63F5DA}</a:tableStyleId>
+              </a:tblPr>
+              <a:tblGrid>
+                <a:gridCol w="1104900"/>
+              </a:tblGrid>
+              <a:tr h="424543">
+                <a:tc>
+                  <a:txBody>
+                    <a:bodyPr/>
+                    <a:lstStyle/>
+                    <a:p>
+                      <a:r>
+                        <a:rPr lang="en-US" sz="2400" dirty="0" smtClean="0"/>
+                        <a:t>3</a:t>
+                      </a:r>
+                      <a:endParaRPr lang="en-US" sz="2400" dirty="0"/>
+                    </a:p>
+                  </a:txBody>
+                  <a:tcPr/>
+                </a:tc>
+              </a:tr>
+              <a:tr h="424543">
+                <a:tc>
+                  <a:txBody>
+                    <a:bodyPr/>
+                    <a:lstStyle/>
+                    <a:p>
+                      <a:r>
+                        <a:rPr lang="en-US" sz="2400" dirty="0" smtClean="0"/>
+                        <a:t>4</a:t>
+                      </a:r>
+                      <a:endParaRPr lang="en-US" sz="2400" dirty="0"/>
+                    </a:p>
+                  </a:txBody>
+                  <a:tcPr/>
+                </a:tc>
+              </a:tr>
+              <a:tr h="424543">
+                <a:tc>
+                  <a:txBody>
+                    <a:bodyPr/>
+                    <a:lstStyle/>
+                    <a:p>
+                      <a:r>
+                        <a:rPr lang="en-US" sz="2400" dirty="0" smtClean="0"/>
+                        <a:t>11</a:t>
+                      </a:r>
+                      <a:endParaRPr lang="en-US" sz="2400" dirty="0"/>
+                    </a:p>
+                  </a:txBody>
+                  <a:tcPr/>
+                </a:tc>
+              </a:tr>
+              <a:tr h="424543">
+                <a:tc>
+                  <a:txBody>
+                    <a:bodyPr/>
+                    <a:lstStyle/>
+                    <a:p>
+                      <a:r>
+                        <a:rPr lang="en-US" sz="2400" dirty="0" smtClean="0"/>
+                        <a:t>11</a:t>
+                      </a:r>
+                      <a:endParaRPr lang="en-US" sz="2400" dirty="0"/>
+                    </a:p>
+                  </a:txBody>
+                  <a:tcPr/>
+                </a:tc>
+              </a:tr>
+              <a:tr h="424543">
+                <a:tc>
+                  <a:txBody>
+                    <a:bodyPr/>
+                    <a:lstStyle/>
+                    <a:p>
+                      <a:r>
+                        <a:rPr lang="en-US" sz="2400" dirty="0" smtClean="0"/>
+                        <a:t>12</a:t>
+                      </a:r>
+                      <a:endParaRPr lang="en-US" sz="2400" dirty="0"/>
+                    </a:p>
+                  </a:txBody>
+                  <a:tcPr/>
+                </a:tc>
+              </a:tr>
+              <a:tr h="424543">
+                <a:tc>
+                  <a:txBody>
+                    <a:bodyPr/>
+                    <a:lstStyle/>
+                    <a:p>
+                      <a:r>
+                        <a:rPr lang="en-US" sz="2400" dirty="0" smtClean="0"/>
+                        <a:t>18</a:t>
+                      </a:r>
+                      <a:endParaRPr lang="en-US" sz="2400" dirty="0"/>
+                    </a:p>
+                  </a:txBody>
+                  <a:tcPr/>
+                </a:tc>
+              </a:tr>
+              <a:tr h="424543">
+                <a:tc>
+                  <a:txBody>
+                    <a:bodyPr/>
+                    <a:lstStyle/>
+                    <a:p>
+                      <a:r>
+                        <a:rPr lang="en-US" sz="2400" dirty="0" smtClean="0"/>
+                        <a:t>21</a:t>
+                      </a:r>
+                      <a:endParaRPr lang="en-US" sz="2400" dirty="0"/>
+                    </a:p>
+                  </a:txBody>
+                  <a:tcPr/>
+                </a:tc>
+              </a:tr>
+            </a:tbl>
+          </a:graphicData>
+        </a:graphic>
+      </p:graphicFrame>
+      <p:graphicFrame>
+        <p:nvGraphicFramePr>
+          <p:cNvPr id="7" name="Table 6"/>
+          <p:cNvGraphicFramePr>
+            <a:graphicFrameLocks noGrp="1"/>
+          </p:cNvGraphicFramePr>
+          <p:nvPr/>
+        </p:nvGraphicFramePr>
+        <p:xfrm>
+          <a:off x="6134100" y="2514600"/>
+          <a:ext cx="1104900" cy="3200400"/>
+        </p:xfrm>
+        <a:graphic>
+          <a:graphicData uri="http://schemas.openxmlformats.org/drawingml/2006/table">
+            <a:tbl>
+              <a:tblPr firstRow="1" bandRow="1">
+                <a:tableStyleId>{5940675A-B579-460E-94D1-54222C63F5DA}</a:tableStyleId>
+              </a:tblPr>
+              <a:tblGrid>
+                <a:gridCol w="1104900"/>
+              </a:tblGrid>
+              <a:tr h="424543">
+                <a:tc>
+                  <a:txBody>
+                    <a:bodyPr/>
+                    <a:lstStyle/>
+                    <a:p>
+                      <a:r>
+                        <a:rPr lang="en-US" sz="2400" dirty="0" smtClean="0"/>
+                        <a:t>0</a:t>
+                      </a:r>
+                      <a:endParaRPr lang="en-US" sz="2400" dirty="0"/>
+                    </a:p>
+                  </a:txBody>
+                  <a:tcPr/>
+                </a:tc>
+              </a:tr>
+              <a:tr h="424543">
+                <a:tc>
+                  <a:txBody>
+                    <a:bodyPr/>
+                    <a:lstStyle/>
+                    <a:p>
+                      <a:r>
+                        <a:rPr lang="en-US" sz="2400" dirty="0" smtClean="0"/>
+                        <a:t>3</a:t>
+                      </a:r>
+                      <a:endParaRPr lang="en-US" sz="2400" dirty="0"/>
+                    </a:p>
+                  </a:txBody>
+                  <a:tcPr/>
+                </a:tc>
+              </a:tr>
+              <a:tr h="424543">
+                <a:tc>
+                  <a:txBody>
+                    <a:bodyPr/>
+                    <a:lstStyle/>
+                    <a:p>
+                      <a:r>
+                        <a:rPr lang="en-US" sz="2400" dirty="0" smtClean="0"/>
+                        <a:t>4</a:t>
+                      </a:r>
+                      <a:endParaRPr lang="en-US" sz="2400" dirty="0"/>
+                    </a:p>
+                  </a:txBody>
+                  <a:tcPr/>
+                </a:tc>
+              </a:tr>
+              <a:tr h="424543">
+                <a:tc>
+                  <a:txBody>
+                    <a:bodyPr/>
+                    <a:lstStyle/>
+                    <a:p>
+                      <a:r>
+                        <a:rPr lang="en-US" sz="2400" dirty="0" smtClean="0"/>
+                        <a:t>11</a:t>
+                      </a:r>
+                      <a:endParaRPr lang="en-US" sz="2400" dirty="0"/>
+                    </a:p>
+                  </a:txBody>
+                  <a:tcPr/>
+                </a:tc>
+              </a:tr>
+              <a:tr h="424543">
+                <a:tc>
+                  <a:txBody>
+                    <a:bodyPr/>
+                    <a:lstStyle/>
+                    <a:p>
+                      <a:r>
+                        <a:rPr lang="en-US" sz="2400" dirty="0" smtClean="0"/>
+                        <a:t>11</a:t>
+                      </a:r>
+                      <a:endParaRPr lang="en-US" sz="2400" dirty="0"/>
+                    </a:p>
+                  </a:txBody>
+                  <a:tcPr/>
+                </a:tc>
+              </a:tr>
+              <a:tr h="424543">
+                <a:tc>
+                  <a:txBody>
+                    <a:bodyPr/>
+                    <a:lstStyle/>
+                    <a:p>
+                      <a:r>
+                        <a:rPr lang="en-US" sz="2400" dirty="0" smtClean="0"/>
+                        <a:t>12</a:t>
+                      </a:r>
+                      <a:endParaRPr lang="en-US" sz="2400" dirty="0"/>
+                    </a:p>
+                  </a:txBody>
+                  <a:tcPr/>
+                </a:tc>
+              </a:tr>
+              <a:tr h="424543">
+                <a:tc>
+                  <a:txBody>
+                    <a:bodyPr/>
+                    <a:lstStyle/>
+                    <a:p>
+                      <a:r>
+                        <a:rPr lang="en-US" sz="2400" dirty="0" smtClean="0"/>
+                        <a:t>18</a:t>
+                      </a:r>
+                    </a:p>
+                  </a:txBody>
+                  <a:tcPr/>
+                </a:tc>
+              </a:tr>
+            </a:tbl>
+          </a:graphicData>
+        </a:graphic>
+      </p:graphicFrame>
+      <p:sp>
+        <p:nvSpPr>
+          <p:cNvPr id="9" name="TextBox 8"/>
+          <p:cNvSpPr txBox="1"/>
+          <p:nvPr/>
+        </p:nvSpPr>
+        <p:spPr>
+          <a:xfrm>
+            <a:off x="3886200" y="2057400"/>
+            <a:ext cx="1593000" cy="369332"/>
+          </a:xfrm>
+          <a:prstGeom prst="rect">
+            <a:avLst/>
+          </a:prstGeom>
+          <a:noFill/>
+        </p:spPr>
+        <p:txBody>
+          <a:bodyPr wrap="none" rtlCol="0">
+            <a:spAutoFit/>
+          </a:bodyPr>
+          <a:lstStyle/>
+          <a:p>
+            <a:r>
+              <a:rPr lang="en-US" dirty="0" smtClean="0">
+                <a:solidFill>
+                  <a:srgbClr val="FF0000"/>
+                </a:solidFill>
+              </a:rPr>
+              <a:t>Inclusive Scan</a:t>
+            </a:r>
+            <a:endParaRPr lang="en-US" dirty="0">
+              <a:solidFill>
+                <a:srgbClr val="FF0000"/>
+              </a:solidFill>
+            </a:endParaRPr>
+          </a:p>
+        </p:txBody>
+      </p:sp>
+      <p:sp>
+        <p:nvSpPr>
+          <p:cNvPr id="10" name="TextBox 9"/>
+          <p:cNvSpPr txBox="1"/>
+          <p:nvPr/>
+        </p:nvSpPr>
+        <p:spPr>
+          <a:xfrm>
+            <a:off x="5924382" y="2057400"/>
+            <a:ext cx="1619418" cy="369332"/>
+          </a:xfrm>
+          <a:prstGeom prst="rect">
+            <a:avLst/>
+          </a:prstGeom>
+          <a:noFill/>
+        </p:spPr>
+        <p:txBody>
+          <a:bodyPr wrap="none" rtlCol="0">
+            <a:spAutoFit/>
+          </a:bodyPr>
+          <a:lstStyle/>
+          <a:p>
+            <a:r>
+              <a:rPr lang="en-US" dirty="0" smtClean="0">
+                <a:solidFill>
+                  <a:srgbClr val="FF0000"/>
+                </a:solidFill>
+              </a:rPr>
+              <a:t>Exclusive Scan</a:t>
+            </a:r>
+            <a:endParaRPr lang="en-US" dirty="0">
+              <a:solidFill>
+                <a:srgbClr val="FF0000"/>
+              </a:solidFill>
+            </a:endParaRPr>
+          </a:p>
+        </p:txBody>
+      </p:sp>
+      <p:graphicFrame>
+        <p:nvGraphicFramePr>
+          <p:cNvPr id="11" name="Table 10"/>
+          <p:cNvGraphicFramePr>
+            <a:graphicFrameLocks noGrp="1"/>
+          </p:cNvGraphicFramePr>
+          <p:nvPr/>
+        </p:nvGraphicFramePr>
+        <p:xfrm>
+          <a:off x="952500" y="2514600"/>
+          <a:ext cx="1104900" cy="3200400"/>
+        </p:xfrm>
+        <a:graphic>
+          <a:graphicData uri="http://schemas.openxmlformats.org/drawingml/2006/table">
+            <a:tbl>
+              <a:tblPr firstRow="1" bandRow="1">
+                <a:tableStyleId>{5940675A-B579-460E-94D1-54222C63F5DA}</a:tableStyleId>
+              </a:tblPr>
+              <a:tblGrid>
+                <a:gridCol w="1104900"/>
+              </a:tblGrid>
+              <a:tr h="424543">
+                <a:tc>
+                  <a:txBody>
+                    <a:bodyPr/>
+                    <a:lstStyle/>
+                    <a:p>
+                      <a:r>
+                        <a:rPr lang="en-US" sz="2400" dirty="0" smtClean="0"/>
+                        <a:t>3</a:t>
+                      </a:r>
+                      <a:endParaRPr lang="en-US" sz="2400" dirty="0"/>
+                    </a:p>
+                  </a:txBody>
+                  <a:tcPr/>
+                </a:tc>
+              </a:tr>
+              <a:tr h="424543">
+                <a:tc>
+                  <a:txBody>
+                    <a:bodyPr/>
+                    <a:lstStyle/>
+                    <a:p>
+                      <a:r>
+                        <a:rPr lang="en-US" sz="2400" dirty="0" smtClean="0"/>
+                        <a:t>1</a:t>
+                      </a:r>
+                      <a:endParaRPr lang="en-US" sz="2400" dirty="0"/>
+                    </a:p>
+                  </a:txBody>
+                  <a:tcPr/>
+                </a:tc>
+              </a:tr>
+              <a:tr h="424543">
+                <a:tc>
+                  <a:txBody>
+                    <a:bodyPr/>
+                    <a:lstStyle/>
+                    <a:p>
+                      <a:r>
+                        <a:rPr lang="en-US" sz="2400" dirty="0" smtClean="0"/>
+                        <a:t>7</a:t>
+                      </a:r>
+                      <a:endParaRPr lang="en-US" sz="2400" dirty="0"/>
+                    </a:p>
+                  </a:txBody>
+                  <a:tcPr/>
+                </a:tc>
+              </a:tr>
+              <a:tr h="424543">
+                <a:tc>
+                  <a:txBody>
+                    <a:bodyPr/>
+                    <a:lstStyle/>
+                    <a:p>
+                      <a:r>
+                        <a:rPr lang="en-US" sz="2400" dirty="0" smtClean="0"/>
+                        <a:t>0</a:t>
+                      </a:r>
+                      <a:endParaRPr lang="en-US" sz="2400" dirty="0"/>
+                    </a:p>
+                  </a:txBody>
+                  <a:tcPr/>
+                </a:tc>
+              </a:tr>
+              <a:tr h="424543">
+                <a:tc>
+                  <a:txBody>
+                    <a:bodyPr/>
+                    <a:lstStyle/>
+                    <a:p>
+                      <a:r>
+                        <a:rPr lang="en-US" sz="2400" dirty="0" smtClean="0"/>
+                        <a:t>1</a:t>
+                      </a:r>
+                      <a:endParaRPr lang="en-US" sz="2400" dirty="0"/>
+                    </a:p>
+                  </a:txBody>
+                  <a:tcPr/>
+                </a:tc>
+              </a:tr>
+              <a:tr h="424543">
+                <a:tc>
+                  <a:txBody>
+                    <a:bodyPr/>
+                    <a:lstStyle/>
+                    <a:p>
+                      <a:r>
+                        <a:rPr lang="en-US" sz="2400" dirty="0" smtClean="0"/>
+                        <a:t>6</a:t>
+                      </a:r>
+                      <a:endParaRPr lang="en-US" sz="2400" dirty="0"/>
+                    </a:p>
+                  </a:txBody>
+                  <a:tcPr/>
+                </a:tc>
+              </a:tr>
+              <a:tr h="424543">
+                <a:tc>
+                  <a:txBody>
+                    <a:bodyPr/>
+                    <a:lstStyle/>
+                    <a:p>
+                      <a:r>
+                        <a:rPr lang="en-US" sz="2400" dirty="0" smtClean="0"/>
+                        <a:t>3</a:t>
+                      </a:r>
+                      <a:endParaRPr lang="en-US" sz="2400" dirty="0"/>
+                    </a:p>
+                  </a:txBody>
+                  <a:tcPr/>
+                </a:tc>
+              </a:tr>
+            </a:tbl>
+          </a:graphicData>
+        </a:graphic>
+      </p:graphicFrame>
+      <p:sp>
+        <p:nvSpPr>
+          <p:cNvPr id="12" name="TextBox 11"/>
+          <p:cNvSpPr txBox="1"/>
+          <p:nvPr/>
+        </p:nvSpPr>
+        <p:spPr>
+          <a:xfrm>
+            <a:off x="769200" y="2057400"/>
+            <a:ext cx="1380058" cy="369332"/>
+          </a:xfrm>
+          <a:prstGeom prst="rect">
+            <a:avLst/>
+          </a:prstGeom>
+          <a:noFill/>
+        </p:spPr>
+        <p:txBody>
+          <a:bodyPr wrap="none" rtlCol="0">
+            <a:spAutoFit/>
+          </a:bodyPr>
+          <a:lstStyle/>
+          <a:p>
+            <a:r>
+              <a:rPr lang="en-US" dirty="0" smtClean="0">
+                <a:solidFill>
+                  <a:srgbClr val="FF0000"/>
+                </a:solidFill>
+              </a:rPr>
+              <a:t>Frequencies</a:t>
+            </a:r>
+            <a:endParaRPr lang="en-US" dirty="0">
+              <a:solidFill>
+                <a:srgbClr val="FF0000"/>
+              </a:solidFill>
+            </a:endParaRPr>
+          </a:p>
+        </p:txBody>
+      </p:sp>
+    </p:spTree>
+  </p:cSld>
+  <p:clrMapOvr>
+    <a:masterClrMapping/>
+  </p:clrMapOvr>
+  <p:timing>
+    <p:tnLst>
+      <p:par>
+        <p:cTn id="1" dur="indefinite" restart="never" nodeType="tmRoot"/>
+      </p:par>
+    </p:tnLst>
+  </p:timing>
+</p:sld>
+</file>
+
+<file path=ppt/slides/slide6.xml><?xml version="1.0" encoding="utf-8"?>
+<p:sld xmlns:a="http://schemas.openxmlformats.org/drawingml/2006/main" xmlns:r="http://schemas.openxmlformats.org/officeDocument/2006/relationships" xmlns:mc="http://schemas.openxmlformats.org/markup-compatibility/2006" xmlns:mv="urn:schemas-microsoft-com:mac:vml" xmlns:p="http://schemas.openxmlformats.org/presentationml/2006/main" mc:Ignorable="mv" mc:PreserveAttributes="mv:*">
+  <p:cSld>
+    <p:spTree>
+      <p:nvGrpSpPr>
+        <p:cNvPr id="1" name=""/>
+        <p:cNvGrpSpPr/>
+        <p:nvPr/>
+      </p:nvGrpSpPr>
+      <p:grpSpPr>
+        <a:xfrm>
+          <a:off x="0" y="0"/>
+          <a:ext cx="0" cy="0"/>
+          <a:chOff x="0" y="0"/>
+          <a:chExt cx="0" cy="0"/>
+        </a:xfrm>
+      </p:grpSpPr>
+      <p:sp>
+        <p:nvSpPr>
+          <p:cNvPr id="2" name="Title 1"/>
+          <p:cNvSpPr>
+            <a:spLocks noGrp="1"/>
+          </p:cNvSpPr>
+          <p:nvPr>
+            <p:ph type="title"/>
+          </p:nvPr>
+        </p:nvSpPr>
+        <p:spPr/>
+        <p:txBody>
+          <a:bodyPr/>
+          <a:lstStyle/>
+          <a:p>
+            <a:r>
+              <a:rPr lang="en-US" dirty="0" smtClean="0"/>
+              <a:t>Work-Efficient Parallel Scan</a:t>
+            </a:r>
+            <a:endParaRPr lang="en-US" dirty="0"/>
+          </a:p>
+        </p:txBody>
+      </p:sp>
+      <p:pic>
+        <p:nvPicPr>
+          <p:cNvPr id="5122" name="Picture 2"/>
+          <p:cNvPicPr>
+            <a:picLocks noGrp="1" noChangeAspect="1" noChangeArrowheads="1"/>
+          </p:cNvPicPr>
+          <p:nvPr>
+            <p:ph idx="1"/>
+          </p:nvPr>
+        </p:nvPicPr>
+        <p:blipFill>
+          <a:blip r:embed="rId3"/>
+          <a:srcRect/>
+          <a:stretch>
+            <a:fillRect/>
+          </a:stretch>
+        </p:blipFill>
+        <p:spPr bwMode="auto">
+          <a:xfrm>
+            <a:off x="1219200" y="3086894"/>
+            <a:ext cx="6734175" cy="2085975"/>
+          </a:xfrm>
+          <a:prstGeom prst="rect">
+            <a:avLst/>
+          </a:prstGeom>
+          <a:noFill/>
+          <a:ln w="9525">
+            <a:noFill/>
+            <a:miter lim="800000"/>
+            <a:headEnd/>
+            <a:tailEnd/>
+          </a:ln>
+          <a:effectLst/>
+        </p:spPr>
+      </p:pic>
+      <p:pic>
+        <p:nvPicPr>
+          <p:cNvPr id="5123" name="Picture 3"/>
+          <p:cNvPicPr>
+            <a:picLocks noChangeAspect="1" noChangeArrowheads="1"/>
+          </p:cNvPicPr>
+          <p:nvPr/>
+        </p:nvPicPr>
+        <p:blipFill>
+          <a:blip r:embed="rId4"/>
+          <a:srcRect/>
+          <a:stretch>
+            <a:fillRect/>
+          </a:stretch>
+        </p:blipFill>
+        <p:spPr bwMode="auto">
+          <a:xfrm>
+            <a:off x="1295400" y="2057400"/>
+            <a:ext cx="6619875" cy="1162050"/>
+          </a:xfrm>
+          <a:prstGeom prst="rect">
+            <a:avLst/>
+          </a:prstGeom>
+          <a:noFill/>
+          <a:ln w="9525">
+            <a:noFill/>
+            <a:miter lim="800000"/>
+            <a:headEnd/>
+            <a:tailEnd/>
+          </a:ln>
+          <a:effectLst/>
+        </p:spPr>
+      </p:pic>
+      <p:pic>
+        <p:nvPicPr>
+          <p:cNvPr id="5124" name="Picture 4"/>
+          <p:cNvPicPr>
+            <a:picLocks noChangeAspect="1" noChangeArrowheads="1"/>
+          </p:cNvPicPr>
+          <p:nvPr/>
+        </p:nvPicPr>
+        <p:blipFill>
+          <a:blip r:embed="rId5"/>
+          <a:srcRect/>
+          <a:stretch>
+            <a:fillRect/>
+          </a:stretch>
+        </p:blipFill>
+        <p:spPr bwMode="auto">
+          <a:xfrm>
+            <a:off x="564444" y="5486400"/>
+            <a:ext cx="8001000" cy="619897"/>
+          </a:xfrm>
+          <a:prstGeom prst="rect">
+            <a:avLst/>
+          </a:prstGeom>
+          <a:noFill/>
+          <a:ln w="9525">
+            <a:noFill/>
+            <a:miter lim="800000"/>
+            <a:headEnd/>
+            <a:tailEnd/>
+          </a:ln>
+          <a:effectLst/>
+        </p:spPr>
+      </p:pic>
+      <p:sp>
+        <p:nvSpPr>
+          <p:cNvPr id="7" name="Rectangle 6"/>
+          <p:cNvSpPr/>
+          <p:nvPr/>
+        </p:nvSpPr>
+        <p:spPr>
+          <a:xfrm>
+            <a:off x="3505200" y="6260068"/>
+            <a:ext cx="4685642" cy="369332"/>
+          </a:xfrm>
+          <a:prstGeom prst="rect">
+            <a:avLst/>
+          </a:prstGeom>
+        </p:spPr>
+        <p:txBody>
+          <a:bodyPr wrap="none">
+            <a:spAutoFit/>
+          </a:bodyPr>
+          <a:lstStyle/>
+          <a:p>
+            <a:r>
+              <a:rPr lang="en-US" dirty="0" smtClean="0"/>
+              <a:t>Source: Parallel prefix sum (scan) with CUDA</a:t>
+            </a:r>
+            <a:endParaRPr lang="en-US" dirty="0"/>
+          </a:p>
+        </p:txBody>
+      </p:sp>
+    </p:spTree>
+  </p:cSld>
+  <p:clrMapOvr>
+    <a:masterClrMapping/>
+  </p:clrMapOvr>
+  <p:timing>
+    <p:tnLst>
+      <p:par>
+        <p:cTn id="1" dur="indefinite" restart="never" nodeType="tmRoot"/>
+      </p:par>
+    </p:tnLst>
+  </p:timing>
+</p:sld>
+</file>
+
+<file path=ppt/slides/slide7.xml><?xml version="1.0" encoding="utf-8"?>
+<p:sld xmlns:a="http://schemas.openxmlformats.org/drawingml/2006/main" xmlns:r="http://schemas.openxmlformats.org/officeDocument/2006/relationships" xmlns:mc="http://schemas.openxmlformats.org/markup-compatibility/2006" xmlns:mv="urn:schemas-microsoft-com:mac:vml" xmlns:p="http://schemas.openxmlformats.org/presentationml/2006/main" mc:Ignorable="mv" mc:PreserveAttributes="mv:*">
+  <p:cSld>
+    <p:spTree>
+      <p:nvGrpSpPr>
+        <p:cNvPr id="1" name=""/>
+        <p:cNvGrpSpPr/>
+        <p:nvPr/>
+      </p:nvGrpSpPr>
+      <p:grpSpPr>
+        <a:xfrm>
+          <a:off x="0" y="0"/>
+          <a:ext cx="0" cy="0"/>
+          <a:chOff x="0" y="0"/>
+          <a:chExt cx="0" cy="0"/>
+        </a:xfrm>
+      </p:grpSpPr>
+      <p:sp>
+        <p:nvSpPr>
+          <p:cNvPr id="3" name="Title 2"/>
+          <p:cNvSpPr>
+            <a:spLocks noGrp="1"/>
+          </p:cNvSpPr>
+          <p:nvPr>
+            <p:ph type="title"/>
+          </p:nvPr>
+        </p:nvSpPr>
+        <p:spPr/>
+        <p:txBody>
+          <a:bodyPr>
+            <a:normAutofit fontScale="90000"/>
+          </a:bodyPr>
+          <a:lstStyle/>
+          <a:p>
+            <a:r>
+              <a:rPr lang="en-US" dirty="0" smtClean="0"/>
+              <a:t>Up-sweep phase</a:t>
+            </a:r>
+            <a:br>
+              <a:rPr lang="en-US" dirty="0" smtClean="0"/>
+            </a:br>
+            <a:endParaRPr lang="en-US" dirty="0"/>
+          </a:p>
+        </p:txBody>
+      </p:sp>
+      <p:pic>
+        <p:nvPicPr>
+          <p:cNvPr id="3075" name="Picture 3"/>
+          <p:cNvPicPr>
+            <a:picLocks noChangeAspect="1" noChangeArrowheads="1"/>
+          </p:cNvPicPr>
+          <p:nvPr/>
+        </p:nvPicPr>
+        <p:blipFill>
+          <a:blip r:embed="rId3"/>
+          <a:srcRect/>
+          <a:stretch>
+            <a:fillRect/>
+          </a:stretch>
+        </p:blipFill>
+        <p:spPr bwMode="auto">
+          <a:xfrm>
+            <a:off x="381000" y="1600200"/>
+            <a:ext cx="8317852" cy="4495800"/>
+          </a:xfrm>
+          <a:prstGeom prst="rect">
+            <a:avLst/>
+          </a:prstGeom>
+          <a:noFill/>
+          <a:ln w="9525">
+            <a:noFill/>
+            <a:miter lim="800000"/>
+            <a:headEnd/>
+            <a:tailEnd/>
+          </a:ln>
+          <a:effectLst/>
+        </p:spPr>
+      </p:pic>
+      <p:sp>
+        <p:nvSpPr>
+          <p:cNvPr id="4" name="Rectangle 3"/>
+          <p:cNvSpPr/>
+          <p:nvPr/>
+        </p:nvSpPr>
+        <p:spPr>
+          <a:xfrm>
+            <a:off x="3505200" y="6172200"/>
+            <a:ext cx="4685642" cy="369332"/>
+          </a:xfrm>
+          <a:prstGeom prst="rect">
+            <a:avLst/>
+          </a:prstGeom>
+        </p:spPr>
+        <p:txBody>
+          <a:bodyPr wrap="none">
+            <a:spAutoFit/>
+          </a:bodyPr>
+          <a:lstStyle/>
+          <a:p>
+            <a:r>
+              <a:rPr lang="en-US" dirty="0" smtClean="0"/>
+              <a:t>Source: Parallel prefix sum (scan) with CUDA</a:t>
+            </a:r>
+            <a:endParaRPr lang="en-US" dirty="0"/>
+          </a:p>
+        </p:txBody>
+      </p:sp>
+    </p:spTree>
+  </p:cSld>
+  <p:clrMapOvr>
+    <a:masterClrMapping/>
+  </p:clrMapOvr>
+  <p:timing>
+    <p:tnLst>
+      <p:par>
+        <p:cTn id="1" dur="indefinite" restart="never" nodeType="tmRoot"/>
+      </p:par>
+    </p:tnLst>
+  </p:timing>
+</p:sld>
+</file>
+
+<file path=ppt/slides/slide8.xml><?xml version="1.0" encoding="utf-8"?>
+<p:sld xmlns:a="http://schemas.openxmlformats.org/drawingml/2006/main" xmlns:r="http://schemas.openxmlformats.org/officeDocument/2006/relationships" xmlns:mc="http://schemas.openxmlformats.org/markup-compatibility/2006" xmlns:mv="urn:schemas-microsoft-com:mac:vml" xmlns:p="http://schemas.openxmlformats.org/presentationml/2006/main" mc:Ignorable="mv" mc:PreserveAttributes="mv:*">
+  <p:cSld>
+    <p:spTree>
+      <p:nvGrpSpPr>
+        <p:cNvPr id="1" name=""/>
+        <p:cNvGrpSpPr/>
+        <p:nvPr/>
+      </p:nvGrpSpPr>
+      <p:grpSpPr>
+        <a:xfrm>
+          <a:off x="0" y="0"/>
+          <a:ext cx="0" cy="0"/>
+          <a:chOff x="0" y="0"/>
+          <a:chExt cx="0" cy="0"/>
+        </a:xfrm>
+      </p:grpSpPr>
+      <p:sp>
+        <p:nvSpPr>
+          <p:cNvPr id="6" name="Title 5"/>
+          <p:cNvSpPr>
+            <a:spLocks noGrp="1"/>
+          </p:cNvSpPr>
+          <p:nvPr>
+            <p:ph type="title"/>
+          </p:nvPr>
+        </p:nvSpPr>
+        <p:spPr/>
+        <p:txBody>
+          <a:bodyPr>
+            <a:normAutofit fontScale="90000"/>
+          </a:bodyPr>
+          <a:lstStyle/>
+          <a:p>
+            <a:r>
+              <a:rPr lang="en-US" dirty="0" smtClean="0"/>
+              <a:t>Down-sweep phase</a:t>
+            </a:r>
+            <a:br>
+              <a:rPr lang="en-US" dirty="0" smtClean="0"/>
+            </a:br>
+            <a:endParaRPr lang="en-US" dirty="0"/>
+          </a:p>
+        </p:txBody>
+      </p:sp>
+      <p:pic>
+        <p:nvPicPr>
+          <p:cNvPr id="1027" name="Picture 3"/>
+          <p:cNvPicPr>
+            <a:picLocks noChangeAspect="1" noChangeArrowheads="1"/>
+          </p:cNvPicPr>
+          <p:nvPr/>
+        </p:nvPicPr>
+        <p:blipFill>
+          <a:blip r:embed="rId3"/>
+          <a:srcRect/>
+          <a:stretch>
+            <a:fillRect/>
+          </a:stretch>
+        </p:blipFill>
+        <p:spPr bwMode="auto">
+          <a:xfrm>
+            <a:off x="819150" y="1524000"/>
+            <a:ext cx="7486650" cy="4772025"/>
+          </a:xfrm>
+          <a:prstGeom prst="rect">
+            <a:avLst/>
+          </a:prstGeom>
+          <a:noFill/>
+          <a:ln w="9525">
+            <a:noFill/>
+            <a:miter lim="800000"/>
+            <a:headEnd/>
+            <a:tailEnd/>
+          </a:ln>
+          <a:effectLst/>
+        </p:spPr>
+      </p:pic>
+      <p:sp>
+        <p:nvSpPr>
+          <p:cNvPr id="4" name="Rectangle 3"/>
+          <p:cNvSpPr/>
+          <p:nvPr/>
+        </p:nvSpPr>
+        <p:spPr>
+          <a:xfrm>
+            <a:off x="3505200" y="6412468"/>
+            <a:ext cx="4685642" cy="369332"/>
+          </a:xfrm>
+          <a:prstGeom prst="rect">
+            <a:avLst/>
+          </a:prstGeom>
+        </p:spPr>
+        <p:txBody>
+          <a:bodyPr wrap="none">
+            <a:spAutoFit/>
+          </a:bodyPr>
+          <a:lstStyle/>
+          <a:p>
+            <a:r>
+              <a:rPr lang="en-US" dirty="0" smtClean="0"/>
+              <a:t>Source: Parallel prefix sum (scan) with CUDA</a:t>
+            </a:r>
+            <a:endParaRPr lang="en-US" dirty="0"/>
+          </a:p>
+        </p:txBody>
+      </p:sp>
+    </p:spTree>
+  </p:cSld>
+  <p:clrMapOvr>
+    <a:masterClrMapping/>
+  </p:clrMapOvr>
+  <p:timing>
+    <p:tnLst>
+      <p:par>
+        <p:cTn id="1" dur="indefinite" restart="never" nodeType="tmRoot"/>
+      </p:par>
+    </p:tnLst>
+  </p:timing>
+</p:sld>
+</file>
+
+<file path=ppt/slides/slide9.xml><?xml version="1.0" encoding="utf-8"?>
+<p:sld xmlns:a="http://schemas.openxmlformats.org/drawingml/2006/main" xmlns:r="http://schemas.openxmlformats.org/officeDocument/2006/relationships" xmlns:mc="http://schemas.openxmlformats.org/markup-compatibility/2006" xmlns:mv="urn:schemas-microsoft-com:mac:vml" xmlns:p="http://schemas.openxmlformats.org/presentationml/2006/main" mc:Ignorable="mv" mc:PreserveAttributes="mv:*">
+  <p:cSld>
+    <p:spTree>
+      <p:nvGrpSpPr>
+        <p:cNvPr id="1" name=""/>
+        <p:cNvGrpSpPr/>
+        <p:nvPr/>
+      </p:nvGrpSpPr>
+      <p:grpSpPr>
+        <a:xfrm>
+          <a:off x="0" y="0"/>
+          <a:ext cx="0" cy="0"/>
+          <a:chOff x="0" y="0"/>
+          <a:chExt cx="0" cy="0"/>
+        </a:xfrm>
+      </p:grpSpPr>
+      <p:sp>
+        <p:nvSpPr>
+          <p:cNvPr id="2" name="Title 1"/>
+          <p:cNvSpPr>
+            <a:spLocks noGrp="1"/>
+          </p:cNvSpPr>
+          <p:nvPr>
+            <p:ph type="title"/>
+          </p:nvPr>
+        </p:nvSpPr>
+        <p:spPr/>
+        <p:txBody>
+          <a:bodyPr/>
+          <a:lstStyle/>
+          <a:p>
+            <a:r>
+              <a:rPr lang="en-US" dirty="0" smtClean="0"/>
+              <a:t>Outline</a:t>
+            </a:r>
+            <a:endParaRPr lang="en-US" dirty="0"/>
+          </a:p>
+        </p:txBody>
+      </p:sp>
+      <p:sp>
+        <p:nvSpPr>
+          <p:cNvPr id="3" name="Content Placeholder 2"/>
+          <p:cNvSpPr>
+            <a:spLocks noGrp="1"/>
+          </p:cNvSpPr>
+          <p:nvPr>
+            <p:ph idx="1"/>
+          </p:nvPr>
+        </p:nvSpPr>
+        <p:spPr/>
+        <p:txBody>
+          <a:bodyPr/>
+          <a:lstStyle/>
+          <a:p>
+            <a:r>
+              <a:rPr lang="en-US" dirty="0" smtClean="0"/>
+              <a:t>Brief Review of the Problem.</a:t>
+            </a:r>
+          </a:p>
+          <a:p>
+            <a:r>
+              <a:rPr lang="en-US" dirty="0" smtClean="0">
+                <a:solidFill>
+                  <a:srgbClr val="FF0000"/>
+                </a:solidFill>
+              </a:rPr>
+              <a:t>Algorithm Design</a:t>
+            </a:r>
+          </a:p>
+          <a:p>
+            <a:pPr lvl="1"/>
+            <a:r>
+              <a:rPr lang="en-US" dirty="0" smtClean="0"/>
+              <a:t>First Algorithm</a:t>
+            </a:r>
+          </a:p>
+          <a:p>
+            <a:pPr lvl="1"/>
+            <a:r>
+              <a:rPr lang="en-US" dirty="0" smtClean="0"/>
+              <a:t>Load Balanced Algorithm</a:t>
+            </a:r>
+          </a:p>
+          <a:p>
+            <a:r>
+              <a:rPr lang="en-US" dirty="0" smtClean="0"/>
+              <a:t>Testing Methodology</a:t>
+            </a:r>
+          </a:p>
+          <a:p>
+            <a:r>
+              <a:rPr lang="en-US" dirty="0" smtClean="0"/>
+              <a:t>Results and Benchmarks</a:t>
+            </a:r>
+          </a:p>
+          <a:p>
+            <a:r>
+              <a:rPr lang="en-US" dirty="0" smtClean="0"/>
+              <a:t>Problems Found</a:t>
+            </a:r>
+          </a:p>
+          <a:p>
+            <a:r>
+              <a:rPr lang="en-US" dirty="0" smtClean="0"/>
+              <a:t>Conclusions</a:t>
+            </a:r>
+          </a:p>
+          <a:p>
+            <a:r>
+              <a:rPr lang="en-US" dirty="0" smtClean="0"/>
+              <a:t>Future work</a:t>
+            </a:r>
+          </a:p>
+          <a:p>
             <a:endParaRPr lang="en-US" dirty="0"/>
           </a:p>
         </p:txBody>

--- a/proj/FinalPresentation.pptx
+++ b/proj/FinalPresentation.pptx
@@ -1,6 +1,6 @@
 
 <file path=ppt/presentation.xml><?xml version="1.0" encoding="utf-8"?>
-<p:presentation xmlns:a="http://schemas.openxmlformats.org/drawingml/2006/main" xmlns:r="http://schemas.openxmlformats.org/officeDocument/2006/relationships" xmlns:mc="http://schemas.openxmlformats.org/markup-compatibility/2006" xmlns:mv="urn:schemas-microsoft-com:mac:vml" xmlns:p="http://schemas.openxmlformats.org/presentationml/2006/main" mc:Ignorable="mv" mc:PreserveAttributes="mv:*" saveSubsetFonts="1">
+<p:presentation xmlns:a="http://schemas.openxmlformats.org/drawingml/2006/main" xmlns:r="http://schemas.openxmlformats.org/officeDocument/2006/relationships" xmlns:p="http://schemas.openxmlformats.org/presentationml/2006/main" saveSubsetFonts="1">
   <p:sldMasterIdLst>
     <p:sldMasterId id="2147483660" r:id="rId1"/>
   </p:sldMasterIdLst>
@@ -137,8 +137,8 @@
 
 <file path=ppt/charts/chart1.xml><?xml version="1.0" encoding="utf-8"?>
 <c:chartSpace xmlns:c="http://schemas.openxmlformats.org/drawingml/2006/chart" xmlns:a="http://schemas.openxmlformats.org/drawingml/2006/main" xmlns:r="http://schemas.openxmlformats.org/officeDocument/2006/relationships">
+  <c:date1904 val="1"/>
   <c:lang val="en-US"/>
-  <c:style val="2"/>
   <c:chart>
     <c:title>
       <c:tx>
@@ -203,34 +203,34 @@
                 <c:formatCode>General</c:formatCode>
                 <c:ptCount val="10"/>
                 <c:pt idx="0">
-                  <c:v>125250.0</c:v>
+                  <c:v>125250</c:v>
                 </c:pt>
                 <c:pt idx="1">
-                  <c:v>500500.0</c:v>
+                  <c:v>500500</c:v>
                 </c:pt>
                 <c:pt idx="2">
-                  <c:v>1.12575E6</c:v>
+                  <c:v>1125750</c:v>
                 </c:pt>
                 <c:pt idx="3">
-                  <c:v>2.001E6</c:v>
+                  <c:v>2001000</c:v>
                 </c:pt>
                 <c:pt idx="4">
-                  <c:v>3.12625E6</c:v>
+                  <c:v>3126249.9999999995</c:v>
                 </c:pt>
                 <c:pt idx="5">
-                  <c:v>4.5015E6</c:v>
+                  <c:v>4501500</c:v>
                 </c:pt>
                 <c:pt idx="6">
-                  <c:v>6.12675E6</c:v>
+                  <c:v>6126749.9999999991</c:v>
                 </c:pt>
                 <c:pt idx="7">
-                  <c:v>8.002E6</c:v>
+                  <c:v>8002000.0000000009</c:v>
                 </c:pt>
                 <c:pt idx="8">
-                  <c:v>1.012725E7</c:v>
+                  <c:v>10127249.999999998</c:v>
                 </c:pt>
                 <c:pt idx="9">
-                  <c:v>1.25025E7</c:v>
+                  <c:v>12502500</c:v>
                 </c:pt>
               </c:numCache>
             </c:numRef>
@@ -242,34 +242,34 @@
                 <c:formatCode>General</c:formatCode>
                 <c:ptCount val="10"/>
                 <c:pt idx="0">
-                  <c:v>0.398528004686038</c:v>
+                  <c:v>0.39852800468603805</c:v>
                 </c:pt>
                 <c:pt idx="1">
-                  <c:v>1.47285332282384</c:v>
+                  <c:v>1.4728533228238401</c:v>
                 </c:pt>
                 <c:pt idx="2">
-                  <c:v>3.12801067034403</c:v>
+                  <c:v>3.1280106703440302</c:v>
                 </c:pt>
                 <c:pt idx="3">
-                  <c:v>6.645471970240278</c:v>
+                  <c:v>6.6454719702402771</c:v>
                 </c:pt>
                 <c:pt idx="4">
-                  <c:v>9.10863987604777</c:v>
+                  <c:v>9.1086398760477714</c:v>
                 </c:pt>
                 <c:pt idx="5">
-                  <c:v>12.7946667671204</c:v>
+                  <c:v>12.794666767120399</c:v>
                 </c:pt>
                 <c:pt idx="6">
-                  <c:v>16.98371728261308</c:v>
+                  <c:v>16.983717282613075</c:v>
                 </c:pt>
                 <c:pt idx="7">
                   <c:v>22.2352479298909</c:v>
                 </c:pt>
                 <c:pt idx="8">
-                  <c:v>28.3570562998454</c:v>
+                  <c:v>28.357056299845404</c:v>
                 </c:pt>
                 <c:pt idx="9">
-                  <c:v>34.1452795664469</c:v>
+                  <c:v>34.145279566446895</c:v>
                 </c:pt>
               </c:numCache>
             </c:numRef>
@@ -311,34 +311,34 @@
                 <c:formatCode>General</c:formatCode>
                 <c:ptCount val="10"/>
                 <c:pt idx="0">
-                  <c:v>125250.0</c:v>
+                  <c:v>125250</c:v>
                 </c:pt>
                 <c:pt idx="1">
-                  <c:v>500500.0</c:v>
+                  <c:v>500500</c:v>
                 </c:pt>
                 <c:pt idx="2">
-                  <c:v>1.12575E6</c:v>
+                  <c:v>1125750</c:v>
                 </c:pt>
                 <c:pt idx="3">
-                  <c:v>2.001E6</c:v>
+                  <c:v>2001000</c:v>
                 </c:pt>
                 <c:pt idx="4">
-                  <c:v>3.12625E6</c:v>
+                  <c:v>3126249.9999999995</c:v>
                 </c:pt>
                 <c:pt idx="5">
-                  <c:v>4.5015E6</c:v>
+                  <c:v>4501500</c:v>
                 </c:pt>
                 <c:pt idx="6">
-                  <c:v>6.12675E6</c:v>
+                  <c:v>6126749.9999999991</c:v>
                 </c:pt>
                 <c:pt idx="7">
-                  <c:v>8.002E6</c:v>
+                  <c:v>8002000.0000000009</c:v>
                 </c:pt>
                 <c:pt idx="8">
-                  <c:v>1.012725E7</c:v>
+                  <c:v>10127249.999999998</c:v>
                 </c:pt>
                 <c:pt idx="9">
-                  <c:v>1.25025E7</c:v>
+                  <c:v>12502500</c:v>
                 </c:pt>
               </c:numCache>
             </c:numRef>
@@ -350,34 +350,34 @@
                 <c:formatCode>General</c:formatCode>
                 <c:ptCount val="10"/>
                 <c:pt idx="0">
-                  <c:v>0.988463998151322</c:v>
+                  <c:v>0.9884639981513218</c:v>
                 </c:pt>
                 <c:pt idx="1">
-                  <c:v>3.105146665436527</c:v>
+                  <c:v>3.1051466654365272</c:v>
                 </c:pt>
                 <c:pt idx="2">
-                  <c:v>6.746917355495199</c:v>
+                  <c:v>6.7469173554951984</c:v>
                 </c:pt>
                 <c:pt idx="3">
-                  <c:v>11.68132798808317</c:v>
+                  <c:v>11.681327988083167</c:v>
                 </c:pt>
                 <c:pt idx="4">
-                  <c:v>18.02441078051927</c:v>
+                  <c:v>18.024410780519268</c:v>
                 </c:pt>
                 <c:pt idx="5">
                   <c:v>25.71377588342872</c:v>
                 </c:pt>
                 <c:pt idx="6">
-                  <c:v>34.84874639225505</c:v>
+                  <c:v>34.848746392255052</c:v>
                 </c:pt>
                 <c:pt idx="7">
-                  <c:v>45.40966353689628</c:v>
+                  <c:v>45.409663536896268</c:v>
                 </c:pt>
                 <c:pt idx="8">
-                  <c:v>57.41181872350482</c:v>
+                  <c:v>57.411818723504823</c:v>
                 </c:pt>
                 <c:pt idx="9">
-                  <c:v>70.80129058783246</c:v>
+                  <c:v>70.801290587832469</c:v>
                 </c:pt>
               </c:numCache>
             </c:numRef>
@@ -419,34 +419,34 @@
                 <c:formatCode>General</c:formatCode>
                 <c:ptCount val="10"/>
                 <c:pt idx="0">
-                  <c:v>125250.0</c:v>
+                  <c:v>125250</c:v>
                 </c:pt>
                 <c:pt idx="1">
-                  <c:v>500500.0</c:v>
+                  <c:v>500500</c:v>
                 </c:pt>
                 <c:pt idx="2">
-                  <c:v>1.12575E6</c:v>
+                  <c:v>1125750</c:v>
                 </c:pt>
                 <c:pt idx="3">
-                  <c:v>2.001E6</c:v>
+                  <c:v>2001000</c:v>
                 </c:pt>
                 <c:pt idx="4">
-                  <c:v>3.12625E6</c:v>
+                  <c:v>3126249.9999999995</c:v>
                 </c:pt>
                 <c:pt idx="5">
-                  <c:v>4.5015E6</c:v>
+                  <c:v>4501500</c:v>
                 </c:pt>
                 <c:pt idx="6">
-                  <c:v>6.12675E6</c:v>
+                  <c:v>6126749.9999999991</c:v>
                 </c:pt>
                 <c:pt idx="7">
-                  <c:v>8.002E6</c:v>
+                  <c:v>8002000.0000000009</c:v>
                 </c:pt>
                 <c:pt idx="8">
-                  <c:v>1.012725E7</c:v>
+                  <c:v>10127249.999999998</c:v>
                 </c:pt>
                 <c:pt idx="9">
-                  <c:v>1.25025E7</c:v>
+                  <c:v>12502500</c:v>
                 </c:pt>
               </c:numCache>
             </c:numRef>
@@ -461,41 +461,41 @@
                   <c:v>1.124021320293348</c:v>
                 </c:pt>
                 <c:pt idx="1">
-                  <c:v>3.358256015305719</c:v>
+                  <c:v>3.3582560153057184</c:v>
                 </c:pt>
                 <c:pt idx="2">
-                  <c:v>7.506837330758568</c:v>
+                  <c:v>7.5068373307585681</c:v>
                 </c:pt>
                 <c:pt idx="3">
                   <c:v>12.78790922462945</c:v>
                 </c:pt>
                 <c:pt idx="4">
-                  <c:v>19.53859212746226</c:v>
+                  <c:v>19.538592127462259</c:v>
                 </c:pt>
                 <c:pt idx="5">
-                  <c:v>28.1140052353342</c:v>
+                  <c:v>28.114005235334201</c:v>
                 </c:pt>
                 <c:pt idx="6">
-                  <c:v>37.436608068645</c:v>
+                  <c:v>37.436608068644993</c:v>
                 </c:pt>
                 <c:pt idx="7">
-                  <c:v>49.96085839842758</c:v>
+                  <c:v>49.960858398427582</c:v>
                 </c:pt>
                 <c:pt idx="8">
-                  <c:v>63.14890651653214</c:v>
+                  <c:v>63.148906516532143</c:v>
                 </c:pt>
                 <c:pt idx="9">
-                  <c:v>78.58115798731645</c:v>
+                  <c:v>78.581157987316473</c:v>
                 </c:pt>
               </c:numCache>
             </c:numRef>
           </c:yVal>
         </c:ser>
-        <c:axId val="543866728"/>
-        <c:axId val="543863464"/>
+        <c:axId val="91293568"/>
+        <c:axId val="91312128"/>
       </c:scatterChart>
       <c:valAx>
-        <c:axId val="543866728"/>
+        <c:axId val="91293568"/>
         <c:scaling>
           <c:orientation val="minMax"/>
         </c:scaling>
@@ -526,12 +526,12 @@
         <c:numFmt formatCode="General" sourceLinked="1"/>
         <c:majorTickMark val="none"/>
         <c:tickLblPos val="nextTo"/>
-        <c:crossAx val="543863464"/>
+        <c:crossAx val="91312128"/>
         <c:crosses val="autoZero"/>
         <c:crossBetween val="midCat"/>
       </c:valAx>
       <c:valAx>
-        <c:axId val="543863464"/>
+        <c:axId val="91312128"/>
         <c:scaling>
           <c:orientation val="minMax"/>
         </c:scaling>
@@ -563,7 +563,7 @@
         <c:numFmt formatCode="General" sourceLinked="1"/>
         <c:majorTickMark val="none"/>
         <c:tickLblPos val="nextTo"/>
-        <c:crossAx val="543866728"/>
+        <c:crossAx val="91293568"/>
         <c:crosses val="autoZero"/>
         <c:crossBetween val="midCat"/>
       </c:valAx>
@@ -571,15 +571,15 @@
     <c:legend>
       <c:legendPos val="r"/>
       <c:legendEntry>
+        <c:idx val="3"/>
+        <c:delete val="1"/>
+      </c:legendEntry>
+      <c:legendEntry>
         <c:idx val="4"/>
         <c:delete val="1"/>
       </c:legendEntry>
       <c:legendEntry>
         <c:idx val="5"/>
-        <c:delete val="1"/>
-      </c:legendEntry>
-      <c:legendEntry>
-        <c:idx val="3"/>
         <c:delete val="1"/>
       </c:legendEntry>
       <c:layout/>
@@ -627,8 +627,8 @@
               <c:idx val="1"/>
               <c:layout>
                 <c:manualLayout>
-                  <c:x val="0.0489283804802177"/>
-                  <c:y val="0.00921803866874042"/>
+                  <c:x val="4.8928380480217706E-2"/>
+                  <c:y val="9.2180386687404203E-3"/>
                 </c:manualLayout>
               </c:layout>
               <c:showPercent val="1"/>
@@ -668,22 +668,22 @@
                 <c:formatCode>General</c:formatCode>
                 <c:ptCount val="6"/>
                 <c:pt idx="0">
-                  <c:v>0.137829333543777</c:v>
+                  <c:v>0.13782933354377702</c:v>
                 </c:pt>
                 <c:pt idx="1">
-                  <c:v>0.142890664438407</c:v>
+                  <c:v>0.14289066443840701</c:v>
                 </c:pt>
                 <c:pt idx="2">
-                  <c:v>9.87151479721069</c:v>
+                  <c:v>9.8715147972106916</c:v>
                 </c:pt>
                 <c:pt idx="3">
-                  <c:v>0.0624106662968794</c:v>
+                  <c:v>6.2410666296879413E-2</c:v>
                 </c:pt>
                 <c:pt idx="4">
-                  <c:v>42.37826093037921</c:v>
+                  <c:v>42.378260930379213</c:v>
                 </c:pt>
                 <c:pt idx="5">
-                  <c:v>18.20838419596349</c:v>
+                  <c:v>18.208384195963486</c:v>
                 </c:pt>
               </c:numCache>
             </c:numRef>
@@ -719,7 +719,6 @@
 <c:chartSpace xmlns:c="http://schemas.openxmlformats.org/drawingml/2006/chart" xmlns:a="http://schemas.openxmlformats.org/drawingml/2006/main" xmlns:r="http://schemas.openxmlformats.org/officeDocument/2006/relationships">
   <c:date1904 val="1"/>
   <c:lang val="en-US"/>
-  <c:style val="2"/>
   <c:chart>
     <c:title>
       <c:tx>
@@ -784,34 +783,34 @@
                 <c:formatCode>General</c:formatCode>
                 <c:ptCount val="10"/>
                 <c:pt idx="0">
-                  <c:v>125250.0</c:v>
+                  <c:v>125250</c:v>
                 </c:pt>
                 <c:pt idx="1">
-                  <c:v>500500.0</c:v>
+                  <c:v>500500</c:v>
                 </c:pt>
                 <c:pt idx="2">
-                  <c:v>1.12575E6</c:v>
+                  <c:v>1125750</c:v>
                 </c:pt>
                 <c:pt idx="3">
-                  <c:v>2.001E6</c:v>
+                  <c:v>2001000</c:v>
                 </c:pt>
                 <c:pt idx="4">
-                  <c:v>3.12625E6</c:v>
+                  <c:v>3126249.9999999995</c:v>
                 </c:pt>
                 <c:pt idx="5">
-                  <c:v>4.5015E6</c:v>
+                  <c:v>4501500</c:v>
                 </c:pt>
                 <c:pt idx="6">
-                  <c:v>6.12675E6</c:v>
+                  <c:v>6126749.9999999991</c:v>
                 </c:pt>
                 <c:pt idx="7">
-                  <c:v>8.002E6</c:v>
+                  <c:v>8002000.0000000009</c:v>
                 </c:pt>
                 <c:pt idx="8">
-                  <c:v>1.012725E7</c:v>
+                  <c:v>10127249.999999998</c:v>
                 </c:pt>
                 <c:pt idx="9">
-                  <c:v>1.25025E7</c:v>
+                  <c:v>12502500</c:v>
                 </c:pt>
               </c:numCache>
             </c:numRef>
@@ -823,34 +822,34 @@
                 <c:formatCode>General</c:formatCode>
                 <c:ptCount val="10"/>
                 <c:pt idx="0">
-                  <c:v>0.499434664845467</c:v>
+                  <c:v>0.49943466484546711</c:v>
                 </c:pt>
                 <c:pt idx="1">
-                  <c:v>1.76720533768336</c:v>
+                  <c:v>1.7672053376833599</c:v>
                 </c:pt>
                 <c:pt idx="2">
                   <c:v>3.93086934089661</c:v>
                 </c:pt>
                 <c:pt idx="3">
-                  <c:v>6.91647466023763</c:v>
+                  <c:v>6.9164746602376299</c:v>
                 </c:pt>
                 <c:pt idx="4">
-                  <c:v>10.7169974644979</c:v>
+                  <c:v>10.716997464497899</c:v>
                 </c:pt>
                 <c:pt idx="5">
-                  <c:v>15.3465758959452</c:v>
+                  <c:v>15.346575895945202</c:v>
                 </c:pt>
                 <c:pt idx="6">
-                  <c:v>20.808175722758</c:v>
+                  <c:v>20.808175722758005</c:v>
                 </c:pt>
                 <c:pt idx="7">
-                  <c:v>27.14756774902339</c:v>
+                  <c:v>27.147567749023388</c:v>
                 </c:pt>
                 <c:pt idx="8">
-                  <c:v>34.33444786071778</c:v>
+                  <c:v>34.334447860717766</c:v>
                 </c:pt>
                 <c:pt idx="9">
-                  <c:v>42.3782609303792</c:v>
+                  <c:v>42.378260930379206</c:v>
                 </c:pt>
               </c:numCache>
             </c:numRef>
@@ -892,34 +891,34 @@
                 <c:formatCode>General</c:formatCode>
                 <c:ptCount val="10"/>
                 <c:pt idx="0">
-                  <c:v>125250.0</c:v>
+                  <c:v>125250</c:v>
                 </c:pt>
                 <c:pt idx="1">
-                  <c:v>500500.0</c:v>
+                  <c:v>500500</c:v>
                 </c:pt>
                 <c:pt idx="2">
-                  <c:v>1.12575E6</c:v>
+                  <c:v>1125750</c:v>
                 </c:pt>
                 <c:pt idx="3">
-                  <c:v>2.001E6</c:v>
+                  <c:v>2001000</c:v>
                 </c:pt>
                 <c:pt idx="4">
-                  <c:v>3.12625E6</c:v>
+                  <c:v>3126249.9999999995</c:v>
                 </c:pt>
                 <c:pt idx="5">
-                  <c:v>4.5015E6</c:v>
+                  <c:v>4501500</c:v>
                 </c:pt>
                 <c:pt idx="6">
-                  <c:v>6.12675E6</c:v>
+                  <c:v>6126749.9999999991</c:v>
                 </c:pt>
                 <c:pt idx="7">
-                  <c:v>8.002E6</c:v>
+                  <c:v>8002000.0000000009</c:v>
                 </c:pt>
                 <c:pt idx="8">
-                  <c:v>1.012725E7</c:v>
+                  <c:v>10127249.999999998</c:v>
                 </c:pt>
                 <c:pt idx="9">
-                  <c:v>1.25025E7</c:v>
+                  <c:v>12502500</c:v>
                 </c:pt>
               </c:numCache>
             </c:numRef>
@@ -931,10 +930,10 @@
                 <c:formatCode>General</c:formatCode>
                 <c:ptCount val="10"/>
                 <c:pt idx="0">
-                  <c:v>0.210725</c:v>
+                  <c:v>0.21072500000000002</c:v>
                 </c:pt>
                 <c:pt idx="1">
-                  <c:v>0.54845</c:v>
+                  <c:v>0.54844999999999999</c:v>
                 </c:pt>
                 <c:pt idx="2">
                   <c:v>1.111175</c:v>
@@ -943,32 +942,32 @@
                   <c:v>1.8989</c:v>
                 </c:pt>
                 <c:pt idx="4">
-                  <c:v>2.911624999999999</c:v>
+                  <c:v>2.9116249999999986</c:v>
                 </c:pt>
                 <c:pt idx="5">
-                  <c:v>4.14935</c:v>
+                  <c:v>4.1493500000000001</c:v>
                 </c:pt>
                 <c:pt idx="6">
-                  <c:v>5.612074999999996</c:v>
+                  <c:v>5.6120749999999946</c:v>
                 </c:pt>
                 <c:pt idx="7">
-                  <c:v>7.2998</c:v>
+                  <c:v>7.2998000000000003</c:v>
                 </c:pt>
                 <c:pt idx="8">
-                  <c:v>9.212525000000001</c:v>
+                  <c:v>9.2125250000000012</c:v>
                 </c:pt>
                 <c:pt idx="9">
-                  <c:v>11.35025</c:v>
+                  <c:v>11.350250000000001</c:v>
                 </c:pt>
               </c:numCache>
             </c:numRef>
           </c:yVal>
         </c:ser>
-        <c:axId val="548603768"/>
-        <c:axId val="549173064"/>
+        <c:axId val="93812992"/>
+        <c:axId val="93827456"/>
       </c:scatterChart>
       <c:valAx>
-        <c:axId val="548603768"/>
+        <c:axId val="93812992"/>
         <c:scaling>
           <c:orientation val="minMax"/>
         </c:scaling>
@@ -999,12 +998,12 @@
         <c:numFmt formatCode="General" sourceLinked="1"/>
         <c:majorTickMark val="none"/>
         <c:tickLblPos val="nextTo"/>
-        <c:crossAx val="549173064"/>
+        <c:crossAx val="93827456"/>
         <c:crosses val="autoZero"/>
         <c:crossBetween val="midCat"/>
       </c:valAx>
       <c:valAx>
-        <c:axId val="549173064"/>
+        <c:axId val="93827456"/>
         <c:scaling>
           <c:orientation val="minMax"/>
         </c:scaling>
@@ -1036,7 +1035,7 @@
         <c:numFmt formatCode="General" sourceLinked="1"/>
         <c:majorTickMark val="none"/>
         <c:tickLblPos val="nextTo"/>
-        <c:crossAx val="548603768"/>
+        <c:crossAx val="93812992"/>
         <c:crosses val="autoZero"/>
         <c:crossBetween val="midCat"/>
       </c:valAx>
@@ -1060,7 +1059,7 @@
 </file>
 
 <file path=ppt/notesMasters/notesMaster1.xml><?xml version="1.0" encoding="utf-8"?>
-<p:notesMaster xmlns:a="http://schemas.openxmlformats.org/drawingml/2006/main" xmlns:r="http://schemas.openxmlformats.org/officeDocument/2006/relationships" xmlns:mc="http://schemas.openxmlformats.org/markup-compatibility/2006" xmlns:mv="urn:schemas-microsoft-com:mac:vml" xmlns:p="http://schemas.openxmlformats.org/presentationml/2006/main" mc:Ignorable="mv" mc:PreserveAttributes="mv:*">
+<p:notesMaster xmlns:a="http://schemas.openxmlformats.org/drawingml/2006/main" xmlns:r="http://schemas.openxmlformats.org/officeDocument/2006/relationships" xmlns:p="http://schemas.openxmlformats.org/presentationml/2006/main">
   <p:cSld>
     <p:bg>
       <p:bgRef idx="1001">
@@ -1142,7 +1141,7 @@
             <a:fld id="{F163637A-02D7-4023-97DD-CF65DEB05421}" type="datetimeFigureOut">
               <a:rPr lang="en-US" smtClean="0"/>
               <a:pPr/>
-              <a:t>4/12/10</a:t>
+              <a:t>4/20/2010</a:t>
             </a:fld>
             <a:endParaRPr lang="en-US"/>
           </a:p>
@@ -1409,7 +1408,7 @@
 </file>
 
 <file path=ppt/notesSlides/notesSlide1.xml><?xml version="1.0" encoding="utf-8"?>
-<p:notes xmlns:a="http://schemas.openxmlformats.org/drawingml/2006/main" xmlns:r="http://schemas.openxmlformats.org/officeDocument/2006/relationships" xmlns:mc="http://schemas.openxmlformats.org/markup-compatibility/2006" xmlns:mv="urn:schemas-microsoft-com:mac:vml" xmlns:p="http://schemas.openxmlformats.org/presentationml/2006/main" mc:Ignorable="mv" mc:PreserveAttributes="mv:*">
+<p:notes xmlns:a="http://schemas.openxmlformats.org/drawingml/2006/main" xmlns:r="http://schemas.openxmlformats.org/officeDocument/2006/relationships" xmlns:p="http://schemas.openxmlformats.org/presentationml/2006/main">
   <p:cSld>
     <p:spTree>
       <p:nvGrpSpPr>
@@ -1491,7 +1490,7 @@
 </file>
 
 <file path=ppt/notesSlides/notesSlide10.xml><?xml version="1.0" encoding="utf-8"?>
-<p:notes xmlns:a="http://schemas.openxmlformats.org/drawingml/2006/main" xmlns:r="http://schemas.openxmlformats.org/officeDocument/2006/relationships" xmlns:mc="http://schemas.openxmlformats.org/markup-compatibility/2006" xmlns:mv="urn:schemas-microsoft-com:mac:vml" xmlns:p="http://schemas.openxmlformats.org/presentationml/2006/main" mc:Ignorable="mv" mc:PreserveAttributes="mv:*">
+<p:notes xmlns:a="http://schemas.openxmlformats.org/drawingml/2006/main" xmlns:r="http://schemas.openxmlformats.org/officeDocument/2006/relationships" xmlns:p="http://schemas.openxmlformats.org/presentationml/2006/main">
   <p:cSld>
     <p:spTree>
       <p:nvGrpSpPr>
@@ -1573,7 +1572,7 @@
 </file>
 
 <file path=ppt/notesSlides/notesSlide11.xml><?xml version="1.0" encoding="utf-8"?>
-<p:notes xmlns:a="http://schemas.openxmlformats.org/drawingml/2006/main" xmlns:r="http://schemas.openxmlformats.org/officeDocument/2006/relationships" xmlns:mc="http://schemas.openxmlformats.org/markup-compatibility/2006" xmlns:mv="urn:schemas-microsoft-com:mac:vml" xmlns:p="http://schemas.openxmlformats.org/presentationml/2006/main" mc:Ignorable="mv" mc:PreserveAttributes="mv:*">
+<p:notes xmlns:a="http://schemas.openxmlformats.org/drawingml/2006/main" xmlns:r="http://schemas.openxmlformats.org/officeDocument/2006/relationships" xmlns:p="http://schemas.openxmlformats.org/presentationml/2006/main">
   <p:cSld>
     <p:spTree>
       <p:nvGrpSpPr>
@@ -1655,7 +1654,7 @@
 </file>
 
 <file path=ppt/notesSlides/notesSlide12.xml><?xml version="1.0" encoding="utf-8"?>
-<p:notes xmlns:a="http://schemas.openxmlformats.org/drawingml/2006/main" xmlns:r="http://schemas.openxmlformats.org/officeDocument/2006/relationships" xmlns:mc="http://schemas.openxmlformats.org/markup-compatibility/2006" xmlns:mv="urn:schemas-microsoft-com:mac:vml" xmlns:p="http://schemas.openxmlformats.org/presentationml/2006/main" mc:Ignorable="mv" mc:PreserveAttributes="mv:*">
+<p:notes xmlns:a="http://schemas.openxmlformats.org/drawingml/2006/main" xmlns:r="http://schemas.openxmlformats.org/officeDocument/2006/relationships" xmlns:p="http://schemas.openxmlformats.org/presentationml/2006/main">
   <p:cSld>
     <p:spTree>
       <p:nvGrpSpPr>
@@ -1737,7 +1736,7 @@
 </file>
 
 <file path=ppt/notesSlides/notesSlide13.xml><?xml version="1.0" encoding="utf-8"?>
-<p:notes xmlns:a="http://schemas.openxmlformats.org/drawingml/2006/main" xmlns:r="http://schemas.openxmlformats.org/officeDocument/2006/relationships" xmlns:mc="http://schemas.openxmlformats.org/markup-compatibility/2006" xmlns:mv="urn:schemas-microsoft-com:mac:vml" xmlns:p="http://schemas.openxmlformats.org/presentationml/2006/main" mc:Ignorable="mv" mc:PreserveAttributes="mv:*">
+<p:notes xmlns:a="http://schemas.openxmlformats.org/drawingml/2006/main" xmlns:r="http://schemas.openxmlformats.org/officeDocument/2006/relationships" xmlns:p="http://schemas.openxmlformats.org/presentationml/2006/main">
   <p:cSld>
     <p:spTree>
       <p:nvGrpSpPr>
@@ -1819,7 +1818,7 @@
 </file>
 
 <file path=ppt/notesSlides/notesSlide14.xml><?xml version="1.0" encoding="utf-8"?>
-<p:notes xmlns:a="http://schemas.openxmlformats.org/drawingml/2006/main" xmlns:r="http://schemas.openxmlformats.org/officeDocument/2006/relationships" xmlns:mc="http://schemas.openxmlformats.org/markup-compatibility/2006" xmlns:mv="urn:schemas-microsoft-com:mac:vml" xmlns:p="http://schemas.openxmlformats.org/presentationml/2006/main" mc:Ignorable="mv" mc:PreserveAttributes="mv:*">
+<p:notes xmlns:a="http://schemas.openxmlformats.org/drawingml/2006/main" xmlns:r="http://schemas.openxmlformats.org/officeDocument/2006/relationships" xmlns:p="http://schemas.openxmlformats.org/presentationml/2006/main">
   <p:cSld>
     <p:spTree>
       <p:nvGrpSpPr>
@@ -1901,7 +1900,7 @@
 </file>
 
 <file path=ppt/notesSlides/notesSlide15.xml><?xml version="1.0" encoding="utf-8"?>
-<p:notes xmlns:a="http://schemas.openxmlformats.org/drawingml/2006/main" xmlns:r="http://schemas.openxmlformats.org/officeDocument/2006/relationships" xmlns:mc="http://schemas.openxmlformats.org/markup-compatibility/2006" xmlns:mv="urn:schemas-microsoft-com:mac:vml" xmlns:p="http://schemas.openxmlformats.org/presentationml/2006/main" mc:Ignorable="mv" mc:PreserveAttributes="mv:*">
+<p:notes xmlns:a="http://schemas.openxmlformats.org/drawingml/2006/main" xmlns:r="http://schemas.openxmlformats.org/officeDocument/2006/relationships" xmlns:p="http://schemas.openxmlformats.org/presentationml/2006/main">
   <p:cSld>
     <p:spTree>
       <p:nvGrpSpPr>
@@ -1983,7 +1982,7 @@
 </file>
 
 <file path=ppt/notesSlides/notesSlide16.xml><?xml version="1.0" encoding="utf-8"?>
-<p:notes xmlns:a="http://schemas.openxmlformats.org/drawingml/2006/main" xmlns:r="http://schemas.openxmlformats.org/officeDocument/2006/relationships" xmlns:mc="http://schemas.openxmlformats.org/markup-compatibility/2006" xmlns:mv="urn:schemas-microsoft-com:mac:vml" xmlns:p="http://schemas.openxmlformats.org/presentationml/2006/main" mc:Ignorable="mv" mc:PreserveAttributes="mv:*">
+<p:notes xmlns:a="http://schemas.openxmlformats.org/drawingml/2006/main" xmlns:r="http://schemas.openxmlformats.org/officeDocument/2006/relationships" xmlns:p="http://schemas.openxmlformats.org/presentationml/2006/main">
   <p:cSld>
     <p:spTree>
       <p:nvGrpSpPr>
@@ -2065,7 +2064,7 @@
 </file>
 
 <file path=ppt/notesSlides/notesSlide17.xml><?xml version="1.0" encoding="utf-8"?>
-<p:notes xmlns:a="http://schemas.openxmlformats.org/drawingml/2006/main" xmlns:r="http://schemas.openxmlformats.org/officeDocument/2006/relationships" xmlns:mc="http://schemas.openxmlformats.org/markup-compatibility/2006" xmlns:mv="urn:schemas-microsoft-com:mac:vml" xmlns:p="http://schemas.openxmlformats.org/presentationml/2006/main" mc:Ignorable="mv" mc:PreserveAttributes="mv:*">
+<p:notes xmlns:a="http://schemas.openxmlformats.org/drawingml/2006/main" xmlns:r="http://schemas.openxmlformats.org/officeDocument/2006/relationships" xmlns:p="http://schemas.openxmlformats.org/presentationml/2006/main">
   <p:cSld>
     <p:spTree>
       <p:nvGrpSpPr>
@@ -2147,7 +2146,7 @@
 </file>
 
 <file path=ppt/notesSlides/notesSlide18.xml><?xml version="1.0" encoding="utf-8"?>
-<p:notes xmlns:a="http://schemas.openxmlformats.org/drawingml/2006/main" xmlns:r="http://schemas.openxmlformats.org/officeDocument/2006/relationships" xmlns:mc="http://schemas.openxmlformats.org/markup-compatibility/2006" xmlns:mv="urn:schemas-microsoft-com:mac:vml" xmlns:p="http://schemas.openxmlformats.org/presentationml/2006/main" mc:Ignorable="mv" mc:PreserveAttributes="mv:*">
+<p:notes xmlns:a="http://schemas.openxmlformats.org/drawingml/2006/main" xmlns:r="http://schemas.openxmlformats.org/officeDocument/2006/relationships" xmlns:p="http://schemas.openxmlformats.org/presentationml/2006/main">
   <p:cSld>
     <p:spTree>
       <p:nvGrpSpPr>
@@ -2229,7 +2228,7 @@
 </file>
 
 <file path=ppt/notesSlides/notesSlide19.xml><?xml version="1.0" encoding="utf-8"?>
-<p:notes xmlns:a="http://schemas.openxmlformats.org/drawingml/2006/main" xmlns:r="http://schemas.openxmlformats.org/officeDocument/2006/relationships" xmlns:mc="http://schemas.openxmlformats.org/markup-compatibility/2006" xmlns:mv="urn:schemas-microsoft-com:mac:vml" xmlns:p="http://schemas.openxmlformats.org/presentationml/2006/main" mc:Ignorable="mv" mc:PreserveAttributes="mv:*">
+<p:notes xmlns:a="http://schemas.openxmlformats.org/drawingml/2006/main" xmlns:r="http://schemas.openxmlformats.org/officeDocument/2006/relationships" xmlns:p="http://schemas.openxmlformats.org/presentationml/2006/main">
   <p:cSld>
     <p:spTree>
       <p:nvGrpSpPr>
@@ -2311,7 +2310,7 @@
 </file>
 
 <file path=ppt/notesSlides/notesSlide2.xml><?xml version="1.0" encoding="utf-8"?>
-<p:notes xmlns:a="http://schemas.openxmlformats.org/drawingml/2006/main" xmlns:r="http://schemas.openxmlformats.org/officeDocument/2006/relationships" xmlns:mc="http://schemas.openxmlformats.org/markup-compatibility/2006" xmlns:mv="urn:schemas-microsoft-com:mac:vml" xmlns:p="http://schemas.openxmlformats.org/presentationml/2006/main" mc:Ignorable="mv" mc:PreserveAttributes="mv:*">
+<p:notes xmlns:a="http://schemas.openxmlformats.org/drawingml/2006/main" xmlns:r="http://schemas.openxmlformats.org/officeDocument/2006/relationships" xmlns:p="http://schemas.openxmlformats.org/presentationml/2006/main">
   <p:cSld>
     <p:spTree>
       <p:nvGrpSpPr>
@@ -2393,7 +2392,7 @@
 </file>
 
 <file path=ppt/notesSlides/notesSlide20.xml><?xml version="1.0" encoding="utf-8"?>
-<p:notes xmlns:a="http://schemas.openxmlformats.org/drawingml/2006/main" xmlns:r="http://schemas.openxmlformats.org/officeDocument/2006/relationships" xmlns:mc="http://schemas.openxmlformats.org/markup-compatibility/2006" xmlns:mv="urn:schemas-microsoft-com:mac:vml" xmlns:p="http://schemas.openxmlformats.org/presentationml/2006/main" mc:Ignorable="mv" mc:PreserveAttributes="mv:*">
+<p:notes xmlns:a="http://schemas.openxmlformats.org/drawingml/2006/main" xmlns:r="http://schemas.openxmlformats.org/officeDocument/2006/relationships" xmlns:p="http://schemas.openxmlformats.org/presentationml/2006/main">
   <p:cSld>
     <p:spTree>
       <p:nvGrpSpPr>
@@ -2475,7 +2474,7 @@
 </file>
 
 <file path=ppt/notesSlides/notesSlide21.xml><?xml version="1.0" encoding="utf-8"?>
-<p:notes xmlns:a="http://schemas.openxmlformats.org/drawingml/2006/main" xmlns:r="http://schemas.openxmlformats.org/officeDocument/2006/relationships" xmlns:mc="http://schemas.openxmlformats.org/markup-compatibility/2006" xmlns:mv="urn:schemas-microsoft-com:mac:vml" xmlns:p="http://schemas.openxmlformats.org/presentationml/2006/main" mc:Ignorable="mv" mc:PreserveAttributes="mv:*">
+<p:notes xmlns:a="http://schemas.openxmlformats.org/drawingml/2006/main" xmlns:r="http://schemas.openxmlformats.org/officeDocument/2006/relationships" xmlns:p="http://schemas.openxmlformats.org/presentationml/2006/main">
   <p:cSld>
     <p:spTree>
       <p:nvGrpSpPr>
@@ -2557,7 +2556,7 @@
 </file>
 
 <file path=ppt/notesSlides/notesSlide22.xml><?xml version="1.0" encoding="utf-8"?>
-<p:notes xmlns:a="http://schemas.openxmlformats.org/drawingml/2006/main" xmlns:r="http://schemas.openxmlformats.org/officeDocument/2006/relationships" xmlns:mc="http://schemas.openxmlformats.org/markup-compatibility/2006" xmlns:mv="urn:schemas-microsoft-com:mac:vml" xmlns:p="http://schemas.openxmlformats.org/presentationml/2006/main" mc:Ignorable="mv" mc:PreserveAttributes="mv:*">
+<p:notes xmlns:a="http://schemas.openxmlformats.org/drawingml/2006/main" xmlns:r="http://schemas.openxmlformats.org/officeDocument/2006/relationships" xmlns:p="http://schemas.openxmlformats.org/presentationml/2006/main">
   <p:cSld>
     <p:spTree>
       <p:nvGrpSpPr>
@@ -2639,7 +2638,7 @@
 </file>
 
 <file path=ppt/notesSlides/notesSlide23.xml><?xml version="1.0" encoding="utf-8"?>
-<p:notes xmlns:a="http://schemas.openxmlformats.org/drawingml/2006/main" xmlns:r="http://schemas.openxmlformats.org/officeDocument/2006/relationships" xmlns:mc="http://schemas.openxmlformats.org/markup-compatibility/2006" xmlns:mv="urn:schemas-microsoft-com:mac:vml" xmlns:p="http://schemas.openxmlformats.org/presentationml/2006/main" mc:Ignorable="mv" mc:PreserveAttributes="mv:*">
+<p:notes xmlns:a="http://schemas.openxmlformats.org/drawingml/2006/main" xmlns:r="http://schemas.openxmlformats.org/officeDocument/2006/relationships" xmlns:p="http://schemas.openxmlformats.org/presentationml/2006/main">
   <p:cSld>
     <p:spTree>
       <p:nvGrpSpPr>
@@ -2721,7 +2720,7 @@
 </file>
 
 <file path=ppt/notesSlides/notesSlide24.xml><?xml version="1.0" encoding="utf-8"?>
-<p:notes xmlns:a="http://schemas.openxmlformats.org/drawingml/2006/main" xmlns:r="http://schemas.openxmlformats.org/officeDocument/2006/relationships" xmlns:mc="http://schemas.openxmlformats.org/markup-compatibility/2006" xmlns:mv="urn:schemas-microsoft-com:mac:vml" xmlns:p="http://schemas.openxmlformats.org/presentationml/2006/main" mc:Ignorable="mv" mc:PreserveAttributes="mv:*">
+<p:notes xmlns:a="http://schemas.openxmlformats.org/drawingml/2006/main" xmlns:r="http://schemas.openxmlformats.org/officeDocument/2006/relationships" xmlns:p="http://schemas.openxmlformats.org/presentationml/2006/main">
   <p:cSld>
     <p:spTree>
       <p:nvGrpSpPr>
@@ -2803,7 +2802,7 @@
 </file>
 
 <file path=ppt/notesSlides/notesSlide25.xml><?xml version="1.0" encoding="utf-8"?>
-<p:notes xmlns:a="http://schemas.openxmlformats.org/drawingml/2006/main" xmlns:r="http://schemas.openxmlformats.org/officeDocument/2006/relationships" xmlns:mc="http://schemas.openxmlformats.org/markup-compatibility/2006" xmlns:mv="urn:schemas-microsoft-com:mac:vml" xmlns:p="http://schemas.openxmlformats.org/presentationml/2006/main" mc:Ignorable="mv" mc:PreserveAttributes="mv:*">
+<p:notes xmlns:a="http://schemas.openxmlformats.org/drawingml/2006/main" xmlns:r="http://schemas.openxmlformats.org/officeDocument/2006/relationships" xmlns:p="http://schemas.openxmlformats.org/presentationml/2006/main">
   <p:cSld>
     <p:spTree>
       <p:nvGrpSpPr>
@@ -2885,7 +2884,7 @@
 </file>
 
 <file path=ppt/notesSlides/notesSlide26.xml><?xml version="1.0" encoding="utf-8"?>
-<p:notes xmlns:a="http://schemas.openxmlformats.org/drawingml/2006/main" xmlns:r="http://schemas.openxmlformats.org/officeDocument/2006/relationships" xmlns:mc="http://schemas.openxmlformats.org/markup-compatibility/2006" xmlns:mv="urn:schemas-microsoft-com:mac:vml" xmlns:p="http://schemas.openxmlformats.org/presentationml/2006/main" mc:Ignorable="mv" mc:PreserveAttributes="mv:*">
+<p:notes xmlns:a="http://schemas.openxmlformats.org/drawingml/2006/main" xmlns:r="http://schemas.openxmlformats.org/officeDocument/2006/relationships" xmlns:p="http://schemas.openxmlformats.org/presentationml/2006/main">
   <p:cSld>
     <p:spTree>
       <p:nvGrpSpPr>
@@ -2967,7 +2966,7 @@
 </file>
 
 <file path=ppt/notesSlides/notesSlide3.xml><?xml version="1.0" encoding="utf-8"?>
-<p:notes xmlns:a="http://schemas.openxmlformats.org/drawingml/2006/main" xmlns:r="http://schemas.openxmlformats.org/officeDocument/2006/relationships" xmlns:mc="http://schemas.openxmlformats.org/markup-compatibility/2006" xmlns:mv="urn:schemas-microsoft-com:mac:vml" xmlns:p="http://schemas.openxmlformats.org/presentationml/2006/main" mc:Ignorable="mv" mc:PreserveAttributes="mv:*">
+<p:notes xmlns:a="http://schemas.openxmlformats.org/drawingml/2006/main" xmlns:r="http://schemas.openxmlformats.org/officeDocument/2006/relationships" xmlns:p="http://schemas.openxmlformats.org/presentationml/2006/main">
   <p:cSld>
     <p:spTree>
       <p:nvGrpSpPr>
@@ -3049,7 +3048,7 @@
 </file>
 
 <file path=ppt/notesSlides/notesSlide4.xml><?xml version="1.0" encoding="utf-8"?>
-<p:notes xmlns:a="http://schemas.openxmlformats.org/drawingml/2006/main" xmlns:r="http://schemas.openxmlformats.org/officeDocument/2006/relationships" xmlns:mc="http://schemas.openxmlformats.org/markup-compatibility/2006" xmlns:mv="urn:schemas-microsoft-com:mac:vml" xmlns:p="http://schemas.openxmlformats.org/presentationml/2006/main" mc:Ignorable="mv" mc:PreserveAttributes="mv:*">
+<p:notes xmlns:a="http://schemas.openxmlformats.org/drawingml/2006/main" xmlns:r="http://schemas.openxmlformats.org/officeDocument/2006/relationships" xmlns:p="http://schemas.openxmlformats.org/presentationml/2006/main">
   <p:cSld>
     <p:spTree>
       <p:nvGrpSpPr>
@@ -3131,7 +3130,7 @@
 </file>
 
 <file path=ppt/notesSlides/notesSlide5.xml><?xml version="1.0" encoding="utf-8"?>
-<p:notes xmlns:a="http://schemas.openxmlformats.org/drawingml/2006/main" xmlns:r="http://schemas.openxmlformats.org/officeDocument/2006/relationships" xmlns:mc="http://schemas.openxmlformats.org/markup-compatibility/2006" xmlns:mv="urn:schemas-microsoft-com:mac:vml" xmlns:p="http://schemas.openxmlformats.org/presentationml/2006/main" mc:Ignorable="mv" mc:PreserveAttributes="mv:*">
+<p:notes xmlns:a="http://schemas.openxmlformats.org/drawingml/2006/main" xmlns:r="http://schemas.openxmlformats.org/officeDocument/2006/relationships" xmlns:p="http://schemas.openxmlformats.org/presentationml/2006/main">
   <p:cSld>
     <p:spTree>
       <p:nvGrpSpPr>
@@ -3213,7 +3212,7 @@
 </file>
 
 <file path=ppt/notesSlides/notesSlide6.xml><?xml version="1.0" encoding="utf-8"?>
-<p:notes xmlns:a="http://schemas.openxmlformats.org/drawingml/2006/main" xmlns:r="http://schemas.openxmlformats.org/officeDocument/2006/relationships" xmlns:mc="http://schemas.openxmlformats.org/markup-compatibility/2006" xmlns:mv="urn:schemas-microsoft-com:mac:vml" xmlns:p="http://schemas.openxmlformats.org/presentationml/2006/main" mc:Ignorable="mv" mc:PreserveAttributes="mv:*">
+<p:notes xmlns:a="http://schemas.openxmlformats.org/drawingml/2006/main" xmlns:r="http://schemas.openxmlformats.org/officeDocument/2006/relationships" xmlns:p="http://schemas.openxmlformats.org/presentationml/2006/main">
   <p:cSld>
     <p:spTree>
       <p:nvGrpSpPr>
@@ -3295,7 +3294,7 @@
 </file>
 
 <file path=ppt/notesSlides/notesSlide7.xml><?xml version="1.0" encoding="utf-8"?>
-<p:notes xmlns:a="http://schemas.openxmlformats.org/drawingml/2006/main" xmlns:r="http://schemas.openxmlformats.org/officeDocument/2006/relationships" xmlns:mc="http://schemas.openxmlformats.org/markup-compatibility/2006" xmlns:mv="urn:schemas-microsoft-com:mac:vml" xmlns:p="http://schemas.openxmlformats.org/presentationml/2006/main" mc:Ignorable="mv" mc:PreserveAttributes="mv:*">
+<p:notes xmlns:a="http://schemas.openxmlformats.org/drawingml/2006/main" xmlns:r="http://schemas.openxmlformats.org/officeDocument/2006/relationships" xmlns:p="http://schemas.openxmlformats.org/presentationml/2006/main">
   <p:cSld>
     <p:spTree>
       <p:nvGrpSpPr>
@@ -3377,7 +3376,7 @@
 </file>
 
 <file path=ppt/notesSlides/notesSlide8.xml><?xml version="1.0" encoding="utf-8"?>
-<p:notes xmlns:a="http://schemas.openxmlformats.org/drawingml/2006/main" xmlns:r="http://schemas.openxmlformats.org/officeDocument/2006/relationships" xmlns:mc="http://schemas.openxmlformats.org/markup-compatibility/2006" xmlns:mv="urn:schemas-microsoft-com:mac:vml" xmlns:p="http://schemas.openxmlformats.org/presentationml/2006/main" mc:Ignorable="mv" mc:PreserveAttributes="mv:*">
+<p:notes xmlns:a="http://schemas.openxmlformats.org/drawingml/2006/main" xmlns:r="http://schemas.openxmlformats.org/officeDocument/2006/relationships" xmlns:p="http://schemas.openxmlformats.org/presentationml/2006/main">
   <p:cSld>
     <p:spTree>
       <p:nvGrpSpPr>
@@ -3459,7 +3458,7 @@
 </file>
 
 <file path=ppt/notesSlides/notesSlide9.xml><?xml version="1.0" encoding="utf-8"?>
-<p:notes xmlns:a="http://schemas.openxmlformats.org/drawingml/2006/main" xmlns:r="http://schemas.openxmlformats.org/officeDocument/2006/relationships" xmlns:mc="http://schemas.openxmlformats.org/markup-compatibility/2006" xmlns:mv="urn:schemas-microsoft-com:mac:vml" xmlns:p="http://schemas.openxmlformats.org/presentationml/2006/main" mc:Ignorable="mv" mc:PreserveAttributes="mv:*">
+<p:notes xmlns:a="http://schemas.openxmlformats.org/drawingml/2006/main" xmlns:r="http://schemas.openxmlformats.org/officeDocument/2006/relationships" xmlns:p="http://schemas.openxmlformats.org/presentationml/2006/main">
   <p:cSld>
     <p:spTree>
       <p:nvGrpSpPr>
@@ -3541,7 +3540,7 @@
 </file>
 
 <file path=ppt/slideLayouts/slideLayout1.xml><?xml version="1.0" encoding="utf-8"?>
-<p:sldLayout xmlns:a="http://schemas.openxmlformats.org/drawingml/2006/main" xmlns:r="http://schemas.openxmlformats.org/officeDocument/2006/relationships" xmlns:mc="http://schemas.openxmlformats.org/markup-compatibility/2006" xmlns:mv="urn:schemas-microsoft-com:mac:vml" xmlns:p="http://schemas.openxmlformats.org/presentationml/2006/main" mc:Ignorable="mv" mc:PreserveAttributes="mv:*" type="title" preserve="1">
+<p:sldLayout xmlns:a="http://schemas.openxmlformats.org/drawingml/2006/main" xmlns:r="http://schemas.openxmlformats.org/officeDocument/2006/relationships" xmlns:p="http://schemas.openxmlformats.org/presentationml/2006/main" type="title" preserve="1">
   <p:cSld name="Title Slide">
     <p:bg>
       <p:bgRef idx="1002">
@@ -3714,7 +3713,7 @@
             <a:fld id="{EF34DA83-6693-45CD-B904-8651ED07B240}" type="datetimeFigureOut">
               <a:rPr lang="en-US" smtClean="0"/>
               <a:pPr/>
-              <a:t>4/12/10</a:t>
+              <a:t>4/20/2010</a:t>
             </a:fld>
             <a:endParaRPr lang="en-US"/>
           </a:p>
@@ -3772,7 +3771,7 @@
 </file>
 
 <file path=ppt/slideLayouts/slideLayout10.xml><?xml version="1.0" encoding="utf-8"?>
-<p:sldLayout xmlns:a="http://schemas.openxmlformats.org/drawingml/2006/main" xmlns:r="http://schemas.openxmlformats.org/officeDocument/2006/relationships" xmlns:mc="http://schemas.openxmlformats.org/markup-compatibility/2006" xmlns:mv="urn:schemas-microsoft-com:mac:vml" xmlns:p="http://schemas.openxmlformats.org/presentationml/2006/main" mc:Ignorable="mv" mc:PreserveAttributes="mv:*" type="vertTx" preserve="1">
+<p:sldLayout xmlns:a="http://schemas.openxmlformats.org/drawingml/2006/main" xmlns:r="http://schemas.openxmlformats.org/officeDocument/2006/relationships" xmlns:p="http://schemas.openxmlformats.org/presentationml/2006/main" type="vertTx" preserve="1">
   <p:cSld name="Title and Vertical Text">
     <p:spTree>
       <p:nvGrpSpPr>
@@ -3881,7 +3880,7 @@
             <a:fld id="{EF34DA83-6693-45CD-B904-8651ED07B240}" type="datetimeFigureOut">
               <a:rPr lang="en-US" smtClean="0"/>
               <a:pPr/>
-              <a:t>4/12/10</a:t>
+              <a:t>4/20/2010</a:t>
             </a:fld>
             <a:endParaRPr lang="en-US"/>
           </a:p>
@@ -3939,7 +3938,7 @@
 </file>
 
 <file path=ppt/slideLayouts/slideLayout11.xml><?xml version="1.0" encoding="utf-8"?>
-<p:sldLayout xmlns:a="http://schemas.openxmlformats.org/drawingml/2006/main" xmlns:r="http://schemas.openxmlformats.org/officeDocument/2006/relationships" xmlns:mc="http://schemas.openxmlformats.org/markup-compatibility/2006" xmlns:mv="urn:schemas-microsoft-com:mac:vml" xmlns:p="http://schemas.openxmlformats.org/presentationml/2006/main" mc:Ignorable="mv" mc:PreserveAttributes="mv:*" type="vertTitleAndTx" preserve="1">
+<p:sldLayout xmlns:a="http://schemas.openxmlformats.org/drawingml/2006/main" xmlns:r="http://schemas.openxmlformats.org/officeDocument/2006/relationships" xmlns:p="http://schemas.openxmlformats.org/presentationml/2006/main" type="vertTitleAndTx" preserve="1">
   <p:cSld name="Vertical Title and Text">
     <p:spTree>
       <p:nvGrpSpPr>
@@ -4058,7 +4057,7 @@
             <a:fld id="{EF34DA83-6693-45CD-B904-8651ED07B240}" type="datetimeFigureOut">
               <a:rPr lang="en-US" smtClean="0"/>
               <a:pPr/>
-              <a:t>4/12/10</a:t>
+              <a:t>4/20/2010</a:t>
             </a:fld>
             <a:endParaRPr lang="en-US"/>
           </a:p>
@@ -4116,7 +4115,7 @@
 </file>
 
 <file path=ppt/slideLayouts/slideLayout2.xml><?xml version="1.0" encoding="utf-8"?>
-<p:sldLayout xmlns:a="http://schemas.openxmlformats.org/drawingml/2006/main" xmlns:r="http://schemas.openxmlformats.org/officeDocument/2006/relationships" xmlns:mc="http://schemas.openxmlformats.org/markup-compatibility/2006" xmlns:mv="urn:schemas-microsoft-com:mac:vml" xmlns:p="http://schemas.openxmlformats.org/presentationml/2006/main" mc:Ignorable="mv" mc:PreserveAttributes="mv:*" type="obj" preserve="1">
+<p:sldLayout xmlns:a="http://schemas.openxmlformats.org/drawingml/2006/main" xmlns:r="http://schemas.openxmlformats.org/officeDocument/2006/relationships" xmlns:p="http://schemas.openxmlformats.org/presentationml/2006/main" type="obj" preserve="1">
   <p:cSld name="Title and Content">
     <p:spTree>
       <p:nvGrpSpPr>
@@ -4225,7 +4224,7 @@
             <a:fld id="{EF34DA83-6693-45CD-B904-8651ED07B240}" type="datetimeFigureOut">
               <a:rPr lang="en-US" smtClean="0"/>
               <a:pPr/>
-              <a:t>4/12/10</a:t>
+              <a:t>4/20/2010</a:t>
             </a:fld>
             <a:endParaRPr lang="en-US"/>
           </a:p>
@@ -4283,7 +4282,7 @@
 </file>
 
 <file path=ppt/slideLayouts/slideLayout3.xml><?xml version="1.0" encoding="utf-8"?>
-<p:sldLayout xmlns:a="http://schemas.openxmlformats.org/drawingml/2006/main" xmlns:r="http://schemas.openxmlformats.org/officeDocument/2006/relationships" xmlns:mc="http://schemas.openxmlformats.org/markup-compatibility/2006" xmlns:mv="urn:schemas-microsoft-com:mac:vml" xmlns:p="http://schemas.openxmlformats.org/presentationml/2006/main" mc:Ignorable="mv" mc:PreserveAttributes="mv:*" type="secHead" preserve="1">
+<p:sldLayout xmlns:a="http://schemas.openxmlformats.org/drawingml/2006/main" xmlns:r="http://schemas.openxmlformats.org/officeDocument/2006/relationships" xmlns:p="http://schemas.openxmlformats.org/presentationml/2006/main" type="secHead" preserve="1">
   <p:cSld name="Section Header">
     <p:bg>
       <p:bgRef idx="1002">
@@ -4469,7 +4468,7 @@
             <a:fld id="{EF34DA83-6693-45CD-B904-8651ED07B240}" type="datetimeFigureOut">
               <a:rPr lang="en-US" smtClean="0"/>
               <a:pPr/>
-              <a:t>4/12/10</a:t>
+              <a:t>4/20/2010</a:t>
             </a:fld>
             <a:endParaRPr lang="en-US"/>
           </a:p>
@@ -4527,7 +4526,7 @@
 </file>
 
 <file path=ppt/slideLayouts/slideLayout4.xml><?xml version="1.0" encoding="utf-8"?>
-<p:sldLayout xmlns:a="http://schemas.openxmlformats.org/drawingml/2006/main" xmlns:r="http://schemas.openxmlformats.org/officeDocument/2006/relationships" xmlns:mc="http://schemas.openxmlformats.org/markup-compatibility/2006" xmlns:mv="urn:schemas-microsoft-com:mac:vml" xmlns:p="http://schemas.openxmlformats.org/presentationml/2006/main" mc:Ignorable="mv" mc:PreserveAttributes="mv:*" type="twoObj" preserve="1">
+<p:sldLayout xmlns:a="http://schemas.openxmlformats.org/drawingml/2006/main" xmlns:r="http://schemas.openxmlformats.org/officeDocument/2006/relationships" xmlns:p="http://schemas.openxmlformats.org/presentationml/2006/main" type="twoObj" preserve="1">
   <p:cSld name="Two Content">
     <p:spTree>
       <p:nvGrpSpPr>
@@ -4735,7 +4734,7 @@
             <a:fld id="{EF34DA83-6693-45CD-B904-8651ED07B240}" type="datetimeFigureOut">
               <a:rPr lang="en-US" smtClean="0"/>
               <a:pPr/>
-              <a:t>4/12/10</a:t>
+              <a:t>4/20/2010</a:t>
             </a:fld>
             <a:endParaRPr lang="en-US"/>
           </a:p>
@@ -4793,7 +4792,7 @@
 </file>
 
 <file path=ppt/slideLayouts/slideLayout5.xml><?xml version="1.0" encoding="utf-8"?>
-<p:sldLayout xmlns:a="http://schemas.openxmlformats.org/drawingml/2006/main" xmlns:r="http://schemas.openxmlformats.org/officeDocument/2006/relationships" xmlns:mc="http://schemas.openxmlformats.org/markup-compatibility/2006" xmlns:mv="urn:schemas-microsoft-com:mac:vml" xmlns:p="http://schemas.openxmlformats.org/presentationml/2006/main" mc:Ignorable="mv" mc:PreserveAttributes="mv:*" type="twoTxTwoObj" preserve="1">
+<p:sldLayout xmlns:a="http://schemas.openxmlformats.org/drawingml/2006/main" xmlns:r="http://schemas.openxmlformats.org/officeDocument/2006/relationships" xmlns:p="http://schemas.openxmlformats.org/presentationml/2006/main" type="twoTxTwoObj" preserve="1">
   <p:cSld name="Comparison">
     <p:spTree>
       <p:nvGrpSpPr>
@@ -5115,7 +5114,7 @@
             <a:fld id="{EF34DA83-6693-45CD-B904-8651ED07B240}" type="datetimeFigureOut">
               <a:rPr lang="en-US" smtClean="0"/>
               <a:pPr/>
-              <a:t>4/12/10</a:t>
+              <a:t>4/20/2010</a:t>
             </a:fld>
             <a:endParaRPr lang="en-US"/>
           </a:p>
@@ -5173,7 +5172,7 @@
 </file>
 
 <file path=ppt/slideLayouts/slideLayout6.xml><?xml version="1.0" encoding="utf-8"?>
-<p:sldLayout xmlns:a="http://schemas.openxmlformats.org/drawingml/2006/main" xmlns:r="http://schemas.openxmlformats.org/officeDocument/2006/relationships" xmlns:mc="http://schemas.openxmlformats.org/markup-compatibility/2006" xmlns:mv="urn:schemas-microsoft-com:mac:vml" xmlns:p="http://schemas.openxmlformats.org/presentationml/2006/main" mc:Ignorable="mv" mc:PreserveAttributes="mv:*" type="titleOnly" preserve="1">
+<p:sldLayout xmlns:a="http://schemas.openxmlformats.org/drawingml/2006/main" xmlns:r="http://schemas.openxmlformats.org/officeDocument/2006/relationships" xmlns:p="http://schemas.openxmlformats.org/presentationml/2006/main" type="titleOnly" preserve="1">
   <p:cSld name="Title Only">
     <p:spTree>
       <p:nvGrpSpPr>
@@ -5267,7 +5266,7 @@
             <a:fld id="{EF34DA83-6693-45CD-B904-8651ED07B240}" type="datetimeFigureOut">
               <a:rPr lang="en-US" smtClean="0"/>
               <a:pPr/>
-              <a:t>4/12/10</a:t>
+              <a:t>4/20/2010</a:t>
             </a:fld>
             <a:endParaRPr lang="en-US"/>
           </a:p>
@@ -5325,7 +5324,7 @@
 </file>
 
 <file path=ppt/slideLayouts/slideLayout7.xml><?xml version="1.0" encoding="utf-8"?>
-<p:sldLayout xmlns:a="http://schemas.openxmlformats.org/drawingml/2006/main" xmlns:r="http://schemas.openxmlformats.org/officeDocument/2006/relationships" xmlns:mc="http://schemas.openxmlformats.org/markup-compatibility/2006" xmlns:mv="urn:schemas-microsoft-com:mac:vml" xmlns:p="http://schemas.openxmlformats.org/presentationml/2006/main" mc:Ignorable="mv" mc:PreserveAttributes="mv:*" type="blank" preserve="1">
+<p:sldLayout xmlns:a="http://schemas.openxmlformats.org/drawingml/2006/main" xmlns:r="http://schemas.openxmlformats.org/officeDocument/2006/relationships" xmlns:p="http://schemas.openxmlformats.org/presentationml/2006/main" type="blank" preserve="1">
   <p:cSld name="Blank">
     <p:spTree>
       <p:nvGrpSpPr>
@@ -5359,7 +5358,7 @@
             <a:fld id="{EF34DA83-6693-45CD-B904-8651ED07B240}" type="datetimeFigureOut">
               <a:rPr lang="en-US" smtClean="0"/>
               <a:pPr/>
-              <a:t>4/12/10</a:t>
+              <a:t>4/20/2010</a:t>
             </a:fld>
             <a:endParaRPr lang="en-US"/>
           </a:p>
@@ -5417,7 +5416,7 @@
 </file>
 
 <file path=ppt/slideLayouts/slideLayout8.xml><?xml version="1.0" encoding="utf-8"?>
-<p:sldLayout xmlns:a="http://schemas.openxmlformats.org/drawingml/2006/main" xmlns:r="http://schemas.openxmlformats.org/officeDocument/2006/relationships" xmlns:mc="http://schemas.openxmlformats.org/markup-compatibility/2006" xmlns:mv="urn:schemas-microsoft-com:mac:vml" xmlns:p="http://schemas.openxmlformats.org/presentationml/2006/main" mc:Ignorable="mv" mc:PreserveAttributes="mv:*" type="objTx" preserve="1">
+<p:sldLayout xmlns:a="http://schemas.openxmlformats.org/drawingml/2006/main" xmlns:r="http://schemas.openxmlformats.org/officeDocument/2006/relationships" xmlns:p="http://schemas.openxmlformats.org/presentationml/2006/main" type="objTx" preserve="1">
   <p:cSld name="Content with Caption">
     <p:spTree>
       <p:nvGrpSpPr>
@@ -5622,7 +5621,7 @@
             <a:fld id="{EF34DA83-6693-45CD-B904-8651ED07B240}" type="datetimeFigureOut">
               <a:rPr lang="en-US" smtClean="0"/>
               <a:pPr/>
-              <a:t>4/12/10</a:t>
+              <a:t>4/20/2010</a:t>
             </a:fld>
             <a:endParaRPr lang="en-US"/>
           </a:p>
@@ -5680,7 +5679,7 @@
 </file>
 
 <file path=ppt/slideLayouts/slideLayout9.xml><?xml version="1.0" encoding="utf-8"?>
-<p:sldLayout xmlns:a="http://schemas.openxmlformats.org/drawingml/2006/main" xmlns:r="http://schemas.openxmlformats.org/officeDocument/2006/relationships" xmlns:mc="http://schemas.openxmlformats.org/markup-compatibility/2006" xmlns:mv="urn:schemas-microsoft-com:mac:vml" xmlns:p="http://schemas.openxmlformats.org/presentationml/2006/main" mc:Ignorable="mv" mc:PreserveAttributes="mv:*" showMasterSp="0" type="picTx" preserve="1">
+<p:sldLayout xmlns:a="http://schemas.openxmlformats.org/drawingml/2006/main" xmlns:r="http://schemas.openxmlformats.org/officeDocument/2006/relationships" xmlns:p="http://schemas.openxmlformats.org/presentationml/2006/main" showMasterSp="0" type="picTx" preserve="1">
   <p:cSld name="Picture with Caption">
     <p:spTree>
       <p:nvGrpSpPr>
@@ -5912,7 +5911,7 @@
             <a:fld id="{EF34DA83-6693-45CD-B904-8651ED07B240}" type="datetimeFigureOut">
               <a:rPr lang="en-US" smtClean="0"/>
               <a:pPr/>
-              <a:t>4/12/10</a:t>
+              <a:t>4/20/2010</a:t>
             </a:fld>
             <a:endParaRPr lang="en-US"/>
           </a:p>
@@ -6277,7 +6276,7 @@
 </file>
 
 <file path=ppt/slideMasters/slideMaster1.xml><?xml version="1.0" encoding="utf-8"?>
-<p:sldMaster xmlns:a="http://schemas.openxmlformats.org/drawingml/2006/main" xmlns:r="http://schemas.openxmlformats.org/officeDocument/2006/relationships" xmlns:mc="http://schemas.openxmlformats.org/markup-compatibility/2006" xmlns:mv="urn:schemas-microsoft-com:mac:vml" xmlns:p="http://schemas.openxmlformats.org/presentationml/2006/main" mc:Ignorable="mv" mc:PreserveAttributes="mv:*">
+<p:sldMaster xmlns:a="http://schemas.openxmlformats.org/drawingml/2006/main" xmlns:r="http://schemas.openxmlformats.org/officeDocument/2006/relationships" xmlns:p="http://schemas.openxmlformats.org/presentationml/2006/main">
   <p:cSld>
     <p:bg>
       <p:bgRef idx="1003">
@@ -6685,7 +6684,7 @@
             <a:fld id="{EF34DA83-6693-45CD-B904-8651ED07B240}" type="datetimeFigureOut">
               <a:rPr lang="en-US" smtClean="0"/>
               <a:pPr/>
-              <a:t>4/12/10</a:t>
+              <a:t>4/20/2010</a:t>
             </a:fld>
             <a:endParaRPr lang="en-US"/>
           </a:p>
@@ -7288,7 +7287,7 @@
 </file>
 
 <file path=ppt/slides/slide1.xml><?xml version="1.0" encoding="utf-8"?>
-<p:sld xmlns:a="http://schemas.openxmlformats.org/drawingml/2006/main" xmlns:r="http://schemas.openxmlformats.org/officeDocument/2006/relationships" xmlns:mc="http://schemas.openxmlformats.org/markup-compatibility/2006" xmlns:mv="urn:schemas-microsoft-com:mac:vml" xmlns:p="http://schemas.openxmlformats.org/presentationml/2006/main" mc:Ignorable="mv" mc:PreserveAttributes="mv:*">
+<p:sld xmlns:a="http://schemas.openxmlformats.org/drawingml/2006/main" xmlns:r="http://schemas.openxmlformats.org/officeDocument/2006/relationships" xmlns:p="http://schemas.openxmlformats.org/presentationml/2006/main">
   <p:cSld>
     <p:spTree>
       <p:nvGrpSpPr>
@@ -7370,7 +7369,7 @@
 </file>
 
 <file path=ppt/slides/slide10.xml><?xml version="1.0" encoding="utf-8"?>
-<p:sld xmlns:a="http://schemas.openxmlformats.org/drawingml/2006/main" xmlns:r="http://schemas.openxmlformats.org/officeDocument/2006/relationships" xmlns:mc="http://schemas.openxmlformats.org/markup-compatibility/2006" xmlns:mv="urn:schemas-microsoft-com:mac:vml" xmlns:p="http://schemas.openxmlformats.org/presentationml/2006/main" mc:Ignorable="mv" mc:PreserveAttributes="mv:*">
+<p:sld xmlns:a="http://schemas.openxmlformats.org/drawingml/2006/main" xmlns:r="http://schemas.openxmlformats.org/officeDocument/2006/relationships" xmlns:p="http://schemas.openxmlformats.org/presentationml/2006/main">
   <p:cSld>
     <p:spTree>
       <p:nvGrpSpPr>
@@ -7558,7 +7557,7 @@
 </file>
 
 <file path=ppt/slides/slide11.xml><?xml version="1.0" encoding="utf-8"?>
-<p:sld xmlns:a="http://schemas.openxmlformats.org/drawingml/2006/main" xmlns:r="http://schemas.openxmlformats.org/officeDocument/2006/relationships" xmlns:mc="http://schemas.openxmlformats.org/markup-compatibility/2006" xmlns:mv="urn:schemas-microsoft-com:mac:vml" xmlns:p="http://schemas.openxmlformats.org/presentationml/2006/main" mc:Ignorable="mv" mc:PreserveAttributes="mv:*">
+<p:sld xmlns:a="http://schemas.openxmlformats.org/drawingml/2006/main" xmlns:r="http://schemas.openxmlformats.org/officeDocument/2006/relationships" xmlns:p="http://schemas.openxmlformats.org/presentationml/2006/main">
   <p:cSld>
     <p:spTree>
       <p:nvGrpSpPr>
@@ -7690,7 +7689,7 @@
 </file>
 
 <file path=ppt/slides/slide12.xml><?xml version="1.0" encoding="utf-8"?>
-<p:sld xmlns:a="http://schemas.openxmlformats.org/drawingml/2006/main" xmlns:r="http://schemas.openxmlformats.org/officeDocument/2006/relationships" xmlns:mc="http://schemas.openxmlformats.org/markup-compatibility/2006" xmlns:mv="urn:schemas-microsoft-com:mac:vml" xmlns:p="http://schemas.openxmlformats.org/presentationml/2006/main" mc:Ignorable="mv" mc:PreserveAttributes="mv:*">
+<p:sld xmlns:a="http://schemas.openxmlformats.org/drawingml/2006/main" xmlns:r="http://schemas.openxmlformats.org/officeDocument/2006/relationships" xmlns:p="http://schemas.openxmlformats.org/presentationml/2006/main">
   <p:cSld>
     <p:spTree>
       <p:nvGrpSpPr>
@@ -9070,7 +9069,7 @@
 </file>
 
 <file path=ppt/slides/slide13.xml><?xml version="1.0" encoding="utf-8"?>
-<p:sld xmlns:a="http://schemas.openxmlformats.org/drawingml/2006/main" xmlns:r="http://schemas.openxmlformats.org/officeDocument/2006/relationships" xmlns:mc="http://schemas.openxmlformats.org/markup-compatibility/2006" xmlns:mv="urn:schemas-microsoft-com:mac:vml" xmlns:p="http://schemas.openxmlformats.org/presentationml/2006/main" mc:Ignorable="mv" mc:PreserveAttributes="mv:*">
+<p:sld xmlns:a="http://schemas.openxmlformats.org/drawingml/2006/main" xmlns:r="http://schemas.openxmlformats.org/officeDocument/2006/relationships" xmlns:p="http://schemas.openxmlformats.org/presentationml/2006/main">
   <p:cSld>
     <p:spTree>
       <p:nvGrpSpPr>
@@ -9204,7 +9203,7 @@
 </file>
 
 <file path=ppt/slides/slide14.xml><?xml version="1.0" encoding="utf-8"?>
-<p:sld xmlns:a="http://schemas.openxmlformats.org/drawingml/2006/main" xmlns:r="http://schemas.openxmlformats.org/officeDocument/2006/relationships" xmlns:mc="http://schemas.openxmlformats.org/markup-compatibility/2006" xmlns:mv="urn:schemas-microsoft-com:mac:vml" xmlns:p="http://schemas.openxmlformats.org/presentationml/2006/main" mc:Ignorable="mv" mc:PreserveAttributes="mv:*">
+<p:sld xmlns:a="http://schemas.openxmlformats.org/drawingml/2006/main" xmlns:r="http://schemas.openxmlformats.org/officeDocument/2006/relationships" xmlns:p="http://schemas.openxmlformats.org/presentationml/2006/main">
   <p:cSld>
     <p:spTree>
       <p:nvGrpSpPr>
@@ -9322,7 +9321,7 @@
 </file>
 
 <file path=ppt/slides/slide15.xml><?xml version="1.0" encoding="utf-8"?>
-<p:sld xmlns:a="http://schemas.openxmlformats.org/drawingml/2006/main" xmlns:r="http://schemas.openxmlformats.org/officeDocument/2006/relationships" xmlns:mc="http://schemas.openxmlformats.org/markup-compatibility/2006" xmlns:mv="urn:schemas-microsoft-com:mac:vml" xmlns:p="http://schemas.openxmlformats.org/presentationml/2006/main" mc:Ignorable="mv" mc:PreserveAttributes="mv:*">
+<p:sld xmlns:a="http://schemas.openxmlformats.org/drawingml/2006/main" xmlns:r="http://schemas.openxmlformats.org/officeDocument/2006/relationships" xmlns:p="http://schemas.openxmlformats.org/presentationml/2006/main">
   <p:cSld>
     <p:spTree>
       <p:nvGrpSpPr>
@@ -9456,7 +9455,7 @@
 </file>
 
 <file path=ppt/slides/slide16.xml><?xml version="1.0" encoding="utf-8"?>
-<p:sld xmlns:a="http://schemas.openxmlformats.org/drawingml/2006/main" xmlns:r="http://schemas.openxmlformats.org/officeDocument/2006/relationships" xmlns:mc="http://schemas.openxmlformats.org/markup-compatibility/2006" xmlns:mv="urn:schemas-microsoft-com:mac:vml" xmlns:p="http://schemas.openxmlformats.org/presentationml/2006/main" mc:Ignorable="mv" mc:PreserveAttributes="mv:*">
+<p:sld xmlns:a="http://schemas.openxmlformats.org/drawingml/2006/main" xmlns:r="http://schemas.openxmlformats.org/officeDocument/2006/relationships" xmlns:p="http://schemas.openxmlformats.org/presentationml/2006/main">
   <p:cSld>
     <p:spTree>
       <p:nvGrpSpPr>
@@ -9580,7 +9579,7 @@
 </file>
 
 <file path=ppt/slides/slide17.xml><?xml version="1.0" encoding="utf-8"?>
-<p:sld xmlns:a="http://schemas.openxmlformats.org/drawingml/2006/main" xmlns:r="http://schemas.openxmlformats.org/officeDocument/2006/relationships" xmlns:mc="http://schemas.openxmlformats.org/markup-compatibility/2006" xmlns:mv="urn:schemas-microsoft-com:mac:vml" xmlns:p="http://schemas.openxmlformats.org/presentationml/2006/main" mc:Ignorable="mv" mc:PreserveAttributes="mv:*">
+<p:sld xmlns:a="http://schemas.openxmlformats.org/drawingml/2006/main" xmlns:r="http://schemas.openxmlformats.org/officeDocument/2006/relationships" xmlns:p="http://schemas.openxmlformats.org/presentationml/2006/main">
   <p:cSld>
     <p:spTree>
       <p:nvGrpSpPr>
@@ -9648,7 +9647,7 @@
 </file>
 
 <file path=ppt/slides/slide18.xml><?xml version="1.0" encoding="utf-8"?>
-<p:sld xmlns:a="http://schemas.openxmlformats.org/drawingml/2006/main" xmlns:r="http://schemas.openxmlformats.org/officeDocument/2006/relationships" xmlns:mc="http://schemas.openxmlformats.org/markup-compatibility/2006" xmlns:mv="urn:schemas-microsoft-com:mac:vml" xmlns:p="http://schemas.openxmlformats.org/presentationml/2006/main" mc:Ignorable="mv" mc:PreserveAttributes="mv:*">
+<p:sld xmlns:a="http://schemas.openxmlformats.org/drawingml/2006/main" xmlns:r="http://schemas.openxmlformats.org/officeDocument/2006/relationships" xmlns:p="http://schemas.openxmlformats.org/presentationml/2006/main">
   <p:cSld>
     <p:spTree>
       <p:nvGrpSpPr>
@@ -9723,7 +9722,7 @@
 </file>
 
 <file path=ppt/slides/slide19.xml><?xml version="1.0" encoding="utf-8"?>
-<p:sld xmlns:a="http://schemas.openxmlformats.org/drawingml/2006/main" xmlns:r="http://schemas.openxmlformats.org/officeDocument/2006/relationships" xmlns:mc="http://schemas.openxmlformats.org/markup-compatibility/2006" xmlns:mv="urn:schemas-microsoft-com:mac:vml" xmlns:p="http://schemas.openxmlformats.org/presentationml/2006/main" mc:Ignorable="mv" mc:PreserveAttributes="mv:*">
+<p:sld xmlns:a="http://schemas.openxmlformats.org/drawingml/2006/main" xmlns:r="http://schemas.openxmlformats.org/officeDocument/2006/relationships" xmlns:p="http://schemas.openxmlformats.org/presentationml/2006/main">
   <p:cSld>
     <p:spTree>
       <p:nvGrpSpPr>
@@ -9793,7 +9792,7 @@
 </file>
 
 <file path=ppt/slides/slide2.xml><?xml version="1.0" encoding="utf-8"?>
-<p:sld xmlns:a="http://schemas.openxmlformats.org/drawingml/2006/main" xmlns:r="http://schemas.openxmlformats.org/officeDocument/2006/relationships" xmlns:mc="http://schemas.openxmlformats.org/markup-compatibility/2006" xmlns:mv="urn:schemas-microsoft-com:mac:vml" xmlns:p="http://schemas.openxmlformats.org/presentationml/2006/main" mc:Ignorable="mv" mc:PreserveAttributes="mv:*">
+<p:sld xmlns:a="http://schemas.openxmlformats.org/drawingml/2006/main" xmlns:r="http://schemas.openxmlformats.org/officeDocument/2006/relationships" xmlns:p="http://schemas.openxmlformats.org/presentationml/2006/main">
   <p:cSld>
     <p:spTree>
       <p:nvGrpSpPr>
@@ -9927,7 +9926,7 @@
 </file>
 
 <file path=ppt/slides/slide20.xml><?xml version="1.0" encoding="utf-8"?>
-<p:sld xmlns:a="http://schemas.openxmlformats.org/drawingml/2006/main" xmlns:r="http://schemas.openxmlformats.org/officeDocument/2006/relationships" xmlns:mc="http://schemas.openxmlformats.org/markup-compatibility/2006" xmlns:mv="urn:schemas-microsoft-com:mac:vml" xmlns:p="http://schemas.openxmlformats.org/presentationml/2006/main" mc:Ignorable="mv" mc:PreserveAttributes="mv:*">
+<p:sld xmlns:a="http://schemas.openxmlformats.org/drawingml/2006/main" xmlns:r="http://schemas.openxmlformats.org/officeDocument/2006/relationships" xmlns:p="http://schemas.openxmlformats.org/presentationml/2006/main">
   <p:cSld>
     <p:spTree>
       <p:nvGrpSpPr>
@@ -10061,7 +10060,7 @@
 </file>
 
 <file path=ppt/slides/slide21.xml><?xml version="1.0" encoding="utf-8"?>
-<p:sld xmlns:a="http://schemas.openxmlformats.org/drawingml/2006/main" xmlns:r="http://schemas.openxmlformats.org/officeDocument/2006/relationships" xmlns:mc="http://schemas.openxmlformats.org/markup-compatibility/2006" xmlns:mv="urn:schemas-microsoft-com:mac:vml" xmlns:p="http://schemas.openxmlformats.org/presentationml/2006/main" mc:Ignorable="mv" mc:PreserveAttributes="mv:*">
+<p:sld xmlns:a="http://schemas.openxmlformats.org/drawingml/2006/main" xmlns:r="http://schemas.openxmlformats.org/officeDocument/2006/relationships" xmlns:p="http://schemas.openxmlformats.org/presentationml/2006/main">
   <p:cSld>
     <p:spTree>
       <p:nvGrpSpPr>
@@ -10135,29 +10134,13 @@
             </a:r>
             <a:r>
               <a:rPr lang="en-US" dirty="0" smtClean="0"/>
-              <a:t> of the Load balanced algorithm</a:t>
-            </a:r>
-            <a:r>
-              <a:rPr lang="en-US" dirty="0" smtClean="0"/>
-              <a:t>. (Computability </a:t>
-            </a:r>
-            <a:r>
-              <a:rPr lang="en-US" dirty="0" smtClean="0"/>
-              <a:t>1.1</a:t>
-            </a:r>
-            <a:r>
-              <a:rPr lang="en-US" dirty="0" smtClean="0"/>
-              <a:t>)</a:t>
+              <a:t> of the Load balanced algorithm. (Computability 1.1)</a:t>
             </a:r>
           </a:p>
           <a:p>
             <a:r>
               <a:rPr lang="en-US" dirty="0" smtClean="0"/>
               <a:t>New algorithm uses twice as much memory, running more quickly out of Memory.</a:t>
-            </a:r>
-            <a:r>
-              <a:rPr lang="en-US" dirty="0" smtClean="0"/>
-              <a:t> </a:t>
             </a:r>
           </a:p>
         </p:txBody>
@@ -10178,7 +10161,7 @@
 </file>
 
 <file path=ppt/slides/slide22.xml><?xml version="1.0" encoding="utf-8"?>
-<p:sld xmlns:a="http://schemas.openxmlformats.org/drawingml/2006/main" xmlns:r="http://schemas.openxmlformats.org/officeDocument/2006/relationships" xmlns:mc="http://schemas.openxmlformats.org/markup-compatibility/2006" xmlns:mv="urn:schemas-microsoft-com:mac:vml" xmlns:p="http://schemas.openxmlformats.org/presentationml/2006/main" mc:Ignorable="mv" mc:PreserveAttributes="mv:*">
+<p:sld xmlns:a="http://schemas.openxmlformats.org/drawingml/2006/main" xmlns:r="http://schemas.openxmlformats.org/officeDocument/2006/relationships" xmlns:p="http://schemas.openxmlformats.org/presentationml/2006/main">
   <p:cSld>
     <p:spTree>
       <p:nvGrpSpPr>
@@ -10320,7 +10303,7 @@
 </file>
 
 <file path=ppt/slides/slide23.xml><?xml version="1.0" encoding="utf-8"?>
-<p:sld xmlns:a="http://schemas.openxmlformats.org/drawingml/2006/main" xmlns:r="http://schemas.openxmlformats.org/officeDocument/2006/relationships" xmlns:mc="http://schemas.openxmlformats.org/markup-compatibility/2006" xmlns:mv="urn:schemas-microsoft-com:mac:vml" xmlns:p="http://schemas.openxmlformats.org/presentationml/2006/main" mc:Ignorable="mv" mc:PreserveAttributes="mv:*">
+<p:sld xmlns:a="http://schemas.openxmlformats.org/drawingml/2006/main" xmlns:r="http://schemas.openxmlformats.org/officeDocument/2006/relationships" xmlns:p="http://schemas.openxmlformats.org/presentationml/2006/main">
   <p:cSld>
     <p:spTree>
       <p:nvGrpSpPr>
@@ -10435,7 +10418,7 @@
 </file>
 
 <file path=ppt/slides/slide24.xml><?xml version="1.0" encoding="utf-8"?>
-<p:sld xmlns:a="http://schemas.openxmlformats.org/drawingml/2006/main" xmlns:r="http://schemas.openxmlformats.org/officeDocument/2006/relationships" xmlns:mc="http://schemas.openxmlformats.org/markup-compatibility/2006" xmlns:mv="urn:schemas-microsoft-com:mac:vml" xmlns:p="http://schemas.openxmlformats.org/presentationml/2006/main" mc:Ignorable="mv" mc:PreserveAttributes="mv:*">
+<p:sld xmlns:a="http://schemas.openxmlformats.org/drawingml/2006/main" xmlns:r="http://schemas.openxmlformats.org/officeDocument/2006/relationships" xmlns:p="http://schemas.openxmlformats.org/presentationml/2006/main">
   <p:cSld>
     <p:spTree>
       <p:nvGrpSpPr>
@@ -10512,15 +10495,7 @@
             <a:pPr lvl="0"/>
             <a:r>
               <a:rPr lang="en-US" dirty="0" smtClean="0"/>
-              <a:t>To Improve Kernel 5 will look into using</a:t>
-            </a:r>
-            <a:r>
-              <a:rPr lang="en-US" dirty="0" smtClean="0"/>
-              <a:t> Constant memory </a:t>
-            </a:r>
-            <a:r>
-              <a:rPr lang="en-US" dirty="0" smtClean="0"/>
-              <a:t>for reads from array of Symbols.</a:t>
+              <a:t>To Improve Kernel 5 will look into using Constant memory for reads from array of Symbols.</a:t>
             </a:r>
           </a:p>
           <a:p>
@@ -10550,7 +10525,7 @@
 </file>
 
 <file path=ppt/slides/slide25.xml><?xml version="1.0" encoding="utf-8"?>
-<p:sld xmlns:a="http://schemas.openxmlformats.org/drawingml/2006/main" xmlns:r="http://schemas.openxmlformats.org/officeDocument/2006/relationships" xmlns:mc="http://schemas.openxmlformats.org/markup-compatibility/2006" xmlns:mv="urn:schemas-microsoft-com:mac:vml" xmlns:p="http://schemas.openxmlformats.org/presentationml/2006/main" mc:Ignorable="mv" mc:PreserveAttributes="mv:*">
+<p:sld xmlns:a="http://schemas.openxmlformats.org/drawingml/2006/main" xmlns:r="http://schemas.openxmlformats.org/officeDocument/2006/relationships" xmlns:p="http://schemas.openxmlformats.org/presentationml/2006/main">
   <p:cSld>
     <p:spTree>
       <p:nvGrpSpPr>
@@ -10713,7 +10688,7 @@
 </file>
 
 <file path=ppt/slides/slide26.xml><?xml version="1.0" encoding="utf-8"?>
-<p:sld xmlns:a="http://schemas.openxmlformats.org/drawingml/2006/main" xmlns:r="http://schemas.openxmlformats.org/officeDocument/2006/relationships" xmlns:mc="http://schemas.openxmlformats.org/markup-compatibility/2006" xmlns:mv="urn:schemas-microsoft-com:mac:vml" xmlns:p="http://schemas.openxmlformats.org/presentationml/2006/main" mc:Ignorable="mv" mc:PreserveAttributes="mv:*">
+<p:sld xmlns:a="http://schemas.openxmlformats.org/drawingml/2006/main" xmlns:r="http://schemas.openxmlformats.org/officeDocument/2006/relationships" xmlns:p="http://schemas.openxmlformats.org/presentationml/2006/main">
   <p:cSld>
     <p:spTree>
       <p:nvGrpSpPr>
@@ -10802,7 +10777,7 @@
 </file>
 
 <file path=ppt/slides/slide3.xml><?xml version="1.0" encoding="utf-8"?>
-<p:sld xmlns:a="http://schemas.openxmlformats.org/drawingml/2006/main" xmlns:r="http://schemas.openxmlformats.org/officeDocument/2006/relationships" xmlns:mc="http://schemas.openxmlformats.org/markup-compatibility/2006" xmlns:mv="urn:schemas-microsoft-com:mac:vml" xmlns:p="http://schemas.openxmlformats.org/presentationml/2006/main" mc:Ignorable="mv" mc:PreserveAttributes="mv:*">
+<p:sld xmlns:a="http://schemas.openxmlformats.org/drawingml/2006/main" xmlns:r="http://schemas.openxmlformats.org/officeDocument/2006/relationships" xmlns:p="http://schemas.openxmlformats.org/presentationml/2006/main">
   <p:cSld>
     <p:spTree>
       <p:nvGrpSpPr>
@@ -10907,7 +10882,7 @@
 </file>
 
 <file path=ppt/slides/slide4.xml><?xml version="1.0" encoding="utf-8"?>
-<p:sld xmlns:a="http://schemas.openxmlformats.org/drawingml/2006/main" xmlns:r="http://schemas.openxmlformats.org/officeDocument/2006/relationships" xmlns:mc="http://schemas.openxmlformats.org/markup-compatibility/2006" xmlns:mv="urn:schemas-microsoft-com:mac:vml" xmlns:p="http://schemas.openxmlformats.org/presentationml/2006/main" mc:Ignorable="mv" mc:PreserveAttributes="mv:*">
+<p:sld xmlns:a="http://schemas.openxmlformats.org/drawingml/2006/main" xmlns:r="http://schemas.openxmlformats.org/officeDocument/2006/relationships" xmlns:p="http://schemas.openxmlformats.org/presentationml/2006/main">
   <p:cSld>
     <p:spTree>
       <p:nvGrpSpPr>
@@ -10996,7 +10971,7 @@
         </p:nvGrpSpPr>
         <p:grpSpPr>
           <a:xfrm>
-            <a:off x="838200" y="4419600"/>
+            <a:off x="838200" y="3962400"/>
             <a:ext cx="7239000" cy="1676400"/>
             <a:chOff x="1066800" y="4038600"/>
             <a:chExt cx="7239000" cy="1676400"/>
@@ -11199,8 +11174,13 @@
               <a:pPr lvl="1"/>
               <a:r>
                 <a:rPr lang="en-US" dirty="0" smtClean="0"/>
-                <a:t>A3B1C7</a:t>
+                <a:t>X</a:t>
               </a:r>
+              <a:r>
+                <a:rPr lang="en-US" dirty="0" smtClean="0"/>
+                <a:t>3Y1Z7</a:t>
+              </a:r>
+              <a:endParaRPr lang="en-US" dirty="0" smtClean="0"/>
             </a:p>
           </p:txBody>
         </p:sp>
@@ -11256,22 +11236,165 @@
               <a:pPr lvl="1"/>
               <a:r>
                 <a:rPr lang="en-US" dirty="0" smtClean="0"/>
-                <a:t>AAABCCCCCCC</a:t>
+                <a:t>XXXYZZZZZZZ</a:t>
               </a:r>
+              <a:endParaRPr lang="en-US" dirty="0" smtClean="0"/>
             </a:p>
           </p:txBody>
         </p:sp>
       </p:grpSp>
-      <p:sp>
-        <p:nvSpPr>
-          <p:cNvPr id="11" name="Rectangle 10"/>
+      <p:graphicFrame>
+        <p:nvGraphicFramePr>
+          <p:cNvPr id="15" name="Table 14"/>
+          <p:cNvGraphicFramePr>
+            <a:graphicFrameLocks noGrp="1"/>
+          </p:cNvGraphicFramePr>
+          <p:nvPr/>
+        </p:nvGraphicFramePr>
+        <p:xfrm>
+          <a:off x="3810000" y="4876800"/>
+          <a:ext cx="1219200" cy="370840"/>
+        </p:xfrm>
+        <a:graphic>
+          <a:graphicData uri="http://schemas.openxmlformats.org/drawingml/2006/table">
+            <a:tbl>
+              <a:tblPr firstRow="1" bandRow="1">
+                <a:tableStyleId>{5940675A-B579-460E-94D1-54222C63F5DA}</a:tableStyleId>
+              </a:tblPr>
+              <a:tblGrid>
+                <a:gridCol w="406400"/>
+                <a:gridCol w="406400"/>
+                <a:gridCol w="406400"/>
+              </a:tblGrid>
+              <a:tr h="370840">
+                <a:tc>
+                  <a:txBody>
+                    <a:bodyPr/>
+                    <a:lstStyle/>
+                    <a:p>
+                      <a:r>
+                        <a:rPr lang="en-US" dirty="0" smtClean="0"/>
+                        <a:t>3</a:t>
+                      </a:r>
+                      <a:endParaRPr lang="en-US" dirty="0"/>
+                    </a:p>
+                  </a:txBody>
+                  <a:tcPr/>
+                </a:tc>
+                <a:tc>
+                  <a:txBody>
+                    <a:bodyPr/>
+                    <a:lstStyle/>
+                    <a:p>
+                      <a:r>
+                        <a:rPr lang="en-US" dirty="0" smtClean="0"/>
+                        <a:t>1</a:t>
+                      </a:r>
+                      <a:endParaRPr lang="en-US" dirty="0"/>
+                    </a:p>
+                  </a:txBody>
+                  <a:tcPr/>
+                </a:tc>
+                <a:tc>
+                  <a:txBody>
+                    <a:bodyPr/>
+                    <a:lstStyle/>
+                    <a:p>
+                      <a:r>
+                        <a:rPr lang="en-US" dirty="0" smtClean="0"/>
+                        <a:t>7</a:t>
+                      </a:r>
+                      <a:endParaRPr lang="en-US" dirty="0"/>
+                    </a:p>
+                  </a:txBody>
+                  <a:tcPr/>
+                </a:tc>
+              </a:tr>
+            </a:tbl>
+          </a:graphicData>
+        </a:graphic>
+      </p:graphicFrame>
+      <p:graphicFrame>
+        <p:nvGraphicFramePr>
+          <p:cNvPr id="16" name="Table 15"/>
+          <p:cNvGraphicFramePr>
+            <a:graphicFrameLocks noGrp="1"/>
+          </p:cNvGraphicFramePr>
+          <p:nvPr/>
+        </p:nvGraphicFramePr>
+        <p:xfrm>
+          <a:off x="3810000" y="5344160"/>
+          <a:ext cx="1219200" cy="370840"/>
+        </p:xfrm>
+        <a:graphic>
+          <a:graphicData uri="http://schemas.openxmlformats.org/drawingml/2006/table">
+            <a:tbl>
+              <a:tblPr firstRow="1" bandRow="1">
+                <a:tableStyleId>{5940675A-B579-460E-94D1-54222C63F5DA}</a:tableStyleId>
+              </a:tblPr>
+              <a:tblGrid>
+                <a:gridCol w="406400"/>
+                <a:gridCol w="406400"/>
+                <a:gridCol w="406400"/>
+              </a:tblGrid>
+              <a:tr h="370840">
+                <a:tc>
+                  <a:txBody>
+                    <a:bodyPr/>
+                    <a:lstStyle/>
+                    <a:p>
+                      <a:r>
+                        <a:rPr lang="en-US" dirty="0" smtClean="0"/>
+                        <a:t>X</a:t>
+                      </a:r>
+                      <a:endParaRPr lang="en-US" dirty="0"/>
+                    </a:p>
+                  </a:txBody>
+                  <a:tcPr/>
+                </a:tc>
+                <a:tc>
+                  <a:txBody>
+                    <a:bodyPr/>
+                    <a:lstStyle/>
+                    <a:p>
+                      <a:r>
+                        <a:rPr lang="en-US" dirty="0" smtClean="0"/>
+                        <a:t>Y</a:t>
+                      </a:r>
+                      <a:endParaRPr lang="en-US" dirty="0"/>
+                    </a:p>
+                  </a:txBody>
+                  <a:tcPr/>
+                </a:tc>
+                <a:tc>
+                  <a:txBody>
+                    <a:bodyPr/>
+                    <a:lstStyle/>
+                    <a:p>
+                      <a:r>
+                        <a:rPr lang="en-US" dirty="0" smtClean="0"/>
+                        <a:t>Z</a:t>
+                      </a:r>
+                      <a:endParaRPr lang="en-US" dirty="0"/>
+                    </a:p>
+                  </a:txBody>
+                  <a:tcPr/>
+                </a:tc>
+              </a:tr>
+            </a:tbl>
+          </a:graphicData>
+        </a:graphic>
+      </p:graphicFrame>
+      <p:sp>
+        <p:nvSpPr>
+          <p:cNvPr id="17" name="Rectangle 16"/>
           <p:cNvSpPr/>
           <p:nvPr/>
         </p:nvSpPr>
         <p:spPr>
           <a:xfrm>
-            <a:off x="3776589" y="5421868"/>
-            <a:ext cx="795411" cy="369332"/>
+            <a:off x="3352800" y="4876800"/>
+            <a:ext cx="369012" cy="369332"/>
           </a:xfrm>
           <a:prstGeom prst="rect">
             <a:avLst/>
@@ -11285,7 +11408,7 @@
           <a:p>
             <a:r>
               <a:rPr lang="en-US" dirty="0" smtClean="0"/>
-              <a:t>A-B-C</a:t>
+              <a:t>F:</a:t>
             </a:r>
             <a:endParaRPr lang="en-US" dirty="0"/>
           </a:p>
@@ -11293,14 +11416,14 @@
       </p:sp>
       <p:sp>
         <p:nvSpPr>
-          <p:cNvPr id="12" name="Rectangle 11"/>
+          <p:cNvPr id="18" name="Rectangle 17"/>
           <p:cNvSpPr/>
           <p:nvPr/>
         </p:nvSpPr>
         <p:spPr>
           <a:xfrm>
-            <a:off x="3733800" y="5105400"/>
-            <a:ext cx="904415" cy="369332"/>
+            <a:off x="3352800" y="5345668"/>
+            <a:ext cx="360996" cy="369332"/>
           </a:xfrm>
           <a:prstGeom prst="rect">
             <a:avLst/>
@@ -11314,7 +11437,147 @@
           <a:p>
             <a:r>
               <a:rPr lang="en-US" dirty="0" smtClean="0"/>
-              <a:t>3 – 1 - 7</a:t>
+              <a:t>S:</a:t>
+            </a:r>
+            <a:endParaRPr lang="en-US" dirty="0"/>
+          </a:p>
+        </p:txBody>
+      </p:sp>
+      <p:sp>
+        <p:nvSpPr>
+          <p:cNvPr id="19" name="Left Brace 18"/>
+          <p:cNvSpPr/>
+          <p:nvPr/>
+        </p:nvSpPr>
+        <p:spPr>
+          <a:xfrm rot="16200000">
+            <a:off x="4210050" y="5200650"/>
+            <a:ext cx="342900" cy="1447800"/>
+          </a:xfrm>
+          <a:prstGeom prst="leftBrace">
+            <a:avLst>
+              <a:gd name="adj1" fmla="val 32408"/>
+              <a:gd name="adj2" fmla="val 50000"/>
+            </a:avLst>
+          </a:prstGeom>
+        </p:spPr>
+        <p:style>
+          <a:lnRef idx="1">
+            <a:schemeClr val="accent1"/>
+          </a:lnRef>
+          <a:fillRef idx="0">
+            <a:schemeClr val="accent1"/>
+          </a:fillRef>
+          <a:effectRef idx="0">
+            <a:schemeClr val="accent1"/>
+          </a:effectRef>
+          <a:fontRef idx="minor">
+            <a:schemeClr val="tx1"/>
+          </a:fontRef>
+        </p:style>
+        <p:txBody>
+          <a:bodyPr rtlCol="0" anchor="ctr"/>
+          <a:lstStyle/>
+          <a:p>
+            <a:pPr algn="ctr"/>
+            <a:endParaRPr lang="en-US"/>
+          </a:p>
+        </p:txBody>
+      </p:sp>
+      <p:sp>
+        <p:nvSpPr>
+          <p:cNvPr id="20" name="Rectangle 19"/>
+          <p:cNvSpPr/>
+          <p:nvPr/>
+        </p:nvSpPr>
+        <p:spPr>
+          <a:xfrm>
+            <a:off x="4236652" y="6096000"/>
+            <a:ext cx="335348" cy="369332"/>
+          </a:xfrm>
+          <a:prstGeom prst="rect">
+            <a:avLst/>
+          </a:prstGeom>
+        </p:spPr>
+        <p:txBody>
+          <a:bodyPr wrap="none">
+            <a:spAutoFit/>
+          </a:bodyPr>
+          <a:lstStyle/>
+          <a:p>
+            <a:r>
+              <a:rPr lang="en-US" dirty="0" smtClean="0"/>
+              <a:t>C</a:t>
+            </a:r>
+            <a:endParaRPr lang="en-US" dirty="0"/>
+          </a:p>
+        </p:txBody>
+      </p:sp>
+      <p:sp>
+        <p:nvSpPr>
+          <p:cNvPr id="21" name="Left Brace 20"/>
+          <p:cNvSpPr/>
+          <p:nvPr/>
+        </p:nvSpPr>
+        <p:spPr>
+          <a:xfrm rot="16200000">
+            <a:off x="6267450" y="4857751"/>
+            <a:ext cx="342900" cy="1600200"/>
+          </a:xfrm>
+          <a:prstGeom prst="leftBrace">
+            <a:avLst>
+              <a:gd name="adj1" fmla="val 32408"/>
+              <a:gd name="adj2" fmla="val 50000"/>
+            </a:avLst>
+          </a:prstGeom>
+        </p:spPr>
+        <p:style>
+          <a:lnRef idx="1">
+            <a:schemeClr val="accent1"/>
+          </a:lnRef>
+          <a:fillRef idx="0">
+            <a:schemeClr val="accent1"/>
+          </a:fillRef>
+          <a:effectRef idx="0">
+            <a:schemeClr val="accent1"/>
+          </a:effectRef>
+          <a:fontRef idx="minor">
+            <a:schemeClr val="tx1"/>
+          </a:fontRef>
+        </p:style>
+        <p:txBody>
+          <a:bodyPr rtlCol="0" anchor="ctr"/>
+          <a:lstStyle/>
+          <a:p>
+            <a:pPr algn="ctr"/>
+            <a:endParaRPr lang="en-US"/>
+          </a:p>
+        </p:txBody>
+      </p:sp>
+      <p:sp>
+        <p:nvSpPr>
+          <p:cNvPr id="22" name="Rectangle 21"/>
+          <p:cNvSpPr/>
+          <p:nvPr/>
+        </p:nvSpPr>
+        <p:spPr>
+          <a:xfrm>
+            <a:off x="6248400" y="5803900"/>
+            <a:ext cx="356188" cy="369332"/>
+          </a:xfrm>
+          <a:prstGeom prst="rect">
+            <a:avLst/>
+          </a:prstGeom>
+        </p:spPr>
+        <p:txBody>
+          <a:bodyPr wrap="none">
+            <a:spAutoFit/>
+          </a:bodyPr>
+          <a:lstStyle/>
+          <a:p>
+            <a:r>
+              <a:rPr lang="en-US" dirty="0" smtClean="0"/>
+              <a:t>U</a:t>
             </a:r>
             <a:endParaRPr lang="en-US" dirty="0"/>
           </a:p>
@@ -11336,7 +11599,7 @@
 </file>
 
 <file path=ppt/slides/slide5.xml><?xml version="1.0" encoding="utf-8"?>
-<p:sld xmlns:a="http://schemas.openxmlformats.org/drawingml/2006/main" xmlns:r="http://schemas.openxmlformats.org/officeDocument/2006/relationships" xmlns:mc="http://schemas.openxmlformats.org/markup-compatibility/2006" xmlns:mv="urn:schemas-microsoft-com:mac:vml" xmlns:p="http://schemas.openxmlformats.org/presentationml/2006/main" mc:Ignorable="mv" mc:PreserveAttributes="mv:*">
+<p:sld xmlns:a="http://schemas.openxmlformats.org/drawingml/2006/main" xmlns:r="http://schemas.openxmlformats.org/officeDocument/2006/relationships" xmlns:p="http://schemas.openxmlformats.org/presentationml/2006/main">
   <p:cSld>
     <p:spTree>
       <p:nvGrpSpPr>
@@ -11917,7 +12180,7 @@
 </file>
 
 <file path=ppt/slides/slide6.xml><?xml version="1.0" encoding="utf-8"?>
-<p:sld xmlns:a="http://schemas.openxmlformats.org/drawingml/2006/main" xmlns:r="http://schemas.openxmlformats.org/officeDocument/2006/relationships" xmlns:mc="http://schemas.openxmlformats.org/markup-compatibility/2006" xmlns:mv="urn:schemas-microsoft-com:mac:vml" xmlns:p="http://schemas.openxmlformats.org/presentationml/2006/main" mc:Ignorable="mv" mc:PreserveAttributes="mv:*">
+<p:sld xmlns:a="http://schemas.openxmlformats.org/drawingml/2006/main" xmlns:r="http://schemas.openxmlformats.org/officeDocument/2006/relationships" xmlns:p="http://schemas.openxmlformats.org/presentationml/2006/main">
   <p:cSld>
     <p:spTree>
       <p:nvGrpSpPr>
@@ -12102,7 +12365,7 @@
 </file>
 
 <file path=ppt/slides/slide7.xml><?xml version="1.0" encoding="utf-8"?>
-<p:sld xmlns:a="http://schemas.openxmlformats.org/drawingml/2006/main" xmlns:r="http://schemas.openxmlformats.org/officeDocument/2006/relationships" xmlns:mc="http://schemas.openxmlformats.org/markup-compatibility/2006" xmlns:mv="urn:schemas-microsoft-com:mac:vml" xmlns:p="http://schemas.openxmlformats.org/presentationml/2006/main" mc:Ignorable="mv" mc:PreserveAttributes="mv:*">
+<p:sld xmlns:a="http://schemas.openxmlformats.org/drawingml/2006/main" xmlns:r="http://schemas.openxmlformats.org/officeDocument/2006/relationships" xmlns:p="http://schemas.openxmlformats.org/presentationml/2006/main">
   <p:cSld>
     <p:spTree>
       <p:nvGrpSpPr>
@@ -12224,7 +12487,7 @@
 </file>
 
 <file path=ppt/slides/slide8.xml><?xml version="1.0" encoding="utf-8"?>
-<p:sld xmlns:a="http://schemas.openxmlformats.org/drawingml/2006/main" xmlns:r="http://schemas.openxmlformats.org/officeDocument/2006/relationships" xmlns:mc="http://schemas.openxmlformats.org/markup-compatibility/2006" xmlns:mv="urn:schemas-microsoft-com:mac:vml" xmlns:p="http://schemas.openxmlformats.org/presentationml/2006/main" mc:Ignorable="mv" mc:PreserveAttributes="mv:*">
+<p:sld xmlns:a="http://schemas.openxmlformats.org/drawingml/2006/main" xmlns:r="http://schemas.openxmlformats.org/officeDocument/2006/relationships" xmlns:p="http://schemas.openxmlformats.org/presentationml/2006/main">
   <p:cSld>
     <p:spTree>
       <p:nvGrpSpPr>
@@ -12346,7 +12609,7 @@
 </file>
 
 <file path=ppt/slides/slide9.xml><?xml version="1.0" encoding="utf-8"?>
-<p:sld xmlns:a="http://schemas.openxmlformats.org/drawingml/2006/main" xmlns:r="http://schemas.openxmlformats.org/officeDocument/2006/relationships" xmlns:mc="http://schemas.openxmlformats.org/markup-compatibility/2006" xmlns:mv="urn:schemas-microsoft-com:mac:vml" xmlns:p="http://schemas.openxmlformats.org/presentationml/2006/main" mc:Ignorable="mv" mc:PreserveAttributes="mv:*">
+<p:sld xmlns:a="http://schemas.openxmlformats.org/drawingml/2006/main" xmlns:r="http://schemas.openxmlformats.org/officeDocument/2006/relationships" xmlns:p="http://schemas.openxmlformats.org/presentationml/2006/main">
   <p:cSld>
     <p:spTree>
       <p:nvGrpSpPr>

--- a/proj/FinalPresentation.pptx
+++ b/proj/FinalPresentation.pptx
@@ -8837,7 +8837,11 @@
           <a:p>
             <a:r>
               <a:rPr lang="en-US" dirty="0" smtClean="0"/>
-              <a:t>Kernel 2</a:t>
+              <a:t>Phase </a:t>
+            </a:r>
+            <a:r>
+              <a:rPr lang="en-US" dirty="0" smtClean="0"/>
+              <a:t>2</a:t>
             </a:r>
             <a:endParaRPr lang="en-US" dirty="0"/>
           </a:p>
@@ -8867,7 +8871,7 @@
           <a:p>
             <a:r>
               <a:rPr lang="en-US" dirty="0" smtClean="0"/>
-              <a:t>Kernel 3</a:t>
+              <a:t>Phase 3</a:t>
             </a:r>
             <a:endParaRPr lang="en-US" dirty="0"/>
           </a:p>
@@ -8897,7 +8901,7 @@
           <a:p>
             <a:r>
               <a:rPr lang="en-US" dirty="0" smtClean="0"/>
-              <a:t>Kernel 4</a:t>
+              <a:t>Phase 4</a:t>
             </a:r>
             <a:endParaRPr lang="en-US" dirty="0"/>
           </a:p>
@@ -8927,7 +8931,7 @@
           <a:p>
             <a:r>
               <a:rPr lang="en-US" dirty="0" smtClean="0"/>
-              <a:t>Kernel 5</a:t>
+              <a:t>Phase 5</a:t>
             </a:r>
             <a:endParaRPr lang="en-US" dirty="0"/>
           </a:p>
